--- a/机器学习之手写识别.pptx
+++ b/机器学习之手写识别.pptx
@@ -129,6 +129,9 @@
           </p14:sldIdLst>
         </p14:section>
       </p14:sectionLst>
+    </p:ext>
+    <p:ext uri="{EFAFB233-063F-42B5-8137-9DF3F51BA10A}">
+      <p15:sldGuideLst xmlns:p15="http://schemas.microsoft.com/office/powerpoint/2012/main"/>
     </p:ext>
   </p:extLst>
 </p:presentation>
@@ -3338,11 +3341,11 @@
   <p:clrMapOvr>
     <a:masterClrMapping/>
   </p:clrMapOvr>
-  <mc:AlternateContent xmlns:mc="http://schemas.openxmlformats.org/markup-compatibility/2006">
-    <mc:Choice xmlns:p14="http://schemas.microsoft.com/office/powerpoint/2010/main" Requires="p14">
+  <mc:AlternateContent xmlns:mc="http://schemas.openxmlformats.org/markup-compatibility/2006" xmlns:p14="http://schemas.microsoft.com/office/powerpoint/2010/main">
+    <mc:Choice Requires="p14">
       <p:transition p14:dur="0"/>
     </mc:Choice>
-    <mc:Fallback>
+    <mc:Fallback xmlns="">
       <p:transition/>
     </mc:Fallback>
   </mc:AlternateContent>
@@ -3928,7 +3931,7 @@
           <a:p>
             <a:r>
               <a:rPr lang="zh-CN" altLang="en-US" dirty="0" smtClean="0"/>
-              <a:t>通过外观容易区分的照明灯</a:t>
+              <a:t>通过外观不容易区分的照明灯</a:t>
             </a:r>
             <a:endParaRPr lang="en-US" dirty="0"/>
           </a:p>

--- a/机器学习之手写识别.pptx
+++ b/机器学习之手写识别.pptx
@@ -12,6 +12,16 @@
     <p:sldId id="259" r:id="rId6"/>
     <p:sldId id="260" r:id="rId7"/>
     <p:sldId id="261" r:id="rId8"/>
+    <p:sldId id="263" r:id="rId9"/>
+    <p:sldId id="265" r:id="rId10"/>
+    <p:sldId id="266" r:id="rId11"/>
+    <p:sldId id="267" r:id="rId12"/>
+    <p:sldId id="268" r:id="rId13"/>
+    <p:sldId id="269" r:id="rId14"/>
+    <p:sldId id="270" r:id="rId15"/>
+    <p:sldId id="264" r:id="rId16"/>
+    <p:sldId id="271" r:id="rId17"/>
+    <p:sldId id="272" r:id="rId18"/>
   </p:sldIdLst>
   <p:sldSz cx="12192000" cy="6858000"/>
   <p:notesSz cx="6858000" cy="9144000"/>
@@ -128,6 +138,20 @@
             <p14:sldId id="261"/>
           </p14:sldIdLst>
         </p14:section>
+        <p14:section name="位图" id="{BFB8DD58-21AA-CB41-BD86-A38573269500}">
+          <p14:sldIdLst>
+            <p14:sldId id="263"/>
+            <p14:sldId id="265"/>
+            <p14:sldId id="266"/>
+            <p14:sldId id="267"/>
+            <p14:sldId id="268"/>
+            <p14:sldId id="269"/>
+            <p14:sldId id="270"/>
+            <p14:sldId id="264"/>
+            <p14:sldId id="271"/>
+            <p14:sldId id="272"/>
+          </p14:sldIdLst>
+        </p14:section>
       </p14:sectionLst>
     </p:ext>
     <p:ext uri="{EFAFB233-063F-42B5-8137-9DF3F51BA10A}">
@@ -268,7 +292,7 @@
           <a:p>
             <a:fld id="{1F6C1808-FC4B-3644-BDA2-BAA4F954847D}" type="datetimeFigureOut">
               <a:rPr lang="en-US" smtClean="0"/>
-              <a:t>3/8/18</a:t>
+              <a:t>3/9/18</a:t>
             </a:fld>
             <a:endParaRPr lang="en-US"/>
           </a:p>
@@ -438,7 +462,7 @@
           <a:p>
             <a:fld id="{1F6C1808-FC4B-3644-BDA2-BAA4F954847D}" type="datetimeFigureOut">
               <a:rPr lang="en-US" smtClean="0"/>
-              <a:t>3/8/18</a:t>
+              <a:t>3/9/18</a:t>
             </a:fld>
             <a:endParaRPr lang="en-US"/>
           </a:p>
@@ -618,7 +642,7 @@
           <a:p>
             <a:fld id="{1F6C1808-FC4B-3644-BDA2-BAA4F954847D}" type="datetimeFigureOut">
               <a:rPr lang="en-US" smtClean="0"/>
-              <a:t>3/8/18</a:t>
+              <a:t>3/9/18</a:t>
             </a:fld>
             <a:endParaRPr lang="en-US"/>
           </a:p>
@@ -788,7 +812,7 @@
           <a:p>
             <a:fld id="{1F6C1808-FC4B-3644-BDA2-BAA4F954847D}" type="datetimeFigureOut">
               <a:rPr lang="en-US" smtClean="0"/>
-              <a:t>3/8/18</a:t>
+              <a:t>3/9/18</a:t>
             </a:fld>
             <a:endParaRPr lang="en-US"/>
           </a:p>
@@ -1034,7 +1058,7 @@
           <a:p>
             <a:fld id="{1F6C1808-FC4B-3644-BDA2-BAA4F954847D}" type="datetimeFigureOut">
               <a:rPr lang="en-US" smtClean="0"/>
-              <a:t>3/8/18</a:t>
+              <a:t>3/9/18</a:t>
             </a:fld>
             <a:endParaRPr lang="en-US"/>
           </a:p>
@@ -1266,7 +1290,7 @@
           <a:p>
             <a:fld id="{1F6C1808-FC4B-3644-BDA2-BAA4F954847D}" type="datetimeFigureOut">
               <a:rPr lang="en-US" smtClean="0"/>
-              <a:t>3/8/18</a:t>
+              <a:t>3/9/18</a:t>
             </a:fld>
             <a:endParaRPr lang="en-US"/>
           </a:p>
@@ -1633,7 +1657,7 @@
           <a:p>
             <a:fld id="{1F6C1808-FC4B-3644-BDA2-BAA4F954847D}" type="datetimeFigureOut">
               <a:rPr lang="en-US" smtClean="0"/>
-              <a:t>3/8/18</a:t>
+              <a:t>3/9/18</a:t>
             </a:fld>
             <a:endParaRPr lang="en-US"/>
           </a:p>
@@ -1751,7 +1775,7 @@
           <a:p>
             <a:fld id="{1F6C1808-FC4B-3644-BDA2-BAA4F954847D}" type="datetimeFigureOut">
               <a:rPr lang="en-US" smtClean="0"/>
-              <a:t>3/8/18</a:t>
+              <a:t>3/9/18</a:t>
             </a:fld>
             <a:endParaRPr lang="en-US"/>
           </a:p>
@@ -1846,7 +1870,7 @@
           <a:p>
             <a:fld id="{1F6C1808-FC4B-3644-BDA2-BAA4F954847D}" type="datetimeFigureOut">
               <a:rPr lang="en-US" smtClean="0"/>
-              <a:t>3/8/18</a:t>
+              <a:t>3/9/18</a:t>
             </a:fld>
             <a:endParaRPr lang="en-US"/>
           </a:p>
@@ -2123,7 +2147,7 @@
           <a:p>
             <a:fld id="{1F6C1808-FC4B-3644-BDA2-BAA4F954847D}" type="datetimeFigureOut">
               <a:rPr lang="en-US" smtClean="0"/>
-              <a:t>3/8/18</a:t>
+              <a:t>3/9/18</a:t>
             </a:fld>
             <a:endParaRPr lang="en-US"/>
           </a:p>
@@ -2376,7 +2400,7 @@
           <a:p>
             <a:fld id="{1F6C1808-FC4B-3644-BDA2-BAA4F954847D}" type="datetimeFigureOut">
               <a:rPr lang="en-US" smtClean="0"/>
-              <a:t>3/8/18</a:t>
+              <a:t>3/9/18</a:t>
             </a:fld>
             <a:endParaRPr lang="en-US"/>
           </a:p>
@@ -2589,7 +2613,7 @@
           <a:p>
             <a:fld id="{1F6C1808-FC4B-3644-BDA2-BAA4F954847D}" type="datetimeFigureOut">
               <a:rPr lang="en-US" smtClean="0"/>
-              <a:t>3/8/18</a:t>
+              <a:t>3/9/18</a:t>
             </a:fld>
             <a:endParaRPr lang="en-US"/>
           </a:p>
@@ -3060,6 +3084,4543 @@
         <p:cTn id="1" dur="indefinite" restart="never" nodeType="tmRoot"/>
       </p:par>
     </p:tnLst>
+  </p:timing>
+</p:sld>
+</file>
+
+<file path=ppt/slides/slide10.xml><?xml version="1.0" encoding="utf-8"?>
+<p:sld xmlns:a="http://schemas.openxmlformats.org/drawingml/2006/main" xmlns:r="http://schemas.openxmlformats.org/officeDocument/2006/relationships" xmlns:p="http://schemas.openxmlformats.org/presentationml/2006/main">
+  <p:cSld>
+    <p:spTree>
+      <p:nvGrpSpPr>
+        <p:cNvPr id="1" name=""/>
+        <p:cNvGrpSpPr/>
+        <p:nvPr/>
+      </p:nvGrpSpPr>
+      <p:grpSpPr>
+        <a:xfrm>
+          <a:off x="0" y="0"/>
+          <a:ext cx="0" cy="0"/>
+          <a:chOff x="0" y="0"/>
+          <a:chExt cx="0" cy="0"/>
+        </a:xfrm>
+      </p:grpSpPr>
+      <p:sp>
+        <p:nvSpPr>
+          <p:cNvPr id="2" name="Title 1"/>
+          <p:cNvSpPr>
+            <a:spLocks noGrp="1"/>
+          </p:cNvSpPr>
+          <p:nvPr>
+            <p:ph type="title"/>
+          </p:nvPr>
+        </p:nvSpPr>
+        <p:spPr/>
+        <p:txBody>
+          <a:bodyPr/>
+          <a:lstStyle/>
+          <a:p>
+            <a:r>
+              <a:rPr lang="zh-CN" altLang="en-US" dirty="0" smtClean="0"/>
+              <a:t>红绿</a:t>
+            </a:r>
+            <a:endParaRPr lang="en-US" dirty="0"/>
+          </a:p>
+        </p:txBody>
+      </p:sp>
+      <p:grpSp>
+        <p:nvGrpSpPr>
+          <p:cNvPr id="6" name="Group 5"/>
+          <p:cNvGrpSpPr/>
+          <p:nvPr/>
+        </p:nvGrpSpPr>
+        <p:grpSpPr>
+          <a:xfrm>
+            <a:off x="1939159" y="2317531"/>
+            <a:ext cx="2880000" cy="2880000"/>
+            <a:chOff x="1939159" y="2317531"/>
+            <a:chExt cx="2880000" cy="2880000"/>
+          </a:xfrm>
+        </p:grpSpPr>
+        <p:sp>
+          <p:nvSpPr>
+            <p:cNvPr id="4" name="Pie 3"/>
+            <p:cNvSpPr/>
+            <p:nvPr/>
+          </p:nvSpPr>
+          <p:spPr>
+            <a:xfrm>
+              <a:off x="1939159" y="2317531"/>
+              <a:ext cx="2880000" cy="2880000"/>
+            </a:xfrm>
+            <a:prstGeom prst="pie">
+              <a:avLst>
+                <a:gd name="adj1" fmla="val 5358167"/>
+                <a:gd name="adj2" fmla="val 16200000"/>
+              </a:avLst>
+            </a:prstGeom>
+            <a:solidFill>
+              <a:srgbClr val="FF0000"/>
+            </a:solidFill>
+          </p:spPr>
+          <p:style>
+            <a:lnRef idx="2">
+              <a:schemeClr val="accent1">
+                <a:shade val="50000"/>
+              </a:schemeClr>
+            </a:lnRef>
+            <a:fillRef idx="1">
+              <a:schemeClr val="accent1"/>
+            </a:fillRef>
+            <a:effectRef idx="0">
+              <a:schemeClr val="accent1"/>
+            </a:effectRef>
+            <a:fontRef idx="minor">
+              <a:schemeClr val="lt1"/>
+            </a:fontRef>
+          </p:style>
+          <p:txBody>
+            <a:bodyPr rot="0" spcFirstLastPara="0" vertOverflow="overflow" horzOverflow="overflow" vert="horz" wrap="square" lIns="91440" tIns="45720" rIns="91440" bIns="45720" numCol="1" spcCol="0" rtlCol="0" fromWordArt="0" anchor="ctr" anchorCtr="0" forceAA="0" compatLnSpc="1">
+              <a:prstTxWarp prst="textNoShape">
+                <a:avLst/>
+              </a:prstTxWarp>
+              <a:noAutofit/>
+            </a:bodyPr>
+            <a:lstStyle/>
+            <a:p>
+              <a:pPr algn="ctr"/>
+              <a:endParaRPr lang="en-US">
+                <a:solidFill>
+                  <a:schemeClr val="tx1"/>
+                </a:solidFill>
+              </a:endParaRPr>
+            </a:p>
+          </p:txBody>
+        </p:sp>
+        <p:sp>
+          <p:nvSpPr>
+            <p:cNvPr id="5" name="Pie 4"/>
+            <p:cNvSpPr/>
+            <p:nvPr/>
+          </p:nvSpPr>
+          <p:spPr>
+            <a:xfrm>
+              <a:off x="1939159" y="2317531"/>
+              <a:ext cx="2880000" cy="2880000"/>
+            </a:xfrm>
+            <a:prstGeom prst="pie">
+              <a:avLst>
+                <a:gd name="adj1" fmla="val 16182713"/>
+                <a:gd name="adj2" fmla="val 5356804"/>
+              </a:avLst>
+            </a:prstGeom>
+            <a:solidFill>
+              <a:srgbClr val="00FF00"/>
+            </a:solidFill>
+          </p:spPr>
+          <p:style>
+            <a:lnRef idx="2">
+              <a:schemeClr val="accent1">
+                <a:shade val="50000"/>
+              </a:schemeClr>
+            </a:lnRef>
+            <a:fillRef idx="1">
+              <a:schemeClr val="accent1"/>
+            </a:fillRef>
+            <a:effectRef idx="0">
+              <a:schemeClr val="accent1"/>
+            </a:effectRef>
+            <a:fontRef idx="minor">
+              <a:schemeClr val="lt1"/>
+            </a:fontRef>
+          </p:style>
+          <p:txBody>
+            <a:bodyPr rot="0" spcFirstLastPara="0" vertOverflow="overflow" horzOverflow="overflow" vert="horz" wrap="square" lIns="91440" tIns="45720" rIns="91440" bIns="45720" numCol="1" spcCol="0" rtlCol="0" fromWordArt="0" anchor="ctr" anchorCtr="0" forceAA="0" compatLnSpc="1">
+              <a:prstTxWarp prst="textNoShape">
+                <a:avLst/>
+              </a:prstTxWarp>
+              <a:noAutofit/>
+            </a:bodyPr>
+            <a:lstStyle/>
+            <a:p>
+              <a:pPr algn="ctr"/>
+              <a:endParaRPr lang="en-US">
+                <a:solidFill>
+                  <a:schemeClr val="tx1"/>
+                </a:solidFill>
+              </a:endParaRPr>
+            </a:p>
+          </p:txBody>
+        </p:sp>
+      </p:grpSp>
+      <p:sp>
+        <p:nvSpPr>
+          <p:cNvPr id="7" name="Oval 6"/>
+          <p:cNvSpPr/>
+          <p:nvPr/>
+        </p:nvSpPr>
+        <p:spPr>
+          <a:xfrm>
+            <a:off x="7062953" y="2317531"/>
+            <a:ext cx="2880000" cy="2880000"/>
+          </a:xfrm>
+          <a:prstGeom prst="ellipse">
+            <a:avLst/>
+          </a:prstGeom>
+          <a:solidFill>
+            <a:srgbClr val="FFFF00"/>
+          </a:solidFill>
+        </p:spPr>
+        <p:style>
+          <a:lnRef idx="2">
+            <a:schemeClr val="accent1">
+              <a:shade val="50000"/>
+            </a:schemeClr>
+          </a:lnRef>
+          <a:fillRef idx="1">
+            <a:schemeClr val="accent1"/>
+          </a:fillRef>
+          <a:effectRef idx="0">
+            <a:schemeClr val="accent1"/>
+          </a:effectRef>
+          <a:fontRef idx="minor">
+            <a:schemeClr val="lt1"/>
+          </a:fontRef>
+        </p:style>
+        <p:txBody>
+          <a:bodyPr rot="0" spcFirstLastPara="0" vertOverflow="overflow" horzOverflow="overflow" vert="horz" wrap="square" lIns="91440" tIns="45720" rIns="91440" bIns="45720" numCol="1" spcCol="0" rtlCol="0" fromWordArt="0" anchor="ctr" anchorCtr="0" forceAA="0" compatLnSpc="1">
+            <a:prstTxWarp prst="textNoShape">
+              <a:avLst/>
+            </a:prstTxWarp>
+            <a:noAutofit/>
+          </a:bodyPr>
+          <a:lstStyle/>
+          <a:p>
+            <a:pPr algn="ctr"/>
+            <a:endParaRPr lang="en-US">
+              <a:solidFill>
+                <a:schemeClr val="tx1"/>
+              </a:solidFill>
+            </a:endParaRPr>
+          </a:p>
+        </p:txBody>
+      </p:sp>
+      <p:sp>
+        <p:nvSpPr>
+          <p:cNvPr id="8" name="Right Arrow 7"/>
+          <p:cNvSpPr/>
+          <p:nvPr/>
+        </p:nvSpPr>
+        <p:spPr>
+          <a:xfrm>
+            <a:off x="5121249" y="3623524"/>
+            <a:ext cx="1639613" cy="268014"/>
+          </a:xfrm>
+          <a:prstGeom prst="rightArrow">
+            <a:avLst/>
+          </a:prstGeom>
+        </p:spPr>
+        <p:style>
+          <a:lnRef idx="2">
+            <a:schemeClr val="accent1">
+              <a:shade val="50000"/>
+            </a:schemeClr>
+          </a:lnRef>
+          <a:fillRef idx="1">
+            <a:schemeClr val="accent1"/>
+          </a:fillRef>
+          <a:effectRef idx="0">
+            <a:schemeClr val="accent1"/>
+          </a:effectRef>
+          <a:fontRef idx="minor">
+            <a:schemeClr val="lt1"/>
+          </a:fontRef>
+        </p:style>
+        <p:txBody>
+          <a:bodyPr rot="0" spcFirstLastPara="0" vertOverflow="overflow" horzOverflow="overflow" vert="horz" wrap="square" lIns="91440" tIns="45720" rIns="91440" bIns="45720" numCol="1" spcCol="0" rtlCol="0" fromWordArt="0" anchor="ctr" anchorCtr="0" forceAA="0" compatLnSpc="1">
+            <a:prstTxWarp prst="textNoShape">
+              <a:avLst/>
+            </a:prstTxWarp>
+            <a:noAutofit/>
+          </a:bodyPr>
+          <a:lstStyle/>
+          <a:p>
+            <a:pPr algn="ctr"/>
+            <a:endParaRPr lang="en-US">
+              <a:solidFill>
+                <a:schemeClr val="tx1"/>
+              </a:solidFill>
+            </a:endParaRPr>
+          </a:p>
+        </p:txBody>
+      </p:sp>
+    </p:spTree>
+    <p:extLst>
+      <p:ext uri="{BB962C8B-B14F-4D97-AF65-F5344CB8AC3E}">
+        <p14:creationId xmlns:p14="http://schemas.microsoft.com/office/powerpoint/2010/main" val="364204310"/>
+      </p:ext>
+    </p:extLst>
+  </p:cSld>
+  <p:clrMapOvr>
+    <a:masterClrMapping/>
+  </p:clrMapOvr>
+  <p:timing>
+    <p:tnLst>
+      <p:par>
+        <p:cTn id="1" dur="indefinite" restart="never" nodeType="tmRoot">
+          <p:childTnLst>
+            <p:seq concurrent="1" nextAc="seek">
+              <p:cTn id="2" dur="indefinite" nodeType="mainSeq">
+                <p:childTnLst>
+                  <p:par>
+                    <p:cTn id="3" fill="hold">
+                      <p:stCondLst>
+                        <p:cond delay="indefinite"/>
+                      </p:stCondLst>
+                      <p:childTnLst>
+                        <p:par>
+                          <p:cTn id="4" fill="hold">
+                            <p:stCondLst>
+                              <p:cond delay="0"/>
+                            </p:stCondLst>
+                            <p:childTnLst>
+                              <p:par>
+                                <p:cTn id="5" presetID="5" presetClass="entr" presetSubtype="10" fill="hold" grpId="0" nodeType="clickEffect">
+                                  <p:stCondLst>
+                                    <p:cond delay="0"/>
+                                  </p:stCondLst>
+                                  <p:childTnLst>
+                                    <p:set>
+                                      <p:cBhvr>
+                                        <p:cTn id="6" dur="1" fill="hold">
+                                          <p:stCondLst>
+                                            <p:cond delay="0"/>
+                                          </p:stCondLst>
+                                        </p:cTn>
+                                        <p:tgtEl>
+                                          <p:spTgt spid="7"/>
+                                        </p:tgtEl>
+                                        <p:attrNameLst>
+                                          <p:attrName>style.visibility</p:attrName>
+                                        </p:attrNameLst>
+                                      </p:cBhvr>
+                                      <p:to>
+                                        <p:strVal val="visible"/>
+                                      </p:to>
+                                    </p:set>
+                                    <p:animEffect transition="in" filter="checkerboard(across)">
+                                      <p:cBhvr>
+                                        <p:cTn id="7" dur="500"/>
+                                        <p:tgtEl>
+                                          <p:spTgt spid="7"/>
+                                        </p:tgtEl>
+                                      </p:cBhvr>
+                                    </p:animEffect>
+                                  </p:childTnLst>
+                                </p:cTn>
+                              </p:par>
+                              <p:par>
+                                <p:cTn id="8" presetID="5" presetClass="entr" presetSubtype="10" fill="hold" grpId="0" nodeType="withEffect">
+                                  <p:stCondLst>
+                                    <p:cond delay="0"/>
+                                  </p:stCondLst>
+                                  <p:childTnLst>
+                                    <p:set>
+                                      <p:cBhvr>
+                                        <p:cTn id="9" dur="1" fill="hold">
+                                          <p:stCondLst>
+                                            <p:cond delay="0"/>
+                                          </p:stCondLst>
+                                        </p:cTn>
+                                        <p:tgtEl>
+                                          <p:spTgt spid="8"/>
+                                        </p:tgtEl>
+                                        <p:attrNameLst>
+                                          <p:attrName>style.visibility</p:attrName>
+                                        </p:attrNameLst>
+                                      </p:cBhvr>
+                                      <p:to>
+                                        <p:strVal val="visible"/>
+                                      </p:to>
+                                    </p:set>
+                                    <p:animEffect transition="in" filter="checkerboard(across)">
+                                      <p:cBhvr>
+                                        <p:cTn id="10" dur="500"/>
+                                        <p:tgtEl>
+                                          <p:spTgt spid="8"/>
+                                        </p:tgtEl>
+                                      </p:cBhvr>
+                                    </p:animEffect>
+                                  </p:childTnLst>
+                                </p:cTn>
+                              </p:par>
+                            </p:childTnLst>
+                          </p:cTn>
+                        </p:par>
+                      </p:childTnLst>
+                    </p:cTn>
+                  </p:par>
+                </p:childTnLst>
+              </p:cTn>
+              <p:prevCondLst>
+                <p:cond evt="onPrev" delay="0">
+                  <p:tgtEl>
+                    <p:sldTgt/>
+                  </p:tgtEl>
+                </p:cond>
+              </p:prevCondLst>
+              <p:nextCondLst>
+                <p:cond evt="onNext" delay="0">
+                  <p:tgtEl>
+                    <p:sldTgt/>
+                  </p:tgtEl>
+                </p:cond>
+              </p:nextCondLst>
+            </p:seq>
+          </p:childTnLst>
+        </p:cTn>
+      </p:par>
+    </p:tnLst>
+    <p:bldLst>
+      <p:bldP spid="7" grpId="0" animBg="1"/>
+      <p:bldP spid="8" grpId="0" animBg="1"/>
+    </p:bldLst>
+  </p:timing>
+</p:sld>
+</file>
+
+<file path=ppt/slides/slide11.xml><?xml version="1.0" encoding="utf-8"?>
+<p:sld xmlns:a="http://schemas.openxmlformats.org/drawingml/2006/main" xmlns:r="http://schemas.openxmlformats.org/officeDocument/2006/relationships" xmlns:p="http://schemas.openxmlformats.org/presentationml/2006/main">
+  <p:cSld>
+    <p:spTree>
+      <p:nvGrpSpPr>
+        <p:cNvPr id="1" name=""/>
+        <p:cNvGrpSpPr/>
+        <p:nvPr/>
+      </p:nvGrpSpPr>
+      <p:grpSpPr>
+        <a:xfrm>
+          <a:off x="0" y="0"/>
+          <a:ext cx="0" cy="0"/>
+          <a:chOff x="0" y="0"/>
+          <a:chExt cx="0" cy="0"/>
+        </a:xfrm>
+      </p:grpSpPr>
+      <p:sp>
+        <p:nvSpPr>
+          <p:cNvPr id="2" name="Title 1"/>
+          <p:cNvSpPr>
+            <a:spLocks noGrp="1"/>
+          </p:cNvSpPr>
+          <p:nvPr>
+            <p:ph type="title"/>
+          </p:nvPr>
+        </p:nvSpPr>
+        <p:spPr/>
+        <p:txBody>
+          <a:bodyPr/>
+          <a:lstStyle/>
+          <a:p>
+            <a:r>
+              <a:rPr lang="zh-CN" altLang="en-US" smtClean="0"/>
+              <a:t>红蓝</a:t>
+            </a:r>
+            <a:endParaRPr lang="en-US" dirty="0"/>
+          </a:p>
+        </p:txBody>
+      </p:sp>
+      <p:grpSp>
+        <p:nvGrpSpPr>
+          <p:cNvPr id="4" name="Group 3"/>
+          <p:cNvGrpSpPr/>
+          <p:nvPr/>
+        </p:nvGrpSpPr>
+        <p:grpSpPr>
+          <a:xfrm>
+            <a:off x="1939159" y="2317531"/>
+            <a:ext cx="2880000" cy="2880000"/>
+            <a:chOff x="1939159" y="2317531"/>
+            <a:chExt cx="2880000" cy="2880000"/>
+          </a:xfrm>
+        </p:grpSpPr>
+        <p:sp>
+          <p:nvSpPr>
+            <p:cNvPr id="5" name="Pie 4"/>
+            <p:cNvSpPr/>
+            <p:nvPr/>
+          </p:nvSpPr>
+          <p:spPr>
+            <a:xfrm>
+              <a:off x="1939159" y="2317531"/>
+              <a:ext cx="2880000" cy="2880000"/>
+            </a:xfrm>
+            <a:prstGeom prst="pie">
+              <a:avLst>
+                <a:gd name="adj1" fmla="val 5358167"/>
+                <a:gd name="adj2" fmla="val 16200000"/>
+              </a:avLst>
+            </a:prstGeom>
+            <a:solidFill>
+              <a:srgbClr val="FF0000"/>
+            </a:solidFill>
+          </p:spPr>
+          <p:style>
+            <a:lnRef idx="2">
+              <a:schemeClr val="accent1">
+                <a:shade val="50000"/>
+              </a:schemeClr>
+            </a:lnRef>
+            <a:fillRef idx="1">
+              <a:schemeClr val="accent1"/>
+            </a:fillRef>
+            <a:effectRef idx="0">
+              <a:schemeClr val="accent1"/>
+            </a:effectRef>
+            <a:fontRef idx="minor">
+              <a:schemeClr val="lt1"/>
+            </a:fontRef>
+          </p:style>
+          <p:txBody>
+            <a:bodyPr rot="0" spcFirstLastPara="0" vertOverflow="overflow" horzOverflow="overflow" vert="horz" wrap="square" lIns="91440" tIns="45720" rIns="91440" bIns="45720" numCol="1" spcCol="0" rtlCol="0" fromWordArt="0" anchor="ctr" anchorCtr="0" forceAA="0" compatLnSpc="1">
+              <a:prstTxWarp prst="textNoShape">
+                <a:avLst/>
+              </a:prstTxWarp>
+              <a:noAutofit/>
+            </a:bodyPr>
+            <a:lstStyle/>
+            <a:p>
+              <a:pPr algn="ctr"/>
+              <a:endParaRPr lang="en-US">
+                <a:solidFill>
+                  <a:schemeClr val="tx1"/>
+                </a:solidFill>
+              </a:endParaRPr>
+            </a:p>
+          </p:txBody>
+        </p:sp>
+        <p:sp>
+          <p:nvSpPr>
+            <p:cNvPr id="6" name="Pie 5"/>
+            <p:cNvSpPr/>
+            <p:nvPr/>
+          </p:nvSpPr>
+          <p:spPr>
+            <a:xfrm>
+              <a:off x="1939159" y="2317531"/>
+              <a:ext cx="2880000" cy="2880000"/>
+            </a:xfrm>
+            <a:prstGeom prst="pie">
+              <a:avLst>
+                <a:gd name="adj1" fmla="val 16182713"/>
+                <a:gd name="adj2" fmla="val 5356804"/>
+              </a:avLst>
+            </a:prstGeom>
+            <a:solidFill>
+              <a:srgbClr val="0000FF"/>
+            </a:solidFill>
+          </p:spPr>
+          <p:style>
+            <a:lnRef idx="2">
+              <a:schemeClr val="accent1">
+                <a:shade val="50000"/>
+              </a:schemeClr>
+            </a:lnRef>
+            <a:fillRef idx="1">
+              <a:schemeClr val="accent1"/>
+            </a:fillRef>
+            <a:effectRef idx="0">
+              <a:schemeClr val="accent1"/>
+            </a:effectRef>
+            <a:fontRef idx="minor">
+              <a:schemeClr val="lt1"/>
+            </a:fontRef>
+          </p:style>
+          <p:txBody>
+            <a:bodyPr rot="0" spcFirstLastPara="0" vertOverflow="overflow" horzOverflow="overflow" vert="horz" wrap="square" lIns="91440" tIns="45720" rIns="91440" bIns="45720" numCol="1" spcCol="0" rtlCol="0" fromWordArt="0" anchor="ctr" anchorCtr="0" forceAA="0" compatLnSpc="1">
+              <a:prstTxWarp prst="textNoShape">
+                <a:avLst/>
+              </a:prstTxWarp>
+              <a:noAutofit/>
+            </a:bodyPr>
+            <a:lstStyle/>
+            <a:p>
+              <a:pPr algn="ctr"/>
+              <a:endParaRPr lang="en-US">
+                <a:solidFill>
+                  <a:schemeClr val="tx1"/>
+                </a:solidFill>
+              </a:endParaRPr>
+            </a:p>
+          </p:txBody>
+        </p:sp>
+      </p:grpSp>
+      <p:sp>
+        <p:nvSpPr>
+          <p:cNvPr id="7" name="Oval 6"/>
+          <p:cNvSpPr/>
+          <p:nvPr/>
+        </p:nvSpPr>
+        <p:spPr>
+          <a:xfrm>
+            <a:off x="7062953" y="2317531"/>
+            <a:ext cx="2880000" cy="2880000"/>
+          </a:xfrm>
+          <a:prstGeom prst="ellipse">
+            <a:avLst/>
+          </a:prstGeom>
+          <a:solidFill>
+            <a:srgbClr val="FF00FF"/>
+          </a:solidFill>
+        </p:spPr>
+        <p:style>
+          <a:lnRef idx="2">
+            <a:schemeClr val="accent1">
+              <a:shade val="50000"/>
+            </a:schemeClr>
+          </a:lnRef>
+          <a:fillRef idx="1">
+            <a:schemeClr val="accent1"/>
+          </a:fillRef>
+          <a:effectRef idx="0">
+            <a:schemeClr val="accent1"/>
+          </a:effectRef>
+          <a:fontRef idx="minor">
+            <a:schemeClr val="lt1"/>
+          </a:fontRef>
+        </p:style>
+        <p:txBody>
+          <a:bodyPr rot="0" spcFirstLastPara="0" vertOverflow="overflow" horzOverflow="overflow" vert="horz" wrap="square" lIns="91440" tIns="45720" rIns="91440" bIns="45720" numCol="1" spcCol="0" rtlCol="0" fromWordArt="0" anchor="ctr" anchorCtr="0" forceAA="0" compatLnSpc="1">
+            <a:prstTxWarp prst="textNoShape">
+              <a:avLst/>
+            </a:prstTxWarp>
+            <a:noAutofit/>
+          </a:bodyPr>
+          <a:lstStyle/>
+          <a:p>
+            <a:pPr algn="ctr"/>
+            <a:endParaRPr lang="en-US">
+              <a:solidFill>
+                <a:schemeClr val="tx1"/>
+              </a:solidFill>
+            </a:endParaRPr>
+          </a:p>
+        </p:txBody>
+      </p:sp>
+      <p:sp>
+        <p:nvSpPr>
+          <p:cNvPr id="8" name="Right Arrow 7"/>
+          <p:cNvSpPr/>
+          <p:nvPr/>
+        </p:nvSpPr>
+        <p:spPr>
+          <a:xfrm>
+            <a:off x="5121249" y="3623524"/>
+            <a:ext cx="1639613" cy="268014"/>
+          </a:xfrm>
+          <a:prstGeom prst="rightArrow">
+            <a:avLst/>
+          </a:prstGeom>
+        </p:spPr>
+        <p:style>
+          <a:lnRef idx="2">
+            <a:schemeClr val="accent1">
+              <a:shade val="50000"/>
+            </a:schemeClr>
+          </a:lnRef>
+          <a:fillRef idx="1">
+            <a:schemeClr val="accent1"/>
+          </a:fillRef>
+          <a:effectRef idx="0">
+            <a:schemeClr val="accent1"/>
+          </a:effectRef>
+          <a:fontRef idx="minor">
+            <a:schemeClr val="lt1"/>
+          </a:fontRef>
+        </p:style>
+        <p:txBody>
+          <a:bodyPr rot="0" spcFirstLastPara="0" vertOverflow="overflow" horzOverflow="overflow" vert="horz" wrap="square" lIns="91440" tIns="45720" rIns="91440" bIns="45720" numCol="1" spcCol="0" rtlCol="0" fromWordArt="0" anchor="ctr" anchorCtr="0" forceAA="0" compatLnSpc="1">
+            <a:prstTxWarp prst="textNoShape">
+              <a:avLst/>
+            </a:prstTxWarp>
+            <a:noAutofit/>
+          </a:bodyPr>
+          <a:lstStyle/>
+          <a:p>
+            <a:pPr algn="ctr"/>
+            <a:endParaRPr lang="en-US">
+              <a:solidFill>
+                <a:schemeClr val="tx1"/>
+              </a:solidFill>
+            </a:endParaRPr>
+          </a:p>
+        </p:txBody>
+      </p:sp>
+    </p:spTree>
+    <p:extLst>
+      <p:ext uri="{BB962C8B-B14F-4D97-AF65-F5344CB8AC3E}">
+        <p14:creationId xmlns:p14="http://schemas.microsoft.com/office/powerpoint/2010/main" val="80213820"/>
+      </p:ext>
+    </p:extLst>
+  </p:cSld>
+  <p:clrMapOvr>
+    <a:masterClrMapping/>
+  </p:clrMapOvr>
+  <p:timing>
+    <p:tnLst>
+      <p:par>
+        <p:cTn id="1" dur="indefinite" restart="never" nodeType="tmRoot">
+          <p:childTnLst>
+            <p:seq concurrent="1" nextAc="seek">
+              <p:cTn id="2" dur="indefinite" nodeType="mainSeq">
+                <p:childTnLst>
+                  <p:par>
+                    <p:cTn id="3" fill="hold">
+                      <p:stCondLst>
+                        <p:cond delay="indefinite"/>
+                      </p:stCondLst>
+                      <p:childTnLst>
+                        <p:par>
+                          <p:cTn id="4" fill="hold">
+                            <p:stCondLst>
+                              <p:cond delay="0"/>
+                            </p:stCondLst>
+                            <p:childTnLst>
+                              <p:par>
+                                <p:cTn id="5" presetID="5" presetClass="entr" presetSubtype="10" fill="hold" grpId="0" nodeType="clickEffect">
+                                  <p:stCondLst>
+                                    <p:cond delay="0"/>
+                                  </p:stCondLst>
+                                  <p:childTnLst>
+                                    <p:set>
+                                      <p:cBhvr>
+                                        <p:cTn id="6" dur="1" fill="hold">
+                                          <p:stCondLst>
+                                            <p:cond delay="0"/>
+                                          </p:stCondLst>
+                                        </p:cTn>
+                                        <p:tgtEl>
+                                          <p:spTgt spid="7"/>
+                                        </p:tgtEl>
+                                        <p:attrNameLst>
+                                          <p:attrName>style.visibility</p:attrName>
+                                        </p:attrNameLst>
+                                      </p:cBhvr>
+                                      <p:to>
+                                        <p:strVal val="visible"/>
+                                      </p:to>
+                                    </p:set>
+                                    <p:animEffect transition="in" filter="checkerboard(across)">
+                                      <p:cBhvr>
+                                        <p:cTn id="7" dur="500"/>
+                                        <p:tgtEl>
+                                          <p:spTgt spid="7"/>
+                                        </p:tgtEl>
+                                      </p:cBhvr>
+                                    </p:animEffect>
+                                  </p:childTnLst>
+                                </p:cTn>
+                              </p:par>
+                              <p:par>
+                                <p:cTn id="8" presetID="5" presetClass="entr" presetSubtype="10" fill="hold" grpId="0" nodeType="withEffect">
+                                  <p:stCondLst>
+                                    <p:cond delay="0"/>
+                                  </p:stCondLst>
+                                  <p:childTnLst>
+                                    <p:set>
+                                      <p:cBhvr>
+                                        <p:cTn id="9" dur="1" fill="hold">
+                                          <p:stCondLst>
+                                            <p:cond delay="0"/>
+                                          </p:stCondLst>
+                                        </p:cTn>
+                                        <p:tgtEl>
+                                          <p:spTgt spid="8"/>
+                                        </p:tgtEl>
+                                        <p:attrNameLst>
+                                          <p:attrName>style.visibility</p:attrName>
+                                        </p:attrNameLst>
+                                      </p:cBhvr>
+                                      <p:to>
+                                        <p:strVal val="visible"/>
+                                      </p:to>
+                                    </p:set>
+                                    <p:animEffect transition="in" filter="checkerboard(across)">
+                                      <p:cBhvr>
+                                        <p:cTn id="10" dur="500"/>
+                                        <p:tgtEl>
+                                          <p:spTgt spid="8"/>
+                                        </p:tgtEl>
+                                      </p:cBhvr>
+                                    </p:animEffect>
+                                  </p:childTnLst>
+                                </p:cTn>
+                              </p:par>
+                            </p:childTnLst>
+                          </p:cTn>
+                        </p:par>
+                      </p:childTnLst>
+                    </p:cTn>
+                  </p:par>
+                </p:childTnLst>
+              </p:cTn>
+              <p:prevCondLst>
+                <p:cond evt="onPrev" delay="0">
+                  <p:tgtEl>
+                    <p:sldTgt/>
+                  </p:tgtEl>
+                </p:cond>
+              </p:prevCondLst>
+              <p:nextCondLst>
+                <p:cond evt="onNext" delay="0">
+                  <p:tgtEl>
+                    <p:sldTgt/>
+                  </p:tgtEl>
+                </p:cond>
+              </p:nextCondLst>
+            </p:seq>
+          </p:childTnLst>
+        </p:cTn>
+      </p:par>
+    </p:tnLst>
+    <p:bldLst>
+      <p:bldP spid="7" grpId="0" animBg="1"/>
+      <p:bldP spid="8" grpId="0" animBg="1"/>
+    </p:bldLst>
+  </p:timing>
+</p:sld>
+</file>
+
+<file path=ppt/slides/slide12.xml><?xml version="1.0" encoding="utf-8"?>
+<p:sld xmlns:a="http://schemas.openxmlformats.org/drawingml/2006/main" xmlns:r="http://schemas.openxmlformats.org/officeDocument/2006/relationships" xmlns:p="http://schemas.openxmlformats.org/presentationml/2006/main">
+  <p:cSld>
+    <p:spTree>
+      <p:nvGrpSpPr>
+        <p:cNvPr id="1" name=""/>
+        <p:cNvGrpSpPr/>
+        <p:nvPr/>
+      </p:nvGrpSpPr>
+      <p:grpSpPr>
+        <a:xfrm>
+          <a:off x="0" y="0"/>
+          <a:ext cx="0" cy="0"/>
+          <a:chOff x="0" y="0"/>
+          <a:chExt cx="0" cy="0"/>
+        </a:xfrm>
+      </p:grpSpPr>
+      <p:sp>
+        <p:nvSpPr>
+          <p:cNvPr id="2" name="Title 1"/>
+          <p:cNvSpPr>
+            <a:spLocks noGrp="1"/>
+          </p:cNvSpPr>
+          <p:nvPr>
+            <p:ph type="title"/>
+          </p:nvPr>
+        </p:nvSpPr>
+        <p:spPr/>
+        <p:txBody>
+          <a:bodyPr/>
+          <a:lstStyle/>
+          <a:p>
+            <a:r>
+              <a:rPr lang="zh-CN" altLang="en-US" dirty="0" smtClean="0"/>
+              <a:t>蓝绿</a:t>
+            </a:r>
+            <a:endParaRPr lang="en-US" dirty="0"/>
+          </a:p>
+        </p:txBody>
+      </p:sp>
+      <p:grpSp>
+        <p:nvGrpSpPr>
+          <p:cNvPr id="4" name="Group 3"/>
+          <p:cNvGrpSpPr/>
+          <p:nvPr/>
+        </p:nvGrpSpPr>
+        <p:grpSpPr>
+          <a:xfrm>
+            <a:off x="1939159" y="2317531"/>
+            <a:ext cx="2880000" cy="2880000"/>
+            <a:chOff x="1939159" y="2317531"/>
+            <a:chExt cx="2880000" cy="2880000"/>
+          </a:xfrm>
+        </p:grpSpPr>
+        <p:sp>
+          <p:nvSpPr>
+            <p:cNvPr id="5" name="Pie 4"/>
+            <p:cNvSpPr/>
+            <p:nvPr/>
+          </p:nvSpPr>
+          <p:spPr>
+            <a:xfrm>
+              <a:off x="1939159" y="2317531"/>
+              <a:ext cx="2880000" cy="2880000"/>
+            </a:xfrm>
+            <a:prstGeom prst="pie">
+              <a:avLst>
+                <a:gd name="adj1" fmla="val 5358167"/>
+                <a:gd name="adj2" fmla="val 16200000"/>
+              </a:avLst>
+            </a:prstGeom>
+            <a:solidFill>
+              <a:srgbClr val="00FF00"/>
+            </a:solidFill>
+          </p:spPr>
+          <p:style>
+            <a:lnRef idx="2">
+              <a:schemeClr val="accent1">
+                <a:shade val="50000"/>
+              </a:schemeClr>
+            </a:lnRef>
+            <a:fillRef idx="1">
+              <a:schemeClr val="accent1"/>
+            </a:fillRef>
+            <a:effectRef idx="0">
+              <a:schemeClr val="accent1"/>
+            </a:effectRef>
+            <a:fontRef idx="minor">
+              <a:schemeClr val="lt1"/>
+            </a:fontRef>
+          </p:style>
+          <p:txBody>
+            <a:bodyPr rot="0" spcFirstLastPara="0" vertOverflow="overflow" horzOverflow="overflow" vert="horz" wrap="square" lIns="91440" tIns="45720" rIns="91440" bIns="45720" numCol="1" spcCol="0" rtlCol="0" fromWordArt="0" anchor="ctr" anchorCtr="0" forceAA="0" compatLnSpc="1">
+              <a:prstTxWarp prst="textNoShape">
+                <a:avLst/>
+              </a:prstTxWarp>
+              <a:noAutofit/>
+            </a:bodyPr>
+            <a:lstStyle/>
+            <a:p>
+              <a:pPr algn="ctr"/>
+              <a:endParaRPr lang="en-US">
+                <a:solidFill>
+                  <a:schemeClr val="tx1"/>
+                </a:solidFill>
+              </a:endParaRPr>
+            </a:p>
+          </p:txBody>
+        </p:sp>
+        <p:sp>
+          <p:nvSpPr>
+            <p:cNvPr id="6" name="Pie 5"/>
+            <p:cNvSpPr/>
+            <p:nvPr/>
+          </p:nvSpPr>
+          <p:spPr>
+            <a:xfrm>
+              <a:off x="1939159" y="2317531"/>
+              <a:ext cx="2880000" cy="2880000"/>
+            </a:xfrm>
+            <a:prstGeom prst="pie">
+              <a:avLst>
+                <a:gd name="adj1" fmla="val 16182713"/>
+                <a:gd name="adj2" fmla="val 5356804"/>
+              </a:avLst>
+            </a:prstGeom>
+            <a:solidFill>
+              <a:srgbClr val="0000FF"/>
+            </a:solidFill>
+          </p:spPr>
+          <p:style>
+            <a:lnRef idx="2">
+              <a:schemeClr val="accent1">
+                <a:shade val="50000"/>
+              </a:schemeClr>
+            </a:lnRef>
+            <a:fillRef idx="1">
+              <a:schemeClr val="accent1"/>
+            </a:fillRef>
+            <a:effectRef idx="0">
+              <a:schemeClr val="accent1"/>
+            </a:effectRef>
+            <a:fontRef idx="minor">
+              <a:schemeClr val="lt1"/>
+            </a:fontRef>
+          </p:style>
+          <p:txBody>
+            <a:bodyPr rot="0" spcFirstLastPara="0" vertOverflow="overflow" horzOverflow="overflow" vert="horz" wrap="square" lIns="91440" tIns="45720" rIns="91440" bIns="45720" numCol="1" spcCol="0" rtlCol="0" fromWordArt="0" anchor="ctr" anchorCtr="0" forceAA="0" compatLnSpc="1">
+              <a:prstTxWarp prst="textNoShape">
+                <a:avLst/>
+              </a:prstTxWarp>
+              <a:noAutofit/>
+            </a:bodyPr>
+            <a:lstStyle/>
+            <a:p>
+              <a:pPr algn="ctr"/>
+              <a:endParaRPr lang="en-US">
+                <a:solidFill>
+                  <a:schemeClr val="tx1"/>
+                </a:solidFill>
+              </a:endParaRPr>
+            </a:p>
+          </p:txBody>
+        </p:sp>
+      </p:grpSp>
+      <p:sp>
+        <p:nvSpPr>
+          <p:cNvPr id="7" name="Oval 6"/>
+          <p:cNvSpPr/>
+          <p:nvPr/>
+        </p:nvSpPr>
+        <p:spPr>
+          <a:xfrm>
+            <a:off x="7062953" y="2317531"/>
+            <a:ext cx="2880000" cy="2880000"/>
+          </a:xfrm>
+          <a:prstGeom prst="ellipse">
+            <a:avLst/>
+          </a:prstGeom>
+          <a:solidFill>
+            <a:srgbClr val="00FFFF"/>
+          </a:solidFill>
+        </p:spPr>
+        <p:style>
+          <a:lnRef idx="2">
+            <a:schemeClr val="accent1">
+              <a:shade val="50000"/>
+            </a:schemeClr>
+          </a:lnRef>
+          <a:fillRef idx="1">
+            <a:schemeClr val="accent1"/>
+          </a:fillRef>
+          <a:effectRef idx="0">
+            <a:schemeClr val="accent1"/>
+          </a:effectRef>
+          <a:fontRef idx="minor">
+            <a:schemeClr val="lt1"/>
+          </a:fontRef>
+        </p:style>
+        <p:txBody>
+          <a:bodyPr rot="0" spcFirstLastPara="0" vertOverflow="overflow" horzOverflow="overflow" vert="horz" wrap="square" lIns="91440" tIns="45720" rIns="91440" bIns="45720" numCol="1" spcCol="0" rtlCol="0" fromWordArt="0" anchor="ctr" anchorCtr="0" forceAA="0" compatLnSpc="1">
+            <a:prstTxWarp prst="textNoShape">
+              <a:avLst/>
+            </a:prstTxWarp>
+            <a:noAutofit/>
+          </a:bodyPr>
+          <a:lstStyle/>
+          <a:p>
+            <a:pPr algn="ctr"/>
+            <a:endParaRPr lang="en-US">
+              <a:solidFill>
+                <a:schemeClr val="tx1"/>
+              </a:solidFill>
+            </a:endParaRPr>
+          </a:p>
+        </p:txBody>
+      </p:sp>
+      <p:sp>
+        <p:nvSpPr>
+          <p:cNvPr id="8" name="Right Arrow 7"/>
+          <p:cNvSpPr/>
+          <p:nvPr/>
+        </p:nvSpPr>
+        <p:spPr>
+          <a:xfrm>
+            <a:off x="5121249" y="3623524"/>
+            <a:ext cx="1639613" cy="268014"/>
+          </a:xfrm>
+          <a:prstGeom prst="rightArrow">
+            <a:avLst/>
+          </a:prstGeom>
+        </p:spPr>
+        <p:style>
+          <a:lnRef idx="2">
+            <a:schemeClr val="accent1">
+              <a:shade val="50000"/>
+            </a:schemeClr>
+          </a:lnRef>
+          <a:fillRef idx="1">
+            <a:schemeClr val="accent1"/>
+          </a:fillRef>
+          <a:effectRef idx="0">
+            <a:schemeClr val="accent1"/>
+          </a:effectRef>
+          <a:fontRef idx="minor">
+            <a:schemeClr val="lt1"/>
+          </a:fontRef>
+        </p:style>
+        <p:txBody>
+          <a:bodyPr rot="0" spcFirstLastPara="0" vertOverflow="overflow" horzOverflow="overflow" vert="horz" wrap="square" lIns="91440" tIns="45720" rIns="91440" bIns="45720" numCol="1" spcCol="0" rtlCol="0" fromWordArt="0" anchor="ctr" anchorCtr="0" forceAA="0" compatLnSpc="1">
+            <a:prstTxWarp prst="textNoShape">
+              <a:avLst/>
+            </a:prstTxWarp>
+            <a:noAutofit/>
+          </a:bodyPr>
+          <a:lstStyle/>
+          <a:p>
+            <a:pPr algn="ctr"/>
+            <a:endParaRPr lang="en-US">
+              <a:solidFill>
+                <a:schemeClr val="tx1"/>
+              </a:solidFill>
+            </a:endParaRPr>
+          </a:p>
+        </p:txBody>
+      </p:sp>
+    </p:spTree>
+    <p:extLst>
+      <p:ext uri="{BB962C8B-B14F-4D97-AF65-F5344CB8AC3E}">
+        <p14:creationId xmlns:p14="http://schemas.microsoft.com/office/powerpoint/2010/main" val="1094204085"/>
+      </p:ext>
+    </p:extLst>
+  </p:cSld>
+  <p:clrMapOvr>
+    <a:masterClrMapping/>
+  </p:clrMapOvr>
+  <p:timing>
+    <p:tnLst>
+      <p:par>
+        <p:cTn id="1" dur="indefinite" restart="never" nodeType="tmRoot">
+          <p:childTnLst>
+            <p:seq concurrent="1" nextAc="seek">
+              <p:cTn id="2" dur="indefinite" nodeType="mainSeq">
+                <p:childTnLst>
+                  <p:par>
+                    <p:cTn id="3" fill="hold">
+                      <p:stCondLst>
+                        <p:cond delay="indefinite"/>
+                      </p:stCondLst>
+                      <p:childTnLst>
+                        <p:par>
+                          <p:cTn id="4" fill="hold">
+                            <p:stCondLst>
+                              <p:cond delay="0"/>
+                            </p:stCondLst>
+                            <p:childTnLst>
+                              <p:par>
+                                <p:cTn id="5" presetID="5" presetClass="entr" presetSubtype="10" fill="hold" grpId="0" nodeType="clickEffect">
+                                  <p:stCondLst>
+                                    <p:cond delay="0"/>
+                                  </p:stCondLst>
+                                  <p:childTnLst>
+                                    <p:set>
+                                      <p:cBhvr>
+                                        <p:cTn id="6" dur="1" fill="hold">
+                                          <p:stCondLst>
+                                            <p:cond delay="0"/>
+                                          </p:stCondLst>
+                                        </p:cTn>
+                                        <p:tgtEl>
+                                          <p:spTgt spid="7"/>
+                                        </p:tgtEl>
+                                        <p:attrNameLst>
+                                          <p:attrName>style.visibility</p:attrName>
+                                        </p:attrNameLst>
+                                      </p:cBhvr>
+                                      <p:to>
+                                        <p:strVal val="visible"/>
+                                      </p:to>
+                                    </p:set>
+                                    <p:animEffect transition="in" filter="checkerboard(across)">
+                                      <p:cBhvr>
+                                        <p:cTn id="7" dur="500"/>
+                                        <p:tgtEl>
+                                          <p:spTgt spid="7"/>
+                                        </p:tgtEl>
+                                      </p:cBhvr>
+                                    </p:animEffect>
+                                  </p:childTnLst>
+                                </p:cTn>
+                              </p:par>
+                              <p:par>
+                                <p:cTn id="8" presetID="5" presetClass="entr" presetSubtype="10" fill="hold" grpId="0" nodeType="withEffect">
+                                  <p:stCondLst>
+                                    <p:cond delay="0"/>
+                                  </p:stCondLst>
+                                  <p:childTnLst>
+                                    <p:set>
+                                      <p:cBhvr>
+                                        <p:cTn id="9" dur="1" fill="hold">
+                                          <p:stCondLst>
+                                            <p:cond delay="0"/>
+                                          </p:stCondLst>
+                                        </p:cTn>
+                                        <p:tgtEl>
+                                          <p:spTgt spid="8"/>
+                                        </p:tgtEl>
+                                        <p:attrNameLst>
+                                          <p:attrName>style.visibility</p:attrName>
+                                        </p:attrNameLst>
+                                      </p:cBhvr>
+                                      <p:to>
+                                        <p:strVal val="visible"/>
+                                      </p:to>
+                                    </p:set>
+                                    <p:animEffect transition="in" filter="checkerboard(across)">
+                                      <p:cBhvr>
+                                        <p:cTn id="10" dur="500"/>
+                                        <p:tgtEl>
+                                          <p:spTgt spid="8"/>
+                                        </p:tgtEl>
+                                      </p:cBhvr>
+                                    </p:animEffect>
+                                  </p:childTnLst>
+                                </p:cTn>
+                              </p:par>
+                            </p:childTnLst>
+                          </p:cTn>
+                        </p:par>
+                      </p:childTnLst>
+                    </p:cTn>
+                  </p:par>
+                </p:childTnLst>
+              </p:cTn>
+              <p:prevCondLst>
+                <p:cond evt="onPrev" delay="0">
+                  <p:tgtEl>
+                    <p:sldTgt/>
+                  </p:tgtEl>
+                </p:cond>
+              </p:prevCondLst>
+              <p:nextCondLst>
+                <p:cond evt="onNext" delay="0">
+                  <p:tgtEl>
+                    <p:sldTgt/>
+                  </p:tgtEl>
+                </p:cond>
+              </p:nextCondLst>
+            </p:seq>
+          </p:childTnLst>
+        </p:cTn>
+      </p:par>
+    </p:tnLst>
+    <p:bldLst>
+      <p:bldP spid="7" grpId="0" animBg="1"/>
+      <p:bldP spid="8" grpId="0" animBg="1"/>
+    </p:bldLst>
+  </p:timing>
+</p:sld>
+</file>
+
+<file path=ppt/slides/slide13.xml><?xml version="1.0" encoding="utf-8"?>
+<p:sld xmlns:a="http://schemas.openxmlformats.org/drawingml/2006/main" xmlns:r="http://schemas.openxmlformats.org/officeDocument/2006/relationships" xmlns:p="http://schemas.openxmlformats.org/presentationml/2006/main">
+  <p:cSld>
+    <p:spTree>
+      <p:nvGrpSpPr>
+        <p:cNvPr id="1" name=""/>
+        <p:cNvGrpSpPr/>
+        <p:nvPr/>
+      </p:nvGrpSpPr>
+      <p:grpSpPr>
+        <a:xfrm>
+          <a:off x="0" y="0"/>
+          <a:ext cx="0" cy="0"/>
+          <a:chOff x="0" y="0"/>
+          <a:chExt cx="0" cy="0"/>
+        </a:xfrm>
+      </p:grpSpPr>
+      <p:sp>
+        <p:nvSpPr>
+          <p:cNvPr id="2" name="Title 1"/>
+          <p:cNvSpPr>
+            <a:spLocks noGrp="1"/>
+          </p:cNvSpPr>
+          <p:nvPr>
+            <p:ph type="title"/>
+          </p:nvPr>
+        </p:nvSpPr>
+        <p:spPr/>
+        <p:txBody>
+          <a:bodyPr/>
+          <a:lstStyle/>
+          <a:p>
+            <a:r>
+              <a:rPr lang="zh-CN" altLang="en-US" dirty="0" smtClean="0"/>
+              <a:t>三原色不同比例可以搭配出所有颜色</a:t>
+            </a:r>
+            <a:endParaRPr lang="en-US" dirty="0"/>
+          </a:p>
+        </p:txBody>
+      </p:sp>
+      <p:grpSp>
+        <p:nvGrpSpPr>
+          <p:cNvPr id="12" name="Group 11"/>
+          <p:cNvGrpSpPr/>
+          <p:nvPr/>
+        </p:nvGrpSpPr>
+        <p:grpSpPr>
+          <a:xfrm>
+            <a:off x="2049517" y="1923394"/>
+            <a:ext cx="2880000" cy="2880000"/>
+            <a:chOff x="1040524" y="1860332"/>
+            <a:chExt cx="2880000" cy="2880000"/>
+          </a:xfrm>
+        </p:grpSpPr>
+        <p:sp>
+          <p:nvSpPr>
+            <p:cNvPr id="5" name="Pie 4"/>
+            <p:cNvSpPr/>
+            <p:nvPr/>
+          </p:nvSpPr>
+          <p:spPr>
+            <a:xfrm>
+              <a:off x="1040524" y="1860332"/>
+              <a:ext cx="2880000" cy="2880000"/>
+            </a:xfrm>
+            <a:prstGeom prst="pie">
+              <a:avLst>
+                <a:gd name="adj1" fmla="val 2594665"/>
+                <a:gd name="adj2" fmla="val 16200000"/>
+              </a:avLst>
+            </a:prstGeom>
+            <a:solidFill>
+              <a:srgbClr val="FF0000"/>
+            </a:solidFill>
+          </p:spPr>
+          <p:style>
+            <a:lnRef idx="2">
+              <a:schemeClr val="accent1">
+                <a:shade val="50000"/>
+              </a:schemeClr>
+            </a:lnRef>
+            <a:fillRef idx="1">
+              <a:schemeClr val="accent1"/>
+            </a:fillRef>
+            <a:effectRef idx="0">
+              <a:schemeClr val="accent1"/>
+            </a:effectRef>
+            <a:fontRef idx="minor">
+              <a:schemeClr val="lt1"/>
+            </a:fontRef>
+          </p:style>
+          <p:txBody>
+            <a:bodyPr rtlCol="0" anchor="ctr"/>
+            <a:lstStyle/>
+            <a:p>
+              <a:pPr algn="ctr"/>
+              <a:endParaRPr lang="en-US">
+                <a:solidFill>
+                  <a:schemeClr val="tx1"/>
+                </a:solidFill>
+              </a:endParaRPr>
+            </a:p>
+          </p:txBody>
+        </p:sp>
+        <p:sp>
+          <p:nvSpPr>
+            <p:cNvPr id="6" name="Pie 5"/>
+            <p:cNvSpPr/>
+            <p:nvPr/>
+          </p:nvSpPr>
+          <p:spPr>
+            <a:xfrm>
+              <a:off x="1040524" y="1860332"/>
+              <a:ext cx="2880000" cy="2880000"/>
+            </a:xfrm>
+            <a:prstGeom prst="pie">
+              <a:avLst>
+                <a:gd name="adj1" fmla="val 16190817"/>
+                <a:gd name="adj2" fmla="val 21527691"/>
+              </a:avLst>
+            </a:prstGeom>
+            <a:solidFill>
+              <a:srgbClr val="00FF00"/>
+            </a:solidFill>
+          </p:spPr>
+          <p:style>
+            <a:lnRef idx="2">
+              <a:schemeClr val="accent1">
+                <a:shade val="50000"/>
+              </a:schemeClr>
+            </a:lnRef>
+            <a:fillRef idx="1">
+              <a:schemeClr val="accent1"/>
+            </a:fillRef>
+            <a:effectRef idx="0">
+              <a:schemeClr val="accent1"/>
+            </a:effectRef>
+            <a:fontRef idx="minor">
+              <a:schemeClr val="lt1"/>
+            </a:fontRef>
+          </p:style>
+          <p:txBody>
+            <a:bodyPr rot="0" spcFirstLastPara="0" vertOverflow="overflow" horzOverflow="overflow" vert="horz" wrap="square" lIns="91440" tIns="45720" rIns="91440" bIns="45720" numCol="1" spcCol="0" rtlCol="0" fromWordArt="0" anchor="ctr" anchorCtr="0" forceAA="0" compatLnSpc="1">
+              <a:prstTxWarp prst="textNoShape">
+                <a:avLst/>
+              </a:prstTxWarp>
+              <a:noAutofit/>
+            </a:bodyPr>
+            <a:lstStyle/>
+            <a:p>
+              <a:pPr algn="ctr"/>
+              <a:endParaRPr lang="en-US">
+                <a:solidFill>
+                  <a:schemeClr val="tx1"/>
+                </a:solidFill>
+              </a:endParaRPr>
+            </a:p>
+          </p:txBody>
+        </p:sp>
+        <p:sp>
+          <p:nvSpPr>
+            <p:cNvPr id="7" name="Pie 6"/>
+            <p:cNvSpPr/>
+            <p:nvPr/>
+          </p:nvSpPr>
+          <p:spPr>
+            <a:xfrm>
+              <a:off x="1040524" y="1860332"/>
+              <a:ext cx="2880000" cy="2880000"/>
+            </a:xfrm>
+            <a:prstGeom prst="pie">
+              <a:avLst>
+                <a:gd name="adj1" fmla="val 21520002"/>
+                <a:gd name="adj2" fmla="val 2657180"/>
+              </a:avLst>
+            </a:prstGeom>
+            <a:solidFill>
+              <a:srgbClr val="0000FF"/>
+            </a:solidFill>
+          </p:spPr>
+          <p:style>
+            <a:lnRef idx="2">
+              <a:schemeClr val="accent1">
+                <a:shade val="50000"/>
+              </a:schemeClr>
+            </a:lnRef>
+            <a:fillRef idx="1">
+              <a:schemeClr val="accent1"/>
+            </a:fillRef>
+            <a:effectRef idx="0">
+              <a:schemeClr val="accent1"/>
+            </a:effectRef>
+            <a:fontRef idx="minor">
+              <a:schemeClr val="lt1"/>
+            </a:fontRef>
+          </p:style>
+          <p:txBody>
+            <a:bodyPr rot="0" spcFirstLastPara="0" vertOverflow="overflow" horzOverflow="overflow" vert="horz" wrap="square" lIns="91440" tIns="45720" rIns="91440" bIns="45720" numCol="1" spcCol="0" rtlCol="0" fromWordArt="0" anchor="ctr" anchorCtr="0" forceAA="0" compatLnSpc="1">
+              <a:prstTxWarp prst="textNoShape">
+                <a:avLst/>
+              </a:prstTxWarp>
+              <a:noAutofit/>
+            </a:bodyPr>
+            <a:lstStyle/>
+            <a:p>
+              <a:pPr algn="ctr"/>
+              <a:endParaRPr lang="en-US">
+                <a:solidFill>
+                  <a:schemeClr val="tx1"/>
+                </a:solidFill>
+              </a:endParaRPr>
+            </a:p>
+          </p:txBody>
+        </p:sp>
+      </p:grpSp>
+      <p:sp>
+        <p:nvSpPr>
+          <p:cNvPr id="13" name="Oval 12"/>
+          <p:cNvSpPr/>
+          <p:nvPr/>
+        </p:nvSpPr>
+        <p:spPr>
+          <a:xfrm>
+            <a:off x="7441325" y="1923394"/>
+            <a:ext cx="2880000" cy="2880000"/>
+          </a:xfrm>
+          <a:prstGeom prst="ellipse">
+            <a:avLst/>
+          </a:prstGeom>
+          <a:solidFill>
+            <a:srgbClr val="FFB54C"/>
+          </a:solidFill>
+        </p:spPr>
+        <p:style>
+          <a:lnRef idx="2">
+            <a:schemeClr val="accent1">
+              <a:shade val="50000"/>
+            </a:schemeClr>
+          </a:lnRef>
+          <a:fillRef idx="1">
+            <a:schemeClr val="accent1"/>
+          </a:fillRef>
+          <a:effectRef idx="0">
+            <a:schemeClr val="accent1"/>
+          </a:effectRef>
+          <a:fontRef idx="minor">
+            <a:schemeClr val="lt1"/>
+          </a:fontRef>
+        </p:style>
+        <p:txBody>
+          <a:bodyPr rot="0" spcFirstLastPara="0" vertOverflow="overflow" horzOverflow="overflow" vert="horz" wrap="square" lIns="91440" tIns="45720" rIns="91440" bIns="45720" numCol="1" spcCol="0" rtlCol="0" fromWordArt="0" anchor="ctr" anchorCtr="0" forceAA="0" compatLnSpc="1">
+            <a:prstTxWarp prst="textNoShape">
+              <a:avLst/>
+            </a:prstTxWarp>
+            <a:noAutofit/>
+          </a:bodyPr>
+          <a:lstStyle/>
+          <a:p>
+            <a:pPr algn="ctr"/>
+            <a:endParaRPr lang="en-US">
+              <a:solidFill>
+                <a:schemeClr val="tx1"/>
+              </a:solidFill>
+            </a:endParaRPr>
+          </a:p>
+        </p:txBody>
+      </p:sp>
+      <p:sp>
+        <p:nvSpPr>
+          <p:cNvPr id="14" name="Right Arrow 13"/>
+          <p:cNvSpPr/>
+          <p:nvPr/>
+        </p:nvSpPr>
+        <p:spPr>
+          <a:xfrm>
+            <a:off x="5271021" y="3247696"/>
+            <a:ext cx="1828800" cy="268014"/>
+          </a:xfrm>
+          <a:prstGeom prst="rightArrow">
+            <a:avLst/>
+          </a:prstGeom>
+        </p:spPr>
+        <p:style>
+          <a:lnRef idx="2">
+            <a:schemeClr val="accent1">
+              <a:shade val="50000"/>
+            </a:schemeClr>
+          </a:lnRef>
+          <a:fillRef idx="1">
+            <a:schemeClr val="accent1"/>
+          </a:fillRef>
+          <a:effectRef idx="0">
+            <a:schemeClr val="accent1"/>
+          </a:effectRef>
+          <a:fontRef idx="minor">
+            <a:schemeClr val="lt1"/>
+          </a:fontRef>
+        </p:style>
+        <p:txBody>
+          <a:bodyPr rot="0" spcFirstLastPara="0" vertOverflow="overflow" horzOverflow="overflow" vert="horz" wrap="square" lIns="91440" tIns="45720" rIns="91440" bIns="45720" numCol="1" spcCol="0" rtlCol="0" fromWordArt="0" anchor="ctr" anchorCtr="0" forceAA="0" compatLnSpc="1">
+            <a:prstTxWarp prst="textNoShape">
+              <a:avLst/>
+            </a:prstTxWarp>
+            <a:noAutofit/>
+          </a:bodyPr>
+          <a:lstStyle/>
+          <a:p>
+            <a:pPr algn="ctr"/>
+            <a:endParaRPr lang="en-US">
+              <a:solidFill>
+                <a:schemeClr val="tx1"/>
+              </a:solidFill>
+            </a:endParaRPr>
+          </a:p>
+        </p:txBody>
+      </p:sp>
+    </p:spTree>
+    <p:extLst>
+      <p:ext uri="{BB962C8B-B14F-4D97-AF65-F5344CB8AC3E}">
+        <p14:creationId xmlns:p14="http://schemas.microsoft.com/office/powerpoint/2010/main" val="821147408"/>
+      </p:ext>
+    </p:extLst>
+  </p:cSld>
+  <p:clrMapOvr>
+    <a:masterClrMapping/>
+  </p:clrMapOvr>
+  <p:timing>
+    <p:tnLst>
+      <p:par>
+        <p:cTn id="1" dur="indefinite" restart="never" nodeType="tmRoot">
+          <p:childTnLst>
+            <p:seq concurrent="1" nextAc="seek">
+              <p:cTn id="2" dur="indefinite" nodeType="mainSeq">
+                <p:childTnLst>
+                  <p:par>
+                    <p:cTn id="3" fill="hold">
+                      <p:stCondLst>
+                        <p:cond delay="indefinite"/>
+                      </p:stCondLst>
+                      <p:childTnLst>
+                        <p:par>
+                          <p:cTn id="4" fill="hold">
+                            <p:stCondLst>
+                              <p:cond delay="0"/>
+                            </p:stCondLst>
+                            <p:childTnLst>
+                              <p:par>
+                                <p:cTn id="5" presetID="5" presetClass="entr" presetSubtype="10" fill="hold" grpId="0" nodeType="clickEffect">
+                                  <p:stCondLst>
+                                    <p:cond delay="0"/>
+                                  </p:stCondLst>
+                                  <p:childTnLst>
+                                    <p:set>
+                                      <p:cBhvr>
+                                        <p:cTn id="6" dur="1" fill="hold">
+                                          <p:stCondLst>
+                                            <p:cond delay="0"/>
+                                          </p:stCondLst>
+                                        </p:cTn>
+                                        <p:tgtEl>
+                                          <p:spTgt spid="13"/>
+                                        </p:tgtEl>
+                                        <p:attrNameLst>
+                                          <p:attrName>style.visibility</p:attrName>
+                                        </p:attrNameLst>
+                                      </p:cBhvr>
+                                      <p:to>
+                                        <p:strVal val="visible"/>
+                                      </p:to>
+                                    </p:set>
+                                    <p:animEffect transition="in" filter="checkerboard(across)">
+                                      <p:cBhvr>
+                                        <p:cTn id="7" dur="500"/>
+                                        <p:tgtEl>
+                                          <p:spTgt spid="13"/>
+                                        </p:tgtEl>
+                                      </p:cBhvr>
+                                    </p:animEffect>
+                                  </p:childTnLst>
+                                </p:cTn>
+                              </p:par>
+                              <p:par>
+                                <p:cTn id="8" presetID="5" presetClass="entr" presetSubtype="10" fill="hold" grpId="0" nodeType="withEffect">
+                                  <p:stCondLst>
+                                    <p:cond delay="0"/>
+                                  </p:stCondLst>
+                                  <p:childTnLst>
+                                    <p:set>
+                                      <p:cBhvr>
+                                        <p:cTn id="9" dur="1" fill="hold">
+                                          <p:stCondLst>
+                                            <p:cond delay="0"/>
+                                          </p:stCondLst>
+                                        </p:cTn>
+                                        <p:tgtEl>
+                                          <p:spTgt spid="14"/>
+                                        </p:tgtEl>
+                                        <p:attrNameLst>
+                                          <p:attrName>style.visibility</p:attrName>
+                                        </p:attrNameLst>
+                                      </p:cBhvr>
+                                      <p:to>
+                                        <p:strVal val="visible"/>
+                                      </p:to>
+                                    </p:set>
+                                    <p:animEffect transition="in" filter="checkerboard(across)">
+                                      <p:cBhvr>
+                                        <p:cTn id="10" dur="500"/>
+                                        <p:tgtEl>
+                                          <p:spTgt spid="14"/>
+                                        </p:tgtEl>
+                                      </p:cBhvr>
+                                    </p:animEffect>
+                                  </p:childTnLst>
+                                </p:cTn>
+                              </p:par>
+                            </p:childTnLst>
+                          </p:cTn>
+                        </p:par>
+                      </p:childTnLst>
+                    </p:cTn>
+                  </p:par>
+                </p:childTnLst>
+              </p:cTn>
+              <p:prevCondLst>
+                <p:cond evt="onPrev" delay="0">
+                  <p:tgtEl>
+                    <p:sldTgt/>
+                  </p:tgtEl>
+                </p:cond>
+              </p:prevCondLst>
+              <p:nextCondLst>
+                <p:cond evt="onNext" delay="0">
+                  <p:tgtEl>
+                    <p:sldTgt/>
+                  </p:tgtEl>
+                </p:cond>
+              </p:nextCondLst>
+            </p:seq>
+          </p:childTnLst>
+        </p:cTn>
+      </p:par>
+    </p:tnLst>
+    <p:bldLst>
+      <p:bldP spid="13" grpId="0" animBg="1"/>
+      <p:bldP spid="14" grpId="0" animBg="1"/>
+    </p:bldLst>
+  </p:timing>
+</p:sld>
+</file>
+
+<file path=ppt/slides/slide14.xml><?xml version="1.0" encoding="utf-8"?>
+<p:sld xmlns:a="http://schemas.openxmlformats.org/drawingml/2006/main" xmlns:r="http://schemas.openxmlformats.org/officeDocument/2006/relationships" xmlns:p="http://schemas.openxmlformats.org/presentationml/2006/main">
+  <p:cSld>
+    <p:spTree>
+      <p:nvGrpSpPr>
+        <p:cNvPr id="1" name=""/>
+        <p:cNvGrpSpPr/>
+        <p:nvPr/>
+      </p:nvGrpSpPr>
+      <p:grpSpPr>
+        <a:xfrm>
+          <a:off x="0" y="0"/>
+          <a:ext cx="0" cy="0"/>
+          <a:chOff x="0" y="0"/>
+          <a:chExt cx="0" cy="0"/>
+        </a:xfrm>
+      </p:grpSpPr>
+      <p:sp>
+        <p:nvSpPr>
+          <p:cNvPr id="2" name="Title 1"/>
+          <p:cNvSpPr>
+            <a:spLocks noGrp="1"/>
+          </p:cNvSpPr>
+          <p:nvPr>
+            <p:ph type="title"/>
+          </p:nvPr>
+        </p:nvSpPr>
+        <p:spPr/>
+        <p:txBody>
+          <a:bodyPr/>
+          <a:lstStyle/>
+          <a:p>
+            <a:r>
+              <a:rPr lang="zh-CN" altLang="en-US" dirty="0" smtClean="0"/>
+              <a:t>图像叠加</a:t>
+            </a:r>
+            <a:endParaRPr lang="en-US" dirty="0"/>
+          </a:p>
+        </p:txBody>
+      </p:sp>
+      <p:sp>
+        <p:nvSpPr>
+          <p:cNvPr id="4" name="Oval 3"/>
+          <p:cNvSpPr/>
+          <p:nvPr/>
+        </p:nvSpPr>
+        <p:spPr>
+          <a:xfrm>
+            <a:off x="819807" y="1513489"/>
+            <a:ext cx="2880000" cy="2880000"/>
+          </a:xfrm>
+          <a:prstGeom prst="ellipse">
+            <a:avLst/>
+          </a:prstGeom>
+          <a:solidFill>
+            <a:srgbClr val="FF0000"/>
+          </a:solidFill>
+        </p:spPr>
+        <p:style>
+          <a:lnRef idx="2">
+            <a:schemeClr val="accent1">
+              <a:shade val="50000"/>
+            </a:schemeClr>
+          </a:lnRef>
+          <a:fillRef idx="1">
+            <a:schemeClr val="accent1"/>
+          </a:fillRef>
+          <a:effectRef idx="0">
+            <a:schemeClr val="accent1"/>
+          </a:effectRef>
+          <a:fontRef idx="minor">
+            <a:schemeClr val="lt1"/>
+          </a:fontRef>
+        </p:style>
+        <p:txBody>
+          <a:bodyPr rot="0" spcFirstLastPara="0" vertOverflow="overflow" horzOverflow="overflow" vert="horz" wrap="square" lIns="91440" tIns="45720" rIns="91440" bIns="45720" numCol="1" spcCol="0" rtlCol="0" fromWordArt="0" anchor="ctr" anchorCtr="0" forceAA="0" compatLnSpc="1">
+            <a:prstTxWarp prst="textNoShape">
+              <a:avLst/>
+            </a:prstTxWarp>
+            <a:noAutofit/>
+          </a:bodyPr>
+          <a:lstStyle/>
+          <a:p>
+            <a:pPr algn="ctr"/>
+            <a:endParaRPr lang="en-US">
+              <a:solidFill>
+                <a:schemeClr val="tx1"/>
+              </a:solidFill>
+            </a:endParaRPr>
+          </a:p>
+        </p:txBody>
+      </p:sp>
+      <p:sp>
+        <p:nvSpPr>
+          <p:cNvPr id="5" name="Oval 4"/>
+          <p:cNvSpPr/>
+          <p:nvPr/>
+        </p:nvSpPr>
+        <p:spPr>
+          <a:xfrm>
+            <a:off x="825144" y="2839052"/>
+            <a:ext cx="2880000" cy="2880000"/>
+          </a:xfrm>
+          <a:prstGeom prst="ellipse">
+            <a:avLst/>
+          </a:prstGeom>
+          <a:solidFill>
+            <a:srgbClr val="0000FF"/>
+          </a:solidFill>
+        </p:spPr>
+        <p:style>
+          <a:lnRef idx="2">
+            <a:schemeClr val="accent1">
+              <a:shade val="50000"/>
+            </a:schemeClr>
+          </a:lnRef>
+          <a:fillRef idx="1">
+            <a:schemeClr val="accent1"/>
+          </a:fillRef>
+          <a:effectRef idx="0">
+            <a:schemeClr val="accent1"/>
+          </a:effectRef>
+          <a:fontRef idx="minor">
+            <a:schemeClr val="lt1"/>
+          </a:fontRef>
+        </p:style>
+        <p:txBody>
+          <a:bodyPr rot="0" spcFirstLastPara="0" vertOverflow="overflow" horzOverflow="overflow" vert="horz" wrap="square" lIns="91440" tIns="45720" rIns="91440" bIns="45720" numCol="1" spcCol="0" rtlCol="0" fromWordArt="0" anchor="ctr" anchorCtr="0" forceAA="0" compatLnSpc="1">
+            <a:prstTxWarp prst="textNoShape">
+              <a:avLst/>
+            </a:prstTxWarp>
+            <a:noAutofit/>
+          </a:bodyPr>
+          <a:lstStyle/>
+          <a:p>
+            <a:pPr algn="ctr"/>
+            <a:endParaRPr lang="en-US">
+              <a:solidFill>
+                <a:schemeClr val="tx1"/>
+              </a:solidFill>
+            </a:endParaRPr>
+          </a:p>
+        </p:txBody>
+      </p:sp>
+      <p:sp>
+        <p:nvSpPr>
+          <p:cNvPr id="6" name="Oval 5"/>
+          <p:cNvSpPr/>
+          <p:nvPr/>
+        </p:nvSpPr>
+        <p:spPr>
+          <a:xfrm>
+            <a:off x="5102763" y="1513489"/>
+            <a:ext cx="2880000" cy="2880000"/>
+          </a:xfrm>
+          <a:prstGeom prst="ellipse">
+            <a:avLst/>
+          </a:prstGeom>
+          <a:solidFill>
+            <a:srgbClr val="FF0000"/>
+          </a:solidFill>
+        </p:spPr>
+        <p:style>
+          <a:lnRef idx="2">
+            <a:schemeClr val="accent1">
+              <a:shade val="50000"/>
+            </a:schemeClr>
+          </a:lnRef>
+          <a:fillRef idx="1">
+            <a:schemeClr val="accent1"/>
+          </a:fillRef>
+          <a:effectRef idx="0">
+            <a:schemeClr val="accent1"/>
+          </a:effectRef>
+          <a:fontRef idx="minor">
+            <a:schemeClr val="lt1"/>
+          </a:fontRef>
+        </p:style>
+        <p:txBody>
+          <a:bodyPr rot="0" spcFirstLastPara="0" vertOverflow="overflow" horzOverflow="overflow" vert="horz" wrap="square" lIns="91440" tIns="45720" rIns="91440" bIns="45720" numCol="1" spcCol="0" rtlCol="0" fromWordArt="0" anchor="ctr" anchorCtr="0" forceAA="0" compatLnSpc="1">
+            <a:prstTxWarp prst="textNoShape">
+              <a:avLst/>
+            </a:prstTxWarp>
+            <a:noAutofit/>
+          </a:bodyPr>
+          <a:lstStyle/>
+          <a:p>
+            <a:pPr algn="ctr"/>
+            <a:endParaRPr lang="en-US">
+              <a:solidFill>
+                <a:schemeClr val="tx1"/>
+              </a:solidFill>
+            </a:endParaRPr>
+          </a:p>
+        </p:txBody>
+      </p:sp>
+      <p:sp>
+        <p:nvSpPr>
+          <p:cNvPr id="7" name="Oval 6"/>
+          <p:cNvSpPr/>
+          <p:nvPr/>
+        </p:nvSpPr>
+        <p:spPr>
+          <a:xfrm>
+            <a:off x="5108100" y="2839052"/>
+            <a:ext cx="2880000" cy="2880000"/>
+          </a:xfrm>
+          <a:prstGeom prst="ellipse">
+            <a:avLst/>
+          </a:prstGeom>
+          <a:solidFill>
+            <a:srgbClr val="0000FF">
+              <a:alpha val="50000"/>
+            </a:srgbClr>
+          </a:solidFill>
+        </p:spPr>
+        <p:style>
+          <a:lnRef idx="2">
+            <a:schemeClr val="accent1">
+              <a:shade val="50000"/>
+            </a:schemeClr>
+          </a:lnRef>
+          <a:fillRef idx="1">
+            <a:schemeClr val="accent1"/>
+          </a:fillRef>
+          <a:effectRef idx="0">
+            <a:schemeClr val="accent1"/>
+          </a:effectRef>
+          <a:fontRef idx="minor">
+            <a:schemeClr val="lt1"/>
+          </a:fontRef>
+        </p:style>
+        <p:txBody>
+          <a:bodyPr rot="0" spcFirstLastPara="0" vertOverflow="overflow" horzOverflow="overflow" vert="horz" wrap="square" lIns="91440" tIns="45720" rIns="91440" bIns="45720" numCol="1" spcCol="0" rtlCol="0" fromWordArt="0" anchor="ctr" anchorCtr="0" forceAA="0" compatLnSpc="1">
+            <a:prstTxWarp prst="textNoShape">
+              <a:avLst/>
+            </a:prstTxWarp>
+            <a:noAutofit/>
+          </a:bodyPr>
+          <a:lstStyle/>
+          <a:p>
+            <a:pPr algn="ctr"/>
+            <a:endParaRPr lang="en-US">
+              <a:solidFill>
+                <a:schemeClr val="tx1"/>
+              </a:solidFill>
+            </a:endParaRPr>
+          </a:p>
+        </p:txBody>
+      </p:sp>
+      <p:sp>
+        <p:nvSpPr>
+          <p:cNvPr id="8" name="Right Arrow 7"/>
+          <p:cNvSpPr/>
+          <p:nvPr/>
+        </p:nvSpPr>
+        <p:spPr>
+          <a:xfrm>
+            <a:off x="3980946" y="3531476"/>
+            <a:ext cx="882869" cy="283779"/>
+          </a:xfrm>
+          <a:prstGeom prst="rightArrow">
+            <a:avLst/>
+          </a:prstGeom>
+        </p:spPr>
+        <p:style>
+          <a:lnRef idx="2">
+            <a:schemeClr val="accent1">
+              <a:shade val="50000"/>
+            </a:schemeClr>
+          </a:lnRef>
+          <a:fillRef idx="1">
+            <a:schemeClr val="accent1"/>
+          </a:fillRef>
+          <a:effectRef idx="0">
+            <a:schemeClr val="accent1"/>
+          </a:effectRef>
+          <a:fontRef idx="minor">
+            <a:schemeClr val="lt1"/>
+          </a:fontRef>
+        </p:style>
+        <p:txBody>
+          <a:bodyPr rot="0" spcFirstLastPara="0" vertOverflow="overflow" horzOverflow="overflow" vert="horz" wrap="square" lIns="91440" tIns="45720" rIns="91440" bIns="45720" numCol="1" spcCol="0" rtlCol="0" fromWordArt="0" anchor="ctr" anchorCtr="0" forceAA="0" compatLnSpc="1">
+            <a:prstTxWarp prst="textNoShape">
+              <a:avLst/>
+            </a:prstTxWarp>
+            <a:noAutofit/>
+          </a:bodyPr>
+          <a:lstStyle/>
+          <a:p>
+            <a:pPr algn="ctr"/>
+            <a:endParaRPr lang="en-US">
+              <a:solidFill>
+                <a:schemeClr val="tx1"/>
+              </a:solidFill>
+            </a:endParaRPr>
+          </a:p>
+        </p:txBody>
+      </p:sp>
+      <p:pic>
+        <p:nvPicPr>
+          <p:cNvPr id="9" name="Picture 8"/>
+          <p:cNvPicPr>
+            <a:picLocks noChangeAspect="1"/>
+          </p:cNvPicPr>
+          <p:nvPr/>
+        </p:nvPicPr>
+        <p:blipFill>
+          <a:blip r:embed="rId2">
+            <a:extLst>
+              <a:ext uri="{28A0092B-C50C-407E-A947-70E740481C1C}">
+                <a14:useLocalDpi xmlns:a14="http://schemas.microsoft.com/office/drawing/2010/main" val="0"/>
+              </a:ext>
+            </a:extLst>
+          </a:blip>
+          <a:stretch>
+            <a:fillRect/>
+          </a:stretch>
+        </p:blipFill>
+        <p:spPr>
+          <a:xfrm>
+            <a:off x="9003874" y="1914415"/>
+            <a:ext cx="2794000" cy="3517900"/>
+          </a:xfrm>
+          <a:prstGeom prst="rect">
+            <a:avLst/>
+          </a:prstGeom>
+        </p:spPr>
+      </p:pic>
+      <p:cxnSp>
+        <p:nvCxnSpPr>
+          <p:cNvPr id="11" name="Straight Arrow Connector 10"/>
+          <p:cNvCxnSpPr/>
+          <p:nvPr/>
+        </p:nvCxnSpPr>
+        <p:spPr>
+          <a:xfrm flipV="1">
+            <a:off x="7693572" y="3815255"/>
+            <a:ext cx="1198180" cy="772511"/>
+          </a:xfrm>
+          <a:prstGeom prst="straightConnector1">
+            <a:avLst/>
+          </a:prstGeom>
+          <a:ln>
+            <a:tailEnd type="triangle"/>
+          </a:ln>
+        </p:spPr>
+        <p:style>
+          <a:lnRef idx="1">
+            <a:schemeClr val="accent1"/>
+          </a:lnRef>
+          <a:fillRef idx="0">
+            <a:schemeClr val="accent1"/>
+          </a:fillRef>
+          <a:effectRef idx="0">
+            <a:schemeClr val="accent1"/>
+          </a:effectRef>
+          <a:fontRef idx="minor">
+            <a:schemeClr val="tx1"/>
+          </a:fontRef>
+        </p:style>
+      </p:cxnSp>
+    </p:spTree>
+    <p:extLst>
+      <p:ext uri="{BB962C8B-B14F-4D97-AF65-F5344CB8AC3E}">
+        <p14:creationId xmlns:p14="http://schemas.microsoft.com/office/powerpoint/2010/main" val="1115573185"/>
+      </p:ext>
+    </p:extLst>
+  </p:cSld>
+  <p:clrMapOvr>
+    <a:masterClrMapping/>
+  </p:clrMapOvr>
+  <p:timing>
+    <p:tnLst>
+      <p:par>
+        <p:cTn id="1" dur="indefinite" restart="never" nodeType="tmRoot">
+          <p:childTnLst>
+            <p:seq concurrent="1" nextAc="seek">
+              <p:cTn id="2" dur="indefinite" nodeType="mainSeq">
+                <p:childTnLst>
+                  <p:par>
+                    <p:cTn id="3" fill="hold">
+                      <p:stCondLst>
+                        <p:cond delay="indefinite"/>
+                      </p:stCondLst>
+                      <p:childTnLst>
+                        <p:par>
+                          <p:cTn id="4" fill="hold">
+                            <p:stCondLst>
+                              <p:cond delay="0"/>
+                            </p:stCondLst>
+                            <p:childTnLst>
+                              <p:par>
+                                <p:cTn id="5" presetID="9" presetClass="entr" presetSubtype="0" fill="hold" grpId="0" nodeType="clickEffect">
+                                  <p:stCondLst>
+                                    <p:cond delay="0"/>
+                                  </p:stCondLst>
+                                  <p:childTnLst>
+                                    <p:set>
+                                      <p:cBhvr>
+                                        <p:cTn id="6" dur="1" fill="hold">
+                                          <p:stCondLst>
+                                            <p:cond delay="0"/>
+                                          </p:stCondLst>
+                                        </p:cTn>
+                                        <p:tgtEl>
+                                          <p:spTgt spid="5"/>
+                                        </p:tgtEl>
+                                        <p:attrNameLst>
+                                          <p:attrName>style.visibility</p:attrName>
+                                        </p:attrNameLst>
+                                      </p:cBhvr>
+                                      <p:to>
+                                        <p:strVal val="visible"/>
+                                      </p:to>
+                                    </p:set>
+                                    <p:animEffect transition="in" filter="dissolve">
+                                      <p:cBhvr>
+                                        <p:cTn id="7" dur="500"/>
+                                        <p:tgtEl>
+                                          <p:spTgt spid="5"/>
+                                        </p:tgtEl>
+                                      </p:cBhvr>
+                                    </p:animEffect>
+                                  </p:childTnLst>
+                                </p:cTn>
+                              </p:par>
+                            </p:childTnLst>
+                          </p:cTn>
+                        </p:par>
+                      </p:childTnLst>
+                    </p:cTn>
+                  </p:par>
+                  <p:par>
+                    <p:cTn id="8" fill="hold">
+                      <p:stCondLst>
+                        <p:cond delay="indefinite"/>
+                      </p:stCondLst>
+                      <p:childTnLst>
+                        <p:par>
+                          <p:cTn id="9" fill="hold">
+                            <p:stCondLst>
+                              <p:cond delay="0"/>
+                            </p:stCondLst>
+                            <p:childTnLst>
+                              <p:par>
+                                <p:cTn id="10" presetID="9" presetClass="entr" presetSubtype="0" fill="hold" grpId="0" nodeType="clickEffect">
+                                  <p:stCondLst>
+                                    <p:cond delay="0"/>
+                                  </p:stCondLst>
+                                  <p:childTnLst>
+                                    <p:set>
+                                      <p:cBhvr>
+                                        <p:cTn id="11" dur="1" fill="hold">
+                                          <p:stCondLst>
+                                            <p:cond delay="0"/>
+                                          </p:stCondLst>
+                                        </p:cTn>
+                                        <p:tgtEl>
+                                          <p:spTgt spid="8"/>
+                                        </p:tgtEl>
+                                        <p:attrNameLst>
+                                          <p:attrName>style.visibility</p:attrName>
+                                        </p:attrNameLst>
+                                      </p:cBhvr>
+                                      <p:to>
+                                        <p:strVal val="visible"/>
+                                      </p:to>
+                                    </p:set>
+                                    <p:animEffect transition="in" filter="dissolve">
+                                      <p:cBhvr>
+                                        <p:cTn id="12" dur="500"/>
+                                        <p:tgtEl>
+                                          <p:spTgt spid="8"/>
+                                        </p:tgtEl>
+                                      </p:cBhvr>
+                                    </p:animEffect>
+                                  </p:childTnLst>
+                                </p:cTn>
+                              </p:par>
+                              <p:par>
+                                <p:cTn id="13" presetID="9" presetClass="entr" presetSubtype="0" fill="hold" grpId="0" nodeType="withEffect">
+                                  <p:stCondLst>
+                                    <p:cond delay="0"/>
+                                  </p:stCondLst>
+                                  <p:childTnLst>
+                                    <p:set>
+                                      <p:cBhvr>
+                                        <p:cTn id="14" dur="1" fill="hold">
+                                          <p:stCondLst>
+                                            <p:cond delay="0"/>
+                                          </p:stCondLst>
+                                        </p:cTn>
+                                        <p:tgtEl>
+                                          <p:spTgt spid="6"/>
+                                        </p:tgtEl>
+                                        <p:attrNameLst>
+                                          <p:attrName>style.visibility</p:attrName>
+                                        </p:attrNameLst>
+                                      </p:cBhvr>
+                                      <p:to>
+                                        <p:strVal val="visible"/>
+                                      </p:to>
+                                    </p:set>
+                                    <p:animEffect transition="in" filter="dissolve">
+                                      <p:cBhvr>
+                                        <p:cTn id="15" dur="500"/>
+                                        <p:tgtEl>
+                                          <p:spTgt spid="6"/>
+                                        </p:tgtEl>
+                                      </p:cBhvr>
+                                    </p:animEffect>
+                                  </p:childTnLst>
+                                </p:cTn>
+                              </p:par>
+                              <p:par>
+                                <p:cTn id="16" presetID="9" presetClass="entr" presetSubtype="0" fill="hold" grpId="0" nodeType="withEffect">
+                                  <p:stCondLst>
+                                    <p:cond delay="0"/>
+                                  </p:stCondLst>
+                                  <p:childTnLst>
+                                    <p:set>
+                                      <p:cBhvr>
+                                        <p:cTn id="17" dur="1" fill="hold">
+                                          <p:stCondLst>
+                                            <p:cond delay="0"/>
+                                          </p:stCondLst>
+                                        </p:cTn>
+                                        <p:tgtEl>
+                                          <p:spTgt spid="7"/>
+                                        </p:tgtEl>
+                                        <p:attrNameLst>
+                                          <p:attrName>style.visibility</p:attrName>
+                                        </p:attrNameLst>
+                                      </p:cBhvr>
+                                      <p:to>
+                                        <p:strVal val="visible"/>
+                                      </p:to>
+                                    </p:set>
+                                    <p:animEffect transition="in" filter="dissolve">
+                                      <p:cBhvr>
+                                        <p:cTn id="18" dur="500"/>
+                                        <p:tgtEl>
+                                          <p:spTgt spid="7"/>
+                                        </p:tgtEl>
+                                      </p:cBhvr>
+                                    </p:animEffect>
+                                  </p:childTnLst>
+                                </p:cTn>
+                              </p:par>
+                            </p:childTnLst>
+                          </p:cTn>
+                        </p:par>
+                      </p:childTnLst>
+                    </p:cTn>
+                  </p:par>
+                  <p:par>
+                    <p:cTn id="19" fill="hold">
+                      <p:stCondLst>
+                        <p:cond delay="indefinite"/>
+                      </p:stCondLst>
+                      <p:childTnLst>
+                        <p:par>
+                          <p:cTn id="20" fill="hold">
+                            <p:stCondLst>
+                              <p:cond delay="0"/>
+                            </p:stCondLst>
+                            <p:childTnLst>
+                              <p:par>
+                                <p:cTn id="21" presetID="9" presetClass="entr" presetSubtype="0" fill="hold" nodeType="clickEffect">
+                                  <p:stCondLst>
+                                    <p:cond delay="0"/>
+                                  </p:stCondLst>
+                                  <p:childTnLst>
+                                    <p:set>
+                                      <p:cBhvr>
+                                        <p:cTn id="22" dur="1" fill="hold">
+                                          <p:stCondLst>
+                                            <p:cond delay="0"/>
+                                          </p:stCondLst>
+                                        </p:cTn>
+                                        <p:tgtEl>
+                                          <p:spTgt spid="9"/>
+                                        </p:tgtEl>
+                                        <p:attrNameLst>
+                                          <p:attrName>style.visibility</p:attrName>
+                                        </p:attrNameLst>
+                                      </p:cBhvr>
+                                      <p:to>
+                                        <p:strVal val="visible"/>
+                                      </p:to>
+                                    </p:set>
+                                    <p:animEffect transition="in" filter="dissolve">
+                                      <p:cBhvr>
+                                        <p:cTn id="23" dur="500"/>
+                                        <p:tgtEl>
+                                          <p:spTgt spid="9"/>
+                                        </p:tgtEl>
+                                      </p:cBhvr>
+                                    </p:animEffect>
+                                  </p:childTnLst>
+                                </p:cTn>
+                              </p:par>
+                              <p:par>
+                                <p:cTn id="24" presetID="9" presetClass="entr" presetSubtype="0" fill="hold" nodeType="withEffect">
+                                  <p:stCondLst>
+                                    <p:cond delay="0"/>
+                                  </p:stCondLst>
+                                  <p:childTnLst>
+                                    <p:set>
+                                      <p:cBhvr>
+                                        <p:cTn id="25" dur="1" fill="hold">
+                                          <p:stCondLst>
+                                            <p:cond delay="0"/>
+                                          </p:stCondLst>
+                                        </p:cTn>
+                                        <p:tgtEl>
+                                          <p:spTgt spid="11"/>
+                                        </p:tgtEl>
+                                        <p:attrNameLst>
+                                          <p:attrName>style.visibility</p:attrName>
+                                        </p:attrNameLst>
+                                      </p:cBhvr>
+                                      <p:to>
+                                        <p:strVal val="visible"/>
+                                      </p:to>
+                                    </p:set>
+                                    <p:animEffect transition="in" filter="dissolve">
+                                      <p:cBhvr>
+                                        <p:cTn id="26" dur="500"/>
+                                        <p:tgtEl>
+                                          <p:spTgt spid="11"/>
+                                        </p:tgtEl>
+                                      </p:cBhvr>
+                                    </p:animEffect>
+                                  </p:childTnLst>
+                                </p:cTn>
+                              </p:par>
+                            </p:childTnLst>
+                          </p:cTn>
+                        </p:par>
+                      </p:childTnLst>
+                    </p:cTn>
+                  </p:par>
+                </p:childTnLst>
+              </p:cTn>
+              <p:prevCondLst>
+                <p:cond evt="onPrev" delay="0">
+                  <p:tgtEl>
+                    <p:sldTgt/>
+                  </p:tgtEl>
+                </p:cond>
+              </p:prevCondLst>
+              <p:nextCondLst>
+                <p:cond evt="onNext" delay="0">
+                  <p:tgtEl>
+                    <p:sldTgt/>
+                  </p:tgtEl>
+                </p:cond>
+              </p:nextCondLst>
+            </p:seq>
+          </p:childTnLst>
+        </p:cTn>
+      </p:par>
+    </p:tnLst>
+    <p:bldLst>
+      <p:bldP spid="5" grpId="0" animBg="1"/>
+      <p:bldP spid="6" grpId="0" animBg="1"/>
+      <p:bldP spid="7" grpId="0" animBg="1"/>
+      <p:bldP spid="8" grpId="0" animBg="1"/>
+    </p:bldLst>
+  </p:timing>
+</p:sld>
+</file>
+
+<file path=ppt/slides/slide15.xml><?xml version="1.0" encoding="utf-8"?>
+<p:sld xmlns:a="http://schemas.openxmlformats.org/drawingml/2006/main" xmlns:r="http://schemas.openxmlformats.org/officeDocument/2006/relationships" xmlns:p="http://schemas.openxmlformats.org/presentationml/2006/main">
+  <p:cSld>
+    <p:spTree>
+      <p:nvGrpSpPr>
+        <p:cNvPr id="1" name=""/>
+        <p:cNvGrpSpPr/>
+        <p:nvPr/>
+      </p:nvGrpSpPr>
+      <p:grpSpPr>
+        <a:xfrm>
+          <a:off x="0" y="0"/>
+          <a:ext cx="0" cy="0"/>
+          <a:chOff x="0" y="0"/>
+          <a:chExt cx="0" cy="0"/>
+        </a:xfrm>
+      </p:grpSpPr>
+      <p:sp>
+        <p:nvSpPr>
+          <p:cNvPr id="2" name="Title 1"/>
+          <p:cNvSpPr>
+            <a:spLocks noGrp="1"/>
+          </p:cNvSpPr>
+          <p:nvPr>
+            <p:ph type="title"/>
+          </p:nvPr>
+        </p:nvSpPr>
+        <p:spPr/>
+        <p:txBody>
+          <a:bodyPr/>
+          <a:lstStyle/>
+          <a:p>
+            <a:r>
+              <a:rPr lang="zh-CN" altLang="en-US" dirty="0" smtClean="0"/>
+              <a:t>位图放大</a:t>
+            </a:r>
+            <a:endParaRPr lang="en-US" dirty="0"/>
+          </a:p>
+        </p:txBody>
+      </p:sp>
+      <p:pic>
+        <p:nvPicPr>
+          <p:cNvPr id="4" name="Content Placeholder 3"/>
+          <p:cNvPicPr>
+            <a:picLocks noGrp="1" noChangeAspect="1"/>
+          </p:cNvPicPr>
+          <p:nvPr>
+            <p:ph idx="1"/>
+          </p:nvPr>
+        </p:nvPicPr>
+        <p:blipFill>
+          <a:blip r:embed="rId2">
+            <a:extLst>
+              <a:ext uri="{28A0092B-C50C-407E-A947-70E740481C1C}">
+                <a14:useLocalDpi xmlns:a14="http://schemas.microsoft.com/office/drawing/2010/main" val="0"/>
+              </a:ext>
+            </a:extLst>
+          </a:blip>
+          <a:stretch>
+            <a:fillRect/>
+          </a:stretch>
+        </p:blipFill>
+        <p:spPr>
+          <a:xfrm>
+            <a:off x="331959" y="2427430"/>
+            <a:ext cx="2540000" cy="2540000"/>
+          </a:xfrm>
+        </p:spPr>
+      </p:pic>
+      <p:sp>
+        <p:nvSpPr>
+          <p:cNvPr id="6" name="Rectangle 5"/>
+          <p:cNvSpPr/>
+          <p:nvPr/>
+        </p:nvSpPr>
+        <p:spPr>
+          <a:xfrm>
+            <a:off x="1601959" y="3228475"/>
+            <a:ext cx="342378" cy="342378"/>
+          </a:xfrm>
+          <a:prstGeom prst="rect">
+            <a:avLst/>
+          </a:prstGeom>
+          <a:noFill/>
+          <a:ln w="63500"/>
+        </p:spPr>
+        <p:style>
+          <a:lnRef idx="2">
+            <a:schemeClr val="accent1">
+              <a:shade val="50000"/>
+            </a:schemeClr>
+          </a:lnRef>
+          <a:fillRef idx="1">
+            <a:schemeClr val="accent1"/>
+          </a:fillRef>
+          <a:effectRef idx="0">
+            <a:schemeClr val="accent1"/>
+          </a:effectRef>
+          <a:fontRef idx="minor">
+            <a:schemeClr val="lt1"/>
+          </a:fontRef>
+        </p:style>
+        <p:txBody>
+          <a:bodyPr rtlCol="0" anchor="ctr"/>
+          <a:lstStyle/>
+          <a:p>
+            <a:pPr algn="ctr"/>
+            <a:endParaRPr lang="en-US"/>
+          </a:p>
+        </p:txBody>
+      </p:sp>
+      <p:pic>
+        <p:nvPicPr>
+          <p:cNvPr id="7" name="Picture 6"/>
+          <p:cNvPicPr>
+            <a:picLocks noChangeAspect="1"/>
+          </p:cNvPicPr>
+          <p:nvPr/>
+        </p:nvPicPr>
+        <p:blipFill>
+          <a:blip r:embed="rId3">
+            <a:extLst>
+              <a:ext uri="{28A0092B-C50C-407E-A947-70E740481C1C}">
+                <a14:useLocalDpi xmlns:a14="http://schemas.microsoft.com/office/drawing/2010/main" val="0"/>
+              </a:ext>
+            </a:extLst>
+          </a:blip>
+          <a:stretch>
+            <a:fillRect/>
+          </a:stretch>
+        </p:blipFill>
+        <p:spPr>
+          <a:xfrm>
+            <a:off x="3925610" y="2478230"/>
+            <a:ext cx="2590800" cy="2489200"/>
+          </a:xfrm>
+          <a:prstGeom prst="rect">
+            <a:avLst/>
+          </a:prstGeom>
+        </p:spPr>
+      </p:pic>
+      <p:sp>
+        <p:nvSpPr>
+          <p:cNvPr id="8" name="Right Arrow 7"/>
+          <p:cNvSpPr/>
+          <p:nvPr/>
+        </p:nvSpPr>
+        <p:spPr>
+          <a:xfrm>
+            <a:off x="1960103" y="3326521"/>
+            <a:ext cx="1949741" cy="244332"/>
+          </a:xfrm>
+          <a:prstGeom prst="rightArrow">
+            <a:avLst/>
+          </a:prstGeom>
+        </p:spPr>
+        <p:style>
+          <a:lnRef idx="2">
+            <a:schemeClr val="accent1">
+              <a:shade val="50000"/>
+            </a:schemeClr>
+          </a:lnRef>
+          <a:fillRef idx="1">
+            <a:schemeClr val="accent1"/>
+          </a:fillRef>
+          <a:effectRef idx="0">
+            <a:schemeClr val="accent1"/>
+          </a:effectRef>
+          <a:fontRef idx="minor">
+            <a:schemeClr val="lt1"/>
+          </a:fontRef>
+        </p:style>
+        <p:txBody>
+          <a:bodyPr rtlCol="0" anchor="ctr"/>
+          <a:lstStyle/>
+          <a:p>
+            <a:pPr algn="ctr"/>
+            <a:endParaRPr lang="en-US"/>
+          </a:p>
+        </p:txBody>
+      </p:sp>
+      <p:sp>
+        <p:nvSpPr>
+          <p:cNvPr id="10" name="Rectangle 9"/>
+          <p:cNvSpPr/>
+          <p:nvPr/>
+        </p:nvSpPr>
+        <p:spPr>
+          <a:xfrm>
+            <a:off x="3941376" y="2474732"/>
+            <a:ext cx="108000" cy="108000"/>
+          </a:xfrm>
+          <a:prstGeom prst="rect">
+            <a:avLst/>
+          </a:prstGeom>
+          <a:noFill/>
+          <a:ln w="38100">
+            <a:solidFill>
+              <a:schemeClr val="tx1"/>
+            </a:solidFill>
+          </a:ln>
+        </p:spPr>
+        <p:style>
+          <a:lnRef idx="2">
+            <a:schemeClr val="accent1">
+              <a:shade val="50000"/>
+            </a:schemeClr>
+          </a:lnRef>
+          <a:fillRef idx="1">
+            <a:schemeClr val="accent1"/>
+          </a:fillRef>
+          <a:effectRef idx="0">
+            <a:schemeClr val="accent1"/>
+          </a:effectRef>
+          <a:fontRef idx="minor">
+            <a:schemeClr val="lt1"/>
+          </a:fontRef>
+        </p:style>
+        <p:txBody>
+          <a:bodyPr rot="0" spcFirstLastPara="0" vertOverflow="overflow" horzOverflow="overflow" vert="horz" wrap="square" lIns="91440" tIns="45720" rIns="91440" bIns="45720" numCol="1" spcCol="0" rtlCol="0" fromWordArt="0" anchor="ctr" anchorCtr="0" forceAA="0" compatLnSpc="1">
+            <a:prstTxWarp prst="textNoShape">
+              <a:avLst/>
+            </a:prstTxWarp>
+            <a:noAutofit/>
+          </a:bodyPr>
+          <a:lstStyle/>
+          <a:p>
+            <a:pPr algn="ctr"/>
+            <a:endParaRPr lang="en-US">
+              <a:solidFill>
+                <a:schemeClr val="tx1"/>
+              </a:solidFill>
+            </a:endParaRPr>
+          </a:p>
+        </p:txBody>
+      </p:sp>
+      <p:pic>
+        <p:nvPicPr>
+          <p:cNvPr id="11" name="Picture 10"/>
+          <p:cNvPicPr>
+            <a:picLocks noChangeAspect="1"/>
+          </p:cNvPicPr>
+          <p:nvPr/>
+        </p:nvPicPr>
+        <p:blipFill>
+          <a:blip r:embed="rId4">
+            <a:extLst>
+              <a:ext uri="{28A0092B-C50C-407E-A947-70E740481C1C}">
+                <a14:useLocalDpi xmlns:a14="http://schemas.microsoft.com/office/drawing/2010/main" val="0"/>
+              </a:ext>
+            </a:extLst>
+          </a:blip>
+          <a:stretch>
+            <a:fillRect/>
+          </a:stretch>
+        </p:blipFill>
+        <p:spPr>
+          <a:xfrm>
+            <a:off x="9099316" y="2884630"/>
+            <a:ext cx="2781300" cy="1625600"/>
+          </a:xfrm>
+          <a:prstGeom prst="rect">
+            <a:avLst/>
+          </a:prstGeom>
+        </p:spPr>
+      </p:pic>
+      <p:sp>
+        <p:nvSpPr>
+          <p:cNvPr id="13" name="Rectangle 12"/>
+          <p:cNvSpPr/>
+          <p:nvPr/>
+        </p:nvSpPr>
+        <p:spPr>
+          <a:xfrm>
+            <a:off x="7348935" y="3263902"/>
+            <a:ext cx="917856" cy="917856"/>
+          </a:xfrm>
+          <a:prstGeom prst="rect">
+            <a:avLst/>
+          </a:prstGeom>
+          <a:solidFill>
+            <a:srgbClr val="DEC778"/>
+          </a:solidFill>
+        </p:spPr>
+        <p:style>
+          <a:lnRef idx="2">
+            <a:schemeClr val="accent1">
+              <a:shade val="50000"/>
+            </a:schemeClr>
+          </a:lnRef>
+          <a:fillRef idx="1">
+            <a:schemeClr val="accent1"/>
+          </a:fillRef>
+          <a:effectRef idx="0">
+            <a:schemeClr val="accent1"/>
+          </a:effectRef>
+          <a:fontRef idx="minor">
+            <a:schemeClr val="lt1"/>
+          </a:fontRef>
+        </p:style>
+        <p:txBody>
+          <a:bodyPr rot="0" spcFirstLastPara="0" vertOverflow="overflow" horzOverflow="overflow" vert="horz" wrap="square" lIns="91440" tIns="45720" rIns="91440" bIns="45720" numCol="1" spcCol="0" rtlCol="0" fromWordArt="0" anchor="ctr" anchorCtr="0" forceAA="0" compatLnSpc="1">
+            <a:prstTxWarp prst="textNoShape">
+              <a:avLst/>
+            </a:prstTxWarp>
+            <a:noAutofit/>
+          </a:bodyPr>
+          <a:lstStyle/>
+          <a:p>
+            <a:pPr algn="ctr"/>
+            <a:endParaRPr lang="en-US">
+              <a:solidFill>
+                <a:schemeClr val="tx1"/>
+              </a:solidFill>
+            </a:endParaRPr>
+          </a:p>
+        </p:txBody>
+      </p:sp>
+      <p:cxnSp>
+        <p:nvCxnSpPr>
+          <p:cNvPr id="15" name="Straight Arrow Connector 14"/>
+          <p:cNvCxnSpPr>
+            <a:stCxn id="10" idx="3"/>
+          </p:cNvCxnSpPr>
+          <p:nvPr/>
+        </p:nvCxnSpPr>
+        <p:spPr>
+          <a:xfrm>
+            <a:off x="4049376" y="2528732"/>
+            <a:ext cx="3155465" cy="1194098"/>
+          </a:xfrm>
+          <a:prstGeom prst="straightConnector1">
+            <a:avLst/>
+          </a:prstGeom>
+          <a:ln>
+            <a:tailEnd type="triangle"/>
+          </a:ln>
+        </p:spPr>
+        <p:style>
+          <a:lnRef idx="1">
+            <a:schemeClr val="accent1"/>
+          </a:lnRef>
+          <a:fillRef idx="0">
+            <a:schemeClr val="accent1"/>
+          </a:fillRef>
+          <a:effectRef idx="0">
+            <a:schemeClr val="accent1"/>
+          </a:effectRef>
+          <a:fontRef idx="minor">
+            <a:schemeClr val="tx1"/>
+          </a:fontRef>
+        </p:style>
+      </p:cxnSp>
+      <p:sp>
+        <p:nvSpPr>
+          <p:cNvPr id="16" name="Right Arrow 15"/>
+          <p:cNvSpPr/>
+          <p:nvPr/>
+        </p:nvSpPr>
+        <p:spPr>
+          <a:xfrm>
+            <a:off x="8332055" y="3602834"/>
+            <a:ext cx="688431" cy="212418"/>
+          </a:xfrm>
+          <a:prstGeom prst="rightArrow">
+            <a:avLst/>
+          </a:prstGeom>
+        </p:spPr>
+        <p:style>
+          <a:lnRef idx="2">
+            <a:schemeClr val="accent1">
+              <a:shade val="50000"/>
+            </a:schemeClr>
+          </a:lnRef>
+          <a:fillRef idx="1">
+            <a:schemeClr val="accent1"/>
+          </a:fillRef>
+          <a:effectRef idx="0">
+            <a:schemeClr val="accent1"/>
+          </a:effectRef>
+          <a:fontRef idx="minor">
+            <a:schemeClr val="lt1"/>
+          </a:fontRef>
+        </p:style>
+        <p:txBody>
+          <a:bodyPr rot="0" spcFirstLastPara="0" vertOverflow="overflow" horzOverflow="overflow" vert="horz" wrap="square" lIns="91440" tIns="45720" rIns="91440" bIns="45720" numCol="1" spcCol="0" rtlCol="0" fromWordArt="0" anchor="ctr" anchorCtr="0" forceAA="0" compatLnSpc="1">
+            <a:prstTxWarp prst="textNoShape">
+              <a:avLst/>
+            </a:prstTxWarp>
+            <a:noAutofit/>
+          </a:bodyPr>
+          <a:lstStyle/>
+          <a:p>
+            <a:pPr algn="ctr"/>
+            <a:endParaRPr lang="en-US">
+              <a:solidFill>
+                <a:schemeClr val="tx1"/>
+              </a:solidFill>
+            </a:endParaRPr>
+          </a:p>
+        </p:txBody>
+      </p:sp>
+    </p:spTree>
+    <p:extLst>
+      <p:ext uri="{BB962C8B-B14F-4D97-AF65-F5344CB8AC3E}">
+        <p14:creationId xmlns:p14="http://schemas.microsoft.com/office/powerpoint/2010/main" val="525656742"/>
+      </p:ext>
+    </p:extLst>
+  </p:cSld>
+  <p:clrMapOvr>
+    <a:masterClrMapping/>
+  </p:clrMapOvr>
+  <p:timing>
+    <p:tnLst>
+      <p:par>
+        <p:cTn id="1" dur="indefinite" restart="never" nodeType="tmRoot">
+          <p:childTnLst>
+            <p:seq concurrent="1" nextAc="seek">
+              <p:cTn id="2" dur="indefinite" nodeType="mainSeq">
+                <p:childTnLst>
+                  <p:par>
+                    <p:cTn id="3" fill="hold">
+                      <p:stCondLst>
+                        <p:cond delay="indefinite"/>
+                      </p:stCondLst>
+                      <p:childTnLst>
+                        <p:par>
+                          <p:cTn id="4" fill="hold">
+                            <p:stCondLst>
+                              <p:cond delay="0"/>
+                            </p:stCondLst>
+                            <p:childTnLst>
+                              <p:par>
+                                <p:cTn id="5" presetID="3" presetClass="entr" presetSubtype="10" fill="hold" grpId="0" nodeType="clickEffect">
+                                  <p:stCondLst>
+                                    <p:cond delay="0"/>
+                                  </p:stCondLst>
+                                  <p:childTnLst>
+                                    <p:set>
+                                      <p:cBhvr>
+                                        <p:cTn id="6" dur="1" fill="hold">
+                                          <p:stCondLst>
+                                            <p:cond delay="0"/>
+                                          </p:stCondLst>
+                                        </p:cTn>
+                                        <p:tgtEl>
+                                          <p:spTgt spid="6"/>
+                                        </p:tgtEl>
+                                        <p:attrNameLst>
+                                          <p:attrName>style.visibility</p:attrName>
+                                        </p:attrNameLst>
+                                      </p:cBhvr>
+                                      <p:to>
+                                        <p:strVal val="visible"/>
+                                      </p:to>
+                                    </p:set>
+                                    <p:animEffect transition="in" filter="blinds(horizontal)">
+                                      <p:cBhvr>
+                                        <p:cTn id="7" dur="500"/>
+                                        <p:tgtEl>
+                                          <p:spTgt spid="6"/>
+                                        </p:tgtEl>
+                                      </p:cBhvr>
+                                    </p:animEffect>
+                                  </p:childTnLst>
+                                </p:cTn>
+                              </p:par>
+                            </p:childTnLst>
+                          </p:cTn>
+                        </p:par>
+                      </p:childTnLst>
+                    </p:cTn>
+                  </p:par>
+                  <p:par>
+                    <p:cTn id="8" fill="hold">
+                      <p:stCondLst>
+                        <p:cond delay="indefinite"/>
+                      </p:stCondLst>
+                      <p:childTnLst>
+                        <p:par>
+                          <p:cTn id="9" fill="hold">
+                            <p:stCondLst>
+                              <p:cond delay="0"/>
+                            </p:stCondLst>
+                            <p:childTnLst>
+                              <p:par>
+                                <p:cTn id="10" presetID="3" presetClass="entr" presetSubtype="10" fill="hold" grpId="0" nodeType="clickEffect">
+                                  <p:stCondLst>
+                                    <p:cond delay="0"/>
+                                  </p:stCondLst>
+                                  <p:childTnLst>
+                                    <p:set>
+                                      <p:cBhvr>
+                                        <p:cTn id="11" dur="1" fill="hold">
+                                          <p:stCondLst>
+                                            <p:cond delay="0"/>
+                                          </p:stCondLst>
+                                        </p:cTn>
+                                        <p:tgtEl>
+                                          <p:spTgt spid="8"/>
+                                        </p:tgtEl>
+                                        <p:attrNameLst>
+                                          <p:attrName>style.visibility</p:attrName>
+                                        </p:attrNameLst>
+                                      </p:cBhvr>
+                                      <p:to>
+                                        <p:strVal val="visible"/>
+                                      </p:to>
+                                    </p:set>
+                                    <p:animEffect transition="in" filter="blinds(horizontal)">
+                                      <p:cBhvr>
+                                        <p:cTn id="12" dur="500"/>
+                                        <p:tgtEl>
+                                          <p:spTgt spid="8"/>
+                                        </p:tgtEl>
+                                      </p:cBhvr>
+                                    </p:animEffect>
+                                  </p:childTnLst>
+                                </p:cTn>
+                              </p:par>
+                              <p:par>
+                                <p:cTn id="13" presetID="3" presetClass="entr" presetSubtype="10" fill="hold" nodeType="withEffect">
+                                  <p:stCondLst>
+                                    <p:cond delay="0"/>
+                                  </p:stCondLst>
+                                  <p:childTnLst>
+                                    <p:set>
+                                      <p:cBhvr>
+                                        <p:cTn id="14" dur="1" fill="hold">
+                                          <p:stCondLst>
+                                            <p:cond delay="0"/>
+                                          </p:stCondLst>
+                                        </p:cTn>
+                                        <p:tgtEl>
+                                          <p:spTgt spid="7"/>
+                                        </p:tgtEl>
+                                        <p:attrNameLst>
+                                          <p:attrName>style.visibility</p:attrName>
+                                        </p:attrNameLst>
+                                      </p:cBhvr>
+                                      <p:to>
+                                        <p:strVal val="visible"/>
+                                      </p:to>
+                                    </p:set>
+                                    <p:animEffect transition="in" filter="blinds(horizontal)">
+                                      <p:cBhvr>
+                                        <p:cTn id="15" dur="500"/>
+                                        <p:tgtEl>
+                                          <p:spTgt spid="7"/>
+                                        </p:tgtEl>
+                                      </p:cBhvr>
+                                    </p:animEffect>
+                                  </p:childTnLst>
+                                </p:cTn>
+                              </p:par>
+                            </p:childTnLst>
+                          </p:cTn>
+                        </p:par>
+                      </p:childTnLst>
+                    </p:cTn>
+                  </p:par>
+                  <p:par>
+                    <p:cTn id="16" fill="hold">
+                      <p:stCondLst>
+                        <p:cond delay="indefinite"/>
+                      </p:stCondLst>
+                      <p:childTnLst>
+                        <p:par>
+                          <p:cTn id="17" fill="hold">
+                            <p:stCondLst>
+                              <p:cond delay="0"/>
+                            </p:stCondLst>
+                            <p:childTnLst>
+                              <p:par>
+                                <p:cTn id="18" presetID="3" presetClass="entr" presetSubtype="10" fill="hold" grpId="0" nodeType="clickEffect">
+                                  <p:stCondLst>
+                                    <p:cond delay="0"/>
+                                  </p:stCondLst>
+                                  <p:childTnLst>
+                                    <p:set>
+                                      <p:cBhvr>
+                                        <p:cTn id="19" dur="1" fill="hold">
+                                          <p:stCondLst>
+                                            <p:cond delay="0"/>
+                                          </p:stCondLst>
+                                        </p:cTn>
+                                        <p:tgtEl>
+                                          <p:spTgt spid="10"/>
+                                        </p:tgtEl>
+                                        <p:attrNameLst>
+                                          <p:attrName>style.visibility</p:attrName>
+                                        </p:attrNameLst>
+                                      </p:cBhvr>
+                                      <p:to>
+                                        <p:strVal val="visible"/>
+                                      </p:to>
+                                    </p:set>
+                                    <p:animEffect transition="in" filter="blinds(horizontal)">
+                                      <p:cBhvr>
+                                        <p:cTn id="20" dur="500"/>
+                                        <p:tgtEl>
+                                          <p:spTgt spid="10"/>
+                                        </p:tgtEl>
+                                      </p:cBhvr>
+                                    </p:animEffect>
+                                  </p:childTnLst>
+                                </p:cTn>
+                              </p:par>
+                            </p:childTnLst>
+                          </p:cTn>
+                        </p:par>
+                      </p:childTnLst>
+                    </p:cTn>
+                  </p:par>
+                  <p:par>
+                    <p:cTn id="21" fill="hold">
+                      <p:stCondLst>
+                        <p:cond delay="indefinite"/>
+                      </p:stCondLst>
+                      <p:childTnLst>
+                        <p:par>
+                          <p:cTn id="22" fill="hold">
+                            <p:stCondLst>
+                              <p:cond delay="0"/>
+                            </p:stCondLst>
+                            <p:childTnLst>
+                              <p:par>
+                                <p:cTn id="23" presetID="3" presetClass="entr" presetSubtype="10" fill="hold" grpId="0" nodeType="clickEffect">
+                                  <p:stCondLst>
+                                    <p:cond delay="0"/>
+                                  </p:stCondLst>
+                                  <p:childTnLst>
+                                    <p:set>
+                                      <p:cBhvr>
+                                        <p:cTn id="24" dur="1" fill="hold">
+                                          <p:stCondLst>
+                                            <p:cond delay="0"/>
+                                          </p:stCondLst>
+                                        </p:cTn>
+                                        <p:tgtEl>
+                                          <p:spTgt spid="13"/>
+                                        </p:tgtEl>
+                                        <p:attrNameLst>
+                                          <p:attrName>style.visibility</p:attrName>
+                                        </p:attrNameLst>
+                                      </p:cBhvr>
+                                      <p:to>
+                                        <p:strVal val="visible"/>
+                                      </p:to>
+                                    </p:set>
+                                    <p:animEffect transition="in" filter="blinds(horizontal)">
+                                      <p:cBhvr>
+                                        <p:cTn id="25" dur="500"/>
+                                        <p:tgtEl>
+                                          <p:spTgt spid="13"/>
+                                        </p:tgtEl>
+                                      </p:cBhvr>
+                                    </p:animEffect>
+                                  </p:childTnLst>
+                                </p:cTn>
+                              </p:par>
+                              <p:par>
+                                <p:cTn id="26" presetID="3" presetClass="entr" presetSubtype="10" fill="hold" nodeType="withEffect">
+                                  <p:stCondLst>
+                                    <p:cond delay="0"/>
+                                  </p:stCondLst>
+                                  <p:childTnLst>
+                                    <p:set>
+                                      <p:cBhvr>
+                                        <p:cTn id="27" dur="1" fill="hold">
+                                          <p:stCondLst>
+                                            <p:cond delay="0"/>
+                                          </p:stCondLst>
+                                        </p:cTn>
+                                        <p:tgtEl>
+                                          <p:spTgt spid="15"/>
+                                        </p:tgtEl>
+                                        <p:attrNameLst>
+                                          <p:attrName>style.visibility</p:attrName>
+                                        </p:attrNameLst>
+                                      </p:cBhvr>
+                                      <p:to>
+                                        <p:strVal val="visible"/>
+                                      </p:to>
+                                    </p:set>
+                                    <p:animEffect transition="in" filter="blinds(horizontal)">
+                                      <p:cBhvr>
+                                        <p:cTn id="28" dur="500"/>
+                                        <p:tgtEl>
+                                          <p:spTgt spid="15"/>
+                                        </p:tgtEl>
+                                      </p:cBhvr>
+                                    </p:animEffect>
+                                  </p:childTnLst>
+                                </p:cTn>
+                              </p:par>
+                            </p:childTnLst>
+                          </p:cTn>
+                        </p:par>
+                      </p:childTnLst>
+                    </p:cTn>
+                  </p:par>
+                  <p:par>
+                    <p:cTn id="29" fill="hold">
+                      <p:stCondLst>
+                        <p:cond delay="indefinite"/>
+                      </p:stCondLst>
+                      <p:childTnLst>
+                        <p:par>
+                          <p:cTn id="30" fill="hold">
+                            <p:stCondLst>
+                              <p:cond delay="0"/>
+                            </p:stCondLst>
+                            <p:childTnLst>
+                              <p:par>
+                                <p:cTn id="31" presetID="3" presetClass="entr" presetSubtype="10" fill="hold" nodeType="clickEffect">
+                                  <p:stCondLst>
+                                    <p:cond delay="0"/>
+                                  </p:stCondLst>
+                                  <p:childTnLst>
+                                    <p:set>
+                                      <p:cBhvr>
+                                        <p:cTn id="32" dur="1" fill="hold">
+                                          <p:stCondLst>
+                                            <p:cond delay="0"/>
+                                          </p:stCondLst>
+                                        </p:cTn>
+                                        <p:tgtEl>
+                                          <p:spTgt spid="11"/>
+                                        </p:tgtEl>
+                                        <p:attrNameLst>
+                                          <p:attrName>style.visibility</p:attrName>
+                                        </p:attrNameLst>
+                                      </p:cBhvr>
+                                      <p:to>
+                                        <p:strVal val="visible"/>
+                                      </p:to>
+                                    </p:set>
+                                    <p:animEffect transition="in" filter="blinds(horizontal)">
+                                      <p:cBhvr>
+                                        <p:cTn id="33" dur="500"/>
+                                        <p:tgtEl>
+                                          <p:spTgt spid="11"/>
+                                        </p:tgtEl>
+                                      </p:cBhvr>
+                                    </p:animEffect>
+                                  </p:childTnLst>
+                                </p:cTn>
+                              </p:par>
+                              <p:par>
+                                <p:cTn id="34" presetID="3" presetClass="entr" presetSubtype="10" fill="hold" grpId="0" nodeType="withEffect">
+                                  <p:stCondLst>
+                                    <p:cond delay="0"/>
+                                  </p:stCondLst>
+                                  <p:childTnLst>
+                                    <p:set>
+                                      <p:cBhvr>
+                                        <p:cTn id="35" dur="1" fill="hold">
+                                          <p:stCondLst>
+                                            <p:cond delay="0"/>
+                                          </p:stCondLst>
+                                        </p:cTn>
+                                        <p:tgtEl>
+                                          <p:spTgt spid="16"/>
+                                        </p:tgtEl>
+                                        <p:attrNameLst>
+                                          <p:attrName>style.visibility</p:attrName>
+                                        </p:attrNameLst>
+                                      </p:cBhvr>
+                                      <p:to>
+                                        <p:strVal val="visible"/>
+                                      </p:to>
+                                    </p:set>
+                                    <p:animEffect transition="in" filter="blinds(horizontal)">
+                                      <p:cBhvr>
+                                        <p:cTn id="36" dur="500"/>
+                                        <p:tgtEl>
+                                          <p:spTgt spid="16"/>
+                                        </p:tgtEl>
+                                      </p:cBhvr>
+                                    </p:animEffect>
+                                  </p:childTnLst>
+                                </p:cTn>
+                              </p:par>
+                            </p:childTnLst>
+                          </p:cTn>
+                        </p:par>
+                      </p:childTnLst>
+                    </p:cTn>
+                  </p:par>
+                </p:childTnLst>
+              </p:cTn>
+              <p:prevCondLst>
+                <p:cond evt="onPrev" delay="0">
+                  <p:tgtEl>
+                    <p:sldTgt/>
+                  </p:tgtEl>
+                </p:cond>
+              </p:prevCondLst>
+              <p:nextCondLst>
+                <p:cond evt="onNext" delay="0">
+                  <p:tgtEl>
+                    <p:sldTgt/>
+                  </p:tgtEl>
+                </p:cond>
+              </p:nextCondLst>
+            </p:seq>
+          </p:childTnLst>
+        </p:cTn>
+      </p:par>
+    </p:tnLst>
+    <p:bldLst>
+      <p:bldP spid="6" grpId="0" animBg="1"/>
+      <p:bldP spid="8" grpId="0" animBg="1"/>
+      <p:bldP spid="10" grpId="0" animBg="1"/>
+      <p:bldP spid="13" grpId="0" animBg="1"/>
+      <p:bldP spid="16" grpId="0" animBg="1"/>
+    </p:bldLst>
+  </p:timing>
+</p:sld>
+</file>
+
+<file path=ppt/slides/slide16.xml><?xml version="1.0" encoding="utf-8"?>
+<p:sld xmlns:a="http://schemas.openxmlformats.org/drawingml/2006/main" xmlns:r="http://schemas.openxmlformats.org/officeDocument/2006/relationships" xmlns:p="http://schemas.openxmlformats.org/presentationml/2006/main">
+  <p:cSld>
+    <p:spTree>
+      <p:nvGrpSpPr>
+        <p:cNvPr id="1" name=""/>
+        <p:cNvGrpSpPr/>
+        <p:nvPr/>
+      </p:nvGrpSpPr>
+      <p:grpSpPr>
+        <a:xfrm>
+          <a:off x="0" y="0"/>
+          <a:ext cx="0" cy="0"/>
+          <a:chOff x="0" y="0"/>
+          <a:chExt cx="0" cy="0"/>
+        </a:xfrm>
+      </p:grpSpPr>
+      <p:sp>
+        <p:nvSpPr>
+          <p:cNvPr id="2" name="Title 1"/>
+          <p:cNvSpPr>
+            <a:spLocks noGrp="1"/>
+          </p:cNvSpPr>
+          <p:nvPr>
+            <p:ph type="title"/>
+          </p:nvPr>
+        </p:nvSpPr>
+        <p:spPr/>
+        <p:txBody>
+          <a:bodyPr/>
+          <a:lstStyle/>
+          <a:p>
+            <a:r>
+              <a:rPr lang="zh-CN" altLang="en-US" dirty="0" smtClean="0"/>
+              <a:t>总结</a:t>
+            </a:r>
+            <a:endParaRPr lang="en-US" dirty="0"/>
+          </a:p>
+        </p:txBody>
+      </p:sp>
+      <p:sp>
+        <p:nvSpPr>
+          <p:cNvPr id="4" name="TextBox 3"/>
+          <p:cNvSpPr txBox="1"/>
+          <p:nvPr/>
+        </p:nvSpPr>
+        <p:spPr>
+          <a:xfrm>
+            <a:off x="838200" y="1690688"/>
+            <a:ext cx="8687443" cy="1477328"/>
+          </a:xfrm>
+          <a:prstGeom prst="rect">
+            <a:avLst/>
+          </a:prstGeom>
+          <a:noFill/>
+        </p:spPr>
+        <p:txBody>
+          <a:bodyPr wrap="none" rtlCol="0">
+            <a:spAutoFit/>
+          </a:bodyPr>
+          <a:lstStyle/>
+          <a:p>
+            <a:pPr marL="342900" indent="-342900">
+              <a:buFont typeface="+mj-lt"/>
+              <a:buAutoNum type="arabicPeriod"/>
+            </a:pPr>
+            <a:r>
+              <a:rPr lang="zh-CN" altLang="en-US" dirty="0" smtClean="0"/>
+              <a:t>计算机存储颜色用</a:t>
+            </a:r>
+            <a:r>
+              <a:rPr lang="en-US" altLang="zh-CN" dirty="0" smtClean="0"/>
+              <a:t>4</a:t>
+            </a:r>
+            <a:r>
+              <a:rPr lang="zh-CN" altLang="en-US" dirty="0" smtClean="0"/>
+              <a:t>个数值，分别为</a:t>
+            </a:r>
+            <a:r>
+              <a:rPr lang="en-US" altLang="zh-CN" dirty="0" smtClean="0"/>
+              <a:t>RGBA(</a:t>
+            </a:r>
+            <a:r>
+              <a:rPr lang="en-US" altLang="zh-CN" dirty="0" err="1" smtClean="0"/>
+              <a:t>Red,Green,Blue,Alpha</a:t>
+            </a:r>
+            <a:r>
+              <a:rPr lang="en-US" altLang="zh-CN" dirty="0" smtClean="0"/>
+              <a:t>)</a:t>
+            </a:r>
+            <a:r>
+              <a:rPr lang="zh-CN" altLang="en-US" dirty="0" smtClean="0"/>
+              <a:t>四个颜色通道的值</a:t>
+            </a:r>
+            <a:endParaRPr lang="en-US" altLang="zh-CN" dirty="0" smtClean="0"/>
+          </a:p>
+          <a:p>
+            <a:pPr marL="342900" indent="-342900">
+              <a:buFont typeface="+mj-lt"/>
+              <a:buAutoNum type="arabicPeriod"/>
+            </a:pPr>
+            <a:r>
+              <a:rPr lang="zh-CN" altLang="en-US" dirty="0" smtClean="0"/>
+              <a:t>一个通道用一个字节存储</a:t>
+            </a:r>
+            <a:endParaRPr lang="en-US" altLang="zh-CN" dirty="0" smtClean="0"/>
+          </a:p>
+          <a:p>
+            <a:pPr marL="342900" indent="-342900">
+              <a:buFont typeface="+mj-lt"/>
+              <a:buAutoNum type="arabicPeriod"/>
+            </a:pPr>
+            <a:r>
+              <a:rPr lang="zh-CN" altLang="en-US" dirty="0" smtClean="0"/>
+              <a:t>一个字节</a:t>
+            </a:r>
+            <a:r>
+              <a:rPr lang="en-US" altLang="zh-CN" dirty="0" smtClean="0"/>
+              <a:t>8</a:t>
+            </a:r>
+            <a:r>
+              <a:rPr lang="zh-CN" altLang="en-US" dirty="0" smtClean="0"/>
+              <a:t>个位，取值范围为 </a:t>
+            </a:r>
+            <a:r>
+              <a:rPr lang="en-US" altLang="zh-CN" dirty="0" smtClean="0"/>
+              <a:t>[0,256)</a:t>
+            </a:r>
+          </a:p>
+          <a:p>
+            <a:pPr marL="342900" indent="-342900">
+              <a:buFont typeface="+mj-lt"/>
+              <a:buAutoNum type="arabicPeriod"/>
+            </a:pPr>
+            <a:r>
+              <a:rPr lang="zh-CN" altLang="en-US" dirty="0" smtClean="0"/>
+              <a:t>一个颜色值用</a:t>
+            </a:r>
+            <a:r>
+              <a:rPr lang="en-US" altLang="zh-CN" dirty="0" smtClean="0"/>
+              <a:t>4</a:t>
+            </a:r>
+            <a:r>
+              <a:rPr lang="zh-CN" altLang="en-US" dirty="0" smtClean="0"/>
+              <a:t>个字节存储，也称用</a:t>
+            </a:r>
+            <a:r>
+              <a:rPr lang="en-US" altLang="zh-CN" dirty="0" smtClean="0"/>
+              <a:t>32</a:t>
+            </a:r>
+            <a:r>
+              <a:rPr lang="zh-CN" altLang="en-US" dirty="0" smtClean="0"/>
+              <a:t>位存储，这种方式存储的颜色称为</a:t>
+            </a:r>
+            <a:r>
+              <a:rPr lang="en-US" altLang="zh-CN" dirty="0" smtClean="0"/>
+              <a:t>32</a:t>
+            </a:r>
+            <a:r>
+              <a:rPr lang="zh-CN" altLang="en-US" dirty="0" smtClean="0"/>
+              <a:t>位颜色</a:t>
+            </a:r>
+            <a:endParaRPr lang="en-US" altLang="zh-CN" dirty="0" smtClean="0"/>
+          </a:p>
+          <a:p>
+            <a:pPr marL="342900" indent="-342900">
+              <a:buFont typeface="+mj-lt"/>
+              <a:buAutoNum type="arabicPeriod"/>
+            </a:pPr>
+            <a:endParaRPr lang="en-US" dirty="0"/>
+          </a:p>
+        </p:txBody>
+      </p:sp>
+      <p:sp>
+        <p:nvSpPr>
+          <p:cNvPr id="6" name="Oval 5"/>
+          <p:cNvSpPr/>
+          <p:nvPr/>
+        </p:nvSpPr>
+        <p:spPr>
+          <a:xfrm>
+            <a:off x="1865826" y="3973116"/>
+            <a:ext cx="1260000" cy="1260000"/>
+          </a:xfrm>
+          <a:prstGeom prst="ellipse">
+            <a:avLst/>
+          </a:prstGeom>
+          <a:solidFill>
+            <a:srgbClr val="0000FF"/>
+          </a:solidFill>
+        </p:spPr>
+        <p:style>
+          <a:lnRef idx="2">
+            <a:schemeClr val="accent1">
+              <a:shade val="50000"/>
+            </a:schemeClr>
+          </a:lnRef>
+          <a:fillRef idx="1">
+            <a:schemeClr val="accent1"/>
+          </a:fillRef>
+          <a:effectRef idx="0">
+            <a:schemeClr val="accent1"/>
+          </a:effectRef>
+          <a:fontRef idx="minor">
+            <a:schemeClr val="lt1"/>
+          </a:fontRef>
+        </p:style>
+        <p:txBody>
+          <a:bodyPr rot="0" spcFirstLastPara="0" vertOverflow="overflow" horzOverflow="overflow" vert="horz" wrap="square" lIns="91440" tIns="45720" rIns="91440" bIns="45720" numCol="1" spcCol="0" rtlCol="0" fromWordArt="0" anchor="ctr" anchorCtr="0" forceAA="0" compatLnSpc="1">
+            <a:prstTxWarp prst="textNoShape">
+              <a:avLst/>
+            </a:prstTxWarp>
+            <a:noAutofit/>
+          </a:bodyPr>
+          <a:lstStyle/>
+          <a:p>
+            <a:pPr algn="ctr"/>
+            <a:endParaRPr lang="en-US">
+              <a:solidFill>
+                <a:schemeClr val="tx1"/>
+              </a:solidFill>
+            </a:endParaRPr>
+          </a:p>
+        </p:txBody>
+      </p:sp>
+      <p:pic>
+        <p:nvPicPr>
+          <p:cNvPr id="7" name="Picture 6"/>
+          <p:cNvPicPr>
+            <a:picLocks noChangeAspect="1"/>
+          </p:cNvPicPr>
+          <p:nvPr/>
+        </p:nvPicPr>
+        <p:blipFill>
+          <a:blip r:embed="rId2">
+            <a:extLst>
+              <a:ext uri="{28A0092B-C50C-407E-A947-70E740481C1C}">
+                <a14:useLocalDpi xmlns:a14="http://schemas.microsoft.com/office/drawing/2010/main" val="0"/>
+              </a:ext>
+            </a:extLst>
+          </a:blip>
+          <a:stretch>
+            <a:fillRect/>
+          </a:stretch>
+        </p:blipFill>
+        <p:spPr>
+          <a:xfrm>
+            <a:off x="4386441" y="3168016"/>
+            <a:ext cx="2768600" cy="2870200"/>
+          </a:xfrm>
+          <a:prstGeom prst="rect">
+            <a:avLst/>
+          </a:prstGeom>
+        </p:spPr>
+      </p:pic>
+      <p:sp>
+        <p:nvSpPr>
+          <p:cNvPr id="8" name="TextBox 7"/>
+          <p:cNvSpPr txBox="1"/>
+          <p:nvPr/>
+        </p:nvSpPr>
+        <p:spPr>
+          <a:xfrm>
+            <a:off x="8415654" y="4002951"/>
+            <a:ext cx="1120820" cy="1200329"/>
+          </a:xfrm>
+          <a:prstGeom prst="rect">
+            <a:avLst/>
+          </a:prstGeom>
+          <a:noFill/>
+        </p:spPr>
+        <p:txBody>
+          <a:bodyPr wrap="none" rtlCol="0">
+            <a:spAutoFit/>
+          </a:bodyPr>
+          <a:lstStyle/>
+          <a:p>
+            <a:r>
+              <a:rPr lang="en-US" dirty="0" smtClean="0"/>
+              <a:t>00000000</a:t>
+            </a:r>
+          </a:p>
+          <a:p>
+            <a:r>
+              <a:rPr lang="en-US" dirty="0" smtClean="0"/>
+              <a:t>00000000</a:t>
+            </a:r>
+          </a:p>
+          <a:p>
+            <a:r>
+              <a:rPr lang="en-US" dirty="0" smtClean="0"/>
+              <a:t>11111111</a:t>
+            </a:r>
+          </a:p>
+          <a:p>
+            <a:r>
+              <a:rPr lang="en-US" dirty="0" smtClean="0"/>
+              <a:t>11111111</a:t>
+            </a:r>
+            <a:endParaRPr lang="en-US" dirty="0"/>
+          </a:p>
+        </p:txBody>
+      </p:sp>
+      <p:sp>
+        <p:nvSpPr>
+          <p:cNvPr id="9" name="Right Arrow 8"/>
+          <p:cNvSpPr/>
+          <p:nvPr/>
+        </p:nvSpPr>
+        <p:spPr>
+          <a:xfrm>
+            <a:off x="3338347" y="4493579"/>
+            <a:ext cx="835573" cy="236483"/>
+          </a:xfrm>
+          <a:prstGeom prst="rightArrow">
+            <a:avLst/>
+          </a:prstGeom>
+        </p:spPr>
+        <p:style>
+          <a:lnRef idx="2">
+            <a:schemeClr val="accent1">
+              <a:shade val="50000"/>
+            </a:schemeClr>
+          </a:lnRef>
+          <a:fillRef idx="1">
+            <a:schemeClr val="accent1"/>
+          </a:fillRef>
+          <a:effectRef idx="0">
+            <a:schemeClr val="accent1"/>
+          </a:effectRef>
+          <a:fontRef idx="minor">
+            <a:schemeClr val="lt1"/>
+          </a:fontRef>
+        </p:style>
+        <p:txBody>
+          <a:bodyPr rot="0" spcFirstLastPara="0" vertOverflow="overflow" horzOverflow="overflow" vert="horz" wrap="square" lIns="91440" tIns="45720" rIns="91440" bIns="45720" numCol="1" spcCol="0" rtlCol="0" fromWordArt="0" anchor="ctr" anchorCtr="0" forceAA="0" compatLnSpc="1">
+            <a:prstTxWarp prst="textNoShape">
+              <a:avLst/>
+            </a:prstTxWarp>
+            <a:noAutofit/>
+          </a:bodyPr>
+          <a:lstStyle/>
+          <a:p>
+            <a:pPr algn="ctr"/>
+            <a:endParaRPr lang="en-US">
+              <a:solidFill>
+                <a:schemeClr val="tx1"/>
+              </a:solidFill>
+            </a:endParaRPr>
+          </a:p>
+        </p:txBody>
+      </p:sp>
+      <p:sp>
+        <p:nvSpPr>
+          <p:cNvPr id="11" name="Right Arrow 10"/>
+          <p:cNvSpPr/>
+          <p:nvPr/>
+        </p:nvSpPr>
+        <p:spPr>
+          <a:xfrm>
+            <a:off x="7367561" y="4484874"/>
+            <a:ext cx="835573" cy="236483"/>
+          </a:xfrm>
+          <a:prstGeom prst="rightArrow">
+            <a:avLst/>
+          </a:prstGeom>
+        </p:spPr>
+        <p:style>
+          <a:lnRef idx="2">
+            <a:schemeClr val="accent1">
+              <a:shade val="50000"/>
+            </a:schemeClr>
+          </a:lnRef>
+          <a:fillRef idx="1">
+            <a:schemeClr val="accent1"/>
+          </a:fillRef>
+          <a:effectRef idx="0">
+            <a:schemeClr val="accent1"/>
+          </a:effectRef>
+          <a:fontRef idx="minor">
+            <a:schemeClr val="lt1"/>
+          </a:fontRef>
+        </p:style>
+        <p:txBody>
+          <a:bodyPr rot="0" spcFirstLastPara="0" vertOverflow="overflow" horzOverflow="overflow" vert="horz" wrap="square" lIns="91440" tIns="45720" rIns="91440" bIns="45720" numCol="1" spcCol="0" rtlCol="0" fromWordArt="0" anchor="ctr" anchorCtr="0" forceAA="0" compatLnSpc="1">
+            <a:prstTxWarp prst="textNoShape">
+              <a:avLst/>
+            </a:prstTxWarp>
+            <a:noAutofit/>
+          </a:bodyPr>
+          <a:lstStyle/>
+          <a:p>
+            <a:pPr algn="ctr"/>
+            <a:endParaRPr lang="en-US">
+              <a:solidFill>
+                <a:schemeClr val="tx1"/>
+              </a:solidFill>
+            </a:endParaRPr>
+          </a:p>
+        </p:txBody>
+      </p:sp>
+    </p:spTree>
+    <p:extLst>
+      <p:ext uri="{BB962C8B-B14F-4D97-AF65-F5344CB8AC3E}">
+        <p14:creationId xmlns:p14="http://schemas.microsoft.com/office/powerpoint/2010/main" val="710395026"/>
+      </p:ext>
+    </p:extLst>
+  </p:cSld>
+  <p:clrMapOvr>
+    <a:masterClrMapping/>
+  </p:clrMapOvr>
+  <p:timing>
+    <p:tnLst>
+      <p:par>
+        <p:cTn id="1" dur="indefinite" restart="never" nodeType="tmRoot"/>
+      </p:par>
+    </p:tnLst>
+  </p:timing>
+</p:sld>
+</file>
+
+<file path=ppt/slides/slide17.xml><?xml version="1.0" encoding="utf-8"?>
+<p:sld xmlns:a="http://schemas.openxmlformats.org/drawingml/2006/main" xmlns:r="http://schemas.openxmlformats.org/officeDocument/2006/relationships" xmlns:p="http://schemas.openxmlformats.org/presentationml/2006/main">
+  <p:cSld>
+    <p:spTree>
+      <p:nvGrpSpPr>
+        <p:cNvPr id="1" name=""/>
+        <p:cNvGrpSpPr/>
+        <p:nvPr/>
+      </p:nvGrpSpPr>
+      <p:grpSpPr>
+        <a:xfrm>
+          <a:off x="0" y="0"/>
+          <a:ext cx="0" cy="0"/>
+          <a:chOff x="0" y="0"/>
+          <a:chExt cx="0" cy="0"/>
+        </a:xfrm>
+      </p:grpSpPr>
+      <p:sp>
+        <p:nvSpPr>
+          <p:cNvPr id="2" name="Title 1"/>
+          <p:cNvSpPr>
+            <a:spLocks noGrp="1"/>
+          </p:cNvSpPr>
+          <p:nvPr>
+            <p:ph type="title"/>
+          </p:nvPr>
+        </p:nvSpPr>
+        <p:spPr/>
+        <p:txBody>
+          <a:bodyPr/>
+          <a:lstStyle/>
+          <a:p>
+            <a:r>
+              <a:rPr lang="zh-CN" altLang="en-US" dirty="0" smtClean="0"/>
+              <a:t>延伸</a:t>
+            </a:r>
+            <a:endParaRPr lang="en-US" dirty="0"/>
+          </a:p>
+        </p:txBody>
+      </p:sp>
+      <p:pic>
+        <p:nvPicPr>
+          <p:cNvPr id="4" name="Content Placeholder 3"/>
+          <p:cNvPicPr>
+            <a:picLocks noGrp="1" noChangeAspect="1"/>
+          </p:cNvPicPr>
+          <p:nvPr>
+            <p:ph idx="1"/>
+          </p:nvPr>
+        </p:nvPicPr>
+        <p:blipFill>
+          <a:blip r:embed="rId2">
+            <a:extLst>
+              <a:ext uri="{28A0092B-C50C-407E-A947-70E740481C1C}">
+                <a14:useLocalDpi xmlns:a14="http://schemas.microsoft.com/office/drawing/2010/main" val="0"/>
+              </a:ext>
+            </a:extLst>
+          </a:blip>
+          <a:stretch>
+            <a:fillRect/>
+          </a:stretch>
+        </p:blipFill>
+        <p:spPr>
+          <a:xfrm>
+            <a:off x="838200" y="2204406"/>
+            <a:ext cx="2540000" cy="2540000"/>
+          </a:xfrm>
+        </p:spPr>
+      </p:pic>
+      <p:sp>
+        <p:nvSpPr>
+          <p:cNvPr id="5" name="TextBox 4"/>
+          <p:cNvSpPr txBox="1"/>
+          <p:nvPr/>
+        </p:nvSpPr>
+        <p:spPr>
+          <a:xfrm>
+            <a:off x="4067573" y="2806571"/>
+            <a:ext cx="1903278" cy="369332"/>
+          </a:xfrm>
+          <a:prstGeom prst="rect">
+            <a:avLst/>
+          </a:prstGeom>
+          <a:noFill/>
+        </p:spPr>
+        <p:txBody>
+          <a:bodyPr wrap="none" rtlCol="0">
+            <a:spAutoFit/>
+          </a:bodyPr>
+          <a:lstStyle/>
+          <a:p>
+            <a:r>
+              <a:rPr lang="en-US" dirty="0" smtClean="0"/>
+              <a:t>200x200=40000</a:t>
+            </a:r>
+            <a:r>
+              <a:rPr lang="en-US" altLang="zh-CN" dirty="0" smtClean="0"/>
+              <a:t>px</a:t>
+            </a:r>
+            <a:endParaRPr lang="en-US" dirty="0"/>
+          </a:p>
+        </p:txBody>
+      </p:sp>
+      <p:sp>
+        <p:nvSpPr>
+          <p:cNvPr id="7" name="TextBox 6"/>
+          <p:cNvSpPr txBox="1"/>
+          <p:nvPr/>
+        </p:nvSpPr>
+        <p:spPr>
+          <a:xfrm>
+            <a:off x="4067573" y="3319436"/>
+            <a:ext cx="1925527" cy="369332"/>
+          </a:xfrm>
+          <a:prstGeom prst="rect">
+            <a:avLst/>
+          </a:prstGeom>
+          <a:noFill/>
+        </p:spPr>
+        <p:txBody>
+          <a:bodyPr wrap="none" rtlCol="0">
+            <a:spAutoFit/>
+          </a:bodyPr>
+          <a:lstStyle/>
+          <a:p>
+            <a:r>
+              <a:rPr lang="en-US" dirty="0" smtClean="0"/>
+              <a:t>40000x4=160000b</a:t>
+            </a:r>
+            <a:endParaRPr lang="en-US" dirty="0"/>
+          </a:p>
+        </p:txBody>
+      </p:sp>
+      <p:sp>
+        <p:nvSpPr>
+          <p:cNvPr id="8" name="TextBox 7"/>
+          <p:cNvSpPr txBox="1"/>
+          <p:nvPr/>
+        </p:nvSpPr>
+        <p:spPr>
+          <a:xfrm>
+            <a:off x="4067573" y="3832301"/>
+            <a:ext cx="2534668" cy="369332"/>
+          </a:xfrm>
+          <a:prstGeom prst="rect">
+            <a:avLst/>
+          </a:prstGeom>
+          <a:noFill/>
+        </p:spPr>
+        <p:txBody>
+          <a:bodyPr wrap="none" rtlCol="0">
+            <a:spAutoFit/>
+          </a:bodyPr>
+          <a:lstStyle/>
+          <a:p>
+            <a:r>
+              <a:rPr lang="en-US" dirty="0" smtClean="0"/>
+              <a:t>160000/1024 = 156.25kb</a:t>
+            </a:r>
+            <a:endParaRPr lang="en-US" dirty="0"/>
+          </a:p>
+        </p:txBody>
+      </p:sp>
+      <p:sp>
+        <p:nvSpPr>
+          <p:cNvPr id="9" name="Right Arrow 8"/>
+          <p:cNvSpPr/>
+          <p:nvPr/>
+        </p:nvSpPr>
+        <p:spPr>
+          <a:xfrm>
+            <a:off x="7174665" y="3465748"/>
+            <a:ext cx="1382751" cy="303369"/>
+          </a:xfrm>
+          <a:prstGeom prst="rightArrow">
+            <a:avLst/>
+          </a:prstGeom>
+        </p:spPr>
+        <p:style>
+          <a:lnRef idx="2">
+            <a:schemeClr val="accent1">
+              <a:shade val="50000"/>
+            </a:schemeClr>
+          </a:lnRef>
+          <a:fillRef idx="1">
+            <a:schemeClr val="accent1"/>
+          </a:fillRef>
+          <a:effectRef idx="0">
+            <a:schemeClr val="accent1"/>
+          </a:effectRef>
+          <a:fontRef idx="minor">
+            <a:schemeClr val="lt1"/>
+          </a:fontRef>
+        </p:style>
+        <p:txBody>
+          <a:bodyPr rot="0" spcFirstLastPara="0" vertOverflow="overflow" horzOverflow="overflow" vert="horz" wrap="square" lIns="91440" tIns="45720" rIns="91440" bIns="45720" numCol="1" spcCol="0" rtlCol="0" fromWordArt="0" anchor="ctr" anchorCtr="0" forceAA="0" compatLnSpc="1">
+            <a:prstTxWarp prst="textNoShape">
+              <a:avLst/>
+            </a:prstTxWarp>
+            <a:noAutofit/>
+          </a:bodyPr>
+          <a:lstStyle/>
+          <a:p>
+            <a:pPr algn="ctr"/>
+            <a:endParaRPr lang="en-US">
+              <a:solidFill>
+                <a:schemeClr val="tx1"/>
+              </a:solidFill>
+            </a:endParaRPr>
+          </a:p>
+        </p:txBody>
+      </p:sp>
+      <p:sp>
+        <p:nvSpPr>
+          <p:cNvPr id="10" name="TextBox 9"/>
+          <p:cNvSpPr txBox="1"/>
+          <p:nvPr/>
+        </p:nvSpPr>
+        <p:spPr>
+          <a:xfrm>
+            <a:off x="7464596" y="2943925"/>
+            <a:ext cx="646331" cy="369332"/>
+          </a:xfrm>
+          <a:prstGeom prst="rect">
+            <a:avLst/>
+          </a:prstGeom>
+          <a:noFill/>
+        </p:spPr>
+        <p:txBody>
+          <a:bodyPr wrap="none" rtlCol="0">
+            <a:spAutoFit/>
+          </a:bodyPr>
+          <a:lstStyle/>
+          <a:p>
+            <a:r>
+              <a:rPr lang="zh-CN" altLang="en-US" dirty="0" smtClean="0"/>
+              <a:t>压缩</a:t>
+            </a:r>
+            <a:endParaRPr lang="en-US" dirty="0"/>
+          </a:p>
+        </p:txBody>
+      </p:sp>
+      <p:sp>
+        <p:nvSpPr>
+          <p:cNvPr id="11" name="TextBox 10"/>
+          <p:cNvSpPr txBox="1"/>
+          <p:nvPr/>
+        </p:nvSpPr>
+        <p:spPr>
+          <a:xfrm>
+            <a:off x="8933329" y="2437239"/>
+            <a:ext cx="585417" cy="369332"/>
+          </a:xfrm>
+          <a:prstGeom prst="rect">
+            <a:avLst/>
+          </a:prstGeom>
+          <a:noFill/>
+        </p:spPr>
+        <p:txBody>
+          <a:bodyPr wrap="none" rtlCol="0">
+            <a:spAutoFit/>
+          </a:bodyPr>
+          <a:lstStyle/>
+          <a:p>
+            <a:r>
+              <a:rPr lang="en-US" dirty="0" smtClean="0"/>
+              <a:t>jpeg</a:t>
+            </a:r>
+            <a:endParaRPr lang="en-US" dirty="0"/>
+          </a:p>
+        </p:txBody>
+      </p:sp>
+      <p:sp>
+        <p:nvSpPr>
+          <p:cNvPr id="12" name="TextBox 11"/>
+          <p:cNvSpPr txBox="1"/>
+          <p:nvPr/>
+        </p:nvSpPr>
+        <p:spPr>
+          <a:xfrm>
+            <a:off x="8955631" y="3036758"/>
+            <a:ext cx="537327" cy="369332"/>
+          </a:xfrm>
+          <a:prstGeom prst="rect">
+            <a:avLst/>
+          </a:prstGeom>
+          <a:noFill/>
+        </p:spPr>
+        <p:txBody>
+          <a:bodyPr wrap="none" rtlCol="0">
+            <a:spAutoFit/>
+          </a:bodyPr>
+          <a:lstStyle/>
+          <a:p>
+            <a:r>
+              <a:rPr lang="en-US" dirty="0" err="1" smtClean="0"/>
+              <a:t>png</a:t>
+            </a:r>
+            <a:endParaRPr lang="en-US" dirty="0"/>
+          </a:p>
+        </p:txBody>
+      </p:sp>
+      <p:sp>
+        <p:nvSpPr>
+          <p:cNvPr id="13" name="TextBox 12"/>
+          <p:cNvSpPr txBox="1"/>
+          <p:nvPr/>
+        </p:nvSpPr>
+        <p:spPr>
+          <a:xfrm>
+            <a:off x="8955631" y="3636277"/>
+            <a:ext cx="417102" cy="369332"/>
+          </a:xfrm>
+          <a:prstGeom prst="rect">
+            <a:avLst/>
+          </a:prstGeom>
+          <a:noFill/>
+        </p:spPr>
+        <p:txBody>
+          <a:bodyPr wrap="none" rtlCol="0">
+            <a:spAutoFit/>
+          </a:bodyPr>
+          <a:lstStyle/>
+          <a:p>
+            <a:r>
+              <a:rPr lang="en-US" smtClean="0"/>
+              <a:t>gif</a:t>
+            </a:r>
+            <a:endParaRPr lang="en-US"/>
+          </a:p>
+        </p:txBody>
+      </p:sp>
+      <p:sp>
+        <p:nvSpPr>
+          <p:cNvPr id="14" name="TextBox 13"/>
+          <p:cNvSpPr txBox="1"/>
+          <p:nvPr/>
+        </p:nvSpPr>
+        <p:spPr>
+          <a:xfrm>
+            <a:off x="8933329" y="4235795"/>
+            <a:ext cx="706988" cy="369332"/>
+          </a:xfrm>
+          <a:prstGeom prst="rect">
+            <a:avLst/>
+          </a:prstGeom>
+          <a:noFill/>
+        </p:spPr>
+        <p:txBody>
+          <a:bodyPr wrap="none" rtlCol="0">
+            <a:spAutoFit/>
+          </a:bodyPr>
+          <a:lstStyle/>
+          <a:p>
+            <a:r>
+              <a:rPr lang="en-US" dirty="0" err="1" smtClean="0"/>
+              <a:t>webp</a:t>
+            </a:r>
+            <a:endParaRPr lang="en-US" dirty="0"/>
+          </a:p>
+        </p:txBody>
+      </p:sp>
+      <p:sp>
+        <p:nvSpPr>
+          <p:cNvPr id="15" name="Left Brace 14"/>
+          <p:cNvSpPr/>
+          <p:nvPr/>
+        </p:nvSpPr>
+        <p:spPr>
+          <a:xfrm>
+            <a:off x="8720253" y="2605853"/>
+            <a:ext cx="257680" cy="1937835"/>
+          </a:xfrm>
+          <a:prstGeom prst="leftBrace">
+            <a:avLst/>
+          </a:prstGeom>
+        </p:spPr>
+        <p:style>
+          <a:lnRef idx="1">
+            <a:schemeClr val="accent1"/>
+          </a:lnRef>
+          <a:fillRef idx="0">
+            <a:schemeClr val="accent1"/>
+          </a:fillRef>
+          <a:effectRef idx="0">
+            <a:schemeClr val="accent1"/>
+          </a:effectRef>
+          <a:fontRef idx="minor">
+            <a:schemeClr val="tx1"/>
+          </a:fontRef>
+        </p:style>
+        <p:txBody>
+          <a:bodyPr rtlCol="0" anchor="ctr"/>
+          <a:lstStyle/>
+          <a:p>
+            <a:pPr algn="ctr"/>
+            <a:endParaRPr lang="en-US"/>
+          </a:p>
+        </p:txBody>
+      </p:sp>
+      <p:sp>
+        <p:nvSpPr>
+          <p:cNvPr id="16" name="TextBox 15"/>
+          <p:cNvSpPr txBox="1"/>
+          <p:nvPr/>
+        </p:nvSpPr>
+        <p:spPr>
+          <a:xfrm>
+            <a:off x="4058148" y="4375074"/>
+            <a:ext cx="1912703" cy="369332"/>
+          </a:xfrm>
+          <a:prstGeom prst="rect">
+            <a:avLst/>
+          </a:prstGeom>
+          <a:noFill/>
+        </p:spPr>
+        <p:txBody>
+          <a:bodyPr wrap="none" rtlCol="0">
+            <a:spAutoFit/>
+          </a:bodyPr>
+          <a:lstStyle/>
+          <a:p>
+            <a:r>
+              <a:rPr lang="zh-CN" altLang="en-US" dirty="0" smtClean="0"/>
+              <a:t>图片实际大小</a:t>
+            </a:r>
+            <a:r>
+              <a:rPr lang="en-US" altLang="zh-CN" dirty="0" smtClean="0"/>
+              <a:t>8kb</a:t>
+            </a:r>
+            <a:endParaRPr lang="en-US" dirty="0"/>
+          </a:p>
+        </p:txBody>
+      </p:sp>
+    </p:spTree>
+    <p:extLst>
+      <p:ext uri="{BB962C8B-B14F-4D97-AF65-F5344CB8AC3E}">
+        <p14:creationId xmlns:p14="http://schemas.microsoft.com/office/powerpoint/2010/main" val="189780477"/>
+      </p:ext>
+    </p:extLst>
+  </p:cSld>
+  <p:clrMapOvr>
+    <a:masterClrMapping/>
+  </p:clrMapOvr>
+  <p:timing>
+    <p:tnLst>
+      <p:par>
+        <p:cTn id="1" dur="indefinite" restart="never" nodeType="tmRoot">
+          <p:childTnLst>
+            <p:seq concurrent="1" nextAc="seek">
+              <p:cTn id="2" dur="indefinite" nodeType="mainSeq">
+                <p:childTnLst>
+                  <p:par>
+                    <p:cTn id="3" fill="hold">
+                      <p:stCondLst>
+                        <p:cond delay="indefinite"/>
+                      </p:stCondLst>
+                      <p:childTnLst>
+                        <p:par>
+                          <p:cTn id="4" fill="hold">
+                            <p:stCondLst>
+                              <p:cond delay="0"/>
+                            </p:stCondLst>
+                            <p:childTnLst>
+                              <p:par>
+                                <p:cTn id="5" presetID="3" presetClass="entr" presetSubtype="10" fill="hold" grpId="0" nodeType="clickEffect">
+                                  <p:stCondLst>
+                                    <p:cond delay="0"/>
+                                  </p:stCondLst>
+                                  <p:childTnLst>
+                                    <p:set>
+                                      <p:cBhvr>
+                                        <p:cTn id="6" dur="1" fill="hold">
+                                          <p:stCondLst>
+                                            <p:cond delay="0"/>
+                                          </p:stCondLst>
+                                        </p:cTn>
+                                        <p:tgtEl>
+                                          <p:spTgt spid="5"/>
+                                        </p:tgtEl>
+                                        <p:attrNameLst>
+                                          <p:attrName>style.visibility</p:attrName>
+                                        </p:attrNameLst>
+                                      </p:cBhvr>
+                                      <p:to>
+                                        <p:strVal val="visible"/>
+                                      </p:to>
+                                    </p:set>
+                                    <p:animEffect transition="in" filter="blinds(horizontal)">
+                                      <p:cBhvr>
+                                        <p:cTn id="7" dur="500"/>
+                                        <p:tgtEl>
+                                          <p:spTgt spid="5"/>
+                                        </p:tgtEl>
+                                      </p:cBhvr>
+                                    </p:animEffect>
+                                  </p:childTnLst>
+                                </p:cTn>
+                              </p:par>
+                            </p:childTnLst>
+                          </p:cTn>
+                        </p:par>
+                      </p:childTnLst>
+                    </p:cTn>
+                  </p:par>
+                  <p:par>
+                    <p:cTn id="8" fill="hold">
+                      <p:stCondLst>
+                        <p:cond delay="indefinite"/>
+                      </p:stCondLst>
+                      <p:childTnLst>
+                        <p:par>
+                          <p:cTn id="9" fill="hold">
+                            <p:stCondLst>
+                              <p:cond delay="0"/>
+                            </p:stCondLst>
+                            <p:childTnLst>
+                              <p:par>
+                                <p:cTn id="10" presetID="3" presetClass="entr" presetSubtype="10" fill="hold" grpId="0" nodeType="clickEffect">
+                                  <p:stCondLst>
+                                    <p:cond delay="0"/>
+                                  </p:stCondLst>
+                                  <p:childTnLst>
+                                    <p:set>
+                                      <p:cBhvr>
+                                        <p:cTn id="11" dur="1" fill="hold">
+                                          <p:stCondLst>
+                                            <p:cond delay="0"/>
+                                          </p:stCondLst>
+                                        </p:cTn>
+                                        <p:tgtEl>
+                                          <p:spTgt spid="7"/>
+                                        </p:tgtEl>
+                                        <p:attrNameLst>
+                                          <p:attrName>style.visibility</p:attrName>
+                                        </p:attrNameLst>
+                                      </p:cBhvr>
+                                      <p:to>
+                                        <p:strVal val="visible"/>
+                                      </p:to>
+                                    </p:set>
+                                    <p:animEffect transition="in" filter="blinds(horizontal)">
+                                      <p:cBhvr>
+                                        <p:cTn id="12" dur="500"/>
+                                        <p:tgtEl>
+                                          <p:spTgt spid="7"/>
+                                        </p:tgtEl>
+                                      </p:cBhvr>
+                                    </p:animEffect>
+                                  </p:childTnLst>
+                                </p:cTn>
+                              </p:par>
+                            </p:childTnLst>
+                          </p:cTn>
+                        </p:par>
+                      </p:childTnLst>
+                    </p:cTn>
+                  </p:par>
+                  <p:par>
+                    <p:cTn id="13" fill="hold">
+                      <p:stCondLst>
+                        <p:cond delay="indefinite"/>
+                      </p:stCondLst>
+                      <p:childTnLst>
+                        <p:par>
+                          <p:cTn id="14" fill="hold">
+                            <p:stCondLst>
+                              <p:cond delay="0"/>
+                            </p:stCondLst>
+                            <p:childTnLst>
+                              <p:par>
+                                <p:cTn id="15" presetID="3" presetClass="entr" presetSubtype="10" fill="hold" grpId="0" nodeType="clickEffect">
+                                  <p:stCondLst>
+                                    <p:cond delay="0"/>
+                                  </p:stCondLst>
+                                  <p:childTnLst>
+                                    <p:set>
+                                      <p:cBhvr>
+                                        <p:cTn id="16" dur="1" fill="hold">
+                                          <p:stCondLst>
+                                            <p:cond delay="0"/>
+                                          </p:stCondLst>
+                                        </p:cTn>
+                                        <p:tgtEl>
+                                          <p:spTgt spid="8"/>
+                                        </p:tgtEl>
+                                        <p:attrNameLst>
+                                          <p:attrName>style.visibility</p:attrName>
+                                        </p:attrNameLst>
+                                      </p:cBhvr>
+                                      <p:to>
+                                        <p:strVal val="visible"/>
+                                      </p:to>
+                                    </p:set>
+                                    <p:animEffect transition="in" filter="blinds(horizontal)">
+                                      <p:cBhvr>
+                                        <p:cTn id="17" dur="500"/>
+                                        <p:tgtEl>
+                                          <p:spTgt spid="8"/>
+                                        </p:tgtEl>
+                                      </p:cBhvr>
+                                    </p:animEffect>
+                                  </p:childTnLst>
+                                </p:cTn>
+                              </p:par>
+                            </p:childTnLst>
+                          </p:cTn>
+                        </p:par>
+                      </p:childTnLst>
+                    </p:cTn>
+                  </p:par>
+                  <p:par>
+                    <p:cTn id="18" fill="hold">
+                      <p:stCondLst>
+                        <p:cond delay="indefinite"/>
+                      </p:stCondLst>
+                      <p:childTnLst>
+                        <p:par>
+                          <p:cTn id="19" fill="hold">
+                            <p:stCondLst>
+                              <p:cond delay="0"/>
+                            </p:stCondLst>
+                            <p:childTnLst>
+                              <p:par>
+                                <p:cTn id="20" presetID="3" presetClass="entr" presetSubtype="10" fill="hold" grpId="0" nodeType="clickEffect">
+                                  <p:stCondLst>
+                                    <p:cond delay="0"/>
+                                  </p:stCondLst>
+                                  <p:childTnLst>
+                                    <p:set>
+                                      <p:cBhvr>
+                                        <p:cTn id="21" dur="1" fill="hold">
+                                          <p:stCondLst>
+                                            <p:cond delay="0"/>
+                                          </p:stCondLst>
+                                        </p:cTn>
+                                        <p:tgtEl>
+                                          <p:spTgt spid="16"/>
+                                        </p:tgtEl>
+                                        <p:attrNameLst>
+                                          <p:attrName>style.visibility</p:attrName>
+                                        </p:attrNameLst>
+                                      </p:cBhvr>
+                                      <p:to>
+                                        <p:strVal val="visible"/>
+                                      </p:to>
+                                    </p:set>
+                                    <p:animEffect transition="in" filter="blinds(horizontal)">
+                                      <p:cBhvr>
+                                        <p:cTn id="22" dur="500"/>
+                                        <p:tgtEl>
+                                          <p:spTgt spid="16"/>
+                                        </p:tgtEl>
+                                      </p:cBhvr>
+                                    </p:animEffect>
+                                  </p:childTnLst>
+                                </p:cTn>
+                              </p:par>
+                            </p:childTnLst>
+                          </p:cTn>
+                        </p:par>
+                      </p:childTnLst>
+                    </p:cTn>
+                  </p:par>
+                  <p:par>
+                    <p:cTn id="23" fill="hold">
+                      <p:stCondLst>
+                        <p:cond delay="indefinite"/>
+                      </p:stCondLst>
+                      <p:childTnLst>
+                        <p:par>
+                          <p:cTn id="24" fill="hold">
+                            <p:stCondLst>
+                              <p:cond delay="0"/>
+                            </p:stCondLst>
+                            <p:childTnLst>
+                              <p:par>
+                                <p:cTn id="25" presetID="5" presetClass="entr" presetSubtype="10" fill="hold" grpId="0" nodeType="clickEffect">
+                                  <p:stCondLst>
+                                    <p:cond delay="0"/>
+                                  </p:stCondLst>
+                                  <p:childTnLst>
+                                    <p:set>
+                                      <p:cBhvr>
+                                        <p:cTn id="26" dur="1" fill="hold">
+                                          <p:stCondLst>
+                                            <p:cond delay="0"/>
+                                          </p:stCondLst>
+                                        </p:cTn>
+                                        <p:tgtEl>
+                                          <p:spTgt spid="9"/>
+                                        </p:tgtEl>
+                                        <p:attrNameLst>
+                                          <p:attrName>style.visibility</p:attrName>
+                                        </p:attrNameLst>
+                                      </p:cBhvr>
+                                      <p:to>
+                                        <p:strVal val="visible"/>
+                                      </p:to>
+                                    </p:set>
+                                    <p:animEffect transition="in" filter="checkerboard(across)">
+                                      <p:cBhvr>
+                                        <p:cTn id="27" dur="500"/>
+                                        <p:tgtEl>
+                                          <p:spTgt spid="9"/>
+                                        </p:tgtEl>
+                                      </p:cBhvr>
+                                    </p:animEffect>
+                                  </p:childTnLst>
+                                </p:cTn>
+                              </p:par>
+                              <p:par>
+                                <p:cTn id="28" presetID="5" presetClass="entr" presetSubtype="10" fill="hold" grpId="0" nodeType="withEffect">
+                                  <p:stCondLst>
+                                    <p:cond delay="0"/>
+                                  </p:stCondLst>
+                                  <p:childTnLst>
+                                    <p:set>
+                                      <p:cBhvr>
+                                        <p:cTn id="29" dur="1" fill="hold">
+                                          <p:stCondLst>
+                                            <p:cond delay="0"/>
+                                          </p:stCondLst>
+                                        </p:cTn>
+                                        <p:tgtEl>
+                                          <p:spTgt spid="10"/>
+                                        </p:tgtEl>
+                                        <p:attrNameLst>
+                                          <p:attrName>style.visibility</p:attrName>
+                                        </p:attrNameLst>
+                                      </p:cBhvr>
+                                      <p:to>
+                                        <p:strVal val="visible"/>
+                                      </p:to>
+                                    </p:set>
+                                    <p:animEffect transition="in" filter="checkerboard(across)">
+                                      <p:cBhvr>
+                                        <p:cTn id="30" dur="500"/>
+                                        <p:tgtEl>
+                                          <p:spTgt spid="10"/>
+                                        </p:tgtEl>
+                                      </p:cBhvr>
+                                    </p:animEffect>
+                                  </p:childTnLst>
+                                </p:cTn>
+                              </p:par>
+                              <p:par>
+                                <p:cTn id="31" presetID="5" presetClass="entr" presetSubtype="10" fill="hold" grpId="0" nodeType="withEffect">
+                                  <p:stCondLst>
+                                    <p:cond delay="0"/>
+                                  </p:stCondLst>
+                                  <p:childTnLst>
+                                    <p:set>
+                                      <p:cBhvr>
+                                        <p:cTn id="32" dur="1" fill="hold">
+                                          <p:stCondLst>
+                                            <p:cond delay="0"/>
+                                          </p:stCondLst>
+                                        </p:cTn>
+                                        <p:tgtEl>
+                                          <p:spTgt spid="11"/>
+                                        </p:tgtEl>
+                                        <p:attrNameLst>
+                                          <p:attrName>style.visibility</p:attrName>
+                                        </p:attrNameLst>
+                                      </p:cBhvr>
+                                      <p:to>
+                                        <p:strVal val="visible"/>
+                                      </p:to>
+                                    </p:set>
+                                    <p:animEffect transition="in" filter="checkerboard(across)">
+                                      <p:cBhvr>
+                                        <p:cTn id="33" dur="500"/>
+                                        <p:tgtEl>
+                                          <p:spTgt spid="11"/>
+                                        </p:tgtEl>
+                                      </p:cBhvr>
+                                    </p:animEffect>
+                                  </p:childTnLst>
+                                </p:cTn>
+                              </p:par>
+                              <p:par>
+                                <p:cTn id="34" presetID="5" presetClass="entr" presetSubtype="10" fill="hold" grpId="0" nodeType="withEffect">
+                                  <p:stCondLst>
+                                    <p:cond delay="0"/>
+                                  </p:stCondLst>
+                                  <p:childTnLst>
+                                    <p:set>
+                                      <p:cBhvr>
+                                        <p:cTn id="35" dur="1" fill="hold">
+                                          <p:stCondLst>
+                                            <p:cond delay="0"/>
+                                          </p:stCondLst>
+                                        </p:cTn>
+                                        <p:tgtEl>
+                                          <p:spTgt spid="12"/>
+                                        </p:tgtEl>
+                                        <p:attrNameLst>
+                                          <p:attrName>style.visibility</p:attrName>
+                                        </p:attrNameLst>
+                                      </p:cBhvr>
+                                      <p:to>
+                                        <p:strVal val="visible"/>
+                                      </p:to>
+                                    </p:set>
+                                    <p:animEffect transition="in" filter="checkerboard(across)">
+                                      <p:cBhvr>
+                                        <p:cTn id="36" dur="500"/>
+                                        <p:tgtEl>
+                                          <p:spTgt spid="12"/>
+                                        </p:tgtEl>
+                                      </p:cBhvr>
+                                    </p:animEffect>
+                                  </p:childTnLst>
+                                </p:cTn>
+                              </p:par>
+                              <p:par>
+                                <p:cTn id="37" presetID="5" presetClass="entr" presetSubtype="10" fill="hold" grpId="0" nodeType="withEffect">
+                                  <p:stCondLst>
+                                    <p:cond delay="0"/>
+                                  </p:stCondLst>
+                                  <p:childTnLst>
+                                    <p:set>
+                                      <p:cBhvr>
+                                        <p:cTn id="38" dur="1" fill="hold">
+                                          <p:stCondLst>
+                                            <p:cond delay="0"/>
+                                          </p:stCondLst>
+                                        </p:cTn>
+                                        <p:tgtEl>
+                                          <p:spTgt spid="13"/>
+                                        </p:tgtEl>
+                                        <p:attrNameLst>
+                                          <p:attrName>style.visibility</p:attrName>
+                                        </p:attrNameLst>
+                                      </p:cBhvr>
+                                      <p:to>
+                                        <p:strVal val="visible"/>
+                                      </p:to>
+                                    </p:set>
+                                    <p:animEffect transition="in" filter="checkerboard(across)">
+                                      <p:cBhvr>
+                                        <p:cTn id="39" dur="500"/>
+                                        <p:tgtEl>
+                                          <p:spTgt spid="13"/>
+                                        </p:tgtEl>
+                                      </p:cBhvr>
+                                    </p:animEffect>
+                                  </p:childTnLst>
+                                </p:cTn>
+                              </p:par>
+                              <p:par>
+                                <p:cTn id="40" presetID="5" presetClass="entr" presetSubtype="10" fill="hold" grpId="0" nodeType="withEffect">
+                                  <p:stCondLst>
+                                    <p:cond delay="0"/>
+                                  </p:stCondLst>
+                                  <p:childTnLst>
+                                    <p:set>
+                                      <p:cBhvr>
+                                        <p:cTn id="41" dur="1" fill="hold">
+                                          <p:stCondLst>
+                                            <p:cond delay="0"/>
+                                          </p:stCondLst>
+                                        </p:cTn>
+                                        <p:tgtEl>
+                                          <p:spTgt spid="14"/>
+                                        </p:tgtEl>
+                                        <p:attrNameLst>
+                                          <p:attrName>style.visibility</p:attrName>
+                                        </p:attrNameLst>
+                                      </p:cBhvr>
+                                      <p:to>
+                                        <p:strVal val="visible"/>
+                                      </p:to>
+                                    </p:set>
+                                    <p:animEffect transition="in" filter="checkerboard(across)">
+                                      <p:cBhvr>
+                                        <p:cTn id="42" dur="500"/>
+                                        <p:tgtEl>
+                                          <p:spTgt spid="14"/>
+                                        </p:tgtEl>
+                                      </p:cBhvr>
+                                    </p:animEffect>
+                                  </p:childTnLst>
+                                </p:cTn>
+                              </p:par>
+                              <p:par>
+                                <p:cTn id="43" presetID="5" presetClass="entr" presetSubtype="10" fill="hold" grpId="0" nodeType="withEffect">
+                                  <p:stCondLst>
+                                    <p:cond delay="0"/>
+                                  </p:stCondLst>
+                                  <p:childTnLst>
+                                    <p:set>
+                                      <p:cBhvr>
+                                        <p:cTn id="44" dur="1" fill="hold">
+                                          <p:stCondLst>
+                                            <p:cond delay="0"/>
+                                          </p:stCondLst>
+                                        </p:cTn>
+                                        <p:tgtEl>
+                                          <p:spTgt spid="15"/>
+                                        </p:tgtEl>
+                                        <p:attrNameLst>
+                                          <p:attrName>style.visibility</p:attrName>
+                                        </p:attrNameLst>
+                                      </p:cBhvr>
+                                      <p:to>
+                                        <p:strVal val="visible"/>
+                                      </p:to>
+                                    </p:set>
+                                    <p:animEffect transition="in" filter="checkerboard(across)">
+                                      <p:cBhvr>
+                                        <p:cTn id="45" dur="500"/>
+                                        <p:tgtEl>
+                                          <p:spTgt spid="15"/>
+                                        </p:tgtEl>
+                                      </p:cBhvr>
+                                    </p:animEffect>
+                                  </p:childTnLst>
+                                </p:cTn>
+                              </p:par>
+                            </p:childTnLst>
+                          </p:cTn>
+                        </p:par>
+                      </p:childTnLst>
+                    </p:cTn>
+                  </p:par>
+                </p:childTnLst>
+              </p:cTn>
+              <p:prevCondLst>
+                <p:cond evt="onPrev" delay="0">
+                  <p:tgtEl>
+                    <p:sldTgt/>
+                  </p:tgtEl>
+                </p:cond>
+              </p:prevCondLst>
+              <p:nextCondLst>
+                <p:cond evt="onNext" delay="0">
+                  <p:tgtEl>
+                    <p:sldTgt/>
+                  </p:tgtEl>
+                </p:cond>
+              </p:nextCondLst>
+            </p:seq>
+          </p:childTnLst>
+        </p:cTn>
+      </p:par>
+    </p:tnLst>
+    <p:bldLst>
+      <p:bldP spid="5" grpId="0"/>
+      <p:bldP spid="7" grpId="0"/>
+      <p:bldP spid="8" grpId="0"/>
+      <p:bldP spid="9" grpId="0" animBg="1"/>
+      <p:bldP spid="10" grpId="0"/>
+      <p:bldP spid="11" grpId="0"/>
+      <p:bldP spid="12" grpId="0"/>
+      <p:bldP spid="13" grpId="0"/>
+      <p:bldP spid="14" grpId="0"/>
+      <p:bldP spid="15" grpId="0" animBg="1"/>
+      <p:bldP spid="16" grpId="0"/>
+    </p:bldLst>
   </p:timing>
 </p:sld>
 </file>
@@ -4740,6 +9301,552 @@
 </p:sld>
 </file>
 
+<file path=ppt/slides/slide8.xml><?xml version="1.0" encoding="utf-8"?>
+<p:sld xmlns:a="http://schemas.openxmlformats.org/drawingml/2006/main" xmlns:r="http://schemas.openxmlformats.org/officeDocument/2006/relationships" xmlns:p="http://schemas.openxmlformats.org/presentationml/2006/main">
+  <p:cSld>
+    <p:spTree>
+      <p:nvGrpSpPr>
+        <p:cNvPr id="1" name=""/>
+        <p:cNvGrpSpPr/>
+        <p:nvPr/>
+      </p:nvGrpSpPr>
+      <p:grpSpPr>
+        <a:xfrm>
+          <a:off x="0" y="0"/>
+          <a:ext cx="0" cy="0"/>
+          <a:chOff x="0" y="0"/>
+          <a:chExt cx="0" cy="0"/>
+        </a:xfrm>
+      </p:grpSpPr>
+      <p:sp>
+        <p:nvSpPr>
+          <p:cNvPr id="2" name="Title 1"/>
+          <p:cNvSpPr>
+            <a:spLocks noGrp="1"/>
+          </p:cNvSpPr>
+          <p:nvPr>
+            <p:ph type="title"/>
+          </p:nvPr>
+        </p:nvSpPr>
+        <p:spPr>
+          <a:xfrm>
+            <a:off x="5206131" y="1488564"/>
+            <a:ext cx="1479115" cy="1325563"/>
+          </a:xfrm>
+        </p:spPr>
+        <p:txBody>
+          <a:bodyPr/>
+          <a:lstStyle/>
+          <a:p>
+            <a:r>
+              <a:rPr lang="zh-CN" altLang="en-US" smtClean="0"/>
+              <a:t>位图</a:t>
+            </a:r>
+            <a:endParaRPr lang="en-US" dirty="0"/>
+          </a:p>
+        </p:txBody>
+      </p:sp>
+      <p:sp>
+        <p:nvSpPr>
+          <p:cNvPr id="4" name="TextBox 3"/>
+          <p:cNvSpPr txBox="1"/>
+          <p:nvPr/>
+        </p:nvSpPr>
+        <p:spPr>
+          <a:xfrm>
+            <a:off x="4128428" y="3056352"/>
+            <a:ext cx="3634521" cy="369332"/>
+          </a:xfrm>
+          <a:prstGeom prst="rect">
+            <a:avLst/>
+          </a:prstGeom>
+          <a:noFill/>
+        </p:spPr>
+        <p:txBody>
+          <a:bodyPr wrap="none" rtlCol="0">
+            <a:spAutoFit/>
+          </a:bodyPr>
+          <a:lstStyle/>
+          <a:p>
+            <a:r>
+              <a:rPr lang="zh-CN" altLang="en-US" dirty="0" smtClean="0"/>
+              <a:t>理解计算机存储及呈现图像的原理</a:t>
+            </a:r>
+            <a:endParaRPr lang="en-US" dirty="0"/>
+          </a:p>
+        </p:txBody>
+      </p:sp>
+    </p:spTree>
+    <p:extLst>
+      <p:ext uri="{BB962C8B-B14F-4D97-AF65-F5344CB8AC3E}">
+        <p14:creationId xmlns:p14="http://schemas.microsoft.com/office/powerpoint/2010/main" val="1555651645"/>
+      </p:ext>
+    </p:extLst>
+  </p:cSld>
+  <p:clrMapOvr>
+    <a:masterClrMapping/>
+  </p:clrMapOvr>
+  <p:timing>
+    <p:tnLst>
+      <p:par>
+        <p:cTn id="1" dur="indefinite" restart="never" nodeType="tmRoot"/>
+      </p:par>
+    </p:tnLst>
+  </p:timing>
+</p:sld>
+</file>
+
+<file path=ppt/slides/slide9.xml><?xml version="1.0" encoding="utf-8"?>
+<p:sld xmlns:a="http://schemas.openxmlformats.org/drawingml/2006/main" xmlns:r="http://schemas.openxmlformats.org/officeDocument/2006/relationships" xmlns:p="http://schemas.openxmlformats.org/presentationml/2006/main">
+  <p:cSld>
+    <p:spTree>
+      <p:nvGrpSpPr>
+        <p:cNvPr id="1" name=""/>
+        <p:cNvGrpSpPr/>
+        <p:nvPr/>
+      </p:nvGrpSpPr>
+      <p:grpSpPr>
+        <a:xfrm>
+          <a:off x="0" y="0"/>
+          <a:ext cx="0" cy="0"/>
+          <a:chOff x="0" y="0"/>
+          <a:chExt cx="0" cy="0"/>
+        </a:xfrm>
+      </p:grpSpPr>
+      <p:sp>
+        <p:nvSpPr>
+          <p:cNvPr id="2" name="Title 1"/>
+          <p:cNvSpPr>
+            <a:spLocks noGrp="1"/>
+          </p:cNvSpPr>
+          <p:nvPr>
+            <p:ph type="title"/>
+          </p:nvPr>
+        </p:nvSpPr>
+        <p:spPr/>
+        <p:txBody>
+          <a:bodyPr/>
+          <a:lstStyle/>
+          <a:p>
+            <a:r>
+              <a:rPr lang="zh-CN" altLang="en-US" dirty="0" smtClean="0"/>
+              <a:t>三原色</a:t>
+            </a:r>
+            <a:endParaRPr lang="en-US" dirty="0"/>
+          </a:p>
+        </p:txBody>
+      </p:sp>
+      <p:grpSp>
+        <p:nvGrpSpPr>
+          <p:cNvPr id="12" name="Group 11"/>
+          <p:cNvGrpSpPr/>
+          <p:nvPr/>
+        </p:nvGrpSpPr>
+        <p:grpSpPr>
+          <a:xfrm>
+            <a:off x="2049517" y="1923394"/>
+            <a:ext cx="2880000" cy="2880000"/>
+            <a:chOff x="1040524" y="1860332"/>
+            <a:chExt cx="2880000" cy="2880000"/>
+          </a:xfrm>
+        </p:grpSpPr>
+        <p:sp>
+          <p:nvSpPr>
+            <p:cNvPr id="5" name="Pie 4"/>
+            <p:cNvSpPr/>
+            <p:nvPr/>
+          </p:nvSpPr>
+          <p:spPr>
+            <a:xfrm>
+              <a:off x="1040524" y="1860332"/>
+              <a:ext cx="2880000" cy="2880000"/>
+            </a:xfrm>
+            <a:prstGeom prst="pie">
+              <a:avLst>
+                <a:gd name="adj1" fmla="val 9062697"/>
+                <a:gd name="adj2" fmla="val 16200000"/>
+              </a:avLst>
+            </a:prstGeom>
+            <a:solidFill>
+              <a:srgbClr val="FF0000"/>
+            </a:solidFill>
+          </p:spPr>
+          <p:style>
+            <a:lnRef idx="2">
+              <a:schemeClr val="accent1">
+                <a:shade val="50000"/>
+              </a:schemeClr>
+            </a:lnRef>
+            <a:fillRef idx="1">
+              <a:schemeClr val="accent1"/>
+            </a:fillRef>
+            <a:effectRef idx="0">
+              <a:schemeClr val="accent1"/>
+            </a:effectRef>
+            <a:fontRef idx="minor">
+              <a:schemeClr val="lt1"/>
+            </a:fontRef>
+          </p:style>
+          <p:txBody>
+            <a:bodyPr rtlCol="0" anchor="ctr"/>
+            <a:lstStyle/>
+            <a:p>
+              <a:pPr algn="ctr"/>
+              <a:endParaRPr lang="en-US">
+                <a:solidFill>
+                  <a:schemeClr val="tx1"/>
+                </a:solidFill>
+              </a:endParaRPr>
+            </a:p>
+          </p:txBody>
+        </p:sp>
+        <p:sp>
+          <p:nvSpPr>
+            <p:cNvPr id="6" name="Pie 5"/>
+            <p:cNvSpPr/>
+            <p:nvPr/>
+          </p:nvSpPr>
+          <p:spPr>
+            <a:xfrm>
+              <a:off x="1040524" y="1860332"/>
+              <a:ext cx="2880000" cy="2880000"/>
+            </a:xfrm>
+            <a:prstGeom prst="pie">
+              <a:avLst>
+                <a:gd name="adj1" fmla="val 16190817"/>
+                <a:gd name="adj2" fmla="val 2088956"/>
+              </a:avLst>
+            </a:prstGeom>
+            <a:solidFill>
+              <a:srgbClr val="00FF00"/>
+            </a:solidFill>
+          </p:spPr>
+          <p:style>
+            <a:lnRef idx="2">
+              <a:schemeClr val="accent1">
+                <a:shade val="50000"/>
+              </a:schemeClr>
+            </a:lnRef>
+            <a:fillRef idx="1">
+              <a:schemeClr val="accent1"/>
+            </a:fillRef>
+            <a:effectRef idx="0">
+              <a:schemeClr val="accent1"/>
+            </a:effectRef>
+            <a:fontRef idx="minor">
+              <a:schemeClr val="lt1"/>
+            </a:fontRef>
+          </p:style>
+          <p:txBody>
+            <a:bodyPr rot="0" spcFirstLastPara="0" vertOverflow="overflow" horzOverflow="overflow" vert="horz" wrap="square" lIns="91440" tIns="45720" rIns="91440" bIns="45720" numCol="1" spcCol="0" rtlCol="0" fromWordArt="0" anchor="ctr" anchorCtr="0" forceAA="0" compatLnSpc="1">
+              <a:prstTxWarp prst="textNoShape">
+                <a:avLst/>
+              </a:prstTxWarp>
+              <a:noAutofit/>
+            </a:bodyPr>
+            <a:lstStyle/>
+            <a:p>
+              <a:pPr algn="ctr"/>
+              <a:endParaRPr lang="en-US">
+                <a:solidFill>
+                  <a:schemeClr val="tx1"/>
+                </a:solidFill>
+              </a:endParaRPr>
+            </a:p>
+          </p:txBody>
+        </p:sp>
+        <p:sp>
+          <p:nvSpPr>
+            <p:cNvPr id="7" name="Pie 6"/>
+            <p:cNvSpPr/>
+            <p:nvPr/>
+          </p:nvSpPr>
+          <p:spPr>
+            <a:xfrm>
+              <a:off x="1040524" y="1860332"/>
+              <a:ext cx="2880000" cy="2880000"/>
+            </a:xfrm>
+            <a:prstGeom prst="pie">
+              <a:avLst>
+                <a:gd name="adj1" fmla="val 2079788"/>
+                <a:gd name="adj2" fmla="val 9088010"/>
+              </a:avLst>
+            </a:prstGeom>
+            <a:solidFill>
+              <a:srgbClr val="0000FF"/>
+            </a:solidFill>
+          </p:spPr>
+          <p:style>
+            <a:lnRef idx="2">
+              <a:schemeClr val="accent1">
+                <a:shade val="50000"/>
+              </a:schemeClr>
+            </a:lnRef>
+            <a:fillRef idx="1">
+              <a:schemeClr val="accent1"/>
+            </a:fillRef>
+            <a:effectRef idx="0">
+              <a:schemeClr val="accent1"/>
+            </a:effectRef>
+            <a:fontRef idx="minor">
+              <a:schemeClr val="lt1"/>
+            </a:fontRef>
+          </p:style>
+          <p:txBody>
+            <a:bodyPr rot="0" spcFirstLastPara="0" vertOverflow="overflow" horzOverflow="overflow" vert="horz" wrap="square" lIns="91440" tIns="45720" rIns="91440" bIns="45720" numCol="1" spcCol="0" rtlCol="0" fromWordArt="0" anchor="ctr" anchorCtr="0" forceAA="0" compatLnSpc="1">
+              <a:prstTxWarp prst="textNoShape">
+                <a:avLst/>
+              </a:prstTxWarp>
+              <a:noAutofit/>
+            </a:bodyPr>
+            <a:lstStyle/>
+            <a:p>
+              <a:pPr algn="ctr"/>
+              <a:endParaRPr lang="en-US">
+                <a:solidFill>
+                  <a:schemeClr val="tx1"/>
+                </a:solidFill>
+              </a:endParaRPr>
+            </a:p>
+          </p:txBody>
+        </p:sp>
+      </p:grpSp>
+      <p:sp>
+        <p:nvSpPr>
+          <p:cNvPr id="13" name="Oval 12"/>
+          <p:cNvSpPr/>
+          <p:nvPr/>
+        </p:nvSpPr>
+        <p:spPr>
+          <a:xfrm>
+            <a:off x="7441325" y="1923394"/>
+            <a:ext cx="2880000" cy="2880000"/>
+          </a:xfrm>
+          <a:prstGeom prst="ellipse">
+            <a:avLst/>
+          </a:prstGeom>
+          <a:solidFill>
+            <a:schemeClr val="bg1"/>
+          </a:solidFill>
+        </p:spPr>
+        <p:style>
+          <a:lnRef idx="2">
+            <a:schemeClr val="accent1">
+              <a:shade val="50000"/>
+            </a:schemeClr>
+          </a:lnRef>
+          <a:fillRef idx="1">
+            <a:schemeClr val="accent1"/>
+          </a:fillRef>
+          <a:effectRef idx="0">
+            <a:schemeClr val="accent1"/>
+          </a:effectRef>
+          <a:fontRef idx="minor">
+            <a:schemeClr val="lt1"/>
+          </a:fontRef>
+        </p:style>
+        <p:txBody>
+          <a:bodyPr rot="0" spcFirstLastPara="0" vertOverflow="overflow" horzOverflow="overflow" vert="horz" wrap="square" lIns="91440" tIns="45720" rIns="91440" bIns="45720" numCol="1" spcCol="0" rtlCol="0" fromWordArt="0" anchor="ctr" anchorCtr="0" forceAA="0" compatLnSpc="1">
+            <a:prstTxWarp prst="textNoShape">
+              <a:avLst/>
+            </a:prstTxWarp>
+            <a:noAutofit/>
+          </a:bodyPr>
+          <a:lstStyle/>
+          <a:p>
+            <a:pPr algn="ctr"/>
+            <a:endParaRPr lang="en-US">
+              <a:solidFill>
+                <a:schemeClr val="tx1"/>
+              </a:solidFill>
+            </a:endParaRPr>
+          </a:p>
+        </p:txBody>
+      </p:sp>
+      <p:sp>
+        <p:nvSpPr>
+          <p:cNvPr id="14" name="Right Arrow 13"/>
+          <p:cNvSpPr/>
+          <p:nvPr/>
+        </p:nvSpPr>
+        <p:spPr>
+          <a:xfrm>
+            <a:off x="5271021" y="3247696"/>
+            <a:ext cx="1828800" cy="268014"/>
+          </a:xfrm>
+          <a:prstGeom prst="rightArrow">
+            <a:avLst/>
+          </a:prstGeom>
+        </p:spPr>
+        <p:style>
+          <a:lnRef idx="2">
+            <a:schemeClr val="accent1">
+              <a:shade val="50000"/>
+            </a:schemeClr>
+          </a:lnRef>
+          <a:fillRef idx="1">
+            <a:schemeClr val="accent1"/>
+          </a:fillRef>
+          <a:effectRef idx="0">
+            <a:schemeClr val="accent1"/>
+          </a:effectRef>
+          <a:fontRef idx="minor">
+            <a:schemeClr val="lt1"/>
+          </a:fontRef>
+        </p:style>
+        <p:txBody>
+          <a:bodyPr rot="0" spcFirstLastPara="0" vertOverflow="overflow" horzOverflow="overflow" vert="horz" wrap="square" lIns="91440" tIns="45720" rIns="91440" bIns="45720" numCol="1" spcCol="0" rtlCol="0" fromWordArt="0" anchor="ctr" anchorCtr="0" forceAA="0" compatLnSpc="1">
+            <a:prstTxWarp prst="textNoShape">
+              <a:avLst/>
+            </a:prstTxWarp>
+            <a:noAutofit/>
+          </a:bodyPr>
+          <a:lstStyle/>
+          <a:p>
+            <a:pPr algn="ctr"/>
+            <a:endParaRPr lang="en-US">
+              <a:solidFill>
+                <a:schemeClr val="tx1"/>
+              </a:solidFill>
+            </a:endParaRPr>
+          </a:p>
+        </p:txBody>
+      </p:sp>
+    </p:spTree>
+    <p:extLst>
+      <p:ext uri="{BB962C8B-B14F-4D97-AF65-F5344CB8AC3E}">
+        <p14:creationId xmlns:p14="http://schemas.microsoft.com/office/powerpoint/2010/main" val="807780637"/>
+      </p:ext>
+    </p:extLst>
+  </p:cSld>
+  <p:clrMapOvr>
+    <a:masterClrMapping/>
+  </p:clrMapOvr>
+  <p:timing>
+    <p:tnLst>
+      <p:par>
+        <p:cTn id="1" dur="indefinite" restart="never" nodeType="tmRoot">
+          <p:childTnLst>
+            <p:seq concurrent="1" nextAc="seek">
+              <p:cTn id="2" dur="indefinite" nodeType="mainSeq">
+                <p:childTnLst>
+                  <p:par>
+                    <p:cTn id="3" fill="hold">
+                      <p:stCondLst>
+                        <p:cond delay="indefinite"/>
+                      </p:stCondLst>
+                      <p:childTnLst>
+                        <p:par>
+                          <p:cTn id="4" fill="hold">
+                            <p:stCondLst>
+                              <p:cond delay="0"/>
+                            </p:stCondLst>
+                            <p:childTnLst>
+                              <p:par>
+                                <p:cTn id="5" presetID="5" presetClass="entr" presetSubtype="10" fill="hold" grpId="0" nodeType="clickEffect">
+                                  <p:stCondLst>
+                                    <p:cond delay="0"/>
+                                  </p:stCondLst>
+                                  <p:childTnLst>
+                                    <p:set>
+                                      <p:cBhvr>
+                                        <p:cTn id="6" dur="1" fill="hold">
+                                          <p:stCondLst>
+                                            <p:cond delay="0"/>
+                                          </p:stCondLst>
+                                        </p:cTn>
+                                        <p:tgtEl>
+                                          <p:spTgt spid="13"/>
+                                        </p:tgtEl>
+                                        <p:attrNameLst>
+                                          <p:attrName>style.visibility</p:attrName>
+                                        </p:attrNameLst>
+                                      </p:cBhvr>
+                                      <p:to>
+                                        <p:strVal val="visible"/>
+                                      </p:to>
+                                    </p:set>
+                                    <p:animEffect transition="in" filter="checkerboard(across)">
+                                      <p:cBhvr>
+                                        <p:cTn id="7" dur="500"/>
+                                        <p:tgtEl>
+                                          <p:spTgt spid="13"/>
+                                        </p:tgtEl>
+                                      </p:cBhvr>
+                                    </p:animEffect>
+                                  </p:childTnLst>
+                                </p:cTn>
+                              </p:par>
+                              <p:par>
+                                <p:cTn id="8" presetID="5" presetClass="entr" presetSubtype="10" fill="hold" grpId="0" nodeType="withEffect">
+                                  <p:stCondLst>
+                                    <p:cond delay="0"/>
+                                  </p:stCondLst>
+                                  <p:childTnLst>
+                                    <p:set>
+                                      <p:cBhvr>
+                                        <p:cTn id="9" dur="1" fill="hold">
+                                          <p:stCondLst>
+                                            <p:cond delay="0"/>
+                                          </p:stCondLst>
+                                        </p:cTn>
+                                        <p:tgtEl>
+                                          <p:spTgt spid="14"/>
+                                        </p:tgtEl>
+                                        <p:attrNameLst>
+                                          <p:attrName>style.visibility</p:attrName>
+                                        </p:attrNameLst>
+                                      </p:cBhvr>
+                                      <p:to>
+                                        <p:strVal val="visible"/>
+                                      </p:to>
+                                    </p:set>
+                                    <p:animEffect transition="in" filter="checkerboard(across)">
+                                      <p:cBhvr>
+                                        <p:cTn id="10" dur="500"/>
+                                        <p:tgtEl>
+                                          <p:spTgt spid="14"/>
+                                        </p:tgtEl>
+                                      </p:cBhvr>
+                                    </p:animEffect>
+                                  </p:childTnLst>
+                                </p:cTn>
+                              </p:par>
+                            </p:childTnLst>
+                          </p:cTn>
+                        </p:par>
+                      </p:childTnLst>
+                    </p:cTn>
+                  </p:par>
+                </p:childTnLst>
+              </p:cTn>
+              <p:prevCondLst>
+                <p:cond evt="onPrev" delay="0">
+                  <p:tgtEl>
+                    <p:sldTgt/>
+                  </p:tgtEl>
+                </p:cond>
+              </p:prevCondLst>
+              <p:nextCondLst>
+                <p:cond evt="onNext" delay="0">
+                  <p:tgtEl>
+                    <p:sldTgt/>
+                  </p:tgtEl>
+                </p:cond>
+              </p:nextCondLst>
+            </p:seq>
+          </p:childTnLst>
+        </p:cTn>
+      </p:par>
+    </p:tnLst>
+    <p:bldLst>
+      <p:bldP spid="13" grpId="0" animBg="1"/>
+      <p:bldP spid="14" grpId="0" animBg="1"/>
+    </p:bldLst>
+  </p:timing>
+</p:sld>
+</file>
+
 <file path=ppt/theme/theme1.xml><?xml version="1.0" encoding="utf-8"?>
 <a:theme xmlns:a="http://schemas.openxmlformats.org/drawingml/2006/main" name="Office Theme">
   <a:themeElements>
@@ -4991,7 +10098,37 @@
       </a:bgFillStyleLst>
     </a:fmtScheme>
   </a:themeElements>
-  <a:objectDefaults/>
+  <a:objectDefaults>
+    <a:spDef>
+      <a:spPr/>
+      <a:bodyPr rtlCol="0" anchor="ctr"/>
+      <a:lstStyle>
+        <a:defPPr algn="ctr">
+          <a:defRPr>
+            <a:solidFill>
+              <a:schemeClr val="tx1"/>
+            </a:solidFill>
+          </a:defRPr>
+        </a:defPPr>
+      </a:lstStyle>
+      <a:style>
+        <a:lnRef idx="2">
+          <a:schemeClr val="accent1">
+            <a:shade val="50000"/>
+          </a:schemeClr>
+        </a:lnRef>
+        <a:fillRef idx="1">
+          <a:schemeClr val="accent1"/>
+        </a:fillRef>
+        <a:effectRef idx="0">
+          <a:schemeClr val="accent1"/>
+        </a:effectRef>
+        <a:fontRef idx="minor">
+          <a:schemeClr val="lt1"/>
+        </a:fontRef>
+      </a:style>
+    </a:spDef>
+  </a:objectDefaults>
   <a:extraClrSchemeLst/>
   <a:extLst>
     <a:ext uri="{05A4C25C-085E-4340-85A3-A5531E510DB2}">

--- a/机器学习之手写识别.pptx
+++ b/机器学习之手写识别.pptx
@@ -22,6 +22,11 @@
     <p:sldId id="264" r:id="rId16"/>
     <p:sldId id="271" r:id="rId17"/>
     <p:sldId id="272" r:id="rId18"/>
+    <p:sldId id="277" r:id="rId19"/>
+    <p:sldId id="273" r:id="rId20"/>
+    <p:sldId id="274" r:id="rId21"/>
+    <p:sldId id="275" r:id="rId22"/>
+    <p:sldId id="276" r:id="rId23"/>
   </p:sldIdLst>
   <p:sldSz cx="12192000" cy="6858000"/>
   <p:notesSz cx="6858000" cy="9144000"/>
@@ -123,7 +128,7 @@
   <p:extLst>
     <p:ext uri="{521415D9-36F7-43E2-AB2F-B90AF26B5E84}">
       <p14:sectionLst xmlns:p14="http://schemas.microsoft.com/office/powerpoint/2010/main">
-        <p14:section name="Default Section" id="{F640F652-D37C-7842-B50E-D86FF0870DF9}">
+        <p14:section name="标题部分" id="{F640F652-D37C-7842-B50E-D86FF0870DF9}">
           <p14:sldIdLst>
             <p14:sldId id="256"/>
             <p14:sldId id="257"/>
@@ -150,6 +155,15 @@
             <p14:sldId id="264"/>
             <p14:sldId id="271"/>
             <p14:sldId id="272"/>
+          </p14:sldIdLst>
+        </p14:section>
+        <p14:section name="手写识别原理" id="{FEAA8BB8-61E1-BF43-9761-75F4248FC9AD}">
+          <p14:sldIdLst>
+            <p14:sldId id="277"/>
+            <p14:sldId id="273"/>
+            <p14:sldId id="274"/>
+            <p14:sldId id="275"/>
+            <p14:sldId id="276"/>
           </p14:sldIdLst>
         </p14:section>
       </p14:sectionLst>
@@ -292,7 +306,7 @@
           <a:p>
             <a:fld id="{1F6C1808-FC4B-3644-BDA2-BAA4F954847D}" type="datetimeFigureOut">
               <a:rPr lang="en-US" smtClean="0"/>
-              <a:t>3/9/18</a:t>
+              <a:t>3/14/18</a:t>
             </a:fld>
             <a:endParaRPr lang="en-US"/>
           </a:p>
@@ -462,7 +476,7 @@
           <a:p>
             <a:fld id="{1F6C1808-FC4B-3644-BDA2-BAA4F954847D}" type="datetimeFigureOut">
               <a:rPr lang="en-US" smtClean="0"/>
-              <a:t>3/9/18</a:t>
+              <a:t>3/14/18</a:t>
             </a:fld>
             <a:endParaRPr lang="en-US"/>
           </a:p>
@@ -642,7 +656,7 @@
           <a:p>
             <a:fld id="{1F6C1808-FC4B-3644-BDA2-BAA4F954847D}" type="datetimeFigureOut">
               <a:rPr lang="en-US" smtClean="0"/>
-              <a:t>3/9/18</a:t>
+              <a:t>3/14/18</a:t>
             </a:fld>
             <a:endParaRPr lang="en-US"/>
           </a:p>
@@ -812,7 +826,7 @@
           <a:p>
             <a:fld id="{1F6C1808-FC4B-3644-BDA2-BAA4F954847D}" type="datetimeFigureOut">
               <a:rPr lang="en-US" smtClean="0"/>
-              <a:t>3/9/18</a:t>
+              <a:t>3/14/18</a:t>
             </a:fld>
             <a:endParaRPr lang="en-US"/>
           </a:p>
@@ -1058,7 +1072,7 @@
           <a:p>
             <a:fld id="{1F6C1808-FC4B-3644-BDA2-BAA4F954847D}" type="datetimeFigureOut">
               <a:rPr lang="en-US" smtClean="0"/>
-              <a:t>3/9/18</a:t>
+              <a:t>3/14/18</a:t>
             </a:fld>
             <a:endParaRPr lang="en-US"/>
           </a:p>
@@ -1290,7 +1304,7 @@
           <a:p>
             <a:fld id="{1F6C1808-FC4B-3644-BDA2-BAA4F954847D}" type="datetimeFigureOut">
               <a:rPr lang="en-US" smtClean="0"/>
-              <a:t>3/9/18</a:t>
+              <a:t>3/14/18</a:t>
             </a:fld>
             <a:endParaRPr lang="en-US"/>
           </a:p>
@@ -1657,7 +1671,7 @@
           <a:p>
             <a:fld id="{1F6C1808-FC4B-3644-BDA2-BAA4F954847D}" type="datetimeFigureOut">
               <a:rPr lang="en-US" smtClean="0"/>
-              <a:t>3/9/18</a:t>
+              <a:t>3/14/18</a:t>
             </a:fld>
             <a:endParaRPr lang="en-US"/>
           </a:p>
@@ -1775,7 +1789,7 @@
           <a:p>
             <a:fld id="{1F6C1808-FC4B-3644-BDA2-BAA4F954847D}" type="datetimeFigureOut">
               <a:rPr lang="en-US" smtClean="0"/>
-              <a:t>3/9/18</a:t>
+              <a:t>3/14/18</a:t>
             </a:fld>
             <a:endParaRPr lang="en-US"/>
           </a:p>
@@ -1870,7 +1884,7 @@
           <a:p>
             <a:fld id="{1F6C1808-FC4B-3644-BDA2-BAA4F954847D}" type="datetimeFigureOut">
               <a:rPr lang="en-US" smtClean="0"/>
-              <a:t>3/9/18</a:t>
+              <a:t>3/14/18</a:t>
             </a:fld>
             <a:endParaRPr lang="en-US"/>
           </a:p>
@@ -2147,7 +2161,7 @@
           <a:p>
             <a:fld id="{1F6C1808-FC4B-3644-BDA2-BAA4F954847D}" type="datetimeFigureOut">
               <a:rPr lang="en-US" smtClean="0"/>
-              <a:t>3/9/18</a:t>
+              <a:t>3/14/18</a:t>
             </a:fld>
             <a:endParaRPr lang="en-US"/>
           </a:p>
@@ -2400,7 +2414,7 @@
           <a:p>
             <a:fld id="{1F6C1808-FC4B-3644-BDA2-BAA4F954847D}" type="datetimeFigureOut">
               <a:rPr lang="en-US" smtClean="0"/>
-              <a:t>3/9/18</a:t>
+              <a:t>3/14/18</a:t>
             </a:fld>
             <a:endParaRPr lang="en-US"/>
           </a:p>
@@ -2613,7 +2627,7 @@
           <a:p>
             <a:fld id="{1F6C1808-FC4B-3644-BDA2-BAA4F954847D}" type="datetimeFigureOut">
               <a:rPr lang="en-US" smtClean="0"/>
-              <a:t>3/9/18</a:t>
+              <a:t>3/14/18</a:t>
             </a:fld>
             <a:endParaRPr lang="en-US"/>
           </a:p>
@@ -7625,6 +7639,1018 @@
 </p:sld>
 </file>
 
+<file path=ppt/slides/slide18.xml><?xml version="1.0" encoding="utf-8"?>
+<p:sld xmlns:a="http://schemas.openxmlformats.org/drawingml/2006/main" xmlns:r="http://schemas.openxmlformats.org/officeDocument/2006/relationships" xmlns:p="http://schemas.openxmlformats.org/presentationml/2006/main">
+  <p:cSld>
+    <p:spTree>
+      <p:nvGrpSpPr>
+        <p:cNvPr id="1" name=""/>
+        <p:cNvGrpSpPr/>
+        <p:nvPr/>
+      </p:nvGrpSpPr>
+      <p:grpSpPr>
+        <a:xfrm>
+          <a:off x="0" y="0"/>
+          <a:ext cx="0" cy="0"/>
+          <a:chOff x="0" y="0"/>
+          <a:chExt cx="0" cy="0"/>
+        </a:xfrm>
+      </p:grpSpPr>
+      <p:sp>
+        <p:nvSpPr>
+          <p:cNvPr id="2" name="Title 1"/>
+          <p:cNvSpPr>
+            <a:spLocks noGrp="1"/>
+          </p:cNvSpPr>
+          <p:nvPr>
+            <p:ph type="title"/>
+          </p:nvPr>
+        </p:nvSpPr>
+        <p:spPr>
+          <a:xfrm>
+            <a:off x="4272776" y="2528461"/>
+            <a:ext cx="3889917" cy="1325563"/>
+          </a:xfrm>
+        </p:spPr>
+        <p:txBody>
+          <a:bodyPr/>
+          <a:lstStyle/>
+          <a:p>
+            <a:r>
+              <a:rPr lang="zh-CN" altLang="en-US" dirty="0" smtClean="0"/>
+              <a:t>手写识别原理</a:t>
+            </a:r>
+            <a:endParaRPr lang="en-US" dirty="0"/>
+          </a:p>
+        </p:txBody>
+      </p:sp>
+    </p:spTree>
+    <p:extLst>
+      <p:ext uri="{BB962C8B-B14F-4D97-AF65-F5344CB8AC3E}">
+        <p14:creationId xmlns:p14="http://schemas.microsoft.com/office/powerpoint/2010/main" val="208917068"/>
+      </p:ext>
+    </p:extLst>
+  </p:cSld>
+  <p:clrMapOvr>
+    <a:masterClrMapping/>
+  </p:clrMapOvr>
+  <p:timing>
+    <p:tnLst>
+      <p:par>
+        <p:cTn id="1" dur="indefinite" restart="never" nodeType="tmRoot"/>
+      </p:par>
+    </p:tnLst>
+  </p:timing>
+</p:sld>
+</file>
+
+<file path=ppt/slides/slide19.xml><?xml version="1.0" encoding="utf-8"?>
+<p:sld xmlns:a="http://schemas.openxmlformats.org/drawingml/2006/main" xmlns:r="http://schemas.openxmlformats.org/officeDocument/2006/relationships" xmlns:p="http://schemas.openxmlformats.org/presentationml/2006/main">
+  <p:cSld>
+    <p:spTree>
+      <p:nvGrpSpPr>
+        <p:cNvPr id="1" name=""/>
+        <p:cNvGrpSpPr/>
+        <p:nvPr/>
+      </p:nvGrpSpPr>
+      <p:grpSpPr>
+        <a:xfrm>
+          <a:off x="0" y="0"/>
+          <a:ext cx="0" cy="0"/>
+          <a:chOff x="0" y="0"/>
+          <a:chExt cx="0" cy="0"/>
+        </a:xfrm>
+      </p:grpSpPr>
+      <p:pic>
+        <p:nvPicPr>
+          <p:cNvPr id="4" name="Picture 3"/>
+          <p:cNvPicPr>
+            <a:picLocks noChangeAspect="1"/>
+          </p:cNvPicPr>
+          <p:nvPr/>
+        </p:nvPicPr>
+        <p:blipFill>
+          <a:blip r:embed="rId2">
+            <a:extLst>
+              <a:ext uri="{28A0092B-C50C-407E-A947-70E740481C1C}">
+                <a14:useLocalDpi xmlns:a14="http://schemas.microsoft.com/office/drawing/2010/main" val="0"/>
+              </a:ext>
+            </a:extLst>
+          </a:blip>
+          <a:stretch>
+            <a:fillRect/>
+          </a:stretch>
+        </p:blipFill>
+        <p:spPr>
+          <a:xfrm>
+            <a:off x="838200" y="2318857"/>
+            <a:ext cx="2542032" cy="2542032"/>
+          </a:xfrm>
+          <a:prstGeom prst="rect">
+            <a:avLst/>
+          </a:prstGeom>
+        </p:spPr>
+      </p:pic>
+      <p:sp>
+        <p:nvSpPr>
+          <p:cNvPr id="2" name="Title 1"/>
+          <p:cNvSpPr>
+            <a:spLocks noGrp="1"/>
+          </p:cNvSpPr>
+          <p:nvPr>
+            <p:ph type="title"/>
+          </p:nvPr>
+        </p:nvSpPr>
+        <p:spPr/>
+        <p:txBody>
+          <a:bodyPr/>
+          <a:lstStyle/>
+          <a:p>
+            <a:r>
+              <a:rPr lang="zh-CN" altLang="en-US" dirty="0" smtClean="0"/>
+              <a:t>定义图片规格</a:t>
+            </a:r>
+            <a:endParaRPr lang="en-US" dirty="0"/>
+          </a:p>
+        </p:txBody>
+      </p:sp>
+      <p:pic>
+        <p:nvPicPr>
+          <p:cNvPr id="5" name="Picture 4"/>
+          <p:cNvPicPr>
+            <a:picLocks noChangeAspect="1"/>
+          </p:cNvPicPr>
+          <p:nvPr/>
+        </p:nvPicPr>
+        <p:blipFill>
+          <a:blip r:embed="rId3">
+            <a:extLst>
+              <a:ext uri="{28A0092B-C50C-407E-A947-70E740481C1C}">
+                <a14:useLocalDpi xmlns:a14="http://schemas.microsoft.com/office/drawing/2010/main" val="0"/>
+              </a:ext>
+            </a:extLst>
+          </a:blip>
+          <a:stretch>
+            <a:fillRect/>
+          </a:stretch>
+        </p:blipFill>
+        <p:spPr>
+          <a:xfrm>
+            <a:off x="4027664" y="2800430"/>
+            <a:ext cx="1800000" cy="1800000"/>
+          </a:xfrm>
+          <a:prstGeom prst="rect">
+            <a:avLst/>
+          </a:prstGeom>
+        </p:spPr>
+      </p:pic>
+      <p:sp>
+        <p:nvSpPr>
+          <p:cNvPr id="6" name="Rectangle 5"/>
+          <p:cNvSpPr/>
+          <p:nvPr/>
+        </p:nvSpPr>
+        <p:spPr>
+          <a:xfrm>
+            <a:off x="838200" y="2318857"/>
+            <a:ext cx="234689" cy="221119"/>
+          </a:xfrm>
+          <a:prstGeom prst="rect">
+            <a:avLst/>
+          </a:prstGeom>
+          <a:noFill/>
+          <a:ln w="38100"/>
+        </p:spPr>
+        <p:style>
+          <a:lnRef idx="2">
+            <a:schemeClr val="accent1">
+              <a:shade val="50000"/>
+            </a:schemeClr>
+          </a:lnRef>
+          <a:fillRef idx="1">
+            <a:schemeClr val="accent1"/>
+          </a:fillRef>
+          <a:effectRef idx="0">
+            <a:schemeClr val="accent1"/>
+          </a:effectRef>
+          <a:fontRef idx="minor">
+            <a:schemeClr val="lt1"/>
+          </a:fontRef>
+        </p:style>
+        <p:txBody>
+          <a:bodyPr rtlCol="0" anchor="ctr"/>
+          <a:lstStyle/>
+          <a:p>
+            <a:pPr algn="ctr"/>
+            <a:endParaRPr lang="en-US">
+              <a:solidFill>
+                <a:schemeClr val="tx1"/>
+              </a:solidFill>
+            </a:endParaRPr>
+          </a:p>
+        </p:txBody>
+      </p:sp>
+      <p:cxnSp>
+        <p:nvCxnSpPr>
+          <p:cNvPr id="8" name="Straight Arrow Connector 7"/>
+          <p:cNvCxnSpPr>
+            <a:stCxn id="6" idx="3"/>
+            <a:endCxn id="5" idx="1"/>
+          </p:cNvCxnSpPr>
+          <p:nvPr/>
+        </p:nvCxnSpPr>
+        <p:spPr>
+          <a:xfrm>
+            <a:off x="1072889" y="2429417"/>
+            <a:ext cx="2954775" cy="1271013"/>
+          </a:xfrm>
+          <a:prstGeom prst="straightConnector1">
+            <a:avLst/>
+          </a:prstGeom>
+          <a:ln>
+            <a:tailEnd type="triangle"/>
+          </a:ln>
+        </p:spPr>
+        <p:style>
+          <a:lnRef idx="1">
+            <a:schemeClr val="accent1"/>
+          </a:lnRef>
+          <a:fillRef idx="0">
+            <a:schemeClr val="accent1"/>
+          </a:fillRef>
+          <a:effectRef idx="0">
+            <a:schemeClr val="accent1"/>
+          </a:effectRef>
+          <a:fontRef idx="minor">
+            <a:schemeClr val="tx1"/>
+          </a:fontRef>
+        </p:style>
+      </p:cxnSp>
+      <p:sp>
+        <p:nvSpPr>
+          <p:cNvPr id="10" name="Left Brace 9"/>
+          <p:cNvSpPr/>
+          <p:nvPr/>
+        </p:nvSpPr>
+        <p:spPr>
+          <a:xfrm rot="5400000">
+            <a:off x="4797436" y="1770204"/>
+            <a:ext cx="260456" cy="1800000"/>
+          </a:xfrm>
+          <a:prstGeom prst="leftBrace">
+            <a:avLst/>
+          </a:prstGeom>
+        </p:spPr>
+        <p:style>
+          <a:lnRef idx="1">
+            <a:schemeClr val="accent1"/>
+          </a:lnRef>
+          <a:fillRef idx="0">
+            <a:schemeClr val="accent1"/>
+          </a:fillRef>
+          <a:effectRef idx="0">
+            <a:schemeClr val="accent1"/>
+          </a:effectRef>
+          <a:fontRef idx="minor">
+            <a:schemeClr val="tx1"/>
+          </a:fontRef>
+        </p:style>
+        <p:txBody>
+          <a:bodyPr rtlCol="0" anchor="ctr"/>
+          <a:lstStyle/>
+          <a:p>
+            <a:pPr algn="ctr"/>
+            <a:endParaRPr lang="en-US"/>
+          </a:p>
+        </p:txBody>
+      </p:sp>
+      <p:sp>
+        <p:nvSpPr>
+          <p:cNvPr id="11" name="TextBox 10"/>
+          <p:cNvSpPr txBox="1"/>
+          <p:nvPr/>
+        </p:nvSpPr>
+        <p:spPr>
+          <a:xfrm>
+            <a:off x="4586236" y="2128542"/>
+            <a:ext cx="635302" cy="369332"/>
+          </a:xfrm>
+          <a:prstGeom prst="rect">
+            <a:avLst/>
+          </a:prstGeom>
+          <a:noFill/>
+        </p:spPr>
+        <p:txBody>
+          <a:bodyPr wrap="none" rtlCol="0">
+            <a:spAutoFit/>
+          </a:bodyPr>
+          <a:lstStyle/>
+          <a:p>
+            <a:r>
+              <a:rPr lang="en-US" dirty="0" smtClean="0"/>
+              <a:t>20px</a:t>
+            </a:r>
+            <a:endParaRPr lang="en-US" dirty="0"/>
+          </a:p>
+        </p:txBody>
+      </p:sp>
+      <p:sp>
+        <p:nvSpPr>
+          <p:cNvPr id="12" name="Right Brace 11"/>
+          <p:cNvSpPr/>
+          <p:nvPr/>
+        </p:nvSpPr>
+        <p:spPr>
+          <a:xfrm>
+            <a:off x="6020897" y="2800430"/>
+            <a:ext cx="346842" cy="1800000"/>
+          </a:xfrm>
+          <a:prstGeom prst="rightBrace">
+            <a:avLst/>
+          </a:prstGeom>
+        </p:spPr>
+        <p:style>
+          <a:lnRef idx="1">
+            <a:schemeClr val="accent1"/>
+          </a:lnRef>
+          <a:fillRef idx="0">
+            <a:schemeClr val="accent1"/>
+          </a:fillRef>
+          <a:effectRef idx="0">
+            <a:schemeClr val="accent1"/>
+          </a:effectRef>
+          <a:fontRef idx="minor">
+            <a:schemeClr val="tx1"/>
+          </a:fontRef>
+        </p:style>
+        <p:txBody>
+          <a:bodyPr rtlCol="0" anchor="ctr"/>
+          <a:lstStyle/>
+          <a:p>
+            <a:pPr algn="ctr"/>
+            <a:endParaRPr lang="en-US"/>
+          </a:p>
+        </p:txBody>
+      </p:sp>
+      <p:sp>
+        <p:nvSpPr>
+          <p:cNvPr id="13" name="TextBox 12"/>
+          <p:cNvSpPr txBox="1"/>
+          <p:nvPr/>
+        </p:nvSpPr>
+        <p:spPr>
+          <a:xfrm>
+            <a:off x="6320438" y="3500144"/>
+            <a:ext cx="635302" cy="369332"/>
+          </a:xfrm>
+          <a:prstGeom prst="rect">
+            <a:avLst/>
+          </a:prstGeom>
+          <a:noFill/>
+        </p:spPr>
+        <p:txBody>
+          <a:bodyPr wrap="none" rtlCol="0">
+            <a:spAutoFit/>
+          </a:bodyPr>
+          <a:lstStyle/>
+          <a:p>
+            <a:r>
+              <a:rPr lang="en-US" dirty="0" smtClean="0"/>
+              <a:t>20px</a:t>
+            </a:r>
+            <a:endParaRPr lang="en-US" dirty="0"/>
+          </a:p>
+        </p:txBody>
+      </p:sp>
+      <p:sp>
+        <p:nvSpPr>
+          <p:cNvPr id="15" name="TextBox 14"/>
+          <p:cNvSpPr txBox="1"/>
+          <p:nvPr/>
+        </p:nvSpPr>
+        <p:spPr>
+          <a:xfrm>
+            <a:off x="7845186" y="365125"/>
+            <a:ext cx="3570208" cy="6186309"/>
+          </a:xfrm>
+          <a:prstGeom prst="rect">
+            <a:avLst/>
+          </a:prstGeom>
+          <a:noFill/>
+        </p:spPr>
+        <p:txBody>
+          <a:bodyPr wrap="none" rtlCol="0">
+            <a:spAutoFit/>
+          </a:bodyPr>
+          <a:lstStyle/>
+          <a:p>
+            <a:r>
+              <a:rPr lang="is-IS" dirty="0"/>
+              <a:t>[</a:t>
+            </a:r>
+            <a:r>
+              <a:rPr lang="is-IS" dirty="0" smtClean="0"/>
+              <a:t>255,255,255,255,255,255,255,255,</a:t>
+            </a:r>
+          </a:p>
+          <a:p>
+            <a:r>
+              <a:rPr lang="is-IS" dirty="0" smtClean="0"/>
+              <a:t>255,255,255,255,255,255,255,255,</a:t>
+            </a:r>
+          </a:p>
+          <a:p>
+            <a:r>
+              <a:rPr lang="is-IS" dirty="0" smtClean="0"/>
+              <a:t>255,255,255,255,255,255,255,255,</a:t>
+            </a:r>
+          </a:p>
+          <a:p>
+            <a:r>
+              <a:rPr lang="is-IS" dirty="0" smtClean="0"/>
+              <a:t>255,255,255,255,192,208,255,255,</a:t>
+            </a:r>
+          </a:p>
+          <a:p>
+            <a:r>
+              <a:rPr lang="is-IS" dirty="0" smtClean="0"/>
+              <a:t>255,255,255,255,255,255,255,255,</a:t>
+            </a:r>
+          </a:p>
+          <a:p>
+            <a:r>
+              <a:rPr lang="is-IS" dirty="0" smtClean="0"/>
+              <a:t>255,255,255,255,255,255,255,112,</a:t>
+            </a:r>
+          </a:p>
+          <a:p>
+            <a:r>
+              <a:rPr lang="is-IS" dirty="0" smtClean="0"/>
+              <a:t>0,0,16,80,160,255,255,255,255,255,</a:t>
+            </a:r>
+          </a:p>
+          <a:p>
+            <a:r>
+              <a:rPr lang="is-IS" dirty="0" smtClean="0"/>
+              <a:t>255,255,255,255,255,255,255,240,</a:t>
+            </a:r>
+          </a:p>
+          <a:p>
+            <a:r>
+              <a:rPr lang="is-IS" dirty="0" smtClean="0"/>
+              <a:t>96,0,0,0,0,0,0,80,255,255,255,255,</a:t>
+            </a:r>
+          </a:p>
+          <a:p>
+            <a:r>
+              <a:rPr lang="is-IS" dirty="0" smtClean="0"/>
+              <a:t>255,255,255,255,255,255,255,64,0,</a:t>
+            </a:r>
+          </a:p>
+          <a:p>
+            <a:r>
+              <a:rPr lang="is-IS" dirty="0" smtClean="0"/>
+              <a:t>48,176,255,208,144,32,0,128,255,</a:t>
+            </a:r>
+          </a:p>
+          <a:p>
+            <a:r>
+              <a:rPr lang="is-IS" dirty="0" smtClean="0"/>
+              <a:t>255,255,255,255,255,255,255,255,</a:t>
+            </a:r>
+          </a:p>
+          <a:p>
+            <a:r>
+              <a:rPr lang="is-IS" dirty="0" smtClean="0"/>
+              <a:t>160,0,80,255,255, 255,255,255,224,</a:t>
+            </a:r>
+          </a:p>
+          <a:p>
+            <a:r>
+              <a:rPr lang="is-IS" dirty="0" smtClean="0"/>
+              <a:t>0,0,255,255, 255,255,255,255,255,</a:t>
+            </a:r>
+          </a:p>
+          <a:p>
+            <a:r>
+              <a:rPr lang="is-IS" dirty="0" smtClean="0"/>
+              <a:t>255,240,16,0,224,255,255,255,255,</a:t>
+            </a:r>
+          </a:p>
+          <a:p>
+            <a:r>
+              <a:rPr lang="is-IS" dirty="0" smtClean="0"/>
+              <a:t>255,255,48,0,192,255,</a:t>
+            </a:r>
+          </a:p>
+          <a:p>
+            <a:r>
+              <a:rPr lang="is-IS" dirty="0" smtClean="0"/>
+              <a:t>...</a:t>
+            </a:r>
+          </a:p>
+          <a:p>
+            <a:r>
+              <a:rPr lang="is-IS" dirty="0" smtClean="0"/>
+              <a:t>...</a:t>
+            </a:r>
+          </a:p>
+          <a:p>
+            <a:r>
+              <a:rPr lang="is-IS" dirty="0" smtClean="0"/>
+              <a:t>...</a:t>
+            </a:r>
+          </a:p>
+          <a:p>
+            <a:r>
+              <a:rPr lang="is-IS" dirty="0" smtClean="0"/>
+              <a:t>255,255,255,255,255,255,255,255,</a:t>
+            </a:r>
+          </a:p>
+          <a:p>
+            <a:r>
+              <a:rPr lang="is-IS" dirty="0" smtClean="0"/>
+              <a:t>255,255,255,255,255,255,255,255,</a:t>
+            </a:r>
+          </a:p>
+          <a:p>
+            <a:r>
+              <a:rPr lang="is-IS" dirty="0" smtClean="0"/>
+              <a:t>255,255,255,255,255,255,255,255</a:t>
+            </a:r>
+            <a:r>
+              <a:rPr lang="is-IS" dirty="0"/>
+              <a:t>]</a:t>
+            </a:r>
+            <a:endParaRPr lang="en-US" dirty="0"/>
+          </a:p>
+        </p:txBody>
+      </p:sp>
+      <p:sp>
+        <p:nvSpPr>
+          <p:cNvPr id="17" name="Right Arrow 16"/>
+          <p:cNvSpPr/>
+          <p:nvPr/>
+        </p:nvSpPr>
+        <p:spPr>
+          <a:xfrm>
+            <a:off x="7033668" y="3589873"/>
+            <a:ext cx="675670" cy="279603"/>
+          </a:xfrm>
+          <a:prstGeom prst="rightArrow">
+            <a:avLst/>
+          </a:prstGeom>
+        </p:spPr>
+        <p:style>
+          <a:lnRef idx="2">
+            <a:schemeClr val="accent1">
+              <a:shade val="50000"/>
+            </a:schemeClr>
+          </a:lnRef>
+          <a:fillRef idx="1">
+            <a:schemeClr val="accent1"/>
+          </a:fillRef>
+          <a:effectRef idx="0">
+            <a:schemeClr val="accent1"/>
+          </a:effectRef>
+          <a:fontRef idx="minor">
+            <a:schemeClr val="lt1"/>
+          </a:fontRef>
+        </p:style>
+        <p:txBody>
+          <a:bodyPr rtlCol="0" anchor="ctr"/>
+          <a:lstStyle/>
+          <a:p>
+            <a:pPr algn="ctr"/>
+            <a:endParaRPr lang="en-US">
+              <a:solidFill>
+                <a:schemeClr val="tx1"/>
+              </a:solidFill>
+            </a:endParaRPr>
+          </a:p>
+        </p:txBody>
+      </p:sp>
+    </p:spTree>
+    <p:extLst>
+      <p:ext uri="{BB962C8B-B14F-4D97-AF65-F5344CB8AC3E}">
+        <p14:creationId xmlns:p14="http://schemas.microsoft.com/office/powerpoint/2010/main" val="1381888787"/>
+      </p:ext>
+    </p:extLst>
+  </p:cSld>
+  <p:clrMapOvr>
+    <a:masterClrMapping/>
+  </p:clrMapOvr>
+  <p:timing>
+    <p:tnLst>
+      <p:par>
+        <p:cTn id="1" dur="indefinite" restart="never" nodeType="tmRoot">
+          <p:childTnLst>
+            <p:seq concurrent="1" nextAc="seek">
+              <p:cTn id="2" dur="indefinite" nodeType="mainSeq">
+                <p:childTnLst>
+                  <p:par>
+                    <p:cTn id="3" fill="hold">
+                      <p:stCondLst>
+                        <p:cond delay="indefinite"/>
+                      </p:stCondLst>
+                      <p:childTnLst>
+                        <p:par>
+                          <p:cTn id="4" fill="hold">
+                            <p:stCondLst>
+                              <p:cond delay="0"/>
+                            </p:stCondLst>
+                            <p:childTnLst>
+                              <p:par>
+                                <p:cTn id="5" presetID="5" presetClass="entr" presetSubtype="10" fill="hold" grpId="0" nodeType="clickEffect">
+                                  <p:stCondLst>
+                                    <p:cond delay="0"/>
+                                  </p:stCondLst>
+                                  <p:childTnLst>
+                                    <p:set>
+                                      <p:cBhvr>
+                                        <p:cTn id="6" dur="1" fill="hold">
+                                          <p:stCondLst>
+                                            <p:cond delay="0"/>
+                                          </p:stCondLst>
+                                        </p:cTn>
+                                        <p:tgtEl>
+                                          <p:spTgt spid="6"/>
+                                        </p:tgtEl>
+                                        <p:attrNameLst>
+                                          <p:attrName>style.visibility</p:attrName>
+                                        </p:attrNameLst>
+                                      </p:cBhvr>
+                                      <p:to>
+                                        <p:strVal val="visible"/>
+                                      </p:to>
+                                    </p:set>
+                                    <p:animEffect transition="in" filter="checkerboard(across)">
+                                      <p:cBhvr>
+                                        <p:cTn id="7" dur="500"/>
+                                        <p:tgtEl>
+                                          <p:spTgt spid="6"/>
+                                        </p:tgtEl>
+                                      </p:cBhvr>
+                                    </p:animEffect>
+                                  </p:childTnLst>
+                                </p:cTn>
+                              </p:par>
+                            </p:childTnLst>
+                          </p:cTn>
+                        </p:par>
+                      </p:childTnLst>
+                    </p:cTn>
+                  </p:par>
+                  <p:par>
+                    <p:cTn id="8" fill="hold">
+                      <p:stCondLst>
+                        <p:cond delay="indefinite"/>
+                      </p:stCondLst>
+                      <p:childTnLst>
+                        <p:par>
+                          <p:cTn id="9" fill="hold">
+                            <p:stCondLst>
+                              <p:cond delay="0"/>
+                            </p:stCondLst>
+                            <p:childTnLst>
+                              <p:par>
+                                <p:cTn id="10" presetID="5" presetClass="entr" presetSubtype="10" fill="hold" nodeType="clickEffect">
+                                  <p:stCondLst>
+                                    <p:cond delay="0"/>
+                                  </p:stCondLst>
+                                  <p:childTnLst>
+                                    <p:set>
+                                      <p:cBhvr>
+                                        <p:cTn id="11" dur="1" fill="hold">
+                                          <p:stCondLst>
+                                            <p:cond delay="0"/>
+                                          </p:stCondLst>
+                                        </p:cTn>
+                                        <p:tgtEl>
+                                          <p:spTgt spid="8"/>
+                                        </p:tgtEl>
+                                        <p:attrNameLst>
+                                          <p:attrName>style.visibility</p:attrName>
+                                        </p:attrNameLst>
+                                      </p:cBhvr>
+                                      <p:to>
+                                        <p:strVal val="visible"/>
+                                      </p:to>
+                                    </p:set>
+                                    <p:animEffect transition="in" filter="checkerboard(across)">
+                                      <p:cBhvr>
+                                        <p:cTn id="12" dur="500"/>
+                                        <p:tgtEl>
+                                          <p:spTgt spid="8"/>
+                                        </p:tgtEl>
+                                      </p:cBhvr>
+                                    </p:animEffect>
+                                  </p:childTnLst>
+                                </p:cTn>
+                              </p:par>
+                              <p:par>
+                                <p:cTn id="13" presetID="5" presetClass="entr" presetSubtype="10" fill="hold" nodeType="withEffect">
+                                  <p:stCondLst>
+                                    <p:cond delay="0"/>
+                                  </p:stCondLst>
+                                  <p:childTnLst>
+                                    <p:set>
+                                      <p:cBhvr>
+                                        <p:cTn id="14" dur="1" fill="hold">
+                                          <p:stCondLst>
+                                            <p:cond delay="0"/>
+                                          </p:stCondLst>
+                                        </p:cTn>
+                                        <p:tgtEl>
+                                          <p:spTgt spid="5"/>
+                                        </p:tgtEl>
+                                        <p:attrNameLst>
+                                          <p:attrName>style.visibility</p:attrName>
+                                        </p:attrNameLst>
+                                      </p:cBhvr>
+                                      <p:to>
+                                        <p:strVal val="visible"/>
+                                      </p:to>
+                                    </p:set>
+                                    <p:animEffect transition="in" filter="checkerboard(across)">
+                                      <p:cBhvr>
+                                        <p:cTn id="15" dur="500"/>
+                                        <p:tgtEl>
+                                          <p:spTgt spid="5"/>
+                                        </p:tgtEl>
+                                      </p:cBhvr>
+                                    </p:animEffect>
+                                  </p:childTnLst>
+                                </p:cTn>
+                              </p:par>
+                              <p:par>
+                                <p:cTn id="16" presetID="5" presetClass="entr" presetSubtype="10" fill="hold" grpId="0" nodeType="withEffect">
+                                  <p:stCondLst>
+                                    <p:cond delay="0"/>
+                                  </p:stCondLst>
+                                  <p:childTnLst>
+                                    <p:set>
+                                      <p:cBhvr>
+                                        <p:cTn id="17" dur="1" fill="hold">
+                                          <p:stCondLst>
+                                            <p:cond delay="0"/>
+                                          </p:stCondLst>
+                                        </p:cTn>
+                                        <p:tgtEl>
+                                          <p:spTgt spid="10"/>
+                                        </p:tgtEl>
+                                        <p:attrNameLst>
+                                          <p:attrName>style.visibility</p:attrName>
+                                        </p:attrNameLst>
+                                      </p:cBhvr>
+                                      <p:to>
+                                        <p:strVal val="visible"/>
+                                      </p:to>
+                                    </p:set>
+                                    <p:animEffect transition="in" filter="checkerboard(across)">
+                                      <p:cBhvr>
+                                        <p:cTn id="18" dur="500"/>
+                                        <p:tgtEl>
+                                          <p:spTgt spid="10"/>
+                                        </p:tgtEl>
+                                      </p:cBhvr>
+                                    </p:animEffect>
+                                  </p:childTnLst>
+                                </p:cTn>
+                              </p:par>
+                              <p:par>
+                                <p:cTn id="19" presetID="5" presetClass="entr" presetSubtype="10" fill="hold" grpId="0" nodeType="withEffect">
+                                  <p:stCondLst>
+                                    <p:cond delay="0"/>
+                                  </p:stCondLst>
+                                  <p:childTnLst>
+                                    <p:set>
+                                      <p:cBhvr>
+                                        <p:cTn id="20" dur="1" fill="hold">
+                                          <p:stCondLst>
+                                            <p:cond delay="0"/>
+                                          </p:stCondLst>
+                                        </p:cTn>
+                                        <p:tgtEl>
+                                          <p:spTgt spid="11"/>
+                                        </p:tgtEl>
+                                        <p:attrNameLst>
+                                          <p:attrName>style.visibility</p:attrName>
+                                        </p:attrNameLst>
+                                      </p:cBhvr>
+                                      <p:to>
+                                        <p:strVal val="visible"/>
+                                      </p:to>
+                                    </p:set>
+                                    <p:animEffect transition="in" filter="checkerboard(across)">
+                                      <p:cBhvr>
+                                        <p:cTn id="21" dur="500"/>
+                                        <p:tgtEl>
+                                          <p:spTgt spid="11"/>
+                                        </p:tgtEl>
+                                      </p:cBhvr>
+                                    </p:animEffect>
+                                  </p:childTnLst>
+                                </p:cTn>
+                              </p:par>
+                              <p:par>
+                                <p:cTn id="22" presetID="5" presetClass="entr" presetSubtype="10" fill="hold" grpId="0" nodeType="withEffect">
+                                  <p:stCondLst>
+                                    <p:cond delay="0"/>
+                                  </p:stCondLst>
+                                  <p:childTnLst>
+                                    <p:set>
+                                      <p:cBhvr>
+                                        <p:cTn id="23" dur="1" fill="hold">
+                                          <p:stCondLst>
+                                            <p:cond delay="0"/>
+                                          </p:stCondLst>
+                                        </p:cTn>
+                                        <p:tgtEl>
+                                          <p:spTgt spid="12"/>
+                                        </p:tgtEl>
+                                        <p:attrNameLst>
+                                          <p:attrName>style.visibility</p:attrName>
+                                        </p:attrNameLst>
+                                      </p:cBhvr>
+                                      <p:to>
+                                        <p:strVal val="visible"/>
+                                      </p:to>
+                                    </p:set>
+                                    <p:animEffect transition="in" filter="checkerboard(across)">
+                                      <p:cBhvr>
+                                        <p:cTn id="24" dur="500"/>
+                                        <p:tgtEl>
+                                          <p:spTgt spid="12"/>
+                                        </p:tgtEl>
+                                      </p:cBhvr>
+                                    </p:animEffect>
+                                  </p:childTnLst>
+                                </p:cTn>
+                              </p:par>
+                              <p:par>
+                                <p:cTn id="25" presetID="5" presetClass="entr" presetSubtype="10" fill="hold" grpId="0" nodeType="withEffect">
+                                  <p:stCondLst>
+                                    <p:cond delay="0"/>
+                                  </p:stCondLst>
+                                  <p:childTnLst>
+                                    <p:set>
+                                      <p:cBhvr>
+                                        <p:cTn id="26" dur="1" fill="hold">
+                                          <p:stCondLst>
+                                            <p:cond delay="0"/>
+                                          </p:stCondLst>
+                                        </p:cTn>
+                                        <p:tgtEl>
+                                          <p:spTgt spid="13"/>
+                                        </p:tgtEl>
+                                        <p:attrNameLst>
+                                          <p:attrName>style.visibility</p:attrName>
+                                        </p:attrNameLst>
+                                      </p:cBhvr>
+                                      <p:to>
+                                        <p:strVal val="visible"/>
+                                      </p:to>
+                                    </p:set>
+                                    <p:animEffect transition="in" filter="checkerboard(across)">
+                                      <p:cBhvr>
+                                        <p:cTn id="27" dur="500"/>
+                                        <p:tgtEl>
+                                          <p:spTgt spid="13"/>
+                                        </p:tgtEl>
+                                      </p:cBhvr>
+                                    </p:animEffect>
+                                  </p:childTnLst>
+                                </p:cTn>
+                              </p:par>
+                            </p:childTnLst>
+                          </p:cTn>
+                        </p:par>
+                      </p:childTnLst>
+                    </p:cTn>
+                  </p:par>
+                  <p:par>
+                    <p:cTn id="28" fill="hold">
+                      <p:stCondLst>
+                        <p:cond delay="indefinite"/>
+                      </p:stCondLst>
+                      <p:childTnLst>
+                        <p:par>
+                          <p:cTn id="29" fill="hold">
+                            <p:stCondLst>
+                              <p:cond delay="0"/>
+                            </p:stCondLst>
+                            <p:childTnLst>
+                              <p:par>
+                                <p:cTn id="30" presetID="5" presetClass="entr" presetSubtype="10" fill="hold" grpId="0" nodeType="clickEffect">
+                                  <p:stCondLst>
+                                    <p:cond delay="0"/>
+                                  </p:stCondLst>
+                                  <p:childTnLst>
+                                    <p:set>
+                                      <p:cBhvr>
+                                        <p:cTn id="31" dur="1" fill="hold">
+                                          <p:stCondLst>
+                                            <p:cond delay="0"/>
+                                          </p:stCondLst>
+                                        </p:cTn>
+                                        <p:tgtEl>
+                                          <p:spTgt spid="17"/>
+                                        </p:tgtEl>
+                                        <p:attrNameLst>
+                                          <p:attrName>style.visibility</p:attrName>
+                                        </p:attrNameLst>
+                                      </p:cBhvr>
+                                      <p:to>
+                                        <p:strVal val="visible"/>
+                                      </p:to>
+                                    </p:set>
+                                    <p:animEffect transition="in" filter="checkerboard(across)">
+                                      <p:cBhvr>
+                                        <p:cTn id="32" dur="500"/>
+                                        <p:tgtEl>
+                                          <p:spTgt spid="17"/>
+                                        </p:tgtEl>
+                                      </p:cBhvr>
+                                    </p:animEffect>
+                                  </p:childTnLst>
+                                </p:cTn>
+                              </p:par>
+                              <p:par>
+                                <p:cTn id="33" presetID="5" presetClass="entr" presetSubtype="10" fill="hold" grpId="0" nodeType="withEffect">
+                                  <p:stCondLst>
+                                    <p:cond delay="0"/>
+                                  </p:stCondLst>
+                                  <p:childTnLst>
+                                    <p:set>
+                                      <p:cBhvr>
+                                        <p:cTn id="34" dur="1" fill="hold">
+                                          <p:stCondLst>
+                                            <p:cond delay="0"/>
+                                          </p:stCondLst>
+                                        </p:cTn>
+                                        <p:tgtEl>
+                                          <p:spTgt spid="15"/>
+                                        </p:tgtEl>
+                                        <p:attrNameLst>
+                                          <p:attrName>style.visibility</p:attrName>
+                                        </p:attrNameLst>
+                                      </p:cBhvr>
+                                      <p:to>
+                                        <p:strVal val="visible"/>
+                                      </p:to>
+                                    </p:set>
+                                    <p:animEffect transition="in" filter="checkerboard(across)">
+                                      <p:cBhvr>
+                                        <p:cTn id="35" dur="500"/>
+                                        <p:tgtEl>
+                                          <p:spTgt spid="15"/>
+                                        </p:tgtEl>
+                                      </p:cBhvr>
+                                    </p:animEffect>
+                                  </p:childTnLst>
+                                </p:cTn>
+                              </p:par>
+                            </p:childTnLst>
+                          </p:cTn>
+                        </p:par>
+                      </p:childTnLst>
+                    </p:cTn>
+                  </p:par>
+                </p:childTnLst>
+              </p:cTn>
+              <p:prevCondLst>
+                <p:cond evt="onPrev" delay="0">
+                  <p:tgtEl>
+                    <p:sldTgt/>
+                  </p:tgtEl>
+                </p:cond>
+              </p:prevCondLst>
+              <p:nextCondLst>
+                <p:cond evt="onNext" delay="0">
+                  <p:tgtEl>
+                    <p:sldTgt/>
+                  </p:tgtEl>
+                </p:cond>
+              </p:nextCondLst>
+            </p:seq>
+          </p:childTnLst>
+        </p:cTn>
+      </p:par>
+    </p:tnLst>
+    <p:bldLst>
+      <p:bldP spid="6" grpId="0" animBg="1"/>
+      <p:bldP spid="10" grpId="0" animBg="1"/>
+      <p:bldP spid="11" grpId="0"/>
+      <p:bldP spid="12" grpId="0" animBg="1"/>
+      <p:bldP spid="13" grpId="0"/>
+      <p:bldP spid="15" grpId="0"/>
+      <p:bldP spid="17" grpId="0" animBg="1"/>
+    </p:bldLst>
+  </p:timing>
+</p:sld>
+</file>
+
 <file path=ppt/slides/slide2.xml><?xml version="1.0" encoding="utf-8"?>
 <p:sld xmlns:a="http://schemas.openxmlformats.org/drawingml/2006/main" xmlns:r="http://schemas.openxmlformats.org/officeDocument/2006/relationships" xmlns:p="http://schemas.openxmlformats.org/presentationml/2006/main">
   <p:cSld>
@@ -8175,6 +9201,7366 @@
       <p:bldP spid="12" grpId="0" animBg="1"/>
       <p:bldP spid="13" grpId="0" animBg="1"/>
     </p:bldLst>
+  </p:timing>
+</p:sld>
+</file>
+
+<file path=ppt/slides/slide20.xml><?xml version="1.0" encoding="utf-8"?>
+<p:sld xmlns:a="http://schemas.openxmlformats.org/drawingml/2006/main" xmlns:r="http://schemas.openxmlformats.org/officeDocument/2006/relationships" xmlns:p="http://schemas.openxmlformats.org/presentationml/2006/main">
+  <p:cSld>
+    <p:spTree>
+      <p:nvGrpSpPr>
+        <p:cNvPr id="1" name=""/>
+        <p:cNvGrpSpPr/>
+        <p:nvPr/>
+      </p:nvGrpSpPr>
+      <p:grpSpPr>
+        <a:xfrm>
+          <a:off x="0" y="0"/>
+          <a:ext cx="0" cy="0"/>
+          <a:chOff x="0" y="0"/>
+          <a:chExt cx="0" cy="0"/>
+        </a:xfrm>
+      </p:grpSpPr>
+      <p:sp>
+        <p:nvSpPr>
+          <p:cNvPr id="2" name="Title 1"/>
+          <p:cNvSpPr>
+            <a:spLocks noGrp="1"/>
+          </p:cNvSpPr>
+          <p:nvPr>
+            <p:ph type="title"/>
+          </p:nvPr>
+        </p:nvSpPr>
+        <p:spPr/>
+        <p:txBody>
+          <a:bodyPr/>
+          <a:lstStyle/>
+          <a:p>
+            <a:r>
+              <a:rPr lang="zh-CN" altLang="en-US" dirty="0" smtClean="0"/>
+              <a:t>数据对应</a:t>
+            </a:r>
+            <a:endParaRPr lang="en-US" dirty="0"/>
+          </a:p>
+        </p:txBody>
+      </p:sp>
+      <p:pic>
+        <p:nvPicPr>
+          <p:cNvPr id="4" name="Picture 3"/>
+          <p:cNvPicPr>
+            <a:picLocks noChangeAspect="1"/>
+          </p:cNvPicPr>
+          <p:nvPr/>
+        </p:nvPicPr>
+        <p:blipFill>
+          <a:blip r:embed="rId2">
+            <a:extLst>
+              <a:ext uri="{28A0092B-C50C-407E-A947-70E740481C1C}">
+                <a14:useLocalDpi xmlns:a14="http://schemas.microsoft.com/office/drawing/2010/main" val="0"/>
+              </a:ext>
+            </a:extLst>
+          </a:blip>
+          <a:stretch>
+            <a:fillRect/>
+          </a:stretch>
+        </p:blipFill>
+        <p:spPr>
+          <a:xfrm>
+            <a:off x="1752600" y="2981639"/>
+            <a:ext cx="2542032" cy="2542032"/>
+          </a:xfrm>
+          <a:prstGeom prst="rect">
+            <a:avLst/>
+          </a:prstGeom>
+        </p:spPr>
+      </p:pic>
+      <p:sp>
+        <p:nvSpPr>
+          <p:cNvPr id="8" name="Frame 7"/>
+          <p:cNvSpPr/>
+          <p:nvPr/>
+        </p:nvSpPr>
+        <p:spPr>
+          <a:xfrm>
+            <a:off x="1752600" y="2967199"/>
+            <a:ext cx="2542032" cy="235157"/>
+          </a:xfrm>
+          <a:prstGeom prst="frame">
+            <a:avLst/>
+          </a:prstGeom>
+        </p:spPr>
+        <p:style>
+          <a:lnRef idx="2">
+            <a:schemeClr val="accent1">
+              <a:shade val="50000"/>
+            </a:schemeClr>
+          </a:lnRef>
+          <a:fillRef idx="1">
+            <a:schemeClr val="accent1"/>
+          </a:fillRef>
+          <a:effectRef idx="0">
+            <a:schemeClr val="accent1"/>
+          </a:effectRef>
+          <a:fontRef idx="minor">
+            <a:schemeClr val="lt1"/>
+          </a:fontRef>
+        </p:style>
+        <p:txBody>
+          <a:bodyPr rtlCol="0" anchor="ctr"/>
+          <a:lstStyle/>
+          <a:p>
+            <a:pPr algn="ctr"/>
+            <a:endParaRPr lang="en-US">
+              <a:solidFill>
+                <a:schemeClr val="tx1"/>
+              </a:solidFill>
+            </a:endParaRPr>
+          </a:p>
+        </p:txBody>
+      </p:sp>
+      <p:sp>
+        <p:nvSpPr>
+          <p:cNvPr id="9" name="Frame 8"/>
+          <p:cNvSpPr/>
+          <p:nvPr/>
+        </p:nvSpPr>
+        <p:spPr>
+          <a:xfrm>
+            <a:off x="1752600" y="3221527"/>
+            <a:ext cx="2542032" cy="236483"/>
+          </a:xfrm>
+          <a:prstGeom prst="frame">
+            <a:avLst/>
+          </a:prstGeom>
+        </p:spPr>
+        <p:style>
+          <a:lnRef idx="2">
+            <a:schemeClr val="accent1">
+              <a:shade val="50000"/>
+            </a:schemeClr>
+          </a:lnRef>
+          <a:fillRef idx="1">
+            <a:schemeClr val="accent1"/>
+          </a:fillRef>
+          <a:effectRef idx="0">
+            <a:schemeClr val="accent1"/>
+          </a:effectRef>
+          <a:fontRef idx="minor">
+            <a:schemeClr val="lt1"/>
+          </a:fontRef>
+        </p:style>
+        <p:txBody>
+          <a:bodyPr rtlCol="0" anchor="ctr"/>
+          <a:lstStyle/>
+          <a:p>
+            <a:pPr algn="ctr"/>
+            <a:endParaRPr lang="en-US">
+              <a:solidFill>
+                <a:schemeClr val="tx1"/>
+              </a:solidFill>
+            </a:endParaRPr>
+          </a:p>
+        </p:txBody>
+      </p:sp>
+      <p:sp>
+        <p:nvSpPr>
+          <p:cNvPr id="10" name="Frame 9"/>
+          <p:cNvSpPr/>
+          <p:nvPr/>
+        </p:nvSpPr>
+        <p:spPr>
+          <a:xfrm>
+            <a:off x="1752600" y="3477181"/>
+            <a:ext cx="2542032" cy="236483"/>
+          </a:xfrm>
+          <a:prstGeom prst="frame">
+            <a:avLst/>
+          </a:prstGeom>
+        </p:spPr>
+        <p:style>
+          <a:lnRef idx="2">
+            <a:schemeClr val="accent1">
+              <a:shade val="50000"/>
+            </a:schemeClr>
+          </a:lnRef>
+          <a:fillRef idx="1">
+            <a:schemeClr val="accent1"/>
+          </a:fillRef>
+          <a:effectRef idx="0">
+            <a:schemeClr val="accent1"/>
+          </a:effectRef>
+          <a:fontRef idx="minor">
+            <a:schemeClr val="lt1"/>
+          </a:fontRef>
+        </p:style>
+        <p:txBody>
+          <a:bodyPr rtlCol="0" anchor="ctr"/>
+          <a:lstStyle/>
+          <a:p>
+            <a:pPr algn="ctr"/>
+            <a:endParaRPr lang="en-US">
+              <a:solidFill>
+                <a:schemeClr val="tx1"/>
+              </a:solidFill>
+            </a:endParaRPr>
+          </a:p>
+        </p:txBody>
+      </p:sp>
+      <p:sp>
+        <p:nvSpPr>
+          <p:cNvPr id="11" name="Frame 10"/>
+          <p:cNvSpPr/>
+          <p:nvPr/>
+        </p:nvSpPr>
+        <p:spPr>
+          <a:xfrm>
+            <a:off x="1752600" y="3732835"/>
+            <a:ext cx="2542032" cy="236483"/>
+          </a:xfrm>
+          <a:prstGeom prst="frame">
+            <a:avLst/>
+          </a:prstGeom>
+        </p:spPr>
+        <p:style>
+          <a:lnRef idx="2">
+            <a:schemeClr val="accent1">
+              <a:shade val="50000"/>
+            </a:schemeClr>
+          </a:lnRef>
+          <a:fillRef idx="1">
+            <a:schemeClr val="accent1"/>
+          </a:fillRef>
+          <a:effectRef idx="0">
+            <a:schemeClr val="accent1"/>
+          </a:effectRef>
+          <a:fontRef idx="minor">
+            <a:schemeClr val="lt1"/>
+          </a:fontRef>
+        </p:style>
+        <p:txBody>
+          <a:bodyPr rtlCol="0" anchor="ctr"/>
+          <a:lstStyle/>
+          <a:p>
+            <a:pPr algn="ctr"/>
+            <a:endParaRPr lang="en-US">
+              <a:solidFill>
+                <a:schemeClr val="tx1"/>
+              </a:solidFill>
+            </a:endParaRPr>
+          </a:p>
+        </p:txBody>
+      </p:sp>
+      <p:sp>
+        <p:nvSpPr>
+          <p:cNvPr id="12" name="Frame 11"/>
+          <p:cNvSpPr/>
+          <p:nvPr/>
+        </p:nvSpPr>
+        <p:spPr>
+          <a:xfrm>
+            <a:off x="1752600" y="3988489"/>
+            <a:ext cx="2542032" cy="236483"/>
+          </a:xfrm>
+          <a:prstGeom prst="frame">
+            <a:avLst/>
+          </a:prstGeom>
+        </p:spPr>
+        <p:style>
+          <a:lnRef idx="2">
+            <a:schemeClr val="accent1">
+              <a:shade val="50000"/>
+            </a:schemeClr>
+          </a:lnRef>
+          <a:fillRef idx="1">
+            <a:schemeClr val="accent1"/>
+          </a:fillRef>
+          <a:effectRef idx="0">
+            <a:schemeClr val="accent1"/>
+          </a:effectRef>
+          <a:fontRef idx="minor">
+            <a:schemeClr val="lt1"/>
+          </a:fontRef>
+        </p:style>
+        <p:txBody>
+          <a:bodyPr rtlCol="0" anchor="ctr"/>
+          <a:lstStyle/>
+          <a:p>
+            <a:pPr algn="ctr"/>
+            <a:endParaRPr lang="en-US">
+              <a:solidFill>
+                <a:schemeClr val="tx1"/>
+              </a:solidFill>
+            </a:endParaRPr>
+          </a:p>
+        </p:txBody>
+      </p:sp>
+      <p:sp>
+        <p:nvSpPr>
+          <p:cNvPr id="13" name="Frame 12"/>
+          <p:cNvSpPr/>
+          <p:nvPr/>
+        </p:nvSpPr>
+        <p:spPr>
+          <a:xfrm>
+            <a:off x="1752600" y="4244143"/>
+            <a:ext cx="2542032" cy="236483"/>
+          </a:xfrm>
+          <a:prstGeom prst="frame">
+            <a:avLst/>
+          </a:prstGeom>
+        </p:spPr>
+        <p:style>
+          <a:lnRef idx="2">
+            <a:schemeClr val="accent1">
+              <a:shade val="50000"/>
+            </a:schemeClr>
+          </a:lnRef>
+          <a:fillRef idx="1">
+            <a:schemeClr val="accent1"/>
+          </a:fillRef>
+          <a:effectRef idx="0">
+            <a:schemeClr val="accent1"/>
+          </a:effectRef>
+          <a:fontRef idx="minor">
+            <a:schemeClr val="lt1"/>
+          </a:fontRef>
+        </p:style>
+        <p:txBody>
+          <a:bodyPr rtlCol="0" anchor="ctr"/>
+          <a:lstStyle/>
+          <a:p>
+            <a:pPr algn="ctr"/>
+            <a:endParaRPr lang="en-US">
+              <a:solidFill>
+                <a:schemeClr val="tx1"/>
+              </a:solidFill>
+            </a:endParaRPr>
+          </a:p>
+        </p:txBody>
+      </p:sp>
+      <p:sp>
+        <p:nvSpPr>
+          <p:cNvPr id="14" name="Frame 13"/>
+          <p:cNvSpPr/>
+          <p:nvPr/>
+        </p:nvSpPr>
+        <p:spPr>
+          <a:xfrm>
+            <a:off x="1752600" y="4499797"/>
+            <a:ext cx="2542032" cy="236483"/>
+          </a:xfrm>
+          <a:prstGeom prst="frame">
+            <a:avLst/>
+          </a:prstGeom>
+        </p:spPr>
+        <p:style>
+          <a:lnRef idx="2">
+            <a:schemeClr val="accent1">
+              <a:shade val="50000"/>
+            </a:schemeClr>
+          </a:lnRef>
+          <a:fillRef idx="1">
+            <a:schemeClr val="accent1"/>
+          </a:fillRef>
+          <a:effectRef idx="0">
+            <a:schemeClr val="accent1"/>
+          </a:effectRef>
+          <a:fontRef idx="minor">
+            <a:schemeClr val="lt1"/>
+          </a:fontRef>
+        </p:style>
+        <p:txBody>
+          <a:bodyPr rtlCol="0" anchor="ctr"/>
+          <a:lstStyle/>
+          <a:p>
+            <a:pPr algn="ctr"/>
+            <a:endParaRPr lang="en-US">
+              <a:solidFill>
+                <a:schemeClr val="tx1"/>
+              </a:solidFill>
+            </a:endParaRPr>
+          </a:p>
+        </p:txBody>
+      </p:sp>
+      <p:sp>
+        <p:nvSpPr>
+          <p:cNvPr id="15" name="Frame 14"/>
+          <p:cNvSpPr/>
+          <p:nvPr/>
+        </p:nvSpPr>
+        <p:spPr>
+          <a:xfrm>
+            <a:off x="1752600" y="4755451"/>
+            <a:ext cx="2542032" cy="236483"/>
+          </a:xfrm>
+          <a:prstGeom prst="frame">
+            <a:avLst/>
+          </a:prstGeom>
+        </p:spPr>
+        <p:style>
+          <a:lnRef idx="2">
+            <a:schemeClr val="accent1">
+              <a:shade val="50000"/>
+            </a:schemeClr>
+          </a:lnRef>
+          <a:fillRef idx="1">
+            <a:schemeClr val="accent1"/>
+          </a:fillRef>
+          <a:effectRef idx="0">
+            <a:schemeClr val="accent1"/>
+          </a:effectRef>
+          <a:fontRef idx="minor">
+            <a:schemeClr val="lt1"/>
+          </a:fontRef>
+        </p:style>
+        <p:txBody>
+          <a:bodyPr rtlCol="0" anchor="ctr"/>
+          <a:lstStyle/>
+          <a:p>
+            <a:pPr algn="ctr"/>
+            <a:endParaRPr lang="en-US">
+              <a:solidFill>
+                <a:schemeClr val="tx1"/>
+              </a:solidFill>
+            </a:endParaRPr>
+          </a:p>
+        </p:txBody>
+      </p:sp>
+      <p:sp>
+        <p:nvSpPr>
+          <p:cNvPr id="16" name="Frame 15"/>
+          <p:cNvSpPr/>
+          <p:nvPr/>
+        </p:nvSpPr>
+        <p:spPr>
+          <a:xfrm>
+            <a:off x="1752600" y="5011105"/>
+            <a:ext cx="2542032" cy="236483"/>
+          </a:xfrm>
+          <a:prstGeom prst="frame">
+            <a:avLst/>
+          </a:prstGeom>
+        </p:spPr>
+        <p:style>
+          <a:lnRef idx="2">
+            <a:schemeClr val="accent1">
+              <a:shade val="50000"/>
+            </a:schemeClr>
+          </a:lnRef>
+          <a:fillRef idx="1">
+            <a:schemeClr val="accent1"/>
+          </a:fillRef>
+          <a:effectRef idx="0">
+            <a:schemeClr val="accent1"/>
+          </a:effectRef>
+          <a:fontRef idx="minor">
+            <a:schemeClr val="lt1"/>
+          </a:fontRef>
+        </p:style>
+        <p:txBody>
+          <a:bodyPr rtlCol="0" anchor="ctr"/>
+          <a:lstStyle/>
+          <a:p>
+            <a:pPr algn="ctr"/>
+            <a:endParaRPr lang="en-US">
+              <a:solidFill>
+                <a:schemeClr val="tx1"/>
+              </a:solidFill>
+            </a:endParaRPr>
+          </a:p>
+        </p:txBody>
+      </p:sp>
+      <p:sp>
+        <p:nvSpPr>
+          <p:cNvPr id="17" name="Frame 16"/>
+          <p:cNvSpPr/>
+          <p:nvPr/>
+        </p:nvSpPr>
+        <p:spPr>
+          <a:xfrm>
+            <a:off x="1752600" y="5266757"/>
+            <a:ext cx="2542032" cy="236483"/>
+          </a:xfrm>
+          <a:prstGeom prst="frame">
+            <a:avLst/>
+          </a:prstGeom>
+        </p:spPr>
+        <p:style>
+          <a:lnRef idx="2">
+            <a:schemeClr val="accent1">
+              <a:shade val="50000"/>
+            </a:schemeClr>
+          </a:lnRef>
+          <a:fillRef idx="1">
+            <a:schemeClr val="accent1"/>
+          </a:fillRef>
+          <a:effectRef idx="0">
+            <a:schemeClr val="accent1"/>
+          </a:effectRef>
+          <a:fontRef idx="minor">
+            <a:schemeClr val="lt1"/>
+          </a:fontRef>
+        </p:style>
+        <p:txBody>
+          <a:bodyPr rtlCol="0" anchor="ctr"/>
+          <a:lstStyle/>
+          <a:p>
+            <a:pPr algn="ctr"/>
+            <a:endParaRPr lang="en-US">
+              <a:solidFill>
+                <a:schemeClr val="tx1"/>
+              </a:solidFill>
+            </a:endParaRPr>
+          </a:p>
+        </p:txBody>
+      </p:sp>
+      <p:sp>
+        <p:nvSpPr>
+          <p:cNvPr id="18" name="TextBox 17"/>
+          <p:cNvSpPr txBox="1"/>
+          <p:nvPr/>
+        </p:nvSpPr>
+        <p:spPr>
+          <a:xfrm>
+            <a:off x="6074887" y="1690688"/>
+            <a:ext cx="1871025" cy="369332"/>
+          </a:xfrm>
+          <a:prstGeom prst="rect">
+            <a:avLst/>
+          </a:prstGeom>
+          <a:noFill/>
+        </p:spPr>
+        <p:txBody>
+          <a:bodyPr wrap="none" rtlCol="0">
+            <a:spAutoFit/>
+          </a:bodyPr>
+          <a:lstStyle/>
+          <a:p>
+            <a:r>
+              <a:rPr lang="en-US" dirty="0" smtClean="0"/>
+              <a:t>[[</a:t>
+            </a:r>
+            <a:r>
+              <a:rPr lang="mr-IN" dirty="0" smtClean="0"/>
+              <a:t>…</a:t>
+            </a:r>
+            <a:r>
+              <a:rPr lang="en-US" dirty="0" smtClean="0"/>
+              <a:t>],[</a:t>
+            </a:r>
+            <a:r>
+              <a:rPr lang="mr-IN" dirty="0" smtClean="0"/>
+              <a:t>…</a:t>
+            </a:r>
+            <a:r>
+              <a:rPr lang="en-US" dirty="0" smtClean="0"/>
+              <a:t>],[</a:t>
+            </a:r>
+            <a:r>
+              <a:rPr lang="mr-IN" dirty="0" smtClean="0"/>
+              <a:t>…</a:t>
+            </a:r>
+            <a:r>
+              <a:rPr lang="en-US" dirty="0" smtClean="0"/>
+              <a:t>],</a:t>
+            </a:r>
+            <a:r>
+              <a:rPr lang="mr-IN" dirty="0" smtClean="0"/>
+              <a:t>…</a:t>
+            </a:r>
+            <a:r>
+              <a:rPr lang="en-US" dirty="0" smtClean="0"/>
+              <a:t>[</a:t>
+            </a:r>
+            <a:r>
+              <a:rPr lang="mr-IN" dirty="0" smtClean="0"/>
+              <a:t>…</a:t>
+            </a:r>
+            <a:r>
+              <a:rPr lang="en-US" dirty="0" smtClean="0"/>
+              <a:t>]]</a:t>
+            </a:r>
+            <a:endParaRPr lang="en-US" dirty="0"/>
+          </a:p>
+        </p:txBody>
+      </p:sp>
+      <p:sp>
+        <p:nvSpPr>
+          <p:cNvPr id="19" name="TextBox 18"/>
+          <p:cNvSpPr txBox="1"/>
+          <p:nvPr/>
+        </p:nvSpPr>
+        <p:spPr>
+          <a:xfrm>
+            <a:off x="6074887" y="2212702"/>
+            <a:ext cx="1871025" cy="369332"/>
+          </a:xfrm>
+          <a:prstGeom prst="rect">
+            <a:avLst/>
+          </a:prstGeom>
+          <a:noFill/>
+        </p:spPr>
+        <p:txBody>
+          <a:bodyPr wrap="none" rtlCol="0">
+            <a:spAutoFit/>
+          </a:bodyPr>
+          <a:lstStyle/>
+          <a:p>
+            <a:r>
+              <a:rPr lang="en-US" smtClean="0"/>
+              <a:t>[[</a:t>
+            </a:r>
+            <a:r>
+              <a:rPr lang="mr-IN" smtClean="0"/>
+              <a:t>…</a:t>
+            </a:r>
+            <a:r>
+              <a:rPr lang="en-US" smtClean="0"/>
+              <a:t>],[</a:t>
+            </a:r>
+            <a:r>
+              <a:rPr lang="mr-IN" smtClean="0"/>
+              <a:t>…</a:t>
+            </a:r>
+            <a:r>
+              <a:rPr lang="en-US" smtClean="0"/>
+              <a:t>],[</a:t>
+            </a:r>
+            <a:r>
+              <a:rPr lang="mr-IN" smtClean="0"/>
+              <a:t>…</a:t>
+            </a:r>
+            <a:r>
+              <a:rPr lang="en-US" smtClean="0"/>
+              <a:t>],</a:t>
+            </a:r>
+            <a:r>
+              <a:rPr lang="mr-IN" smtClean="0"/>
+              <a:t>…</a:t>
+            </a:r>
+            <a:r>
+              <a:rPr lang="en-US" smtClean="0"/>
+              <a:t>[</a:t>
+            </a:r>
+            <a:r>
+              <a:rPr lang="mr-IN" smtClean="0"/>
+              <a:t>…</a:t>
+            </a:r>
+            <a:r>
+              <a:rPr lang="en-US" smtClean="0"/>
+              <a:t>]]</a:t>
+            </a:r>
+            <a:endParaRPr lang="en-US"/>
+          </a:p>
+        </p:txBody>
+      </p:sp>
+      <p:sp>
+        <p:nvSpPr>
+          <p:cNvPr id="20" name="TextBox 19"/>
+          <p:cNvSpPr txBox="1"/>
+          <p:nvPr/>
+        </p:nvSpPr>
+        <p:spPr>
+          <a:xfrm>
+            <a:off x="6074887" y="2734716"/>
+            <a:ext cx="1871025" cy="369332"/>
+          </a:xfrm>
+          <a:prstGeom prst="rect">
+            <a:avLst/>
+          </a:prstGeom>
+          <a:noFill/>
+        </p:spPr>
+        <p:txBody>
+          <a:bodyPr wrap="none" rtlCol="0">
+            <a:spAutoFit/>
+          </a:bodyPr>
+          <a:lstStyle/>
+          <a:p>
+            <a:r>
+              <a:rPr lang="en-US" smtClean="0"/>
+              <a:t>[[</a:t>
+            </a:r>
+            <a:r>
+              <a:rPr lang="mr-IN" smtClean="0"/>
+              <a:t>…</a:t>
+            </a:r>
+            <a:r>
+              <a:rPr lang="en-US" smtClean="0"/>
+              <a:t>],[</a:t>
+            </a:r>
+            <a:r>
+              <a:rPr lang="mr-IN" smtClean="0"/>
+              <a:t>…</a:t>
+            </a:r>
+            <a:r>
+              <a:rPr lang="en-US" smtClean="0"/>
+              <a:t>],[</a:t>
+            </a:r>
+            <a:r>
+              <a:rPr lang="mr-IN" smtClean="0"/>
+              <a:t>…</a:t>
+            </a:r>
+            <a:r>
+              <a:rPr lang="en-US" smtClean="0"/>
+              <a:t>],</a:t>
+            </a:r>
+            <a:r>
+              <a:rPr lang="mr-IN" smtClean="0"/>
+              <a:t>…</a:t>
+            </a:r>
+            <a:r>
+              <a:rPr lang="en-US" smtClean="0"/>
+              <a:t>[</a:t>
+            </a:r>
+            <a:r>
+              <a:rPr lang="mr-IN" smtClean="0"/>
+              <a:t>…</a:t>
+            </a:r>
+            <a:r>
+              <a:rPr lang="en-US" smtClean="0"/>
+              <a:t>]]</a:t>
+            </a:r>
+            <a:endParaRPr lang="en-US"/>
+          </a:p>
+        </p:txBody>
+      </p:sp>
+      <p:sp>
+        <p:nvSpPr>
+          <p:cNvPr id="21" name="TextBox 20"/>
+          <p:cNvSpPr txBox="1"/>
+          <p:nvPr/>
+        </p:nvSpPr>
+        <p:spPr>
+          <a:xfrm>
+            <a:off x="6074887" y="3256730"/>
+            <a:ext cx="1871025" cy="369332"/>
+          </a:xfrm>
+          <a:prstGeom prst="rect">
+            <a:avLst/>
+          </a:prstGeom>
+          <a:noFill/>
+        </p:spPr>
+        <p:txBody>
+          <a:bodyPr wrap="none" rtlCol="0">
+            <a:spAutoFit/>
+          </a:bodyPr>
+          <a:lstStyle/>
+          <a:p>
+            <a:r>
+              <a:rPr lang="en-US" smtClean="0"/>
+              <a:t>[[</a:t>
+            </a:r>
+            <a:r>
+              <a:rPr lang="mr-IN" smtClean="0"/>
+              <a:t>…</a:t>
+            </a:r>
+            <a:r>
+              <a:rPr lang="en-US" smtClean="0"/>
+              <a:t>],[</a:t>
+            </a:r>
+            <a:r>
+              <a:rPr lang="mr-IN" smtClean="0"/>
+              <a:t>…</a:t>
+            </a:r>
+            <a:r>
+              <a:rPr lang="en-US" smtClean="0"/>
+              <a:t>],[</a:t>
+            </a:r>
+            <a:r>
+              <a:rPr lang="mr-IN" smtClean="0"/>
+              <a:t>…</a:t>
+            </a:r>
+            <a:r>
+              <a:rPr lang="en-US" smtClean="0"/>
+              <a:t>],</a:t>
+            </a:r>
+            <a:r>
+              <a:rPr lang="mr-IN" smtClean="0"/>
+              <a:t>…</a:t>
+            </a:r>
+            <a:r>
+              <a:rPr lang="en-US" smtClean="0"/>
+              <a:t>[</a:t>
+            </a:r>
+            <a:r>
+              <a:rPr lang="mr-IN" smtClean="0"/>
+              <a:t>…</a:t>
+            </a:r>
+            <a:r>
+              <a:rPr lang="en-US" smtClean="0"/>
+              <a:t>]]</a:t>
+            </a:r>
+            <a:endParaRPr lang="en-US"/>
+          </a:p>
+        </p:txBody>
+      </p:sp>
+      <p:sp>
+        <p:nvSpPr>
+          <p:cNvPr id="22" name="TextBox 21"/>
+          <p:cNvSpPr txBox="1"/>
+          <p:nvPr/>
+        </p:nvSpPr>
+        <p:spPr>
+          <a:xfrm>
+            <a:off x="6074887" y="3778744"/>
+            <a:ext cx="1871025" cy="369332"/>
+          </a:xfrm>
+          <a:prstGeom prst="rect">
+            <a:avLst/>
+          </a:prstGeom>
+          <a:noFill/>
+        </p:spPr>
+        <p:txBody>
+          <a:bodyPr wrap="none" rtlCol="0">
+            <a:spAutoFit/>
+          </a:bodyPr>
+          <a:lstStyle/>
+          <a:p>
+            <a:r>
+              <a:rPr lang="en-US" smtClean="0"/>
+              <a:t>[[</a:t>
+            </a:r>
+            <a:r>
+              <a:rPr lang="mr-IN" smtClean="0"/>
+              <a:t>…</a:t>
+            </a:r>
+            <a:r>
+              <a:rPr lang="en-US" smtClean="0"/>
+              <a:t>],[</a:t>
+            </a:r>
+            <a:r>
+              <a:rPr lang="mr-IN" smtClean="0"/>
+              <a:t>…</a:t>
+            </a:r>
+            <a:r>
+              <a:rPr lang="en-US" smtClean="0"/>
+              <a:t>],[</a:t>
+            </a:r>
+            <a:r>
+              <a:rPr lang="mr-IN" smtClean="0"/>
+              <a:t>…</a:t>
+            </a:r>
+            <a:r>
+              <a:rPr lang="en-US" smtClean="0"/>
+              <a:t>],</a:t>
+            </a:r>
+            <a:r>
+              <a:rPr lang="mr-IN" smtClean="0"/>
+              <a:t>…</a:t>
+            </a:r>
+            <a:r>
+              <a:rPr lang="en-US" smtClean="0"/>
+              <a:t>[</a:t>
+            </a:r>
+            <a:r>
+              <a:rPr lang="mr-IN" smtClean="0"/>
+              <a:t>…</a:t>
+            </a:r>
+            <a:r>
+              <a:rPr lang="en-US" smtClean="0"/>
+              <a:t>]]</a:t>
+            </a:r>
+            <a:endParaRPr lang="en-US"/>
+          </a:p>
+        </p:txBody>
+      </p:sp>
+      <p:sp>
+        <p:nvSpPr>
+          <p:cNvPr id="23" name="TextBox 22"/>
+          <p:cNvSpPr txBox="1"/>
+          <p:nvPr/>
+        </p:nvSpPr>
+        <p:spPr>
+          <a:xfrm>
+            <a:off x="6074887" y="4300758"/>
+            <a:ext cx="1871025" cy="369332"/>
+          </a:xfrm>
+          <a:prstGeom prst="rect">
+            <a:avLst/>
+          </a:prstGeom>
+          <a:noFill/>
+        </p:spPr>
+        <p:txBody>
+          <a:bodyPr wrap="none" rtlCol="0">
+            <a:spAutoFit/>
+          </a:bodyPr>
+          <a:lstStyle/>
+          <a:p>
+            <a:r>
+              <a:rPr lang="en-US" smtClean="0"/>
+              <a:t>[[</a:t>
+            </a:r>
+            <a:r>
+              <a:rPr lang="mr-IN" smtClean="0"/>
+              <a:t>…</a:t>
+            </a:r>
+            <a:r>
+              <a:rPr lang="en-US" smtClean="0"/>
+              <a:t>],[</a:t>
+            </a:r>
+            <a:r>
+              <a:rPr lang="mr-IN" smtClean="0"/>
+              <a:t>…</a:t>
+            </a:r>
+            <a:r>
+              <a:rPr lang="en-US" smtClean="0"/>
+              <a:t>],[</a:t>
+            </a:r>
+            <a:r>
+              <a:rPr lang="mr-IN" smtClean="0"/>
+              <a:t>…</a:t>
+            </a:r>
+            <a:r>
+              <a:rPr lang="en-US" smtClean="0"/>
+              <a:t>],</a:t>
+            </a:r>
+            <a:r>
+              <a:rPr lang="mr-IN" smtClean="0"/>
+              <a:t>…</a:t>
+            </a:r>
+            <a:r>
+              <a:rPr lang="en-US" smtClean="0"/>
+              <a:t>[</a:t>
+            </a:r>
+            <a:r>
+              <a:rPr lang="mr-IN" smtClean="0"/>
+              <a:t>…</a:t>
+            </a:r>
+            <a:r>
+              <a:rPr lang="en-US" smtClean="0"/>
+              <a:t>]]</a:t>
+            </a:r>
+            <a:endParaRPr lang="en-US"/>
+          </a:p>
+        </p:txBody>
+      </p:sp>
+      <p:sp>
+        <p:nvSpPr>
+          <p:cNvPr id="24" name="TextBox 23"/>
+          <p:cNvSpPr txBox="1"/>
+          <p:nvPr/>
+        </p:nvSpPr>
+        <p:spPr>
+          <a:xfrm>
+            <a:off x="6074887" y="4822772"/>
+            <a:ext cx="1871025" cy="369332"/>
+          </a:xfrm>
+          <a:prstGeom prst="rect">
+            <a:avLst/>
+          </a:prstGeom>
+          <a:noFill/>
+        </p:spPr>
+        <p:txBody>
+          <a:bodyPr wrap="none" rtlCol="0">
+            <a:spAutoFit/>
+          </a:bodyPr>
+          <a:lstStyle/>
+          <a:p>
+            <a:r>
+              <a:rPr lang="en-US" smtClean="0"/>
+              <a:t>[[</a:t>
+            </a:r>
+            <a:r>
+              <a:rPr lang="mr-IN" smtClean="0"/>
+              <a:t>…</a:t>
+            </a:r>
+            <a:r>
+              <a:rPr lang="en-US" smtClean="0"/>
+              <a:t>],[</a:t>
+            </a:r>
+            <a:r>
+              <a:rPr lang="mr-IN" smtClean="0"/>
+              <a:t>…</a:t>
+            </a:r>
+            <a:r>
+              <a:rPr lang="en-US" smtClean="0"/>
+              <a:t>],[</a:t>
+            </a:r>
+            <a:r>
+              <a:rPr lang="mr-IN" smtClean="0"/>
+              <a:t>…</a:t>
+            </a:r>
+            <a:r>
+              <a:rPr lang="en-US" smtClean="0"/>
+              <a:t>],</a:t>
+            </a:r>
+            <a:r>
+              <a:rPr lang="mr-IN" smtClean="0"/>
+              <a:t>…</a:t>
+            </a:r>
+            <a:r>
+              <a:rPr lang="en-US" smtClean="0"/>
+              <a:t>[</a:t>
+            </a:r>
+            <a:r>
+              <a:rPr lang="mr-IN" smtClean="0"/>
+              <a:t>…</a:t>
+            </a:r>
+            <a:r>
+              <a:rPr lang="en-US" smtClean="0"/>
+              <a:t>]]</a:t>
+            </a:r>
+            <a:endParaRPr lang="en-US"/>
+          </a:p>
+        </p:txBody>
+      </p:sp>
+      <p:sp>
+        <p:nvSpPr>
+          <p:cNvPr id="25" name="TextBox 24"/>
+          <p:cNvSpPr txBox="1"/>
+          <p:nvPr/>
+        </p:nvSpPr>
+        <p:spPr>
+          <a:xfrm>
+            <a:off x="6074887" y="5344786"/>
+            <a:ext cx="1871025" cy="369332"/>
+          </a:xfrm>
+          <a:prstGeom prst="rect">
+            <a:avLst/>
+          </a:prstGeom>
+          <a:noFill/>
+        </p:spPr>
+        <p:txBody>
+          <a:bodyPr wrap="none" rtlCol="0">
+            <a:spAutoFit/>
+          </a:bodyPr>
+          <a:lstStyle/>
+          <a:p>
+            <a:r>
+              <a:rPr lang="en-US" smtClean="0"/>
+              <a:t>[[</a:t>
+            </a:r>
+            <a:r>
+              <a:rPr lang="mr-IN" smtClean="0"/>
+              <a:t>…</a:t>
+            </a:r>
+            <a:r>
+              <a:rPr lang="en-US" smtClean="0"/>
+              <a:t>],[</a:t>
+            </a:r>
+            <a:r>
+              <a:rPr lang="mr-IN" smtClean="0"/>
+              <a:t>…</a:t>
+            </a:r>
+            <a:r>
+              <a:rPr lang="en-US" smtClean="0"/>
+              <a:t>],[</a:t>
+            </a:r>
+            <a:r>
+              <a:rPr lang="mr-IN" smtClean="0"/>
+              <a:t>…</a:t>
+            </a:r>
+            <a:r>
+              <a:rPr lang="en-US" smtClean="0"/>
+              <a:t>],</a:t>
+            </a:r>
+            <a:r>
+              <a:rPr lang="mr-IN" smtClean="0"/>
+              <a:t>…</a:t>
+            </a:r>
+            <a:r>
+              <a:rPr lang="en-US" smtClean="0"/>
+              <a:t>[</a:t>
+            </a:r>
+            <a:r>
+              <a:rPr lang="mr-IN" smtClean="0"/>
+              <a:t>…</a:t>
+            </a:r>
+            <a:r>
+              <a:rPr lang="en-US" smtClean="0"/>
+              <a:t>]]</a:t>
+            </a:r>
+            <a:endParaRPr lang="en-US"/>
+          </a:p>
+        </p:txBody>
+      </p:sp>
+      <p:sp>
+        <p:nvSpPr>
+          <p:cNvPr id="26" name="TextBox 25"/>
+          <p:cNvSpPr txBox="1"/>
+          <p:nvPr/>
+        </p:nvSpPr>
+        <p:spPr>
+          <a:xfrm>
+            <a:off x="6074887" y="5866800"/>
+            <a:ext cx="1871025" cy="369332"/>
+          </a:xfrm>
+          <a:prstGeom prst="rect">
+            <a:avLst/>
+          </a:prstGeom>
+          <a:noFill/>
+        </p:spPr>
+        <p:txBody>
+          <a:bodyPr wrap="none" rtlCol="0">
+            <a:spAutoFit/>
+          </a:bodyPr>
+          <a:lstStyle/>
+          <a:p>
+            <a:r>
+              <a:rPr lang="en-US" smtClean="0"/>
+              <a:t>[[</a:t>
+            </a:r>
+            <a:r>
+              <a:rPr lang="mr-IN" smtClean="0"/>
+              <a:t>…</a:t>
+            </a:r>
+            <a:r>
+              <a:rPr lang="en-US" smtClean="0"/>
+              <a:t>],[</a:t>
+            </a:r>
+            <a:r>
+              <a:rPr lang="mr-IN" smtClean="0"/>
+              <a:t>…</a:t>
+            </a:r>
+            <a:r>
+              <a:rPr lang="en-US" smtClean="0"/>
+              <a:t>],[</a:t>
+            </a:r>
+            <a:r>
+              <a:rPr lang="mr-IN" smtClean="0"/>
+              <a:t>…</a:t>
+            </a:r>
+            <a:r>
+              <a:rPr lang="en-US" smtClean="0"/>
+              <a:t>],</a:t>
+            </a:r>
+            <a:r>
+              <a:rPr lang="mr-IN" smtClean="0"/>
+              <a:t>…</a:t>
+            </a:r>
+            <a:r>
+              <a:rPr lang="en-US" smtClean="0"/>
+              <a:t>[</a:t>
+            </a:r>
+            <a:r>
+              <a:rPr lang="mr-IN" smtClean="0"/>
+              <a:t>…</a:t>
+            </a:r>
+            <a:r>
+              <a:rPr lang="en-US" smtClean="0"/>
+              <a:t>]]</a:t>
+            </a:r>
+            <a:endParaRPr lang="en-US"/>
+          </a:p>
+        </p:txBody>
+      </p:sp>
+      <p:sp>
+        <p:nvSpPr>
+          <p:cNvPr id="27" name="TextBox 26"/>
+          <p:cNvSpPr txBox="1"/>
+          <p:nvPr/>
+        </p:nvSpPr>
+        <p:spPr>
+          <a:xfrm>
+            <a:off x="6074887" y="6388812"/>
+            <a:ext cx="1871025" cy="369332"/>
+          </a:xfrm>
+          <a:prstGeom prst="rect">
+            <a:avLst/>
+          </a:prstGeom>
+          <a:noFill/>
+        </p:spPr>
+        <p:txBody>
+          <a:bodyPr wrap="none" rtlCol="0">
+            <a:spAutoFit/>
+          </a:bodyPr>
+          <a:lstStyle/>
+          <a:p>
+            <a:r>
+              <a:rPr lang="en-US" dirty="0" smtClean="0"/>
+              <a:t>[[</a:t>
+            </a:r>
+            <a:r>
+              <a:rPr lang="mr-IN" dirty="0" smtClean="0"/>
+              <a:t>…</a:t>
+            </a:r>
+            <a:r>
+              <a:rPr lang="en-US" dirty="0" smtClean="0"/>
+              <a:t>],[</a:t>
+            </a:r>
+            <a:r>
+              <a:rPr lang="mr-IN" dirty="0" smtClean="0"/>
+              <a:t>…</a:t>
+            </a:r>
+            <a:r>
+              <a:rPr lang="en-US" dirty="0" smtClean="0"/>
+              <a:t>],[</a:t>
+            </a:r>
+            <a:r>
+              <a:rPr lang="mr-IN" dirty="0" smtClean="0"/>
+              <a:t>…</a:t>
+            </a:r>
+            <a:r>
+              <a:rPr lang="en-US" dirty="0" smtClean="0"/>
+              <a:t>],</a:t>
+            </a:r>
+            <a:r>
+              <a:rPr lang="mr-IN" dirty="0" smtClean="0"/>
+              <a:t>…</a:t>
+            </a:r>
+            <a:r>
+              <a:rPr lang="en-US" dirty="0" smtClean="0"/>
+              <a:t>[</a:t>
+            </a:r>
+            <a:r>
+              <a:rPr lang="mr-IN" dirty="0" smtClean="0"/>
+              <a:t>…</a:t>
+            </a:r>
+            <a:r>
+              <a:rPr lang="en-US" dirty="0" smtClean="0"/>
+              <a:t>]]</a:t>
+            </a:r>
+            <a:endParaRPr lang="en-US" dirty="0"/>
+          </a:p>
+        </p:txBody>
+      </p:sp>
+      <p:cxnSp>
+        <p:nvCxnSpPr>
+          <p:cNvPr id="31" name="Straight Arrow Connector 30"/>
+          <p:cNvCxnSpPr>
+            <a:stCxn id="8" idx="3"/>
+            <a:endCxn id="18" idx="1"/>
+          </p:cNvCxnSpPr>
+          <p:nvPr/>
+        </p:nvCxnSpPr>
+        <p:spPr>
+          <a:xfrm flipV="1">
+            <a:off x="4294632" y="1875354"/>
+            <a:ext cx="1780255" cy="1209424"/>
+          </a:xfrm>
+          <a:prstGeom prst="straightConnector1">
+            <a:avLst/>
+          </a:prstGeom>
+          <a:ln>
+            <a:tailEnd type="triangle"/>
+          </a:ln>
+        </p:spPr>
+        <p:style>
+          <a:lnRef idx="1">
+            <a:schemeClr val="accent1"/>
+          </a:lnRef>
+          <a:fillRef idx="0">
+            <a:schemeClr val="accent1"/>
+          </a:fillRef>
+          <a:effectRef idx="0">
+            <a:schemeClr val="accent1"/>
+          </a:effectRef>
+          <a:fontRef idx="minor">
+            <a:schemeClr val="tx1"/>
+          </a:fontRef>
+        </p:style>
+      </p:cxnSp>
+      <p:cxnSp>
+        <p:nvCxnSpPr>
+          <p:cNvPr id="33" name="Straight Arrow Connector 32"/>
+          <p:cNvCxnSpPr>
+            <a:stCxn id="9" idx="3"/>
+            <a:endCxn id="19" idx="1"/>
+          </p:cNvCxnSpPr>
+          <p:nvPr/>
+        </p:nvCxnSpPr>
+        <p:spPr>
+          <a:xfrm flipV="1">
+            <a:off x="4294632" y="2397368"/>
+            <a:ext cx="1780255" cy="942401"/>
+          </a:xfrm>
+          <a:prstGeom prst="straightConnector1">
+            <a:avLst/>
+          </a:prstGeom>
+          <a:ln>
+            <a:tailEnd type="triangle"/>
+          </a:ln>
+        </p:spPr>
+        <p:style>
+          <a:lnRef idx="1">
+            <a:schemeClr val="accent1"/>
+          </a:lnRef>
+          <a:fillRef idx="0">
+            <a:schemeClr val="accent1"/>
+          </a:fillRef>
+          <a:effectRef idx="0">
+            <a:schemeClr val="accent1"/>
+          </a:effectRef>
+          <a:fontRef idx="minor">
+            <a:schemeClr val="tx1"/>
+          </a:fontRef>
+        </p:style>
+      </p:cxnSp>
+      <p:cxnSp>
+        <p:nvCxnSpPr>
+          <p:cNvPr id="35" name="Straight Arrow Connector 34"/>
+          <p:cNvCxnSpPr>
+            <a:stCxn id="10" idx="3"/>
+            <a:endCxn id="20" idx="1"/>
+          </p:cNvCxnSpPr>
+          <p:nvPr/>
+        </p:nvCxnSpPr>
+        <p:spPr>
+          <a:xfrm flipV="1">
+            <a:off x="4294632" y="2919382"/>
+            <a:ext cx="1780255" cy="676041"/>
+          </a:xfrm>
+          <a:prstGeom prst="straightConnector1">
+            <a:avLst/>
+          </a:prstGeom>
+          <a:ln>
+            <a:tailEnd type="triangle"/>
+          </a:ln>
+        </p:spPr>
+        <p:style>
+          <a:lnRef idx="1">
+            <a:schemeClr val="accent1"/>
+          </a:lnRef>
+          <a:fillRef idx="0">
+            <a:schemeClr val="accent1"/>
+          </a:fillRef>
+          <a:effectRef idx="0">
+            <a:schemeClr val="accent1"/>
+          </a:effectRef>
+          <a:fontRef idx="minor">
+            <a:schemeClr val="tx1"/>
+          </a:fontRef>
+        </p:style>
+      </p:cxnSp>
+      <p:cxnSp>
+        <p:nvCxnSpPr>
+          <p:cNvPr id="37" name="Straight Arrow Connector 36"/>
+          <p:cNvCxnSpPr>
+            <a:stCxn id="11" idx="3"/>
+            <a:endCxn id="21" idx="1"/>
+          </p:cNvCxnSpPr>
+          <p:nvPr/>
+        </p:nvCxnSpPr>
+        <p:spPr>
+          <a:xfrm flipV="1">
+            <a:off x="4294632" y="3441396"/>
+            <a:ext cx="1780255" cy="409681"/>
+          </a:xfrm>
+          <a:prstGeom prst="straightConnector1">
+            <a:avLst/>
+          </a:prstGeom>
+          <a:ln>
+            <a:tailEnd type="triangle"/>
+          </a:ln>
+        </p:spPr>
+        <p:style>
+          <a:lnRef idx="1">
+            <a:schemeClr val="accent1"/>
+          </a:lnRef>
+          <a:fillRef idx="0">
+            <a:schemeClr val="accent1"/>
+          </a:fillRef>
+          <a:effectRef idx="0">
+            <a:schemeClr val="accent1"/>
+          </a:effectRef>
+          <a:fontRef idx="minor">
+            <a:schemeClr val="tx1"/>
+          </a:fontRef>
+        </p:style>
+      </p:cxnSp>
+      <p:cxnSp>
+        <p:nvCxnSpPr>
+          <p:cNvPr id="39" name="Straight Arrow Connector 38"/>
+          <p:cNvCxnSpPr>
+            <a:stCxn id="12" idx="3"/>
+            <a:endCxn id="22" idx="1"/>
+          </p:cNvCxnSpPr>
+          <p:nvPr/>
+        </p:nvCxnSpPr>
+        <p:spPr>
+          <a:xfrm flipV="1">
+            <a:off x="4294632" y="3963410"/>
+            <a:ext cx="1780255" cy="143321"/>
+          </a:xfrm>
+          <a:prstGeom prst="straightConnector1">
+            <a:avLst/>
+          </a:prstGeom>
+          <a:ln>
+            <a:tailEnd type="triangle"/>
+          </a:ln>
+        </p:spPr>
+        <p:style>
+          <a:lnRef idx="1">
+            <a:schemeClr val="accent1"/>
+          </a:lnRef>
+          <a:fillRef idx="0">
+            <a:schemeClr val="accent1"/>
+          </a:fillRef>
+          <a:effectRef idx="0">
+            <a:schemeClr val="accent1"/>
+          </a:effectRef>
+          <a:fontRef idx="minor">
+            <a:schemeClr val="tx1"/>
+          </a:fontRef>
+        </p:style>
+      </p:cxnSp>
+      <p:cxnSp>
+        <p:nvCxnSpPr>
+          <p:cNvPr id="43" name="Straight Arrow Connector 42"/>
+          <p:cNvCxnSpPr>
+            <a:stCxn id="13" idx="3"/>
+            <a:endCxn id="23" idx="1"/>
+          </p:cNvCxnSpPr>
+          <p:nvPr/>
+        </p:nvCxnSpPr>
+        <p:spPr>
+          <a:xfrm>
+            <a:off x="4294632" y="4362385"/>
+            <a:ext cx="1780255" cy="123039"/>
+          </a:xfrm>
+          <a:prstGeom prst="straightConnector1">
+            <a:avLst/>
+          </a:prstGeom>
+          <a:ln>
+            <a:tailEnd type="triangle"/>
+          </a:ln>
+        </p:spPr>
+        <p:style>
+          <a:lnRef idx="1">
+            <a:schemeClr val="accent1"/>
+          </a:lnRef>
+          <a:fillRef idx="0">
+            <a:schemeClr val="accent1"/>
+          </a:fillRef>
+          <a:effectRef idx="0">
+            <a:schemeClr val="accent1"/>
+          </a:effectRef>
+          <a:fontRef idx="minor">
+            <a:schemeClr val="tx1"/>
+          </a:fontRef>
+        </p:style>
+      </p:cxnSp>
+      <p:cxnSp>
+        <p:nvCxnSpPr>
+          <p:cNvPr id="46" name="Straight Arrow Connector 45"/>
+          <p:cNvCxnSpPr>
+            <a:stCxn id="14" idx="3"/>
+            <a:endCxn id="24" idx="1"/>
+          </p:cNvCxnSpPr>
+          <p:nvPr/>
+        </p:nvCxnSpPr>
+        <p:spPr>
+          <a:xfrm>
+            <a:off x="4294632" y="4618039"/>
+            <a:ext cx="1780255" cy="389399"/>
+          </a:xfrm>
+          <a:prstGeom prst="straightConnector1">
+            <a:avLst/>
+          </a:prstGeom>
+          <a:ln>
+            <a:tailEnd type="triangle"/>
+          </a:ln>
+        </p:spPr>
+        <p:style>
+          <a:lnRef idx="1">
+            <a:schemeClr val="accent1"/>
+          </a:lnRef>
+          <a:fillRef idx="0">
+            <a:schemeClr val="accent1"/>
+          </a:fillRef>
+          <a:effectRef idx="0">
+            <a:schemeClr val="accent1"/>
+          </a:effectRef>
+          <a:fontRef idx="minor">
+            <a:schemeClr val="tx1"/>
+          </a:fontRef>
+        </p:style>
+      </p:cxnSp>
+      <p:cxnSp>
+        <p:nvCxnSpPr>
+          <p:cNvPr id="48" name="Straight Arrow Connector 47"/>
+          <p:cNvCxnSpPr>
+            <a:stCxn id="15" idx="3"/>
+            <a:endCxn id="25" idx="1"/>
+          </p:cNvCxnSpPr>
+          <p:nvPr/>
+        </p:nvCxnSpPr>
+        <p:spPr>
+          <a:xfrm>
+            <a:off x="4294632" y="4873693"/>
+            <a:ext cx="1780255" cy="655759"/>
+          </a:xfrm>
+          <a:prstGeom prst="straightConnector1">
+            <a:avLst/>
+          </a:prstGeom>
+          <a:ln>
+            <a:tailEnd type="triangle"/>
+          </a:ln>
+        </p:spPr>
+        <p:style>
+          <a:lnRef idx="1">
+            <a:schemeClr val="accent1"/>
+          </a:lnRef>
+          <a:fillRef idx="0">
+            <a:schemeClr val="accent1"/>
+          </a:fillRef>
+          <a:effectRef idx="0">
+            <a:schemeClr val="accent1"/>
+          </a:effectRef>
+          <a:fontRef idx="minor">
+            <a:schemeClr val="tx1"/>
+          </a:fontRef>
+        </p:style>
+      </p:cxnSp>
+      <p:cxnSp>
+        <p:nvCxnSpPr>
+          <p:cNvPr id="50" name="Straight Arrow Connector 49"/>
+          <p:cNvCxnSpPr>
+            <a:stCxn id="16" idx="3"/>
+            <a:endCxn id="26" idx="1"/>
+          </p:cNvCxnSpPr>
+          <p:nvPr/>
+        </p:nvCxnSpPr>
+        <p:spPr>
+          <a:xfrm>
+            <a:off x="4294632" y="5129347"/>
+            <a:ext cx="1780255" cy="922119"/>
+          </a:xfrm>
+          <a:prstGeom prst="straightConnector1">
+            <a:avLst/>
+          </a:prstGeom>
+          <a:ln>
+            <a:tailEnd type="triangle"/>
+          </a:ln>
+        </p:spPr>
+        <p:style>
+          <a:lnRef idx="1">
+            <a:schemeClr val="accent1"/>
+          </a:lnRef>
+          <a:fillRef idx="0">
+            <a:schemeClr val="accent1"/>
+          </a:fillRef>
+          <a:effectRef idx="0">
+            <a:schemeClr val="accent1"/>
+          </a:effectRef>
+          <a:fontRef idx="minor">
+            <a:schemeClr val="tx1"/>
+          </a:fontRef>
+        </p:style>
+      </p:cxnSp>
+      <p:cxnSp>
+        <p:nvCxnSpPr>
+          <p:cNvPr id="52" name="Straight Arrow Connector 51"/>
+          <p:cNvCxnSpPr>
+            <a:stCxn id="17" idx="3"/>
+            <a:endCxn id="27" idx="1"/>
+          </p:cNvCxnSpPr>
+          <p:nvPr/>
+        </p:nvCxnSpPr>
+        <p:spPr>
+          <a:xfrm>
+            <a:off x="4294632" y="5384999"/>
+            <a:ext cx="1780255" cy="1188479"/>
+          </a:xfrm>
+          <a:prstGeom prst="straightConnector1">
+            <a:avLst/>
+          </a:prstGeom>
+          <a:ln>
+            <a:tailEnd type="triangle"/>
+          </a:ln>
+        </p:spPr>
+        <p:style>
+          <a:lnRef idx="1">
+            <a:schemeClr val="accent1"/>
+          </a:lnRef>
+          <a:fillRef idx="0">
+            <a:schemeClr val="accent1"/>
+          </a:fillRef>
+          <a:effectRef idx="0">
+            <a:schemeClr val="accent1"/>
+          </a:effectRef>
+          <a:fontRef idx="minor">
+            <a:schemeClr val="tx1"/>
+          </a:fontRef>
+        </p:style>
+      </p:cxnSp>
+      <p:sp>
+        <p:nvSpPr>
+          <p:cNvPr id="53" name="TextBox 52"/>
+          <p:cNvSpPr txBox="1"/>
+          <p:nvPr/>
+        </p:nvSpPr>
+        <p:spPr>
+          <a:xfrm>
+            <a:off x="9669917" y="1690688"/>
+            <a:ext cx="301686" cy="369332"/>
+          </a:xfrm>
+          <a:prstGeom prst="rect">
+            <a:avLst/>
+          </a:prstGeom>
+          <a:noFill/>
+        </p:spPr>
+        <p:txBody>
+          <a:bodyPr wrap="none" rtlCol="0">
+            <a:spAutoFit/>
+          </a:bodyPr>
+          <a:lstStyle/>
+          <a:p>
+            <a:r>
+              <a:rPr lang="en-US" dirty="0" smtClean="0"/>
+              <a:t>0</a:t>
+            </a:r>
+            <a:endParaRPr lang="en-US" dirty="0"/>
+          </a:p>
+        </p:txBody>
+      </p:sp>
+      <p:sp>
+        <p:nvSpPr>
+          <p:cNvPr id="54" name="TextBox 53"/>
+          <p:cNvSpPr txBox="1"/>
+          <p:nvPr/>
+        </p:nvSpPr>
+        <p:spPr>
+          <a:xfrm>
+            <a:off x="9669917" y="2212702"/>
+            <a:ext cx="301686" cy="369332"/>
+          </a:xfrm>
+          <a:prstGeom prst="rect">
+            <a:avLst/>
+          </a:prstGeom>
+          <a:noFill/>
+        </p:spPr>
+        <p:txBody>
+          <a:bodyPr wrap="none" rtlCol="0">
+            <a:spAutoFit/>
+          </a:bodyPr>
+          <a:lstStyle/>
+          <a:p>
+            <a:r>
+              <a:rPr lang="en-US" dirty="0" smtClean="0"/>
+              <a:t>1</a:t>
+            </a:r>
+            <a:endParaRPr lang="en-US" dirty="0"/>
+          </a:p>
+        </p:txBody>
+      </p:sp>
+      <p:sp>
+        <p:nvSpPr>
+          <p:cNvPr id="55" name="TextBox 54"/>
+          <p:cNvSpPr txBox="1"/>
+          <p:nvPr/>
+        </p:nvSpPr>
+        <p:spPr>
+          <a:xfrm>
+            <a:off x="9669917" y="2734716"/>
+            <a:ext cx="301686" cy="369332"/>
+          </a:xfrm>
+          <a:prstGeom prst="rect">
+            <a:avLst/>
+          </a:prstGeom>
+          <a:noFill/>
+        </p:spPr>
+        <p:txBody>
+          <a:bodyPr wrap="none" rtlCol="0">
+            <a:spAutoFit/>
+          </a:bodyPr>
+          <a:lstStyle/>
+          <a:p>
+            <a:r>
+              <a:rPr lang="en-US" dirty="0" smtClean="0"/>
+              <a:t>2</a:t>
+            </a:r>
+            <a:endParaRPr lang="en-US" dirty="0"/>
+          </a:p>
+        </p:txBody>
+      </p:sp>
+      <p:sp>
+        <p:nvSpPr>
+          <p:cNvPr id="56" name="TextBox 55"/>
+          <p:cNvSpPr txBox="1"/>
+          <p:nvPr/>
+        </p:nvSpPr>
+        <p:spPr>
+          <a:xfrm>
+            <a:off x="9669917" y="3256730"/>
+            <a:ext cx="301686" cy="369332"/>
+          </a:xfrm>
+          <a:prstGeom prst="rect">
+            <a:avLst/>
+          </a:prstGeom>
+          <a:noFill/>
+        </p:spPr>
+        <p:txBody>
+          <a:bodyPr wrap="none" rtlCol="0">
+            <a:spAutoFit/>
+          </a:bodyPr>
+          <a:lstStyle/>
+          <a:p>
+            <a:r>
+              <a:rPr lang="en-US" dirty="0" smtClean="0"/>
+              <a:t>3</a:t>
+            </a:r>
+            <a:endParaRPr lang="en-US" dirty="0"/>
+          </a:p>
+        </p:txBody>
+      </p:sp>
+      <p:sp>
+        <p:nvSpPr>
+          <p:cNvPr id="57" name="TextBox 56"/>
+          <p:cNvSpPr txBox="1"/>
+          <p:nvPr/>
+        </p:nvSpPr>
+        <p:spPr>
+          <a:xfrm>
+            <a:off x="9669917" y="3778744"/>
+            <a:ext cx="301686" cy="369332"/>
+          </a:xfrm>
+          <a:prstGeom prst="rect">
+            <a:avLst/>
+          </a:prstGeom>
+          <a:noFill/>
+        </p:spPr>
+        <p:txBody>
+          <a:bodyPr wrap="none" rtlCol="0">
+            <a:spAutoFit/>
+          </a:bodyPr>
+          <a:lstStyle/>
+          <a:p>
+            <a:r>
+              <a:rPr lang="en-US" dirty="0" smtClean="0"/>
+              <a:t>4</a:t>
+            </a:r>
+            <a:endParaRPr lang="en-US" dirty="0"/>
+          </a:p>
+        </p:txBody>
+      </p:sp>
+      <p:sp>
+        <p:nvSpPr>
+          <p:cNvPr id="58" name="TextBox 57"/>
+          <p:cNvSpPr txBox="1"/>
+          <p:nvPr/>
+        </p:nvSpPr>
+        <p:spPr>
+          <a:xfrm>
+            <a:off x="9669917" y="4300758"/>
+            <a:ext cx="301686" cy="369332"/>
+          </a:xfrm>
+          <a:prstGeom prst="rect">
+            <a:avLst/>
+          </a:prstGeom>
+          <a:noFill/>
+        </p:spPr>
+        <p:txBody>
+          <a:bodyPr wrap="none" rtlCol="0">
+            <a:spAutoFit/>
+          </a:bodyPr>
+          <a:lstStyle/>
+          <a:p>
+            <a:r>
+              <a:rPr lang="en-US" dirty="0" smtClean="0"/>
+              <a:t>5</a:t>
+            </a:r>
+            <a:endParaRPr lang="en-US" dirty="0"/>
+          </a:p>
+        </p:txBody>
+      </p:sp>
+      <p:sp>
+        <p:nvSpPr>
+          <p:cNvPr id="59" name="TextBox 58"/>
+          <p:cNvSpPr txBox="1"/>
+          <p:nvPr/>
+        </p:nvSpPr>
+        <p:spPr>
+          <a:xfrm>
+            <a:off x="9669917" y="4822772"/>
+            <a:ext cx="301686" cy="369332"/>
+          </a:xfrm>
+          <a:prstGeom prst="rect">
+            <a:avLst/>
+          </a:prstGeom>
+          <a:noFill/>
+        </p:spPr>
+        <p:txBody>
+          <a:bodyPr wrap="none" rtlCol="0">
+            <a:spAutoFit/>
+          </a:bodyPr>
+          <a:lstStyle/>
+          <a:p>
+            <a:r>
+              <a:rPr lang="en-US" dirty="0" smtClean="0"/>
+              <a:t>6</a:t>
+            </a:r>
+            <a:endParaRPr lang="en-US" dirty="0"/>
+          </a:p>
+        </p:txBody>
+      </p:sp>
+      <p:sp>
+        <p:nvSpPr>
+          <p:cNvPr id="60" name="TextBox 59"/>
+          <p:cNvSpPr txBox="1"/>
+          <p:nvPr/>
+        </p:nvSpPr>
+        <p:spPr>
+          <a:xfrm>
+            <a:off x="9669917" y="5344786"/>
+            <a:ext cx="301686" cy="369332"/>
+          </a:xfrm>
+          <a:prstGeom prst="rect">
+            <a:avLst/>
+          </a:prstGeom>
+          <a:noFill/>
+        </p:spPr>
+        <p:txBody>
+          <a:bodyPr wrap="none" rtlCol="0">
+            <a:spAutoFit/>
+          </a:bodyPr>
+          <a:lstStyle/>
+          <a:p>
+            <a:r>
+              <a:rPr lang="en-US" dirty="0" smtClean="0"/>
+              <a:t>7</a:t>
+            </a:r>
+            <a:endParaRPr lang="en-US" dirty="0"/>
+          </a:p>
+        </p:txBody>
+      </p:sp>
+      <p:sp>
+        <p:nvSpPr>
+          <p:cNvPr id="61" name="TextBox 60"/>
+          <p:cNvSpPr txBox="1"/>
+          <p:nvPr/>
+        </p:nvSpPr>
+        <p:spPr>
+          <a:xfrm>
+            <a:off x="9669917" y="5866800"/>
+            <a:ext cx="301686" cy="369332"/>
+          </a:xfrm>
+          <a:prstGeom prst="rect">
+            <a:avLst/>
+          </a:prstGeom>
+          <a:noFill/>
+        </p:spPr>
+        <p:txBody>
+          <a:bodyPr wrap="none" rtlCol="0">
+            <a:spAutoFit/>
+          </a:bodyPr>
+          <a:lstStyle/>
+          <a:p>
+            <a:r>
+              <a:rPr lang="en-US" dirty="0" smtClean="0"/>
+              <a:t>8</a:t>
+            </a:r>
+            <a:endParaRPr lang="en-US" dirty="0"/>
+          </a:p>
+        </p:txBody>
+      </p:sp>
+      <p:sp>
+        <p:nvSpPr>
+          <p:cNvPr id="62" name="TextBox 61"/>
+          <p:cNvSpPr txBox="1"/>
+          <p:nvPr/>
+        </p:nvSpPr>
+        <p:spPr>
+          <a:xfrm>
+            <a:off x="9669917" y="6388812"/>
+            <a:ext cx="301686" cy="369332"/>
+          </a:xfrm>
+          <a:prstGeom prst="rect">
+            <a:avLst/>
+          </a:prstGeom>
+          <a:noFill/>
+        </p:spPr>
+        <p:txBody>
+          <a:bodyPr wrap="none" rtlCol="0">
+            <a:spAutoFit/>
+          </a:bodyPr>
+          <a:lstStyle/>
+          <a:p>
+            <a:r>
+              <a:rPr lang="en-US" dirty="0" smtClean="0"/>
+              <a:t>9</a:t>
+            </a:r>
+            <a:endParaRPr lang="en-US" dirty="0"/>
+          </a:p>
+        </p:txBody>
+      </p:sp>
+      <p:cxnSp>
+        <p:nvCxnSpPr>
+          <p:cNvPr id="64" name="Straight Arrow Connector 63"/>
+          <p:cNvCxnSpPr/>
+          <p:nvPr/>
+        </p:nvCxnSpPr>
+        <p:spPr>
+          <a:xfrm>
+            <a:off x="7945912" y="1875354"/>
+            <a:ext cx="1724005" cy="0"/>
+          </a:xfrm>
+          <a:prstGeom prst="straightConnector1">
+            <a:avLst/>
+          </a:prstGeom>
+          <a:ln>
+            <a:tailEnd type="triangle"/>
+          </a:ln>
+        </p:spPr>
+        <p:style>
+          <a:lnRef idx="1">
+            <a:schemeClr val="accent1"/>
+          </a:lnRef>
+          <a:fillRef idx="0">
+            <a:schemeClr val="accent1"/>
+          </a:fillRef>
+          <a:effectRef idx="0">
+            <a:schemeClr val="accent1"/>
+          </a:effectRef>
+          <a:fontRef idx="minor">
+            <a:schemeClr val="tx1"/>
+          </a:fontRef>
+        </p:style>
+      </p:cxnSp>
+      <p:cxnSp>
+        <p:nvCxnSpPr>
+          <p:cNvPr id="66" name="Straight Arrow Connector 65"/>
+          <p:cNvCxnSpPr>
+            <a:endCxn id="54" idx="1"/>
+          </p:cNvCxnSpPr>
+          <p:nvPr/>
+        </p:nvCxnSpPr>
+        <p:spPr>
+          <a:xfrm>
+            <a:off x="7945912" y="2397368"/>
+            <a:ext cx="1724005" cy="0"/>
+          </a:xfrm>
+          <a:prstGeom prst="straightConnector1">
+            <a:avLst/>
+          </a:prstGeom>
+          <a:ln>
+            <a:tailEnd type="triangle"/>
+          </a:ln>
+        </p:spPr>
+        <p:style>
+          <a:lnRef idx="1">
+            <a:schemeClr val="accent1"/>
+          </a:lnRef>
+          <a:fillRef idx="0">
+            <a:schemeClr val="accent1"/>
+          </a:fillRef>
+          <a:effectRef idx="0">
+            <a:schemeClr val="accent1"/>
+          </a:effectRef>
+          <a:fontRef idx="minor">
+            <a:schemeClr val="tx1"/>
+          </a:fontRef>
+        </p:style>
+      </p:cxnSp>
+      <p:cxnSp>
+        <p:nvCxnSpPr>
+          <p:cNvPr id="68" name="Straight Arrow Connector 67"/>
+          <p:cNvCxnSpPr/>
+          <p:nvPr/>
+        </p:nvCxnSpPr>
+        <p:spPr>
+          <a:xfrm>
+            <a:off x="7945912" y="2919382"/>
+            <a:ext cx="1724005" cy="0"/>
+          </a:xfrm>
+          <a:prstGeom prst="straightConnector1">
+            <a:avLst/>
+          </a:prstGeom>
+          <a:ln>
+            <a:tailEnd type="triangle"/>
+          </a:ln>
+        </p:spPr>
+        <p:style>
+          <a:lnRef idx="1">
+            <a:schemeClr val="accent1"/>
+          </a:lnRef>
+          <a:fillRef idx="0">
+            <a:schemeClr val="accent1"/>
+          </a:fillRef>
+          <a:effectRef idx="0">
+            <a:schemeClr val="accent1"/>
+          </a:effectRef>
+          <a:fontRef idx="minor">
+            <a:schemeClr val="tx1"/>
+          </a:fontRef>
+        </p:style>
+      </p:cxnSp>
+      <p:cxnSp>
+        <p:nvCxnSpPr>
+          <p:cNvPr id="70" name="Straight Arrow Connector 69"/>
+          <p:cNvCxnSpPr/>
+          <p:nvPr/>
+        </p:nvCxnSpPr>
+        <p:spPr>
+          <a:xfrm>
+            <a:off x="7945912" y="3441396"/>
+            <a:ext cx="1724005" cy="0"/>
+          </a:xfrm>
+          <a:prstGeom prst="straightConnector1">
+            <a:avLst/>
+          </a:prstGeom>
+          <a:ln>
+            <a:tailEnd type="triangle"/>
+          </a:ln>
+        </p:spPr>
+        <p:style>
+          <a:lnRef idx="1">
+            <a:schemeClr val="accent1"/>
+          </a:lnRef>
+          <a:fillRef idx="0">
+            <a:schemeClr val="accent1"/>
+          </a:fillRef>
+          <a:effectRef idx="0">
+            <a:schemeClr val="accent1"/>
+          </a:effectRef>
+          <a:fontRef idx="minor">
+            <a:schemeClr val="tx1"/>
+          </a:fontRef>
+        </p:style>
+      </p:cxnSp>
+      <p:cxnSp>
+        <p:nvCxnSpPr>
+          <p:cNvPr id="72" name="Straight Arrow Connector 71"/>
+          <p:cNvCxnSpPr/>
+          <p:nvPr/>
+        </p:nvCxnSpPr>
+        <p:spPr>
+          <a:xfrm>
+            <a:off x="7945912" y="3963410"/>
+            <a:ext cx="1724005" cy="0"/>
+          </a:xfrm>
+          <a:prstGeom prst="straightConnector1">
+            <a:avLst/>
+          </a:prstGeom>
+          <a:ln>
+            <a:tailEnd type="triangle"/>
+          </a:ln>
+        </p:spPr>
+        <p:style>
+          <a:lnRef idx="1">
+            <a:schemeClr val="accent1"/>
+          </a:lnRef>
+          <a:fillRef idx="0">
+            <a:schemeClr val="accent1"/>
+          </a:fillRef>
+          <a:effectRef idx="0">
+            <a:schemeClr val="accent1"/>
+          </a:effectRef>
+          <a:fontRef idx="minor">
+            <a:schemeClr val="tx1"/>
+          </a:fontRef>
+        </p:style>
+      </p:cxnSp>
+      <p:cxnSp>
+        <p:nvCxnSpPr>
+          <p:cNvPr id="76" name="Straight Arrow Connector 75"/>
+          <p:cNvCxnSpPr/>
+          <p:nvPr/>
+        </p:nvCxnSpPr>
+        <p:spPr>
+          <a:xfrm>
+            <a:off x="7945912" y="4485424"/>
+            <a:ext cx="1724005" cy="0"/>
+          </a:xfrm>
+          <a:prstGeom prst="straightConnector1">
+            <a:avLst/>
+          </a:prstGeom>
+          <a:ln>
+            <a:tailEnd type="triangle"/>
+          </a:ln>
+        </p:spPr>
+        <p:style>
+          <a:lnRef idx="1">
+            <a:schemeClr val="accent1"/>
+          </a:lnRef>
+          <a:fillRef idx="0">
+            <a:schemeClr val="accent1"/>
+          </a:fillRef>
+          <a:effectRef idx="0">
+            <a:schemeClr val="accent1"/>
+          </a:effectRef>
+          <a:fontRef idx="minor">
+            <a:schemeClr val="tx1"/>
+          </a:fontRef>
+        </p:style>
+      </p:cxnSp>
+      <p:cxnSp>
+        <p:nvCxnSpPr>
+          <p:cNvPr id="77" name="Straight Arrow Connector 76"/>
+          <p:cNvCxnSpPr/>
+          <p:nvPr/>
+        </p:nvCxnSpPr>
+        <p:spPr>
+          <a:xfrm>
+            <a:off x="7945912" y="5007438"/>
+            <a:ext cx="1724005" cy="0"/>
+          </a:xfrm>
+          <a:prstGeom prst="straightConnector1">
+            <a:avLst/>
+          </a:prstGeom>
+          <a:ln>
+            <a:tailEnd type="triangle"/>
+          </a:ln>
+        </p:spPr>
+        <p:style>
+          <a:lnRef idx="1">
+            <a:schemeClr val="accent1"/>
+          </a:lnRef>
+          <a:fillRef idx="0">
+            <a:schemeClr val="accent1"/>
+          </a:fillRef>
+          <a:effectRef idx="0">
+            <a:schemeClr val="accent1"/>
+          </a:effectRef>
+          <a:fontRef idx="minor">
+            <a:schemeClr val="tx1"/>
+          </a:fontRef>
+        </p:style>
+      </p:cxnSp>
+      <p:cxnSp>
+        <p:nvCxnSpPr>
+          <p:cNvPr id="78" name="Straight Arrow Connector 77"/>
+          <p:cNvCxnSpPr/>
+          <p:nvPr/>
+        </p:nvCxnSpPr>
+        <p:spPr>
+          <a:xfrm>
+            <a:off x="7945912" y="5529452"/>
+            <a:ext cx="1724005" cy="0"/>
+          </a:xfrm>
+          <a:prstGeom prst="straightConnector1">
+            <a:avLst/>
+          </a:prstGeom>
+          <a:ln>
+            <a:tailEnd type="triangle"/>
+          </a:ln>
+        </p:spPr>
+        <p:style>
+          <a:lnRef idx="1">
+            <a:schemeClr val="accent1"/>
+          </a:lnRef>
+          <a:fillRef idx="0">
+            <a:schemeClr val="accent1"/>
+          </a:fillRef>
+          <a:effectRef idx="0">
+            <a:schemeClr val="accent1"/>
+          </a:effectRef>
+          <a:fontRef idx="minor">
+            <a:schemeClr val="tx1"/>
+          </a:fontRef>
+        </p:style>
+      </p:cxnSp>
+      <p:cxnSp>
+        <p:nvCxnSpPr>
+          <p:cNvPr id="79" name="Straight Arrow Connector 78"/>
+          <p:cNvCxnSpPr/>
+          <p:nvPr/>
+        </p:nvCxnSpPr>
+        <p:spPr>
+          <a:xfrm>
+            <a:off x="7945912" y="6051466"/>
+            <a:ext cx="1724005" cy="0"/>
+          </a:xfrm>
+          <a:prstGeom prst="straightConnector1">
+            <a:avLst/>
+          </a:prstGeom>
+          <a:ln>
+            <a:tailEnd type="triangle"/>
+          </a:ln>
+        </p:spPr>
+        <p:style>
+          <a:lnRef idx="1">
+            <a:schemeClr val="accent1"/>
+          </a:lnRef>
+          <a:fillRef idx="0">
+            <a:schemeClr val="accent1"/>
+          </a:fillRef>
+          <a:effectRef idx="0">
+            <a:schemeClr val="accent1"/>
+          </a:effectRef>
+          <a:fontRef idx="minor">
+            <a:schemeClr val="tx1"/>
+          </a:fontRef>
+        </p:style>
+      </p:cxnSp>
+      <p:cxnSp>
+        <p:nvCxnSpPr>
+          <p:cNvPr id="80" name="Straight Arrow Connector 79"/>
+          <p:cNvCxnSpPr/>
+          <p:nvPr/>
+        </p:nvCxnSpPr>
+        <p:spPr>
+          <a:xfrm>
+            <a:off x="7905965" y="6573478"/>
+            <a:ext cx="1724005" cy="0"/>
+          </a:xfrm>
+          <a:prstGeom prst="straightConnector1">
+            <a:avLst/>
+          </a:prstGeom>
+          <a:ln>
+            <a:tailEnd type="triangle"/>
+          </a:ln>
+        </p:spPr>
+        <p:style>
+          <a:lnRef idx="1">
+            <a:schemeClr val="accent1"/>
+          </a:lnRef>
+          <a:fillRef idx="0">
+            <a:schemeClr val="accent1"/>
+          </a:fillRef>
+          <a:effectRef idx="0">
+            <a:schemeClr val="accent1"/>
+          </a:effectRef>
+          <a:fontRef idx="minor">
+            <a:schemeClr val="tx1"/>
+          </a:fontRef>
+        </p:style>
+      </p:cxnSp>
+      <p:sp>
+        <p:nvSpPr>
+          <p:cNvPr id="82" name="Left Brace 81"/>
+          <p:cNvSpPr/>
+          <p:nvPr/>
+        </p:nvSpPr>
+        <p:spPr>
+          <a:xfrm rot="5400000">
+            <a:off x="6821753" y="606475"/>
+            <a:ext cx="337346" cy="1831079"/>
+          </a:xfrm>
+          <a:prstGeom prst="leftBrace">
+            <a:avLst/>
+          </a:prstGeom>
+        </p:spPr>
+        <p:style>
+          <a:lnRef idx="1">
+            <a:schemeClr val="accent1"/>
+          </a:lnRef>
+          <a:fillRef idx="0">
+            <a:schemeClr val="accent1"/>
+          </a:fillRef>
+          <a:effectRef idx="0">
+            <a:schemeClr val="accent1"/>
+          </a:effectRef>
+          <a:fontRef idx="minor">
+            <a:schemeClr val="tx1"/>
+          </a:fontRef>
+        </p:style>
+        <p:txBody>
+          <a:bodyPr rtlCol="0" anchor="ctr"/>
+          <a:lstStyle/>
+          <a:p>
+            <a:pPr algn="ctr"/>
+            <a:endParaRPr lang="en-US"/>
+          </a:p>
+        </p:txBody>
+      </p:sp>
+      <p:sp>
+        <p:nvSpPr>
+          <p:cNvPr id="83" name="TextBox 82"/>
+          <p:cNvSpPr txBox="1"/>
+          <p:nvPr/>
+        </p:nvSpPr>
+        <p:spPr>
+          <a:xfrm>
+            <a:off x="6432331" y="1015993"/>
+            <a:ext cx="1107996" cy="369332"/>
+          </a:xfrm>
+          <a:prstGeom prst="rect">
+            <a:avLst/>
+          </a:prstGeom>
+          <a:noFill/>
+        </p:spPr>
+        <p:txBody>
+          <a:bodyPr wrap="none" rtlCol="0">
+            <a:spAutoFit/>
+          </a:bodyPr>
+          <a:lstStyle/>
+          <a:p>
+            <a:r>
+              <a:rPr lang="zh-CN" altLang="en-US" dirty="0" smtClean="0"/>
+              <a:t>训练数据</a:t>
+            </a:r>
+            <a:endParaRPr lang="en-US" dirty="0"/>
+          </a:p>
+        </p:txBody>
+      </p:sp>
+    </p:spTree>
+    <p:extLst>
+      <p:ext uri="{BB962C8B-B14F-4D97-AF65-F5344CB8AC3E}">
+        <p14:creationId xmlns:p14="http://schemas.microsoft.com/office/powerpoint/2010/main" val="1771931700"/>
+      </p:ext>
+    </p:extLst>
+  </p:cSld>
+  <p:clrMapOvr>
+    <a:masterClrMapping/>
+  </p:clrMapOvr>
+  <p:timing>
+    <p:tnLst>
+      <p:par>
+        <p:cTn id="1" dur="indefinite" restart="never" nodeType="tmRoot">
+          <p:childTnLst>
+            <p:seq concurrent="1" nextAc="seek">
+              <p:cTn id="2" dur="indefinite" nodeType="mainSeq">
+                <p:childTnLst>
+                  <p:par>
+                    <p:cTn id="3" fill="hold">
+                      <p:stCondLst>
+                        <p:cond delay="indefinite"/>
+                      </p:stCondLst>
+                      <p:childTnLst>
+                        <p:par>
+                          <p:cTn id="4" fill="hold">
+                            <p:stCondLst>
+                              <p:cond delay="0"/>
+                            </p:stCondLst>
+                            <p:childTnLst>
+                              <p:par>
+                                <p:cTn id="5" presetID="5" presetClass="entr" presetSubtype="10" fill="hold" grpId="0" nodeType="clickEffect">
+                                  <p:stCondLst>
+                                    <p:cond delay="0"/>
+                                  </p:stCondLst>
+                                  <p:childTnLst>
+                                    <p:set>
+                                      <p:cBhvr>
+                                        <p:cTn id="6" dur="1" fill="hold">
+                                          <p:stCondLst>
+                                            <p:cond delay="0"/>
+                                          </p:stCondLst>
+                                        </p:cTn>
+                                        <p:tgtEl>
+                                          <p:spTgt spid="8"/>
+                                        </p:tgtEl>
+                                        <p:attrNameLst>
+                                          <p:attrName>style.visibility</p:attrName>
+                                        </p:attrNameLst>
+                                      </p:cBhvr>
+                                      <p:to>
+                                        <p:strVal val="visible"/>
+                                      </p:to>
+                                    </p:set>
+                                    <p:animEffect transition="in" filter="checkerboard(across)">
+                                      <p:cBhvr>
+                                        <p:cTn id="7" dur="500"/>
+                                        <p:tgtEl>
+                                          <p:spTgt spid="8"/>
+                                        </p:tgtEl>
+                                      </p:cBhvr>
+                                    </p:animEffect>
+                                  </p:childTnLst>
+                                </p:cTn>
+                              </p:par>
+                              <p:par>
+                                <p:cTn id="8" presetID="5" presetClass="entr" presetSubtype="10" fill="hold" grpId="0" nodeType="withEffect">
+                                  <p:stCondLst>
+                                    <p:cond delay="0"/>
+                                  </p:stCondLst>
+                                  <p:childTnLst>
+                                    <p:set>
+                                      <p:cBhvr>
+                                        <p:cTn id="9" dur="1" fill="hold">
+                                          <p:stCondLst>
+                                            <p:cond delay="0"/>
+                                          </p:stCondLst>
+                                        </p:cTn>
+                                        <p:tgtEl>
+                                          <p:spTgt spid="9"/>
+                                        </p:tgtEl>
+                                        <p:attrNameLst>
+                                          <p:attrName>style.visibility</p:attrName>
+                                        </p:attrNameLst>
+                                      </p:cBhvr>
+                                      <p:to>
+                                        <p:strVal val="visible"/>
+                                      </p:to>
+                                    </p:set>
+                                    <p:animEffect transition="in" filter="checkerboard(across)">
+                                      <p:cBhvr>
+                                        <p:cTn id="10" dur="500"/>
+                                        <p:tgtEl>
+                                          <p:spTgt spid="9"/>
+                                        </p:tgtEl>
+                                      </p:cBhvr>
+                                    </p:animEffect>
+                                  </p:childTnLst>
+                                </p:cTn>
+                              </p:par>
+                              <p:par>
+                                <p:cTn id="11" presetID="5" presetClass="entr" presetSubtype="10" fill="hold" grpId="0" nodeType="withEffect">
+                                  <p:stCondLst>
+                                    <p:cond delay="0"/>
+                                  </p:stCondLst>
+                                  <p:childTnLst>
+                                    <p:set>
+                                      <p:cBhvr>
+                                        <p:cTn id="12" dur="1" fill="hold">
+                                          <p:stCondLst>
+                                            <p:cond delay="0"/>
+                                          </p:stCondLst>
+                                        </p:cTn>
+                                        <p:tgtEl>
+                                          <p:spTgt spid="10"/>
+                                        </p:tgtEl>
+                                        <p:attrNameLst>
+                                          <p:attrName>style.visibility</p:attrName>
+                                        </p:attrNameLst>
+                                      </p:cBhvr>
+                                      <p:to>
+                                        <p:strVal val="visible"/>
+                                      </p:to>
+                                    </p:set>
+                                    <p:animEffect transition="in" filter="checkerboard(across)">
+                                      <p:cBhvr>
+                                        <p:cTn id="13" dur="500"/>
+                                        <p:tgtEl>
+                                          <p:spTgt spid="10"/>
+                                        </p:tgtEl>
+                                      </p:cBhvr>
+                                    </p:animEffect>
+                                  </p:childTnLst>
+                                </p:cTn>
+                              </p:par>
+                              <p:par>
+                                <p:cTn id="14" presetID="5" presetClass="entr" presetSubtype="10" fill="hold" grpId="0" nodeType="withEffect">
+                                  <p:stCondLst>
+                                    <p:cond delay="0"/>
+                                  </p:stCondLst>
+                                  <p:childTnLst>
+                                    <p:set>
+                                      <p:cBhvr>
+                                        <p:cTn id="15" dur="1" fill="hold">
+                                          <p:stCondLst>
+                                            <p:cond delay="0"/>
+                                          </p:stCondLst>
+                                        </p:cTn>
+                                        <p:tgtEl>
+                                          <p:spTgt spid="11"/>
+                                        </p:tgtEl>
+                                        <p:attrNameLst>
+                                          <p:attrName>style.visibility</p:attrName>
+                                        </p:attrNameLst>
+                                      </p:cBhvr>
+                                      <p:to>
+                                        <p:strVal val="visible"/>
+                                      </p:to>
+                                    </p:set>
+                                    <p:animEffect transition="in" filter="checkerboard(across)">
+                                      <p:cBhvr>
+                                        <p:cTn id="16" dur="500"/>
+                                        <p:tgtEl>
+                                          <p:spTgt spid="11"/>
+                                        </p:tgtEl>
+                                      </p:cBhvr>
+                                    </p:animEffect>
+                                  </p:childTnLst>
+                                </p:cTn>
+                              </p:par>
+                              <p:par>
+                                <p:cTn id="17" presetID="5" presetClass="entr" presetSubtype="10" fill="hold" grpId="0" nodeType="withEffect">
+                                  <p:stCondLst>
+                                    <p:cond delay="0"/>
+                                  </p:stCondLst>
+                                  <p:childTnLst>
+                                    <p:set>
+                                      <p:cBhvr>
+                                        <p:cTn id="18" dur="1" fill="hold">
+                                          <p:stCondLst>
+                                            <p:cond delay="0"/>
+                                          </p:stCondLst>
+                                        </p:cTn>
+                                        <p:tgtEl>
+                                          <p:spTgt spid="12"/>
+                                        </p:tgtEl>
+                                        <p:attrNameLst>
+                                          <p:attrName>style.visibility</p:attrName>
+                                        </p:attrNameLst>
+                                      </p:cBhvr>
+                                      <p:to>
+                                        <p:strVal val="visible"/>
+                                      </p:to>
+                                    </p:set>
+                                    <p:animEffect transition="in" filter="checkerboard(across)">
+                                      <p:cBhvr>
+                                        <p:cTn id="19" dur="500"/>
+                                        <p:tgtEl>
+                                          <p:spTgt spid="12"/>
+                                        </p:tgtEl>
+                                      </p:cBhvr>
+                                    </p:animEffect>
+                                  </p:childTnLst>
+                                </p:cTn>
+                              </p:par>
+                              <p:par>
+                                <p:cTn id="20" presetID="5" presetClass="entr" presetSubtype="10" fill="hold" grpId="0" nodeType="withEffect">
+                                  <p:stCondLst>
+                                    <p:cond delay="0"/>
+                                  </p:stCondLst>
+                                  <p:childTnLst>
+                                    <p:set>
+                                      <p:cBhvr>
+                                        <p:cTn id="21" dur="1" fill="hold">
+                                          <p:stCondLst>
+                                            <p:cond delay="0"/>
+                                          </p:stCondLst>
+                                        </p:cTn>
+                                        <p:tgtEl>
+                                          <p:spTgt spid="13"/>
+                                        </p:tgtEl>
+                                        <p:attrNameLst>
+                                          <p:attrName>style.visibility</p:attrName>
+                                        </p:attrNameLst>
+                                      </p:cBhvr>
+                                      <p:to>
+                                        <p:strVal val="visible"/>
+                                      </p:to>
+                                    </p:set>
+                                    <p:animEffect transition="in" filter="checkerboard(across)">
+                                      <p:cBhvr>
+                                        <p:cTn id="22" dur="500"/>
+                                        <p:tgtEl>
+                                          <p:spTgt spid="13"/>
+                                        </p:tgtEl>
+                                      </p:cBhvr>
+                                    </p:animEffect>
+                                  </p:childTnLst>
+                                </p:cTn>
+                              </p:par>
+                              <p:par>
+                                <p:cTn id="23" presetID="5" presetClass="entr" presetSubtype="10" fill="hold" grpId="0" nodeType="withEffect">
+                                  <p:stCondLst>
+                                    <p:cond delay="0"/>
+                                  </p:stCondLst>
+                                  <p:childTnLst>
+                                    <p:set>
+                                      <p:cBhvr>
+                                        <p:cTn id="24" dur="1" fill="hold">
+                                          <p:stCondLst>
+                                            <p:cond delay="0"/>
+                                          </p:stCondLst>
+                                        </p:cTn>
+                                        <p:tgtEl>
+                                          <p:spTgt spid="14"/>
+                                        </p:tgtEl>
+                                        <p:attrNameLst>
+                                          <p:attrName>style.visibility</p:attrName>
+                                        </p:attrNameLst>
+                                      </p:cBhvr>
+                                      <p:to>
+                                        <p:strVal val="visible"/>
+                                      </p:to>
+                                    </p:set>
+                                    <p:animEffect transition="in" filter="checkerboard(across)">
+                                      <p:cBhvr>
+                                        <p:cTn id="25" dur="500"/>
+                                        <p:tgtEl>
+                                          <p:spTgt spid="14"/>
+                                        </p:tgtEl>
+                                      </p:cBhvr>
+                                    </p:animEffect>
+                                  </p:childTnLst>
+                                </p:cTn>
+                              </p:par>
+                              <p:par>
+                                <p:cTn id="26" presetID="5" presetClass="entr" presetSubtype="10" fill="hold" grpId="0" nodeType="withEffect">
+                                  <p:stCondLst>
+                                    <p:cond delay="0"/>
+                                  </p:stCondLst>
+                                  <p:childTnLst>
+                                    <p:set>
+                                      <p:cBhvr>
+                                        <p:cTn id="27" dur="1" fill="hold">
+                                          <p:stCondLst>
+                                            <p:cond delay="0"/>
+                                          </p:stCondLst>
+                                        </p:cTn>
+                                        <p:tgtEl>
+                                          <p:spTgt spid="15"/>
+                                        </p:tgtEl>
+                                        <p:attrNameLst>
+                                          <p:attrName>style.visibility</p:attrName>
+                                        </p:attrNameLst>
+                                      </p:cBhvr>
+                                      <p:to>
+                                        <p:strVal val="visible"/>
+                                      </p:to>
+                                    </p:set>
+                                    <p:animEffect transition="in" filter="checkerboard(across)">
+                                      <p:cBhvr>
+                                        <p:cTn id="28" dur="500"/>
+                                        <p:tgtEl>
+                                          <p:spTgt spid="15"/>
+                                        </p:tgtEl>
+                                      </p:cBhvr>
+                                    </p:animEffect>
+                                  </p:childTnLst>
+                                </p:cTn>
+                              </p:par>
+                              <p:par>
+                                <p:cTn id="29" presetID="5" presetClass="entr" presetSubtype="10" fill="hold" grpId="0" nodeType="withEffect">
+                                  <p:stCondLst>
+                                    <p:cond delay="0"/>
+                                  </p:stCondLst>
+                                  <p:childTnLst>
+                                    <p:set>
+                                      <p:cBhvr>
+                                        <p:cTn id="30" dur="1" fill="hold">
+                                          <p:stCondLst>
+                                            <p:cond delay="0"/>
+                                          </p:stCondLst>
+                                        </p:cTn>
+                                        <p:tgtEl>
+                                          <p:spTgt spid="16"/>
+                                        </p:tgtEl>
+                                        <p:attrNameLst>
+                                          <p:attrName>style.visibility</p:attrName>
+                                        </p:attrNameLst>
+                                      </p:cBhvr>
+                                      <p:to>
+                                        <p:strVal val="visible"/>
+                                      </p:to>
+                                    </p:set>
+                                    <p:animEffect transition="in" filter="checkerboard(across)">
+                                      <p:cBhvr>
+                                        <p:cTn id="31" dur="500"/>
+                                        <p:tgtEl>
+                                          <p:spTgt spid="16"/>
+                                        </p:tgtEl>
+                                      </p:cBhvr>
+                                    </p:animEffect>
+                                  </p:childTnLst>
+                                </p:cTn>
+                              </p:par>
+                              <p:par>
+                                <p:cTn id="32" presetID="5" presetClass="entr" presetSubtype="10" fill="hold" grpId="0" nodeType="withEffect">
+                                  <p:stCondLst>
+                                    <p:cond delay="0"/>
+                                  </p:stCondLst>
+                                  <p:childTnLst>
+                                    <p:set>
+                                      <p:cBhvr>
+                                        <p:cTn id="33" dur="1" fill="hold">
+                                          <p:stCondLst>
+                                            <p:cond delay="0"/>
+                                          </p:stCondLst>
+                                        </p:cTn>
+                                        <p:tgtEl>
+                                          <p:spTgt spid="17"/>
+                                        </p:tgtEl>
+                                        <p:attrNameLst>
+                                          <p:attrName>style.visibility</p:attrName>
+                                        </p:attrNameLst>
+                                      </p:cBhvr>
+                                      <p:to>
+                                        <p:strVal val="visible"/>
+                                      </p:to>
+                                    </p:set>
+                                    <p:animEffect transition="in" filter="checkerboard(across)">
+                                      <p:cBhvr>
+                                        <p:cTn id="34" dur="500"/>
+                                        <p:tgtEl>
+                                          <p:spTgt spid="17"/>
+                                        </p:tgtEl>
+                                      </p:cBhvr>
+                                    </p:animEffect>
+                                  </p:childTnLst>
+                                </p:cTn>
+                              </p:par>
+                            </p:childTnLst>
+                          </p:cTn>
+                        </p:par>
+                      </p:childTnLst>
+                    </p:cTn>
+                  </p:par>
+                  <p:par>
+                    <p:cTn id="35" fill="hold">
+                      <p:stCondLst>
+                        <p:cond delay="indefinite"/>
+                      </p:stCondLst>
+                      <p:childTnLst>
+                        <p:par>
+                          <p:cTn id="36" fill="hold">
+                            <p:stCondLst>
+                              <p:cond delay="0"/>
+                            </p:stCondLst>
+                            <p:childTnLst>
+                              <p:par>
+                                <p:cTn id="37" presetID="5" presetClass="entr" presetSubtype="10" fill="hold" grpId="0" nodeType="clickEffect">
+                                  <p:stCondLst>
+                                    <p:cond delay="0"/>
+                                  </p:stCondLst>
+                                  <p:childTnLst>
+                                    <p:set>
+                                      <p:cBhvr>
+                                        <p:cTn id="38" dur="1" fill="hold">
+                                          <p:stCondLst>
+                                            <p:cond delay="0"/>
+                                          </p:stCondLst>
+                                        </p:cTn>
+                                        <p:tgtEl>
+                                          <p:spTgt spid="18"/>
+                                        </p:tgtEl>
+                                        <p:attrNameLst>
+                                          <p:attrName>style.visibility</p:attrName>
+                                        </p:attrNameLst>
+                                      </p:cBhvr>
+                                      <p:to>
+                                        <p:strVal val="visible"/>
+                                      </p:to>
+                                    </p:set>
+                                    <p:animEffect transition="in" filter="checkerboard(across)">
+                                      <p:cBhvr>
+                                        <p:cTn id="39" dur="500"/>
+                                        <p:tgtEl>
+                                          <p:spTgt spid="18"/>
+                                        </p:tgtEl>
+                                      </p:cBhvr>
+                                    </p:animEffect>
+                                  </p:childTnLst>
+                                </p:cTn>
+                              </p:par>
+                              <p:par>
+                                <p:cTn id="40" presetID="5" presetClass="entr" presetSubtype="10" fill="hold" grpId="0" nodeType="withEffect">
+                                  <p:stCondLst>
+                                    <p:cond delay="0"/>
+                                  </p:stCondLst>
+                                  <p:childTnLst>
+                                    <p:set>
+                                      <p:cBhvr>
+                                        <p:cTn id="41" dur="1" fill="hold">
+                                          <p:stCondLst>
+                                            <p:cond delay="0"/>
+                                          </p:stCondLst>
+                                        </p:cTn>
+                                        <p:tgtEl>
+                                          <p:spTgt spid="19"/>
+                                        </p:tgtEl>
+                                        <p:attrNameLst>
+                                          <p:attrName>style.visibility</p:attrName>
+                                        </p:attrNameLst>
+                                      </p:cBhvr>
+                                      <p:to>
+                                        <p:strVal val="visible"/>
+                                      </p:to>
+                                    </p:set>
+                                    <p:animEffect transition="in" filter="checkerboard(across)">
+                                      <p:cBhvr>
+                                        <p:cTn id="42" dur="500"/>
+                                        <p:tgtEl>
+                                          <p:spTgt spid="19"/>
+                                        </p:tgtEl>
+                                      </p:cBhvr>
+                                    </p:animEffect>
+                                  </p:childTnLst>
+                                </p:cTn>
+                              </p:par>
+                              <p:par>
+                                <p:cTn id="43" presetID="5" presetClass="entr" presetSubtype="10" fill="hold" grpId="0" nodeType="withEffect">
+                                  <p:stCondLst>
+                                    <p:cond delay="0"/>
+                                  </p:stCondLst>
+                                  <p:childTnLst>
+                                    <p:set>
+                                      <p:cBhvr>
+                                        <p:cTn id="44" dur="1" fill="hold">
+                                          <p:stCondLst>
+                                            <p:cond delay="0"/>
+                                          </p:stCondLst>
+                                        </p:cTn>
+                                        <p:tgtEl>
+                                          <p:spTgt spid="20"/>
+                                        </p:tgtEl>
+                                        <p:attrNameLst>
+                                          <p:attrName>style.visibility</p:attrName>
+                                        </p:attrNameLst>
+                                      </p:cBhvr>
+                                      <p:to>
+                                        <p:strVal val="visible"/>
+                                      </p:to>
+                                    </p:set>
+                                    <p:animEffect transition="in" filter="checkerboard(across)">
+                                      <p:cBhvr>
+                                        <p:cTn id="45" dur="500"/>
+                                        <p:tgtEl>
+                                          <p:spTgt spid="20"/>
+                                        </p:tgtEl>
+                                      </p:cBhvr>
+                                    </p:animEffect>
+                                  </p:childTnLst>
+                                </p:cTn>
+                              </p:par>
+                              <p:par>
+                                <p:cTn id="46" presetID="5" presetClass="entr" presetSubtype="10" fill="hold" grpId="0" nodeType="withEffect">
+                                  <p:stCondLst>
+                                    <p:cond delay="0"/>
+                                  </p:stCondLst>
+                                  <p:childTnLst>
+                                    <p:set>
+                                      <p:cBhvr>
+                                        <p:cTn id="47" dur="1" fill="hold">
+                                          <p:stCondLst>
+                                            <p:cond delay="0"/>
+                                          </p:stCondLst>
+                                        </p:cTn>
+                                        <p:tgtEl>
+                                          <p:spTgt spid="21"/>
+                                        </p:tgtEl>
+                                        <p:attrNameLst>
+                                          <p:attrName>style.visibility</p:attrName>
+                                        </p:attrNameLst>
+                                      </p:cBhvr>
+                                      <p:to>
+                                        <p:strVal val="visible"/>
+                                      </p:to>
+                                    </p:set>
+                                    <p:animEffect transition="in" filter="checkerboard(across)">
+                                      <p:cBhvr>
+                                        <p:cTn id="48" dur="500"/>
+                                        <p:tgtEl>
+                                          <p:spTgt spid="21"/>
+                                        </p:tgtEl>
+                                      </p:cBhvr>
+                                    </p:animEffect>
+                                  </p:childTnLst>
+                                </p:cTn>
+                              </p:par>
+                              <p:par>
+                                <p:cTn id="49" presetID="5" presetClass="entr" presetSubtype="10" fill="hold" grpId="0" nodeType="withEffect">
+                                  <p:stCondLst>
+                                    <p:cond delay="0"/>
+                                  </p:stCondLst>
+                                  <p:childTnLst>
+                                    <p:set>
+                                      <p:cBhvr>
+                                        <p:cTn id="50" dur="1" fill="hold">
+                                          <p:stCondLst>
+                                            <p:cond delay="0"/>
+                                          </p:stCondLst>
+                                        </p:cTn>
+                                        <p:tgtEl>
+                                          <p:spTgt spid="22"/>
+                                        </p:tgtEl>
+                                        <p:attrNameLst>
+                                          <p:attrName>style.visibility</p:attrName>
+                                        </p:attrNameLst>
+                                      </p:cBhvr>
+                                      <p:to>
+                                        <p:strVal val="visible"/>
+                                      </p:to>
+                                    </p:set>
+                                    <p:animEffect transition="in" filter="checkerboard(across)">
+                                      <p:cBhvr>
+                                        <p:cTn id="51" dur="500"/>
+                                        <p:tgtEl>
+                                          <p:spTgt spid="22"/>
+                                        </p:tgtEl>
+                                      </p:cBhvr>
+                                    </p:animEffect>
+                                  </p:childTnLst>
+                                </p:cTn>
+                              </p:par>
+                              <p:par>
+                                <p:cTn id="52" presetID="5" presetClass="entr" presetSubtype="10" fill="hold" grpId="0" nodeType="withEffect">
+                                  <p:stCondLst>
+                                    <p:cond delay="0"/>
+                                  </p:stCondLst>
+                                  <p:childTnLst>
+                                    <p:set>
+                                      <p:cBhvr>
+                                        <p:cTn id="53" dur="1" fill="hold">
+                                          <p:stCondLst>
+                                            <p:cond delay="0"/>
+                                          </p:stCondLst>
+                                        </p:cTn>
+                                        <p:tgtEl>
+                                          <p:spTgt spid="23"/>
+                                        </p:tgtEl>
+                                        <p:attrNameLst>
+                                          <p:attrName>style.visibility</p:attrName>
+                                        </p:attrNameLst>
+                                      </p:cBhvr>
+                                      <p:to>
+                                        <p:strVal val="visible"/>
+                                      </p:to>
+                                    </p:set>
+                                    <p:animEffect transition="in" filter="checkerboard(across)">
+                                      <p:cBhvr>
+                                        <p:cTn id="54" dur="500"/>
+                                        <p:tgtEl>
+                                          <p:spTgt spid="23"/>
+                                        </p:tgtEl>
+                                      </p:cBhvr>
+                                    </p:animEffect>
+                                  </p:childTnLst>
+                                </p:cTn>
+                              </p:par>
+                              <p:par>
+                                <p:cTn id="55" presetID="5" presetClass="entr" presetSubtype="10" fill="hold" grpId="0" nodeType="withEffect">
+                                  <p:stCondLst>
+                                    <p:cond delay="0"/>
+                                  </p:stCondLst>
+                                  <p:childTnLst>
+                                    <p:set>
+                                      <p:cBhvr>
+                                        <p:cTn id="56" dur="1" fill="hold">
+                                          <p:stCondLst>
+                                            <p:cond delay="0"/>
+                                          </p:stCondLst>
+                                        </p:cTn>
+                                        <p:tgtEl>
+                                          <p:spTgt spid="24"/>
+                                        </p:tgtEl>
+                                        <p:attrNameLst>
+                                          <p:attrName>style.visibility</p:attrName>
+                                        </p:attrNameLst>
+                                      </p:cBhvr>
+                                      <p:to>
+                                        <p:strVal val="visible"/>
+                                      </p:to>
+                                    </p:set>
+                                    <p:animEffect transition="in" filter="checkerboard(across)">
+                                      <p:cBhvr>
+                                        <p:cTn id="57" dur="500"/>
+                                        <p:tgtEl>
+                                          <p:spTgt spid="24"/>
+                                        </p:tgtEl>
+                                      </p:cBhvr>
+                                    </p:animEffect>
+                                  </p:childTnLst>
+                                </p:cTn>
+                              </p:par>
+                              <p:par>
+                                <p:cTn id="58" presetID="5" presetClass="entr" presetSubtype="10" fill="hold" grpId="0" nodeType="withEffect">
+                                  <p:stCondLst>
+                                    <p:cond delay="0"/>
+                                  </p:stCondLst>
+                                  <p:childTnLst>
+                                    <p:set>
+                                      <p:cBhvr>
+                                        <p:cTn id="59" dur="1" fill="hold">
+                                          <p:stCondLst>
+                                            <p:cond delay="0"/>
+                                          </p:stCondLst>
+                                        </p:cTn>
+                                        <p:tgtEl>
+                                          <p:spTgt spid="25"/>
+                                        </p:tgtEl>
+                                        <p:attrNameLst>
+                                          <p:attrName>style.visibility</p:attrName>
+                                        </p:attrNameLst>
+                                      </p:cBhvr>
+                                      <p:to>
+                                        <p:strVal val="visible"/>
+                                      </p:to>
+                                    </p:set>
+                                    <p:animEffect transition="in" filter="checkerboard(across)">
+                                      <p:cBhvr>
+                                        <p:cTn id="60" dur="500"/>
+                                        <p:tgtEl>
+                                          <p:spTgt spid="25"/>
+                                        </p:tgtEl>
+                                      </p:cBhvr>
+                                    </p:animEffect>
+                                  </p:childTnLst>
+                                </p:cTn>
+                              </p:par>
+                              <p:par>
+                                <p:cTn id="61" presetID="5" presetClass="entr" presetSubtype="10" fill="hold" grpId="0" nodeType="withEffect">
+                                  <p:stCondLst>
+                                    <p:cond delay="0"/>
+                                  </p:stCondLst>
+                                  <p:childTnLst>
+                                    <p:set>
+                                      <p:cBhvr>
+                                        <p:cTn id="62" dur="1" fill="hold">
+                                          <p:stCondLst>
+                                            <p:cond delay="0"/>
+                                          </p:stCondLst>
+                                        </p:cTn>
+                                        <p:tgtEl>
+                                          <p:spTgt spid="26"/>
+                                        </p:tgtEl>
+                                        <p:attrNameLst>
+                                          <p:attrName>style.visibility</p:attrName>
+                                        </p:attrNameLst>
+                                      </p:cBhvr>
+                                      <p:to>
+                                        <p:strVal val="visible"/>
+                                      </p:to>
+                                    </p:set>
+                                    <p:animEffect transition="in" filter="checkerboard(across)">
+                                      <p:cBhvr>
+                                        <p:cTn id="63" dur="500"/>
+                                        <p:tgtEl>
+                                          <p:spTgt spid="26"/>
+                                        </p:tgtEl>
+                                      </p:cBhvr>
+                                    </p:animEffect>
+                                  </p:childTnLst>
+                                </p:cTn>
+                              </p:par>
+                              <p:par>
+                                <p:cTn id="64" presetID="5" presetClass="entr" presetSubtype="10" fill="hold" grpId="0" nodeType="withEffect">
+                                  <p:stCondLst>
+                                    <p:cond delay="0"/>
+                                  </p:stCondLst>
+                                  <p:childTnLst>
+                                    <p:set>
+                                      <p:cBhvr>
+                                        <p:cTn id="65" dur="1" fill="hold">
+                                          <p:stCondLst>
+                                            <p:cond delay="0"/>
+                                          </p:stCondLst>
+                                        </p:cTn>
+                                        <p:tgtEl>
+                                          <p:spTgt spid="27"/>
+                                        </p:tgtEl>
+                                        <p:attrNameLst>
+                                          <p:attrName>style.visibility</p:attrName>
+                                        </p:attrNameLst>
+                                      </p:cBhvr>
+                                      <p:to>
+                                        <p:strVal val="visible"/>
+                                      </p:to>
+                                    </p:set>
+                                    <p:animEffect transition="in" filter="checkerboard(across)">
+                                      <p:cBhvr>
+                                        <p:cTn id="66" dur="500"/>
+                                        <p:tgtEl>
+                                          <p:spTgt spid="27"/>
+                                        </p:tgtEl>
+                                      </p:cBhvr>
+                                    </p:animEffect>
+                                  </p:childTnLst>
+                                </p:cTn>
+                              </p:par>
+                              <p:par>
+                                <p:cTn id="67" presetID="5" presetClass="entr" presetSubtype="10" fill="hold" nodeType="withEffect">
+                                  <p:stCondLst>
+                                    <p:cond delay="0"/>
+                                  </p:stCondLst>
+                                  <p:childTnLst>
+                                    <p:set>
+                                      <p:cBhvr>
+                                        <p:cTn id="68" dur="1" fill="hold">
+                                          <p:stCondLst>
+                                            <p:cond delay="0"/>
+                                          </p:stCondLst>
+                                        </p:cTn>
+                                        <p:tgtEl>
+                                          <p:spTgt spid="31"/>
+                                        </p:tgtEl>
+                                        <p:attrNameLst>
+                                          <p:attrName>style.visibility</p:attrName>
+                                        </p:attrNameLst>
+                                      </p:cBhvr>
+                                      <p:to>
+                                        <p:strVal val="visible"/>
+                                      </p:to>
+                                    </p:set>
+                                    <p:animEffect transition="in" filter="checkerboard(across)">
+                                      <p:cBhvr>
+                                        <p:cTn id="69" dur="500"/>
+                                        <p:tgtEl>
+                                          <p:spTgt spid="31"/>
+                                        </p:tgtEl>
+                                      </p:cBhvr>
+                                    </p:animEffect>
+                                  </p:childTnLst>
+                                </p:cTn>
+                              </p:par>
+                              <p:par>
+                                <p:cTn id="70" presetID="5" presetClass="entr" presetSubtype="10" fill="hold" nodeType="withEffect">
+                                  <p:stCondLst>
+                                    <p:cond delay="0"/>
+                                  </p:stCondLst>
+                                  <p:childTnLst>
+                                    <p:set>
+                                      <p:cBhvr>
+                                        <p:cTn id="71" dur="1" fill="hold">
+                                          <p:stCondLst>
+                                            <p:cond delay="0"/>
+                                          </p:stCondLst>
+                                        </p:cTn>
+                                        <p:tgtEl>
+                                          <p:spTgt spid="33"/>
+                                        </p:tgtEl>
+                                        <p:attrNameLst>
+                                          <p:attrName>style.visibility</p:attrName>
+                                        </p:attrNameLst>
+                                      </p:cBhvr>
+                                      <p:to>
+                                        <p:strVal val="visible"/>
+                                      </p:to>
+                                    </p:set>
+                                    <p:animEffect transition="in" filter="checkerboard(across)">
+                                      <p:cBhvr>
+                                        <p:cTn id="72" dur="500"/>
+                                        <p:tgtEl>
+                                          <p:spTgt spid="33"/>
+                                        </p:tgtEl>
+                                      </p:cBhvr>
+                                    </p:animEffect>
+                                  </p:childTnLst>
+                                </p:cTn>
+                              </p:par>
+                              <p:par>
+                                <p:cTn id="73" presetID="5" presetClass="entr" presetSubtype="10" fill="hold" nodeType="withEffect">
+                                  <p:stCondLst>
+                                    <p:cond delay="0"/>
+                                  </p:stCondLst>
+                                  <p:childTnLst>
+                                    <p:set>
+                                      <p:cBhvr>
+                                        <p:cTn id="74" dur="1" fill="hold">
+                                          <p:stCondLst>
+                                            <p:cond delay="0"/>
+                                          </p:stCondLst>
+                                        </p:cTn>
+                                        <p:tgtEl>
+                                          <p:spTgt spid="35"/>
+                                        </p:tgtEl>
+                                        <p:attrNameLst>
+                                          <p:attrName>style.visibility</p:attrName>
+                                        </p:attrNameLst>
+                                      </p:cBhvr>
+                                      <p:to>
+                                        <p:strVal val="visible"/>
+                                      </p:to>
+                                    </p:set>
+                                    <p:animEffect transition="in" filter="checkerboard(across)">
+                                      <p:cBhvr>
+                                        <p:cTn id="75" dur="500"/>
+                                        <p:tgtEl>
+                                          <p:spTgt spid="35"/>
+                                        </p:tgtEl>
+                                      </p:cBhvr>
+                                    </p:animEffect>
+                                  </p:childTnLst>
+                                </p:cTn>
+                              </p:par>
+                              <p:par>
+                                <p:cTn id="76" presetID="5" presetClass="entr" presetSubtype="10" fill="hold" nodeType="withEffect">
+                                  <p:stCondLst>
+                                    <p:cond delay="0"/>
+                                  </p:stCondLst>
+                                  <p:childTnLst>
+                                    <p:set>
+                                      <p:cBhvr>
+                                        <p:cTn id="77" dur="1" fill="hold">
+                                          <p:stCondLst>
+                                            <p:cond delay="0"/>
+                                          </p:stCondLst>
+                                        </p:cTn>
+                                        <p:tgtEl>
+                                          <p:spTgt spid="37"/>
+                                        </p:tgtEl>
+                                        <p:attrNameLst>
+                                          <p:attrName>style.visibility</p:attrName>
+                                        </p:attrNameLst>
+                                      </p:cBhvr>
+                                      <p:to>
+                                        <p:strVal val="visible"/>
+                                      </p:to>
+                                    </p:set>
+                                    <p:animEffect transition="in" filter="checkerboard(across)">
+                                      <p:cBhvr>
+                                        <p:cTn id="78" dur="500"/>
+                                        <p:tgtEl>
+                                          <p:spTgt spid="37"/>
+                                        </p:tgtEl>
+                                      </p:cBhvr>
+                                    </p:animEffect>
+                                  </p:childTnLst>
+                                </p:cTn>
+                              </p:par>
+                              <p:par>
+                                <p:cTn id="79" presetID="5" presetClass="entr" presetSubtype="10" fill="hold" nodeType="withEffect">
+                                  <p:stCondLst>
+                                    <p:cond delay="0"/>
+                                  </p:stCondLst>
+                                  <p:childTnLst>
+                                    <p:set>
+                                      <p:cBhvr>
+                                        <p:cTn id="80" dur="1" fill="hold">
+                                          <p:stCondLst>
+                                            <p:cond delay="0"/>
+                                          </p:stCondLst>
+                                        </p:cTn>
+                                        <p:tgtEl>
+                                          <p:spTgt spid="39"/>
+                                        </p:tgtEl>
+                                        <p:attrNameLst>
+                                          <p:attrName>style.visibility</p:attrName>
+                                        </p:attrNameLst>
+                                      </p:cBhvr>
+                                      <p:to>
+                                        <p:strVal val="visible"/>
+                                      </p:to>
+                                    </p:set>
+                                    <p:animEffect transition="in" filter="checkerboard(across)">
+                                      <p:cBhvr>
+                                        <p:cTn id="81" dur="500"/>
+                                        <p:tgtEl>
+                                          <p:spTgt spid="39"/>
+                                        </p:tgtEl>
+                                      </p:cBhvr>
+                                    </p:animEffect>
+                                  </p:childTnLst>
+                                </p:cTn>
+                              </p:par>
+                              <p:par>
+                                <p:cTn id="82" presetID="5" presetClass="entr" presetSubtype="10" fill="hold" nodeType="withEffect">
+                                  <p:stCondLst>
+                                    <p:cond delay="0"/>
+                                  </p:stCondLst>
+                                  <p:childTnLst>
+                                    <p:set>
+                                      <p:cBhvr>
+                                        <p:cTn id="83" dur="1" fill="hold">
+                                          <p:stCondLst>
+                                            <p:cond delay="0"/>
+                                          </p:stCondLst>
+                                        </p:cTn>
+                                        <p:tgtEl>
+                                          <p:spTgt spid="43"/>
+                                        </p:tgtEl>
+                                        <p:attrNameLst>
+                                          <p:attrName>style.visibility</p:attrName>
+                                        </p:attrNameLst>
+                                      </p:cBhvr>
+                                      <p:to>
+                                        <p:strVal val="visible"/>
+                                      </p:to>
+                                    </p:set>
+                                    <p:animEffect transition="in" filter="checkerboard(across)">
+                                      <p:cBhvr>
+                                        <p:cTn id="84" dur="500"/>
+                                        <p:tgtEl>
+                                          <p:spTgt spid="43"/>
+                                        </p:tgtEl>
+                                      </p:cBhvr>
+                                    </p:animEffect>
+                                  </p:childTnLst>
+                                </p:cTn>
+                              </p:par>
+                              <p:par>
+                                <p:cTn id="85" presetID="5" presetClass="entr" presetSubtype="10" fill="hold" nodeType="withEffect">
+                                  <p:stCondLst>
+                                    <p:cond delay="0"/>
+                                  </p:stCondLst>
+                                  <p:childTnLst>
+                                    <p:set>
+                                      <p:cBhvr>
+                                        <p:cTn id="86" dur="1" fill="hold">
+                                          <p:stCondLst>
+                                            <p:cond delay="0"/>
+                                          </p:stCondLst>
+                                        </p:cTn>
+                                        <p:tgtEl>
+                                          <p:spTgt spid="46"/>
+                                        </p:tgtEl>
+                                        <p:attrNameLst>
+                                          <p:attrName>style.visibility</p:attrName>
+                                        </p:attrNameLst>
+                                      </p:cBhvr>
+                                      <p:to>
+                                        <p:strVal val="visible"/>
+                                      </p:to>
+                                    </p:set>
+                                    <p:animEffect transition="in" filter="checkerboard(across)">
+                                      <p:cBhvr>
+                                        <p:cTn id="87" dur="500"/>
+                                        <p:tgtEl>
+                                          <p:spTgt spid="46"/>
+                                        </p:tgtEl>
+                                      </p:cBhvr>
+                                    </p:animEffect>
+                                  </p:childTnLst>
+                                </p:cTn>
+                              </p:par>
+                              <p:par>
+                                <p:cTn id="88" presetID="5" presetClass="entr" presetSubtype="10" fill="hold" nodeType="withEffect">
+                                  <p:stCondLst>
+                                    <p:cond delay="0"/>
+                                  </p:stCondLst>
+                                  <p:childTnLst>
+                                    <p:set>
+                                      <p:cBhvr>
+                                        <p:cTn id="89" dur="1" fill="hold">
+                                          <p:stCondLst>
+                                            <p:cond delay="0"/>
+                                          </p:stCondLst>
+                                        </p:cTn>
+                                        <p:tgtEl>
+                                          <p:spTgt spid="48"/>
+                                        </p:tgtEl>
+                                        <p:attrNameLst>
+                                          <p:attrName>style.visibility</p:attrName>
+                                        </p:attrNameLst>
+                                      </p:cBhvr>
+                                      <p:to>
+                                        <p:strVal val="visible"/>
+                                      </p:to>
+                                    </p:set>
+                                    <p:animEffect transition="in" filter="checkerboard(across)">
+                                      <p:cBhvr>
+                                        <p:cTn id="90" dur="500"/>
+                                        <p:tgtEl>
+                                          <p:spTgt spid="48"/>
+                                        </p:tgtEl>
+                                      </p:cBhvr>
+                                    </p:animEffect>
+                                  </p:childTnLst>
+                                </p:cTn>
+                              </p:par>
+                              <p:par>
+                                <p:cTn id="91" presetID="5" presetClass="entr" presetSubtype="10" fill="hold" nodeType="withEffect">
+                                  <p:stCondLst>
+                                    <p:cond delay="0"/>
+                                  </p:stCondLst>
+                                  <p:childTnLst>
+                                    <p:set>
+                                      <p:cBhvr>
+                                        <p:cTn id="92" dur="1" fill="hold">
+                                          <p:stCondLst>
+                                            <p:cond delay="0"/>
+                                          </p:stCondLst>
+                                        </p:cTn>
+                                        <p:tgtEl>
+                                          <p:spTgt spid="50"/>
+                                        </p:tgtEl>
+                                        <p:attrNameLst>
+                                          <p:attrName>style.visibility</p:attrName>
+                                        </p:attrNameLst>
+                                      </p:cBhvr>
+                                      <p:to>
+                                        <p:strVal val="visible"/>
+                                      </p:to>
+                                    </p:set>
+                                    <p:animEffect transition="in" filter="checkerboard(across)">
+                                      <p:cBhvr>
+                                        <p:cTn id="93" dur="500"/>
+                                        <p:tgtEl>
+                                          <p:spTgt spid="50"/>
+                                        </p:tgtEl>
+                                      </p:cBhvr>
+                                    </p:animEffect>
+                                  </p:childTnLst>
+                                </p:cTn>
+                              </p:par>
+                              <p:par>
+                                <p:cTn id="94" presetID="5" presetClass="entr" presetSubtype="10" fill="hold" nodeType="withEffect">
+                                  <p:stCondLst>
+                                    <p:cond delay="0"/>
+                                  </p:stCondLst>
+                                  <p:childTnLst>
+                                    <p:set>
+                                      <p:cBhvr>
+                                        <p:cTn id="95" dur="1" fill="hold">
+                                          <p:stCondLst>
+                                            <p:cond delay="0"/>
+                                          </p:stCondLst>
+                                        </p:cTn>
+                                        <p:tgtEl>
+                                          <p:spTgt spid="52"/>
+                                        </p:tgtEl>
+                                        <p:attrNameLst>
+                                          <p:attrName>style.visibility</p:attrName>
+                                        </p:attrNameLst>
+                                      </p:cBhvr>
+                                      <p:to>
+                                        <p:strVal val="visible"/>
+                                      </p:to>
+                                    </p:set>
+                                    <p:animEffect transition="in" filter="checkerboard(across)">
+                                      <p:cBhvr>
+                                        <p:cTn id="96" dur="500"/>
+                                        <p:tgtEl>
+                                          <p:spTgt spid="52"/>
+                                        </p:tgtEl>
+                                      </p:cBhvr>
+                                    </p:animEffect>
+                                  </p:childTnLst>
+                                </p:cTn>
+                              </p:par>
+                            </p:childTnLst>
+                          </p:cTn>
+                        </p:par>
+                      </p:childTnLst>
+                    </p:cTn>
+                  </p:par>
+                  <p:par>
+                    <p:cTn id="97" fill="hold">
+                      <p:stCondLst>
+                        <p:cond delay="indefinite"/>
+                      </p:stCondLst>
+                      <p:childTnLst>
+                        <p:par>
+                          <p:cTn id="98" fill="hold">
+                            <p:stCondLst>
+                              <p:cond delay="0"/>
+                            </p:stCondLst>
+                            <p:childTnLst>
+                              <p:par>
+                                <p:cTn id="99" presetID="5" presetClass="entr" presetSubtype="10" fill="hold" grpId="0" nodeType="clickEffect">
+                                  <p:stCondLst>
+                                    <p:cond delay="0"/>
+                                  </p:stCondLst>
+                                  <p:childTnLst>
+                                    <p:set>
+                                      <p:cBhvr>
+                                        <p:cTn id="100" dur="1" fill="hold">
+                                          <p:stCondLst>
+                                            <p:cond delay="0"/>
+                                          </p:stCondLst>
+                                        </p:cTn>
+                                        <p:tgtEl>
+                                          <p:spTgt spid="53"/>
+                                        </p:tgtEl>
+                                        <p:attrNameLst>
+                                          <p:attrName>style.visibility</p:attrName>
+                                        </p:attrNameLst>
+                                      </p:cBhvr>
+                                      <p:to>
+                                        <p:strVal val="visible"/>
+                                      </p:to>
+                                    </p:set>
+                                    <p:animEffect transition="in" filter="checkerboard(across)">
+                                      <p:cBhvr>
+                                        <p:cTn id="101" dur="500"/>
+                                        <p:tgtEl>
+                                          <p:spTgt spid="53"/>
+                                        </p:tgtEl>
+                                      </p:cBhvr>
+                                    </p:animEffect>
+                                  </p:childTnLst>
+                                </p:cTn>
+                              </p:par>
+                              <p:par>
+                                <p:cTn id="102" presetID="5" presetClass="entr" presetSubtype="10" fill="hold" grpId="0" nodeType="withEffect">
+                                  <p:stCondLst>
+                                    <p:cond delay="0"/>
+                                  </p:stCondLst>
+                                  <p:childTnLst>
+                                    <p:set>
+                                      <p:cBhvr>
+                                        <p:cTn id="103" dur="1" fill="hold">
+                                          <p:stCondLst>
+                                            <p:cond delay="0"/>
+                                          </p:stCondLst>
+                                        </p:cTn>
+                                        <p:tgtEl>
+                                          <p:spTgt spid="54"/>
+                                        </p:tgtEl>
+                                        <p:attrNameLst>
+                                          <p:attrName>style.visibility</p:attrName>
+                                        </p:attrNameLst>
+                                      </p:cBhvr>
+                                      <p:to>
+                                        <p:strVal val="visible"/>
+                                      </p:to>
+                                    </p:set>
+                                    <p:animEffect transition="in" filter="checkerboard(across)">
+                                      <p:cBhvr>
+                                        <p:cTn id="104" dur="500"/>
+                                        <p:tgtEl>
+                                          <p:spTgt spid="54"/>
+                                        </p:tgtEl>
+                                      </p:cBhvr>
+                                    </p:animEffect>
+                                  </p:childTnLst>
+                                </p:cTn>
+                              </p:par>
+                              <p:par>
+                                <p:cTn id="105" presetID="5" presetClass="entr" presetSubtype="10" fill="hold" grpId="0" nodeType="withEffect">
+                                  <p:stCondLst>
+                                    <p:cond delay="0"/>
+                                  </p:stCondLst>
+                                  <p:childTnLst>
+                                    <p:set>
+                                      <p:cBhvr>
+                                        <p:cTn id="106" dur="1" fill="hold">
+                                          <p:stCondLst>
+                                            <p:cond delay="0"/>
+                                          </p:stCondLst>
+                                        </p:cTn>
+                                        <p:tgtEl>
+                                          <p:spTgt spid="55"/>
+                                        </p:tgtEl>
+                                        <p:attrNameLst>
+                                          <p:attrName>style.visibility</p:attrName>
+                                        </p:attrNameLst>
+                                      </p:cBhvr>
+                                      <p:to>
+                                        <p:strVal val="visible"/>
+                                      </p:to>
+                                    </p:set>
+                                    <p:animEffect transition="in" filter="checkerboard(across)">
+                                      <p:cBhvr>
+                                        <p:cTn id="107" dur="500"/>
+                                        <p:tgtEl>
+                                          <p:spTgt spid="55"/>
+                                        </p:tgtEl>
+                                      </p:cBhvr>
+                                    </p:animEffect>
+                                  </p:childTnLst>
+                                </p:cTn>
+                              </p:par>
+                              <p:par>
+                                <p:cTn id="108" presetID="5" presetClass="entr" presetSubtype="10" fill="hold" grpId="0" nodeType="withEffect">
+                                  <p:stCondLst>
+                                    <p:cond delay="0"/>
+                                  </p:stCondLst>
+                                  <p:childTnLst>
+                                    <p:set>
+                                      <p:cBhvr>
+                                        <p:cTn id="109" dur="1" fill="hold">
+                                          <p:stCondLst>
+                                            <p:cond delay="0"/>
+                                          </p:stCondLst>
+                                        </p:cTn>
+                                        <p:tgtEl>
+                                          <p:spTgt spid="56"/>
+                                        </p:tgtEl>
+                                        <p:attrNameLst>
+                                          <p:attrName>style.visibility</p:attrName>
+                                        </p:attrNameLst>
+                                      </p:cBhvr>
+                                      <p:to>
+                                        <p:strVal val="visible"/>
+                                      </p:to>
+                                    </p:set>
+                                    <p:animEffect transition="in" filter="checkerboard(across)">
+                                      <p:cBhvr>
+                                        <p:cTn id="110" dur="500"/>
+                                        <p:tgtEl>
+                                          <p:spTgt spid="56"/>
+                                        </p:tgtEl>
+                                      </p:cBhvr>
+                                    </p:animEffect>
+                                  </p:childTnLst>
+                                </p:cTn>
+                              </p:par>
+                              <p:par>
+                                <p:cTn id="111" presetID="5" presetClass="entr" presetSubtype="10" fill="hold" grpId="0" nodeType="withEffect">
+                                  <p:stCondLst>
+                                    <p:cond delay="0"/>
+                                  </p:stCondLst>
+                                  <p:childTnLst>
+                                    <p:set>
+                                      <p:cBhvr>
+                                        <p:cTn id="112" dur="1" fill="hold">
+                                          <p:stCondLst>
+                                            <p:cond delay="0"/>
+                                          </p:stCondLst>
+                                        </p:cTn>
+                                        <p:tgtEl>
+                                          <p:spTgt spid="57"/>
+                                        </p:tgtEl>
+                                        <p:attrNameLst>
+                                          <p:attrName>style.visibility</p:attrName>
+                                        </p:attrNameLst>
+                                      </p:cBhvr>
+                                      <p:to>
+                                        <p:strVal val="visible"/>
+                                      </p:to>
+                                    </p:set>
+                                    <p:animEffect transition="in" filter="checkerboard(across)">
+                                      <p:cBhvr>
+                                        <p:cTn id="113" dur="500"/>
+                                        <p:tgtEl>
+                                          <p:spTgt spid="57"/>
+                                        </p:tgtEl>
+                                      </p:cBhvr>
+                                    </p:animEffect>
+                                  </p:childTnLst>
+                                </p:cTn>
+                              </p:par>
+                              <p:par>
+                                <p:cTn id="114" presetID="5" presetClass="entr" presetSubtype="10" fill="hold" grpId="0" nodeType="withEffect">
+                                  <p:stCondLst>
+                                    <p:cond delay="0"/>
+                                  </p:stCondLst>
+                                  <p:childTnLst>
+                                    <p:set>
+                                      <p:cBhvr>
+                                        <p:cTn id="115" dur="1" fill="hold">
+                                          <p:stCondLst>
+                                            <p:cond delay="0"/>
+                                          </p:stCondLst>
+                                        </p:cTn>
+                                        <p:tgtEl>
+                                          <p:spTgt spid="58"/>
+                                        </p:tgtEl>
+                                        <p:attrNameLst>
+                                          <p:attrName>style.visibility</p:attrName>
+                                        </p:attrNameLst>
+                                      </p:cBhvr>
+                                      <p:to>
+                                        <p:strVal val="visible"/>
+                                      </p:to>
+                                    </p:set>
+                                    <p:animEffect transition="in" filter="checkerboard(across)">
+                                      <p:cBhvr>
+                                        <p:cTn id="116" dur="500"/>
+                                        <p:tgtEl>
+                                          <p:spTgt spid="58"/>
+                                        </p:tgtEl>
+                                      </p:cBhvr>
+                                    </p:animEffect>
+                                  </p:childTnLst>
+                                </p:cTn>
+                              </p:par>
+                              <p:par>
+                                <p:cTn id="117" presetID="5" presetClass="entr" presetSubtype="10" fill="hold" grpId="0" nodeType="withEffect">
+                                  <p:stCondLst>
+                                    <p:cond delay="0"/>
+                                  </p:stCondLst>
+                                  <p:childTnLst>
+                                    <p:set>
+                                      <p:cBhvr>
+                                        <p:cTn id="118" dur="1" fill="hold">
+                                          <p:stCondLst>
+                                            <p:cond delay="0"/>
+                                          </p:stCondLst>
+                                        </p:cTn>
+                                        <p:tgtEl>
+                                          <p:spTgt spid="59"/>
+                                        </p:tgtEl>
+                                        <p:attrNameLst>
+                                          <p:attrName>style.visibility</p:attrName>
+                                        </p:attrNameLst>
+                                      </p:cBhvr>
+                                      <p:to>
+                                        <p:strVal val="visible"/>
+                                      </p:to>
+                                    </p:set>
+                                    <p:animEffect transition="in" filter="checkerboard(across)">
+                                      <p:cBhvr>
+                                        <p:cTn id="119" dur="500"/>
+                                        <p:tgtEl>
+                                          <p:spTgt spid="59"/>
+                                        </p:tgtEl>
+                                      </p:cBhvr>
+                                    </p:animEffect>
+                                  </p:childTnLst>
+                                </p:cTn>
+                              </p:par>
+                              <p:par>
+                                <p:cTn id="120" presetID="5" presetClass="entr" presetSubtype="10" fill="hold" grpId="0" nodeType="withEffect">
+                                  <p:stCondLst>
+                                    <p:cond delay="0"/>
+                                  </p:stCondLst>
+                                  <p:childTnLst>
+                                    <p:set>
+                                      <p:cBhvr>
+                                        <p:cTn id="121" dur="1" fill="hold">
+                                          <p:stCondLst>
+                                            <p:cond delay="0"/>
+                                          </p:stCondLst>
+                                        </p:cTn>
+                                        <p:tgtEl>
+                                          <p:spTgt spid="60"/>
+                                        </p:tgtEl>
+                                        <p:attrNameLst>
+                                          <p:attrName>style.visibility</p:attrName>
+                                        </p:attrNameLst>
+                                      </p:cBhvr>
+                                      <p:to>
+                                        <p:strVal val="visible"/>
+                                      </p:to>
+                                    </p:set>
+                                    <p:animEffect transition="in" filter="checkerboard(across)">
+                                      <p:cBhvr>
+                                        <p:cTn id="122" dur="500"/>
+                                        <p:tgtEl>
+                                          <p:spTgt spid="60"/>
+                                        </p:tgtEl>
+                                      </p:cBhvr>
+                                    </p:animEffect>
+                                  </p:childTnLst>
+                                </p:cTn>
+                              </p:par>
+                              <p:par>
+                                <p:cTn id="123" presetID="5" presetClass="entr" presetSubtype="10" fill="hold" grpId="0" nodeType="withEffect">
+                                  <p:stCondLst>
+                                    <p:cond delay="0"/>
+                                  </p:stCondLst>
+                                  <p:childTnLst>
+                                    <p:set>
+                                      <p:cBhvr>
+                                        <p:cTn id="124" dur="1" fill="hold">
+                                          <p:stCondLst>
+                                            <p:cond delay="0"/>
+                                          </p:stCondLst>
+                                        </p:cTn>
+                                        <p:tgtEl>
+                                          <p:spTgt spid="61"/>
+                                        </p:tgtEl>
+                                        <p:attrNameLst>
+                                          <p:attrName>style.visibility</p:attrName>
+                                        </p:attrNameLst>
+                                      </p:cBhvr>
+                                      <p:to>
+                                        <p:strVal val="visible"/>
+                                      </p:to>
+                                    </p:set>
+                                    <p:animEffect transition="in" filter="checkerboard(across)">
+                                      <p:cBhvr>
+                                        <p:cTn id="125" dur="500"/>
+                                        <p:tgtEl>
+                                          <p:spTgt spid="61"/>
+                                        </p:tgtEl>
+                                      </p:cBhvr>
+                                    </p:animEffect>
+                                  </p:childTnLst>
+                                </p:cTn>
+                              </p:par>
+                              <p:par>
+                                <p:cTn id="126" presetID="5" presetClass="entr" presetSubtype="10" fill="hold" grpId="0" nodeType="withEffect">
+                                  <p:stCondLst>
+                                    <p:cond delay="0"/>
+                                  </p:stCondLst>
+                                  <p:childTnLst>
+                                    <p:set>
+                                      <p:cBhvr>
+                                        <p:cTn id="127" dur="1" fill="hold">
+                                          <p:stCondLst>
+                                            <p:cond delay="0"/>
+                                          </p:stCondLst>
+                                        </p:cTn>
+                                        <p:tgtEl>
+                                          <p:spTgt spid="62"/>
+                                        </p:tgtEl>
+                                        <p:attrNameLst>
+                                          <p:attrName>style.visibility</p:attrName>
+                                        </p:attrNameLst>
+                                      </p:cBhvr>
+                                      <p:to>
+                                        <p:strVal val="visible"/>
+                                      </p:to>
+                                    </p:set>
+                                    <p:animEffect transition="in" filter="checkerboard(across)">
+                                      <p:cBhvr>
+                                        <p:cTn id="128" dur="500"/>
+                                        <p:tgtEl>
+                                          <p:spTgt spid="62"/>
+                                        </p:tgtEl>
+                                      </p:cBhvr>
+                                    </p:animEffect>
+                                  </p:childTnLst>
+                                </p:cTn>
+                              </p:par>
+                              <p:par>
+                                <p:cTn id="129" presetID="5" presetClass="entr" presetSubtype="10" fill="hold" nodeType="withEffect">
+                                  <p:stCondLst>
+                                    <p:cond delay="0"/>
+                                  </p:stCondLst>
+                                  <p:childTnLst>
+                                    <p:set>
+                                      <p:cBhvr>
+                                        <p:cTn id="130" dur="1" fill="hold">
+                                          <p:stCondLst>
+                                            <p:cond delay="0"/>
+                                          </p:stCondLst>
+                                        </p:cTn>
+                                        <p:tgtEl>
+                                          <p:spTgt spid="64"/>
+                                        </p:tgtEl>
+                                        <p:attrNameLst>
+                                          <p:attrName>style.visibility</p:attrName>
+                                        </p:attrNameLst>
+                                      </p:cBhvr>
+                                      <p:to>
+                                        <p:strVal val="visible"/>
+                                      </p:to>
+                                    </p:set>
+                                    <p:animEffect transition="in" filter="checkerboard(across)">
+                                      <p:cBhvr>
+                                        <p:cTn id="131" dur="500"/>
+                                        <p:tgtEl>
+                                          <p:spTgt spid="64"/>
+                                        </p:tgtEl>
+                                      </p:cBhvr>
+                                    </p:animEffect>
+                                  </p:childTnLst>
+                                </p:cTn>
+                              </p:par>
+                              <p:par>
+                                <p:cTn id="132" presetID="5" presetClass="entr" presetSubtype="10" fill="hold" nodeType="withEffect">
+                                  <p:stCondLst>
+                                    <p:cond delay="0"/>
+                                  </p:stCondLst>
+                                  <p:childTnLst>
+                                    <p:set>
+                                      <p:cBhvr>
+                                        <p:cTn id="133" dur="1" fill="hold">
+                                          <p:stCondLst>
+                                            <p:cond delay="0"/>
+                                          </p:stCondLst>
+                                        </p:cTn>
+                                        <p:tgtEl>
+                                          <p:spTgt spid="66"/>
+                                        </p:tgtEl>
+                                        <p:attrNameLst>
+                                          <p:attrName>style.visibility</p:attrName>
+                                        </p:attrNameLst>
+                                      </p:cBhvr>
+                                      <p:to>
+                                        <p:strVal val="visible"/>
+                                      </p:to>
+                                    </p:set>
+                                    <p:animEffect transition="in" filter="checkerboard(across)">
+                                      <p:cBhvr>
+                                        <p:cTn id="134" dur="500"/>
+                                        <p:tgtEl>
+                                          <p:spTgt spid="66"/>
+                                        </p:tgtEl>
+                                      </p:cBhvr>
+                                    </p:animEffect>
+                                  </p:childTnLst>
+                                </p:cTn>
+                              </p:par>
+                              <p:par>
+                                <p:cTn id="135" presetID="5" presetClass="entr" presetSubtype="10" fill="hold" nodeType="withEffect">
+                                  <p:stCondLst>
+                                    <p:cond delay="0"/>
+                                  </p:stCondLst>
+                                  <p:childTnLst>
+                                    <p:set>
+                                      <p:cBhvr>
+                                        <p:cTn id="136" dur="1" fill="hold">
+                                          <p:stCondLst>
+                                            <p:cond delay="0"/>
+                                          </p:stCondLst>
+                                        </p:cTn>
+                                        <p:tgtEl>
+                                          <p:spTgt spid="68"/>
+                                        </p:tgtEl>
+                                        <p:attrNameLst>
+                                          <p:attrName>style.visibility</p:attrName>
+                                        </p:attrNameLst>
+                                      </p:cBhvr>
+                                      <p:to>
+                                        <p:strVal val="visible"/>
+                                      </p:to>
+                                    </p:set>
+                                    <p:animEffect transition="in" filter="checkerboard(across)">
+                                      <p:cBhvr>
+                                        <p:cTn id="137" dur="500"/>
+                                        <p:tgtEl>
+                                          <p:spTgt spid="68"/>
+                                        </p:tgtEl>
+                                      </p:cBhvr>
+                                    </p:animEffect>
+                                  </p:childTnLst>
+                                </p:cTn>
+                              </p:par>
+                              <p:par>
+                                <p:cTn id="138" presetID="5" presetClass="entr" presetSubtype="10" fill="hold" nodeType="withEffect">
+                                  <p:stCondLst>
+                                    <p:cond delay="0"/>
+                                  </p:stCondLst>
+                                  <p:childTnLst>
+                                    <p:set>
+                                      <p:cBhvr>
+                                        <p:cTn id="139" dur="1" fill="hold">
+                                          <p:stCondLst>
+                                            <p:cond delay="0"/>
+                                          </p:stCondLst>
+                                        </p:cTn>
+                                        <p:tgtEl>
+                                          <p:spTgt spid="70"/>
+                                        </p:tgtEl>
+                                        <p:attrNameLst>
+                                          <p:attrName>style.visibility</p:attrName>
+                                        </p:attrNameLst>
+                                      </p:cBhvr>
+                                      <p:to>
+                                        <p:strVal val="visible"/>
+                                      </p:to>
+                                    </p:set>
+                                    <p:animEffect transition="in" filter="checkerboard(across)">
+                                      <p:cBhvr>
+                                        <p:cTn id="140" dur="500"/>
+                                        <p:tgtEl>
+                                          <p:spTgt spid="70"/>
+                                        </p:tgtEl>
+                                      </p:cBhvr>
+                                    </p:animEffect>
+                                  </p:childTnLst>
+                                </p:cTn>
+                              </p:par>
+                              <p:par>
+                                <p:cTn id="141" presetID="5" presetClass="entr" presetSubtype="10" fill="hold" nodeType="withEffect">
+                                  <p:stCondLst>
+                                    <p:cond delay="0"/>
+                                  </p:stCondLst>
+                                  <p:childTnLst>
+                                    <p:set>
+                                      <p:cBhvr>
+                                        <p:cTn id="142" dur="1" fill="hold">
+                                          <p:stCondLst>
+                                            <p:cond delay="0"/>
+                                          </p:stCondLst>
+                                        </p:cTn>
+                                        <p:tgtEl>
+                                          <p:spTgt spid="72"/>
+                                        </p:tgtEl>
+                                        <p:attrNameLst>
+                                          <p:attrName>style.visibility</p:attrName>
+                                        </p:attrNameLst>
+                                      </p:cBhvr>
+                                      <p:to>
+                                        <p:strVal val="visible"/>
+                                      </p:to>
+                                    </p:set>
+                                    <p:animEffect transition="in" filter="checkerboard(across)">
+                                      <p:cBhvr>
+                                        <p:cTn id="143" dur="500"/>
+                                        <p:tgtEl>
+                                          <p:spTgt spid="72"/>
+                                        </p:tgtEl>
+                                      </p:cBhvr>
+                                    </p:animEffect>
+                                  </p:childTnLst>
+                                </p:cTn>
+                              </p:par>
+                              <p:par>
+                                <p:cTn id="144" presetID="5" presetClass="entr" presetSubtype="10" fill="hold" nodeType="withEffect">
+                                  <p:stCondLst>
+                                    <p:cond delay="0"/>
+                                  </p:stCondLst>
+                                  <p:childTnLst>
+                                    <p:set>
+                                      <p:cBhvr>
+                                        <p:cTn id="145" dur="1" fill="hold">
+                                          <p:stCondLst>
+                                            <p:cond delay="0"/>
+                                          </p:stCondLst>
+                                        </p:cTn>
+                                        <p:tgtEl>
+                                          <p:spTgt spid="76"/>
+                                        </p:tgtEl>
+                                        <p:attrNameLst>
+                                          <p:attrName>style.visibility</p:attrName>
+                                        </p:attrNameLst>
+                                      </p:cBhvr>
+                                      <p:to>
+                                        <p:strVal val="visible"/>
+                                      </p:to>
+                                    </p:set>
+                                    <p:animEffect transition="in" filter="checkerboard(across)">
+                                      <p:cBhvr>
+                                        <p:cTn id="146" dur="500"/>
+                                        <p:tgtEl>
+                                          <p:spTgt spid="76"/>
+                                        </p:tgtEl>
+                                      </p:cBhvr>
+                                    </p:animEffect>
+                                  </p:childTnLst>
+                                </p:cTn>
+                              </p:par>
+                              <p:par>
+                                <p:cTn id="147" presetID="5" presetClass="entr" presetSubtype="10" fill="hold" nodeType="withEffect">
+                                  <p:stCondLst>
+                                    <p:cond delay="0"/>
+                                  </p:stCondLst>
+                                  <p:childTnLst>
+                                    <p:set>
+                                      <p:cBhvr>
+                                        <p:cTn id="148" dur="1" fill="hold">
+                                          <p:stCondLst>
+                                            <p:cond delay="0"/>
+                                          </p:stCondLst>
+                                        </p:cTn>
+                                        <p:tgtEl>
+                                          <p:spTgt spid="77"/>
+                                        </p:tgtEl>
+                                        <p:attrNameLst>
+                                          <p:attrName>style.visibility</p:attrName>
+                                        </p:attrNameLst>
+                                      </p:cBhvr>
+                                      <p:to>
+                                        <p:strVal val="visible"/>
+                                      </p:to>
+                                    </p:set>
+                                    <p:animEffect transition="in" filter="checkerboard(across)">
+                                      <p:cBhvr>
+                                        <p:cTn id="149" dur="500"/>
+                                        <p:tgtEl>
+                                          <p:spTgt spid="77"/>
+                                        </p:tgtEl>
+                                      </p:cBhvr>
+                                    </p:animEffect>
+                                  </p:childTnLst>
+                                </p:cTn>
+                              </p:par>
+                              <p:par>
+                                <p:cTn id="150" presetID="5" presetClass="entr" presetSubtype="10" fill="hold" nodeType="withEffect">
+                                  <p:stCondLst>
+                                    <p:cond delay="0"/>
+                                  </p:stCondLst>
+                                  <p:childTnLst>
+                                    <p:set>
+                                      <p:cBhvr>
+                                        <p:cTn id="151" dur="1" fill="hold">
+                                          <p:stCondLst>
+                                            <p:cond delay="0"/>
+                                          </p:stCondLst>
+                                        </p:cTn>
+                                        <p:tgtEl>
+                                          <p:spTgt spid="78"/>
+                                        </p:tgtEl>
+                                        <p:attrNameLst>
+                                          <p:attrName>style.visibility</p:attrName>
+                                        </p:attrNameLst>
+                                      </p:cBhvr>
+                                      <p:to>
+                                        <p:strVal val="visible"/>
+                                      </p:to>
+                                    </p:set>
+                                    <p:animEffect transition="in" filter="checkerboard(across)">
+                                      <p:cBhvr>
+                                        <p:cTn id="152" dur="500"/>
+                                        <p:tgtEl>
+                                          <p:spTgt spid="78"/>
+                                        </p:tgtEl>
+                                      </p:cBhvr>
+                                    </p:animEffect>
+                                  </p:childTnLst>
+                                </p:cTn>
+                              </p:par>
+                              <p:par>
+                                <p:cTn id="153" presetID="5" presetClass="entr" presetSubtype="10" fill="hold" nodeType="withEffect">
+                                  <p:stCondLst>
+                                    <p:cond delay="0"/>
+                                  </p:stCondLst>
+                                  <p:childTnLst>
+                                    <p:set>
+                                      <p:cBhvr>
+                                        <p:cTn id="154" dur="1" fill="hold">
+                                          <p:stCondLst>
+                                            <p:cond delay="0"/>
+                                          </p:stCondLst>
+                                        </p:cTn>
+                                        <p:tgtEl>
+                                          <p:spTgt spid="79"/>
+                                        </p:tgtEl>
+                                        <p:attrNameLst>
+                                          <p:attrName>style.visibility</p:attrName>
+                                        </p:attrNameLst>
+                                      </p:cBhvr>
+                                      <p:to>
+                                        <p:strVal val="visible"/>
+                                      </p:to>
+                                    </p:set>
+                                    <p:animEffect transition="in" filter="checkerboard(across)">
+                                      <p:cBhvr>
+                                        <p:cTn id="155" dur="500"/>
+                                        <p:tgtEl>
+                                          <p:spTgt spid="79"/>
+                                        </p:tgtEl>
+                                      </p:cBhvr>
+                                    </p:animEffect>
+                                  </p:childTnLst>
+                                </p:cTn>
+                              </p:par>
+                              <p:par>
+                                <p:cTn id="156" presetID="5" presetClass="entr" presetSubtype="10" fill="hold" nodeType="withEffect">
+                                  <p:stCondLst>
+                                    <p:cond delay="0"/>
+                                  </p:stCondLst>
+                                  <p:childTnLst>
+                                    <p:set>
+                                      <p:cBhvr>
+                                        <p:cTn id="157" dur="1" fill="hold">
+                                          <p:stCondLst>
+                                            <p:cond delay="0"/>
+                                          </p:stCondLst>
+                                        </p:cTn>
+                                        <p:tgtEl>
+                                          <p:spTgt spid="80"/>
+                                        </p:tgtEl>
+                                        <p:attrNameLst>
+                                          <p:attrName>style.visibility</p:attrName>
+                                        </p:attrNameLst>
+                                      </p:cBhvr>
+                                      <p:to>
+                                        <p:strVal val="visible"/>
+                                      </p:to>
+                                    </p:set>
+                                    <p:animEffect transition="in" filter="checkerboard(across)">
+                                      <p:cBhvr>
+                                        <p:cTn id="158" dur="500"/>
+                                        <p:tgtEl>
+                                          <p:spTgt spid="80"/>
+                                        </p:tgtEl>
+                                      </p:cBhvr>
+                                    </p:animEffect>
+                                  </p:childTnLst>
+                                </p:cTn>
+                              </p:par>
+                            </p:childTnLst>
+                          </p:cTn>
+                        </p:par>
+                      </p:childTnLst>
+                    </p:cTn>
+                  </p:par>
+                </p:childTnLst>
+              </p:cTn>
+              <p:prevCondLst>
+                <p:cond evt="onPrev" delay="0">
+                  <p:tgtEl>
+                    <p:sldTgt/>
+                  </p:tgtEl>
+                </p:cond>
+              </p:prevCondLst>
+              <p:nextCondLst>
+                <p:cond evt="onNext" delay="0">
+                  <p:tgtEl>
+                    <p:sldTgt/>
+                  </p:tgtEl>
+                </p:cond>
+              </p:nextCondLst>
+            </p:seq>
+          </p:childTnLst>
+        </p:cTn>
+      </p:par>
+    </p:tnLst>
+    <p:bldLst>
+      <p:bldP spid="8" grpId="0" animBg="1"/>
+      <p:bldP spid="9" grpId="0" animBg="1"/>
+      <p:bldP spid="10" grpId="0" animBg="1"/>
+      <p:bldP spid="11" grpId="0" animBg="1"/>
+      <p:bldP spid="12" grpId="0" animBg="1"/>
+      <p:bldP spid="13" grpId="0" animBg="1"/>
+      <p:bldP spid="14" grpId="0" animBg="1"/>
+      <p:bldP spid="15" grpId="0" animBg="1"/>
+      <p:bldP spid="16" grpId="0" animBg="1"/>
+      <p:bldP spid="17" grpId="0" animBg="1"/>
+      <p:bldP spid="18" grpId="0"/>
+      <p:bldP spid="19" grpId="0"/>
+      <p:bldP spid="20" grpId="0"/>
+      <p:bldP spid="21" grpId="0"/>
+      <p:bldP spid="22" grpId="0"/>
+      <p:bldP spid="23" grpId="0"/>
+      <p:bldP spid="24" grpId="0"/>
+      <p:bldP spid="25" grpId="0"/>
+      <p:bldP spid="26" grpId="0"/>
+      <p:bldP spid="27" grpId="0"/>
+      <p:bldP spid="53" grpId="0"/>
+      <p:bldP spid="54" grpId="0"/>
+      <p:bldP spid="55" grpId="0"/>
+      <p:bldP spid="56" grpId="0"/>
+      <p:bldP spid="57" grpId="0"/>
+      <p:bldP spid="58" grpId="0"/>
+      <p:bldP spid="59" grpId="0"/>
+      <p:bldP spid="60" grpId="0"/>
+      <p:bldP spid="61" grpId="0"/>
+      <p:bldP spid="62" grpId="0"/>
+    </p:bldLst>
+  </p:timing>
+</p:sld>
+</file>
+
+<file path=ppt/slides/slide21.xml><?xml version="1.0" encoding="utf-8"?>
+<p:sld xmlns:a="http://schemas.openxmlformats.org/drawingml/2006/main" xmlns:r="http://schemas.openxmlformats.org/officeDocument/2006/relationships" xmlns:p="http://schemas.openxmlformats.org/presentationml/2006/main">
+  <p:cSld>
+    <p:spTree>
+      <p:nvGrpSpPr>
+        <p:cNvPr id="1" name=""/>
+        <p:cNvGrpSpPr/>
+        <p:nvPr/>
+      </p:nvGrpSpPr>
+      <p:grpSpPr>
+        <a:xfrm>
+          <a:off x="0" y="0"/>
+          <a:ext cx="0" cy="0"/>
+          <a:chOff x="0" y="0"/>
+          <a:chExt cx="0" cy="0"/>
+        </a:xfrm>
+      </p:grpSpPr>
+      <p:sp>
+        <p:nvSpPr>
+          <p:cNvPr id="2" name="Title 1"/>
+          <p:cNvSpPr>
+            <a:spLocks noGrp="1"/>
+          </p:cNvSpPr>
+          <p:nvPr>
+            <p:ph type="title"/>
+          </p:nvPr>
+        </p:nvSpPr>
+        <p:spPr>
+          <a:xfrm>
+            <a:off x="838200" y="81339"/>
+            <a:ext cx="10515600" cy="1325563"/>
+          </a:xfrm>
+        </p:spPr>
+        <p:txBody>
+          <a:bodyPr/>
+          <a:lstStyle/>
+          <a:p>
+            <a:r>
+              <a:rPr lang="zh-CN" altLang="en-US" dirty="0" smtClean="0"/>
+              <a:t>数据合并训练</a:t>
+            </a:r>
+            <a:endParaRPr lang="en-US" dirty="0"/>
+          </a:p>
+        </p:txBody>
+      </p:sp>
+      <p:sp>
+        <p:nvSpPr>
+          <p:cNvPr id="4" name="TextBox 3"/>
+          <p:cNvSpPr txBox="1"/>
+          <p:nvPr/>
+        </p:nvSpPr>
+        <p:spPr>
+          <a:xfrm>
+            <a:off x="302172" y="1987295"/>
+            <a:ext cx="1871025" cy="369332"/>
+          </a:xfrm>
+          <a:prstGeom prst="rect">
+            <a:avLst/>
+          </a:prstGeom>
+          <a:noFill/>
+        </p:spPr>
+        <p:txBody>
+          <a:bodyPr wrap="none" rtlCol="0">
+            <a:spAutoFit/>
+          </a:bodyPr>
+          <a:lstStyle/>
+          <a:p>
+            <a:r>
+              <a:rPr lang="en-US" dirty="0" smtClean="0"/>
+              <a:t>[[</a:t>
+            </a:r>
+            <a:r>
+              <a:rPr lang="mr-IN" dirty="0" smtClean="0"/>
+              <a:t>…</a:t>
+            </a:r>
+            <a:r>
+              <a:rPr lang="en-US" dirty="0" smtClean="0"/>
+              <a:t>],[</a:t>
+            </a:r>
+            <a:r>
+              <a:rPr lang="mr-IN" dirty="0" smtClean="0"/>
+              <a:t>…</a:t>
+            </a:r>
+            <a:r>
+              <a:rPr lang="en-US" dirty="0" smtClean="0"/>
+              <a:t>],[</a:t>
+            </a:r>
+            <a:r>
+              <a:rPr lang="mr-IN" dirty="0" smtClean="0"/>
+              <a:t>…</a:t>
+            </a:r>
+            <a:r>
+              <a:rPr lang="en-US" dirty="0" smtClean="0"/>
+              <a:t>],</a:t>
+            </a:r>
+            <a:r>
+              <a:rPr lang="mr-IN" dirty="0" smtClean="0"/>
+              <a:t>…</a:t>
+            </a:r>
+            <a:r>
+              <a:rPr lang="en-US" dirty="0" smtClean="0"/>
+              <a:t>[</a:t>
+            </a:r>
+            <a:r>
+              <a:rPr lang="mr-IN" dirty="0" smtClean="0"/>
+              <a:t>…</a:t>
+            </a:r>
+            <a:r>
+              <a:rPr lang="en-US" dirty="0" smtClean="0"/>
+              <a:t>]]</a:t>
+            </a:r>
+            <a:endParaRPr lang="en-US" dirty="0"/>
+          </a:p>
+        </p:txBody>
+      </p:sp>
+      <p:sp>
+        <p:nvSpPr>
+          <p:cNvPr id="5" name="TextBox 4"/>
+          <p:cNvSpPr txBox="1"/>
+          <p:nvPr/>
+        </p:nvSpPr>
+        <p:spPr>
+          <a:xfrm>
+            <a:off x="302172" y="2470770"/>
+            <a:ext cx="1871025" cy="369332"/>
+          </a:xfrm>
+          <a:prstGeom prst="rect">
+            <a:avLst/>
+          </a:prstGeom>
+          <a:noFill/>
+        </p:spPr>
+        <p:txBody>
+          <a:bodyPr wrap="none" rtlCol="0">
+            <a:spAutoFit/>
+          </a:bodyPr>
+          <a:lstStyle/>
+          <a:p>
+            <a:r>
+              <a:rPr lang="en-US" smtClean="0"/>
+              <a:t>[[</a:t>
+            </a:r>
+            <a:r>
+              <a:rPr lang="mr-IN" smtClean="0"/>
+              <a:t>…</a:t>
+            </a:r>
+            <a:r>
+              <a:rPr lang="en-US" smtClean="0"/>
+              <a:t>],[</a:t>
+            </a:r>
+            <a:r>
+              <a:rPr lang="mr-IN" smtClean="0"/>
+              <a:t>…</a:t>
+            </a:r>
+            <a:r>
+              <a:rPr lang="en-US" smtClean="0"/>
+              <a:t>],[</a:t>
+            </a:r>
+            <a:r>
+              <a:rPr lang="mr-IN" smtClean="0"/>
+              <a:t>…</a:t>
+            </a:r>
+            <a:r>
+              <a:rPr lang="en-US" smtClean="0"/>
+              <a:t>],</a:t>
+            </a:r>
+            <a:r>
+              <a:rPr lang="mr-IN" smtClean="0"/>
+              <a:t>…</a:t>
+            </a:r>
+            <a:r>
+              <a:rPr lang="en-US" smtClean="0"/>
+              <a:t>[</a:t>
+            </a:r>
+            <a:r>
+              <a:rPr lang="mr-IN" smtClean="0"/>
+              <a:t>…</a:t>
+            </a:r>
+            <a:r>
+              <a:rPr lang="en-US" smtClean="0"/>
+              <a:t>]]</a:t>
+            </a:r>
+            <a:endParaRPr lang="en-US"/>
+          </a:p>
+        </p:txBody>
+      </p:sp>
+      <p:sp>
+        <p:nvSpPr>
+          <p:cNvPr id="6" name="TextBox 5"/>
+          <p:cNvSpPr txBox="1"/>
+          <p:nvPr/>
+        </p:nvSpPr>
+        <p:spPr>
+          <a:xfrm>
+            <a:off x="302172" y="2954245"/>
+            <a:ext cx="1871025" cy="369332"/>
+          </a:xfrm>
+          <a:prstGeom prst="rect">
+            <a:avLst/>
+          </a:prstGeom>
+          <a:noFill/>
+        </p:spPr>
+        <p:txBody>
+          <a:bodyPr wrap="none" rtlCol="0">
+            <a:spAutoFit/>
+          </a:bodyPr>
+          <a:lstStyle/>
+          <a:p>
+            <a:r>
+              <a:rPr lang="en-US" smtClean="0"/>
+              <a:t>[[</a:t>
+            </a:r>
+            <a:r>
+              <a:rPr lang="mr-IN" smtClean="0"/>
+              <a:t>…</a:t>
+            </a:r>
+            <a:r>
+              <a:rPr lang="en-US" smtClean="0"/>
+              <a:t>],[</a:t>
+            </a:r>
+            <a:r>
+              <a:rPr lang="mr-IN" smtClean="0"/>
+              <a:t>…</a:t>
+            </a:r>
+            <a:r>
+              <a:rPr lang="en-US" smtClean="0"/>
+              <a:t>],[</a:t>
+            </a:r>
+            <a:r>
+              <a:rPr lang="mr-IN" smtClean="0"/>
+              <a:t>…</a:t>
+            </a:r>
+            <a:r>
+              <a:rPr lang="en-US" smtClean="0"/>
+              <a:t>],</a:t>
+            </a:r>
+            <a:r>
+              <a:rPr lang="mr-IN" smtClean="0"/>
+              <a:t>…</a:t>
+            </a:r>
+            <a:r>
+              <a:rPr lang="en-US" smtClean="0"/>
+              <a:t>[</a:t>
+            </a:r>
+            <a:r>
+              <a:rPr lang="mr-IN" smtClean="0"/>
+              <a:t>…</a:t>
+            </a:r>
+            <a:r>
+              <a:rPr lang="en-US" smtClean="0"/>
+              <a:t>]]</a:t>
+            </a:r>
+            <a:endParaRPr lang="en-US"/>
+          </a:p>
+        </p:txBody>
+      </p:sp>
+      <p:sp>
+        <p:nvSpPr>
+          <p:cNvPr id="7" name="TextBox 6"/>
+          <p:cNvSpPr txBox="1"/>
+          <p:nvPr/>
+        </p:nvSpPr>
+        <p:spPr>
+          <a:xfrm>
+            <a:off x="302172" y="3437720"/>
+            <a:ext cx="1871025" cy="369332"/>
+          </a:xfrm>
+          <a:prstGeom prst="rect">
+            <a:avLst/>
+          </a:prstGeom>
+          <a:noFill/>
+        </p:spPr>
+        <p:txBody>
+          <a:bodyPr wrap="none" rtlCol="0">
+            <a:spAutoFit/>
+          </a:bodyPr>
+          <a:lstStyle/>
+          <a:p>
+            <a:r>
+              <a:rPr lang="en-US" smtClean="0"/>
+              <a:t>[[</a:t>
+            </a:r>
+            <a:r>
+              <a:rPr lang="mr-IN" smtClean="0"/>
+              <a:t>…</a:t>
+            </a:r>
+            <a:r>
+              <a:rPr lang="en-US" smtClean="0"/>
+              <a:t>],[</a:t>
+            </a:r>
+            <a:r>
+              <a:rPr lang="mr-IN" smtClean="0"/>
+              <a:t>…</a:t>
+            </a:r>
+            <a:r>
+              <a:rPr lang="en-US" smtClean="0"/>
+              <a:t>],[</a:t>
+            </a:r>
+            <a:r>
+              <a:rPr lang="mr-IN" smtClean="0"/>
+              <a:t>…</a:t>
+            </a:r>
+            <a:r>
+              <a:rPr lang="en-US" smtClean="0"/>
+              <a:t>],</a:t>
+            </a:r>
+            <a:r>
+              <a:rPr lang="mr-IN" smtClean="0"/>
+              <a:t>…</a:t>
+            </a:r>
+            <a:r>
+              <a:rPr lang="en-US" smtClean="0"/>
+              <a:t>[</a:t>
+            </a:r>
+            <a:r>
+              <a:rPr lang="mr-IN" smtClean="0"/>
+              <a:t>…</a:t>
+            </a:r>
+            <a:r>
+              <a:rPr lang="en-US" smtClean="0"/>
+              <a:t>]]</a:t>
+            </a:r>
+            <a:endParaRPr lang="en-US"/>
+          </a:p>
+        </p:txBody>
+      </p:sp>
+      <p:sp>
+        <p:nvSpPr>
+          <p:cNvPr id="8" name="TextBox 7"/>
+          <p:cNvSpPr txBox="1"/>
+          <p:nvPr/>
+        </p:nvSpPr>
+        <p:spPr>
+          <a:xfrm>
+            <a:off x="302172" y="3921195"/>
+            <a:ext cx="1871025" cy="369332"/>
+          </a:xfrm>
+          <a:prstGeom prst="rect">
+            <a:avLst/>
+          </a:prstGeom>
+          <a:noFill/>
+        </p:spPr>
+        <p:txBody>
+          <a:bodyPr wrap="none" rtlCol="0">
+            <a:spAutoFit/>
+          </a:bodyPr>
+          <a:lstStyle/>
+          <a:p>
+            <a:r>
+              <a:rPr lang="en-US" smtClean="0"/>
+              <a:t>[[</a:t>
+            </a:r>
+            <a:r>
+              <a:rPr lang="mr-IN" smtClean="0"/>
+              <a:t>…</a:t>
+            </a:r>
+            <a:r>
+              <a:rPr lang="en-US" smtClean="0"/>
+              <a:t>],[</a:t>
+            </a:r>
+            <a:r>
+              <a:rPr lang="mr-IN" smtClean="0"/>
+              <a:t>…</a:t>
+            </a:r>
+            <a:r>
+              <a:rPr lang="en-US" smtClean="0"/>
+              <a:t>],[</a:t>
+            </a:r>
+            <a:r>
+              <a:rPr lang="mr-IN" smtClean="0"/>
+              <a:t>…</a:t>
+            </a:r>
+            <a:r>
+              <a:rPr lang="en-US" smtClean="0"/>
+              <a:t>],</a:t>
+            </a:r>
+            <a:r>
+              <a:rPr lang="mr-IN" smtClean="0"/>
+              <a:t>…</a:t>
+            </a:r>
+            <a:r>
+              <a:rPr lang="en-US" smtClean="0"/>
+              <a:t>[</a:t>
+            </a:r>
+            <a:r>
+              <a:rPr lang="mr-IN" smtClean="0"/>
+              <a:t>…</a:t>
+            </a:r>
+            <a:r>
+              <a:rPr lang="en-US" smtClean="0"/>
+              <a:t>]]</a:t>
+            </a:r>
+            <a:endParaRPr lang="en-US"/>
+          </a:p>
+        </p:txBody>
+      </p:sp>
+      <p:sp>
+        <p:nvSpPr>
+          <p:cNvPr id="9" name="TextBox 8"/>
+          <p:cNvSpPr txBox="1"/>
+          <p:nvPr/>
+        </p:nvSpPr>
+        <p:spPr>
+          <a:xfrm>
+            <a:off x="302172" y="4404670"/>
+            <a:ext cx="1871025" cy="369332"/>
+          </a:xfrm>
+          <a:prstGeom prst="rect">
+            <a:avLst/>
+          </a:prstGeom>
+          <a:noFill/>
+        </p:spPr>
+        <p:txBody>
+          <a:bodyPr wrap="none" rtlCol="0">
+            <a:spAutoFit/>
+          </a:bodyPr>
+          <a:lstStyle/>
+          <a:p>
+            <a:r>
+              <a:rPr lang="en-US" smtClean="0"/>
+              <a:t>[[</a:t>
+            </a:r>
+            <a:r>
+              <a:rPr lang="mr-IN" smtClean="0"/>
+              <a:t>…</a:t>
+            </a:r>
+            <a:r>
+              <a:rPr lang="en-US" smtClean="0"/>
+              <a:t>],[</a:t>
+            </a:r>
+            <a:r>
+              <a:rPr lang="mr-IN" smtClean="0"/>
+              <a:t>…</a:t>
+            </a:r>
+            <a:r>
+              <a:rPr lang="en-US" smtClean="0"/>
+              <a:t>],[</a:t>
+            </a:r>
+            <a:r>
+              <a:rPr lang="mr-IN" smtClean="0"/>
+              <a:t>…</a:t>
+            </a:r>
+            <a:r>
+              <a:rPr lang="en-US" smtClean="0"/>
+              <a:t>],</a:t>
+            </a:r>
+            <a:r>
+              <a:rPr lang="mr-IN" smtClean="0"/>
+              <a:t>…</a:t>
+            </a:r>
+            <a:r>
+              <a:rPr lang="en-US" smtClean="0"/>
+              <a:t>[</a:t>
+            </a:r>
+            <a:r>
+              <a:rPr lang="mr-IN" smtClean="0"/>
+              <a:t>…</a:t>
+            </a:r>
+            <a:r>
+              <a:rPr lang="en-US" smtClean="0"/>
+              <a:t>]]</a:t>
+            </a:r>
+            <a:endParaRPr lang="en-US"/>
+          </a:p>
+        </p:txBody>
+      </p:sp>
+      <p:sp>
+        <p:nvSpPr>
+          <p:cNvPr id="10" name="TextBox 9"/>
+          <p:cNvSpPr txBox="1"/>
+          <p:nvPr/>
+        </p:nvSpPr>
+        <p:spPr>
+          <a:xfrm>
+            <a:off x="302172" y="4888145"/>
+            <a:ext cx="1871025" cy="369332"/>
+          </a:xfrm>
+          <a:prstGeom prst="rect">
+            <a:avLst/>
+          </a:prstGeom>
+          <a:noFill/>
+        </p:spPr>
+        <p:txBody>
+          <a:bodyPr wrap="none" rtlCol="0">
+            <a:spAutoFit/>
+          </a:bodyPr>
+          <a:lstStyle/>
+          <a:p>
+            <a:r>
+              <a:rPr lang="en-US" smtClean="0"/>
+              <a:t>[[</a:t>
+            </a:r>
+            <a:r>
+              <a:rPr lang="mr-IN" smtClean="0"/>
+              <a:t>…</a:t>
+            </a:r>
+            <a:r>
+              <a:rPr lang="en-US" smtClean="0"/>
+              <a:t>],[</a:t>
+            </a:r>
+            <a:r>
+              <a:rPr lang="mr-IN" smtClean="0"/>
+              <a:t>…</a:t>
+            </a:r>
+            <a:r>
+              <a:rPr lang="en-US" smtClean="0"/>
+              <a:t>],[</a:t>
+            </a:r>
+            <a:r>
+              <a:rPr lang="mr-IN" smtClean="0"/>
+              <a:t>…</a:t>
+            </a:r>
+            <a:r>
+              <a:rPr lang="en-US" smtClean="0"/>
+              <a:t>],</a:t>
+            </a:r>
+            <a:r>
+              <a:rPr lang="mr-IN" smtClean="0"/>
+              <a:t>…</a:t>
+            </a:r>
+            <a:r>
+              <a:rPr lang="en-US" smtClean="0"/>
+              <a:t>[</a:t>
+            </a:r>
+            <a:r>
+              <a:rPr lang="mr-IN" smtClean="0"/>
+              <a:t>…</a:t>
+            </a:r>
+            <a:r>
+              <a:rPr lang="en-US" smtClean="0"/>
+              <a:t>]]</a:t>
+            </a:r>
+            <a:endParaRPr lang="en-US"/>
+          </a:p>
+        </p:txBody>
+      </p:sp>
+      <p:sp>
+        <p:nvSpPr>
+          <p:cNvPr id="11" name="TextBox 10"/>
+          <p:cNvSpPr txBox="1"/>
+          <p:nvPr/>
+        </p:nvSpPr>
+        <p:spPr>
+          <a:xfrm>
+            <a:off x="302172" y="5371620"/>
+            <a:ext cx="1871025" cy="369332"/>
+          </a:xfrm>
+          <a:prstGeom prst="rect">
+            <a:avLst/>
+          </a:prstGeom>
+          <a:noFill/>
+        </p:spPr>
+        <p:txBody>
+          <a:bodyPr wrap="none" rtlCol="0">
+            <a:spAutoFit/>
+          </a:bodyPr>
+          <a:lstStyle/>
+          <a:p>
+            <a:r>
+              <a:rPr lang="en-US" smtClean="0"/>
+              <a:t>[[</a:t>
+            </a:r>
+            <a:r>
+              <a:rPr lang="mr-IN" smtClean="0"/>
+              <a:t>…</a:t>
+            </a:r>
+            <a:r>
+              <a:rPr lang="en-US" smtClean="0"/>
+              <a:t>],[</a:t>
+            </a:r>
+            <a:r>
+              <a:rPr lang="mr-IN" smtClean="0"/>
+              <a:t>…</a:t>
+            </a:r>
+            <a:r>
+              <a:rPr lang="en-US" smtClean="0"/>
+              <a:t>],[</a:t>
+            </a:r>
+            <a:r>
+              <a:rPr lang="mr-IN" smtClean="0"/>
+              <a:t>…</a:t>
+            </a:r>
+            <a:r>
+              <a:rPr lang="en-US" smtClean="0"/>
+              <a:t>],</a:t>
+            </a:r>
+            <a:r>
+              <a:rPr lang="mr-IN" smtClean="0"/>
+              <a:t>…</a:t>
+            </a:r>
+            <a:r>
+              <a:rPr lang="en-US" smtClean="0"/>
+              <a:t>[</a:t>
+            </a:r>
+            <a:r>
+              <a:rPr lang="mr-IN" smtClean="0"/>
+              <a:t>…</a:t>
+            </a:r>
+            <a:r>
+              <a:rPr lang="en-US" smtClean="0"/>
+              <a:t>]]</a:t>
+            </a:r>
+            <a:endParaRPr lang="en-US"/>
+          </a:p>
+        </p:txBody>
+      </p:sp>
+      <p:sp>
+        <p:nvSpPr>
+          <p:cNvPr id="12" name="TextBox 11"/>
+          <p:cNvSpPr txBox="1"/>
+          <p:nvPr/>
+        </p:nvSpPr>
+        <p:spPr>
+          <a:xfrm>
+            <a:off x="302172" y="5855095"/>
+            <a:ext cx="1871025" cy="369332"/>
+          </a:xfrm>
+          <a:prstGeom prst="rect">
+            <a:avLst/>
+          </a:prstGeom>
+          <a:noFill/>
+        </p:spPr>
+        <p:txBody>
+          <a:bodyPr wrap="none" rtlCol="0">
+            <a:spAutoFit/>
+          </a:bodyPr>
+          <a:lstStyle/>
+          <a:p>
+            <a:r>
+              <a:rPr lang="en-US" smtClean="0"/>
+              <a:t>[[</a:t>
+            </a:r>
+            <a:r>
+              <a:rPr lang="mr-IN" smtClean="0"/>
+              <a:t>…</a:t>
+            </a:r>
+            <a:r>
+              <a:rPr lang="en-US" smtClean="0"/>
+              <a:t>],[</a:t>
+            </a:r>
+            <a:r>
+              <a:rPr lang="mr-IN" smtClean="0"/>
+              <a:t>…</a:t>
+            </a:r>
+            <a:r>
+              <a:rPr lang="en-US" smtClean="0"/>
+              <a:t>],[</a:t>
+            </a:r>
+            <a:r>
+              <a:rPr lang="mr-IN" smtClean="0"/>
+              <a:t>…</a:t>
+            </a:r>
+            <a:r>
+              <a:rPr lang="en-US" smtClean="0"/>
+              <a:t>],</a:t>
+            </a:r>
+            <a:r>
+              <a:rPr lang="mr-IN" smtClean="0"/>
+              <a:t>…</a:t>
+            </a:r>
+            <a:r>
+              <a:rPr lang="en-US" smtClean="0"/>
+              <a:t>[</a:t>
+            </a:r>
+            <a:r>
+              <a:rPr lang="mr-IN" smtClean="0"/>
+              <a:t>…</a:t>
+            </a:r>
+            <a:r>
+              <a:rPr lang="en-US" smtClean="0"/>
+              <a:t>]]</a:t>
+            </a:r>
+            <a:endParaRPr lang="en-US"/>
+          </a:p>
+        </p:txBody>
+      </p:sp>
+      <p:sp>
+        <p:nvSpPr>
+          <p:cNvPr id="13" name="TextBox 12"/>
+          <p:cNvSpPr txBox="1"/>
+          <p:nvPr/>
+        </p:nvSpPr>
+        <p:spPr>
+          <a:xfrm>
+            <a:off x="302172" y="6338569"/>
+            <a:ext cx="1871025" cy="369332"/>
+          </a:xfrm>
+          <a:prstGeom prst="rect">
+            <a:avLst/>
+          </a:prstGeom>
+          <a:noFill/>
+        </p:spPr>
+        <p:txBody>
+          <a:bodyPr wrap="none" rtlCol="0">
+            <a:spAutoFit/>
+          </a:bodyPr>
+          <a:lstStyle/>
+          <a:p>
+            <a:r>
+              <a:rPr lang="en-US" dirty="0" smtClean="0"/>
+              <a:t>[[</a:t>
+            </a:r>
+            <a:r>
+              <a:rPr lang="mr-IN" dirty="0" smtClean="0"/>
+              <a:t>…</a:t>
+            </a:r>
+            <a:r>
+              <a:rPr lang="en-US" dirty="0" smtClean="0"/>
+              <a:t>],[</a:t>
+            </a:r>
+            <a:r>
+              <a:rPr lang="mr-IN" dirty="0" smtClean="0"/>
+              <a:t>…</a:t>
+            </a:r>
+            <a:r>
+              <a:rPr lang="en-US" dirty="0" smtClean="0"/>
+              <a:t>],[</a:t>
+            </a:r>
+            <a:r>
+              <a:rPr lang="mr-IN" dirty="0" smtClean="0"/>
+              <a:t>…</a:t>
+            </a:r>
+            <a:r>
+              <a:rPr lang="en-US" dirty="0" smtClean="0"/>
+              <a:t>],</a:t>
+            </a:r>
+            <a:r>
+              <a:rPr lang="mr-IN" dirty="0" smtClean="0"/>
+              <a:t>…</a:t>
+            </a:r>
+            <a:r>
+              <a:rPr lang="en-US" dirty="0" smtClean="0"/>
+              <a:t>[</a:t>
+            </a:r>
+            <a:r>
+              <a:rPr lang="mr-IN" dirty="0" smtClean="0"/>
+              <a:t>…</a:t>
+            </a:r>
+            <a:r>
+              <a:rPr lang="en-US" dirty="0" smtClean="0"/>
+              <a:t>]]</a:t>
+            </a:r>
+            <a:endParaRPr lang="en-US" dirty="0"/>
+          </a:p>
+        </p:txBody>
+      </p:sp>
+      <p:sp>
+        <p:nvSpPr>
+          <p:cNvPr id="34" name="Right Brace 33"/>
+          <p:cNvSpPr/>
+          <p:nvPr/>
+        </p:nvSpPr>
+        <p:spPr>
+          <a:xfrm>
+            <a:off x="2173197" y="2246687"/>
+            <a:ext cx="520261" cy="4315965"/>
+          </a:xfrm>
+          <a:prstGeom prst="rightBrace">
+            <a:avLst/>
+          </a:prstGeom>
+        </p:spPr>
+        <p:style>
+          <a:lnRef idx="1">
+            <a:schemeClr val="accent1"/>
+          </a:lnRef>
+          <a:fillRef idx="0">
+            <a:schemeClr val="accent1"/>
+          </a:fillRef>
+          <a:effectRef idx="0">
+            <a:schemeClr val="accent1"/>
+          </a:effectRef>
+          <a:fontRef idx="minor">
+            <a:schemeClr val="tx1"/>
+          </a:fontRef>
+        </p:style>
+        <p:txBody>
+          <a:bodyPr rtlCol="0" anchor="ctr"/>
+          <a:lstStyle/>
+          <a:p>
+            <a:pPr algn="ctr"/>
+            <a:endParaRPr lang="en-US"/>
+          </a:p>
+        </p:txBody>
+      </p:sp>
+      <p:sp>
+        <p:nvSpPr>
+          <p:cNvPr id="35" name="TextBox 34"/>
+          <p:cNvSpPr txBox="1"/>
+          <p:nvPr/>
+        </p:nvSpPr>
+        <p:spPr>
+          <a:xfrm>
+            <a:off x="2877572" y="2513650"/>
+            <a:ext cx="3373821" cy="3416320"/>
+          </a:xfrm>
+          <a:prstGeom prst="rect">
+            <a:avLst/>
+          </a:prstGeom>
+          <a:noFill/>
+        </p:spPr>
+        <p:txBody>
+          <a:bodyPr wrap="square" rtlCol="0">
+            <a:spAutoFit/>
+          </a:bodyPr>
+          <a:lstStyle/>
+          <a:p>
+            <a:r>
+              <a:rPr lang="en-US" dirty="0" smtClean="0"/>
+              <a:t>[</a:t>
+            </a:r>
+            <a:endParaRPr lang="en-US" dirty="0"/>
+          </a:p>
+          <a:p>
+            <a:r>
+              <a:rPr lang="en-US" dirty="0" smtClean="0"/>
+              <a:t>    [</a:t>
+            </a:r>
+            <a:r>
+              <a:rPr lang="mr-IN" dirty="0" smtClean="0"/>
+              <a:t>…</a:t>
+            </a:r>
+            <a:r>
+              <a:rPr lang="en-US" dirty="0" smtClean="0"/>
+              <a:t>],[</a:t>
+            </a:r>
+            <a:r>
+              <a:rPr lang="mr-IN" dirty="0" smtClean="0"/>
+              <a:t>…</a:t>
+            </a:r>
+            <a:r>
+              <a:rPr lang="en-US" dirty="0" smtClean="0"/>
+              <a:t>],[</a:t>
+            </a:r>
+            <a:r>
+              <a:rPr lang="mr-IN" dirty="0" smtClean="0"/>
+              <a:t>…</a:t>
+            </a:r>
+            <a:r>
+              <a:rPr lang="en-US" dirty="0" smtClean="0"/>
+              <a:t>],</a:t>
+            </a:r>
+            <a:r>
+              <a:rPr lang="en-US" dirty="0"/>
+              <a:t> </a:t>
+            </a:r>
+            <a:r>
+              <a:rPr lang="mr-IN" dirty="0" smtClean="0"/>
+              <a:t>…</a:t>
+            </a:r>
+            <a:r>
+              <a:rPr lang="en-US" dirty="0" smtClean="0"/>
+              <a:t>,[</a:t>
+            </a:r>
+            <a:r>
+              <a:rPr lang="mr-IN" dirty="0" smtClean="0"/>
+              <a:t>…</a:t>
+            </a:r>
+            <a:r>
+              <a:rPr lang="en-US" dirty="0" smtClean="0"/>
+              <a:t>], </a:t>
+            </a:r>
+            <a:r>
+              <a:rPr lang="en-US" dirty="0" smtClean="0">
+                <a:solidFill>
+                  <a:schemeClr val="bg2">
+                    <a:lumMod val="75000"/>
+                  </a:schemeClr>
+                </a:solidFill>
+              </a:rPr>
+              <a:t>//</a:t>
+            </a:r>
+            <a:r>
+              <a:rPr lang="en-US" altLang="zh-CN" dirty="0" smtClean="0">
+                <a:solidFill>
+                  <a:schemeClr val="bg2">
+                    <a:lumMod val="75000"/>
+                  </a:schemeClr>
+                </a:solidFill>
+              </a:rPr>
+              <a:t>10</a:t>
+            </a:r>
+            <a:r>
+              <a:rPr lang="zh-CN" altLang="en-US" dirty="0" smtClean="0">
+                <a:solidFill>
+                  <a:schemeClr val="bg2">
+                    <a:lumMod val="75000"/>
+                  </a:schemeClr>
+                </a:solidFill>
+              </a:rPr>
+              <a:t>个</a:t>
+            </a:r>
+            <a:r>
+              <a:rPr lang="en-US" altLang="zh-CN" dirty="0" smtClean="0">
+                <a:solidFill>
+                  <a:schemeClr val="bg2">
+                    <a:lumMod val="75000"/>
+                  </a:schemeClr>
+                </a:solidFill>
+              </a:rPr>
+              <a:t>0</a:t>
+            </a:r>
+            <a:endParaRPr lang="en-US" dirty="0">
+              <a:solidFill>
+                <a:schemeClr val="bg2">
+                  <a:lumMod val="75000"/>
+                </a:schemeClr>
+              </a:solidFill>
+            </a:endParaRPr>
+          </a:p>
+          <a:p>
+            <a:r>
+              <a:rPr lang="en-US" dirty="0" smtClean="0"/>
+              <a:t>    [</a:t>
+            </a:r>
+            <a:r>
+              <a:rPr lang="mr-IN" dirty="0"/>
+              <a:t>…</a:t>
+            </a:r>
+            <a:r>
+              <a:rPr lang="en-US" dirty="0"/>
+              <a:t>],[</a:t>
+            </a:r>
+            <a:r>
+              <a:rPr lang="mr-IN" dirty="0"/>
+              <a:t>…</a:t>
+            </a:r>
+            <a:r>
+              <a:rPr lang="en-US" dirty="0"/>
+              <a:t>],[</a:t>
+            </a:r>
+            <a:r>
+              <a:rPr lang="mr-IN" dirty="0"/>
+              <a:t>…</a:t>
+            </a:r>
+            <a:r>
+              <a:rPr lang="en-US" dirty="0"/>
+              <a:t>], </a:t>
+            </a:r>
+            <a:r>
+              <a:rPr lang="mr-IN" dirty="0"/>
+              <a:t>…</a:t>
+            </a:r>
+            <a:r>
+              <a:rPr lang="en-US" dirty="0"/>
+              <a:t>,[</a:t>
+            </a:r>
+            <a:r>
+              <a:rPr lang="mr-IN" dirty="0"/>
+              <a:t>…</a:t>
+            </a:r>
+            <a:r>
+              <a:rPr lang="en-US" dirty="0" smtClean="0"/>
+              <a:t>], </a:t>
+            </a:r>
+            <a:r>
+              <a:rPr lang="en-US" dirty="0">
+                <a:solidFill>
+                  <a:schemeClr val="bg2">
+                    <a:lumMod val="75000"/>
+                  </a:schemeClr>
+                </a:solidFill>
+              </a:rPr>
+              <a:t>//</a:t>
+            </a:r>
+            <a:r>
+              <a:rPr lang="en-US" altLang="zh-CN" dirty="0">
+                <a:solidFill>
+                  <a:schemeClr val="bg2">
+                    <a:lumMod val="75000"/>
+                  </a:schemeClr>
+                </a:solidFill>
+              </a:rPr>
+              <a:t>10</a:t>
+            </a:r>
+            <a:r>
+              <a:rPr lang="zh-CN" altLang="en-US" dirty="0" smtClean="0">
+                <a:solidFill>
+                  <a:schemeClr val="bg2">
+                    <a:lumMod val="75000"/>
+                  </a:schemeClr>
+                </a:solidFill>
+              </a:rPr>
+              <a:t>个</a:t>
+            </a:r>
+            <a:r>
+              <a:rPr lang="en-US" altLang="zh-CN" dirty="0">
+                <a:solidFill>
+                  <a:schemeClr val="bg2">
+                    <a:lumMod val="75000"/>
+                  </a:schemeClr>
+                </a:solidFill>
+              </a:rPr>
+              <a:t>1</a:t>
+            </a:r>
+            <a:endParaRPr lang="en-US" dirty="0">
+              <a:solidFill>
+                <a:schemeClr val="bg2">
+                  <a:lumMod val="75000"/>
+                </a:schemeClr>
+              </a:solidFill>
+            </a:endParaRPr>
+          </a:p>
+          <a:p>
+            <a:r>
+              <a:rPr lang="en-US" dirty="0" smtClean="0"/>
+              <a:t>    [</a:t>
+            </a:r>
+            <a:r>
+              <a:rPr lang="mr-IN" dirty="0"/>
+              <a:t>…</a:t>
+            </a:r>
+            <a:r>
+              <a:rPr lang="en-US" dirty="0"/>
+              <a:t>],[</a:t>
+            </a:r>
+            <a:r>
+              <a:rPr lang="mr-IN" dirty="0"/>
+              <a:t>…</a:t>
+            </a:r>
+            <a:r>
+              <a:rPr lang="en-US" dirty="0"/>
+              <a:t>],[</a:t>
+            </a:r>
+            <a:r>
+              <a:rPr lang="mr-IN" dirty="0"/>
+              <a:t>…</a:t>
+            </a:r>
+            <a:r>
+              <a:rPr lang="en-US" dirty="0"/>
+              <a:t>], </a:t>
+            </a:r>
+            <a:r>
+              <a:rPr lang="mr-IN" dirty="0"/>
+              <a:t>…</a:t>
+            </a:r>
+            <a:r>
+              <a:rPr lang="en-US" dirty="0"/>
+              <a:t>,[</a:t>
+            </a:r>
+            <a:r>
+              <a:rPr lang="mr-IN" dirty="0"/>
+              <a:t>…</a:t>
+            </a:r>
+            <a:r>
+              <a:rPr lang="en-US" dirty="0" smtClean="0"/>
+              <a:t>], </a:t>
+            </a:r>
+            <a:r>
+              <a:rPr lang="en-US" dirty="0">
+                <a:solidFill>
+                  <a:schemeClr val="bg2">
+                    <a:lumMod val="75000"/>
+                  </a:schemeClr>
+                </a:solidFill>
+              </a:rPr>
+              <a:t>//</a:t>
+            </a:r>
+            <a:r>
+              <a:rPr lang="en-US" altLang="zh-CN" dirty="0">
+                <a:solidFill>
+                  <a:schemeClr val="bg2">
+                    <a:lumMod val="75000"/>
+                  </a:schemeClr>
+                </a:solidFill>
+              </a:rPr>
+              <a:t>10</a:t>
+            </a:r>
+            <a:r>
+              <a:rPr lang="zh-CN" altLang="en-US" dirty="0" smtClean="0">
+                <a:solidFill>
+                  <a:schemeClr val="bg2">
+                    <a:lumMod val="75000"/>
+                  </a:schemeClr>
+                </a:solidFill>
+              </a:rPr>
+              <a:t>个</a:t>
+            </a:r>
+            <a:r>
+              <a:rPr lang="en-US" altLang="zh-CN" dirty="0">
+                <a:solidFill>
+                  <a:schemeClr val="bg2">
+                    <a:lumMod val="75000"/>
+                  </a:schemeClr>
+                </a:solidFill>
+              </a:rPr>
+              <a:t>2</a:t>
+            </a:r>
+            <a:endParaRPr lang="en-US" dirty="0">
+              <a:solidFill>
+                <a:schemeClr val="bg2">
+                  <a:lumMod val="75000"/>
+                </a:schemeClr>
+              </a:solidFill>
+            </a:endParaRPr>
+          </a:p>
+          <a:p>
+            <a:r>
+              <a:rPr lang="en-US" dirty="0" smtClean="0"/>
+              <a:t>    [</a:t>
+            </a:r>
+            <a:r>
+              <a:rPr lang="mr-IN" dirty="0"/>
+              <a:t>…</a:t>
+            </a:r>
+            <a:r>
+              <a:rPr lang="en-US" dirty="0"/>
+              <a:t>],[</a:t>
+            </a:r>
+            <a:r>
+              <a:rPr lang="mr-IN" dirty="0"/>
+              <a:t>…</a:t>
+            </a:r>
+            <a:r>
+              <a:rPr lang="en-US" dirty="0"/>
+              <a:t>],[</a:t>
+            </a:r>
+            <a:r>
+              <a:rPr lang="mr-IN" dirty="0"/>
+              <a:t>…</a:t>
+            </a:r>
+            <a:r>
+              <a:rPr lang="en-US" dirty="0"/>
+              <a:t>], </a:t>
+            </a:r>
+            <a:r>
+              <a:rPr lang="mr-IN" dirty="0"/>
+              <a:t>…</a:t>
+            </a:r>
+            <a:r>
+              <a:rPr lang="en-US" dirty="0"/>
+              <a:t>,[</a:t>
+            </a:r>
+            <a:r>
+              <a:rPr lang="mr-IN" dirty="0"/>
+              <a:t>…</a:t>
+            </a:r>
+            <a:r>
+              <a:rPr lang="en-US" dirty="0" smtClean="0"/>
+              <a:t>], </a:t>
+            </a:r>
+            <a:r>
+              <a:rPr lang="en-US" dirty="0">
+                <a:solidFill>
+                  <a:schemeClr val="bg2">
+                    <a:lumMod val="75000"/>
+                  </a:schemeClr>
+                </a:solidFill>
+              </a:rPr>
+              <a:t>//</a:t>
+            </a:r>
+            <a:r>
+              <a:rPr lang="en-US" altLang="zh-CN" dirty="0">
+                <a:solidFill>
+                  <a:schemeClr val="bg2">
+                    <a:lumMod val="75000"/>
+                  </a:schemeClr>
+                </a:solidFill>
+              </a:rPr>
+              <a:t>10</a:t>
+            </a:r>
+            <a:r>
+              <a:rPr lang="zh-CN" altLang="en-US" dirty="0" smtClean="0">
+                <a:solidFill>
+                  <a:schemeClr val="bg2">
+                    <a:lumMod val="75000"/>
+                  </a:schemeClr>
+                </a:solidFill>
+              </a:rPr>
+              <a:t>个</a:t>
+            </a:r>
+            <a:r>
+              <a:rPr lang="en-US" altLang="zh-CN" dirty="0">
+                <a:solidFill>
+                  <a:schemeClr val="bg2">
+                    <a:lumMod val="75000"/>
+                  </a:schemeClr>
+                </a:solidFill>
+              </a:rPr>
+              <a:t>3</a:t>
+            </a:r>
+            <a:endParaRPr lang="en-US" dirty="0">
+              <a:solidFill>
+                <a:schemeClr val="bg2">
+                  <a:lumMod val="75000"/>
+                </a:schemeClr>
+              </a:solidFill>
+            </a:endParaRPr>
+          </a:p>
+          <a:p>
+            <a:r>
+              <a:rPr lang="en-US" dirty="0" smtClean="0"/>
+              <a:t>    [</a:t>
+            </a:r>
+            <a:r>
+              <a:rPr lang="mr-IN" dirty="0"/>
+              <a:t>…</a:t>
+            </a:r>
+            <a:r>
+              <a:rPr lang="en-US" dirty="0"/>
+              <a:t>],[</a:t>
+            </a:r>
+            <a:r>
+              <a:rPr lang="mr-IN" dirty="0"/>
+              <a:t>…</a:t>
+            </a:r>
+            <a:r>
+              <a:rPr lang="en-US" dirty="0"/>
+              <a:t>],[</a:t>
+            </a:r>
+            <a:r>
+              <a:rPr lang="mr-IN" dirty="0"/>
+              <a:t>…</a:t>
+            </a:r>
+            <a:r>
+              <a:rPr lang="en-US" dirty="0"/>
+              <a:t>], </a:t>
+            </a:r>
+            <a:r>
+              <a:rPr lang="mr-IN" dirty="0"/>
+              <a:t>…</a:t>
+            </a:r>
+            <a:r>
+              <a:rPr lang="en-US" dirty="0"/>
+              <a:t>,[</a:t>
+            </a:r>
+            <a:r>
+              <a:rPr lang="mr-IN" dirty="0"/>
+              <a:t>…</a:t>
+            </a:r>
+            <a:r>
+              <a:rPr lang="en-US" dirty="0" smtClean="0"/>
+              <a:t>], </a:t>
+            </a:r>
+            <a:r>
+              <a:rPr lang="en-US" dirty="0">
+                <a:solidFill>
+                  <a:schemeClr val="bg2">
+                    <a:lumMod val="75000"/>
+                  </a:schemeClr>
+                </a:solidFill>
+              </a:rPr>
+              <a:t>//</a:t>
+            </a:r>
+            <a:r>
+              <a:rPr lang="en-US" altLang="zh-CN" dirty="0">
+                <a:solidFill>
+                  <a:schemeClr val="bg2">
+                    <a:lumMod val="75000"/>
+                  </a:schemeClr>
+                </a:solidFill>
+              </a:rPr>
+              <a:t>10</a:t>
+            </a:r>
+            <a:r>
+              <a:rPr lang="zh-CN" altLang="en-US" dirty="0" smtClean="0">
+                <a:solidFill>
+                  <a:schemeClr val="bg2">
+                    <a:lumMod val="75000"/>
+                  </a:schemeClr>
+                </a:solidFill>
+              </a:rPr>
+              <a:t>个</a:t>
+            </a:r>
+            <a:r>
+              <a:rPr lang="en-US" altLang="zh-CN" dirty="0">
+                <a:solidFill>
+                  <a:schemeClr val="bg2">
+                    <a:lumMod val="75000"/>
+                  </a:schemeClr>
+                </a:solidFill>
+              </a:rPr>
+              <a:t>4</a:t>
+            </a:r>
+            <a:endParaRPr lang="en-US" dirty="0">
+              <a:solidFill>
+                <a:schemeClr val="bg2">
+                  <a:lumMod val="75000"/>
+                </a:schemeClr>
+              </a:solidFill>
+            </a:endParaRPr>
+          </a:p>
+          <a:p>
+            <a:r>
+              <a:rPr lang="en-US" dirty="0" smtClean="0"/>
+              <a:t>    [</a:t>
+            </a:r>
+            <a:r>
+              <a:rPr lang="mr-IN" dirty="0"/>
+              <a:t>…</a:t>
+            </a:r>
+            <a:r>
+              <a:rPr lang="en-US" dirty="0"/>
+              <a:t>],[</a:t>
+            </a:r>
+            <a:r>
+              <a:rPr lang="mr-IN" dirty="0"/>
+              <a:t>…</a:t>
+            </a:r>
+            <a:r>
+              <a:rPr lang="en-US" dirty="0"/>
+              <a:t>],[</a:t>
+            </a:r>
+            <a:r>
+              <a:rPr lang="mr-IN" dirty="0"/>
+              <a:t>…</a:t>
+            </a:r>
+            <a:r>
+              <a:rPr lang="en-US" dirty="0"/>
+              <a:t>], </a:t>
+            </a:r>
+            <a:r>
+              <a:rPr lang="mr-IN" dirty="0"/>
+              <a:t>…</a:t>
+            </a:r>
+            <a:r>
+              <a:rPr lang="en-US" dirty="0"/>
+              <a:t>,[</a:t>
+            </a:r>
+            <a:r>
+              <a:rPr lang="mr-IN" dirty="0"/>
+              <a:t>…</a:t>
+            </a:r>
+            <a:r>
+              <a:rPr lang="en-US" dirty="0" smtClean="0"/>
+              <a:t>], </a:t>
+            </a:r>
+            <a:r>
+              <a:rPr lang="en-US" dirty="0">
+                <a:solidFill>
+                  <a:schemeClr val="bg2">
+                    <a:lumMod val="75000"/>
+                  </a:schemeClr>
+                </a:solidFill>
+              </a:rPr>
+              <a:t>//</a:t>
+            </a:r>
+            <a:r>
+              <a:rPr lang="en-US" altLang="zh-CN" dirty="0">
+                <a:solidFill>
+                  <a:schemeClr val="bg2">
+                    <a:lumMod val="75000"/>
+                  </a:schemeClr>
+                </a:solidFill>
+              </a:rPr>
+              <a:t>10</a:t>
+            </a:r>
+            <a:r>
+              <a:rPr lang="zh-CN" altLang="en-US" dirty="0" smtClean="0">
+                <a:solidFill>
+                  <a:schemeClr val="bg2">
+                    <a:lumMod val="75000"/>
+                  </a:schemeClr>
+                </a:solidFill>
+              </a:rPr>
+              <a:t>个</a:t>
+            </a:r>
+            <a:r>
+              <a:rPr lang="en-US" altLang="zh-CN" dirty="0">
+                <a:solidFill>
+                  <a:schemeClr val="bg2">
+                    <a:lumMod val="75000"/>
+                  </a:schemeClr>
+                </a:solidFill>
+              </a:rPr>
+              <a:t>5</a:t>
+            </a:r>
+            <a:endParaRPr lang="en-US" dirty="0">
+              <a:solidFill>
+                <a:schemeClr val="bg2">
+                  <a:lumMod val="75000"/>
+                </a:schemeClr>
+              </a:solidFill>
+            </a:endParaRPr>
+          </a:p>
+          <a:p>
+            <a:r>
+              <a:rPr lang="en-US" dirty="0" smtClean="0"/>
+              <a:t>    [</a:t>
+            </a:r>
+            <a:r>
+              <a:rPr lang="mr-IN" dirty="0"/>
+              <a:t>…</a:t>
+            </a:r>
+            <a:r>
+              <a:rPr lang="en-US" dirty="0"/>
+              <a:t>],[</a:t>
+            </a:r>
+            <a:r>
+              <a:rPr lang="mr-IN" dirty="0"/>
+              <a:t>…</a:t>
+            </a:r>
+            <a:r>
+              <a:rPr lang="en-US" dirty="0"/>
+              <a:t>],[</a:t>
+            </a:r>
+            <a:r>
+              <a:rPr lang="mr-IN" dirty="0"/>
+              <a:t>…</a:t>
+            </a:r>
+            <a:r>
+              <a:rPr lang="en-US" dirty="0"/>
+              <a:t>], </a:t>
+            </a:r>
+            <a:r>
+              <a:rPr lang="mr-IN" dirty="0"/>
+              <a:t>…</a:t>
+            </a:r>
+            <a:r>
+              <a:rPr lang="en-US" dirty="0"/>
+              <a:t>,[</a:t>
+            </a:r>
+            <a:r>
+              <a:rPr lang="mr-IN" dirty="0"/>
+              <a:t>…</a:t>
+            </a:r>
+            <a:r>
+              <a:rPr lang="en-US" dirty="0" smtClean="0"/>
+              <a:t>], </a:t>
+            </a:r>
+            <a:r>
+              <a:rPr lang="en-US" dirty="0">
+                <a:solidFill>
+                  <a:schemeClr val="bg2">
+                    <a:lumMod val="75000"/>
+                  </a:schemeClr>
+                </a:solidFill>
+              </a:rPr>
+              <a:t>//</a:t>
+            </a:r>
+            <a:r>
+              <a:rPr lang="en-US" altLang="zh-CN" dirty="0">
+                <a:solidFill>
+                  <a:schemeClr val="bg2">
+                    <a:lumMod val="75000"/>
+                  </a:schemeClr>
+                </a:solidFill>
+              </a:rPr>
+              <a:t>10</a:t>
+            </a:r>
+            <a:r>
+              <a:rPr lang="zh-CN" altLang="en-US" dirty="0" smtClean="0">
+                <a:solidFill>
+                  <a:schemeClr val="bg2">
+                    <a:lumMod val="75000"/>
+                  </a:schemeClr>
+                </a:solidFill>
+              </a:rPr>
+              <a:t>个</a:t>
+            </a:r>
+            <a:r>
+              <a:rPr lang="en-US" altLang="zh-CN" dirty="0">
+                <a:solidFill>
+                  <a:schemeClr val="bg2">
+                    <a:lumMod val="75000"/>
+                  </a:schemeClr>
+                </a:solidFill>
+              </a:rPr>
+              <a:t>6</a:t>
+            </a:r>
+            <a:endParaRPr lang="en-US" dirty="0">
+              <a:solidFill>
+                <a:schemeClr val="bg2">
+                  <a:lumMod val="75000"/>
+                </a:schemeClr>
+              </a:solidFill>
+            </a:endParaRPr>
+          </a:p>
+          <a:p>
+            <a:r>
+              <a:rPr lang="en-US" dirty="0" smtClean="0"/>
+              <a:t>    [</a:t>
+            </a:r>
+            <a:r>
+              <a:rPr lang="mr-IN" dirty="0"/>
+              <a:t>…</a:t>
+            </a:r>
+            <a:r>
+              <a:rPr lang="en-US" dirty="0"/>
+              <a:t>],[</a:t>
+            </a:r>
+            <a:r>
+              <a:rPr lang="mr-IN" dirty="0"/>
+              <a:t>…</a:t>
+            </a:r>
+            <a:r>
+              <a:rPr lang="en-US" dirty="0"/>
+              <a:t>],[</a:t>
+            </a:r>
+            <a:r>
+              <a:rPr lang="mr-IN" dirty="0"/>
+              <a:t>…</a:t>
+            </a:r>
+            <a:r>
+              <a:rPr lang="en-US" dirty="0"/>
+              <a:t>], </a:t>
+            </a:r>
+            <a:r>
+              <a:rPr lang="mr-IN" dirty="0"/>
+              <a:t>…</a:t>
+            </a:r>
+            <a:r>
+              <a:rPr lang="en-US" dirty="0"/>
+              <a:t>,[</a:t>
+            </a:r>
+            <a:r>
+              <a:rPr lang="mr-IN" dirty="0"/>
+              <a:t>…</a:t>
+            </a:r>
+            <a:r>
+              <a:rPr lang="en-US" dirty="0" smtClean="0"/>
+              <a:t>], </a:t>
+            </a:r>
+            <a:r>
+              <a:rPr lang="en-US" dirty="0">
+                <a:solidFill>
+                  <a:schemeClr val="bg2">
+                    <a:lumMod val="75000"/>
+                  </a:schemeClr>
+                </a:solidFill>
+              </a:rPr>
+              <a:t>//</a:t>
+            </a:r>
+            <a:r>
+              <a:rPr lang="en-US" altLang="zh-CN" dirty="0">
+                <a:solidFill>
+                  <a:schemeClr val="bg2">
+                    <a:lumMod val="75000"/>
+                  </a:schemeClr>
+                </a:solidFill>
+              </a:rPr>
+              <a:t>10</a:t>
+            </a:r>
+            <a:r>
+              <a:rPr lang="zh-CN" altLang="en-US" dirty="0" smtClean="0">
+                <a:solidFill>
+                  <a:schemeClr val="bg2">
+                    <a:lumMod val="75000"/>
+                  </a:schemeClr>
+                </a:solidFill>
+              </a:rPr>
+              <a:t>个</a:t>
+            </a:r>
+            <a:r>
+              <a:rPr lang="en-US" altLang="zh-CN" dirty="0">
+                <a:solidFill>
+                  <a:schemeClr val="bg2">
+                    <a:lumMod val="75000"/>
+                  </a:schemeClr>
+                </a:solidFill>
+              </a:rPr>
+              <a:t>7</a:t>
+            </a:r>
+            <a:endParaRPr lang="en-US" dirty="0">
+              <a:solidFill>
+                <a:schemeClr val="bg2">
+                  <a:lumMod val="75000"/>
+                </a:schemeClr>
+              </a:solidFill>
+            </a:endParaRPr>
+          </a:p>
+          <a:p>
+            <a:r>
+              <a:rPr lang="en-US" dirty="0" smtClean="0"/>
+              <a:t>    [</a:t>
+            </a:r>
+            <a:r>
+              <a:rPr lang="mr-IN" dirty="0"/>
+              <a:t>…</a:t>
+            </a:r>
+            <a:r>
+              <a:rPr lang="en-US" dirty="0"/>
+              <a:t>],[</a:t>
+            </a:r>
+            <a:r>
+              <a:rPr lang="mr-IN" dirty="0"/>
+              <a:t>…</a:t>
+            </a:r>
+            <a:r>
+              <a:rPr lang="en-US" dirty="0"/>
+              <a:t>],[</a:t>
+            </a:r>
+            <a:r>
+              <a:rPr lang="mr-IN" dirty="0"/>
+              <a:t>…</a:t>
+            </a:r>
+            <a:r>
+              <a:rPr lang="en-US" dirty="0"/>
+              <a:t>], </a:t>
+            </a:r>
+            <a:r>
+              <a:rPr lang="mr-IN" dirty="0"/>
+              <a:t>…</a:t>
+            </a:r>
+            <a:r>
+              <a:rPr lang="en-US" dirty="0"/>
+              <a:t>,[</a:t>
+            </a:r>
+            <a:r>
+              <a:rPr lang="mr-IN" dirty="0"/>
+              <a:t>…</a:t>
+            </a:r>
+            <a:r>
+              <a:rPr lang="en-US" dirty="0" smtClean="0"/>
+              <a:t>], </a:t>
+            </a:r>
+            <a:r>
+              <a:rPr lang="en-US" dirty="0">
+                <a:solidFill>
+                  <a:schemeClr val="bg2">
+                    <a:lumMod val="75000"/>
+                  </a:schemeClr>
+                </a:solidFill>
+              </a:rPr>
+              <a:t>//</a:t>
+            </a:r>
+            <a:r>
+              <a:rPr lang="en-US" altLang="zh-CN" dirty="0">
+                <a:solidFill>
+                  <a:schemeClr val="bg2">
+                    <a:lumMod val="75000"/>
+                  </a:schemeClr>
+                </a:solidFill>
+              </a:rPr>
+              <a:t>10</a:t>
+            </a:r>
+            <a:r>
+              <a:rPr lang="zh-CN" altLang="en-US" dirty="0" smtClean="0">
+                <a:solidFill>
+                  <a:schemeClr val="bg2">
+                    <a:lumMod val="75000"/>
+                  </a:schemeClr>
+                </a:solidFill>
+              </a:rPr>
+              <a:t>个</a:t>
+            </a:r>
+            <a:r>
+              <a:rPr lang="en-US" altLang="zh-CN" dirty="0">
+                <a:solidFill>
+                  <a:schemeClr val="bg2">
+                    <a:lumMod val="75000"/>
+                  </a:schemeClr>
+                </a:solidFill>
+              </a:rPr>
+              <a:t>8</a:t>
+            </a:r>
+            <a:endParaRPr lang="en-US" dirty="0">
+              <a:solidFill>
+                <a:schemeClr val="bg2">
+                  <a:lumMod val="75000"/>
+                </a:schemeClr>
+              </a:solidFill>
+            </a:endParaRPr>
+          </a:p>
+          <a:p>
+            <a:r>
+              <a:rPr lang="en-US" dirty="0" smtClean="0"/>
+              <a:t>    [</a:t>
+            </a:r>
+            <a:r>
+              <a:rPr lang="mr-IN" dirty="0"/>
+              <a:t>…</a:t>
+            </a:r>
+            <a:r>
+              <a:rPr lang="en-US" dirty="0"/>
+              <a:t>],[</a:t>
+            </a:r>
+            <a:r>
+              <a:rPr lang="mr-IN" dirty="0"/>
+              <a:t>…</a:t>
+            </a:r>
+            <a:r>
+              <a:rPr lang="en-US" dirty="0"/>
+              <a:t>],[</a:t>
+            </a:r>
+            <a:r>
+              <a:rPr lang="mr-IN" dirty="0"/>
+              <a:t>…</a:t>
+            </a:r>
+            <a:r>
+              <a:rPr lang="en-US" dirty="0"/>
+              <a:t>], </a:t>
+            </a:r>
+            <a:r>
+              <a:rPr lang="mr-IN" dirty="0"/>
+              <a:t>…</a:t>
+            </a:r>
+            <a:r>
+              <a:rPr lang="en-US" dirty="0"/>
+              <a:t>,[</a:t>
+            </a:r>
+            <a:r>
+              <a:rPr lang="mr-IN" dirty="0"/>
+              <a:t>…</a:t>
+            </a:r>
+            <a:r>
+              <a:rPr lang="en-US" dirty="0" smtClean="0"/>
+              <a:t>] </a:t>
+            </a:r>
+            <a:r>
+              <a:rPr lang="en-US" dirty="0">
+                <a:solidFill>
+                  <a:schemeClr val="bg2">
+                    <a:lumMod val="75000"/>
+                  </a:schemeClr>
+                </a:solidFill>
+              </a:rPr>
+              <a:t>//</a:t>
+            </a:r>
+            <a:r>
+              <a:rPr lang="en-US" altLang="zh-CN" dirty="0">
+                <a:solidFill>
+                  <a:schemeClr val="bg2">
+                    <a:lumMod val="75000"/>
+                  </a:schemeClr>
+                </a:solidFill>
+              </a:rPr>
+              <a:t>10</a:t>
+            </a:r>
+            <a:r>
+              <a:rPr lang="zh-CN" altLang="en-US" dirty="0" smtClean="0">
+                <a:solidFill>
+                  <a:schemeClr val="bg2">
+                    <a:lumMod val="75000"/>
+                  </a:schemeClr>
+                </a:solidFill>
+              </a:rPr>
+              <a:t>个</a:t>
+            </a:r>
+            <a:r>
+              <a:rPr lang="en-US" altLang="zh-CN" dirty="0">
+                <a:solidFill>
+                  <a:schemeClr val="bg2">
+                    <a:lumMod val="75000"/>
+                  </a:schemeClr>
+                </a:solidFill>
+              </a:rPr>
+              <a:t>9</a:t>
+            </a:r>
+            <a:endParaRPr lang="en-US" dirty="0">
+              <a:solidFill>
+                <a:schemeClr val="bg2">
+                  <a:lumMod val="75000"/>
+                </a:schemeClr>
+              </a:solidFill>
+            </a:endParaRPr>
+          </a:p>
+          <a:p>
+            <a:r>
+              <a:rPr lang="en-US" dirty="0"/>
+              <a:t>]</a:t>
+            </a:r>
+          </a:p>
+        </p:txBody>
+      </p:sp>
+      <p:cxnSp>
+        <p:nvCxnSpPr>
+          <p:cNvPr id="38" name="Straight Connector 37"/>
+          <p:cNvCxnSpPr/>
+          <p:nvPr/>
+        </p:nvCxnSpPr>
+        <p:spPr>
+          <a:xfrm>
+            <a:off x="7704083" y="1858859"/>
+            <a:ext cx="0" cy="4863335"/>
+          </a:xfrm>
+          <a:prstGeom prst="line">
+            <a:avLst/>
+          </a:prstGeom>
+        </p:spPr>
+        <p:style>
+          <a:lnRef idx="1">
+            <a:schemeClr val="accent1"/>
+          </a:lnRef>
+          <a:fillRef idx="0">
+            <a:schemeClr val="accent1"/>
+          </a:fillRef>
+          <a:effectRef idx="0">
+            <a:schemeClr val="accent1"/>
+          </a:effectRef>
+          <a:fontRef idx="minor">
+            <a:schemeClr val="tx1"/>
+          </a:fontRef>
+        </p:style>
+      </p:cxnSp>
+      <p:sp>
+        <p:nvSpPr>
+          <p:cNvPr id="39" name="TextBox 38"/>
+          <p:cNvSpPr txBox="1"/>
+          <p:nvPr/>
+        </p:nvSpPr>
+        <p:spPr>
+          <a:xfrm>
+            <a:off x="9736794" y="2283606"/>
+            <a:ext cx="301686" cy="369332"/>
+          </a:xfrm>
+          <a:prstGeom prst="rect">
+            <a:avLst/>
+          </a:prstGeom>
+          <a:noFill/>
+        </p:spPr>
+        <p:txBody>
+          <a:bodyPr wrap="none" rtlCol="0">
+            <a:spAutoFit/>
+          </a:bodyPr>
+          <a:lstStyle/>
+          <a:p>
+            <a:r>
+              <a:rPr lang="en-US" dirty="0" smtClean="0"/>
+              <a:t>1</a:t>
+            </a:r>
+            <a:endParaRPr lang="en-US" dirty="0"/>
+          </a:p>
+        </p:txBody>
+      </p:sp>
+      <p:sp>
+        <p:nvSpPr>
+          <p:cNvPr id="40" name="TextBox 39"/>
+          <p:cNvSpPr txBox="1"/>
+          <p:nvPr/>
+        </p:nvSpPr>
+        <p:spPr>
+          <a:xfrm>
+            <a:off x="9736794" y="2764583"/>
+            <a:ext cx="301686" cy="369332"/>
+          </a:xfrm>
+          <a:prstGeom prst="rect">
+            <a:avLst/>
+          </a:prstGeom>
+          <a:noFill/>
+        </p:spPr>
+        <p:txBody>
+          <a:bodyPr wrap="none" rtlCol="0">
+            <a:spAutoFit/>
+          </a:bodyPr>
+          <a:lstStyle/>
+          <a:p>
+            <a:r>
+              <a:rPr lang="en-US" dirty="0" smtClean="0"/>
+              <a:t>2</a:t>
+            </a:r>
+            <a:endParaRPr lang="en-US" dirty="0"/>
+          </a:p>
+        </p:txBody>
+      </p:sp>
+      <p:sp>
+        <p:nvSpPr>
+          <p:cNvPr id="41" name="TextBox 40"/>
+          <p:cNvSpPr txBox="1"/>
+          <p:nvPr/>
+        </p:nvSpPr>
+        <p:spPr>
+          <a:xfrm>
+            <a:off x="9736794" y="3245560"/>
+            <a:ext cx="301686" cy="369332"/>
+          </a:xfrm>
+          <a:prstGeom prst="rect">
+            <a:avLst/>
+          </a:prstGeom>
+          <a:noFill/>
+        </p:spPr>
+        <p:txBody>
+          <a:bodyPr wrap="none" rtlCol="0">
+            <a:spAutoFit/>
+          </a:bodyPr>
+          <a:lstStyle/>
+          <a:p>
+            <a:r>
+              <a:rPr lang="en-US" dirty="0" smtClean="0"/>
+              <a:t>3</a:t>
+            </a:r>
+            <a:endParaRPr lang="en-US" dirty="0"/>
+          </a:p>
+        </p:txBody>
+      </p:sp>
+      <p:sp>
+        <p:nvSpPr>
+          <p:cNvPr id="42" name="TextBox 41"/>
+          <p:cNvSpPr txBox="1"/>
+          <p:nvPr/>
+        </p:nvSpPr>
+        <p:spPr>
+          <a:xfrm>
+            <a:off x="9736794" y="3726537"/>
+            <a:ext cx="301686" cy="369332"/>
+          </a:xfrm>
+          <a:prstGeom prst="rect">
+            <a:avLst/>
+          </a:prstGeom>
+          <a:noFill/>
+        </p:spPr>
+        <p:txBody>
+          <a:bodyPr wrap="none" rtlCol="0">
+            <a:spAutoFit/>
+          </a:bodyPr>
+          <a:lstStyle/>
+          <a:p>
+            <a:r>
+              <a:rPr lang="en-US" dirty="0" smtClean="0"/>
+              <a:t>4</a:t>
+            </a:r>
+            <a:endParaRPr lang="en-US" dirty="0"/>
+          </a:p>
+        </p:txBody>
+      </p:sp>
+      <p:sp>
+        <p:nvSpPr>
+          <p:cNvPr id="43" name="TextBox 42"/>
+          <p:cNvSpPr txBox="1"/>
+          <p:nvPr/>
+        </p:nvSpPr>
+        <p:spPr>
+          <a:xfrm>
+            <a:off x="9736794" y="4207514"/>
+            <a:ext cx="301686" cy="369332"/>
+          </a:xfrm>
+          <a:prstGeom prst="rect">
+            <a:avLst/>
+          </a:prstGeom>
+          <a:noFill/>
+        </p:spPr>
+        <p:txBody>
+          <a:bodyPr wrap="none" rtlCol="0">
+            <a:spAutoFit/>
+          </a:bodyPr>
+          <a:lstStyle/>
+          <a:p>
+            <a:r>
+              <a:rPr lang="en-US" dirty="0" smtClean="0"/>
+              <a:t>5</a:t>
+            </a:r>
+            <a:endParaRPr lang="en-US" dirty="0"/>
+          </a:p>
+        </p:txBody>
+      </p:sp>
+      <p:sp>
+        <p:nvSpPr>
+          <p:cNvPr id="44" name="TextBox 43"/>
+          <p:cNvSpPr txBox="1"/>
+          <p:nvPr/>
+        </p:nvSpPr>
+        <p:spPr>
+          <a:xfrm>
+            <a:off x="9736794" y="4688491"/>
+            <a:ext cx="301686" cy="369332"/>
+          </a:xfrm>
+          <a:prstGeom prst="rect">
+            <a:avLst/>
+          </a:prstGeom>
+          <a:noFill/>
+        </p:spPr>
+        <p:txBody>
+          <a:bodyPr wrap="none" rtlCol="0">
+            <a:spAutoFit/>
+          </a:bodyPr>
+          <a:lstStyle/>
+          <a:p>
+            <a:r>
+              <a:rPr lang="en-US" dirty="0" smtClean="0"/>
+              <a:t>6</a:t>
+            </a:r>
+            <a:endParaRPr lang="en-US" dirty="0"/>
+          </a:p>
+        </p:txBody>
+      </p:sp>
+      <p:sp>
+        <p:nvSpPr>
+          <p:cNvPr id="45" name="TextBox 44"/>
+          <p:cNvSpPr txBox="1"/>
+          <p:nvPr/>
+        </p:nvSpPr>
+        <p:spPr>
+          <a:xfrm>
+            <a:off x="9736794" y="5169468"/>
+            <a:ext cx="301686" cy="369332"/>
+          </a:xfrm>
+          <a:prstGeom prst="rect">
+            <a:avLst/>
+          </a:prstGeom>
+          <a:noFill/>
+        </p:spPr>
+        <p:txBody>
+          <a:bodyPr wrap="none" rtlCol="0">
+            <a:spAutoFit/>
+          </a:bodyPr>
+          <a:lstStyle/>
+          <a:p>
+            <a:r>
+              <a:rPr lang="en-US" dirty="0" smtClean="0"/>
+              <a:t>7</a:t>
+            </a:r>
+            <a:endParaRPr lang="en-US" dirty="0"/>
+          </a:p>
+        </p:txBody>
+      </p:sp>
+      <p:sp>
+        <p:nvSpPr>
+          <p:cNvPr id="46" name="TextBox 45"/>
+          <p:cNvSpPr txBox="1"/>
+          <p:nvPr/>
+        </p:nvSpPr>
+        <p:spPr>
+          <a:xfrm>
+            <a:off x="9736794" y="5650445"/>
+            <a:ext cx="301686" cy="369332"/>
+          </a:xfrm>
+          <a:prstGeom prst="rect">
+            <a:avLst/>
+          </a:prstGeom>
+          <a:noFill/>
+        </p:spPr>
+        <p:txBody>
+          <a:bodyPr wrap="none" rtlCol="0">
+            <a:spAutoFit/>
+          </a:bodyPr>
+          <a:lstStyle/>
+          <a:p>
+            <a:r>
+              <a:rPr lang="en-US" dirty="0" smtClean="0"/>
+              <a:t>8</a:t>
+            </a:r>
+            <a:endParaRPr lang="en-US" dirty="0"/>
+          </a:p>
+        </p:txBody>
+      </p:sp>
+      <p:sp>
+        <p:nvSpPr>
+          <p:cNvPr id="47" name="TextBox 46"/>
+          <p:cNvSpPr txBox="1"/>
+          <p:nvPr/>
+        </p:nvSpPr>
+        <p:spPr>
+          <a:xfrm>
+            <a:off x="9736794" y="6131423"/>
+            <a:ext cx="301686" cy="369332"/>
+          </a:xfrm>
+          <a:prstGeom prst="rect">
+            <a:avLst/>
+          </a:prstGeom>
+          <a:noFill/>
+        </p:spPr>
+        <p:txBody>
+          <a:bodyPr wrap="none" rtlCol="0">
+            <a:spAutoFit/>
+          </a:bodyPr>
+          <a:lstStyle/>
+          <a:p>
+            <a:r>
+              <a:rPr lang="en-US" dirty="0" smtClean="0"/>
+              <a:t>9</a:t>
+            </a:r>
+            <a:endParaRPr lang="en-US" dirty="0"/>
+          </a:p>
+        </p:txBody>
+      </p:sp>
+      <p:sp>
+        <p:nvSpPr>
+          <p:cNvPr id="48" name="Right Brace 47"/>
+          <p:cNvSpPr/>
+          <p:nvPr/>
+        </p:nvSpPr>
+        <p:spPr>
+          <a:xfrm>
+            <a:off x="10260689" y="2233858"/>
+            <a:ext cx="646386" cy="4328794"/>
+          </a:xfrm>
+          <a:prstGeom prst="rightBrace">
+            <a:avLst/>
+          </a:prstGeom>
+        </p:spPr>
+        <p:style>
+          <a:lnRef idx="1">
+            <a:schemeClr val="accent1"/>
+          </a:lnRef>
+          <a:fillRef idx="0">
+            <a:schemeClr val="accent1"/>
+          </a:fillRef>
+          <a:effectRef idx="0">
+            <a:schemeClr val="accent1"/>
+          </a:effectRef>
+          <a:fontRef idx="minor">
+            <a:schemeClr val="tx1"/>
+          </a:fontRef>
+        </p:style>
+        <p:txBody>
+          <a:bodyPr rtlCol="0" anchor="ctr"/>
+          <a:lstStyle/>
+          <a:p>
+            <a:pPr algn="ctr"/>
+            <a:endParaRPr lang="en-US"/>
+          </a:p>
+        </p:txBody>
+      </p:sp>
+      <p:sp>
+        <p:nvSpPr>
+          <p:cNvPr id="49" name="TextBox 48"/>
+          <p:cNvSpPr txBox="1"/>
+          <p:nvPr/>
+        </p:nvSpPr>
+        <p:spPr>
+          <a:xfrm>
+            <a:off x="11398689" y="2692466"/>
+            <a:ext cx="570990" cy="3416320"/>
+          </a:xfrm>
+          <a:prstGeom prst="rect">
+            <a:avLst/>
+          </a:prstGeom>
+          <a:noFill/>
+        </p:spPr>
+        <p:txBody>
+          <a:bodyPr wrap="none" rtlCol="0">
+            <a:spAutoFit/>
+          </a:bodyPr>
+          <a:lstStyle/>
+          <a:p>
+            <a:r>
+              <a:rPr lang="en-US" dirty="0" smtClean="0"/>
+              <a:t>[</a:t>
+            </a:r>
+          </a:p>
+          <a:p>
+            <a:r>
+              <a:rPr lang="en-US" dirty="0"/>
+              <a:t> </a:t>
+            </a:r>
+            <a:r>
+              <a:rPr lang="en-US" dirty="0" smtClean="0"/>
+              <a:t>   0,</a:t>
+            </a:r>
+          </a:p>
+          <a:p>
+            <a:r>
+              <a:rPr lang="en-US" dirty="0"/>
+              <a:t> </a:t>
+            </a:r>
+            <a:r>
+              <a:rPr lang="en-US" dirty="0" smtClean="0"/>
+              <a:t>   1,</a:t>
+            </a:r>
+          </a:p>
+          <a:p>
+            <a:r>
+              <a:rPr lang="en-US" dirty="0"/>
+              <a:t> </a:t>
+            </a:r>
+            <a:r>
+              <a:rPr lang="en-US" dirty="0" smtClean="0"/>
+              <a:t>   2,</a:t>
+            </a:r>
+          </a:p>
+          <a:p>
+            <a:r>
+              <a:rPr lang="en-US" dirty="0"/>
+              <a:t> </a:t>
+            </a:r>
+            <a:r>
+              <a:rPr lang="en-US" dirty="0" smtClean="0"/>
+              <a:t>   3,</a:t>
+            </a:r>
+          </a:p>
+          <a:p>
+            <a:r>
+              <a:rPr lang="en-US" dirty="0"/>
+              <a:t> </a:t>
+            </a:r>
+            <a:r>
+              <a:rPr lang="en-US" dirty="0" smtClean="0"/>
+              <a:t>   4,</a:t>
+            </a:r>
+          </a:p>
+          <a:p>
+            <a:r>
+              <a:rPr lang="en-US" dirty="0"/>
+              <a:t> </a:t>
+            </a:r>
+            <a:r>
+              <a:rPr lang="en-US" dirty="0" smtClean="0"/>
+              <a:t>   5,</a:t>
+            </a:r>
+          </a:p>
+          <a:p>
+            <a:r>
+              <a:rPr lang="en-US" dirty="0"/>
+              <a:t> </a:t>
+            </a:r>
+            <a:r>
+              <a:rPr lang="en-US" dirty="0" smtClean="0"/>
+              <a:t>   6,</a:t>
+            </a:r>
+          </a:p>
+          <a:p>
+            <a:r>
+              <a:rPr lang="en-US" dirty="0"/>
+              <a:t> </a:t>
+            </a:r>
+            <a:r>
+              <a:rPr lang="en-US" dirty="0" smtClean="0"/>
+              <a:t>   7,</a:t>
+            </a:r>
+          </a:p>
+          <a:p>
+            <a:r>
+              <a:rPr lang="en-US" dirty="0"/>
+              <a:t> </a:t>
+            </a:r>
+            <a:r>
+              <a:rPr lang="en-US" dirty="0" smtClean="0"/>
+              <a:t>   8,</a:t>
+            </a:r>
+          </a:p>
+          <a:p>
+            <a:r>
+              <a:rPr lang="en-US" dirty="0"/>
+              <a:t> </a:t>
+            </a:r>
+            <a:r>
+              <a:rPr lang="en-US" dirty="0" smtClean="0"/>
+              <a:t>   9</a:t>
+            </a:r>
+          </a:p>
+          <a:p>
+            <a:r>
+              <a:rPr lang="en-US" dirty="0" smtClean="0"/>
+              <a:t>]</a:t>
+            </a:r>
+            <a:endParaRPr lang="en-US" dirty="0"/>
+          </a:p>
+        </p:txBody>
+      </p:sp>
+      <p:sp>
+        <p:nvSpPr>
+          <p:cNvPr id="50" name="TextBox 49"/>
+          <p:cNvSpPr txBox="1"/>
+          <p:nvPr/>
+        </p:nvSpPr>
+        <p:spPr>
+          <a:xfrm>
+            <a:off x="1481959" y="1576552"/>
+            <a:ext cx="2129301" cy="369332"/>
+          </a:xfrm>
+          <a:prstGeom prst="rect">
+            <a:avLst/>
+          </a:prstGeom>
+          <a:noFill/>
+        </p:spPr>
+        <p:txBody>
+          <a:bodyPr wrap="none" rtlCol="0">
+            <a:spAutoFit/>
+          </a:bodyPr>
+          <a:lstStyle/>
+          <a:p>
+            <a:r>
+              <a:rPr lang="zh-CN" altLang="en-US" dirty="0" smtClean="0"/>
+              <a:t>训练数据</a:t>
+            </a:r>
+            <a:r>
+              <a:rPr lang="en-US" altLang="zh-CN" dirty="0" smtClean="0"/>
+              <a:t> </a:t>
+            </a:r>
+            <a:r>
+              <a:rPr lang="en-US" altLang="zh-CN" dirty="0" err="1" smtClean="0"/>
+              <a:t>train_data</a:t>
+            </a:r>
+            <a:endParaRPr lang="en-US" dirty="0"/>
+          </a:p>
+        </p:txBody>
+      </p:sp>
+      <p:sp>
+        <p:nvSpPr>
+          <p:cNvPr id="51" name="TextBox 50"/>
+          <p:cNvSpPr txBox="1"/>
+          <p:nvPr/>
+        </p:nvSpPr>
+        <p:spPr>
+          <a:xfrm>
+            <a:off x="9004774" y="1576552"/>
+            <a:ext cx="2251770" cy="369332"/>
+          </a:xfrm>
+          <a:prstGeom prst="rect">
+            <a:avLst/>
+          </a:prstGeom>
+          <a:noFill/>
+        </p:spPr>
+        <p:txBody>
+          <a:bodyPr wrap="none" rtlCol="0">
+            <a:spAutoFit/>
+          </a:bodyPr>
+          <a:lstStyle/>
+          <a:p>
+            <a:r>
+              <a:rPr lang="zh-CN" altLang="en-US" dirty="0" smtClean="0"/>
+              <a:t>目标数据</a:t>
+            </a:r>
+            <a:r>
+              <a:rPr lang="en-US" altLang="zh-CN" dirty="0" smtClean="0"/>
+              <a:t> </a:t>
+            </a:r>
+            <a:r>
+              <a:rPr lang="en-US" altLang="zh-CN" dirty="0" err="1" smtClean="0"/>
+              <a:t>target_data</a:t>
+            </a:r>
+            <a:endParaRPr lang="en-US" dirty="0"/>
+          </a:p>
+        </p:txBody>
+      </p:sp>
+      <p:sp>
+        <p:nvSpPr>
+          <p:cNvPr id="52" name="TextBox 51"/>
+          <p:cNvSpPr txBox="1"/>
+          <p:nvPr/>
+        </p:nvSpPr>
+        <p:spPr>
+          <a:xfrm>
+            <a:off x="5809957" y="3760374"/>
+            <a:ext cx="3346172" cy="369332"/>
+          </a:xfrm>
+          <a:prstGeom prst="rect">
+            <a:avLst/>
+          </a:prstGeom>
+          <a:noFill/>
+        </p:spPr>
+        <p:txBody>
+          <a:bodyPr wrap="none" rtlCol="0">
+            <a:spAutoFit/>
+          </a:bodyPr>
+          <a:lstStyle/>
+          <a:p>
+            <a:r>
+              <a:rPr lang="en-US" dirty="0" err="1" smtClean="0"/>
+              <a:t>classify.fit</a:t>
+            </a:r>
+            <a:r>
+              <a:rPr lang="en-US" dirty="0" smtClean="0"/>
+              <a:t>(</a:t>
+            </a:r>
+            <a:r>
+              <a:rPr lang="en-US" dirty="0" err="1" smtClean="0"/>
+              <a:t>train_data,target_data</a:t>
+            </a:r>
+            <a:r>
+              <a:rPr lang="en-US" dirty="0" smtClean="0"/>
+              <a:t>)</a:t>
+            </a:r>
+            <a:endParaRPr lang="en-US" dirty="0"/>
+          </a:p>
+        </p:txBody>
+      </p:sp>
+      <p:sp>
+        <p:nvSpPr>
+          <p:cNvPr id="53" name="Right Arrow 52"/>
+          <p:cNvSpPr/>
+          <p:nvPr/>
+        </p:nvSpPr>
+        <p:spPr>
+          <a:xfrm>
+            <a:off x="7061779" y="4388136"/>
+            <a:ext cx="1277007" cy="188710"/>
+          </a:xfrm>
+          <a:prstGeom prst="rightArrow">
+            <a:avLst/>
+          </a:prstGeom>
+        </p:spPr>
+        <p:style>
+          <a:lnRef idx="2">
+            <a:schemeClr val="accent1">
+              <a:shade val="50000"/>
+            </a:schemeClr>
+          </a:lnRef>
+          <a:fillRef idx="1">
+            <a:schemeClr val="accent1"/>
+          </a:fillRef>
+          <a:effectRef idx="0">
+            <a:schemeClr val="accent1"/>
+          </a:effectRef>
+          <a:fontRef idx="minor">
+            <a:schemeClr val="lt1"/>
+          </a:fontRef>
+        </p:style>
+        <p:txBody>
+          <a:bodyPr rtlCol="0" anchor="ctr"/>
+          <a:lstStyle/>
+          <a:p>
+            <a:pPr algn="ctr"/>
+            <a:endParaRPr lang="en-US">
+              <a:solidFill>
+                <a:schemeClr val="tx1"/>
+              </a:solidFill>
+            </a:endParaRPr>
+          </a:p>
+        </p:txBody>
+      </p:sp>
+    </p:spTree>
+    <p:extLst>
+      <p:ext uri="{BB962C8B-B14F-4D97-AF65-F5344CB8AC3E}">
+        <p14:creationId xmlns:p14="http://schemas.microsoft.com/office/powerpoint/2010/main" val="1349459656"/>
+      </p:ext>
+    </p:extLst>
+  </p:cSld>
+  <p:clrMapOvr>
+    <a:masterClrMapping/>
+  </p:clrMapOvr>
+  <p:timing>
+    <p:tnLst>
+      <p:par>
+        <p:cTn id="1" dur="indefinite" restart="never" nodeType="tmRoot">
+          <p:childTnLst>
+            <p:seq concurrent="1" nextAc="seek">
+              <p:cTn id="2" dur="indefinite" nodeType="mainSeq">
+                <p:childTnLst>
+                  <p:par>
+                    <p:cTn id="3" fill="hold">
+                      <p:stCondLst>
+                        <p:cond delay="indefinite"/>
+                      </p:stCondLst>
+                      <p:childTnLst>
+                        <p:par>
+                          <p:cTn id="4" fill="hold">
+                            <p:stCondLst>
+                              <p:cond delay="0"/>
+                            </p:stCondLst>
+                            <p:childTnLst>
+                              <p:par>
+                                <p:cTn id="5" presetID="5" presetClass="entr" presetSubtype="10" fill="hold" grpId="0" nodeType="clickEffect">
+                                  <p:stCondLst>
+                                    <p:cond delay="0"/>
+                                  </p:stCondLst>
+                                  <p:childTnLst>
+                                    <p:set>
+                                      <p:cBhvr>
+                                        <p:cTn id="6" dur="1" fill="hold">
+                                          <p:stCondLst>
+                                            <p:cond delay="0"/>
+                                          </p:stCondLst>
+                                        </p:cTn>
+                                        <p:tgtEl>
+                                          <p:spTgt spid="34"/>
+                                        </p:tgtEl>
+                                        <p:attrNameLst>
+                                          <p:attrName>style.visibility</p:attrName>
+                                        </p:attrNameLst>
+                                      </p:cBhvr>
+                                      <p:to>
+                                        <p:strVal val="visible"/>
+                                      </p:to>
+                                    </p:set>
+                                    <p:animEffect transition="in" filter="checkerboard(across)">
+                                      <p:cBhvr>
+                                        <p:cTn id="7" dur="500"/>
+                                        <p:tgtEl>
+                                          <p:spTgt spid="34"/>
+                                        </p:tgtEl>
+                                      </p:cBhvr>
+                                    </p:animEffect>
+                                  </p:childTnLst>
+                                </p:cTn>
+                              </p:par>
+                              <p:par>
+                                <p:cTn id="8" presetID="5" presetClass="entr" presetSubtype="10" fill="hold" grpId="0" nodeType="withEffect">
+                                  <p:stCondLst>
+                                    <p:cond delay="0"/>
+                                  </p:stCondLst>
+                                  <p:childTnLst>
+                                    <p:set>
+                                      <p:cBhvr>
+                                        <p:cTn id="9" dur="1" fill="hold">
+                                          <p:stCondLst>
+                                            <p:cond delay="0"/>
+                                          </p:stCondLst>
+                                        </p:cTn>
+                                        <p:tgtEl>
+                                          <p:spTgt spid="35"/>
+                                        </p:tgtEl>
+                                        <p:attrNameLst>
+                                          <p:attrName>style.visibility</p:attrName>
+                                        </p:attrNameLst>
+                                      </p:cBhvr>
+                                      <p:to>
+                                        <p:strVal val="visible"/>
+                                      </p:to>
+                                    </p:set>
+                                    <p:animEffect transition="in" filter="checkerboard(across)">
+                                      <p:cBhvr>
+                                        <p:cTn id="10" dur="500"/>
+                                        <p:tgtEl>
+                                          <p:spTgt spid="35"/>
+                                        </p:tgtEl>
+                                      </p:cBhvr>
+                                    </p:animEffect>
+                                  </p:childTnLst>
+                                </p:cTn>
+                              </p:par>
+                            </p:childTnLst>
+                          </p:cTn>
+                        </p:par>
+                      </p:childTnLst>
+                    </p:cTn>
+                  </p:par>
+                  <p:par>
+                    <p:cTn id="11" fill="hold">
+                      <p:stCondLst>
+                        <p:cond delay="indefinite"/>
+                      </p:stCondLst>
+                      <p:childTnLst>
+                        <p:par>
+                          <p:cTn id="12" fill="hold">
+                            <p:stCondLst>
+                              <p:cond delay="0"/>
+                            </p:stCondLst>
+                            <p:childTnLst>
+                              <p:par>
+                                <p:cTn id="13" presetID="3" presetClass="entr" presetSubtype="10" fill="hold" nodeType="clickEffect">
+                                  <p:stCondLst>
+                                    <p:cond delay="0"/>
+                                  </p:stCondLst>
+                                  <p:childTnLst>
+                                    <p:set>
+                                      <p:cBhvr>
+                                        <p:cTn id="14" dur="1" fill="hold">
+                                          <p:stCondLst>
+                                            <p:cond delay="0"/>
+                                          </p:stCondLst>
+                                        </p:cTn>
+                                        <p:tgtEl>
+                                          <p:spTgt spid="38"/>
+                                        </p:tgtEl>
+                                        <p:attrNameLst>
+                                          <p:attrName>style.visibility</p:attrName>
+                                        </p:attrNameLst>
+                                      </p:cBhvr>
+                                      <p:to>
+                                        <p:strVal val="visible"/>
+                                      </p:to>
+                                    </p:set>
+                                    <p:animEffect transition="in" filter="blinds(horizontal)">
+                                      <p:cBhvr>
+                                        <p:cTn id="15" dur="500"/>
+                                        <p:tgtEl>
+                                          <p:spTgt spid="38"/>
+                                        </p:tgtEl>
+                                      </p:cBhvr>
+                                    </p:animEffect>
+                                  </p:childTnLst>
+                                </p:cTn>
+                              </p:par>
+                            </p:childTnLst>
+                          </p:cTn>
+                        </p:par>
+                      </p:childTnLst>
+                    </p:cTn>
+                  </p:par>
+                  <p:par>
+                    <p:cTn id="16" fill="hold">
+                      <p:stCondLst>
+                        <p:cond delay="indefinite"/>
+                      </p:stCondLst>
+                      <p:childTnLst>
+                        <p:par>
+                          <p:cTn id="17" fill="hold">
+                            <p:stCondLst>
+                              <p:cond delay="0"/>
+                            </p:stCondLst>
+                            <p:childTnLst>
+                              <p:par>
+                                <p:cTn id="18" presetID="5" presetClass="entr" presetSubtype="10" fill="hold" grpId="0" nodeType="clickEffect">
+                                  <p:stCondLst>
+                                    <p:cond delay="0"/>
+                                  </p:stCondLst>
+                                  <p:childTnLst>
+                                    <p:set>
+                                      <p:cBhvr>
+                                        <p:cTn id="19" dur="1" fill="hold">
+                                          <p:stCondLst>
+                                            <p:cond delay="0"/>
+                                          </p:stCondLst>
+                                        </p:cTn>
+                                        <p:tgtEl>
+                                          <p:spTgt spid="39"/>
+                                        </p:tgtEl>
+                                        <p:attrNameLst>
+                                          <p:attrName>style.visibility</p:attrName>
+                                        </p:attrNameLst>
+                                      </p:cBhvr>
+                                      <p:to>
+                                        <p:strVal val="visible"/>
+                                      </p:to>
+                                    </p:set>
+                                    <p:animEffect transition="in" filter="checkerboard(across)">
+                                      <p:cBhvr>
+                                        <p:cTn id="20" dur="500"/>
+                                        <p:tgtEl>
+                                          <p:spTgt spid="39"/>
+                                        </p:tgtEl>
+                                      </p:cBhvr>
+                                    </p:animEffect>
+                                  </p:childTnLst>
+                                </p:cTn>
+                              </p:par>
+                              <p:par>
+                                <p:cTn id="21" presetID="5" presetClass="entr" presetSubtype="10" fill="hold" grpId="0" nodeType="withEffect">
+                                  <p:stCondLst>
+                                    <p:cond delay="0"/>
+                                  </p:stCondLst>
+                                  <p:childTnLst>
+                                    <p:set>
+                                      <p:cBhvr>
+                                        <p:cTn id="22" dur="1" fill="hold">
+                                          <p:stCondLst>
+                                            <p:cond delay="0"/>
+                                          </p:stCondLst>
+                                        </p:cTn>
+                                        <p:tgtEl>
+                                          <p:spTgt spid="40"/>
+                                        </p:tgtEl>
+                                        <p:attrNameLst>
+                                          <p:attrName>style.visibility</p:attrName>
+                                        </p:attrNameLst>
+                                      </p:cBhvr>
+                                      <p:to>
+                                        <p:strVal val="visible"/>
+                                      </p:to>
+                                    </p:set>
+                                    <p:animEffect transition="in" filter="checkerboard(across)">
+                                      <p:cBhvr>
+                                        <p:cTn id="23" dur="500"/>
+                                        <p:tgtEl>
+                                          <p:spTgt spid="40"/>
+                                        </p:tgtEl>
+                                      </p:cBhvr>
+                                    </p:animEffect>
+                                  </p:childTnLst>
+                                </p:cTn>
+                              </p:par>
+                              <p:par>
+                                <p:cTn id="24" presetID="5" presetClass="entr" presetSubtype="10" fill="hold" grpId="0" nodeType="withEffect">
+                                  <p:stCondLst>
+                                    <p:cond delay="0"/>
+                                  </p:stCondLst>
+                                  <p:childTnLst>
+                                    <p:set>
+                                      <p:cBhvr>
+                                        <p:cTn id="25" dur="1" fill="hold">
+                                          <p:stCondLst>
+                                            <p:cond delay="0"/>
+                                          </p:stCondLst>
+                                        </p:cTn>
+                                        <p:tgtEl>
+                                          <p:spTgt spid="41"/>
+                                        </p:tgtEl>
+                                        <p:attrNameLst>
+                                          <p:attrName>style.visibility</p:attrName>
+                                        </p:attrNameLst>
+                                      </p:cBhvr>
+                                      <p:to>
+                                        <p:strVal val="visible"/>
+                                      </p:to>
+                                    </p:set>
+                                    <p:animEffect transition="in" filter="checkerboard(across)">
+                                      <p:cBhvr>
+                                        <p:cTn id="26" dur="500"/>
+                                        <p:tgtEl>
+                                          <p:spTgt spid="41"/>
+                                        </p:tgtEl>
+                                      </p:cBhvr>
+                                    </p:animEffect>
+                                  </p:childTnLst>
+                                </p:cTn>
+                              </p:par>
+                              <p:par>
+                                <p:cTn id="27" presetID="5" presetClass="entr" presetSubtype="10" fill="hold" grpId="0" nodeType="withEffect">
+                                  <p:stCondLst>
+                                    <p:cond delay="0"/>
+                                  </p:stCondLst>
+                                  <p:childTnLst>
+                                    <p:set>
+                                      <p:cBhvr>
+                                        <p:cTn id="28" dur="1" fill="hold">
+                                          <p:stCondLst>
+                                            <p:cond delay="0"/>
+                                          </p:stCondLst>
+                                        </p:cTn>
+                                        <p:tgtEl>
+                                          <p:spTgt spid="42"/>
+                                        </p:tgtEl>
+                                        <p:attrNameLst>
+                                          <p:attrName>style.visibility</p:attrName>
+                                        </p:attrNameLst>
+                                      </p:cBhvr>
+                                      <p:to>
+                                        <p:strVal val="visible"/>
+                                      </p:to>
+                                    </p:set>
+                                    <p:animEffect transition="in" filter="checkerboard(across)">
+                                      <p:cBhvr>
+                                        <p:cTn id="29" dur="500"/>
+                                        <p:tgtEl>
+                                          <p:spTgt spid="42"/>
+                                        </p:tgtEl>
+                                      </p:cBhvr>
+                                    </p:animEffect>
+                                  </p:childTnLst>
+                                </p:cTn>
+                              </p:par>
+                              <p:par>
+                                <p:cTn id="30" presetID="5" presetClass="entr" presetSubtype="10" fill="hold" grpId="0" nodeType="withEffect">
+                                  <p:stCondLst>
+                                    <p:cond delay="0"/>
+                                  </p:stCondLst>
+                                  <p:childTnLst>
+                                    <p:set>
+                                      <p:cBhvr>
+                                        <p:cTn id="31" dur="1" fill="hold">
+                                          <p:stCondLst>
+                                            <p:cond delay="0"/>
+                                          </p:stCondLst>
+                                        </p:cTn>
+                                        <p:tgtEl>
+                                          <p:spTgt spid="43"/>
+                                        </p:tgtEl>
+                                        <p:attrNameLst>
+                                          <p:attrName>style.visibility</p:attrName>
+                                        </p:attrNameLst>
+                                      </p:cBhvr>
+                                      <p:to>
+                                        <p:strVal val="visible"/>
+                                      </p:to>
+                                    </p:set>
+                                    <p:animEffect transition="in" filter="checkerboard(across)">
+                                      <p:cBhvr>
+                                        <p:cTn id="32" dur="500"/>
+                                        <p:tgtEl>
+                                          <p:spTgt spid="43"/>
+                                        </p:tgtEl>
+                                      </p:cBhvr>
+                                    </p:animEffect>
+                                  </p:childTnLst>
+                                </p:cTn>
+                              </p:par>
+                              <p:par>
+                                <p:cTn id="33" presetID="5" presetClass="entr" presetSubtype="10" fill="hold" grpId="0" nodeType="withEffect">
+                                  <p:stCondLst>
+                                    <p:cond delay="0"/>
+                                  </p:stCondLst>
+                                  <p:childTnLst>
+                                    <p:set>
+                                      <p:cBhvr>
+                                        <p:cTn id="34" dur="1" fill="hold">
+                                          <p:stCondLst>
+                                            <p:cond delay="0"/>
+                                          </p:stCondLst>
+                                        </p:cTn>
+                                        <p:tgtEl>
+                                          <p:spTgt spid="44"/>
+                                        </p:tgtEl>
+                                        <p:attrNameLst>
+                                          <p:attrName>style.visibility</p:attrName>
+                                        </p:attrNameLst>
+                                      </p:cBhvr>
+                                      <p:to>
+                                        <p:strVal val="visible"/>
+                                      </p:to>
+                                    </p:set>
+                                    <p:animEffect transition="in" filter="checkerboard(across)">
+                                      <p:cBhvr>
+                                        <p:cTn id="35" dur="500"/>
+                                        <p:tgtEl>
+                                          <p:spTgt spid="44"/>
+                                        </p:tgtEl>
+                                      </p:cBhvr>
+                                    </p:animEffect>
+                                  </p:childTnLst>
+                                </p:cTn>
+                              </p:par>
+                              <p:par>
+                                <p:cTn id="36" presetID="5" presetClass="entr" presetSubtype="10" fill="hold" grpId="0" nodeType="withEffect">
+                                  <p:stCondLst>
+                                    <p:cond delay="0"/>
+                                  </p:stCondLst>
+                                  <p:childTnLst>
+                                    <p:set>
+                                      <p:cBhvr>
+                                        <p:cTn id="37" dur="1" fill="hold">
+                                          <p:stCondLst>
+                                            <p:cond delay="0"/>
+                                          </p:stCondLst>
+                                        </p:cTn>
+                                        <p:tgtEl>
+                                          <p:spTgt spid="45"/>
+                                        </p:tgtEl>
+                                        <p:attrNameLst>
+                                          <p:attrName>style.visibility</p:attrName>
+                                        </p:attrNameLst>
+                                      </p:cBhvr>
+                                      <p:to>
+                                        <p:strVal val="visible"/>
+                                      </p:to>
+                                    </p:set>
+                                    <p:animEffect transition="in" filter="checkerboard(across)">
+                                      <p:cBhvr>
+                                        <p:cTn id="38" dur="500"/>
+                                        <p:tgtEl>
+                                          <p:spTgt spid="45"/>
+                                        </p:tgtEl>
+                                      </p:cBhvr>
+                                    </p:animEffect>
+                                  </p:childTnLst>
+                                </p:cTn>
+                              </p:par>
+                              <p:par>
+                                <p:cTn id="39" presetID="5" presetClass="entr" presetSubtype="10" fill="hold" grpId="0" nodeType="withEffect">
+                                  <p:stCondLst>
+                                    <p:cond delay="0"/>
+                                  </p:stCondLst>
+                                  <p:childTnLst>
+                                    <p:set>
+                                      <p:cBhvr>
+                                        <p:cTn id="40" dur="1" fill="hold">
+                                          <p:stCondLst>
+                                            <p:cond delay="0"/>
+                                          </p:stCondLst>
+                                        </p:cTn>
+                                        <p:tgtEl>
+                                          <p:spTgt spid="46"/>
+                                        </p:tgtEl>
+                                        <p:attrNameLst>
+                                          <p:attrName>style.visibility</p:attrName>
+                                        </p:attrNameLst>
+                                      </p:cBhvr>
+                                      <p:to>
+                                        <p:strVal val="visible"/>
+                                      </p:to>
+                                    </p:set>
+                                    <p:animEffect transition="in" filter="checkerboard(across)">
+                                      <p:cBhvr>
+                                        <p:cTn id="41" dur="500"/>
+                                        <p:tgtEl>
+                                          <p:spTgt spid="46"/>
+                                        </p:tgtEl>
+                                      </p:cBhvr>
+                                    </p:animEffect>
+                                  </p:childTnLst>
+                                </p:cTn>
+                              </p:par>
+                              <p:par>
+                                <p:cTn id="42" presetID="5" presetClass="entr" presetSubtype="10" fill="hold" grpId="0" nodeType="withEffect">
+                                  <p:stCondLst>
+                                    <p:cond delay="0"/>
+                                  </p:stCondLst>
+                                  <p:childTnLst>
+                                    <p:set>
+                                      <p:cBhvr>
+                                        <p:cTn id="43" dur="1" fill="hold">
+                                          <p:stCondLst>
+                                            <p:cond delay="0"/>
+                                          </p:stCondLst>
+                                        </p:cTn>
+                                        <p:tgtEl>
+                                          <p:spTgt spid="47"/>
+                                        </p:tgtEl>
+                                        <p:attrNameLst>
+                                          <p:attrName>style.visibility</p:attrName>
+                                        </p:attrNameLst>
+                                      </p:cBhvr>
+                                      <p:to>
+                                        <p:strVal val="visible"/>
+                                      </p:to>
+                                    </p:set>
+                                    <p:animEffect transition="in" filter="checkerboard(across)">
+                                      <p:cBhvr>
+                                        <p:cTn id="44" dur="500"/>
+                                        <p:tgtEl>
+                                          <p:spTgt spid="47"/>
+                                        </p:tgtEl>
+                                      </p:cBhvr>
+                                    </p:animEffect>
+                                  </p:childTnLst>
+                                </p:cTn>
+                              </p:par>
+                              <p:par>
+                                <p:cTn id="45" presetID="5" presetClass="entr" presetSubtype="10" fill="hold" grpId="0" nodeType="withEffect">
+                                  <p:stCondLst>
+                                    <p:cond delay="0"/>
+                                  </p:stCondLst>
+                                  <p:childTnLst>
+                                    <p:set>
+                                      <p:cBhvr>
+                                        <p:cTn id="46" dur="1" fill="hold">
+                                          <p:stCondLst>
+                                            <p:cond delay="0"/>
+                                          </p:stCondLst>
+                                        </p:cTn>
+                                        <p:tgtEl>
+                                          <p:spTgt spid="48"/>
+                                        </p:tgtEl>
+                                        <p:attrNameLst>
+                                          <p:attrName>style.visibility</p:attrName>
+                                        </p:attrNameLst>
+                                      </p:cBhvr>
+                                      <p:to>
+                                        <p:strVal val="visible"/>
+                                      </p:to>
+                                    </p:set>
+                                    <p:animEffect transition="in" filter="checkerboard(across)">
+                                      <p:cBhvr>
+                                        <p:cTn id="47" dur="500"/>
+                                        <p:tgtEl>
+                                          <p:spTgt spid="48"/>
+                                        </p:tgtEl>
+                                      </p:cBhvr>
+                                    </p:animEffect>
+                                  </p:childTnLst>
+                                </p:cTn>
+                              </p:par>
+                              <p:par>
+                                <p:cTn id="48" presetID="5" presetClass="entr" presetSubtype="10" fill="hold" grpId="0" nodeType="withEffect">
+                                  <p:stCondLst>
+                                    <p:cond delay="0"/>
+                                  </p:stCondLst>
+                                  <p:childTnLst>
+                                    <p:set>
+                                      <p:cBhvr>
+                                        <p:cTn id="49" dur="1" fill="hold">
+                                          <p:stCondLst>
+                                            <p:cond delay="0"/>
+                                          </p:stCondLst>
+                                        </p:cTn>
+                                        <p:tgtEl>
+                                          <p:spTgt spid="49"/>
+                                        </p:tgtEl>
+                                        <p:attrNameLst>
+                                          <p:attrName>style.visibility</p:attrName>
+                                        </p:attrNameLst>
+                                      </p:cBhvr>
+                                      <p:to>
+                                        <p:strVal val="visible"/>
+                                      </p:to>
+                                    </p:set>
+                                    <p:animEffect transition="in" filter="checkerboard(across)">
+                                      <p:cBhvr>
+                                        <p:cTn id="50" dur="500"/>
+                                        <p:tgtEl>
+                                          <p:spTgt spid="49"/>
+                                        </p:tgtEl>
+                                      </p:cBhvr>
+                                    </p:animEffect>
+                                  </p:childTnLst>
+                                </p:cTn>
+                              </p:par>
+                              <p:par>
+                                <p:cTn id="51" presetID="5" presetClass="entr" presetSubtype="10" fill="hold" grpId="0" nodeType="withEffect">
+                                  <p:stCondLst>
+                                    <p:cond delay="0"/>
+                                  </p:stCondLst>
+                                  <p:childTnLst>
+                                    <p:set>
+                                      <p:cBhvr>
+                                        <p:cTn id="52" dur="1" fill="hold">
+                                          <p:stCondLst>
+                                            <p:cond delay="0"/>
+                                          </p:stCondLst>
+                                        </p:cTn>
+                                        <p:tgtEl>
+                                          <p:spTgt spid="51"/>
+                                        </p:tgtEl>
+                                        <p:attrNameLst>
+                                          <p:attrName>style.visibility</p:attrName>
+                                        </p:attrNameLst>
+                                      </p:cBhvr>
+                                      <p:to>
+                                        <p:strVal val="visible"/>
+                                      </p:to>
+                                    </p:set>
+                                    <p:animEffect transition="in" filter="checkerboard(across)">
+                                      <p:cBhvr>
+                                        <p:cTn id="53" dur="500"/>
+                                        <p:tgtEl>
+                                          <p:spTgt spid="51"/>
+                                        </p:tgtEl>
+                                      </p:cBhvr>
+                                    </p:animEffect>
+                                  </p:childTnLst>
+                                </p:cTn>
+                              </p:par>
+                            </p:childTnLst>
+                          </p:cTn>
+                        </p:par>
+                      </p:childTnLst>
+                    </p:cTn>
+                  </p:par>
+                  <p:par>
+                    <p:cTn id="54" fill="hold">
+                      <p:stCondLst>
+                        <p:cond delay="indefinite"/>
+                      </p:stCondLst>
+                      <p:childTnLst>
+                        <p:par>
+                          <p:cTn id="55" fill="hold">
+                            <p:stCondLst>
+                              <p:cond delay="0"/>
+                            </p:stCondLst>
+                            <p:childTnLst>
+                              <p:par>
+                                <p:cTn id="56" presetID="5" presetClass="entr" presetSubtype="10" fill="hold" grpId="0" nodeType="clickEffect">
+                                  <p:stCondLst>
+                                    <p:cond delay="0"/>
+                                  </p:stCondLst>
+                                  <p:childTnLst>
+                                    <p:set>
+                                      <p:cBhvr>
+                                        <p:cTn id="57" dur="1" fill="hold">
+                                          <p:stCondLst>
+                                            <p:cond delay="0"/>
+                                          </p:stCondLst>
+                                        </p:cTn>
+                                        <p:tgtEl>
+                                          <p:spTgt spid="52"/>
+                                        </p:tgtEl>
+                                        <p:attrNameLst>
+                                          <p:attrName>style.visibility</p:attrName>
+                                        </p:attrNameLst>
+                                      </p:cBhvr>
+                                      <p:to>
+                                        <p:strVal val="visible"/>
+                                      </p:to>
+                                    </p:set>
+                                    <p:animEffect transition="in" filter="checkerboard(across)">
+                                      <p:cBhvr>
+                                        <p:cTn id="58" dur="500"/>
+                                        <p:tgtEl>
+                                          <p:spTgt spid="52"/>
+                                        </p:tgtEl>
+                                      </p:cBhvr>
+                                    </p:animEffect>
+                                  </p:childTnLst>
+                                </p:cTn>
+                              </p:par>
+                              <p:par>
+                                <p:cTn id="59" presetID="5" presetClass="entr" presetSubtype="10" fill="hold" grpId="0" nodeType="withEffect">
+                                  <p:stCondLst>
+                                    <p:cond delay="0"/>
+                                  </p:stCondLst>
+                                  <p:childTnLst>
+                                    <p:set>
+                                      <p:cBhvr>
+                                        <p:cTn id="60" dur="1" fill="hold">
+                                          <p:stCondLst>
+                                            <p:cond delay="0"/>
+                                          </p:stCondLst>
+                                        </p:cTn>
+                                        <p:tgtEl>
+                                          <p:spTgt spid="53"/>
+                                        </p:tgtEl>
+                                        <p:attrNameLst>
+                                          <p:attrName>style.visibility</p:attrName>
+                                        </p:attrNameLst>
+                                      </p:cBhvr>
+                                      <p:to>
+                                        <p:strVal val="visible"/>
+                                      </p:to>
+                                    </p:set>
+                                    <p:animEffect transition="in" filter="checkerboard(across)">
+                                      <p:cBhvr>
+                                        <p:cTn id="61" dur="500"/>
+                                        <p:tgtEl>
+                                          <p:spTgt spid="53"/>
+                                        </p:tgtEl>
+                                      </p:cBhvr>
+                                    </p:animEffect>
+                                  </p:childTnLst>
+                                </p:cTn>
+                              </p:par>
+                            </p:childTnLst>
+                          </p:cTn>
+                        </p:par>
+                      </p:childTnLst>
+                    </p:cTn>
+                  </p:par>
+                </p:childTnLst>
+              </p:cTn>
+              <p:prevCondLst>
+                <p:cond evt="onPrev" delay="0">
+                  <p:tgtEl>
+                    <p:sldTgt/>
+                  </p:tgtEl>
+                </p:cond>
+              </p:prevCondLst>
+              <p:nextCondLst>
+                <p:cond evt="onNext" delay="0">
+                  <p:tgtEl>
+                    <p:sldTgt/>
+                  </p:tgtEl>
+                </p:cond>
+              </p:nextCondLst>
+            </p:seq>
+          </p:childTnLst>
+        </p:cTn>
+      </p:par>
+    </p:tnLst>
+    <p:bldLst>
+      <p:bldP spid="34" grpId="0" animBg="1"/>
+      <p:bldP spid="35" grpId="0"/>
+      <p:bldP spid="39" grpId="0"/>
+      <p:bldP spid="40" grpId="0"/>
+      <p:bldP spid="41" grpId="0"/>
+      <p:bldP spid="42" grpId="0"/>
+      <p:bldP spid="43" grpId="0"/>
+      <p:bldP spid="44" grpId="0"/>
+      <p:bldP spid="45" grpId="0"/>
+      <p:bldP spid="46" grpId="0"/>
+      <p:bldP spid="47" grpId="0"/>
+      <p:bldP spid="48" grpId="0" animBg="1"/>
+      <p:bldP spid="49" grpId="0"/>
+      <p:bldP spid="51" grpId="0"/>
+      <p:bldP spid="52" grpId="0"/>
+      <p:bldP spid="53" grpId="0" animBg="1"/>
+    </p:bldLst>
+  </p:timing>
+</p:sld>
+</file>
+
+<file path=ppt/slides/slide22.xml><?xml version="1.0" encoding="utf-8"?>
+<p:sld xmlns:a="http://schemas.openxmlformats.org/drawingml/2006/main" xmlns:r="http://schemas.openxmlformats.org/officeDocument/2006/relationships" xmlns:p="http://schemas.openxmlformats.org/presentationml/2006/main">
+  <p:cSld>
+    <p:spTree>
+      <p:nvGrpSpPr>
+        <p:cNvPr id="1" name=""/>
+        <p:cNvGrpSpPr/>
+        <p:nvPr/>
+      </p:nvGrpSpPr>
+      <p:grpSpPr>
+        <a:xfrm>
+          <a:off x="0" y="0"/>
+          <a:ext cx="0" cy="0"/>
+          <a:chOff x="0" y="0"/>
+          <a:chExt cx="0" cy="0"/>
+        </a:xfrm>
+      </p:grpSpPr>
+      <p:sp>
+        <p:nvSpPr>
+          <p:cNvPr id="2" name="Title 1"/>
+          <p:cNvSpPr>
+            <a:spLocks noGrp="1"/>
+          </p:cNvSpPr>
+          <p:nvPr>
+            <p:ph type="title"/>
+          </p:nvPr>
+        </p:nvSpPr>
+        <p:spPr/>
+        <p:txBody>
+          <a:bodyPr/>
+          <a:lstStyle/>
+          <a:p>
+            <a:r>
+              <a:rPr lang="zh-CN" altLang="en-US" dirty="0" smtClean="0"/>
+              <a:t>预测</a:t>
+            </a:r>
+            <a:endParaRPr lang="en-US" dirty="0"/>
+          </a:p>
+        </p:txBody>
+      </p:sp>
+      <p:sp>
+        <p:nvSpPr>
+          <p:cNvPr id="16" name="TextBox 15"/>
+          <p:cNvSpPr txBox="1"/>
+          <p:nvPr/>
+        </p:nvSpPr>
+        <p:spPr>
+          <a:xfrm>
+            <a:off x="4653874" y="2632842"/>
+            <a:ext cx="2884251" cy="584775"/>
+          </a:xfrm>
+          <a:prstGeom prst="rect">
+            <a:avLst/>
+          </a:prstGeom>
+          <a:noFill/>
+        </p:spPr>
+        <p:txBody>
+          <a:bodyPr wrap="none" rtlCol="0">
+            <a:spAutoFit/>
+          </a:bodyPr>
+          <a:lstStyle/>
+          <a:p>
+            <a:r>
+              <a:rPr lang="en-US" sz="3200" dirty="0" err="1" smtClean="0"/>
+              <a:t>classify.predict</a:t>
+            </a:r>
+            <a:r>
+              <a:rPr lang="en-US" sz="3200" dirty="0" smtClean="0"/>
+              <a:t>()</a:t>
+            </a:r>
+            <a:endParaRPr lang="en-US" sz="3200" dirty="0"/>
+          </a:p>
+        </p:txBody>
+      </p:sp>
+    </p:spTree>
+    <p:extLst>
+      <p:ext uri="{BB962C8B-B14F-4D97-AF65-F5344CB8AC3E}">
+        <p14:creationId xmlns:p14="http://schemas.microsoft.com/office/powerpoint/2010/main" val="1649769758"/>
+      </p:ext>
+    </p:extLst>
+  </p:cSld>
+  <p:clrMapOvr>
+    <a:masterClrMapping/>
+  </p:clrMapOvr>
+  <p:timing>
+    <p:tnLst>
+      <p:par>
+        <p:cTn id="1" dur="indefinite" restart="never" nodeType="tmRoot"/>
+      </p:par>
+    </p:tnLst>
   </p:timing>
 </p:sld>
 </file>

--- a/机器学习之手写识别.pptx
+++ b/机器学习之手写识别.pptx
@@ -12573,6 +12573,76 @@
                                   </p:childTnLst>
                                 </p:cTn>
                               </p:par>
+                              <p:par>
+                                <p:cTn id="97" presetID="5" presetClass="entr" presetSubtype="10" fill="hold" grpId="0" nodeType="withEffect">
+                                  <p:stCondLst>
+                                    <p:cond delay="0"/>
+                                  </p:stCondLst>
+                                  <p:childTnLst>
+                                    <p:set>
+                                      <p:cBhvr>
+                                        <p:cTn id="98" dur="1" fill="hold">
+                                          <p:stCondLst>
+                                            <p:cond delay="0"/>
+                                          </p:stCondLst>
+                                        </p:cTn>
+                                        <p:tgtEl>
+                                          <p:spTgt spid="83"/>
+                                        </p:tgtEl>
+                                        <p:attrNameLst>
+                                          <p:attrName>style.visibility</p:attrName>
+                                        </p:attrNameLst>
+                                      </p:cBhvr>
+                                      <p:to>
+                                        <p:strVal val="visible"/>
+                                      </p:to>
+                                    </p:set>
+                                    <p:animEffect transition="in" filter="checkerboard(across)">
+                                      <p:cBhvr>
+                                        <p:cTn id="99" dur="500"/>
+                                        <p:tgtEl>
+                                          <p:spTgt spid="83"/>
+                                        </p:tgtEl>
+                                      </p:cBhvr>
+                                    </p:animEffect>
+                                  </p:childTnLst>
+                                </p:cTn>
+                              </p:par>
+                              <p:par>
+                                <p:cTn id="100" presetID="5" presetClass="entr" presetSubtype="10" fill="hold" grpId="0" nodeType="withEffect">
+                                  <p:stCondLst>
+                                    <p:cond delay="0"/>
+                                  </p:stCondLst>
+                                  <p:childTnLst>
+                                    <p:set>
+                                      <p:cBhvr>
+                                        <p:cTn id="101" dur="1" fill="hold">
+                                          <p:stCondLst>
+                                            <p:cond delay="0"/>
+                                          </p:stCondLst>
+                                        </p:cTn>
+                                        <p:tgtEl>
+                                          <p:spTgt spid="82"/>
+                                        </p:tgtEl>
+                                        <p:attrNameLst>
+                                          <p:attrName>style.visibility</p:attrName>
+                                        </p:attrNameLst>
+                                      </p:cBhvr>
+                                      <p:to>
+                                        <p:strVal val="visible"/>
+                                      </p:to>
+                                    </p:set>
+                                    <p:animEffect transition="in" filter="checkerboard(across)">
+                                      <p:cBhvr>
+                                        <p:cTn id="102" dur="500"/>
+                                        <p:tgtEl>
+                                          <p:spTgt spid="82"/>
+                                        </p:tgtEl>
+                                      </p:cBhvr>
+                                    </p:animEffect>
+                                  </p:childTnLst>
+                                </p:cTn>
+                              </p:par>
                             </p:childTnLst>
                           </p:cTn>
                         </p:par>
@@ -12580,26 +12650,26 @@
                     </p:cTn>
                   </p:par>
                   <p:par>
-                    <p:cTn id="97" fill="hold">
+                    <p:cTn id="103" fill="hold">
                       <p:stCondLst>
                         <p:cond delay="indefinite"/>
                       </p:stCondLst>
                       <p:childTnLst>
                         <p:par>
-                          <p:cTn id="98" fill="hold">
+                          <p:cTn id="104" fill="hold">
                             <p:stCondLst>
                               <p:cond delay="0"/>
                             </p:stCondLst>
                             <p:childTnLst>
                               <p:par>
-                                <p:cTn id="99" presetID="5" presetClass="entr" presetSubtype="10" fill="hold" grpId="0" nodeType="clickEffect">
+                                <p:cTn id="105" presetID="5" presetClass="entr" presetSubtype="10" fill="hold" grpId="0" nodeType="clickEffect">
                                   <p:stCondLst>
                                     <p:cond delay="0"/>
                                   </p:stCondLst>
                                   <p:childTnLst>
                                     <p:set>
                                       <p:cBhvr>
-                                        <p:cTn id="100" dur="1" fill="hold">
+                                        <p:cTn id="106" dur="1" fill="hold">
                                           <p:stCondLst>
                                             <p:cond delay="0"/>
                                           </p:stCondLst>
@@ -12617,79 +12687,9 @@
                                     </p:set>
                                     <p:animEffect transition="in" filter="checkerboard(across)">
                                       <p:cBhvr>
-                                        <p:cTn id="101" dur="500"/>
+                                        <p:cTn id="107" dur="500"/>
                                         <p:tgtEl>
                                           <p:spTgt spid="53"/>
-                                        </p:tgtEl>
-                                      </p:cBhvr>
-                                    </p:animEffect>
-                                  </p:childTnLst>
-                                </p:cTn>
-                              </p:par>
-                              <p:par>
-                                <p:cTn id="102" presetID="5" presetClass="entr" presetSubtype="10" fill="hold" grpId="0" nodeType="withEffect">
-                                  <p:stCondLst>
-                                    <p:cond delay="0"/>
-                                  </p:stCondLst>
-                                  <p:childTnLst>
-                                    <p:set>
-                                      <p:cBhvr>
-                                        <p:cTn id="103" dur="1" fill="hold">
-                                          <p:stCondLst>
-                                            <p:cond delay="0"/>
-                                          </p:stCondLst>
-                                        </p:cTn>
-                                        <p:tgtEl>
-                                          <p:spTgt spid="54"/>
-                                        </p:tgtEl>
-                                        <p:attrNameLst>
-                                          <p:attrName>style.visibility</p:attrName>
-                                        </p:attrNameLst>
-                                      </p:cBhvr>
-                                      <p:to>
-                                        <p:strVal val="visible"/>
-                                      </p:to>
-                                    </p:set>
-                                    <p:animEffect transition="in" filter="checkerboard(across)">
-                                      <p:cBhvr>
-                                        <p:cTn id="104" dur="500"/>
-                                        <p:tgtEl>
-                                          <p:spTgt spid="54"/>
-                                        </p:tgtEl>
-                                      </p:cBhvr>
-                                    </p:animEffect>
-                                  </p:childTnLst>
-                                </p:cTn>
-                              </p:par>
-                              <p:par>
-                                <p:cTn id="105" presetID="5" presetClass="entr" presetSubtype="10" fill="hold" grpId="0" nodeType="withEffect">
-                                  <p:stCondLst>
-                                    <p:cond delay="0"/>
-                                  </p:stCondLst>
-                                  <p:childTnLst>
-                                    <p:set>
-                                      <p:cBhvr>
-                                        <p:cTn id="106" dur="1" fill="hold">
-                                          <p:stCondLst>
-                                            <p:cond delay="0"/>
-                                          </p:stCondLst>
-                                        </p:cTn>
-                                        <p:tgtEl>
-                                          <p:spTgt spid="55"/>
-                                        </p:tgtEl>
-                                        <p:attrNameLst>
-                                          <p:attrName>style.visibility</p:attrName>
-                                        </p:attrNameLst>
-                                      </p:cBhvr>
-                                      <p:to>
-                                        <p:strVal val="visible"/>
-                                      </p:to>
-                                    </p:set>
-                                    <p:animEffect transition="in" filter="checkerboard(across)">
-                                      <p:cBhvr>
-                                        <p:cTn id="107" dur="500"/>
-                                        <p:tgtEl>
-                                          <p:spTgt spid="55"/>
                                         </p:tgtEl>
                                       </p:cBhvr>
                                     </p:animEffect>
@@ -12710,7 +12710,7 @@
                                           </p:stCondLst>
                                         </p:cTn>
                                         <p:tgtEl>
-                                          <p:spTgt spid="56"/>
+                                          <p:spTgt spid="54"/>
                                         </p:tgtEl>
                                         <p:attrNameLst>
                                           <p:attrName>style.visibility</p:attrName>
@@ -12724,7 +12724,7 @@
                                       <p:cBhvr>
                                         <p:cTn id="110" dur="500"/>
                                         <p:tgtEl>
-                                          <p:spTgt spid="56"/>
+                                          <p:spTgt spid="54"/>
                                         </p:tgtEl>
                                       </p:cBhvr>
                                     </p:animEffect>
@@ -12745,7 +12745,7 @@
                                           </p:stCondLst>
                                         </p:cTn>
                                         <p:tgtEl>
-                                          <p:spTgt spid="57"/>
+                                          <p:spTgt spid="55"/>
                                         </p:tgtEl>
                                         <p:attrNameLst>
                                           <p:attrName>style.visibility</p:attrName>
@@ -12759,7 +12759,7 @@
                                       <p:cBhvr>
                                         <p:cTn id="113" dur="500"/>
                                         <p:tgtEl>
-                                          <p:spTgt spid="57"/>
+                                          <p:spTgt spid="55"/>
                                         </p:tgtEl>
                                       </p:cBhvr>
                                     </p:animEffect>
@@ -12780,7 +12780,7 @@
                                           </p:stCondLst>
                                         </p:cTn>
                                         <p:tgtEl>
-                                          <p:spTgt spid="58"/>
+                                          <p:spTgt spid="56"/>
                                         </p:tgtEl>
                                         <p:attrNameLst>
                                           <p:attrName>style.visibility</p:attrName>
@@ -12794,7 +12794,7 @@
                                       <p:cBhvr>
                                         <p:cTn id="116" dur="500"/>
                                         <p:tgtEl>
-                                          <p:spTgt spid="58"/>
+                                          <p:spTgt spid="56"/>
                                         </p:tgtEl>
                                       </p:cBhvr>
                                     </p:animEffect>
@@ -12815,7 +12815,7 @@
                                           </p:stCondLst>
                                         </p:cTn>
                                         <p:tgtEl>
-                                          <p:spTgt spid="59"/>
+                                          <p:spTgt spid="57"/>
                                         </p:tgtEl>
                                         <p:attrNameLst>
                                           <p:attrName>style.visibility</p:attrName>
@@ -12829,7 +12829,7 @@
                                       <p:cBhvr>
                                         <p:cTn id="119" dur="500"/>
                                         <p:tgtEl>
-                                          <p:spTgt spid="59"/>
+                                          <p:spTgt spid="57"/>
                                         </p:tgtEl>
                                       </p:cBhvr>
                                     </p:animEffect>
@@ -12850,7 +12850,7 @@
                                           </p:stCondLst>
                                         </p:cTn>
                                         <p:tgtEl>
-                                          <p:spTgt spid="60"/>
+                                          <p:spTgt spid="58"/>
                                         </p:tgtEl>
                                         <p:attrNameLst>
                                           <p:attrName>style.visibility</p:attrName>
@@ -12864,7 +12864,7 @@
                                       <p:cBhvr>
                                         <p:cTn id="122" dur="500"/>
                                         <p:tgtEl>
-                                          <p:spTgt spid="60"/>
+                                          <p:spTgt spid="58"/>
                                         </p:tgtEl>
                                       </p:cBhvr>
                                     </p:animEffect>
@@ -12885,7 +12885,7 @@
                                           </p:stCondLst>
                                         </p:cTn>
                                         <p:tgtEl>
-                                          <p:spTgt spid="61"/>
+                                          <p:spTgt spid="59"/>
                                         </p:tgtEl>
                                         <p:attrNameLst>
                                           <p:attrName>style.visibility</p:attrName>
@@ -12899,7 +12899,7 @@
                                       <p:cBhvr>
                                         <p:cTn id="125" dur="500"/>
                                         <p:tgtEl>
-                                          <p:spTgt spid="61"/>
+                                          <p:spTgt spid="59"/>
                                         </p:tgtEl>
                                       </p:cBhvr>
                                     </p:animEffect>
@@ -12920,7 +12920,7 @@
                                           </p:stCondLst>
                                         </p:cTn>
                                         <p:tgtEl>
-                                          <p:spTgt spid="62"/>
+                                          <p:spTgt spid="60"/>
                                         </p:tgtEl>
                                         <p:attrNameLst>
                                           <p:attrName>style.visibility</p:attrName>
@@ -12934,7 +12934,7 @@
                                       <p:cBhvr>
                                         <p:cTn id="128" dur="500"/>
                                         <p:tgtEl>
-                                          <p:spTgt spid="62"/>
+                                          <p:spTgt spid="60"/>
                                         </p:tgtEl>
                                       </p:cBhvr>
                                     </p:animEffect>
@@ -12942,7 +12942,7 @@
                                 </p:cTn>
                               </p:par>
                               <p:par>
-                                <p:cTn id="129" presetID="5" presetClass="entr" presetSubtype="10" fill="hold" nodeType="withEffect">
+                                <p:cTn id="129" presetID="5" presetClass="entr" presetSubtype="10" fill="hold" grpId="0" nodeType="withEffect">
                                   <p:stCondLst>
                                     <p:cond delay="0"/>
                                   </p:stCondLst>
@@ -12955,7 +12955,7 @@
                                           </p:stCondLst>
                                         </p:cTn>
                                         <p:tgtEl>
-                                          <p:spTgt spid="64"/>
+                                          <p:spTgt spid="61"/>
                                         </p:tgtEl>
                                         <p:attrNameLst>
                                           <p:attrName>style.visibility</p:attrName>
@@ -12969,7 +12969,7 @@
                                       <p:cBhvr>
                                         <p:cTn id="131" dur="500"/>
                                         <p:tgtEl>
-                                          <p:spTgt spid="64"/>
+                                          <p:spTgt spid="61"/>
                                         </p:tgtEl>
                                       </p:cBhvr>
                                     </p:animEffect>
@@ -12977,7 +12977,7 @@
                                 </p:cTn>
                               </p:par>
                               <p:par>
-                                <p:cTn id="132" presetID="5" presetClass="entr" presetSubtype="10" fill="hold" nodeType="withEffect">
+                                <p:cTn id="132" presetID="5" presetClass="entr" presetSubtype="10" fill="hold" grpId="0" nodeType="withEffect">
                                   <p:stCondLst>
                                     <p:cond delay="0"/>
                                   </p:stCondLst>
@@ -12990,7 +12990,7 @@
                                           </p:stCondLst>
                                         </p:cTn>
                                         <p:tgtEl>
-                                          <p:spTgt spid="66"/>
+                                          <p:spTgt spid="62"/>
                                         </p:tgtEl>
                                         <p:attrNameLst>
                                           <p:attrName>style.visibility</p:attrName>
@@ -13004,7 +13004,7 @@
                                       <p:cBhvr>
                                         <p:cTn id="134" dur="500"/>
                                         <p:tgtEl>
-                                          <p:spTgt spid="66"/>
+                                          <p:spTgt spid="62"/>
                                         </p:tgtEl>
                                       </p:cBhvr>
                                     </p:animEffect>
@@ -13025,7 +13025,7 @@
                                           </p:stCondLst>
                                         </p:cTn>
                                         <p:tgtEl>
-                                          <p:spTgt spid="68"/>
+                                          <p:spTgt spid="64"/>
                                         </p:tgtEl>
                                         <p:attrNameLst>
                                           <p:attrName>style.visibility</p:attrName>
@@ -13039,7 +13039,7 @@
                                       <p:cBhvr>
                                         <p:cTn id="137" dur="500"/>
                                         <p:tgtEl>
-                                          <p:spTgt spid="68"/>
+                                          <p:spTgt spid="64"/>
                                         </p:tgtEl>
                                       </p:cBhvr>
                                     </p:animEffect>
@@ -13060,7 +13060,7 @@
                                           </p:stCondLst>
                                         </p:cTn>
                                         <p:tgtEl>
-                                          <p:spTgt spid="70"/>
+                                          <p:spTgt spid="66"/>
                                         </p:tgtEl>
                                         <p:attrNameLst>
                                           <p:attrName>style.visibility</p:attrName>
@@ -13074,7 +13074,7 @@
                                       <p:cBhvr>
                                         <p:cTn id="140" dur="500"/>
                                         <p:tgtEl>
-                                          <p:spTgt spid="70"/>
+                                          <p:spTgt spid="66"/>
                                         </p:tgtEl>
                                       </p:cBhvr>
                                     </p:animEffect>
@@ -13095,7 +13095,7 @@
                                           </p:stCondLst>
                                         </p:cTn>
                                         <p:tgtEl>
-                                          <p:spTgt spid="72"/>
+                                          <p:spTgt spid="68"/>
                                         </p:tgtEl>
                                         <p:attrNameLst>
                                           <p:attrName>style.visibility</p:attrName>
@@ -13109,7 +13109,7 @@
                                       <p:cBhvr>
                                         <p:cTn id="143" dur="500"/>
                                         <p:tgtEl>
-                                          <p:spTgt spid="72"/>
+                                          <p:spTgt spid="68"/>
                                         </p:tgtEl>
                                       </p:cBhvr>
                                     </p:animEffect>
@@ -13130,7 +13130,7 @@
                                           </p:stCondLst>
                                         </p:cTn>
                                         <p:tgtEl>
-                                          <p:spTgt spid="76"/>
+                                          <p:spTgt spid="70"/>
                                         </p:tgtEl>
                                         <p:attrNameLst>
                                           <p:attrName>style.visibility</p:attrName>
@@ -13144,7 +13144,7 @@
                                       <p:cBhvr>
                                         <p:cTn id="146" dur="500"/>
                                         <p:tgtEl>
-                                          <p:spTgt spid="76"/>
+                                          <p:spTgt spid="70"/>
                                         </p:tgtEl>
                                       </p:cBhvr>
                                     </p:animEffect>
@@ -13165,7 +13165,7 @@
                                           </p:stCondLst>
                                         </p:cTn>
                                         <p:tgtEl>
-                                          <p:spTgt spid="77"/>
+                                          <p:spTgt spid="72"/>
                                         </p:tgtEl>
                                         <p:attrNameLst>
                                           <p:attrName>style.visibility</p:attrName>
@@ -13179,7 +13179,7 @@
                                       <p:cBhvr>
                                         <p:cTn id="149" dur="500"/>
                                         <p:tgtEl>
-                                          <p:spTgt spid="77"/>
+                                          <p:spTgt spid="72"/>
                                         </p:tgtEl>
                                       </p:cBhvr>
                                     </p:animEffect>
@@ -13200,7 +13200,7 @@
                                           </p:stCondLst>
                                         </p:cTn>
                                         <p:tgtEl>
-                                          <p:spTgt spid="78"/>
+                                          <p:spTgt spid="76"/>
                                         </p:tgtEl>
                                         <p:attrNameLst>
                                           <p:attrName>style.visibility</p:attrName>
@@ -13214,7 +13214,7 @@
                                       <p:cBhvr>
                                         <p:cTn id="152" dur="500"/>
                                         <p:tgtEl>
-                                          <p:spTgt spid="78"/>
+                                          <p:spTgt spid="76"/>
                                         </p:tgtEl>
                                       </p:cBhvr>
                                     </p:animEffect>
@@ -13235,7 +13235,7 @@
                                           </p:stCondLst>
                                         </p:cTn>
                                         <p:tgtEl>
-                                          <p:spTgt spid="79"/>
+                                          <p:spTgt spid="77"/>
                                         </p:tgtEl>
                                         <p:attrNameLst>
                                           <p:attrName>style.visibility</p:attrName>
@@ -13249,7 +13249,7 @@
                                       <p:cBhvr>
                                         <p:cTn id="155" dur="500"/>
                                         <p:tgtEl>
-                                          <p:spTgt spid="79"/>
+                                          <p:spTgt spid="77"/>
                                         </p:tgtEl>
                                       </p:cBhvr>
                                     </p:animEffect>
@@ -13270,7 +13270,7 @@
                                           </p:stCondLst>
                                         </p:cTn>
                                         <p:tgtEl>
-                                          <p:spTgt spid="80"/>
+                                          <p:spTgt spid="78"/>
                                         </p:tgtEl>
                                         <p:attrNameLst>
                                           <p:attrName>style.visibility</p:attrName>
@@ -13283,6 +13283,76 @@
                                     <p:animEffect transition="in" filter="checkerboard(across)">
                                       <p:cBhvr>
                                         <p:cTn id="158" dur="500"/>
+                                        <p:tgtEl>
+                                          <p:spTgt spid="78"/>
+                                        </p:tgtEl>
+                                      </p:cBhvr>
+                                    </p:animEffect>
+                                  </p:childTnLst>
+                                </p:cTn>
+                              </p:par>
+                              <p:par>
+                                <p:cTn id="159" presetID="5" presetClass="entr" presetSubtype="10" fill="hold" nodeType="withEffect">
+                                  <p:stCondLst>
+                                    <p:cond delay="0"/>
+                                  </p:stCondLst>
+                                  <p:childTnLst>
+                                    <p:set>
+                                      <p:cBhvr>
+                                        <p:cTn id="160" dur="1" fill="hold">
+                                          <p:stCondLst>
+                                            <p:cond delay="0"/>
+                                          </p:stCondLst>
+                                        </p:cTn>
+                                        <p:tgtEl>
+                                          <p:spTgt spid="79"/>
+                                        </p:tgtEl>
+                                        <p:attrNameLst>
+                                          <p:attrName>style.visibility</p:attrName>
+                                        </p:attrNameLst>
+                                      </p:cBhvr>
+                                      <p:to>
+                                        <p:strVal val="visible"/>
+                                      </p:to>
+                                    </p:set>
+                                    <p:animEffect transition="in" filter="checkerboard(across)">
+                                      <p:cBhvr>
+                                        <p:cTn id="161" dur="500"/>
+                                        <p:tgtEl>
+                                          <p:spTgt spid="79"/>
+                                        </p:tgtEl>
+                                      </p:cBhvr>
+                                    </p:animEffect>
+                                  </p:childTnLst>
+                                </p:cTn>
+                              </p:par>
+                              <p:par>
+                                <p:cTn id="162" presetID="5" presetClass="entr" presetSubtype="10" fill="hold" nodeType="withEffect">
+                                  <p:stCondLst>
+                                    <p:cond delay="0"/>
+                                  </p:stCondLst>
+                                  <p:childTnLst>
+                                    <p:set>
+                                      <p:cBhvr>
+                                        <p:cTn id="163" dur="1" fill="hold">
+                                          <p:stCondLst>
+                                            <p:cond delay="0"/>
+                                          </p:stCondLst>
+                                        </p:cTn>
+                                        <p:tgtEl>
+                                          <p:spTgt spid="80"/>
+                                        </p:tgtEl>
+                                        <p:attrNameLst>
+                                          <p:attrName>style.visibility</p:attrName>
+                                        </p:attrNameLst>
+                                      </p:cBhvr>
+                                      <p:to>
+                                        <p:strVal val="visible"/>
+                                      </p:to>
+                                    </p:set>
+                                    <p:animEffect transition="in" filter="checkerboard(across)">
+                                      <p:cBhvr>
+                                        <p:cTn id="164" dur="500"/>
                                         <p:tgtEl>
                                           <p:spTgt spid="80"/>
                                         </p:tgtEl>
@@ -13349,6 +13419,8 @@
       <p:bldP spid="60" grpId="0"/>
       <p:bldP spid="61" grpId="0"/>
       <p:bldP spid="62" grpId="0"/>
+      <p:bldP spid="82" grpId="0" animBg="1"/>
+      <p:bldP spid="83" grpId="0"/>
     </p:bldLst>
   </p:timing>
 </p:sld>
@@ -15145,7 +15217,7 @@
         </p:nvSpPr>
         <p:spPr>
           <a:xfrm>
-            <a:off x="9736794" y="2283606"/>
+            <a:off x="9736794" y="2386909"/>
             <a:ext cx="301686" cy="369332"/>
           </a:xfrm>
           <a:prstGeom prst="rect">
@@ -15175,7 +15247,7 @@
         </p:nvSpPr>
         <p:spPr>
           <a:xfrm>
-            <a:off x="9736794" y="2764583"/>
+            <a:off x="9736794" y="2854973"/>
             <a:ext cx="301686" cy="369332"/>
           </a:xfrm>
           <a:prstGeom prst="rect">
@@ -15205,7 +15277,7 @@
         </p:nvSpPr>
         <p:spPr>
           <a:xfrm>
-            <a:off x="9736794" y="3245560"/>
+            <a:off x="9736794" y="3323037"/>
             <a:ext cx="301686" cy="369332"/>
           </a:xfrm>
           <a:prstGeom prst="rect">
@@ -15235,7 +15307,7 @@
         </p:nvSpPr>
         <p:spPr>
           <a:xfrm>
-            <a:off x="9736794" y="3726537"/>
+            <a:off x="9736794" y="3791101"/>
             <a:ext cx="301686" cy="369332"/>
           </a:xfrm>
           <a:prstGeom prst="rect">
@@ -15265,7 +15337,7 @@
         </p:nvSpPr>
         <p:spPr>
           <a:xfrm>
-            <a:off x="9736794" y="4207514"/>
+            <a:off x="9736794" y="4259165"/>
             <a:ext cx="301686" cy="369332"/>
           </a:xfrm>
           <a:prstGeom prst="rect">
@@ -15295,7 +15367,7 @@
         </p:nvSpPr>
         <p:spPr>
           <a:xfrm>
-            <a:off x="9736794" y="4688491"/>
+            <a:off x="9736794" y="4727229"/>
             <a:ext cx="301686" cy="369332"/>
           </a:xfrm>
           <a:prstGeom prst="rect">
@@ -15325,7 +15397,7 @@
         </p:nvSpPr>
         <p:spPr>
           <a:xfrm>
-            <a:off x="9736794" y="5169468"/>
+            <a:off x="9736794" y="5195293"/>
             <a:ext cx="301686" cy="369332"/>
           </a:xfrm>
           <a:prstGeom prst="rect">
@@ -15355,7 +15427,7 @@
         </p:nvSpPr>
         <p:spPr>
           <a:xfrm>
-            <a:off x="9736794" y="5650445"/>
+            <a:off x="9736794" y="5663357"/>
             <a:ext cx="301686" cy="369332"/>
           </a:xfrm>
           <a:prstGeom prst="rect">
@@ -15415,7 +15487,7 @@
         </p:nvSpPr>
         <p:spPr>
           <a:xfrm>
-            <a:off x="10260689" y="2233858"/>
+            <a:off x="10260689" y="2100046"/>
             <a:ext cx="646386" cy="4328794"/>
           </a:xfrm>
           <a:prstGeom prst="rightBrace">
@@ -15453,7 +15525,7 @@
         </p:nvSpPr>
         <p:spPr>
           <a:xfrm>
-            <a:off x="11398689" y="2692466"/>
+            <a:off x="11398689" y="2514050"/>
             <a:ext cx="570990" cy="3416320"/>
           </a:xfrm>
           <a:prstGeom prst="rect">
@@ -15740,6 +15812,36 @@
                 <a:schemeClr val="tx1"/>
               </a:solidFill>
             </a:endParaRPr>
+          </a:p>
+        </p:txBody>
+      </p:sp>
+      <p:sp>
+        <p:nvSpPr>
+          <p:cNvPr id="54" name="TextBox 53"/>
+          <p:cNvSpPr txBox="1"/>
+          <p:nvPr/>
+        </p:nvSpPr>
+        <p:spPr>
+          <a:xfrm>
+            <a:off x="9736794" y="1918845"/>
+            <a:ext cx="301686" cy="369332"/>
+          </a:xfrm>
+          <a:prstGeom prst="rect">
+            <a:avLst/>
+          </a:prstGeom>
+          <a:noFill/>
+        </p:spPr>
+        <p:txBody>
+          <a:bodyPr wrap="none" rtlCol="0">
+            <a:spAutoFit/>
+          </a:bodyPr>
+          <a:lstStyle/>
+          <a:p>
+            <a:r>
+              <a:rPr lang="en-US" dirty="0" smtClean="0"/>
+              <a:t>0</a:t>
+            </a:r>
+            <a:endParaRPr lang="en-US" dirty="0"/>
           </a:p>
         </p:txBody>
       </p:sp>
@@ -16103,7 +16205,7 @@
                                           </p:stCondLst>
                                         </p:cTn>
                                         <p:tgtEl>
-                                          <p:spTgt spid="44"/>
+                                          <p:spTgt spid="54"/>
                                         </p:tgtEl>
                                         <p:attrNameLst>
                                           <p:attrName>style.visibility</p:attrName>
@@ -16117,7 +16219,7 @@
                                       <p:cBhvr>
                                         <p:cTn id="35" dur="500"/>
                                         <p:tgtEl>
-                                          <p:spTgt spid="44"/>
+                                          <p:spTgt spid="54"/>
                                         </p:tgtEl>
                                       </p:cBhvr>
                                     </p:animEffect>
@@ -16138,7 +16240,7 @@
                                           </p:stCondLst>
                                         </p:cTn>
                                         <p:tgtEl>
-                                          <p:spTgt spid="45"/>
+                                          <p:spTgt spid="44"/>
                                         </p:tgtEl>
                                         <p:attrNameLst>
                                           <p:attrName>style.visibility</p:attrName>
@@ -16152,7 +16254,7 @@
                                       <p:cBhvr>
                                         <p:cTn id="38" dur="500"/>
                                         <p:tgtEl>
-                                          <p:spTgt spid="45"/>
+                                          <p:spTgt spid="44"/>
                                         </p:tgtEl>
                                       </p:cBhvr>
                                     </p:animEffect>
@@ -16173,7 +16275,7 @@
                                           </p:stCondLst>
                                         </p:cTn>
                                         <p:tgtEl>
-                                          <p:spTgt spid="46"/>
+                                          <p:spTgt spid="45"/>
                                         </p:tgtEl>
                                         <p:attrNameLst>
                                           <p:attrName>style.visibility</p:attrName>
@@ -16187,7 +16289,7 @@
                                       <p:cBhvr>
                                         <p:cTn id="41" dur="500"/>
                                         <p:tgtEl>
-                                          <p:spTgt spid="46"/>
+                                          <p:spTgt spid="45"/>
                                         </p:tgtEl>
                                       </p:cBhvr>
                                     </p:animEffect>
@@ -16208,7 +16310,7 @@
                                           </p:stCondLst>
                                         </p:cTn>
                                         <p:tgtEl>
-                                          <p:spTgt spid="47"/>
+                                          <p:spTgt spid="46"/>
                                         </p:tgtEl>
                                         <p:attrNameLst>
                                           <p:attrName>style.visibility</p:attrName>
@@ -16222,7 +16324,7 @@
                                       <p:cBhvr>
                                         <p:cTn id="44" dur="500"/>
                                         <p:tgtEl>
-                                          <p:spTgt spid="47"/>
+                                          <p:spTgt spid="46"/>
                                         </p:tgtEl>
                                       </p:cBhvr>
                                     </p:animEffect>
@@ -16243,7 +16345,7 @@
                                           </p:stCondLst>
                                         </p:cTn>
                                         <p:tgtEl>
-                                          <p:spTgt spid="48"/>
+                                          <p:spTgt spid="47"/>
                                         </p:tgtEl>
                                         <p:attrNameLst>
                                           <p:attrName>style.visibility</p:attrName>
@@ -16257,7 +16359,7 @@
                                       <p:cBhvr>
                                         <p:cTn id="47" dur="500"/>
                                         <p:tgtEl>
-                                          <p:spTgt spid="48"/>
+                                          <p:spTgt spid="47"/>
                                         </p:tgtEl>
                                       </p:cBhvr>
                                     </p:animEffect>
@@ -16278,7 +16380,7 @@
                                           </p:stCondLst>
                                         </p:cTn>
                                         <p:tgtEl>
-                                          <p:spTgt spid="49"/>
+                                          <p:spTgt spid="48"/>
                                         </p:tgtEl>
                                         <p:attrNameLst>
                                           <p:attrName>style.visibility</p:attrName>
@@ -16292,7 +16394,7 @@
                                       <p:cBhvr>
                                         <p:cTn id="50" dur="500"/>
                                         <p:tgtEl>
-                                          <p:spTgt spid="49"/>
+                                          <p:spTgt spid="48"/>
                                         </p:tgtEl>
                                       </p:cBhvr>
                                     </p:animEffect>
@@ -16313,7 +16415,7 @@
                                           </p:stCondLst>
                                         </p:cTn>
                                         <p:tgtEl>
-                                          <p:spTgt spid="51"/>
+                                          <p:spTgt spid="49"/>
                                         </p:tgtEl>
                                         <p:attrNameLst>
                                           <p:attrName>style.visibility</p:attrName>
@@ -16326,6 +16428,41 @@
                                     <p:animEffect transition="in" filter="checkerboard(across)">
                                       <p:cBhvr>
                                         <p:cTn id="53" dur="500"/>
+                                        <p:tgtEl>
+                                          <p:spTgt spid="49"/>
+                                        </p:tgtEl>
+                                      </p:cBhvr>
+                                    </p:animEffect>
+                                  </p:childTnLst>
+                                </p:cTn>
+                              </p:par>
+                              <p:par>
+                                <p:cTn id="54" presetID="5" presetClass="entr" presetSubtype="10" fill="hold" grpId="0" nodeType="withEffect">
+                                  <p:stCondLst>
+                                    <p:cond delay="0"/>
+                                  </p:stCondLst>
+                                  <p:childTnLst>
+                                    <p:set>
+                                      <p:cBhvr>
+                                        <p:cTn id="55" dur="1" fill="hold">
+                                          <p:stCondLst>
+                                            <p:cond delay="0"/>
+                                          </p:stCondLst>
+                                        </p:cTn>
+                                        <p:tgtEl>
+                                          <p:spTgt spid="51"/>
+                                        </p:tgtEl>
+                                        <p:attrNameLst>
+                                          <p:attrName>style.visibility</p:attrName>
+                                        </p:attrNameLst>
+                                      </p:cBhvr>
+                                      <p:to>
+                                        <p:strVal val="visible"/>
+                                      </p:to>
+                                    </p:set>
+                                    <p:animEffect transition="in" filter="checkerboard(across)">
+                                      <p:cBhvr>
+                                        <p:cTn id="56" dur="500"/>
                                         <p:tgtEl>
                                           <p:spTgt spid="51"/>
                                         </p:tgtEl>
@@ -16341,26 +16478,26 @@
                     </p:cTn>
                   </p:par>
                   <p:par>
-                    <p:cTn id="54" fill="hold">
+                    <p:cTn id="57" fill="hold">
                       <p:stCondLst>
                         <p:cond delay="indefinite"/>
                       </p:stCondLst>
                       <p:childTnLst>
                         <p:par>
-                          <p:cTn id="55" fill="hold">
+                          <p:cTn id="58" fill="hold">
                             <p:stCondLst>
                               <p:cond delay="0"/>
                             </p:stCondLst>
                             <p:childTnLst>
                               <p:par>
-                                <p:cTn id="56" presetID="5" presetClass="entr" presetSubtype="10" fill="hold" grpId="0" nodeType="clickEffect">
+                                <p:cTn id="59" presetID="5" presetClass="entr" presetSubtype="10" fill="hold" grpId="0" nodeType="clickEffect">
                                   <p:stCondLst>
                                     <p:cond delay="0"/>
                                   </p:stCondLst>
                                   <p:childTnLst>
                                     <p:set>
                                       <p:cBhvr>
-                                        <p:cTn id="57" dur="1" fill="hold">
+                                        <p:cTn id="60" dur="1" fill="hold">
                                           <p:stCondLst>
                                             <p:cond delay="0"/>
                                           </p:stCondLst>
@@ -16378,7 +16515,7 @@
                                     </p:set>
                                     <p:animEffect transition="in" filter="checkerboard(across)">
                                       <p:cBhvr>
-                                        <p:cTn id="58" dur="500"/>
+                                        <p:cTn id="61" dur="500"/>
                                         <p:tgtEl>
                                           <p:spTgt spid="52"/>
                                         </p:tgtEl>
@@ -16388,14 +16525,14 @@
                                 </p:cTn>
                               </p:par>
                               <p:par>
-                                <p:cTn id="59" presetID="5" presetClass="entr" presetSubtype="10" fill="hold" grpId="0" nodeType="withEffect">
+                                <p:cTn id="62" presetID="5" presetClass="entr" presetSubtype="10" fill="hold" grpId="0" nodeType="withEffect">
                                   <p:stCondLst>
                                     <p:cond delay="0"/>
                                   </p:stCondLst>
                                   <p:childTnLst>
                                     <p:set>
                                       <p:cBhvr>
-                                        <p:cTn id="60" dur="1" fill="hold">
+                                        <p:cTn id="63" dur="1" fill="hold">
                                           <p:stCondLst>
                                             <p:cond delay="0"/>
                                           </p:stCondLst>
@@ -16413,7 +16550,7 @@
                                     </p:set>
                                     <p:animEffect transition="in" filter="checkerboard(across)">
                                       <p:cBhvr>
-                                        <p:cTn id="61" dur="500"/>
+                                        <p:cTn id="64" dur="500"/>
                                         <p:tgtEl>
                                           <p:spTgt spid="53"/>
                                         </p:tgtEl>
@@ -16466,6 +16603,7 @@
       <p:bldP spid="51" grpId="0"/>
       <p:bldP spid="52" grpId="0"/>
       <p:bldP spid="53" grpId="0" animBg="1"/>
+      <p:bldP spid="54" grpId="0"/>
     </p:bldLst>
   </p:timing>
 </p:sld>
@@ -16519,8 +16657,8 @@
         </p:nvSpPr>
         <p:spPr>
           <a:xfrm>
-            <a:off x="4653874" y="2632842"/>
-            <a:ext cx="2884251" cy="584775"/>
+            <a:off x="3916985" y="6061892"/>
+            <a:ext cx="5115631" cy="584775"/>
           </a:xfrm>
           <a:prstGeom prst="rect">
             <a:avLst/>
@@ -16539,9 +16677,288 @@
             </a:r>
             <a:r>
               <a:rPr lang="en-US" sz="3200" dirty="0" smtClean="0"/>
-              <a:t>()</a:t>
+              <a:t>(                        )</a:t>
             </a:r>
             <a:endParaRPr lang="en-US" sz="3200" dirty="0"/>
+          </a:p>
+        </p:txBody>
+      </p:sp>
+      <p:pic>
+        <p:nvPicPr>
+          <p:cNvPr id="17" name="Picture 16"/>
+          <p:cNvPicPr>
+            <a:picLocks noChangeAspect="1"/>
+          </p:cNvPicPr>
+          <p:nvPr/>
+        </p:nvPicPr>
+        <p:blipFill>
+          <a:blip r:embed="rId2">
+            <a:extLst>
+              <a:ext uri="{28A0092B-C50C-407E-A947-70E740481C1C}">
+                <a14:useLocalDpi xmlns:a14="http://schemas.microsoft.com/office/drawing/2010/main" val="0"/>
+              </a:ext>
+            </a:extLst>
+          </a:blip>
+          <a:stretch>
+            <a:fillRect/>
+          </a:stretch>
+        </p:blipFill>
+        <p:spPr>
+          <a:xfrm>
+            <a:off x="2332679" y="2292854"/>
+            <a:ext cx="1800000" cy="1800000"/>
+          </a:xfrm>
+          <a:prstGeom prst="rect">
+            <a:avLst/>
+          </a:prstGeom>
+        </p:spPr>
+      </p:pic>
+      <p:sp>
+        <p:nvSpPr>
+          <p:cNvPr id="22" name="TextBox 21"/>
+          <p:cNvSpPr txBox="1"/>
+          <p:nvPr/>
+        </p:nvSpPr>
+        <p:spPr>
+          <a:xfrm>
+            <a:off x="5359111" y="1335398"/>
+            <a:ext cx="3570208" cy="3693319"/>
+          </a:xfrm>
+          <a:prstGeom prst="rect">
+            <a:avLst/>
+          </a:prstGeom>
+          <a:noFill/>
+        </p:spPr>
+        <p:txBody>
+          <a:bodyPr wrap="none" rtlCol="0">
+            <a:spAutoFit/>
+          </a:bodyPr>
+          <a:lstStyle/>
+          <a:p>
+            <a:r>
+              <a:rPr lang="is-IS" dirty="0"/>
+              <a:t>[</a:t>
+            </a:r>
+            <a:r>
+              <a:rPr lang="is-IS" dirty="0" smtClean="0"/>
+              <a:t>255,255,255,255,255,255,255,255,</a:t>
+            </a:r>
+          </a:p>
+          <a:p>
+            <a:r>
+              <a:rPr lang="is-IS" dirty="0" smtClean="0"/>
+              <a:t>255,255,255,255,255,255,255,255,</a:t>
+            </a:r>
+          </a:p>
+          <a:p>
+            <a:r>
+              <a:rPr lang="is-IS" dirty="0" smtClean="0"/>
+              <a:t>255,255,255,255,255,255,255,255,</a:t>
+            </a:r>
+          </a:p>
+          <a:p>
+            <a:r>
+              <a:rPr lang="is-IS" dirty="0" smtClean="0"/>
+              <a:t>255,255,255,255,192,208,255,255,</a:t>
+            </a:r>
+          </a:p>
+          <a:p>
+            <a:r>
+              <a:rPr lang="is-IS" dirty="0" smtClean="0"/>
+              <a:t>255,255,255,255,255,255,255,255,</a:t>
+            </a:r>
+          </a:p>
+          <a:p>
+            <a:r>
+              <a:rPr lang="is-IS" dirty="0" smtClean="0"/>
+              <a:t>255,255,255,255,255,255,255,112,</a:t>
+            </a:r>
+          </a:p>
+          <a:p>
+            <a:r>
+              <a:rPr lang="is-IS" dirty="0" smtClean="0"/>
+              <a:t>0,0,16,80,160,255,255,255,255,255,</a:t>
+            </a:r>
+          </a:p>
+          <a:p>
+            <a:r>
+              <a:rPr lang="is-IS" dirty="0" smtClean="0"/>
+              <a:t>255,255,255,255,255,255,255,240,</a:t>
+            </a:r>
+          </a:p>
+          <a:p>
+            <a:r>
+              <a:rPr lang="is-IS" dirty="0" smtClean="0"/>
+              <a:t>...</a:t>
+            </a:r>
+          </a:p>
+          <a:p>
+            <a:r>
+              <a:rPr lang="is-IS" dirty="0" smtClean="0"/>
+              <a:t>...</a:t>
+            </a:r>
+          </a:p>
+          <a:p>
+            <a:r>
+              <a:rPr lang="is-IS" dirty="0" smtClean="0"/>
+              <a:t>...</a:t>
+            </a:r>
+          </a:p>
+          <a:p>
+            <a:r>
+              <a:rPr lang="is-IS" dirty="0" smtClean="0"/>
+              <a:t> 255,255,255,255,255,255,255,255,</a:t>
+            </a:r>
+          </a:p>
+          <a:p>
+            <a:r>
+              <a:rPr lang="is-IS" dirty="0" smtClean="0"/>
+              <a:t>255,255,255,255,255,255,255,255</a:t>
+            </a:r>
+            <a:r>
+              <a:rPr lang="is-IS" dirty="0"/>
+              <a:t>]</a:t>
+            </a:r>
+            <a:endParaRPr lang="en-US" dirty="0"/>
+          </a:p>
+        </p:txBody>
+      </p:sp>
+      <p:sp>
+        <p:nvSpPr>
+          <p:cNvPr id="23" name="Right Arrow 22"/>
+          <p:cNvSpPr/>
+          <p:nvPr/>
+        </p:nvSpPr>
+        <p:spPr>
+          <a:xfrm>
+            <a:off x="4132679" y="3042257"/>
+            <a:ext cx="675670" cy="279603"/>
+          </a:xfrm>
+          <a:prstGeom prst="rightArrow">
+            <a:avLst/>
+          </a:prstGeom>
+        </p:spPr>
+        <p:style>
+          <a:lnRef idx="2">
+            <a:schemeClr val="accent1">
+              <a:shade val="50000"/>
+            </a:schemeClr>
+          </a:lnRef>
+          <a:fillRef idx="1">
+            <a:schemeClr val="accent1"/>
+          </a:fillRef>
+          <a:effectRef idx="0">
+            <a:schemeClr val="accent1"/>
+          </a:effectRef>
+          <a:fontRef idx="minor">
+            <a:schemeClr val="lt1"/>
+          </a:fontRef>
+        </p:style>
+        <p:txBody>
+          <a:bodyPr rtlCol="0" anchor="ctr"/>
+          <a:lstStyle/>
+          <a:p>
+            <a:pPr algn="ctr"/>
+            <a:endParaRPr lang="en-US">
+              <a:solidFill>
+                <a:schemeClr val="tx1"/>
+              </a:solidFill>
+            </a:endParaRPr>
+          </a:p>
+        </p:txBody>
+      </p:sp>
+      <p:cxnSp>
+        <p:nvCxnSpPr>
+          <p:cNvPr id="27" name="Straight Arrow Connector 26"/>
+          <p:cNvCxnSpPr>
+            <a:stCxn id="22" idx="2"/>
+          </p:cNvCxnSpPr>
+          <p:nvPr/>
+        </p:nvCxnSpPr>
+        <p:spPr>
+          <a:xfrm>
+            <a:off x="7144215" y="5028717"/>
+            <a:ext cx="460917" cy="1033175"/>
+          </a:xfrm>
+          <a:prstGeom prst="straightConnector1">
+            <a:avLst/>
+          </a:prstGeom>
+          <a:ln>
+            <a:tailEnd type="triangle"/>
+          </a:ln>
+        </p:spPr>
+        <p:style>
+          <a:lnRef idx="1">
+            <a:schemeClr val="accent1"/>
+          </a:lnRef>
+          <a:fillRef idx="0">
+            <a:schemeClr val="accent1"/>
+          </a:fillRef>
+          <a:effectRef idx="0">
+            <a:schemeClr val="accent1"/>
+          </a:effectRef>
+          <a:fontRef idx="minor">
+            <a:schemeClr val="tx1"/>
+          </a:fontRef>
+        </p:style>
+      </p:cxnSp>
+      <p:sp>
+        <p:nvSpPr>
+          <p:cNvPr id="29" name="TextBox 28"/>
+          <p:cNvSpPr txBox="1"/>
+          <p:nvPr/>
+        </p:nvSpPr>
+        <p:spPr>
+          <a:xfrm>
+            <a:off x="8929715" y="6061892"/>
+            <a:ext cx="691215" cy="584775"/>
+          </a:xfrm>
+          <a:prstGeom prst="rect">
+            <a:avLst/>
+          </a:prstGeom>
+          <a:noFill/>
+        </p:spPr>
+        <p:txBody>
+          <a:bodyPr wrap="none" rtlCol="0">
+            <a:spAutoFit/>
+          </a:bodyPr>
+          <a:lstStyle/>
+          <a:p>
+            <a:r>
+              <a:rPr lang="en-US" sz="3200" dirty="0" smtClean="0"/>
+              <a:t>= 0</a:t>
+            </a:r>
+            <a:endParaRPr lang="en-US" sz="3200" dirty="0"/>
+          </a:p>
+        </p:txBody>
+      </p:sp>
+      <p:sp>
+        <p:nvSpPr>
+          <p:cNvPr id="30" name="TextBox 29"/>
+          <p:cNvSpPr txBox="1"/>
+          <p:nvPr/>
+        </p:nvSpPr>
+        <p:spPr>
+          <a:xfrm>
+            <a:off x="6747991" y="6078843"/>
+            <a:ext cx="1892698" cy="523220"/>
+          </a:xfrm>
+          <a:prstGeom prst="rect">
+            <a:avLst/>
+          </a:prstGeom>
+          <a:noFill/>
+        </p:spPr>
+        <p:txBody>
+          <a:bodyPr wrap="none" rtlCol="0">
+            <a:spAutoFit/>
+          </a:bodyPr>
+          <a:lstStyle/>
+          <a:p>
+            <a:r>
+              <a:rPr lang="en-US" sz="2800" dirty="0" err="1" smtClean="0"/>
+              <a:t>image_data</a:t>
+            </a:r>
+            <a:endParaRPr lang="en-US" sz="2800" dirty="0"/>
           </a:p>
         </p:txBody>
       </p:sp>
@@ -16558,9 +16975,321 @@
   <p:timing>
     <p:tnLst>
       <p:par>
-        <p:cTn id="1" dur="indefinite" restart="never" nodeType="tmRoot"/>
+        <p:cTn id="1" dur="indefinite" restart="never" nodeType="tmRoot">
+          <p:childTnLst>
+            <p:seq concurrent="1" nextAc="seek">
+              <p:cTn id="2" dur="indefinite" nodeType="mainSeq">
+                <p:childTnLst>
+                  <p:par>
+                    <p:cTn id="3" fill="hold">
+                      <p:stCondLst>
+                        <p:cond delay="indefinite"/>
+                      </p:stCondLst>
+                      <p:childTnLst>
+                        <p:par>
+                          <p:cTn id="4" fill="hold">
+                            <p:stCondLst>
+                              <p:cond delay="0"/>
+                            </p:stCondLst>
+                            <p:childTnLst>
+                              <p:par>
+                                <p:cTn id="5" presetID="5" presetClass="entr" presetSubtype="10" fill="hold" grpId="0" nodeType="clickEffect">
+                                  <p:stCondLst>
+                                    <p:cond delay="0"/>
+                                  </p:stCondLst>
+                                  <p:childTnLst>
+                                    <p:set>
+                                      <p:cBhvr>
+                                        <p:cTn id="6" dur="1" fill="hold">
+                                          <p:stCondLst>
+                                            <p:cond delay="0"/>
+                                          </p:stCondLst>
+                                        </p:cTn>
+                                        <p:tgtEl>
+                                          <p:spTgt spid="23"/>
+                                        </p:tgtEl>
+                                        <p:attrNameLst>
+                                          <p:attrName>style.visibility</p:attrName>
+                                        </p:attrNameLst>
+                                      </p:cBhvr>
+                                      <p:to>
+                                        <p:strVal val="visible"/>
+                                      </p:to>
+                                    </p:set>
+                                    <p:animEffect transition="in" filter="checkerboard(across)">
+                                      <p:cBhvr>
+                                        <p:cTn id="7" dur="500"/>
+                                        <p:tgtEl>
+                                          <p:spTgt spid="23"/>
+                                        </p:tgtEl>
+                                      </p:cBhvr>
+                                    </p:animEffect>
+                                  </p:childTnLst>
+                                </p:cTn>
+                              </p:par>
+                              <p:par>
+                                <p:cTn id="8" presetID="5" presetClass="entr" presetSubtype="10" fill="hold" grpId="0" nodeType="withEffect">
+                                  <p:stCondLst>
+                                    <p:cond delay="0"/>
+                                  </p:stCondLst>
+                                  <p:childTnLst>
+                                    <p:set>
+                                      <p:cBhvr>
+                                        <p:cTn id="9" dur="1" fill="hold">
+                                          <p:stCondLst>
+                                            <p:cond delay="0"/>
+                                          </p:stCondLst>
+                                        </p:cTn>
+                                        <p:tgtEl>
+                                          <p:spTgt spid="22"/>
+                                        </p:tgtEl>
+                                        <p:attrNameLst>
+                                          <p:attrName>style.visibility</p:attrName>
+                                        </p:attrNameLst>
+                                      </p:cBhvr>
+                                      <p:to>
+                                        <p:strVal val="visible"/>
+                                      </p:to>
+                                    </p:set>
+                                    <p:animEffect transition="in" filter="checkerboard(across)">
+                                      <p:cBhvr>
+                                        <p:cTn id="10" dur="500"/>
+                                        <p:tgtEl>
+                                          <p:spTgt spid="22"/>
+                                        </p:tgtEl>
+                                      </p:cBhvr>
+                                    </p:animEffect>
+                                  </p:childTnLst>
+                                </p:cTn>
+                              </p:par>
+                            </p:childTnLst>
+                          </p:cTn>
+                        </p:par>
+                      </p:childTnLst>
+                    </p:cTn>
+                  </p:par>
+                  <p:par>
+                    <p:cTn id="11" fill="hold">
+                      <p:stCondLst>
+                        <p:cond delay="indefinite"/>
+                      </p:stCondLst>
+                      <p:childTnLst>
+                        <p:par>
+                          <p:cTn id="12" fill="hold">
+                            <p:stCondLst>
+                              <p:cond delay="0"/>
+                            </p:stCondLst>
+                            <p:childTnLst>
+                              <p:par>
+                                <p:cTn id="13" presetID="5" presetClass="entr" presetSubtype="10" fill="hold" nodeType="clickEffect">
+                                  <p:stCondLst>
+                                    <p:cond delay="0"/>
+                                  </p:stCondLst>
+                                  <p:childTnLst>
+                                    <p:set>
+                                      <p:cBhvr>
+                                        <p:cTn id="14" dur="1" fill="hold">
+                                          <p:stCondLst>
+                                            <p:cond delay="0"/>
+                                          </p:stCondLst>
+                                        </p:cTn>
+                                        <p:tgtEl>
+                                          <p:spTgt spid="27"/>
+                                        </p:tgtEl>
+                                        <p:attrNameLst>
+                                          <p:attrName>style.visibility</p:attrName>
+                                        </p:attrNameLst>
+                                      </p:cBhvr>
+                                      <p:to>
+                                        <p:strVal val="visible"/>
+                                      </p:to>
+                                    </p:set>
+                                    <p:animEffect transition="in" filter="checkerboard(across)">
+                                      <p:cBhvr>
+                                        <p:cTn id="15" dur="500"/>
+                                        <p:tgtEl>
+                                          <p:spTgt spid="27"/>
+                                        </p:tgtEl>
+                                      </p:cBhvr>
+                                    </p:animEffect>
+                                  </p:childTnLst>
+                                </p:cTn>
+                              </p:par>
+                              <p:par>
+                                <p:cTn id="16" presetID="5" presetClass="entr" presetSubtype="10" fill="hold" grpId="0" nodeType="withEffect">
+                                  <p:stCondLst>
+                                    <p:cond delay="0"/>
+                                  </p:stCondLst>
+                                  <p:childTnLst>
+                                    <p:set>
+                                      <p:cBhvr>
+                                        <p:cTn id="17" dur="1" fill="hold">
+                                          <p:stCondLst>
+                                            <p:cond delay="0"/>
+                                          </p:stCondLst>
+                                        </p:cTn>
+                                        <p:tgtEl>
+                                          <p:spTgt spid="30"/>
+                                        </p:tgtEl>
+                                        <p:attrNameLst>
+                                          <p:attrName>style.visibility</p:attrName>
+                                        </p:attrNameLst>
+                                      </p:cBhvr>
+                                      <p:to>
+                                        <p:strVal val="visible"/>
+                                      </p:to>
+                                    </p:set>
+                                    <p:animEffect transition="in" filter="checkerboard(across)">
+                                      <p:cBhvr>
+                                        <p:cTn id="18" dur="500"/>
+                                        <p:tgtEl>
+                                          <p:spTgt spid="30"/>
+                                        </p:tgtEl>
+                                      </p:cBhvr>
+                                    </p:animEffect>
+                                  </p:childTnLst>
+                                </p:cTn>
+                              </p:par>
+                            </p:childTnLst>
+                          </p:cTn>
+                        </p:par>
+                      </p:childTnLst>
+                    </p:cTn>
+                  </p:par>
+                  <p:par>
+                    <p:cTn id="19" fill="hold">
+                      <p:stCondLst>
+                        <p:cond delay="indefinite"/>
+                      </p:stCondLst>
+                      <p:childTnLst>
+                        <p:par>
+                          <p:cTn id="20" fill="hold">
+                            <p:stCondLst>
+                              <p:cond delay="0"/>
+                            </p:stCondLst>
+                            <p:childTnLst>
+                              <p:par>
+                                <p:cTn id="21" presetID="5" presetClass="entr" presetSubtype="10" fill="hold" grpId="0" nodeType="clickEffect">
+                                  <p:stCondLst>
+                                    <p:cond delay="0"/>
+                                  </p:stCondLst>
+                                  <p:childTnLst>
+                                    <p:set>
+                                      <p:cBhvr>
+                                        <p:cTn id="22" dur="1" fill="hold">
+                                          <p:stCondLst>
+                                            <p:cond delay="0"/>
+                                          </p:stCondLst>
+                                        </p:cTn>
+                                        <p:tgtEl>
+                                          <p:spTgt spid="16"/>
+                                        </p:tgtEl>
+                                        <p:attrNameLst>
+                                          <p:attrName>style.visibility</p:attrName>
+                                        </p:attrNameLst>
+                                      </p:cBhvr>
+                                      <p:to>
+                                        <p:strVal val="visible"/>
+                                      </p:to>
+                                    </p:set>
+                                    <p:animEffect transition="in" filter="checkerboard(across)">
+                                      <p:cBhvr>
+                                        <p:cTn id="23" dur="500"/>
+                                        <p:tgtEl>
+                                          <p:spTgt spid="16"/>
+                                        </p:tgtEl>
+                                      </p:cBhvr>
+                                    </p:animEffect>
+                                  </p:childTnLst>
+                                </p:cTn>
+                              </p:par>
+                            </p:childTnLst>
+                          </p:cTn>
+                        </p:par>
+                      </p:childTnLst>
+                    </p:cTn>
+                  </p:par>
+                  <p:par>
+                    <p:cTn id="24" fill="hold">
+                      <p:stCondLst>
+                        <p:cond delay="indefinite"/>
+                      </p:stCondLst>
+                      <p:childTnLst>
+                        <p:par>
+                          <p:cTn id="25" fill="hold">
+                            <p:stCondLst>
+                              <p:cond delay="0"/>
+                            </p:stCondLst>
+                            <p:childTnLst>
+                              <p:par>
+                                <p:cTn id="26" presetID="5" presetClass="entr" presetSubtype="10" fill="hold" grpId="0" nodeType="clickEffect">
+                                  <p:stCondLst>
+                                    <p:cond delay="0"/>
+                                  </p:stCondLst>
+                                  <p:childTnLst>
+                                    <p:set>
+                                      <p:cBhvr>
+                                        <p:cTn id="27" dur="1" fill="hold">
+                                          <p:stCondLst>
+                                            <p:cond delay="0"/>
+                                          </p:stCondLst>
+                                        </p:cTn>
+                                        <p:tgtEl>
+                                          <p:spTgt spid="29"/>
+                                        </p:tgtEl>
+                                        <p:attrNameLst>
+                                          <p:attrName>style.visibility</p:attrName>
+                                        </p:attrNameLst>
+                                      </p:cBhvr>
+                                      <p:to>
+                                        <p:strVal val="visible"/>
+                                      </p:to>
+                                    </p:set>
+                                    <p:animEffect transition="in" filter="checkerboard(across)">
+                                      <p:cBhvr>
+                                        <p:cTn id="28" dur="500"/>
+                                        <p:tgtEl>
+                                          <p:spTgt spid="29"/>
+                                        </p:tgtEl>
+                                      </p:cBhvr>
+                                    </p:animEffect>
+                                  </p:childTnLst>
+                                </p:cTn>
+                              </p:par>
+                            </p:childTnLst>
+                          </p:cTn>
+                        </p:par>
+                      </p:childTnLst>
+                    </p:cTn>
+                  </p:par>
+                </p:childTnLst>
+              </p:cTn>
+              <p:prevCondLst>
+                <p:cond evt="onPrev" delay="0">
+                  <p:tgtEl>
+                    <p:sldTgt/>
+                  </p:tgtEl>
+                </p:cond>
+              </p:prevCondLst>
+              <p:nextCondLst>
+                <p:cond evt="onNext" delay="0">
+                  <p:tgtEl>
+                    <p:sldTgt/>
+                  </p:tgtEl>
+                </p:cond>
+              </p:nextCondLst>
+            </p:seq>
+          </p:childTnLst>
+        </p:cTn>
       </p:par>
     </p:tnLst>
+    <p:bldLst>
+      <p:bldP spid="16" grpId="0"/>
+      <p:bldP spid="22" grpId="0"/>
+      <p:bldP spid="23" grpId="0" animBg="1"/>
+      <p:bldP spid="29" grpId="0"/>
+      <p:bldP spid="30" grpId="0"/>
+    </p:bldLst>
   </p:timing>
 </p:sld>
 </file>

--- a/机器学习之手写识别.pptx
+++ b/机器学习之手写识别.pptx
@@ -27,6 +27,12 @@
     <p:sldId id="274" r:id="rId21"/>
     <p:sldId id="275" r:id="rId22"/>
     <p:sldId id="276" r:id="rId23"/>
+    <p:sldId id="278" r:id="rId24"/>
+    <p:sldId id="279" r:id="rId25"/>
+    <p:sldId id="280" r:id="rId26"/>
+    <p:sldId id="281" r:id="rId27"/>
+    <p:sldId id="282" r:id="rId28"/>
+    <p:sldId id="283" r:id="rId29"/>
   </p:sldIdLst>
   <p:sldSz cx="12192000" cy="6858000"/>
   <p:notesSz cx="6858000" cy="9144000"/>
@@ -166,6 +172,16 @@
             <p14:sldId id="276"/>
           </p14:sldIdLst>
         </p14:section>
+        <p14:section name="选择合适的分类器" id="{1C4FD6CF-51E2-354C-93B1-4A55A4F4E6DE}">
+          <p14:sldIdLst>
+            <p14:sldId id="278"/>
+            <p14:sldId id="279"/>
+            <p14:sldId id="280"/>
+            <p14:sldId id="281"/>
+            <p14:sldId id="282"/>
+            <p14:sldId id="283"/>
+          </p14:sldIdLst>
+        </p14:section>
       </p14:sectionLst>
     </p:ext>
     <p:ext uri="{EFAFB233-063F-42B5-8137-9DF3F51BA10A}">
@@ -306,7 +322,7 @@
           <a:p>
             <a:fld id="{1F6C1808-FC4B-3644-BDA2-BAA4F954847D}" type="datetimeFigureOut">
               <a:rPr lang="en-US" smtClean="0"/>
-              <a:t>3/14/18</a:t>
+              <a:t>3/15/18</a:t>
             </a:fld>
             <a:endParaRPr lang="en-US"/>
           </a:p>
@@ -476,7 +492,7 @@
           <a:p>
             <a:fld id="{1F6C1808-FC4B-3644-BDA2-BAA4F954847D}" type="datetimeFigureOut">
               <a:rPr lang="en-US" smtClean="0"/>
-              <a:t>3/14/18</a:t>
+              <a:t>3/15/18</a:t>
             </a:fld>
             <a:endParaRPr lang="en-US"/>
           </a:p>
@@ -656,7 +672,7 @@
           <a:p>
             <a:fld id="{1F6C1808-FC4B-3644-BDA2-BAA4F954847D}" type="datetimeFigureOut">
               <a:rPr lang="en-US" smtClean="0"/>
-              <a:t>3/14/18</a:t>
+              <a:t>3/15/18</a:t>
             </a:fld>
             <a:endParaRPr lang="en-US"/>
           </a:p>
@@ -826,7 +842,7 @@
           <a:p>
             <a:fld id="{1F6C1808-FC4B-3644-BDA2-BAA4F954847D}" type="datetimeFigureOut">
               <a:rPr lang="en-US" smtClean="0"/>
-              <a:t>3/14/18</a:t>
+              <a:t>3/15/18</a:t>
             </a:fld>
             <a:endParaRPr lang="en-US"/>
           </a:p>
@@ -1072,7 +1088,7 @@
           <a:p>
             <a:fld id="{1F6C1808-FC4B-3644-BDA2-BAA4F954847D}" type="datetimeFigureOut">
               <a:rPr lang="en-US" smtClean="0"/>
-              <a:t>3/14/18</a:t>
+              <a:t>3/15/18</a:t>
             </a:fld>
             <a:endParaRPr lang="en-US"/>
           </a:p>
@@ -1304,7 +1320,7 @@
           <a:p>
             <a:fld id="{1F6C1808-FC4B-3644-BDA2-BAA4F954847D}" type="datetimeFigureOut">
               <a:rPr lang="en-US" smtClean="0"/>
-              <a:t>3/14/18</a:t>
+              <a:t>3/15/18</a:t>
             </a:fld>
             <a:endParaRPr lang="en-US"/>
           </a:p>
@@ -1671,7 +1687,7 @@
           <a:p>
             <a:fld id="{1F6C1808-FC4B-3644-BDA2-BAA4F954847D}" type="datetimeFigureOut">
               <a:rPr lang="en-US" smtClean="0"/>
-              <a:t>3/14/18</a:t>
+              <a:t>3/15/18</a:t>
             </a:fld>
             <a:endParaRPr lang="en-US"/>
           </a:p>
@@ -1789,7 +1805,7 @@
           <a:p>
             <a:fld id="{1F6C1808-FC4B-3644-BDA2-BAA4F954847D}" type="datetimeFigureOut">
               <a:rPr lang="en-US" smtClean="0"/>
-              <a:t>3/14/18</a:t>
+              <a:t>3/15/18</a:t>
             </a:fld>
             <a:endParaRPr lang="en-US"/>
           </a:p>
@@ -1884,7 +1900,7 @@
           <a:p>
             <a:fld id="{1F6C1808-FC4B-3644-BDA2-BAA4F954847D}" type="datetimeFigureOut">
               <a:rPr lang="en-US" smtClean="0"/>
-              <a:t>3/14/18</a:t>
+              <a:t>3/15/18</a:t>
             </a:fld>
             <a:endParaRPr lang="en-US"/>
           </a:p>
@@ -2161,7 +2177,7 @@
           <a:p>
             <a:fld id="{1F6C1808-FC4B-3644-BDA2-BAA4F954847D}" type="datetimeFigureOut">
               <a:rPr lang="en-US" smtClean="0"/>
-              <a:t>3/14/18</a:t>
+              <a:t>3/15/18</a:t>
             </a:fld>
             <a:endParaRPr lang="en-US"/>
           </a:p>
@@ -2414,7 +2430,7 @@
           <a:p>
             <a:fld id="{1F6C1808-FC4B-3644-BDA2-BAA4F954847D}" type="datetimeFigureOut">
               <a:rPr lang="en-US" smtClean="0"/>
-              <a:t>3/14/18</a:t>
+              <a:t>3/15/18</a:t>
             </a:fld>
             <a:endParaRPr lang="en-US"/>
           </a:p>
@@ -2627,7 +2643,7 @@
           <a:p>
             <a:fld id="{1F6C1808-FC4B-3644-BDA2-BAA4F954847D}" type="datetimeFigureOut">
               <a:rPr lang="en-US" smtClean="0"/>
-              <a:t>3/14/18</a:t>
+              <a:t>3/15/18</a:t>
             </a:fld>
             <a:endParaRPr lang="en-US"/>
           </a:p>
@@ -17290,6 +17306,4357 @@
       <p:bldP spid="29" grpId="0"/>
       <p:bldP spid="30" grpId="0"/>
     </p:bldLst>
+  </p:timing>
+</p:sld>
+</file>
+
+<file path=ppt/slides/slide23.xml><?xml version="1.0" encoding="utf-8"?>
+<p:sld xmlns:a="http://schemas.openxmlformats.org/drawingml/2006/main" xmlns:r="http://schemas.openxmlformats.org/officeDocument/2006/relationships" xmlns:p="http://schemas.openxmlformats.org/presentationml/2006/main">
+  <p:cSld>
+    <p:spTree>
+      <p:nvGrpSpPr>
+        <p:cNvPr id="1" name=""/>
+        <p:cNvGrpSpPr/>
+        <p:nvPr/>
+      </p:nvGrpSpPr>
+      <p:grpSpPr>
+        <a:xfrm>
+          <a:off x="0" y="0"/>
+          <a:ext cx="0" cy="0"/>
+          <a:chOff x="0" y="0"/>
+          <a:chExt cx="0" cy="0"/>
+        </a:xfrm>
+      </p:grpSpPr>
+      <p:sp>
+        <p:nvSpPr>
+          <p:cNvPr id="2" name="Title 1"/>
+          <p:cNvSpPr>
+            <a:spLocks noGrp="1"/>
+          </p:cNvSpPr>
+          <p:nvPr>
+            <p:ph type="title"/>
+          </p:nvPr>
+        </p:nvSpPr>
+        <p:spPr>
+          <a:xfrm>
+            <a:off x="3806868" y="2256555"/>
+            <a:ext cx="4961351" cy="1325563"/>
+          </a:xfrm>
+        </p:spPr>
+        <p:txBody>
+          <a:bodyPr/>
+          <a:lstStyle/>
+          <a:p>
+            <a:r>
+              <a:rPr lang="zh-CN" altLang="en-US" dirty="0" smtClean="0"/>
+              <a:t>选择合适的分类器</a:t>
+            </a:r>
+            <a:endParaRPr lang="en-US" dirty="0"/>
+          </a:p>
+        </p:txBody>
+      </p:sp>
+    </p:spTree>
+    <p:extLst>
+      <p:ext uri="{BB962C8B-B14F-4D97-AF65-F5344CB8AC3E}">
+        <p14:creationId xmlns:p14="http://schemas.microsoft.com/office/powerpoint/2010/main" val="590413407"/>
+      </p:ext>
+    </p:extLst>
+  </p:cSld>
+  <p:clrMapOvr>
+    <a:masterClrMapping/>
+  </p:clrMapOvr>
+  <p:timing>
+    <p:tnLst>
+      <p:par>
+        <p:cTn id="1" dur="indefinite" restart="never" nodeType="tmRoot"/>
+      </p:par>
+    </p:tnLst>
+  </p:timing>
+</p:sld>
+</file>
+
+<file path=ppt/slides/slide24.xml><?xml version="1.0" encoding="utf-8"?>
+<p:sld xmlns:a="http://schemas.openxmlformats.org/drawingml/2006/main" xmlns:r="http://schemas.openxmlformats.org/officeDocument/2006/relationships" xmlns:p="http://schemas.openxmlformats.org/presentationml/2006/main">
+  <p:cSld>
+    <p:spTree>
+      <p:nvGrpSpPr>
+        <p:cNvPr id="1" name=""/>
+        <p:cNvGrpSpPr/>
+        <p:nvPr/>
+      </p:nvGrpSpPr>
+      <p:grpSpPr>
+        <a:xfrm>
+          <a:off x="0" y="0"/>
+          <a:ext cx="0" cy="0"/>
+          <a:chOff x="0" y="0"/>
+          <a:chExt cx="0" cy="0"/>
+        </a:xfrm>
+      </p:grpSpPr>
+      <p:sp>
+        <p:nvSpPr>
+          <p:cNvPr id="2" name="Title 1"/>
+          <p:cNvSpPr>
+            <a:spLocks noGrp="1"/>
+          </p:cNvSpPr>
+          <p:nvPr>
+            <p:ph type="title"/>
+          </p:nvPr>
+        </p:nvSpPr>
+        <p:spPr/>
+        <p:txBody>
+          <a:bodyPr/>
+          <a:lstStyle/>
+          <a:p>
+            <a:r>
+              <a:rPr lang="zh-CN" altLang="en-US" dirty="0" smtClean="0"/>
+              <a:t>决策树</a:t>
+            </a:r>
+            <a:endParaRPr lang="en-US" dirty="0"/>
+          </a:p>
+        </p:txBody>
+      </p:sp>
+      <p:sp>
+        <p:nvSpPr>
+          <p:cNvPr id="5" name="TextBox 4"/>
+          <p:cNvSpPr txBox="1"/>
+          <p:nvPr/>
+        </p:nvSpPr>
+        <p:spPr>
+          <a:xfrm>
+            <a:off x="3696004" y="2261093"/>
+            <a:ext cx="646331" cy="369332"/>
+          </a:xfrm>
+          <a:prstGeom prst="rect">
+            <a:avLst/>
+          </a:prstGeom>
+          <a:noFill/>
+        </p:spPr>
+        <p:txBody>
+          <a:bodyPr wrap="none" rtlCol="0">
+            <a:spAutoFit/>
+          </a:bodyPr>
+          <a:lstStyle/>
+          <a:p>
+            <a:r>
+              <a:rPr lang="zh-CN" altLang="en-US" dirty="0" smtClean="0"/>
+              <a:t>邮件</a:t>
+            </a:r>
+            <a:endParaRPr lang="en-US" dirty="0"/>
+          </a:p>
+        </p:txBody>
+      </p:sp>
+      <p:sp>
+        <p:nvSpPr>
+          <p:cNvPr id="7" name="Left Brace 6"/>
+          <p:cNvSpPr/>
+          <p:nvPr/>
+        </p:nvSpPr>
+        <p:spPr>
+          <a:xfrm>
+            <a:off x="6739831" y="2081054"/>
+            <a:ext cx="212942" cy="801666"/>
+          </a:xfrm>
+          <a:prstGeom prst="leftBrace">
+            <a:avLst/>
+          </a:prstGeom>
+        </p:spPr>
+        <p:style>
+          <a:lnRef idx="1">
+            <a:schemeClr val="accent1"/>
+          </a:lnRef>
+          <a:fillRef idx="0">
+            <a:schemeClr val="accent1"/>
+          </a:fillRef>
+          <a:effectRef idx="0">
+            <a:schemeClr val="accent1"/>
+          </a:effectRef>
+          <a:fontRef idx="minor">
+            <a:schemeClr val="tx1"/>
+          </a:fontRef>
+        </p:style>
+        <p:txBody>
+          <a:bodyPr rtlCol="0" anchor="ctr"/>
+          <a:lstStyle/>
+          <a:p>
+            <a:pPr algn="ctr"/>
+            <a:endParaRPr lang="en-US"/>
+          </a:p>
+        </p:txBody>
+      </p:sp>
+      <p:sp>
+        <p:nvSpPr>
+          <p:cNvPr id="8" name="TextBox 7"/>
+          <p:cNvSpPr txBox="1"/>
+          <p:nvPr/>
+        </p:nvSpPr>
+        <p:spPr>
+          <a:xfrm>
+            <a:off x="6985384" y="2062451"/>
+            <a:ext cx="1107996" cy="369332"/>
+          </a:xfrm>
+          <a:prstGeom prst="rect">
+            <a:avLst/>
+          </a:prstGeom>
+          <a:noFill/>
+        </p:spPr>
+        <p:txBody>
+          <a:bodyPr wrap="none" rtlCol="0">
+            <a:spAutoFit/>
+          </a:bodyPr>
+          <a:lstStyle/>
+          <a:p>
+            <a:r>
+              <a:rPr lang="zh-CN" altLang="en-US" dirty="0" smtClean="0"/>
+              <a:t>垃圾邮件</a:t>
+            </a:r>
+            <a:endParaRPr lang="en-US" dirty="0"/>
+          </a:p>
+        </p:txBody>
+      </p:sp>
+      <p:sp>
+        <p:nvSpPr>
+          <p:cNvPr id="9" name="TextBox 8"/>
+          <p:cNvSpPr txBox="1"/>
+          <p:nvPr/>
+        </p:nvSpPr>
+        <p:spPr>
+          <a:xfrm>
+            <a:off x="6985384" y="2515475"/>
+            <a:ext cx="1338828" cy="369332"/>
+          </a:xfrm>
+          <a:prstGeom prst="rect">
+            <a:avLst/>
+          </a:prstGeom>
+          <a:noFill/>
+        </p:spPr>
+        <p:txBody>
+          <a:bodyPr wrap="none" rtlCol="0">
+            <a:spAutoFit/>
+          </a:bodyPr>
+          <a:lstStyle/>
+          <a:p>
+            <a:r>
+              <a:rPr lang="zh-CN" altLang="en-US" dirty="0" smtClean="0"/>
+              <a:t>非垃圾邮件</a:t>
+            </a:r>
+            <a:endParaRPr lang="en-US" dirty="0"/>
+          </a:p>
+        </p:txBody>
+      </p:sp>
+      <p:sp>
+        <p:nvSpPr>
+          <p:cNvPr id="14" name="TextBox 13"/>
+          <p:cNvSpPr txBox="1"/>
+          <p:nvPr/>
+        </p:nvSpPr>
+        <p:spPr>
+          <a:xfrm>
+            <a:off x="3696004" y="4003447"/>
+            <a:ext cx="877163" cy="369332"/>
+          </a:xfrm>
+          <a:prstGeom prst="rect">
+            <a:avLst/>
+          </a:prstGeom>
+          <a:noFill/>
+        </p:spPr>
+        <p:txBody>
+          <a:bodyPr wrap="none" rtlCol="0">
+            <a:spAutoFit/>
+          </a:bodyPr>
+          <a:lstStyle/>
+          <a:p>
+            <a:r>
+              <a:rPr lang="zh-CN" altLang="en-US" dirty="0" smtClean="0"/>
+              <a:t>照明灯</a:t>
+            </a:r>
+            <a:endParaRPr lang="en-US" dirty="0"/>
+          </a:p>
+        </p:txBody>
+      </p:sp>
+      <p:sp>
+        <p:nvSpPr>
+          <p:cNvPr id="16" name="Left Brace 15"/>
+          <p:cNvSpPr/>
+          <p:nvPr/>
+        </p:nvSpPr>
+        <p:spPr>
+          <a:xfrm>
+            <a:off x="6739831" y="3752926"/>
+            <a:ext cx="212942" cy="801666"/>
+          </a:xfrm>
+          <a:prstGeom prst="leftBrace">
+            <a:avLst/>
+          </a:prstGeom>
+        </p:spPr>
+        <p:style>
+          <a:lnRef idx="1">
+            <a:schemeClr val="accent1"/>
+          </a:lnRef>
+          <a:fillRef idx="0">
+            <a:schemeClr val="accent1"/>
+          </a:fillRef>
+          <a:effectRef idx="0">
+            <a:schemeClr val="accent1"/>
+          </a:effectRef>
+          <a:fontRef idx="minor">
+            <a:schemeClr val="tx1"/>
+          </a:fontRef>
+        </p:style>
+        <p:txBody>
+          <a:bodyPr rtlCol="0" anchor="ctr"/>
+          <a:lstStyle/>
+          <a:p>
+            <a:pPr algn="ctr"/>
+            <a:endParaRPr lang="en-US"/>
+          </a:p>
+        </p:txBody>
+      </p:sp>
+      <p:sp>
+        <p:nvSpPr>
+          <p:cNvPr id="17" name="TextBox 16"/>
+          <p:cNvSpPr txBox="1"/>
+          <p:nvPr/>
+        </p:nvSpPr>
+        <p:spPr>
+          <a:xfrm>
+            <a:off x="7048441" y="3634115"/>
+            <a:ext cx="877163" cy="369332"/>
+          </a:xfrm>
+          <a:prstGeom prst="rect">
+            <a:avLst/>
+          </a:prstGeom>
+          <a:noFill/>
+        </p:spPr>
+        <p:txBody>
+          <a:bodyPr wrap="none" rtlCol="0">
+            <a:spAutoFit/>
+          </a:bodyPr>
+          <a:lstStyle/>
+          <a:p>
+            <a:r>
+              <a:rPr lang="zh-CN" altLang="en-US" dirty="0" smtClean="0"/>
+              <a:t>白炽灯</a:t>
+            </a:r>
+            <a:endParaRPr lang="en-US" dirty="0"/>
+          </a:p>
+        </p:txBody>
+      </p:sp>
+      <p:sp>
+        <p:nvSpPr>
+          <p:cNvPr id="18" name="TextBox 17"/>
+          <p:cNvSpPr txBox="1"/>
+          <p:nvPr/>
+        </p:nvSpPr>
+        <p:spPr>
+          <a:xfrm>
+            <a:off x="7048441" y="3987975"/>
+            <a:ext cx="877163" cy="369332"/>
+          </a:xfrm>
+          <a:prstGeom prst="rect">
+            <a:avLst/>
+          </a:prstGeom>
+          <a:noFill/>
+        </p:spPr>
+        <p:txBody>
+          <a:bodyPr wrap="none" rtlCol="0">
+            <a:spAutoFit/>
+          </a:bodyPr>
+          <a:lstStyle/>
+          <a:p>
+            <a:r>
+              <a:rPr lang="zh-CN" altLang="en-US" dirty="0" smtClean="0"/>
+              <a:t>节能灯</a:t>
+            </a:r>
+            <a:endParaRPr lang="en-US" dirty="0"/>
+          </a:p>
+        </p:txBody>
+      </p:sp>
+      <p:sp>
+        <p:nvSpPr>
+          <p:cNvPr id="19" name="TextBox 18"/>
+          <p:cNvSpPr txBox="1"/>
+          <p:nvPr/>
+        </p:nvSpPr>
+        <p:spPr>
+          <a:xfrm>
+            <a:off x="7048441" y="4341835"/>
+            <a:ext cx="768159" cy="369332"/>
+          </a:xfrm>
+          <a:prstGeom prst="rect">
+            <a:avLst/>
+          </a:prstGeom>
+          <a:noFill/>
+        </p:spPr>
+        <p:txBody>
+          <a:bodyPr wrap="none" rtlCol="0">
+            <a:spAutoFit/>
+          </a:bodyPr>
+          <a:lstStyle/>
+          <a:p>
+            <a:r>
+              <a:rPr lang="en-US" dirty="0" smtClean="0"/>
+              <a:t>LED</a:t>
+            </a:r>
+            <a:r>
+              <a:rPr lang="zh-CN" altLang="en-US" dirty="0" smtClean="0"/>
+              <a:t>灯</a:t>
+            </a:r>
+            <a:endParaRPr lang="en-US" dirty="0"/>
+          </a:p>
+        </p:txBody>
+      </p:sp>
+      <p:cxnSp>
+        <p:nvCxnSpPr>
+          <p:cNvPr id="21" name="Straight Arrow Connector 20"/>
+          <p:cNvCxnSpPr>
+            <a:stCxn id="5" idx="3"/>
+          </p:cNvCxnSpPr>
+          <p:nvPr/>
+        </p:nvCxnSpPr>
+        <p:spPr>
+          <a:xfrm flipV="1">
+            <a:off x="4342335" y="2439519"/>
+            <a:ext cx="1934031" cy="6240"/>
+          </a:xfrm>
+          <a:prstGeom prst="straightConnector1">
+            <a:avLst/>
+          </a:prstGeom>
+          <a:ln>
+            <a:tailEnd type="triangle"/>
+          </a:ln>
+        </p:spPr>
+        <p:style>
+          <a:lnRef idx="1">
+            <a:schemeClr val="accent1"/>
+          </a:lnRef>
+          <a:fillRef idx="0">
+            <a:schemeClr val="accent1"/>
+          </a:fillRef>
+          <a:effectRef idx="0">
+            <a:schemeClr val="accent1"/>
+          </a:effectRef>
+          <a:fontRef idx="minor">
+            <a:schemeClr val="tx1"/>
+          </a:fontRef>
+        </p:style>
+      </p:cxnSp>
+      <p:sp>
+        <p:nvSpPr>
+          <p:cNvPr id="22" name="TextBox 21"/>
+          <p:cNvSpPr txBox="1"/>
+          <p:nvPr/>
+        </p:nvSpPr>
+        <p:spPr>
+          <a:xfrm>
+            <a:off x="4755352" y="2050666"/>
+            <a:ext cx="1107996" cy="369332"/>
+          </a:xfrm>
+          <a:prstGeom prst="rect">
+            <a:avLst/>
+          </a:prstGeom>
+          <a:noFill/>
+        </p:spPr>
+        <p:txBody>
+          <a:bodyPr wrap="none" rtlCol="0">
+            <a:spAutoFit/>
+          </a:bodyPr>
+          <a:lstStyle/>
+          <a:p>
+            <a:r>
+              <a:rPr lang="zh-CN" altLang="en-US" dirty="0" smtClean="0"/>
+              <a:t>人工智能</a:t>
+            </a:r>
+            <a:endParaRPr lang="en-US" dirty="0"/>
+          </a:p>
+        </p:txBody>
+      </p:sp>
+      <p:cxnSp>
+        <p:nvCxnSpPr>
+          <p:cNvPr id="23" name="Straight Arrow Connector 22"/>
+          <p:cNvCxnSpPr/>
+          <p:nvPr/>
+        </p:nvCxnSpPr>
+        <p:spPr>
+          <a:xfrm flipV="1">
+            <a:off x="4577244" y="4180099"/>
+            <a:ext cx="1934031" cy="6240"/>
+          </a:xfrm>
+          <a:prstGeom prst="straightConnector1">
+            <a:avLst/>
+          </a:prstGeom>
+          <a:ln>
+            <a:tailEnd type="triangle"/>
+          </a:ln>
+        </p:spPr>
+        <p:style>
+          <a:lnRef idx="1">
+            <a:schemeClr val="accent1"/>
+          </a:lnRef>
+          <a:fillRef idx="0">
+            <a:schemeClr val="accent1"/>
+          </a:fillRef>
+          <a:effectRef idx="0">
+            <a:schemeClr val="accent1"/>
+          </a:effectRef>
+          <a:fontRef idx="minor">
+            <a:schemeClr val="tx1"/>
+          </a:fontRef>
+        </p:style>
+      </p:cxnSp>
+      <p:sp>
+        <p:nvSpPr>
+          <p:cNvPr id="24" name="TextBox 23"/>
+          <p:cNvSpPr txBox="1"/>
+          <p:nvPr/>
+        </p:nvSpPr>
+        <p:spPr>
+          <a:xfrm>
+            <a:off x="4949648" y="3752926"/>
+            <a:ext cx="1107996" cy="369332"/>
+          </a:xfrm>
+          <a:prstGeom prst="rect">
+            <a:avLst/>
+          </a:prstGeom>
+          <a:noFill/>
+        </p:spPr>
+        <p:txBody>
+          <a:bodyPr wrap="none" rtlCol="0">
+            <a:spAutoFit/>
+          </a:bodyPr>
+          <a:lstStyle/>
+          <a:p>
+            <a:r>
+              <a:rPr lang="zh-CN" altLang="en-US" dirty="0" smtClean="0"/>
+              <a:t>人工智能</a:t>
+            </a:r>
+            <a:endParaRPr lang="en-US" dirty="0"/>
+          </a:p>
+        </p:txBody>
+      </p:sp>
+      <p:sp>
+        <p:nvSpPr>
+          <p:cNvPr id="26" name="TextBox 25"/>
+          <p:cNvSpPr txBox="1"/>
+          <p:nvPr/>
+        </p:nvSpPr>
+        <p:spPr>
+          <a:xfrm>
+            <a:off x="3069074" y="5430865"/>
+            <a:ext cx="1570815" cy="369332"/>
+          </a:xfrm>
+          <a:prstGeom prst="rect">
+            <a:avLst/>
+          </a:prstGeom>
+          <a:noFill/>
+        </p:spPr>
+        <p:txBody>
+          <a:bodyPr wrap="none" rtlCol="0">
+            <a:spAutoFit/>
+          </a:bodyPr>
+          <a:lstStyle/>
+          <a:p>
+            <a:r>
+              <a:rPr lang="zh-CN" altLang="en-US" smtClean="0"/>
+              <a:t>用户消费习惯</a:t>
+            </a:r>
+            <a:endParaRPr lang="en-US" dirty="0"/>
+          </a:p>
+        </p:txBody>
+      </p:sp>
+      <p:sp>
+        <p:nvSpPr>
+          <p:cNvPr id="27" name="Left Brace 26"/>
+          <p:cNvSpPr/>
+          <p:nvPr/>
+        </p:nvSpPr>
+        <p:spPr>
+          <a:xfrm>
+            <a:off x="6759282" y="5180344"/>
+            <a:ext cx="212942" cy="801666"/>
+          </a:xfrm>
+          <a:prstGeom prst="leftBrace">
+            <a:avLst/>
+          </a:prstGeom>
+        </p:spPr>
+        <p:style>
+          <a:lnRef idx="1">
+            <a:schemeClr val="accent1"/>
+          </a:lnRef>
+          <a:fillRef idx="0">
+            <a:schemeClr val="accent1"/>
+          </a:fillRef>
+          <a:effectRef idx="0">
+            <a:schemeClr val="accent1"/>
+          </a:effectRef>
+          <a:fontRef idx="minor">
+            <a:schemeClr val="tx1"/>
+          </a:fontRef>
+        </p:style>
+        <p:txBody>
+          <a:bodyPr rtlCol="0" anchor="ctr"/>
+          <a:lstStyle/>
+          <a:p>
+            <a:pPr algn="ctr"/>
+            <a:endParaRPr lang="en-US"/>
+          </a:p>
+        </p:txBody>
+      </p:sp>
+      <p:sp>
+        <p:nvSpPr>
+          <p:cNvPr id="28" name="TextBox 27"/>
+          <p:cNvSpPr txBox="1"/>
+          <p:nvPr/>
+        </p:nvSpPr>
+        <p:spPr>
+          <a:xfrm>
+            <a:off x="7067892" y="5140363"/>
+            <a:ext cx="415498" cy="369332"/>
+          </a:xfrm>
+          <a:prstGeom prst="rect">
+            <a:avLst/>
+          </a:prstGeom>
+          <a:noFill/>
+        </p:spPr>
+        <p:txBody>
+          <a:bodyPr wrap="none" rtlCol="0">
+            <a:spAutoFit/>
+          </a:bodyPr>
+          <a:lstStyle/>
+          <a:p>
+            <a:r>
+              <a:rPr lang="zh-CN" altLang="en-US" dirty="0" smtClean="0"/>
+              <a:t>男</a:t>
+            </a:r>
+            <a:endParaRPr lang="en-US" dirty="0"/>
+          </a:p>
+        </p:txBody>
+      </p:sp>
+      <p:sp>
+        <p:nvSpPr>
+          <p:cNvPr id="29" name="TextBox 28"/>
+          <p:cNvSpPr txBox="1"/>
+          <p:nvPr/>
+        </p:nvSpPr>
+        <p:spPr>
+          <a:xfrm>
+            <a:off x="7067892" y="5620351"/>
+            <a:ext cx="415498" cy="369332"/>
+          </a:xfrm>
+          <a:prstGeom prst="rect">
+            <a:avLst/>
+          </a:prstGeom>
+          <a:noFill/>
+        </p:spPr>
+        <p:txBody>
+          <a:bodyPr wrap="none" rtlCol="0">
+            <a:spAutoFit/>
+          </a:bodyPr>
+          <a:lstStyle/>
+          <a:p>
+            <a:r>
+              <a:rPr lang="zh-CN" altLang="en-US" dirty="0" smtClean="0"/>
+              <a:t>女</a:t>
+            </a:r>
+            <a:endParaRPr lang="en-US" dirty="0"/>
+          </a:p>
+        </p:txBody>
+      </p:sp>
+      <p:cxnSp>
+        <p:nvCxnSpPr>
+          <p:cNvPr id="31" name="Straight Arrow Connector 30"/>
+          <p:cNvCxnSpPr/>
+          <p:nvPr/>
+        </p:nvCxnSpPr>
+        <p:spPr>
+          <a:xfrm flipV="1">
+            <a:off x="4596695" y="5607517"/>
+            <a:ext cx="1934031" cy="6240"/>
+          </a:xfrm>
+          <a:prstGeom prst="straightConnector1">
+            <a:avLst/>
+          </a:prstGeom>
+          <a:ln>
+            <a:tailEnd type="triangle"/>
+          </a:ln>
+        </p:spPr>
+        <p:style>
+          <a:lnRef idx="1">
+            <a:schemeClr val="accent1"/>
+          </a:lnRef>
+          <a:fillRef idx="0">
+            <a:schemeClr val="accent1"/>
+          </a:fillRef>
+          <a:effectRef idx="0">
+            <a:schemeClr val="accent1"/>
+          </a:effectRef>
+          <a:fontRef idx="minor">
+            <a:schemeClr val="tx1"/>
+          </a:fontRef>
+        </p:style>
+      </p:cxnSp>
+      <p:sp>
+        <p:nvSpPr>
+          <p:cNvPr id="32" name="TextBox 31"/>
+          <p:cNvSpPr txBox="1"/>
+          <p:nvPr/>
+        </p:nvSpPr>
+        <p:spPr>
+          <a:xfrm>
+            <a:off x="4969099" y="5180344"/>
+            <a:ext cx="1107996" cy="369332"/>
+          </a:xfrm>
+          <a:prstGeom prst="rect">
+            <a:avLst/>
+          </a:prstGeom>
+          <a:noFill/>
+        </p:spPr>
+        <p:txBody>
+          <a:bodyPr wrap="none" rtlCol="0">
+            <a:spAutoFit/>
+          </a:bodyPr>
+          <a:lstStyle/>
+          <a:p>
+            <a:r>
+              <a:rPr lang="zh-CN" altLang="en-US" dirty="0" smtClean="0"/>
+              <a:t>人工智能</a:t>
+            </a:r>
+            <a:endParaRPr lang="en-US" dirty="0"/>
+          </a:p>
+        </p:txBody>
+      </p:sp>
+    </p:spTree>
+    <p:extLst>
+      <p:ext uri="{BB962C8B-B14F-4D97-AF65-F5344CB8AC3E}">
+        <p14:creationId xmlns:p14="http://schemas.microsoft.com/office/powerpoint/2010/main" val="812424336"/>
+      </p:ext>
+    </p:extLst>
+  </p:cSld>
+  <p:clrMapOvr>
+    <a:masterClrMapping/>
+  </p:clrMapOvr>
+  <p:timing>
+    <p:tnLst>
+      <p:par>
+        <p:cTn id="1" dur="indefinite" restart="never" nodeType="tmRoot">
+          <p:childTnLst>
+            <p:seq concurrent="1" nextAc="seek">
+              <p:cTn id="2" dur="indefinite" nodeType="mainSeq">
+                <p:childTnLst>
+                  <p:par>
+                    <p:cTn id="3" fill="hold">
+                      <p:stCondLst>
+                        <p:cond delay="indefinite"/>
+                      </p:stCondLst>
+                      <p:childTnLst>
+                        <p:par>
+                          <p:cTn id="4" fill="hold">
+                            <p:stCondLst>
+                              <p:cond delay="0"/>
+                            </p:stCondLst>
+                            <p:childTnLst>
+                              <p:par>
+                                <p:cTn id="5" presetID="5" presetClass="entr" presetSubtype="10" fill="hold" grpId="0" nodeType="clickEffect">
+                                  <p:stCondLst>
+                                    <p:cond delay="0"/>
+                                  </p:stCondLst>
+                                  <p:childTnLst>
+                                    <p:set>
+                                      <p:cBhvr>
+                                        <p:cTn id="6" dur="1" fill="hold">
+                                          <p:stCondLst>
+                                            <p:cond delay="0"/>
+                                          </p:stCondLst>
+                                        </p:cTn>
+                                        <p:tgtEl>
+                                          <p:spTgt spid="5"/>
+                                        </p:tgtEl>
+                                        <p:attrNameLst>
+                                          <p:attrName>style.visibility</p:attrName>
+                                        </p:attrNameLst>
+                                      </p:cBhvr>
+                                      <p:to>
+                                        <p:strVal val="visible"/>
+                                      </p:to>
+                                    </p:set>
+                                    <p:animEffect transition="in" filter="checkerboard(across)">
+                                      <p:cBhvr>
+                                        <p:cTn id="7" dur="500"/>
+                                        <p:tgtEl>
+                                          <p:spTgt spid="5"/>
+                                        </p:tgtEl>
+                                      </p:cBhvr>
+                                    </p:animEffect>
+                                  </p:childTnLst>
+                                </p:cTn>
+                              </p:par>
+                              <p:par>
+                                <p:cTn id="8" presetID="5" presetClass="entr" presetSubtype="10" fill="hold" grpId="0" nodeType="withEffect">
+                                  <p:stCondLst>
+                                    <p:cond delay="0"/>
+                                  </p:stCondLst>
+                                  <p:childTnLst>
+                                    <p:set>
+                                      <p:cBhvr>
+                                        <p:cTn id="9" dur="1" fill="hold">
+                                          <p:stCondLst>
+                                            <p:cond delay="0"/>
+                                          </p:stCondLst>
+                                        </p:cTn>
+                                        <p:tgtEl>
+                                          <p:spTgt spid="7"/>
+                                        </p:tgtEl>
+                                        <p:attrNameLst>
+                                          <p:attrName>style.visibility</p:attrName>
+                                        </p:attrNameLst>
+                                      </p:cBhvr>
+                                      <p:to>
+                                        <p:strVal val="visible"/>
+                                      </p:to>
+                                    </p:set>
+                                    <p:animEffect transition="in" filter="checkerboard(across)">
+                                      <p:cBhvr>
+                                        <p:cTn id="10" dur="500"/>
+                                        <p:tgtEl>
+                                          <p:spTgt spid="7"/>
+                                        </p:tgtEl>
+                                      </p:cBhvr>
+                                    </p:animEffect>
+                                  </p:childTnLst>
+                                </p:cTn>
+                              </p:par>
+                              <p:par>
+                                <p:cTn id="11" presetID="5" presetClass="entr" presetSubtype="10" fill="hold" grpId="0" nodeType="withEffect">
+                                  <p:stCondLst>
+                                    <p:cond delay="0"/>
+                                  </p:stCondLst>
+                                  <p:childTnLst>
+                                    <p:set>
+                                      <p:cBhvr>
+                                        <p:cTn id="12" dur="1" fill="hold">
+                                          <p:stCondLst>
+                                            <p:cond delay="0"/>
+                                          </p:stCondLst>
+                                        </p:cTn>
+                                        <p:tgtEl>
+                                          <p:spTgt spid="8"/>
+                                        </p:tgtEl>
+                                        <p:attrNameLst>
+                                          <p:attrName>style.visibility</p:attrName>
+                                        </p:attrNameLst>
+                                      </p:cBhvr>
+                                      <p:to>
+                                        <p:strVal val="visible"/>
+                                      </p:to>
+                                    </p:set>
+                                    <p:animEffect transition="in" filter="checkerboard(across)">
+                                      <p:cBhvr>
+                                        <p:cTn id="13" dur="500"/>
+                                        <p:tgtEl>
+                                          <p:spTgt spid="8"/>
+                                        </p:tgtEl>
+                                      </p:cBhvr>
+                                    </p:animEffect>
+                                  </p:childTnLst>
+                                </p:cTn>
+                              </p:par>
+                              <p:par>
+                                <p:cTn id="14" presetID="5" presetClass="entr" presetSubtype="10" fill="hold" grpId="0" nodeType="withEffect">
+                                  <p:stCondLst>
+                                    <p:cond delay="0"/>
+                                  </p:stCondLst>
+                                  <p:childTnLst>
+                                    <p:set>
+                                      <p:cBhvr>
+                                        <p:cTn id="15" dur="1" fill="hold">
+                                          <p:stCondLst>
+                                            <p:cond delay="0"/>
+                                          </p:stCondLst>
+                                        </p:cTn>
+                                        <p:tgtEl>
+                                          <p:spTgt spid="9"/>
+                                        </p:tgtEl>
+                                        <p:attrNameLst>
+                                          <p:attrName>style.visibility</p:attrName>
+                                        </p:attrNameLst>
+                                      </p:cBhvr>
+                                      <p:to>
+                                        <p:strVal val="visible"/>
+                                      </p:to>
+                                    </p:set>
+                                    <p:animEffect transition="in" filter="checkerboard(across)">
+                                      <p:cBhvr>
+                                        <p:cTn id="16" dur="500"/>
+                                        <p:tgtEl>
+                                          <p:spTgt spid="9"/>
+                                        </p:tgtEl>
+                                      </p:cBhvr>
+                                    </p:animEffect>
+                                  </p:childTnLst>
+                                </p:cTn>
+                              </p:par>
+                              <p:par>
+                                <p:cTn id="17" presetID="5" presetClass="entr" presetSubtype="10" fill="hold" nodeType="withEffect">
+                                  <p:stCondLst>
+                                    <p:cond delay="0"/>
+                                  </p:stCondLst>
+                                  <p:childTnLst>
+                                    <p:set>
+                                      <p:cBhvr>
+                                        <p:cTn id="18" dur="1" fill="hold">
+                                          <p:stCondLst>
+                                            <p:cond delay="0"/>
+                                          </p:stCondLst>
+                                        </p:cTn>
+                                        <p:tgtEl>
+                                          <p:spTgt spid="21"/>
+                                        </p:tgtEl>
+                                        <p:attrNameLst>
+                                          <p:attrName>style.visibility</p:attrName>
+                                        </p:attrNameLst>
+                                      </p:cBhvr>
+                                      <p:to>
+                                        <p:strVal val="visible"/>
+                                      </p:to>
+                                    </p:set>
+                                    <p:animEffect transition="in" filter="checkerboard(across)">
+                                      <p:cBhvr>
+                                        <p:cTn id="19" dur="500"/>
+                                        <p:tgtEl>
+                                          <p:spTgt spid="21"/>
+                                        </p:tgtEl>
+                                      </p:cBhvr>
+                                    </p:animEffect>
+                                  </p:childTnLst>
+                                </p:cTn>
+                              </p:par>
+                              <p:par>
+                                <p:cTn id="20" presetID="5" presetClass="entr" presetSubtype="10" fill="hold" grpId="0" nodeType="withEffect">
+                                  <p:stCondLst>
+                                    <p:cond delay="0"/>
+                                  </p:stCondLst>
+                                  <p:childTnLst>
+                                    <p:set>
+                                      <p:cBhvr>
+                                        <p:cTn id="21" dur="1" fill="hold">
+                                          <p:stCondLst>
+                                            <p:cond delay="0"/>
+                                          </p:stCondLst>
+                                        </p:cTn>
+                                        <p:tgtEl>
+                                          <p:spTgt spid="22"/>
+                                        </p:tgtEl>
+                                        <p:attrNameLst>
+                                          <p:attrName>style.visibility</p:attrName>
+                                        </p:attrNameLst>
+                                      </p:cBhvr>
+                                      <p:to>
+                                        <p:strVal val="visible"/>
+                                      </p:to>
+                                    </p:set>
+                                    <p:animEffect transition="in" filter="checkerboard(across)">
+                                      <p:cBhvr>
+                                        <p:cTn id="22" dur="500"/>
+                                        <p:tgtEl>
+                                          <p:spTgt spid="22"/>
+                                        </p:tgtEl>
+                                      </p:cBhvr>
+                                    </p:animEffect>
+                                  </p:childTnLst>
+                                </p:cTn>
+                              </p:par>
+                            </p:childTnLst>
+                          </p:cTn>
+                        </p:par>
+                      </p:childTnLst>
+                    </p:cTn>
+                  </p:par>
+                  <p:par>
+                    <p:cTn id="23" fill="hold">
+                      <p:stCondLst>
+                        <p:cond delay="indefinite"/>
+                      </p:stCondLst>
+                      <p:childTnLst>
+                        <p:par>
+                          <p:cTn id="24" fill="hold">
+                            <p:stCondLst>
+                              <p:cond delay="0"/>
+                            </p:stCondLst>
+                            <p:childTnLst>
+                              <p:par>
+                                <p:cTn id="25" presetID="5" presetClass="entr" presetSubtype="10" fill="hold" grpId="0" nodeType="clickEffect">
+                                  <p:stCondLst>
+                                    <p:cond delay="0"/>
+                                  </p:stCondLst>
+                                  <p:childTnLst>
+                                    <p:set>
+                                      <p:cBhvr>
+                                        <p:cTn id="26" dur="1" fill="hold">
+                                          <p:stCondLst>
+                                            <p:cond delay="0"/>
+                                          </p:stCondLst>
+                                        </p:cTn>
+                                        <p:tgtEl>
+                                          <p:spTgt spid="14"/>
+                                        </p:tgtEl>
+                                        <p:attrNameLst>
+                                          <p:attrName>style.visibility</p:attrName>
+                                        </p:attrNameLst>
+                                      </p:cBhvr>
+                                      <p:to>
+                                        <p:strVal val="visible"/>
+                                      </p:to>
+                                    </p:set>
+                                    <p:animEffect transition="in" filter="checkerboard(across)">
+                                      <p:cBhvr>
+                                        <p:cTn id="27" dur="500"/>
+                                        <p:tgtEl>
+                                          <p:spTgt spid="14"/>
+                                        </p:tgtEl>
+                                      </p:cBhvr>
+                                    </p:animEffect>
+                                  </p:childTnLst>
+                                </p:cTn>
+                              </p:par>
+                              <p:par>
+                                <p:cTn id="28" presetID="5" presetClass="entr" presetSubtype="10" fill="hold" grpId="0" nodeType="withEffect">
+                                  <p:stCondLst>
+                                    <p:cond delay="0"/>
+                                  </p:stCondLst>
+                                  <p:childTnLst>
+                                    <p:set>
+                                      <p:cBhvr>
+                                        <p:cTn id="29" dur="1" fill="hold">
+                                          <p:stCondLst>
+                                            <p:cond delay="0"/>
+                                          </p:stCondLst>
+                                        </p:cTn>
+                                        <p:tgtEl>
+                                          <p:spTgt spid="16"/>
+                                        </p:tgtEl>
+                                        <p:attrNameLst>
+                                          <p:attrName>style.visibility</p:attrName>
+                                        </p:attrNameLst>
+                                      </p:cBhvr>
+                                      <p:to>
+                                        <p:strVal val="visible"/>
+                                      </p:to>
+                                    </p:set>
+                                    <p:animEffect transition="in" filter="checkerboard(across)">
+                                      <p:cBhvr>
+                                        <p:cTn id="30" dur="500"/>
+                                        <p:tgtEl>
+                                          <p:spTgt spid="16"/>
+                                        </p:tgtEl>
+                                      </p:cBhvr>
+                                    </p:animEffect>
+                                  </p:childTnLst>
+                                </p:cTn>
+                              </p:par>
+                              <p:par>
+                                <p:cTn id="31" presetID="5" presetClass="entr" presetSubtype="10" fill="hold" grpId="0" nodeType="withEffect">
+                                  <p:stCondLst>
+                                    <p:cond delay="0"/>
+                                  </p:stCondLst>
+                                  <p:childTnLst>
+                                    <p:set>
+                                      <p:cBhvr>
+                                        <p:cTn id="32" dur="1" fill="hold">
+                                          <p:stCondLst>
+                                            <p:cond delay="0"/>
+                                          </p:stCondLst>
+                                        </p:cTn>
+                                        <p:tgtEl>
+                                          <p:spTgt spid="17"/>
+                                        </p:tgtEl>
+                                        <p:attrNameLst>
+                                          <p:attrName>style.visibility</p:attrName>
+                                        </p:attrNameLst>
+                                      </p:cBhvr>
+                                      <p:to>
+                                        <p:strVal val="visible"/>
+                                      </p:to>
+                                    </p:set>
+                                    <p:animEffect transition="in" filter="checkerboard(across)">
+                                      <p:cBhvr>
+                                        <p:cTn id="33" dur="500"/>
+                                        <p:tgtEl>
+                                          <p:spTgt spid="17"/>
+                                        </p:tgtEl>
+                                      </p:cBhvr>
+                                    </p:animEffect>
+                                  </p:childTnLst>
+                                </p:cTn>
+                              </p:par>
+                              <p:par>
+                                <p:cTn id="34" presetID="5" presetClass="entr" presetSubtype="10" fill="hold" grpId="0" nodeType="withEffect">
+                                  <p:stCondLst>
+                                    <p:cond delay="0"/>
+                                  </p:stCondLst>
+                                  <p:childTnLst>
+                                    <p:set>
+                                      <p:cBhvr>
+                                        <p:cTn id="35" dur="1" fill="hold">
+                                          <p:stCondLst>
+                                            <p:cond delay="0"/>
+                                          </p:stCondLst>
+                                        </p:cTn>
+                                        <p:tgtEl>
+                                          <p:spTgt spid="18"/>
+                                        </p:tgtEl>
+                                        <p:attrNameLst>
+                                          <p:attrName>style.visibility</p:attrName>
+                                        </p:attrNameLst>
+                                      </p:cBhvr>
+                                      <p:to>
+                                        <p:strVal val="visible"/>
+                                      </p:to>
+                                    </p:set>
+                                    <p:animEffect transition="in" filter="checkerboard(across)">
+                                      <p:cBhvr>
+                                        <p:cTn id="36" dur="500"/>
+                                        <p:tgtEl>
+                                          <p:spTgt spid="18"/>
+                                        </p:tgtEl>
+                                      </p:cBhvr>
+                                    </p:animEffect>
+                                  </p:childTnLst>
+                                </p:cTn>
+                              </p:par>
+                              <p:par>
+                                <p:cTn id="37" presetID="5" presetClass="entr" presetSubtype="10" fill="hold" grpId="0" nodeType="withEffect">
+                                  <p:stCondLst>
+                                    <p:cond delay="0"/>
+                                  </p:stCondLst>
+                                  <p:childTnLst>
+                                    <p:set>
+                                      <p:cBhvr>
+                                        <p:cTn id="38" dur="1" fill="hold">
+                                          <p:stCondLst>
+                                            <p:cond delay="0"/>
+                                          </p:stCondLst>
+                                        </p:cTn>
+                                        <p:tgtEl>
+                                          <p:spTgt spid="19"/>
+                                        </p:tgtEl>
+                                        <p:attrNameLst>
+                                          <p:attrName>style.visibility</p:attrName>
+                                        </p:attrNameLst>
+                                      </p:cBhvr>
+                                      <p:to>
+                                        <p:strVal val="visible"/>
+                                      </p:to>
+                                    </p:set>
+                                    <p:animEffect transition="in" filter="checkerboard(across)">
+                                      <p:cBhvr>
+                                        <p:cTn id="39" dur="500"/>
+                                        <p:tgtEl>
+                                          <p:spTgt spid="19"/>
+                                        </p:tgtEl>
+                                      </p:cBhvr>
+                                    </p:animEffect>
+                                  </p:childTnLst>
+                                </p:cTn>
+                              </p:par>
+                              <p:par>
+                                <p:cTn id="40" presetID="5" presetClass="entr" presetSubtype="10" fill="hold" nodeType="withEffect">
+                                  <p:stCondLst>
+                                    <p:cond delay="0"/>
+                                  </p:stCondLst>
+                                  <p:childTnLst>
+                                    <p:set>
+                                      <p:cBhvr>
+                                        <p:cTn id="41" dur="1" fill="hold">
+                                          <p:stCondLst>
+                                            <p:cond delay="0"/>
+                                          </p:stCondLst>
+                                        </p:cTn>
+                                        <p:tgtEl>
+                                          <p:spTgt spid="23"/>
+                                        </p:tgtEl>
+                                        <p:attrNameLst>
+                                          <p:attrName>style.visibility</p:attrName>
+                                        </p:attrNameLst>
+                                      </p:cBhvr>
+                                      <p:to>
+                                        <p:strVal val="visible"/>
+                                      </p:to>
+                                    </p:set>
+                                    <p:animEffect transition="in" filter="checkerboard(across)">
+                                      <p:cBhvr>
+                                        <p:cTn id="42" dur="500"/>
+                                        <p:tgtEl>
+                                          <p:spTgt spid="23"/>
+                                        </p:tgtEl>
+                                      </p:cBhvr>
+                                    </p:animEffect>
+                                  </p:childTnLst>
+                                </p:cTn>
+                              </p:par>
+                              <p:par>
+                                <p:cTn id="43" presetID="5" presetClass="entr" presetSubtype="10" fill="hold" grpId="0" nodeType="withEffect">
+                                  <p:stCondLst>
+                                    <p:cond delay="0"/>
+                                  </p:stCondLst>
+                                  <p:childTnLst>
+                                    <p:set>
+                                      <p:cBhvr>
+                                        <p:cTn id="44" dur="1" fill="hold">
+                                          <p:stCondLst>
+                                            <p:cond delay="0"/>
+                                          </p:stCondLst>
+                                        </p:cTn>
+                                        <p:tgtEl>
+                                          <p:spTgt spid="24"/>
+                                        </p:tgtEl>
+                                        <p:attrNameLst>
+                                          <p:attrName>style.visibility</p:attrName>
+                                        </p:attrNameLst>
+                                      </p:cBhvr>
+                                      <p:to>
+                                        <p:strVal val="visible"/>
+                                      </p:to>
+                                    </p:set>
+                                    <p:animEffect transition="in" filter="checkerboard(across)">
+                                      <p:cBhvr>
+                                        <p:cTn id="45" dur="500"/>
+                                        <p:tgtEl>
+                                          <p:spTgt spid="24"/>
+                                        </p:tgtEl>
+                                      </p:cBhvr>
+                                    </p:animEffect>
+                                  </p:childTnLst>
+                                </p:cTn>
+                              </p:par>
+                            </p:childTnLst>
+                          </p:cTn>
+                        </p:par>
+                      </p:childTnLst>
+                    </p:cTn>
+                  </p:par>
+                  <p:par>
+                    <p:cTn id="46" fill="hold">
+                      <p:stCondLst>
+                        <p:cond delay="indefinite"/>
+                      </p:stCondLst>
+                      <p:childTnLst>
+                        <p:par>
+                          <p:cTn id="47" fill="hold">
+                            <p:stCondLst>
+                              <p:cond delay="0"/>
+                            </p:stCondLst>
+                            <p:childTnLst>
+                              <p:par>
+                                <p:cTn id="48" presetID="5" presetClass="entr" presetSubtype="10" fill="hold" grpId="0" nodeType="clickEffect">
+                                  <p:stCondLst>
+                                    <p:cond delay="0"/>
+                                  </p:stCondLst>
+                                  <p:childTnLst>
+                                    <p:set>
+                                      <p:cBhvr>
+                                        <p:cTn id="49" dur="1" fill="hold">
+                                          <p:stCondLst>
+                                            <p:cond delay="0"/>
+                                          </p:stCondLst>
+                                        </p:cTn>
+                                        <p:tgtEl>
+                                          <p:spTgt spid="26"/>
+                                        </p:tgtEl>
+                                        <p:attrNameLst>
+                                          <p:attrName>style.visibility</p:attrName>
+                                        </p:attrNameLst>
+                                      </p:cBhvr>
+                                      <p:to>
+                                        <p:strVal val="visible"/>
+                                      </p:to>
+                                    </p:set>
+                                    <p:animEffect transition="in" filter="checkerboard(across)">
+                                      <p:cBhvr>
+                                        <p:cTn id="50" dur="500"/>
+                                        <p:tgtEl>
+                                          <p:spTgt spid="26"/>
+                                        </p:tgtEl>
+                                      </p:cBhvr>
+                                    </p:animEffect>
+                                  </p:childTnLst>
+                                </p:cTn>
+                              </p:par>
+                              <p:par>
+                                <p:cTn id="51" presetID="5" presetClass="entr" presetSubtype="10" fill="hold" grpId="0" nodeType="withEffect">
+                                  <p:stCondLst>
+                                    <p:cond delay="0"/>
+                                  </p:stCondLst>
+                                  <p:childTnLst>
+                                    <p:set>
+                                      <p:cBhvr>
+                                        <p:cTn id="52" dur="1" fill="hold">
+                                          <p:stCondLst>
+                                            <p:cond delay="0"/>
+                                          </p:stCondLst>
+                                        </p:cTn>
+                                        <p:tgtEl>
+                                          <p:spTgt spid="27"/>
+                                        </p:tgtEl>
+                                        <p:attrNameLst>
+                                          <p:attrName>style.visibility</p:attrName>
+                                        </p:attrNameLst>
+                                      </p:cBhvr>
+                                      <p:to>
+                                        <p:strVal val="visible"/>
+                                      </p:to>
+                                    </p:set>
+                                    <p:animEffect transition="in" filter="checkerboard(across)">
+                                      <p:cBhvr>
+                                        <p:cTn id="53" dur="500"/>
+                                        <p:tgtEl>
+                                          <p:spTgt spid="27"/>
+                                        </p:tgtEl>
+                                      </p:cBhvr>
+                                    </p:animEffect>
+                                  </p:childTnLst>
+                                </p:cTn>
+                              </p:par>
+                              <p:par>
+                                <p:cTn id="54" presetID="5" presetClass="entr" presetSubtype="10" fill="hold" grpId="0" nodeType="withEffect">
+                                  <p:stCondLst>
+                                    <p:cond delay="0"/>
+                                  </p:stCondLst>
+                                  <p:childTnLst>
+                                    <p:set>
+                                      <p:cBhvr>
+                                        <p:cTn id="55" dur="1" fill="hold">
+                                          <p:stCondLst>
+                                            <p:cond delay="0"/>
+                                          </p:stCondLst>
+                                        </p:cTn>
+                                        <p:tgtEl>
+                                          <p:spTgt spid="28"/>
+                                        </p:tgtEl>
+                                        <p:attrNameLst>
+                                          <p:attrName>style.visibility</p:attrName>
+                                        </p:attrNameLst>
+                                      </p:cBhvr>
+                                      <p:to>
+                                        <p:strVal val="visible"/>
+                                      </p:to>
+                                    </p:set>
+                                    <p:animEffect transition="in" filter="checkerboard(across)">
+                                      <p:cBhvr>
+                                        <p:cTn id="56" dur="500"/>
+                                        <p:tgtEl>
+                                          <p:spTgt spid="28"/>
+                                        </p:tgtEl>
+                                      </p:cBhvr>
+                                    </p:animEffect>
+                                  </p:childTnLst>
+                                </p:cTn>
+                              </p:par>
+                              <p:par>
+                                <p:cTn id="57" presetID="5" presetClass="entr" presetSubtype="10" fill="hold" grpId="0" nodeType="withEffect">
+                                  <p:stCondLst>
+                                    <p:cond delay="0"/>
+                                  </p:stCondLst>
+                                  <p:childTnLst>
+                                    <p:set>
+                                      <p:cBhvr>
+                                        <p:cTn id="58" dur="1" fill="hold">
+                                          <p:stCondLst>
+                                            <p:cond delay="0"/>
+                                          </p:stCondLst>
+                                        </p:cTn>
+                                        <p:tgtEl>
+                                          <p:spTgt spid="29"/>
+                                        </p:tgtEl>
+                                        <p:attrNameLst>
+                                          <p:attrName>style.visibility</p:attrName>
+                                        </p:attrNameLst>
+                                      </p:cBhvr>
+                                      <p:to>
+                                        <p:strVal val="visible"/>
+                                      </p:to>
+                                    </p:set>
+                                    <p:animEffect transition="in" filter="checkerboard(across)">
+                                      <p:cBhvr>
+                                        <p:cTn id="59" dur="500"/>
+                                        <p:tgtEl>
+                                          <p:spTgt spid="29"/>
+                                        </p:tgtEl>
+                                      </p:cBhvr>
+                                    </p:animEffect>
+                                  </p:childTnLst>
+                                </p:cTn>
+                              </p:par>
+                              <p:par>
+                                <p:cTn id="60" presetID="5" presetClass="entr" presetSubtype="10" fill="hold" nodeType="withEffect">
+                                  <p:stCondLst>
+                                    <p:cond delay="0"/>
+                                  </p:stCondLst>
+                                  <p:childTnLst>
+                                    <p:set>
+                                      <p:cBhvr>
+                                        <p:cTn id="61" dur="1" fill="hold">
+                                          <p:stCondLst>
+                                            <p:cond delay="0"/>
+                                          </p:stCondLst>
+                                        </p:cTn>
+                                        <p:tgtEl>
+                                          <p:spTgt spid="31"/>
+                                        </p:tgtEl>
+                                        <p:attrNameLst>
+                                          <p:attrName>style.visibility</p:attrName>
+                                        </p:attrNameLst>
+                                      </p:cBhvr>
+                                      <p:to>
+                                        <p:strVal val="visible"/>
+                                      </p:to>
+                                    </p:set>
+                                    <p:animEffect transition="in" filter="checkerboard(across)">
+                                      <p:cBhvr>
+                                        <p:cTn id="62" dur="500"/>
+                                        <p:tgtEl>
+                                          <p:spTgt spid="31"/>
+                                        </p:tgtEl>
+                                      </p:cBhvr>
+                                    </p:animEffect>
+                                  </p:childTnLst>
+                                </p:cTn>
+                              </p:par>
+                              <p:par>
+                                <p:cTn id="63" presetID="5" presetClass="entr" presetSubtype="10" fill="hold" grpId="0" nodeType="withEffect">
+                                  <p:stCondLst>
+                                    <p:cond delay="0"/>
+                                  </p:stCondLst>
+                                  <p:childTnLst>
+                                    <p:set>
+                                      <p:cBhvr>
+                                        <p:cTn id="64" dur="1" fill="hold">
+                                          <p:stCondLst>
+                                            <p:cond delay="0"/>
+                                          </p:stCondLst>
+                                        </p:cTn>
+                                        <p:tgtEl>
+                                          <p:spTgt spid="32"/>
+                                        </p:tgtEl>
+                                        <p:attrNameLst>
+                                          <p:attrName>style.visibility</p:attrName>
+                                        </p:attrNameLst>
+                                      </p:cBhvr>
+                                      <p:to>
+                                        <p:strVal val="visible"/>
+                                      </p:to>
+                                    </p:set>
+                                    <p:animEffect transition="in" filter="checkerboard(across)">
+                                      <p:cBhvr>
+                                        <p:cTn id="65" dur="500"/>
+                                        <p:tgtEl>
+                                          <p:spTgt spid="32"/>
+                                        </p:tgtEl>
+                                      </p:cBhvr>
+                                    </p:animEffect>
+                                  </p:childTnLst>
+                                </p:cTn>
+                              </p:par>
+                            </p:childTnLst>
+                          </p:cTn>
+                        </p:par>
+                      </p:childTnLst>
+                    </p:cTn>
+                  </p:par>
+                </p:childTnLst>
+              </p:cTn>
+              <p:prevCondLst>
+                <p:cond evt="onPrev" delay="0">
+                  <p:tgtEl>
+                    <p:sldTgt/>
+                  </p:tgtEl>
+                </p:cond>
+              </p:prevCondLst>
+              <p:nextCondLst>
+                <p:cond evt="onNext" delay="0">
+                  <p:tgtEl>
+                    <p:sldTgt/>
+                  </p:tgtEl>
+                </p:cond>
+              </p:nextCondLst>
+            </p:seq>
+          </p:childTnLst>
+        </p:cTn>
+      </p:par>
+    </p:tnLst>
+    <p:bldLst>
+      <p:bldP spid="5" grpId="0"/>
+      <p:bldP spid="7" grpId="0" animBg="1"/>
+      <p:bldP spid="8" grpId="0"/>
+      <p:bldP spid="9" grpId="0"/>
+      <p:bldP spid="14" grpId="0"/>
+      <p:bldP spid="16" grpId="0" animBg="1"/>
+      <p:bldP spid="17" grpId="0"/>
+      <p:bldP spid="18" grpId="0"/>
+      <p:bldP spid="19" grpId="0"/>
+      <p:bldP spid="22" grpId="0"/>
+      <p:bldP spid="24" grpId="0"/>
+      <p:bldP spid="26" grpId="0"/>
+      <p:bldP spid="27" grpId="0" animBg="1"/>
+      <p:bldP spid="28" grpId="0"/>
+      <p:bldP spid="29" grpId="0"/>
+      <p:bldP spid="32" grpId="0"/>
+    </p:bldLst>
+  </p:timing>
+</p:sld>
+</file>
+
+<file path=ppt/slides/slide25.xml><?xml version="1.0" encoding="utf-8"?>
+<p:sld xmlns:a="http://schemas.openxmlformats.org/drawingml/2006/main" xmlns:r="http://schemas.openxmlformats.org/officeDocument/2006/relationships" xmlns:p="http://schemas.openxmlformats.org/presentationml/2006/main">
+  <p:cSld>
+    <p:spTree>
+      <p:nvGrpSpPr>
+        <p:cNvPr id="1" name=""/>
+        <p:cNvGrpSpPr/>
+        <p:nvPr/>
+      </p:nvGrpSpPr>
+      <p:grpSpPr>
+        <a:xfrm>
+          <a:off x="0" y="0"/>
+          <a:ext cx="0" cy="0"/>
+          <a:chOff x="0" y="0"/>
+          <a:chExt cx="0" cy="0"/>
+        </a:xfrm>
+      </p:grpSpPr>
+      <p:sp>
+        <p:nvSpPr>
+          <p:cNvPr id="2" name="Title 1"/>
+          <p:cNvSpPr>
+            <a:spLocks noGrp="1"/>
+          </p:cNvSpPr>
+          <p:nvPr>
+            <p:ph type="title"/>
+          </p:nvPr>
+        </p:nvSpPr>
+        <p:spPr/>
+        <p:txBody>
+          <a:bodyPr/>
+          <a:lstStyle/>
+          <a:p>
+            <a:r>
+              <a:rPr lang="zh-CN" altLang="en-US" dirty="0" smtClean="0"/>
+              <a:t>邮递时间预测</a:t>
+            </a:r>
+            <a:endParaRPr lang="en-US" dirty="0"/>
+          </a:p>
+        </p:txBody>
+      </p:sp>
+      <p:pic>
+        <p:nvPicPr>
+          <p:cNvPr id="6" name="Picture 5"/>
+          <p:cNvPicPr>
+            <a:picLocks noChangeAspect="1"/>
+          </p:cNvPicPr>
+          <p:nvPr/>
+        </p:nvPicPr>
+        <p:blipFill>
+          <a:blip r:embed="rId2">
+            <a:extLst>
+              <a:ext uri="{28A0092B-C50C-407E-A947-70E740481C1C}">
+                <a14:useLocalDpi xmlns:a14="http://schemas.microsoft.com/office/drawing/2010/main" val="0"/>
+              </a:ext>
+            </a:extLst>
+          </a:blip>
+          <a:stretch>
+            <a:fillRect/>
+          </a:stretch>
+        </p:blipFill>
+        <p:spPr>
+          <a:xfrm>
+            <a:off x="3634287" y="1690688"/>
+            <a:ext cx="4923425" cy="4913357"/>
+          </a:xfrm>
+          <a:prstGeom prst="rect">
+            <a:avLst/>
+          </a:prstGeom>
+        </p:spPr>
+      </p:pic>
+    </p:spTree>
+    <p:extLst>
+      <p:ext uri="{BB962C8B-B14F-4D97-AF65-F5344CB8AC3E}">
+        <p14:creationId xmlns:p14="http://schemas.microsoft.com/office/powerpoint/2010/main" val="798418811"/>
+      </p:ext>
+    </p:extLst>
+  </p:cSld>
+  <p:clrMapOvr>
+    <a:masterClrMapping/>
+  </p:clrMapOvr>
+  <p:timing>
+    <p:tnLst>
+      <p:par>
+        <p:cTn id="1" dur="indefinite" restart="never" nodeType="tmRoot"/>
+      </p:par>
+    </p:tnLst>
+  </p:timing>
+</p:sld>
+</file>
+
+<file path=ppt/slides/slide26.xml><?xml version="1.0" encoding="utf-8"?>
+<p:sld xmlns:a="http://schemas.openxmlformats.org/drawingml/2006/main" xmlns:r="http://schemas.openxmlformats.org/officeDocument/2006/relationships" xmlns:p="http://schemas.openxmlformats.org/presentationml/2006/main">
+  <p:cSld>
+    <p:spTree>
+      <p:nvGrpSpPr>
+        <p:cNvPr id="1" name=""/>
+        <p:cNvGrpSpPr/>
+        <p:nvPr/>
+      </p:nvGrpSpPr>
+      <p:grpSpPr>
+        <a:xfrm>
+          <a:off x="0" y="0"/>
+          <a:ext cx="0" cy="0"/>
+          <a:chOff x="0" y="0"/>
+          <a:chExt cx="0" cy="0"/>
+        </a:xfrm>
+      </p:grpSpPr>
+      <p:sp>
+        <p:nvSpPr>
+          <p:cNvPr id="2" name="Title 1"/>
+          <p:cNvSpPr>
+            <a:spLocks noGrp="1"/>
+          </p:cNvSpPr>
+          <p:nvPr>
+            <p:ph type="title"/>
+          </p:nvPr>
+        </p:nvSpPr>
+        <p:spPr/>
+        <p:txBody>
+          <a:bodyPr/>
+          <a:lstStyle/>
+          <a:p>
+            <a:r>
+              <a:rPr lang="zh-CN" altLang="en-US" dirty="0" smtClean="0"/>
+              <a:t>近邻分类器</a:t>
+            </a:r>
+            <a:endParaRPr lang="en-US" dirty="0"/>
+          </a:p>
+        </p:txBody>
+      </p:sp>
+      <p:cxnSp>
+        <p:nvCxnSpPr>
+          <p:cNvPr id="5" name="Straight Arrow Connector 4"/>
+          <p:cNvCxnSpPr/>
+          <p:nvPr/>
+        </p:nvCxnSpPr>
+        <p:spPr>
+          <a:xfrm>
+            <a:off x="3056351" y="3582444"/>
+            <a:ext cx="5812076" cy="0"/>
+          </a:xfrm>
+          <a:prstGeom prst="straightConnector1">
+            <a:avLst/>
+          </a:prstGeom>
+          <a:ln>
+            <a:tailEnd type="triangle"/>
+          </a:ln>
+        </p:spPr>
+        <p:style>
+          <a:lnRef idx="1">
+            <a:schemeClr val="accent1"/>
+          </a:lnRef>
+          <a:fillRef idx="0">
+            <a:schemeClr val="accent1"/>
+          </a:fillRef>
+          <a:effectRef idx="0">
+            <a:schemeClr val="accent1"/>
+          </a:effectRef>
+          <a:fontRef idx="minor">
+            <a:schemeClr val="tx1"/>
+          </a:fontRef>
+        </p:style>
+      </p:cxnSp>
+      <p:cxnSp>
+        <p:nvCxnSpPr>
+          <p:cNvPr id="7" name="Straight Arrow Connector 6"/>
+          <p:cNvCxnSpPr/>
+          <p:nvPr/>
+        </p:nvCxnSpPr>
+        <p:spPr>
+          <a:xfrm flipV="1">
+            <a:off x="5862181" y="1340285"/>
+            <a:ext cx="0" cy="4709786"/>
+          </a:xfrm>
+          <a:prstGeom prst="straightConnector1">
+            <a:avLst/>
+          </a:prstGeom>
+          <a:ln>
+            <a:tailEnd type="triangle"/>
+          </a:ln>
+        </p:spPr>
+        <p:style>
+          <a:lnRef idx="1">
+            <a:schemeClr val="accent1"/>
+          </a:lnRef>
+          <a:fillRef idx="0">
+            <a:schemeClr val="accent1"/>
+          </a:fillRef>
+          <a:effectRef idx="0">
+            <a:schemeClr val="accent1"/>
+          </a:effectRef>
+          <a:fontRef idx="minor">
+            <a:schemeClr val="tx1"/>
+          </a:fontRef>
+        </p:style>
+      </p:cxnSp>
+      <p:sp>
+        <p:nvSpPr>
+          <p:cNvPr id="8" name="Oval 7"/>
+          <p:cNvSpPr/>
+          <p:nvPr/>
+        </p:nvSpPr>
+        <p:spPr>
+          <a:xfrm>
+            <a:off x="4672208" y="1891430"/>
+            <a:ext cx="137787" cy="137787"/>
+          </a:xfrm>
+          <a:prstGeom prst="ellipse">
+            <a:avLst/>
+          </a:prstGeom>
+          <a:solidFill>
+            <a:schemeClr val="accent2"/>
+          </a:solidFill>
+          <a:ln>
+            <a:noFill/>
+          </a:ln>
+        </p:spPr>
+        <p:style>
+          <a:lnRef idx="2">
+            <a:schemeClr val="accent1">
+              <a:shade val="50000"/>
+            </a:schemeClr>
+          </a:lnRef>
+          <a:fillRef idx="1">
+            <a:schemeClr val="accent1"/>
+          </a:fillRef>
+          <a:effectRef idx="0">
+            <a:schemeClr val="accent1"/>
+          </a:effectRef>
+          <a:fontRef idx="minor">
+            <a:schemeClr val="lt1"/>
+          </a:fontRef>
+        </p:style>
+        <p:txBody>
+          <a:bodyPr rtlCol="0" anchor="ctr"/>
+          <a:lstStyle/>
+          <a:p>
+            <a:pPr algn="ctr"/>
+            <a:endParaRPr lang="en-US">
+              <a:solidFill>
+                <a:schemeClr val="tx1"/>
+              </a:solidFill>
+            </a:endParaRPr>
+          </a:p>
+        </p:txBody>
+      </p:sp>
+      <p:sp>
+        <p:nvSpPr>
+          <p:cNvPr id="9" name="Oval 8"/>
+          <p:cNvSpPr/>
+          <p:nvPr/>
+        </p:nvSpPr>
+        <p:spPr>
+          <a:xfrm>
+            <a:off x="4679551" y="2404759"/>
+            <a:ext cx="137787" cy="137787"/>
+          </a:xfrm>
+          <a:prstGeom prst="ellipse">
+            <a:avLst/>
+          </a:prstGeom>
+          <a:solidFill>
+            <a:schemeClr val="accent2"/>
+          </a:solidFill>
+          <a:ln>
+            <a:noFill/>
+          </a:ln>
+        </p:spPr>
+        <p:style>
+          <a:lnRef idx="2">
+            <a:schemeClr val="accent1">
+              <a:shade val="50000"/>
+            </a:schemeClr>
+          </a:lnRef>
+          <a:fillRef idx="1">
+            <a:schemeClr val="accent1"/>
+          </a:fillRef>
+          <a:effectRef idx="0">
+            <a:schemeClr val="accent1"/>
+          </a:effectRef>
+          <a:fontRef idx="minor">
+            <a:schemeClr val="lt1"/>
+          </a:fontRef>
+        </p:style>
+        <p:txBody>
+          <a:bodyPr rtlCol="0" anchor="ctr"/>
+          <a:lstStyle/>
+          <a:p>
+            <a:pPr algn="ctr"/>
+            <a:endParaRPr lang="en-US">
+              <a:solidFill>
+                <a:schemeClr val="tx1"/>
+              </a:solidFill>
+            </a:endParaRPr>
+          </a:p>
+        </p:txBody>
+      </p:sp>
+      <p:sp>
+        <p:nvSpPr>
+          <p:cNvPr id="10" name="Oval 9"/>
+          <p:cNvSpPr/>
+          <p:nvPr/>
+        </p:nvSpPr>
+        <p:spPr>
+          <a:xfrm>
+            <a:off x="4977008" y="2196230"/>
+            <a:ext cx="137787" cy="137787"/>
+          </a:xfrm>
+          <a:prstGeom prst="ellipse">
+            <a:avLst/>
+          </a:prstGeom>
+          <a:solidFill>
+            <a:schemeClr val="accent2"/>
+          </a:solidFill>
+          <a:ln>
+            <a:noFill/>
+          </a:ln>
+        </p:spPr>
+        <p:style>
+          <a:lnRef idx="2">
+            <a:schemeClr val="accent1">
+              <a:shade val="50000"/>
+            </a:schemeClr>
+          </a:lnRef>
+          <a:fillRef idx="1">
+            <a:schemeClr val="accent1"/>
+          </a:fillRef>
+          <a:effectRef idx="0">
+            <a:schemeClr val="accent1"/>
+          </a:effectRef>
+          <a:fontRef idx="minor">
+            <a:schemeClr val="lt1"/>
+          </a:fontRef>
+        </p:style>
+        <p:txBody>
+          <a:bodyPr rtlCol="0" anchor="ctr"/>
+          <a:lstStyle/>
+          <a:p>
+            <a:pPr algn="ctr"/>
+            <a:endParaRPr lang="en-US">
+              <a:solidFill>
+                <a:schemeClr val="tx1"/>
+              </a:solidFill>
+            </a:endParaRPr>
+          </a:p>
+        </p:txBody>
+      </p:sp>
+      <p:sp>
+        <p:nvSpPr>
+          <p:cNvPr id="11" name="Oval 10"/>
+          <p:cNvSpPr/>
+          <p:nvPr/>
+        </p:nvSpPr>
+        <p:spPr>
+          <a:xfrm>
+            <a:off x="4568940" y="2201281"/>
+            <a:ext cx="137787" cy="137787"/>
+          </a:xfrm>
+          <a:prstGeom prst="ellipse">
+            <a:avLst/>
+          </a:prstGeom>
+          <a:solidFill>
+            <a:schemeClr val="accent2"/>
+          </a:solidFill>
+          <a:ln>
+            <a:noFill/>
+          </a:ln>
+        </p:spPr>
+        <p:style>
+          <a:lnRef idx="2">
+            <a:schemeClr val="accent1">
+              <a:shade val="50000"/>
+            </a:schemeClr>
+          </a:lnRef>
+          <a:fillRef idx="1">
+            <a:schemeClr val="accent1"/>
+          </a:fillRef>
+          <a:effectRef idx="0">
+            <a:schemeClr val="accent1"/>
+          </a:effectRef>
+          <a:fontRef idx="minor">
+            <a:schemeClr val="lt1"/>
+          </a:fontRef>
+        </p:style>
+        <p:txBody>
+          <a:bodyPr rtlCol="0" anchor="ctr"/>
+          <a:lstStyle/>
+          <a:p>
+            <a:pPr algn="ctr"/>
+            <a:endParaRPr lang="en-US">
+              <a:solidFill>
+                <a:schemeClr val="tx1"/>
+              </a:solidFill>
+            </a:endParaRPr>
+          </a:p>
+        </p:txBody>
+      </p:sp>
+      <p:sp>
+        <p:nvSpPr>
+          <p:cNvPr id="12" name="Oval 11"/>
+          <p:cNvSpPr/>
+          <p:nvPr/>
+        </p:nvSpPr>
+        <p:spPr>
+          <a:xfrm>
+            <a:off x="4229622" y="2177115"/>
+            <a:ext cx="137787" cy="137787"/>
+          </a:xfrm>
+          <a:prstGeom prst="ellipse">
+            <a:avLst/>
+          </a:prstGeom>
+          <a:solidFill>
+            <a:schemeClr val="accent2"/>
+          </a:solidFill>
+          <a:ln>
+            <a:noFill/>
+          </a:ln>
+        </p:spPr>
+        <p:style>
+          <a:lnRef idx="2">
+            <a:schemeClr val="accent1">
+              <a:shade val="50000"/>
+            </a:schemeClr>
+          </a:lnRef>
+          <a:fillRef idx="1">
+            <a:schemeClr val="accent1"/>
+          </a:fillRef>
+          <a:effectRef idx="0">
+            <a:schemeClr val="accent1"/>
+          </a:effectRef>
+          <a:fontRef idx="minor">
+            <a:schemeClr val="lt1"/>
+          </a:fontRef>
+        </p:style>
+        <p:txBody>
+          <a:bodyPr rtlCol="0" anchor="ctr"/>
+          <a:lstStyle/>
+          <a:p>
+            <a:pPr algn="ctr"/>
+            <a:endParaRPr lang="en-US">
+              <a:solidFill>
+                <a:schemeClr val="tx1"/>
+              </a:solidFill>
+            </a:endParaRPr>
+          </a:p>
+        </p:txBody>
+      </p:sp>
+      <p:sp>
+        <p:nvSpPr>
+          <p:cNvPr id="13" name="Oval 12"/>
+          <p:cNvSpPr/>
+          <p:nvPr/>
+        </p:nvSpPr>
+        <p:spPr>
+          <a:xfrm>
+            <a:off x="4390373" y="2751550"/>
+            <a:ext cx="137787" cy="137787"/>
+          </a:xfrm>
+          <a:prstGeom prst="ellipse">
+            <a:avLst/>
+          </a:prstGeom>
+          <a:solidFill>
+            <a:schemeClr val="accent2"/>
+          </a:solidFill>
+          <a:ln>
+            <a:noFill/>
+          </a:ln>
+        </p:spPr>
+        <p:style>
+          <a:lnRef idx="2">
+            <a:schemeClr val="accent1">
+              <a:shade val="50000"/>
+            </a:schemeClr>
+          </a:lnRef>
+          <a:fillRef idx="1">
+            <a:schemeClr val="accent1"/>
+          </a:fillRef>
+          <a:effectRef idx="0">
+            <a:schemeClr val="accent1"/>
+          </a:effectRef>
+          <a:fontRef idx="minor">
+            <a:schemeClr val="lt1"/>
+          </a:fontRef>
+        </p:style>
+        <p:txBody>
+          <a:bodyPr rtlCol="0" anchor="ctr"/>
+          <a:lstStyle/>
+          <a:p>
+            <a:pPr algn="ctr"/>
+            <a:endParaRPr lang="en-US">
+              <a:solidFill>
+                <a:schemeClr val="tx1"/>
+              </a:solidFill>
+            </a:endParaRPr>
+          </a:p>
+        </p:txBody>
+      </p:sp>
+      <p:sp>
+        <p:nvSpPr>
+          <p:cNvPr id="14" name="Oval 13"/>
+          <p:cNvSpPr/>
+          <p:nvPr/>
+        </p:nvSpPr>
+        <p:spPr>
+          <a:xfrm>
+            <a:off x="5066851" y="2473652"/>
+            <a:ext cx="137787" cy="137787"/>
+          </a:xfrm>
+          <a:prstGeom prst="ellipse">
+            <a:avLst/>
+          </a:prstGeom>
+          <a:solidFill>
+            <a:schemeClr val="accent2"/>
+          </a:solidFill>
+          <a:ln>
+            <a:noFill/>
+          </a:ln>
+        </p:spPr>
+        <p:style>
+          <a:lnRef idx="2">
+            <a:schemeClr val="accent1">
+              <a:shade val="50000"/>
+            </a:schemeClr>
+          </a:lnRef>
+          <a:fillRef idx="1">
+            <a:schemeClr val="accent1"/>
+          </a:fillRef>
+          <a:effectRef idx="0">
+            <a:schemeClr val="accent1"/>
+          </a:effectRef>
+          <a:fontRef idx="minor">
+            <a:schemeClr val="lt1"/>
+          </a:fontRef>
+        </p:style>
+        <p:txBody>
+          <a:bodyPr rtlCol="0" anchor="ctr"/>
+          <a:lstStyle/>
+          <a:p>
+            <a:pPr algn="ctr"/>
+            <a:endParaRPr lang="en-US">
+              <a:solidFill>
+                <a:schemeClr val="tx1"/>
+              </a:solidFill>
+            </a:endParaRPr>
+          </a:p>
+        </p:txBody>
+      </p:sp>
+      <p:sp>
+        <p:nvSpPr>
+          <p:cNvPr id="15" name="Oval 14"/>
+          <p:cNvSpPr/>
+          <p:nvPr/>
+        </p:nvSpPr>
+        <p:spPr>
+          <a:xfrm>
+            <a:off x="4840446" y="2786713"/>
+            <a:ext cx="137787" cy="137787"/>
+          </a:xfrm>
+          <a:prstGeom prst="ellipse">
+            <a:avLst/>
+          </a:prstGeom>
+          <a:solidFill>
+            <a:schemeClr val="accent2"/>
+          </a:solidFill>
+          <a:ln>
+            <a:noFill/>
+          </a:ln>
+        </p:spPr>
+        <p:style>
+          <a:lnRef idx="2">
+            <a:schemeClr val="accent1">
+              <a:shade val="50000"/>
+            </a:schemeClr>
+          </a:lnRef>
+          <a:fillRef idx="1">
+            <a:schemeClr val="accent1"/>
+          </a:fillRef>
+          <a:effectRef idx="0">
+            <a:schemeClr val="accent1"/>
+          </a:effectRef>
+          <a:fontRef idx="minor">
+            <a:schemeClr val="lt1"/>
+          </a:fontRef>
+        </p:style>
+        <p:txBody>
+          <a:bodyPr rtlCol="0" anchor="ctr"/>
+          <a:lstStyle/>
+          <a:p>
+            <a:pPr algn="ctr"/>
+            <a:endParaRPr lang="en-US">
+              <a:solidFill>
+                <a:schemeClr val="tx1"/>
+              </a:solidFill>
+            </a:endParaRPr>
+          </a:p>
+        </p:txBody>
+      </p:sp>
+      <p:sp>
+        <p:nvSpPr>
+          <p:cNvPr id="16" name="Oval 15"/>
+          <p:cNvSpPr/>
+          <p:nvPr/>
+        </p:nvSpPr>
+        <p:spPr>
+          <a:xfrm>
+            <a:off x="6679764" y="4168828"/>
+            <a:ext cx="137787" cy="137787"/>
+          </a:xfrm>
+          <a:prstGeom prst="ellipse">
+            <a:avLst/>
+          </a:prstGeom>
+          <a:solidFill>
+            <a:srgbClr val="92D050"/>
+          </a:solidFill>
+          <a:ln>
+            <a:noFill/>
+          </a:ln>
+        </p:spPr>
+        <p:style>
+          <a:lnRef idx="2">
+            <a:schemeClr val="accent1">
+              <a:shade val="50000"/>
+            </a:schemeClr>
+          </a:lnRef>
+          <a:fillRef idx="1">
+            <a:schemeClr val="accent1"/>
+          </a:fillRef>
+          <a:effectRef idx="0">
+            <a:schemeClr val="accent1"/>
+          </a:effectRef>
+          <a:fontRef idx="minor">
+            <a:schemeClr val="lt1"/>
+          </a:fontRef>
+        </p:style>
+        <p:txBody>
+          <a:bodyPr rtlCol="0" anchor="ctr"/>
+          <a:lstStyle/>
+          <a:p>
+            <a:pPr algn="ctr"/>
+            <a:endParaRPr lang="en-US">
+              <a:solidFill>
+                <a:schemeClr val="tx1"/>
+              </a:solidFill>
+            </a:endParaRPr>
+          </a:p>
+        </p:txBody>
+      </p:sp>
+      <p:sp>
+        <p:nvSpPr>
+          <p:cNvPr id="17" name="Oval 16"/>
+          <p:cNvSpPr/>
+          <p:nvPr/>
+        </p:nvSpPr>
+        <p:spPr>
+          <a:xfrm>
+            <a:off x="6832164" y="4321228"/>
+            <a:ext cx="137787" cy="137787"/>
+          </a:xfrm>
+          <a:prstGeom prst="ellipse">
+            <a:avLst/>
+          </a:prstGeom>
+          <a:solidFill>
+            <a:srgbClr val="92D050"/>
+          </a:solidFill>
+          <a:ln>
+            <a:noFill/>
+          </a:ln>
+        </p:spPr>
+        <p:style>
+          <a:lnRef idx="2">
+            <a:schemeClr val="accent1">
+              <a:shade val="50000"/>
+            </a:schemeClr>
+          </a:lnRef>
+          <a:fillRef idx="1">
+            <a:schemeClr val="accent1"/>
+          </a:fillRef>
+          <a:effectRef idx="0">
+            <a:schemeClr val="accent1"/>
+          </a:effectRef>
+          <a:fontRef idx="minor">
+            <a:schemeClr val="lt1"/>
+          </a:fontRef>
+        </p:style>
+        <p:txBody>
+          <a:bodyPr rtlCol="0" anchor="ctr"/>
+          <a:lstStyle/>
+          <a:p>
+            <a:pPr algn="ctr"/>
+            <a:endParaRPr lang="en-US">
+              <a:solidFill>
+                <a:schemeClr val="tx1"/>
+              </a:solidFill>
+            </a:endParaRPr>
+          </a:p>
+        </p:txBody>
+      </p:sp>
+      <p:sp>
+        <p:nvSpPr>
+          <p:cNvPr id="18" name="Oval 17"/>
+          <p:cNvSpPr/>
+          <p:nvPr/>
+        </p:nvSpPr>
+        <p:spPr>
+          <a:xfrm>
+            <a:off x="6514185" y="4553449"/>
+            <a:ext cx="137787" cy="137787"/>
+          </a:xfrm>
+          <a:prstGeom prst="ellipse">
+            <a:avLst/>
+          </a:prstGeom>
+          <a:solidFill>
+            <a:srgbClr val="92D050"/>
+          </a:solidFill>
+          <a:ln>
+            <a:noFill/>
+          </a:ln>
+        </p:spPr>
+        <p:style>
+          <a:lnRef idx="2">
+            <a:schemeClr val="accent1">
+              <a:shade val="50000"/>
+            </a:schemeClr>
+          </a:lnRef>
+          <a:fillRef idx="1">
+            <a:schemeClr val="accent1"/>
+          </a:fillRef>
+          <a:effectRef idx="0">
+            <a:schemeClr val="accent1"/>
+          </a:effectRef>
+          <a:fontRef idx="minor">
+            <a:schemeClr val="lt1"/>
+          </a:fontRef>
+        </p:style>
+        <p:txBody>
+          <a:bodyPr rtlCol="0" anchor="ctr"/>
+          <a:lstStyle/>
+          <a:p>
+            <a:pPr algn="ctr"/>
+            <a:endParaRPr lang="en-US">
+              <a:solidFill>
+                <a:schemeClr val="tx1"/>
+              </a:solidFill>
+            </a:endParaRPr>
+          </a:p>
+        </p:txBody>
+      </p:sp>
+      <p:sp>
+        <p:nvSpPr>
+          <p:cNvPr id="19" name="Oval 18"/>
+          <p:cNvSpPr/>
+          <p:nvPr/>
+        </p:nvSpPr>
+        <p:spPr>
+          <a:xfrm>
+            <a:off x="7049778" y="4235457"/>
+            <a:ext cx="137787" cy="137787"/>
+          </a:xfrm>
+          <a:prstGeom prst="ellipse">
+            <a:avLst/>
+          </a:prstGeom>
+          <a:solidFill>
+            <a:srgbClr val="92D050"/>
+          </a:solidFill>
+          <a:ln>
+            <a:noFill/>
+          </a:ln>
+        </p:spPr>
+        <p:style>
+          <a:lnRef idx="2">
+            <a:schemeClr val="accent1">
+              <a:shade val="50000"/>
+            </a:schemeClr>
+          </a:lnRef>
+          <a:fillRef idx="1">
+            <a:schemeClr val="accent1"/>
+          </a:fillRef>
+          <a:effectRef idx="0">
+            <a:schemeClr val="accent1"/>
+          </a:effectRef>
+          <a:fontRef idx="minor">
+            <a:schemeClr val="lt1"/>
+          </a:fontRef>
+        </p:style>
+        <p:txBody>
+          <a:bodyPr rtlCol="0" anchor="ctr"/>
+          <a:lstStyle/>
+          <a:p>
+            <a:pPr algn="ctr"/>
+            <a:endParaRPr lang="en-US">
+              <a:solidFill>
+                <a:schemeClr val="tx1"/>
+              </a:solidFill>
+            </a:endParaRPr>
+          </a:p>
+        </p:txBody>
+      </p:sp>
+      <p:sp>
+        <p:nvSpPr>
+          <p:cNvPr id="20" name="Oval 19"/>
+          <p:cNvSpPr/>
+          <p:nvPr/>
+        </p:nvSpPr>
+        <p:spPr>
+          <a:xfrm>
+            <a:off x="6911991" y="4712200"/>
+            <a:ext cx="137787" cy="137787"/>
+          </a:xfrm>
+          <a:prstGeom prst="ellipse">
+            <a:avLst/>
+          </a:prstGeom>
+          <a:solidFill>
+            <a:srgbClr val="92D050"/>
+          </a:solidFill>
+          <a:ln>
+            <a:noFill/>
+          </a:ln>
+        </p:spPr>
+        <p:style>
+          <a:lnRef idx="2">
+            <a:schemeClr val="accent1">
+              <a:shade val="50000"/>
+            </a:schemeClr>
+          </a:lnRef>
+          <a:fillRef idx="1">
+            <a:schemeClr val="accent1"/>
+          </a:fillRef>
+          <a:effectRef idx="0">
+            <a:schemeClr val="accent1"/>
+          </a:effectRef>
+          <a:fontRef idx="minor">
+            <a:schemeClr val="lt1"/>
+          </a:fontRef>
+        </p:style>
+        <p:txBody>
+          <a:bodyPr rtlCol="0" anchor="ctr"/>
+          <a:lstStyle/>
+          <a:p>
+            <a:pPr algn="ctr"/>
+            <a:endParaRPr lang="en-US">
+              <a:solidFill>
+                <a:schemeClr val="tx1"/>
+              </a:solidFill>
+            </a:endParaRPr>
+          </a:p>
+        </p:txBody>
+      </p:sp>
+      <p:sp>
+        <p:nvSpPr>
+          <p:cNvPr id="21" name="Oval 20"/>
+          <p:cNvSpPr/>
+          <p:nvPr/>
+        </p:nvSpPr>
+        <p:spPr>
+          <a:xfrm>
+            <a:off x="7356954" y="4390121"/>
+            <a:ext cx="137787" cy="137787"/>
+          </a:xfrm>
+          <a:prstGeom prst="ellipse">
+            <a:avLst/>
+          </a:prstGeom>
+          <a:solidFill>
+            <a:srgbClr val="92D050"/>
+          </a:solidFill>
+          <a:ln>
+            <a:noFill/>
+          </a:ln>
+        </p:spPr>
+        <p:style>
+          <a:lnRef idx="2">
+            <a:schemeClr val="accent1">
+              <a:shade val="50000"/>
+            </a:schemeClr>
+          </a:lnRef>
+          <a:fillRef idx="1">
+            <a:schemeClr val="accent1"/>
+          </a:fillRef>
+          <a:effectRef idx="0">
+            <a:schemeClr val="accent1"/>
+          </a:effectRef>
+          <a:fontRef idx="minor">
+            <a:schemeClr val="lt1"/>
+          </a:fontRef>
+        </p:style>
+        <p:txBody>
+          <a:bodyPr rtlCol="0" anchor="ctr"/>
+          <a:lstStyle/>
+          <a:p>
+            <a:pPr algn="ctr"/>
+            <a:endParaRPr lang="en-US">
+              <a:solidFill>
+                <a:schemeClr val="tx1"/>
+              </a:solidFill>
+            </a:endParaRPr>
+          </a:p>
+        </p:txBody>
+      </p:sp>
+      <p:sp>
+        <p:nvSpPr>
+          <p:cNvPr id="22" name="Oval 21"/>
+          <p:cNvSpPr/>
+          <p:nvPr/>
+        </p:nvSpPr>
+        <p:spPr>
+          <a:xfrm>
+            <a:off x="6651972" y="5166734"/>
+            <a:ext cx="137787" cy="137787"/>
+          </a:xfrm>
+          <a:prstGeom prst="ellipse">
+            <a:avLst/>
+          </a:prstGeom>
+          <a:solidFill>
+            <a:srgbClr val="92D050"/>
+          </a:solidFill>
+          <a:ln>
+            <a:noFill/>
+          </a:ln>
+        </p:spPr>
+        <p:style>
+          <a:lnRef idx="2">
+            <a:schemeClr val="accent1">
+              <a:shade val="50000"/>
+            </a:schemeClr>
+          </a:lnRef>
+          <a:fillRef idx="1">
+            <a:schemeClr val="accent1"/>
+          </a:fillRef>
+          <a:effectRef idx="0">
+            <a:schemeClr val="accent1"/>
+          </a:effectRef>
+          <a:fontRef idx="minor">
+            <a:schemeClr val="lt1"/>
+          </a:fontRef>
+        </p:style>
+        <p:txBody>
+          <a:bodyPr rtlCol="0" anchor="ctr"/>
+          <a:lstStyle/>
+          <a:p>
+            <a:pPr algn="ctr"/>
+            <a:endParaRPr lang="en-US">
+              <a:solidFill>
+                <a:schemeClr val="tx1"/>
+              </a:solidFill>
+            </a:endParaRPr>
+          </a:p>
+        </p:txBody>
+      </p:sp>
+      <p:sp>
+        <p:nvSpPr>
+          <p:cNvPr id="23" name="Oval 22"/>
+          <p:cNvSpPr/>
+          <p:nvPr/>
+        </p:nvSpPr>
+        <p:spPr>
+          <a:xfrm>
+            <a:off x="7494741" y="5028947"/>
+            <a:ext cx="137787" cy="137787"/>
+          </a:xfrm>
+          <a:prstGeom prst="ellipse">
+            <a:avLst/>
+          </a:prstGeom>
+          <a:solidFill>
+            <a:srgbClr val="92D050"/>
+          </a:solidFill>
+          <a:ln>
+            <a:noFill/>
+          </a:ln>
+        </p:spPr>
+        <p:style>
+          <a:lnRef idx="2">
+            <a:schemeClr val="accent1">
+              <a:shade val="50000"/>
+            </a:schemeClr>
+          </a:lnRef>
+          <a:fillRef idx="1">
+            <a:schemeClr val="accent1"/>
+          </a:fillRef>
+          <a:effectRef idx="0">
+            <a:schemeClr val="accent1"/>
+          </a:effectRef>
+          <a:fontRef idx="minor">
+            <a:schemeClr val="lt1"/>
+          </a:fontRef>
+        </p:style>
+        <p:txBody>
+          <a:bodyPr rtlCol="0" anchor="ctr"/>
+          <a:lstStyle/>
+          <a:p>
+            <a:pPr algn="ctr"/>
+            <a:endParaRPr lang="en-US">
+              <a:solidFill>
+                <a:schemeClr val="tx1"/>
+              </a:solidFill>
+            </a:endParaRPr>
+          </a:p>
+        </p:txBody>
+      </p:sp>
+      <p:sp>
+        <p:nvSpPr>
+          <p:cNvPr id="24" name="Oval 23"/>
+          <p:cNvSpPr/>
+          <p:nvPr/>
+        </p:nvSpPr>
+        <p:spPr>
+          <a:xfrm>
+            <a:off x="6086351" y="3762451"/>
+            <a:ext cx="137787" cy="137787"/>
+          </a:xfrm>
+          <a:prstGeom prst="ellipse">
+            <a:avLst/>
+          </a:prstGeom>
+          <a:solidFill>
+            <a:schemeClr val="bg1">
+              <a:lumMod val="75000"/>
+            </a:schemeClr>
+          </a:solidFill>
+          <a:ln>
+            <a:noFill/>
+          </a:ln>
+        </p:spPr>
+        <p:style>
+          <a:lnRef idx="2">
+            <a:schemeClr val="accent1">
+              <a:shade val="50000"/>
+            </a:schemeClr>
+          </a:lnRef>
+          <a:fillRef idx="1">
+            <a:schemeClr val="accent1"/>
+          </a:fillRef>
+          <a:effectRef idx="0">
+            <a:schemeClr val="accent1"/>
+          </a:effectRef>
+          <a:fontRef idx="minor">
+            <a:schemeClr val="lt1"/>
+          </a:fontRef>
+        </p:style>
+        <p:txBody>
+          <a:bodyPr rtlCol="0" anchor="ctr"/>
+          <a:lstStyle/>
+          <a:p>
+            <a:pPr algn="ctr"/>
+            <a:endParaRPr lang="en-US">
+              <a:solidFill>
+                <a:schemeClr val="tx1"/>
+              </a:solidFill>
+            </a:endParaRPr>
+          </a:p>
+        </p:txBody>
+      </p:sp>
+      <p:sp>
+        <p:nvSpPr>
+          <p:cNvPr id="25" name="TextBox 24"/>
+          <p:cNvSpPr txBox="1"/>
+          <p:nvPr/>
+        </p:nvSpPr>
+        <p:spPr>
+          <a:xfrm>
+            <a:off x="6164870" y="3510842"/>
+            <a:ext cx="375424" cy="584775"/>
+          </a:xfrm>
+          <a:prstGeom prst="rect">
+            <a:avLst/>
+          </a:prstGeom>
+          <a:noFill/>
+        </p:spPr>
+        <p:txBody>
+          <a:bodyPr wrap="none" rtlCol="0">
+            <a:spAutoFit/>
+          </a:bodyPr>
+          <a:lstStyle/>
+          <a:p>
+            <a:r>
+              <a:rPr lang="en-US" sz="3200" dirty="0" smtClean="0"/>
+              <a:t>?</a:t>
+            </a:r>
+            <a:endParaRPr lang="en-US" sz="3200" dirty="0"/>
+          </a:p>
+        </p:txBody>
+      </p:sp>
+      <p:sp>
+        <p:nvSpPr>
+          <p:cNvPr id="26" name="TextBox 25"/>
+          <p:cNvSpPr txBox="1"/>
+          <p:nvPr/>
+        </p:nvSpPr>
+        <p:spPr>
+          <a:xfrm>
+            <a:off x="8907517" y="3373821"/>
+            <a:ext cx="284052" cy="369332"/>
+          </a:xfrm>
+          <a:prstGeom prst="rect">
+            <a:avLst/>
+          </a:prstGeom>
+          <a:noFill/>
+        </p:spPr>
+        <p:txBody>
+          <a:bodyPr wrap="none" rtlCol="0">
+            <a:spAutoFit/>
+          </a:bodyPr>
+          <a:lstStyle/>
+          <a:p>
+            <a:r>
+              <a:rPr lang="en-US" dirty="0" smtClean="0"/>
+              <a:t>x</a:t>
+            </a:r>
+            <a:endParaRPr lang="en-US" dirty="0"/>
+          </a:p>
+        </p:txBody>
+      </p:sp>
+      <p:sp>
+        <p:nvSpPr>
+          <p:cNvPr id="27" name="TextBox 26"/>
+          <p:cNvSpPr txBox="1"/>
+          <p:nvPr/>
+        </p:nvSpPr>
+        <p:spPr>
+          <a:xfrm>
+            <a:off x="6053959" y="1308538"/>
+            <a:ext cx="288862" cy="369332"/>
+          </a:xfrm>
+          <a:prstGeom prst="rect">
+            <a:avLst/>
+          </a:prstGeom>
+          <a:noFill/>
+        </p:spPr>
+        <p:txBody>
+          <a:bodyPr wrap="none" rtlCol="0">
+            <a:spAutoFit/>
+          </a:bodyPr>
+          <a:lstStyle/>
+          <a:p>
+            <a:r>
+              <a:rPr lang="en-US" dirty="0" smtClean="0"/>
+              <a:t>y</a:t>
+            </a:r>
+            <a:endParaRPr lang="en-US" dirty="0"/>
+          </a:p>
+        </p:txBody>
+      </p:sp>
+      <p:cxnSp>
+        <p:nvCxnSpPr>
+          <p:cNvPr id="29" name="Straight Connector 28"/>
+          <p:cNvCxnSpPr>
+            <a:stCxn id="24" idx="1"/>
+            <a:endCxn id="15" idx="5"/>
+          </p:cNvCxnSpPr>
+          <p:nvPr/>
+        </p:nvCxnSpPr>
+        <p:spPr>
+          <a:xfrm flipH="1" flipV="1">
+            <a:off x="4958055" y="2904322"/>
+            <a:ext cx="1148474" cy="878307"/>
+          </a:xfrm>
+          <a:prstGeom prst="line">
+            <a:avLst/>
+          </a:prstGeom>
+        </p:spPr>
+        <p:style>
+          <a:lnRef idx="1">
+            <a:schemeClr val="accent1"/>
+          </a:lnRef>
+          <a:fillRef idx="0">
+            <a:schemeClr val="accent1"/>
+          </a:fillRef>
+          <a:effectRef idx="0">
+            <a:schemeClr val="accent1"/>
+          </a:effectRef>
+          <a:fontRef idx="minor">
+            <a:schemeClr val="tx1"/>
+          </a:fontRef>
+        </p:style>
+      </p:cxnSp>
+      <p:cxnSp>
+        <p:nvCxnSpPr>
+          <p:cNvPr id="31" name="Straight Connector 30"/>
+          <p:cNvCxnSpPr>
+            <a:stCxn id="24" idx="5"/>
+            <a:endCxn id="16" idx="1"/>
+          </p:cNvCxnSpPr>
+          <p:nvPr/>
+        </p:nvCxnSpPr>
+        <p:spPr>
+          <a:xfrm>
+            <a:off x="6203960" y="3880060"/>
+            <a:ext cx="495982" cy="308946"/>
+          </a:xfrm>
+          <a:prstGeom prst="line">
+            <a:avLst/>
+          </a:prstGeom>
+        </p:spPr>
+        <p:style>
+          <a:lnRef idx="1">
+            <a:schemeClr val="accent1"/>
+          </a:lnRef>
+          <a:fillRef idx="0">
+            <a:schemeClr val="accent1"/>
+          </a:fillRef>
+          <a:effectRef idx="0">
+            <a:schemeClr val="accent1"/>
+          </a:effectRef>
+          <a:fontRef idx="minor">
+            <a:schemeClr val="tx1"/>
+          </a:fontRef>
+        </p:style>
+      </p:cxnSp>
+    </p:spTree>
+    <p:extLst>
+      <p:ext uri="{BB962C8B-B14F-4D97-AF65-F5344CB8AC3E}">
+        <p14:creationId xmlns:p14="http://schemas.microsoft.com/office/powerpoint/2010/main" val="1907083858"/>
+      </p:ext>
+    </p:extLst>
+  </p:cSld>
+  <p:clrMapOvr>
+    <a:masterClrMapping/>
+  </p:clrMapOvr>
+  <p:timing>
+    <p:tnLst>
+      <p:par>
+        <p:cTn id="1" dur="indefinite" restart="never" nodeType="tmRoot">
+          <p:childTnLst>
+            <p:seq concurrent="1" nextAc="seek">
+              <p:cTn id="2" dur="indefinite" nodeType="mainSeq">
+                <p:childTnLst>
+                  <p:par>
+                    <p:cTn id="3" fill="hold">
+                      <p:stCondLst>
+                        <p:cond delay="indefinite"/>
+                      </p:stCondLst>
+                      <p:childTnLst>
+                        <p:par>
+                          <p:cTn id="4" fill="hold">
+                            <p:stCondLst>
+                              <p:cond delay="0"/>
+                            </p:stCondLst>
+                            <p:childTnLst>
+                              <p:par>
+                                <p:cTn id="5" presetID="5" presetClass="entr" presetSubtype="10" fill="hold" grpId="0" nodeType="clickEffect">
+                                  <p:stCondLst>
+                                    <p:cond delay="0"/>
+                                  </p:stCondLst>
+                                  <p:childTnLst>
+                                    <p:set>
+                                      <p:cBhvr>
+                                        <p:cTn id="6" dur="1" fill="hold">
+                                          <p:stCondLst>
+                                            <p:cond delay="0"/>
+                                          </p:stCondLst>
+                                        </p:cTn>
+                                        <p:tgtEl>
+                                          <p:spTgt spid="24"/>
+                                        </p:tgtEl>
+                                        <p:attrNameLst>
+                                          <p:attrName>style.visibility</p:attrName>
+                                        </p:attrNameLst>
+                                      </p:cBhvr>
+                                      <p:to>
+                                        <p:strVal val="visible"/>
+                                      </p:to>
+                                    </p:set>
+                                    <p:animEffect transition="in" filter="checkerboard(across)">
+                                      <p:cBhvr>
+                                        <p:cTn id="7" dur="500"/>
+                                        <p:tgtEl>
+                                          <p:spTgt spid="24"/>
+                                        </p:tgtEl>
+                                      </p:cBhvr>
+                                    </p:animEffect>
+                                  </p:childTnLst>
+                                </p:cTn>
+                              </p:par>
+                              <p:par>
+                                <p:cTn id="8" presetID="5" presetClass="entr" presetSubtype="10" fill="hold" grpId="0" nodeType="withEffect">
+                                  <p:stCondLst>
+                                    <p:cond delay="0"/>
+                                  </p:stCondLst>
+                                  <p:childTnLst>
+                                    <p:set>
+                                      <p:cBhvr>
+                                        <p:cTn id="9" dur="1" fill="hold">
+                                          <p:stCondLst>
+                                            <p:cond delay="0"/>
+                                          </p:stCondLst>
+                                        </p:cTn>
+                                        <p:tgtEl>
+                                          <p:spTgt spid="25"/>
+                                        </p:tgtEl>
+                                        <p:attrNameLst>
+                                          <p:attrName>style.visibility</p:attrName>
+                                        </p:attrNameLst>
+                                      </p:cBhvr>
+                                      <p:to>
+                                        <p:strVal val="visible"/>
+                                      </p:to>
+                                    </p:set>
+                                    <p:animEffect transition="in" filter="checkerboard(across)">
+                                      <p:cBhvr>
+                                        <p:cTn id="10" dur="500"/>
+                                        <p:tgtEl>
+                                          <p:spTgt spid="25"/>
+                                        </p:tgtEl>
+                                      </p:cBhvr>
+                                    </p:animEffect>
+                                  </p:childTnLst>
+                                </p:cTn>
+                              </p:par>
+                            </p:childTnLst>
+                          </p:cTn>
+                        </p:par>
+                      </p:childTnLst>
+                    </p:cTn>
+                  </p:par>
+                  <p:par>
+                    <p:cTn id="11" fill="hold">
+                      <p:stCondLst>
+                        <p:cond delay="indefinite"/>
+                      </p:stCondLst>
+                      <p:childTnLst>
+                        <p:par>
+                          <p:cTn id="12" fill="hold">
+                            <p:stCondLst>
+                              <p:cond delay="0"/>
+                            </p:stCondLst>
+                            <p:childTnLst>
+                              <p:par>
+                                <p:cTn id="13" presetID="5" presetClass="entr" presetSubtype="10" fill="hold" nodeType="clickEffect">
+                                  <p:stCondLst>
+                                    <p:cond delay="0"/>
+                                  </p:stCondLst>
+                                  <p:childTnLst>
+                                    <p:set>
+                                      <p:cBhvr>
+                                        <p:cTn id="14" dur="1" fill="hold">
+                                          <p:stCondLst>
+                                            <p:cond delay="0"/>
+                                          </p:stCondLst>
+                                        </p:cTn>
+                                        <p:tgtEl>
+                                          <p:spTgt spid="29"/>
+                                        </p:tgtEl>
+                                        <p:attrNameLst>
+                                          <p:attrName>style.visibility</p:attrName>
+                                        </p:attrNameLst>
+                                      </p:cBhvr>
+                                      <p:to>
+                                        <p:strVal val="visible"/>
+                                      </p:to>
+                                    </p:set>
+                                    <p:animEffect transition="in" filter="checkerboard(across)">
+                                      <p:cBhvr>
+                                        <p:cTn id="15" dur="500"/>
+                                        <p:tgtEl>
+                                          <p:spTgt spid="29"/>
+                                        </p:tgtEl>
+                                      </p:cBhvr>
+                                    </p:animEffect>
+                                  </p:childTnLst>
+                                </p:cTn>
+                              </p:par>
+                            </p:childTnLst>
+                          </p:cTn>
+                        </p:par>
+                      </p:childTnLst>
+                    </p:cTn>
+                  </p:par>
+                  <p:par>
+                    <p:cTn id="16" fill="hold">
+                      <p:stCondLst>
+                        <p:cond delay="indefinite"/>
+                      </p:stCondLst>
+                      <p:childTnLst>
+                        <p:par>
+                          <p:cTn id="17" fill="hold">
+                            <p:stCondLst>
+                              <p:cond delay="0"/>
+                            </p:stCondLst>
+                            <p:childTnLst>
+                              <p:par>
+                                <p:cTn id="18" presetID="5" presetClass="entr" presetSubtype="10" fill="hold" nodeType="clickEffect">
+                                  <p:stCondLst>
+                                    <p:cond delay="0"/>
+                                  </p:stCondLst>
+                                  <p:childTnLst>
+                                    <p:set>
+                                      <p:cBhvr>
+                                        <p:cTn id="19" dur="1" fill="hold">
+                                          <p:stCondLst>
+                                            <p:cond delay="0"/>
+                                          </p:stCondLst>
+                                        </p:cTn>
+                                        <p:tgtEl>
+                                          <p:spTgt spid="31"/>
+                                        </p:tgtEl>
+                                        <p:attrNameLst>
+                                          <p:attrName>style.visibility</p:attrName>
+                                        </p:attrNameLst>
+                                      </p:cBhvr>
+                                      <p:to>
+                                        <p:strVal val="visible"/>
+                                      </p:to>
+                                    </p:set>
+                                    <p:animEffect transition="in" filter="checkerboard(across)">
+                                      <p:cBhvr>
+                                        <p:cTn id="20" dur="500"/>
+                                        <p:tgtEl>
+                                          <p:spTgt spid="31"/>
+                                        </p:tgtEl>
+                                      </p:cBhvr>
+                                    </p:animEffect>
+                                  </p:childTnLst>
+                                </p:cTn>
+                              </p:par>
+                            </p:childTnLst>
+                          </p:cTn>
+                        </p:par>
+                      </p:childTnLst>
+                    </p:cTn>
+                  </p:par>
+                </p:childTnLst>
+              </p:cTn>
+              <p:prevCondLst>
+                <p:cond evt="onPrev" delay="0">
+                  <p:tgtEl>
+                    <p:sldTgt/>
+                  </p:tgtEl>
+                </p:cond>
+              </p:prevCondLst>
+              <p:nextCondLst>
+                <p:cond evt="onNext" delay="0">
+                  <p:tgtEl>
+                    <p:sldTgt/>
+                  </p:tgtEl>
+                </p:cond>
+              </p:nextCondLst>
+            </p:seq>
+          </p:childTnLst>
+        </p:cTn>
+      </p:par>
+    </p:tnLst>
+    <p:bldLst>
+      <p:bldP spid="24" grpId="0" animBg="1"/>
+      <p:bldP spid="25" grpId="0"/>
+    </p:bldLst>
+  </p:timing>
+</p:sld>
+</file>
+
+<file path=ppt/slides/slide27.xml><?xml version="1.0" encoding="utf-8"?>
+<p:sld xmlns:a="http://schemas.openxmlformats.org/drawingml/2006/main" xmlns:r="http://schemas.openxmlformats.org/officeDocument/2006/relationships" xmlns:p="http://schemas.openxmlformats.org/presentationml/2006/main">
+  <p:cSld>
+    <p:bg>
+      <p:bgPr>
+        <a:solidFill>
+          <a:schemeClr val="bg1"/>
+        </a:solidFill>
+        <a:effectLst/>
+      </p:bgPr>
+    </p:bg>
+    <p:spTree>
+      <p:nvGrpSpPr>
+        <p:cNvPr id="1" name=""/>
+        <p:cNvGrpSpPr/>
+        <p:nvPr/>
+      </p:nvGrpSpPr>
+      <p:grpSpPr>
+        <a:xfrm>
+          <a:off x="0" y="0"/>
+          <a:ext cx="0" cy="0"/>
+          <a:chOff x="0" y="0"/>
+          <a:chExt cx="0" cy="0"/>
+        </a:xfrm>
+      </p:grpSpPr>
+      <p:sp>
+        <p:nvSpPr>
+          <p:cNvPr id="2" name="Title 1"/>
+          <p:cNvSpPr>
+            <a:spLocks noGrp="1"/>
+          </p:cNvSpPr>
+          <p:nvPr>
+            <p:ph type="title"/>
+          </p:nvPr>
+        </p:nvSpPr>
+        <p:spPr/>
+        <p:txBody>
+          <a:bodyPr/>
+          <a:lstStyle/>
+          <a:p>
+            <a:r>
+              <a:rPr lang="zh-CN" altLang="en-US" dirty="0" smtClean="0"/>
+              <a:t>计算两点之间距离</a:t>
+            </a:r>
+            <a:endParaRPr lang="en-US" dirty="0"/>
+          </a:p>
+        </p:txBody>
+      </p:sp>
+      <p:cxnSp>
+        <p:nvCxnSpPr>
+          <p:cNvPr id="5" name="Straight Arrow Connector 4"/>
+          <p:cNvCxnSpPr/>
+          <p:nvPr/>
+        </p:nvCxnSpPr>
+        <p:spPr>
+          <a:xfrm>
+            <a:off x="2916616" y="4776952"/>
+            <a:ext cx="6558455" cy="0"/>
+          </a:xfrm>
+          <a:prstGeom prst="straightConnector1">
+            <a:avLst/>
+          </a:prstGeom>
+          <a:ln>
+            <a:tailEnd type="triangle"/>
+          </a:ln>
+        </p:spPr>
+        <p:style>
+          <a:lnRef idx="1">
+            <a:schemeClr val="accent1"/>
+          </a:lnRef>
+          <a:fillRef idx="0">
+            <a:schemeClr val="accent1"/>
+          </a:fillRef>
+          <a:effectRef idx="0">
+            <a:schemeClr val="accent1"/>
+          </a:effectRef>
+          <a:fontRef idx="minor">
+            <a:schemeClr val="tx1"/>
+          </a:fontRef>
+        </p:style>
+      </p:cxnSp>
+      <p:cxnSp>
+        <p:nvCxnSpPr>
+          <p:cNvPr id="7" name="Straight Arrow Connector 6"/>
+          <p:cNvCxnSpPr/>
+          <p:nvPr/>
+        </p:nvCxnSpPr>
+        <p:spPr>
+          <a:xfrm flipV="1">
+            <a:off x="2916616" y="1387367"/>
+            <a:ext cx="0" cy="3389585"/>
+          </a:xfrm>
+          <a:prstGeom prst="straightConnector1">
+            <a:avLst/>
+          </a:prstGeom>
+          <a:ln>
+            <a:tailEnd type="triangle"/>
+          </a:ln>
+        </p:spPr>
+        <p:style>
+          <a:lnRef idx="1">
+            <a:schemeClr val="accent1"/>
+          </a:lnRef>
+          <a:fillRef idx="0">
+            <a:schemeClr val="accent1"/>
+          </a:fillRef>
+          <a:effectRef idx="0">
+            <a:schemeClr val="accent1"/>
+          </a:effectRef>
+          <a:fontRef idx="minor">
+            <a:schemeClr val="tx1"/>
+          </a:fontRef>
+        </p:style>
+      </p:cxnSp>
+      <p:sp>
+        <p:nvSpPr>
+          <p:cNvPr id="10" name="TextBox 9"/>
+          <p:cNvSpPr txBox="1"/>
+          <p:nvPr/>
+        </p:nvSpPr>
+        <p:spPr>
+          <a:xfrm>
+            <a:off x="9191019" y="4324272"/>
+            <a:ext cx="284052" cy="369332"/>
+          </a:xfrm>
+          <a:prstGeom prst="rect">
+            <a:avLst/>
+          </a:prstGeom>
+          <a:noFill/>
+        </p:spPr>
+        <p:txBody>
+          <a:bodyPr wrap="none" rtlCol="0">
+            <a:spAutoFit/>
+          </a:bodyPr>
+          <a:lstStyle/>
+          <a:p>
+            <a:r>
+              <a:rPr lang="en-US" dirty="0" smtClean="0"/>
+              <a:t>x</a:t>
+            </a:r>
+            <a:endParaRPr lang="en-US" dirty="0"/>
+          </a:p>
+        </p:txBody>
+      </p:sp>
+      <p:sp>
+        <p:nvSpPr>
+          <p:cNvPr id="11" name="TextBox 10"/>
+          <p:cNvSpPr txBox="1"/>
+          <p:nvPr/>
+        </p:nvSpPr>
+        <p:spPr>
+          <a:xfrm>
+            <a:off x="3153095" y="1418894"/>
+            <a:ext cx="288862" cy="369332"/>
+          </a:xfrm>
+          <a:prstGeom prst="rect">
+            <a:avLst/>
+          </a:prstGeom>
+          <a:noFill/>
+        </p:spPr>
+        <p:txBody>
+          <a:bodyPr wrap="none" rtlCol="0">
+            <a:spAutoFit/>
+          </a:bodyPr>
+          <a:lstStyle/>
+          <a:p>
+            <a:r>
+              <a:rPr lang="en-US" dirty="0" smtClean="0"/>
+              <a:t>y</a:t>
+            </a:r>
+            <a:endParaRPr lang="en-US" dirty="0"/>
+          </a:p>
+        </p:txBody>
+      </p:sp>
+      <p:sp>
+        <p:nvSpPr>
+          <p:cNvPr id="12" name="Oval 11"/>
+          <p:cNvSpPr/>
+          <p:nvPr/>
+        </p:nvSpPr>
+        <p:spPr>
+          <a:xfrm>
+            <a:off x="4319750" y="4162103"/>
+            <a:ext cx="141889" cy="141889"/>
+          </a:xfrm>
+          <a:prstGeom prst="ellipse">
+            <a:avLst/>
+          </a:prstGeom>
+        </p:spPr>
+        <p:style>
+          <a:lnRef idx="2">
+            <a:schemeClr val="accent1">
+              <a:shade val="50000"/>
+            </a:schemeClr>
+          </a:lnRef>
+          <a:fillRef idx="1">
+            <a:schemeClr val="accent1"/>
+          </a:fillRef>
+          <a:effectRef idx="0">
+            <a:schemeClr val="accent1"/>
+          </a:effectRef>
+          <a:fontRef idx="minor">
+            <a:schemeClr val="lt1"/>
+          </a:fontRef>
+        </p:style>
+        <p:txBody>
+          <a:bodyPr rtlCol="0" anchor="ctr"/>
+          <a:lstStyle/>
+          <a:p>
+            <a:pPr algn="ctr"/>
+            <a:endParaRPr lang="en-US">
+              <a:solidFill>
+                <a:schemeClr val="tx1"/>
+              </a:solidFill>
+            </a:endParaRPr>
+          </a:p>
+        </p:txBody>
+      </p:sp>
+      <p:sp>
+        <p:nvSpPr>
+          <p:cNvPr id="13" name="Oval 12"/>
+          <p:cNvSpPr/>
+          <p:nvPr/>
+        </p:nvSpPr>
+        <p:spPr>
+          <a:xfrm>
+            <a:off x="6111766" y="2233447"/>
+            <a:ext cx="141889" cy="141889"/>
+          </a:xfrm>
+          <a:prstGeom prst="ellipse">
+            <a:avLst/>
+          </a:prstGeom>
+        </p:spPr>
+        <p:style>
+          <a:lnRef idx="2">
+            <a:schemeClr val="accent1">
+              <a:shade val="50000"/>
+            </a:schemeClr>
+          </a:lnRef>
+          <a:fillRef idx="1">
+            <a:schemeClr val="accent1"/>
+          </a:fillRef>
+          <a:effectRef idx="0">
+            <a:schemeClr val="accent1"/>
+          </a:effectRef>
+          <a:fontRef idx="minor">
+            <a:schemeClr val="lt1"/>
+          </a:fontRef>
+        </p:style>
+        <p:txBody>
+          <a:bodyPr rtlCol="0" anchor="ctr"/>
+          <a:lstStyle/>
+          <a:p>
+            <a:pPr algn="ctr"/>
+            <a:endParaRPr lang="en-US">
+              <a:solidFill>
+                <a:schemeClr val="tx1"/>
+              </a:solidFill>
+            </a:endParaRPr>
+          </a:p>
+        </p:txBody>
+      </p:sp>
+      <p:sp>
+        <p:nvSpPr>
+          <p:cNvPr id="14" name="TextBox 13"/>
+          <p:cNvSpPr txBox="1"/>
+          <p:nvPr/>
+        </p:nvSpPr>
+        <p:spPr>
+          <a:xfrm>
+            <a:off x="6213762" y="2135917"/>
+            <a:ext cx="821059" cy="369332"/>
+          </a:xfrm>
+          <a:prstGeom prst="rect">
+            <a:avLst/>
+          </a:prstGeom>
+          <a:noFill/>
+        </p:spPr>
+        <p:txBody>
+          <a:bodyPr wrap="none" rtlCol="0">
+            <a:spAutoFit/>
+          </a:bodyPr>
+          <a:lstStyle/>
+          <a:p>
+            <a:r>
+              <a:rPr lang="en-US" smtClean="0"/>
+              <a:t>(x1,y1)</a:t>
+            </a:r>
+            <a:endParaRPr lang="en-US" dirty="0"/>
+          </a:p>
+        </p:txBody>
+      </p:sp>
+      <p:sp>
+        <p:nvSpPr>
+          <p:cNvPr id="15" name="TextBox 14"/>
+          <p:cNvSpPr txBox="1"/>
+          <p:nvPr/>
+        </p:nvSpPr>
+        <p:spPr>
+          <a:xfrm>
+            <a:off x="3774762" y="4303992"/>
+            <a:ext cx="821059" cy="369332"/>
+          </a:xfrm>
+          <a:prstGeom prst="rect">
+            <a:avLst/>
+          </a:prstGeom>
+          <a:noFill/>
+        </p:spPr>
+        <p:txBody>
+          <a:bodyPr wrap="none" rtlCol="0">
+            <a:spAutoFit/>
+          </a:bodyPr>
+          <a:lstStyle/>
+          <a:p>
+            <a:r>
+              <a:rPr lang="en-US" dirty="0" smtClean="0"/>
+              <a:t>(x2,y2)</a:t>
+            </a:r>
+            <a:endParaRPr lang="en-US" dirty="0"/>
+          </a:p>
+        </p:txBody>
+      </p:sp>
+      <p:cxnSp>
+        <p:nvCxnSpPr>
+          <p:cNvPr id="18" name="Straight Connector 17"/>
+          <p:cNvCxnSpPr/>
+          <p:nvPr/>
+        </p:nvCxnSpPr>
+        <p:spPr>
+          <a:xfrm>
+            <a:off x="3297526" y="4233047"/>
+            <a:ext cx="5278915" cy="0"/>
+          </a:xfrm>
+          <a:prstGeom prst="line">
+            <a:avLst/>
+          </a:prstGeom>
+          <a:ln>
+            <a:prstDash val="dash"/>
+          </a:ln>
+        </p:spPr>
+        <p:style>
+          <a:lnRef idx="1">
+            <a:schemeClr val="accent1"/>
+          </a:lnRef>
+          <a:fillRef idx="0">
+            <a:schemeClr val="accent1"/>
+          </a:fillRef>
+          <a:effectRef idx="0">
+            <a:schemeClr val="accent1"/>
+          </a:effectRef>
+          <a:fontRef idx="minor">
+            <a:schemeClr val="tx1"/>
+          </a:fontRef>
+        </p:style>
+      </p:cxnSp>
+      <p:cxnSp>
+        <p:nvCxnSpPr>
+          <p:cNvPr id="20" name="Straight Connector 19"/>
+          <p:cNvCxnSpPr/>
+          <p:nvPr/>
+        </p:nvCxnSpPr>
+        <p:spPr>
+          <a:xfrm>
+            <a:off x="6182710" y="1387367"/>
+            <a:ext cx="0" cy="3222889"/>
+          </a:xfrm>
+          <a:prstGeom prst="line">
+            <a:avLst/>
+          </a:prstGeom>
+          <a:ln>
+            <a:prstDash val="dash"/>
+          </a:ln>
+        </p:spPr>
+        <p:style>
+          <a:lnRef idx="1">
+            <a:schemeClr val="accent1"/>
+          </a:lnRef>
+          <a:fillRef idx="0">
+            <a:schemeClr val="accent1"/>
+          </a:fillRef>
+          <a:effectRef idx="0">
+            <a:schemeClr val="accent1"/>
+          </a:effectRef>
+          <a:fontRef idx="minor">
+            <a:schemeClr val="tx1"/>
+          </a:fontRef>
+        </p:style>
+      </p:cxnSp>
+      <p:cxnSp>
+        <p:nvCxnSpPr>
+          <p:cNvPr id="22" name="Straight Connector 21"/>
+          <p:cNvCxnSpPr/>
+          <p:nvPr/>
+        </p:nvCxnSpPr>
+        <p:spPr>
+          <a:xfrm flipV="1">
+            <a:off x="4083269" y="1907628"/>
+            <a:ext cx="2570400" cy="2601310"/>
+          </a:xfrm>
+          <a:prstGeom prst="line">
+            <a:avLst/>
+          </a:prstGeom>
+          <a:ln>
+            <a:prstDash val="dash"/>
+          </a:ln>
+        </p:spPr>
+        <p:style>
+          <a:lnRef idx="1">
+            <a:schemeClr val="accent1"/>
+          </a:lnRef>
+          <a:fillRef idx="0">
+            <a:schemeClr val="accent1"/>
+          </a:fillRef>
+          <a:effectRef idx="0">
+            <a:schemeClr val="accent1"/>
+          </a:effectRef>
+          <a:fontRef idx="minor">
+            <a:schemeClr val="tx1"/>
+          </a:fontRef>
+        </p:style>
+      </p:cxnSp>
+      <p:sp>
+        <p:nvSpPr>
+          <p:cNvPr id="24" name="TextBox 23"/>
+          <p:cNvSpPr txBox="1"/>
+          <p:nvPr/>
+        </p:nvSpPr>
+        <p:spPr>
+          <a:xfrm>
+            <a:off x="5029197" y="4193621"/>
+            <a:ext cx="909864" cy="369332"/>
+          </a:xfrm>
+          <a:prstGeom prst="rect">
+            <a:avLst/>
+          </a:prstGeom>
+          <a:noFill/>
+        </p:spPr>
+        <p:txBody>
+          <a:bodyPr wrap="none" rtlCol="0">
+            <a:spAutoFit/>
+          </a:bodyPr>
+          <a:lstStyle/>
+          <a:p>
+            <a:r>
+              <a:rPr lang="en-US" dirty="0" smtClean="0"/>
+              <a:t>a=x1-x2</a:t>
+            </a:r>
+            <a:endParaRPr lang="en-US" dirty="0"/>
+          </a:p>
+        </p:txBody>
+      </p:sp>
+      <p:sp>
+        <p:nvSpPr>
+          <p:cNvPr id="25" name="TextBox 24"/>
+          <p:cNvSpPr txBox="1"/>
+          <p:nvPr/>
+        </p:nvSpPr>
+        <p:spPr>
+          <a:xfrm>
+            <a:off x="6243141" y="3279228"/>
+            <a:ext cx="932819" cy="369332"/>
+          </a:xfrm>
+          <a:prstGeom prst="rect">
+            <a:avLst/>
+          </a:prstGeom>
+          <a:noFill/>
+        </p:spPr>
+        <p:txBody>
+          <a:bodyPr wrap="none" rtlCol="0">
+            <a:spAutoFit/>
+          </a:bodyPr>
+          <a:lstStyle/>
+          <a:p>
+            <a:r>
+              <a:rPr lang="en-US" dirty="0"/>
+              <a:t>b</a:t>
+            </a:r>
+            <a:r>
+              <a:rPr lang="en-US" dirty="0" smtClean="0"/>
+              <a:t>=y1-y2</a:t>
+            </a:r>
+            <a:endParaRPr lang="en-US" dirty="0"/>
+          </a:p>
+        </p:txBody>
+      </p:sp>
+      <p:sp>
+        <p:nvSpPr>
+          <p:cNvPr id="26" name="TextBox 25"/>
+          <p:cNvSpPr txBox="1"/>
+          <p:nvPr/>
+        </p:nvSpPr>
+        <p:spPr>
+          <a:xfrm>
+            <a:off x="4644715" y="2998811"/>
+            <a:ext cx="359394" cy="369332"/>
+          </a:xfrm>
+          <a:prstGeom prst="rect">
+            <a:avLst/>
+          </a:prstGeom>
+          <a:noFill/>
+        </p:spPr>
+        <p:txBody>
+          <a:bodyPr wrap="none" rtlCol="0">
+            <a:spAutoFit/>
+          </a:bodyPr>
+          <a:lstStyle/>
+          <a:p>
+            <a:r>
+              <a:rPr lang="en-US" dirty="0" smtClean="0"/>
+              <a:t>c²</a:t>
+            </a:r>
+            <a:endParaRPr lang="en-US" dirty="0"/>
+          </a:p>
+        </p:txBody>
+      </p:sp>
+      <p:sp>
+        <p:nvSpPr>
+          <p:cNvPr id="27" name="TextBox 26"/>
+          <p:cNvSpPr txBox="1"/>
+          <p:nvPr/>
+        </p:nvSpPr>
+        <p:spPr>
+          <a:xfrm>
+            <a:off x="4067503" y="5108024"/>
+            <a:ext cx="3112840" cy="369332"/>
+          </a:xfrm>
+          <a:prstGeom prst="rect">
+            <a:avLst/>
+          </a:prstGeom>
+          <a:noFill/>
+        </p:spPr>
+        <p:txBody>
+          <a:bodyPr wrap="none" rtlCol="0">
+            <a:spAutoFit/>
+          </a:bodyPr>
+          <a:lstStyle/>
+          <a:p>
+            <a:r>
+              <a:rPr lang="zh-CN" altLang="en-US" dirty="0" smtClean="0"/>
+              <a:t>二维点距离 </a:t>
+            </a:r>
+            <a:r>
+              <a:rPr lang="en-US" altLang="zh-CN" dirty="0" smtClean="0"/>
+              <a:t>distance</a:t>
+            </a:r>
+            <a:r>
+              <a:rPr lang="en-US" dirty="0" smtClean="0"/>
+              <a:t>²=d1²+d2²</a:t>
+            </a:r>
+            <a:endParaRPr lang="en-US" dirty="0"/>
+          </a:p>
+        </p:txBody>
+      </p:sp>
+      <p:sp>
+        <p:nvSpPr>
+          <p:cNvPr id="28" name="TextBox 27"/>
+          <p:cNvSpPr txBox="1"/>
+          <p:nvPr/>
+        </p:nvSpPr>
+        <p:spPr>
+          <a:xfrm>
+            <a:off x="4083269" y="5508896"/>
+            <a:ext cx="3544047" cy="369332"/>
+          </a:xfrm>
+          <a:prstGeom prst="rect">
+            <a:avLst/>
+          </a:prstGeom>
+          <a:noFill/>
+        </p:spPr>
+        <p:txBody>
+          <a:bodyPr wrap="none" rtlCol="0">
+            <a:spAutoFit/>
+          </a:bodyPr>
+          <a:lstStyle/>
+          <a:p>
+            <a:r>
+              <a:rPr lang="zh-CN" altLang="en-US" dirty="0" smtClean="0"/>
+              <a:t>三维点距离 </a:t>
+            </a:r>
+            <a:r>
+              <a:rPr lang="en-US" altLang="zh-CN" dirty="0" smtClean="0"/>
+              <a:t>distance</a:t>
+            </a:r>
+            <a:r>
+              <a:rPr lang="en-US" dirty="0" smtClean="0"/>
+              <a:t>²=d1²+d2²+d3</a:t>
+            </a:r>
+            <a:r>
+              <a:rPr lang="en-US" dirty="0"/>
+              <a:t>²</a:t>
+            </a:r>
+          </a:p>
+        </p:txBody>
+      </p:sp>
+      <p:sp>
+        <p:nvSpPr>
+          <p:cNvPr id="30" name="TextBox 29"/>
+          <p:cNvSpPr txBox="1"/>
+          <p:nvPr/>
+        </p:nvSpPr>
+        <p:spPr>
+          <a:xfrm>
+            <a:off x="4078009" y="5960844"/>
+            <a:ext cx="4254178" cy="369332"/>
+          </a:xfrm>
+          <a:prstGeom prst="rect">
+            <a:avLst/>
+          </a:prstGeom>
+          <a:noFill/>
+        </p:spPr>
+        <p:txBody>
+          <a:bodyPr wrap="none" rtlCol="0">
+            <a:spAutoFit/>
+          </a:bodyPr>
+          <a:lstStyle/>
+          <a:p>
+            <a:r>
+              <a:rPr lang="zh-CN" altLang="en-US" dirty="0" smtClean="0"/>
+              <a:t>多维点距离 </a:t>
+            </a:r>
+            <a:r>
+              <a:rPr lang="en-US" altLang="zh-CN" dirty="0" smtClean="0"/>
+              <a:t>distance</a:t>
+            </a:r>
+            <a:r>
+              <a:rPr lang="en-US" dirty="0" smtClean="0"/>
+              <a:t>²=d1²+d2²+d3²+</a:t>
+            </a:r>
+            <a:r>
+              <a:rPr lang="mr-IN" dirty="0" smtClean="0"/>
+              <a:t>…</a:t>
+            </a:r>
+            <a:r>
+              <a:rPr lang="en-US" dirty="0" smtClean="0"/>
+              <a:t>+dn</a:t>
+            </a:r>
+            <a:r>
+              <a:rPr lang="en-US" dirty="0"/>
+              <a:t>²</a:t>
+            </a:r>
+          </a:p>
+        </p:txBody>
+      </p:sp>
+      <p:sp>
+        <p:nvSpPr>
+          <p:cNvPr id="31" name="TextBox 30"/>
+          <p:cNvSpPr txBox="1"/>
+          <p:nvPr/>
+        </p:nvSpPr>
+        <p:spPr>
+          <a:xfrm>
+            <a:off x="4886153" y="3013115"/>
+            <a:ext cx="801823" cy="369332"/>
+          </a:xfrm>
+          <a:prstGeom prst="rect">
+            <a:avLst/>
+          </a:prstGeom>
+          <a:noFill/>
+        </p:spPr>
+        <p:txBody>
+          <a:bodyPr wrap="none" rtlCol="0">
+            <a:spAutoFit/>
+          </a:bodyPr>
+          <a:lstStyle/>
+          <a:p>
+            <a:r>
+              <a:rPr lang="en-US"/>
+              <a:t>=</a:t>
+            </a:r>
+            <a:r>
+              <a:rPr lang="en-US" smtClean="0"/>
+              <a:t>a²+b²</a:t>
+            </a:r>
+            <a:endParaRPr lang="en-US"/>
+          </a:p>
+        </p:txBody>
+      </p:sp>
+    </p:spTree>
+    <p:extLst>
+      <p:ext uri="{BB962C8B-B14F-4D97-AF65-F5344CB8AC3E}">
+        <p14:creationId xmlns:p14="http://schemas.microsoft.com/office/powerpoint/2010/main" val="1972270246"/>
+      </p:ext>
+    </p:extLst>
+  </p:cSld>
+  <p:clrMapOvr>
+    <a:masterClrMapping/>
+  </p:clrMapOvr>
+  <p:timing>
+    <p:tnLst>
+      <p:par>
+        <p:cTn id="1" dur="indefinite" restart="never" nodeType="tmRoot">
+          <p:childTnLst>
+            <p:seq concurrent="1" nextAc="seek">
+              <p:cTn id="2" dur="indefinite" nodeType="mainSeq">
+                <p:childTnLst>
+                  <p:par>
+                    <p:cTn id="3" fill="hold">
+                      <p:stCondLst>
+                        <p:cond delay="indefinite"/>
+                      </p:stCondLst>
+                      <p:childTnLst>
+                        <p:par>
+                          <p:cTn id="4" fill="hold">
+                            <p:stCondLst>
+                              <p:cond delay="0"/>
+                            </p:stCondLst>
+                            <p:childTnLst>
+                              <p:par>
+                                <p:cTn id="5" presetID="5" presetClass="entr" presetSubtype="10" fill="hold" grpId="0" nodeType="clickEffect">
+                                  <p:stCondLst>
+                                    <p:cond delay="0"/>
+                                  </p:stCondLst>
+                                  <p:childTnLst>
+                                    <p:set>
+                                      <p:cBhvr>
+                                        <p:cTn id="6" dur="1" fill="hold">
+                                          <p:stCondLst>
+                                            <p:cond delay="0"/>
+                                          </p:stCondLst>
+                                        </p:cTn>
+                                        <p:tgtEl>
+                                          <p:spTgt spid="24"/>
+                                        </p:tgtEl>
+                                        <p:attrNameLst>
+                                          <p:attrName>style.visibility</p:attrName>
+                                        </p:attrNameLst>
+                                      </p:cBhvr>
+                                      <p:to>
+                                        <p:strVal val="visible"/>
+                                      </p:to>
+                                    </p:set>
+                                    <p:animEffect transition="in" filter="checkerboard(across)">
+                                      <p:cBhvr>
+                                        <p:cTn id="7" dur="500"/>
+                                        <p:tgtEl>
+                                          <p:spTgt spid="24"/>
+                                        </p:tgtEl>
+                                      </p:cBhvr>
+                                    </p:animEffect>
+                                  </p:childTnLst>
+                                </p:cTn>
+                              </p:par>
+                              <p:par>
+                                <p:cTn id="8" presetID="5" presetClass="entr" presetSubtype="10" fill="hold" nodeType="withEffect">
+                                  <p:stCondLst>
+                                    <p:cond delay="0"/>
+                                  </p:stCondLst>
+                                  <p:childTnLst>
+                                    <p:set>
+                                      <p:cBhvr>
+                                        <p:cTn id="9" dur="1" fill="hold">
+                                          <p:stCondLst>
+                                            <p:cond delay="0"/>
+                                          </p:stCondLst>
+                                        </p:cTn>
+                                        <p:tgtEl>
+                                          <p:spTgt spid="20"/>
+                                        </p:tgtEl>
+                                        <p:attrNameLst>
+                                          <p:attrName>style.visibility</p:attrName>
+                                        </p:attrNameLst>
+                                      </p:cBhvr>
+                                      <p:to>
+                                        <p:strVal val="visible"/>
+                                      </p:to>
+                                    </p:set>
+                                    <p:animEffect transition="in" filter="checkerboard(across)">
+                                      <p:cBhvr>
+                                        <p:cTn id="10" dur="500"/>
+                                        <p:tgtEl>
+                                          <p:spTgt spid="20"/>
+                                        </p:tgtEl>
+                                      </p:cBhvr>
+                                    </p:animEffect>
+                                  </p:childTnLst>
+                                </p:cTn>
+                              </p:par>
+                              <p:par>
+                                <p:cTn id="11" presetID="5" presetClass="entr" presetSubtype="10" fill="hold" nodeType="withEffect">
+                                  <p:stCondLst>
+                                    <p:cond delay="0"/>
+                                  </p:stCondLst>
+                                  <p:childTnLst>
+                                    <p:set>
+                                      <p:cBhvr>
+                                        <p:cTn id="12" dur="1" fill="hold">
+                                          <p:stCondLst>
+                                            <p:cond delay="0"/>
+                                          </p:stCondLst>
+                                        </p:cTn>
+                                        <p:tgtEl>
+                                          <p:spTgt spid="22"/>
+                                        </p:tgtEl>
+                                        <p:attrNameLst>
+                                          <p:attrName>style.visibility</p:attrName>
+                                        </p:attrNameLst>
+                                      </p:cBhvr>
+                                      <p:to>
+                                        <p:strVal val="visible"/>
+                                      </p:to>
+                                    </p:set>
+                                    <p:animEffect transition="in" filter="checkerboard(across)">
+                                      <p:cBhvr>
+                                        <p:cTn id="13" dur="500"/>
+                                        <p:tgtEl>
+                                          <p:spTgt spid="22"/>
+                                        </p:tgtEl>
+                                      </p:cBhvr>
+                                    </p:animEffect>
+                                  </p:childTnLst>
+                                </p:cTn>
+                              </p:par>
+                              <p:par>
+                                <p:cTn id="14" presetID="5" presetClass="entr" presetSubtype="10" fill="hold" nodeType="withEffect">
+                                  <p:stCondLst>
+                                    <p:cond delay="0"/>
+                                  </p:stCondLst>
+                                  <p:childTnLst>
+                                    <p:set>
+                                      <p:cBhvr>
+                                        <p:cTn id="15" dur="1" fill="hold">
+                                          <p:stCondLst>
+                                            <p:cond delay="0"/>
+                                          </p:stCondLst>
+                                        </p:cTn>
+                                        <p:tgtEl>
+                                          <p:spTgt spid="18"/>
+                                        </p:tgtEl>
+                                        <p:attrNameLst>
+                                          <p:attrName>style.visibility</p:attrName>
+                                        </p:attrNameLst>
+                                      </p:cBhvr>
+                                      <p:to>
+                                        <p:strVal val="visible"/>
+                                      </p:to>
+                                    </p:set>
+                                    <p:animEffect transition="in" filter="checkerboard(across)">
+                                      <p:cBhvr>
+                                        <p:cTn id="16" dur="500"/>
+                                        <p:tgtEl>
+                                          <p:spTgt spid="18"/>
+                                        </p:tgtEl>
+                                      </p:cBhvr>
+                                    </p:animEffect>
+                                  </p:childTnLst>
+                                </p:cTn>
+                              </p:par>
+                              <p:par>
+                                <p:cTn id="17" presetID="5" presetClass="entr" presetSubtype="10" fill="hold" grpId="0" nodeType="withEffect">
+                                  <p:stCondLst>
+                                    <p:cond delay="0"/>
+                                  </p:stCondLst>
+                                  <p:childTnLst>
+                                    <p:set>
+                                      <p:cBhvr>
+                                        <p:cTn id="18" dur="1" fill="hold">
+                                          <p:stCondLst>
+                                            <p:cond delay="0"/>
+                                          </p:stCondLst>
+                                        </p:cTn>
+                                        <p:tgtEl>
+                                          <p:spTgt spid="26"/>
+                                        </p:tgtEl>
+                                        <p:attrNameLst>
+                                          <p:attrName>style.visibility</p:attrName>
+                                        </p:attrNameLst>
+                                      </p:cBhvr>
+                                      <p:to>
+                                        <p:strVal val="visible"/>
+                                      </p:to>
+                                    </p:set>
+                                    <p:animEffect transition="in" filter="checkerboard(across)">
+                                      <p:cBhvr>
+                                        <p:cTn id="19" dur="500"/>
+                                        <p:tgtEl>
+                                          <p:spTgt spid="26"/>
+                                        </p:tgtEl>
+                                      </p:cBhvr>
+                                    </p:animEffect>
+                                  </p:childTnLst>
+                                </p:cTn>
+                              </p:par>
+                              <p:par>
+                                <p:cTn id="20" presetID="5" presetClass="entr" presetSubtype="10" fill="hold" grpId="0" nodeType="withEffect">
+                                  <p:stCondLst>
+                                    <p:cond delay="0"/>
+                                  </p:stCondLst>
+                                  <p:childTnLst>
+                                    <p:set>
+                                      <p:cBhvr>
+                                        <p:cTn id="21" dur="1" fill="hold">
+                                          <p:stCondLst>
+                                            <p:cond delay="0"/>
+                                          </p:stCondLst>
+                                        </p:cTn>
+                                        <p:tgtEl>
+                                          <p:spTgt spid="25"/>
+                                        </p:tgtEl>
+                                        <p:attrNameLst>
+                                          <p:attrName>style.visibility</p:attrName>
+                                        </p:attrNameLst>
+                                      </p:cBhvr>
+                                      <p:to>
+                                        <p:strVal val="visible"/>
+                                      </p:to>
+                                    </p:set>
+                                    <p:animEffect transition="in" filter="checkerboard(across)">
+                                      <p:cBhvr>
+                                        <p:cTn id="22" dur="500"/>
+                                        <p:tgtEl>
+                                          <p:spTgt spid="25"/>
+                                        </p:tgtEl>
+                                      </p:cBhvr>
+                                    </p:animEffect>
+                                  </p:childTnLst>
+                                </p:cTn>
+                              </p:par>
+                            </p:childTnLst>
+                          </p:cTn>
+                        </p:par>
+                      </p:childTnLst>
+                    </p:cTn>
+                  </p:par>
+                  <p:par>
+                    <p:cTn id="23" fill="hold">
+                      <p:stCondLst>
+                        <p:cond delay="indefinite"/>
+                      </p:stCondLst>
+                      <p:childTnLst>
+                        <p:par>
+                          <p:cTn id="24" fill="hold">
+                            <p:stCondLst>
+                              <p:cond delay="0"/>
+                            </p:stCondLst>
+                            <p:childTnLst>
+                              <p:par>
+                                <p:cTn id="25" presetID="5" presetClass="entr" presetSubtype="10" fill="hold" grpId="0" nodeType="clickEffect">
+                                  <p:stCondLst>
+                                    <p:cond delay="0"/>
+                                  </p:stCondLst>
+                                  <p:childTnLst>
+                                    <p:set>
+                                      <p:cBhvr>
+                                        <p:cTn id="26" dur="1" fill="hold">
+                                          <p:stCondLst>
+                                            <p:cond delay="0"/>
+                                          </p:stCondLst>
+                                        </p:cTn>
+                                        <p:tgtEl>
+                                          <p:spTgt spid="31"/>
+                                        </p:tgtEl>
+                                        <p:attrNameLst>
+                                          <p:attrName>style.visibility</p:attrName>
+                                        </p:attrNameLst>
+                                      </p:cBhvr>
+                                      <p:to>
+                                        <p:strVal val="visible"/>
+                                      </p:to>
+                                    </p:set>
+                                    <p:animEffect transition="in" filter="checkerboard(across)">
+                                      <p:cBhvr>
+                                        <p:cTn id="27" dur="500"/>
+                                        <p:tgtEl>
+                                          <p:spTgt spid="31"/>
+                                        </p:tgtEl>
+                                      </p:cBhvr>
+                                    </p:animEffect>
+                                  </p:childTnLst>
+                                </p:cTn>
+                              </p:par>
+                              <p:par>
+                                <p:cTn id="28" presetID="5" presetClass="entr" presetSubtype="10" fill="hold" nodeType="withEffect">
+                                  <p:stCondLst>
+                                    <p:cond delay="0"/>
+                                  </p:stCondLst>
+                                  <p:childTnLst>
+                                    <p:set>
+                                      <p:cBhvr>
+                                        <p:cTn id="29" dur="1" fill="hold">
+                                          <p:stCondLst>
+                                            <p:cond delay="0"/>
+                                          </p:stCondLst>
+                                        </p:cTn>
+                                        <p:tgtEl>
+                                          <p:spTgt spid="18"/>
+                                        </p:tgtEl>
+                                        <p:attrNameLst>
+                                          <p:attrName>style.visibility</p:attrName>
+                                        </p:attrNameLst>
+                                      </p:cBhvr>
+                                      <p:to>
+                                        <p:strVal val="visible"/>
+                                      </p:to>
+                                    </p:set>
+                                    <p:animEffect transition="in" filter="checkerboard(across)">
+                                      <p:cBhvr>
+                                        <p:cTn id="30" dur="500"/>
+                                        <p:tgtEl>
+                                          <p:spTgt spid="18"/>
+                                        </p:tgtEl>
+                                      </p:cBhvr>
+                                    </p:animEffect>
+                                  </p:childTnLst>
+                                </p:cTn>
+                              </p:par>
+                            </p:childTnLst>
+                          </p:cTn>
+                        </p:par>
+                      </p:childTnLst>
+                    </p:cTn>
+                  </p:par>
+                  <p:par>
+                    <p:cTn id="31" fill="hold">
+                      <p:stCondLst>
+                        <p:cond delay="indefinite"/>
+                      </p:stCondLst>
+                      <p:childTnLst>
+                        <p:par>
+                          <p:cTn id="32" fill="hold">
+                            <p:stCondLst>
+                              <p:cond delay="0"/>
+                            </p:stCondLst>
+                            <p:childTnLst>
+                              <p:par>
+                                <p:cTn id="33" presetID="5" presetClass="entr" presetSubtype="10" fill="hold" grpId="0" nodeType="clickEffect">
+                                  <p:stCondLst>
+                                    <p:cond delay="0"/>
+                                  </p:stCondLst>
+                                  <p:childTnLst>
+                                    <p:set>
+                                      <p:cBhvr>
+                                        <p:cTn id="34" dur="1" fill="hold">
+                                          <p:stCondLst>
+                                            <p:cond delay="0"/>
+                                          </p:stCondLst>
+                                        </p:cTn>
+                                        <p:tgtEl>
+                                          <p:spTgt spid="27"/>
+                                        </p:tgtEl>
+                                        <p:attrNameLst>
+                                          <p:attrName>style.visibility</p:attrName>
+                                        </p:attrNameLst>
+                                      </p:cBhvr>
+                                      <p:to>
+                                        <p:strVal val="visible"/>
+                                      </p:to>
+                                    </p:set>
+                                    <p:animEffect transition="in" filter="checkerboard(across)">
+                                      <p:cBhvr>
+                                        <p:cTn id="35" dur="500"/>
+                                        <p:tgtEl>
+                                          <p:spTgt spid="27"/>
+                                        </p:tgtEl>
+                                      </p:cBhvr>
+                                    </p:animEffect>
+                                  </p:childTnLst>
+                                </p:cTn>
+                              </p:par>
+                            </p:childTnLst>
+                          </p:cTn>
+                        </p:par>
+                      </p:childTnLst>
+                    </p:cTn>
+                  </p:par>
+                  <p:par>
+                    <p:cTn id="36" fill="hold">
+                      <p:stCondLst>
+                        <p:cond delay="indefinite"/>
+                      </p:stCondLst>
+                      <p:childTnLst>
+                        <p:par>
+                          <p:cTn id="37" fill="hold">
+                            <p:stCondLst>
+                              <p:cond delay="0"/>
+                            </p:stCondLst>
+                            <p:childTnLst>
+                              <p:par>
+                                <p:cTn id="38" presetID="5" presetClass="entr" presetSubtype="10" fill="hold" grpId="0" nodeType="clickEffect">
+                                  <p:stCondLst>
+                                    <p:cond delay="0"/>
+                                  </p:stCondLst>
+                                  <p:childTnLst>
+                                    <p:set>
+                                      <p:cBhvr>
+                                        <p:cTn id="39" dur="1" fill="hold">
+                                          <p:stCondLst>
+                                            <p:cond delay="0"/>
+                                          </p:stCondLst>
+                                        </p:cTn>
+                                        <p:tgtEl>
+                                          <p:spTgt spid="28"/>
+                                        </p:tgtEl>
+                                        <p:attrNameLst>
+                                          <p:attrName>style.visibility</p:attrName>
+                                        </p:attrNameLst>
+                                      </p:cBhvr>
+                                      <p:to>
+                                        <p:strVal val="visible"/>
+                                      </p:to>
+                                    </p:set>
+                                    <p:animEffect transition="in" filter="checkerboard(across)">
+                                      <p:cBhvr>
+                                        <p:cTn id="40" dur="500"/>
+                                        <p:tgtEl>
+                                          <p:spTgt spid="28"/>
+                                        </p:tgtEl>
+                                      </p:cBhvr>
+                                    </p:animEffect>
+                                  </p:childTnLst>
+                                </p:cTn>
+                              </p:par>
+                            </p:childTnLst>
+                          </p:cTn>
+                        </p:par>
+                      </p:childTnLst>
+                    </p:cTn>
+                  </p:par>
+                  <p:par>
+                    <p:cTn id="41" fill="hold">
+                      <p:stCondLst>
+                        <p:cond delay="indefinite"/>
+                      </p:stCondLst>
+                      <p:childTnLst>
+                        <p:par>
+                          <p:cTn id="42" fill="hold">
+                            <p:stCondLst>
+                              <p:cond delay="0"/>
+                            </p:stCondLst>
+                            <p:childTnLst>
+                              <p:par>
+                                <p:cTn id="43" presetID="5" presetClass="entr" presetSubtype="10" fill="hold" grpId="0" nodeType="clickEffect">
+                                  <p:stCondLst>
+                                    <p:cond delay="0"/>
+                                  </p:stCondLst>
+                                  <p:childTnLst>
+                                    <p:set>
+                                      <p:cBhvr>
+                                        <p:cTn id="44" dur="1" fill="hold">
+                                          <p:stCondLst>
+                                            <p:cond delay="0"/>
+                                          </p:stCondLst>
+                                        </p:cTn>
+                                        <p:tgtEl>
+                                          <p:spTgt spid="30"/>
+                                        </p:tgtEl>
+                                        <p:attrNameLst>
+                                          <p:attrName>style.visibility</p:attrName>
+                                        </p:attrNameLst>
+                                      </p:cBhvr>
+                                      <p:to>
+                                        <p:strVal val="visible"/>
+                                      </p:to>
+                                    </p:set>
+                                    <p:animEffect transition="in" filter="checkerboard(across)">
+                                      <p:cBhvr>
+                                        <p:cTn id="45" dur="500"/>
+                                        <p:tgtEl>
+                                          <p:spTgt spid="30"/>
+                                        </p:tgtEl>
+                                      </p:cBhvr>
+                                    </p:animEffect>
+                                  </p:childTnLst>
+                                </p:cTn>
+                              </p:par>
+                            </p:childTnLst>
+                          </p:cTn>
+                        </p:par>
+                      </p:childTnLst>
+                    </p:cTn>
+                  </p:par>
+                </p:childTnLst>
+              </p:cTn>
+              <p:prevCondLst>
+                <p:cond evt="onPrev" delay="0">
+                  <p:tgtEl>
+                    <p:sldTgt/>
+                  </p:tgtEl>
+                </p:cond>
+              </p:prevCondLst>
+              <p:nextCondLst>
+                <p:cond evt="onNext" delay="0">
+                  <p:tgtEl>
+                    <p:sldTgt/>
+                  </p:tgtEl>
+                </p:cond>
+              </p:nextCondLst>
+            </p:seq>
+          </p:childTnLst>
+        </p:cTn>
+      </p:par>
+    </p:tnLst>
+    <p:bldLst>
+      <p:bldP spid="24" grpId="0"/>
+      <p:bldP spid="25" grpId="0"/>
+      <p:bldP spid="26" grpId="0"/>
+      <p:bldP spid="27" grpId="0"/>
+      <p:bldP spid="28" grpId="0"/>
+      <p:bldP spid="30" grpId="0"/>
+      <p:bldP spid="31" grpId="0"/>
+    </p:bldLst>
+  </p:timing>
+</p:sld>
+</file>
+
+<file path=ppt/slides/slide28.xml><?xml version="1.0" encoding="utf-8"?>
+<p:sld xmlns:a="http://schemas.openxmlformats.org/drawingml/2006/main" xmlns:r="http://schemas.openxmlformats.org/officeDocument/2006/relationships" xmlns:p="http://schemas.openxmlformats.org/presentationml/2006/main">
+  <p:cSld>
+    <p:spTree>
+      <p:nvGrpSpPr>
+        <p:cNvPr id="1" name=""/>
+        <p:cNvGrpSpPr/>
+        <p:nvPr/>
+      </p:nvGrpSpPr>
+      <p:grpSpPr>
+        <a:xfrm>
+          <a:off x="0" y="0"/>
+          <a:ext cx="0" cy="0"/>
+          <a:chOff x="0" y="0"/>
+          <a:chExt cx="0" cy="0"/>
+        </a:xfrm>
+      </p:grpSpPr>
+      <p:sp>
+        <p:nvSpPr>
+          <p:cNvPr id="2" name="Title 1"/>
+          <p:cNvSpPr>
+            <a:spLocks noGrp="1"/>
+          </p:cNvSpPr>
+          <p:nvPr>
+            <p:ph type="title"/>
+          </p:nvPr>
+        </p:nvSpPr>
+        <p:spPr/>
+        <p:txBody>
+          <a:bodyPr/>
+          <a:lstStyle/>
+          <a:p>
+            <a:r>
+              <a:rPr lang="zh-CN" altLang="en-US" dirty="0" smtClean="0"/>
+              <a:t>图片数据</a:t>
+            </a:r>
+            <a:endParaRPr lang="en-US" dirty="0"/>
+          </a:p>
+        </p:txBody>
+      </p:sp>
+      <p:sp>
+        <p:nvSpPr>
+          <p:cNvPr id="3" name="Content Placeholder 2"/>
+          <p:cNvSpPr>
+            <a:spLocks noGrp="1"/>
+          </p:cNvSpPr>
+          <p:nvPr>
+            <p:ph idx="1"/>
+          </p:nvPr>
+        </p:nvSpPr>
+        <p:spPr>
+          <a:xfrm>
+            <a:off x="838200" y="1352659"/>
+            <a:ext cx="10515600" cy="4054913"/>
+          </a:xfrm>
+        </p:spPr>
+        <p:txBody>
+          <a:bodyPr>
+            <a:normAutofit fontScale="70000" lnSpcReduction="20000"/>
+          </a:bodyPr>
+          <a:lstStyle/>
+          <a:p>
+            <a:r>
+              <a:rPr lang="de-DE"/>
+              <a:t>[255 255 255 255 255 255 255 255 255 255 255 255 255 255 255 255 255 255 255 255 255 255 255 255 255 255 255 255 192 208 255 255 255 255 255 255 255 255 255 255 255 255 255 255 255 255 255 112   0   0  16  80 160 255 255 255 255 255 255 255 255 255 255 255 255 240  96   0   0   0   0   0   0  80 255 255 255 255 255 255 255 255 255 255 255  64   0  48 176 255 208 144  32   0 128 255 255 255 255 255 255 255 255 255 160   0  80 255 255 255 255 255 224   0   0 255 255 255 255 255 255 255 255 240  16   0 224 255 255 255 255 255 255  48   0 192 255 255 255 255 255 255 255 160   0  96 255 255 255 255 255 255 255  64   0 192 255 255 255 255 255 255 255  80   0 160 255 255 255 255 255 255 255  64   0 192 255 255 255 255 255 255 255  64   0 192 255 255 255 255 255 255 255  16   0 240 255 255 255 255 255 255 255  64   0 192 255 255 255 255 255 255 208   0  48 255 255 255 255 255 255 255 255  96   0 112 255 255 255 255 255 255  96   0 144 255 255 255 255 255 255 255 255 192   0  16 208 255 255 255 255 144   0  32 240 255 255 255 255 255 255 255 255 255  64   0  16 112 192 192 112   0  16 208 255 255 255 255 255 255 255 255 255 255 240  80   0   0   0   0   0  32 208 255 255 255 255 255 255 255 255 255 255 255 255 255 176  64  64  64 112 240 255 255 255 255 255 255 255 255 255 255 255 255 255 255 255 255 255 255 255 255 255 255 255 255 255 255 255 255 255 255 255 255 255 255 255 255 255 255 255 255 255 255 255 255 255 255 255 255 255 255 255 255 255 255 255 255 255 255 255 255 255 255 255 255 255 255 255 255 255 255 255 255 255 255 255 255 255 255 255 255 255 255 255 255 255 255 255 255]</a:t>
+            </a:r>
+            <a:endParaRPr lang="en-US" dirty="0"/>
+          </a:p>
+        </p:txBody>
+      </p:sp>
+      <p:sp>
+        <p:nvSpPr>
+          <p:cNvPr id="4" name="TextBox 3"/>
+          <p:cNvSpPr txBox="1"/>
+          <p:nvPr/>
+        </p:nvSpPr>
+        <p:spPr>
+          <a:xfrm>
+            <a:off x="5075528" y="5810331"/>
+            <a:ext cx="2040943" cy="584775"/>
+          </a:xfrm>
+          <a:prstGeom prst="rect">
+            <a:avLst/>
+          </a:prstGeom>
+          <a:noFill/>
+        </p:spPr>
+        <p:txBody>
+          <a:bodyPr wrap="none" rtlCol="0">
+            <a:spAutoFit/>
+          </a:bodyPr>
+          <a:lstStyle/>
+          <a:p>
+            <a:r>
+              <a:rPr lang="en-US" sz="3200" dirty="0" smtClean="0"/>
+              <a:t>400</a:t>
+            </a:r>
+            <a:r>
+              <a:rPr lang="zh-CN" altLang="en-US" sz="3200" dirty="0" smtClean="0"/>
+              <a:t>维坐标</a:t>
+            </a:r>
+            <a:endParaRPr lang="en-US" sz="3200" dirty="0"/>
+          </a:p>
+        </p:txBody>
+      </p:sp>
+    </p:spTree>
+    <p:extLst>
+      <p:ext uri="{BB962C8B-B14F-4D97-AF65-F5344CB8AC3E}">
+        <p14:creationId xmlns:p14="http://schemas.microsoft.com/office/powerpoint/2010/main" val="802244358"/>
+      </p:ext>
+    </p:extLst>
+  </p:cSld>
+  <p:clrMapOvr>
+    <a:masterClrMapping/>
+  </p:clrMapOvr>
+  <p:timing>
+    <p:tnLst>
+      <p:par>
+        <p:cTn id="1" dur="indefinite" restart="never" nodeType="tmRoot">
+          <p:childTnLst>
+            <p:seq concurrent="1" nextAc="seek">
+              <p:cTn id="2" dur="indefinite" nodeType="mainSeq">
+                <p:childTnLst>
+                  <p:par>
+                    <p:cTn id="3" fill="hold">
+                      <p:stCondLst>
+                        <p:cond delay="indefinite"/>
+                      </p:stCondLst>
+                      <p:childTnLst>
+                        <p:par>
+                          <p:cTn id="4" fill="hold">
+                            <p:stCondLst>
+                              <p:cond delay="0"/>
+                            </p:stCondLst>
+                            <p:childTnLst>
+                              <p:par>
+                                <p:cTn id="5" presetID="5" presetClass="entr" presetSubtype="10" fill="hold" nodeType="clickEffect">
+                                  <p:stCondLst>
+                                    <p:cond delay="0"/>
+                                  </p:stCondLst>
+                                  <p:childTnLst>
+                                    <p:set>
+                                      <p:cBhvr>
+                                        <p:cTn id="6" dur="1" fill="hold">
+                                          <p:stCondLst>
+                                            <p:cond delay="0"/>
+                                          </p:stCondLst>
+                                        </p:cTn>
+                                        <p:tgtEl>
+                                          <p:spTgt spid="4">
+                                            <p:txEl>
+                                              <p:pRg st="0" end="0"/>
+                                            </p:txEl>
+                                          </p:spTgt>
+                                        </p:tgtEl>
+                                        <p:attrNameLst>
+                                          <p:attrName>style.visibility</p:attrName>
+                                        </p:attrNameLst>
+                                      </p:cBhvr>
+                                      <p:to>
+                                        <p:strVal val="visible"/>
+                                      </p:to>
+                                    </p:set>
+                                    <p:animEffect transition="in" filter="checkerboard(across)">
+                                      <p:cBhvr>
+                                        <p:cTn id="7" dur="500"/>
+                                        <p:tgtEl>
+                                          <p:spTgt spid="4">
+                                            <p:txEl>
+                                              <p:pRg st="0" end="0"/>
+                                            </p:txEl>
+                                          </p:spTgt>
+                                        </p:tgtEl>
+                                      </p:cBhvr>
+                                    </p:animEffect>
+                                  </p:childTnLst>
+                                </p:cTn>
+                              </p:par>
+                            </p:childTnLst>
+                          </p:cTn>
+                        </p:par>
+                      </p:childTnLst>
+                    </p:cTn>
+                  </p:par>
+                </p:childTnLst>
+              </p:cTn>
+              <p:prevCondLst>
+                <p:cond evt="onPrev" delay="0">
+                  <p:tgtEl>
+                    <p:sldTgt/>
+                  </p:tgtEl>
+                </p:cond>
+              </p:prevCondLst>
+              <p:nextCondLst>
+                <p:cond evt="onNext" delay="0">
+                  <p:tgtEl>
+                    <p:sldTgt/>
+                  </p:tgtEl>
+                </p:cond>
+              </p:nextCondLst>
+            </p:seq>
+          </p:childTnLst>
+        </p:cTn>
+      </p:par>
+    </p:tnLst>
   </p:timing>
 </p:sld>
 </file>

--- a/机器学习之手写识别.pptx
+++ b/机器学习之手写识别.pptx
@@ -322,7 +322,7 @@
           <a:p>
             <a:fld id="{1F6C1808-FC4B-3644-BDA2-BAA4F954847D}" type="datetimeFigureOut">
               <a:rPr lang="en-US" smtClean="0"/>
-              <a:t>3/15/18</a:t>
+              <a:t>3/19/18</a:t>
             </a:fld>
             <a:endParaRPr lang="en-US"/>
           </a:p>
@@ -492,7 +492,7 @@
           <a:p>
             <a:fld id="{1F6C1808-FC4B-3644-BDA2-BAA4F954847D}" type="datetimeFigureOut">
               <a:rPr lang="en-US" smtClean="0"/>
-              <a:t>3/15/18</a:t>
+              <a:t>3/19/18</a:t>
             </a:fld>
             <a:endParaRPr lang="en-US"/>
           </a:p>
@@ -672,7 +672,7 @@
           <a:p>
             <a:fld id="{1F6C1808-FC4B-3644-BDA2-BAA4F954847D}" type="datetimeFigureOut">
               <a:rPr lang="en-US" smtClean="0"/>
-              <a:t>3/15/18</a:t>
+              <a:t>3/19/18</a:t>
             </a:fld>
             <a:endParaRPr lang="en-US"/>
           </a:p>
@@ -842,7 +842,7 @@
           <a:p>
             <a:fld id="{1F6C1808-FC4B-3644-BDA2-BAA4F954847D}" type="datetimeFigureOut">
               <a:rPr lang="en-US" smtClean="0"/>
-              <a:t>3/15/18</a:t>
+              <a:t>3/19/18</a:t>
             </a:fld>
             <a:endParaRPr lang="en-US"/>
           </a:p>
@@ -1088,7 +1088,7 @@
           <a:p>
             <a:fld id="{1F6C1808-FC4B-3644-BDA2-BAA4F954847D}" type="datetimeFigureOut">
               <a:rPr lang="en-US" smtClean="0"/>
-              <a:t>3/15/18</a:t>
+              <a:t>3/19/18</a:t>
             </a:fld>
             <a:endParaRPr lang="en-US"/>
           </a:p>
@@ -1320,7 +1320,7 @@
           <a:p>
             <a:fld id="{1F6C1808-FC4B-3644-BDA2-BAA4F954847D}" type="datetimeFigureOut">
               <a:rPr lang="en-US" smtClean="0"/>
-              <a:t>3/15/18</a:t>
+              <a:t>3/19/18</a:t>
             </a:fld>
             <a:endParaRPr lang="en-US"/>
           </a:p>
@@ -1687,7 +1687,7 @@
           <a:p>
             <a:fld id="{1F6C1808-FC4B-3644-BDA2-BAA4F954847D}" type="datetimeFigureOut">
               <a:rPr lang="en-US" smtClean="0"/>
-              <a:t>3/15/18</a:t>
+              <a:t>3/19/18</a:t>
             </a:fld>
             <a:endParaRPr lang="en-US"/>
           </a:p>
@@ -1805,7 +1805,7 @@
           <a:p>
             <a:fld id="{1F6C1808-FC4B-3644-BDA2-BAA4F954847D}" type="datetimeFigureOut">
               <a:rPr lang="en-US" smtClean="0"/>
-              <a:t>3/15/18</a:t>
+              <a:t>3/19/18</a:t>
             </a:fld>
             <a:endParaRPr lang="en-US"/>
           </a:p>
@@ -1900,7 +1900,7 @@
           <a:p>
             <a:fld id="{1F6C1808-FC4B-3644-BDA2-BAA4F954847D}" type="datetimeFigureOut">
               <a:rPr lang="en-US" smtClean="0"/>
-              <a:t>3/15/18</a:t>
+              <a:t>3/19/18</a:t>
             </a:fld>
             <a:endParaRPr lang="en-US"/>
           </a:p>
@@ -2177,7 +2177,7 @@
           <a:p>
             <a:fld id="{1F6C1808-FC4B-3644-BDA2-BAA4F954847D}" type="datetimeFigureOut">
               <a:rPr lang="en-US" smtClean="0"/>
-              <a:t>3/15/18</a:t>
+              <a:t>3/19/18</a:t>
             </a:fld>
             <a:endParaRPr lang="en-US"/>
           </a:p>
@@ -2430,7 +2430,7 @@
           <a:p>
             <a:fld id="{1F6C1808-FC4B-3644-BDA2-BAA4F954847D}" type="datetimeFigureOut">
               <a:rPr lang="en-US" smtClean="0"/>
-              <a:t>3/15/18</a:t>
+              <a:t>3/19/18</a:t>
             </a:fld>
             <a:endParaRPr lang="en-US"/>
           </a:p>
@@ -2643,7 +2643,7 @@
           <a:p>
             <a:fld id="{1F6C1808-FC4B-3644-BDA2-BAA4F954847D}" type="datetimeFigureOut">
               <a:rPr lang="en-US" smtClean="0"/>
-              <a:t>3/15/18</a:t>
+              <a:t>3/19/18</a:t>
             </a:fld>
             <a:endParaRPr lang="en-US"/>
           </a:p>
@@ -5524,7 +5524,7 @@
         </p:nvSpPr>
         <p:spPr>
           <a:xfrm>
-            <a:off x="1601959" y="3228475"/>
+            <a:off x="1664589" y="4192977"/>
             <a:ext cx="342378" cy="342378"/>
           </a:xfrm>
           <a:prstGeom prst="rect">
@@ -5580,8 +5580,8 @@
         </p:blipFill>
         <p:spPr>
           <a:xfrm>
-            <a:off x="3925610" y="2478230"/>
-            <a:ext cx="2590800" cy="2489200"/>
+            <a:off x="3976410" y="2478230"/>
+            <a:ext cx="2489200" cy="2489200"/>
           </a:xfrm>
           <a:prstGeom prst="rect">
             <a:avLst/>
@@ -5595,8 +5595,8 @@
           <p:nvPr/>
         </p:nvSpPr>
         <p:spPr>
-          <a:xfrm>
-            <a:off x="1960103" y="3326521"/>
+          <a:xfrm rot="20425066">
+            <a:off x="1971400" y="3925598"/>
             <a:ext cx="1949741" cy="244332"/>
           </a:xfrm>
           <a:prstGeom prst="rightArrow">
@@ -5636,7 +5636,7 @@
         </p:nvSpPr>
         <p:spPr>
           <a:xfrm>
-            <a:off x="3941376" y="2474732"/>
+            <a:off x="4067502" y="4618851"/>
             <a:ext cx="108000" cy="108000"/>
           </a:xfrm>
           <a:prstGeom prst="rect">
@@ -5645,7 +5645,7 @@
           <a:noFill/>
           <a:ln w="38100">
             <a:solidFill>
-              <a:schemeClr val="tx1"/>
+              <a:schemeClr val="accent1"/>
             </a:solidFill>
           </a:ln>
         </p:spPr>
@@ -5770,13 +5770,14 @@
           <p:cNvPr id="15" name="Straight Arrow Connector 14"/>
           <p:cNvCxnSpPr>
             <a:stCxn id="10" idx="3"/>
+            <a:endCxn id="13" idx="1"/>
           </p:cNvCxnSpPr>
           <p:nvPr/>
         </p:nvCxnSpPr>
         <p:spPr>
-          <a:xfrm>
-            <a:off x="4049376" y="2528732"/>
-            <a:ext cx="3155465" cy="1194098"/>
+          <a:xfrm flipV="1">
+            <a:off x="4175502" y="3722830"/>
+            <a:ext cx="3173433" cy="950021"/>
           </a:xfrm>
           <a:prstGeom prst="straightConnector1">
             <a:avLst/>

--- a/机器学习之手写识别.pptx
+++ b/机器学习之手写识别.pptx
@@ -22,17 +22,19 @@
     <p:sldId id="264" r:id="rId16"/>
     <p:sldId id="271" r:id="rId17"/>
     <p:sldId id="272" r:id="rId18"/>
-    <p:sldId id="277" r:id="rId19"/>
-    <p:sldId id="273" r:id="rId20"/>
-    <p:sldId id="274" r:id="rId21"/>
-    <p:sldId id="275" r:id="rId22"/>
-    <p:sldId id="276" r:id="rId23"/>
-    <p:sldId id="278" r:id="rId24"/>
-    <p:sldId id="279" r:id="rId25"/>
-    <p:sldId id="280" r:id="rId26"/>
-    <p:sldId id="281" r:id="rId27"/>
-    <p:sldId id="282" r:id="rId28"/>
-    <p:sldId id="283" r:id="rId29"/>
+    <p:sldId id="284" r:id="rId19"/>
+    <p:sldId id="285" r:id="rId20"/>
+    <p:sldId id="277" r:id="rId21"/>
+    <p:sldId id="273" r:id="rId22"/>
+    <p:sldId id="274" r:id="rId23"/>
+    <p:sldId id="275" r:id="rId24"/>
+    <p:sldId id="276" r:id="rId25"/>
+    <p:sldId id="278" r:id="rId26"/>
+    <p:sldId id="279" r:id="rId27"/>
+    <p:sldId id="280" r:id="rId28"/>
+    <p:sldId id="281" r:id="rId29"/>
+    <p:sldId id="282" r:id="rId30"/>
+    <p:sldId id="283" r:id="rId31"/>
   </p:sldIdLst>
   <p:sldSz cx="12192000" cy="6858000"/>
   <p:notesSz cx="6858000" cy="9144000"/>
@@ -163,6 +165,12 @@
             <p14:sldId id="272"/>
           </p14:sldIdLst>
         </p14:section>
+        <p14:section name="JavaScript获取图片数据" id="{60047BBF-AB2B-B940-ADDB-7F93C7252342}">
+          <p14:sldIdLst>
+            <p14:sldId id="284"/>
+            <p14:sldId id="285"/>
+          </p14:sldIdLst>
+        </p14:section>
         <p14:section name="手写识别原理" id="{FEAA8BB8-61E1-BF43-9761-75F4248FC9AD}">
           <p14:sldIdLst>
             <p14:sldId id="277"/>
@@ -322,7 +330,7 @@
           <a:p>
             <a:fld id="{1F6C1808-FC4B-3644-BDA2-BAA4F954847D}" type="datetimeFigureOut">
               <a:rPr lang="en-US" smtClean="0"/>
-              <a:t>3/19/18</a:t>
+              <a:t>3/21/18</a:t>
             </a:fld>
             <a:endParaRPr lang="en-US"/>
           </a:p>
@@ -492,7 +500,7 @@
           <a:p>
             <a:fld id="{1F6C1808-FC4B-3644-BDA2-BAA4F954847D}" type="datetimeFigureOut">
               <a:rPr lang="en-US" smtClean="0"/>
-              <a:t>3/19/18</a:t>
+              <a:t>3/21/18</a:t>
             </a:fld>
             <a:endParaRPr lang="en-US"/>
           </a:p>
@@ -672,7 +680,7 @@
           <a:p>
             <a:fld id="{1F6C1808-FC4B-3644-BDA2-BAA4F954847D}" type="datetimeFigureOut">
               <a:rPr lang="en-US" smtClean="0"/>
-              <a:t>3/19/18</a:t>
+              <a:t>3/21/18</a:t>
             </a:fld>
             <a:endParaRPr lang="en-US"/>
           </a:p>
@@ -842,7 +850,7 @@
           <a:p>
             <a:fld id="{1F6C1808-FC4B-3644-BDA2-BAA4F954847D}" type="datetimeFigureOut">
               <a:rPr lang="en-US" smtClean="0"/>
-              <a:t>3/19/18</a:t>
+              <a:t>3/21/18</a:t>
             </a:fld>
             <a:endParaRPr lang="en-US"/>
           </a:p>
@@ -1088,7 +1096,7 @@
           <a:p>
             <a:fld id="{1F6C1808-FC4B-3644-BDA2-BAA4F954847D}" type="datetimeFigureOut">
               <a:rPr lang="en-US" smtClean="0"/>
-              <a:t>3/19/18</a:t>
+              <a:t>3/21/18</a:t>
             </a:fld>
             <a:endParaRPr lang="en-US"/>
           </a:p>
@@ -1320,7 +1328,7 @@
           <a:p>
             <a:fld id="{1F6C1808-FC4B-3644-BDA2-BAA4F954847D}" type="datetimeFigureOut">
               <a:rPr lang="en-US" smtClean="0"/>
-              <a:t>3/19/18</a:t>
+              <a:t>3/21/18</a:t>
             </a:fld>
             <a:endParaRPr lang="en-US"/>
           </a:p>
@@ -1687,7 +1695,7 @@
           <a:p>
             <a:fld id="{1F6C1808-FC4B-3644-BDA2-BAA4F954847D}" type="datetimeFigureOut">
               <a:rPr lang="en-US" smtClean="0"/>
-              <a:t>3/19/18</a:t>
+              <a:t>3/21/18</a:t>
             </a:fld>
             <a:endParaRPr lang="en-US"/>
           </a:p>
@@ -1805,7 +1813,7 @@
           <a:p>
             <a:fld id="{1F6C1808-FC4B-3644-BDA2-BAA4F954847D}" type="datetimeFigureOut">
               <a:rPr lang="en-US" smtClean="0"/>
-              <a:t>3/19/18</a:t>
+              <a:t>3/21/18</a:t>
             </a:fld>
             <a:endParaRPr lang="en-US"/>
           </a:p>
@@ -1900,7 +1908,7 @@
           <a:p>
             <a:fld id="{1F6C1808-FC4B-3644-BDA2-BAA4F954847D}" type="datetimeFigureOut">
               <a:rPr lang="en-US" smtClean="0"/>
-              <a:t>3/19/18</a:t>
+              <a:t>3/21/18</a:t>
             </a:fld>
             <a:endParaRPr lang="en-US"/>
           </a:p>
@@ -2177,7 +2185,7 @@
           <a:p>
             <a:fld id="{1F6C1808-FC4B-3644-BDA2-BAA4F954847D}" type="datetimeFigureOut">
               <a:rPr lang="en-US" smtClean="0"/>
-              <a:t>3/19/18</a:t>
+              <a:t>3/21/18</a:t>
             </a:fld>
             <a:endParaRPr lang="en-US"/>
           </a:p>
@@ -2430,7 +2438,7 @@
           <a:p>
             <a:fld id="{1F6C1808-FC4B-3644-BDA2-BAA4F954847D}" type="datetimeFigureOut">
               <a:rPr lang="en-US" smtClean="0"/>
-              <a:t>3/19/18</a:t>
+              <a:t>3/21/18</a:t>
             </a:fld>
             <a:endParaRPr lang="en-US"/>
           </a:p>
@@ -2643,7 +2651,7 @@
           <a:p>
             <a:fld id="{1F6C1808-FC4B-3644-BDA2-BAA4F954847D}" type="datetimeFigureOut">
               <a:rPr lang="en-US" smtClean="0"/>
-              <a:t>3/19/18</a:t>
+              <a:t>3/21/18</a:t>
             </a:fld>
             <a:endParaRPr lang="en-US"/>
           </a:p>
@@ -7685,8 +7693,8 @@
         </p:nvSpPr>
         <p:spPr>
           <a:xfrm>
-            <a:off x="4272776" y="2528461"/>
-            <a:ext cx="3889917" cy="1325563"/>
+            <a:off x="3130463" y="2644862"/>
+            <a:ext cx="6001011" cy="1325563"/>
           </a:xfrm>
         </p:spPr>
         <p:txBody>
@@ -7694,8 +7702,12 @@
           <a:lstStyle/>
           <a:p>
             <a:r>
+              <a:rPr lang="en-US" dirty="0" smtClean="0"/>
+              <a:t>JavaScript</a:t>
+            </a:r>
+            <a:r>
               <a:rPr lang="zh-CN" altLang="en-US" dirty="0" smtClean="0"/>
-              <a:t>手写识别原理</a:t>
+              <a:t>获取图片数据</a:t>
             </a:r>
             <a:endParaRPr lang="en-US" dirty="0"/>
           </a:p>
@@ -7704,7 +7716,7 @@
     </p:spTree>
     <p:extLst>
       <p:ext uri="{BB962C8B-B14F-4D97-AF65-F5344CB8AC3E}">
-        <p14:creationId xmlns:p14="http://schemas.microsoft.com/office/powerpoint/2010/main" val="208917068"/>
+        <p14:creationId xmlns:p14="http://schemas.microsoft.com/office/powerpoint/2010/main" val="2060656473"/>
       </p:ext>
     </p:extLst>
   </p:cSld>
@@ -7738,36 +7750,6 @@
           <a:chExt cx="0" cy="0"/>
         </a:xfrm>
       </p:grpSpPr>
-      <p:pic>
-        <p:nvPicPr>
-          <p:cNvPr id="4" name="Picture 3"/>
-          <p:cNvPicPr>
-            <a:picLocks noChangeAspect="1"/>
-          </p:cNvPicPr>
-          <p:nvPr/>
-        </p:nvPicPr>
-        <p:blipFill>
-          <a:blip r:embed="rId2">
-            <a:extLst>
-              <a:ext uri="{28A0092B-C50C-407E-A947-70E740481C1C}">
-                <a14:useLocalDpi xmlns:a14="http://schemas.microsoft.com/office/drawing/2010/main" val="0"/>
-              </a:ext>
-            </a:extLst>
-          </a:blip>
-          <a:stretch>
-            <a:fillRect/>
-          </a:stretch>
-        </p:blipFill>
-        <p:spPr>
-          <a:xfrm>
-            <a:off x="838200" y="2318857"/>
-            <a:ext cx="2542032" cy="2542032"/>
-          </a:xfrm>
-          <a:prstGeom prst="rect">
-            <a:avLst/>
-          </a:prstGeom>
-        </p:spPr>
-      </p:pic>
       <p:sp>
         <p:nvSpPr>
           <p:cNvPr id="2" name="Title 1"/>
@@ -7784,102 +7766,166 @@
           <a:lstStyle/>
           <a:p>
             <a:r>
+              <a:rPr lang="en-US" dirty="0" smtClean="0"/>
+              <a:t>JavaScript</a:t>
+            </a:r>
+            <a:r>
               <a:rPr lang="zh-CN" altLang="en-US" dirty="0" smtClean="0"/>
-              <a:t>定义图片规格</a:t>
+              <a:t>获取图片数据流程</a:t>
             </a:r>
             <a:endParaRPr lang="en-US" dirty="0"/>
           </a:p>
         </p:txBody>
       </p:sp>
-      <p:pic>
-        <p:nvPicPr>
-          <p:cNvPr id="5" name="Picture 4"/>
-          <p:cNvPicPr>
-            <a:picLocks noChangeAspect="1"/>
-          </p:cNvPicPr>
+      <p:sp>
+        <p:nvSpPr>
+          <p:cNvPr id="5" name="TextBox 4"/>
+          <p:cNvSpPr txBox="1"/>
           <p:nvPr/>
-        </p:nvPicPr>
-        <p:blipFill>
-          <a:blip r:embed="rId3">
-            <a:extLst>
-              <a:ext uri="{28A0092B-C50C-407E-A947-70E740481C1C}">
-                <a14:useLocalDpi xmlns:a14="http://schemas.microsoft.com/office/drawing/2010/main" val="0"/>
-              </a:ext>
-            </a:extLst>
-          </a:blip>
-          <a:stretch>
-            <a:fillRect/>
-          </a:stretch>
-        </p:blipFill>
-        <p:spPr>
-          <a:xfrm>
-            <a:off x="4027664" y="2800430"/>
-            <a:ext cx="1800000" cy="1800000"/>
+        </p:nvSpPr>
+        <p:spPr>
+          <a:xfrm>
+            <a:off x="5542002" y="2443655"/>
+            <a:ext cx="1107996" cy="369332"/>
           </a:xfrm>
           <a:prstGeom prst="rect">
             <a:avLst/>
           </a:prstGeom>
-        </p:spPr>
-      </p:pic>
-      <p:sp>
-        <p:nvSpPr>
-          <p:cNvPr id="6" name="Rectangle 5"/>
-          <p:cNvSpPr/>
+          <a:solidFill>
+            <a:schemeClr val="accent1">
+              <a:lumMod val="60000"/>
+              <a:lumOff val="40000"/>
+            </a:schemeClr>
+          </a:solidFill>
+          <a:ln>
+            <a:solidFill>
+              <a:schemeClr val="accent5"/>
+            </a:solidFill>
+          </a:ln>
+        </p:spPr>
+        <p:txBody>
+          <a:bodyPr wrap="none" rtlCol="0">
+            <a:spAutoFit/>
+          </a:bodyPr>
+          <a:lstStyle/>
+          <a:p>
+            <a:r>
+              <a:rPr lang="zh-CN" altLang="en-US" dirty="0" smtClean="0"/>
+              <a:t>加载图片</a:t>
+            </a:r>
+            <a:endParaRPr lang="en-US" dirty="0"/>
+          </a:p>
+        </p:txBody>
+      </p:sp>
+      <p:sp>
+        <p:nvSpPr>
+          <p:cNvPr id="6" name="TextBox 5"/>
+          <p:cNvSpPr txBox="1"/>
           <p:nvPr/>
         </p:nvSpPr>
         <p:spPr>
           <a:xfrm>
-            <a:off x="838200" y="2318857"/>
-            <a:ext cx="234689" cy="221119"/>
+            <a:off x="4868998" y="3744310"/>
+            <a:ext cx="2454005" cy="369332"/>
           </a:xfrm>
           <a:prstGeom prst="rect">
             <a:avLst/>
           </a:prstGeom>
-          <a:noFill/>
-          <a:ln w="38100"/>
-        </p:spPr>
-        <p:style>
-          <a:lnRef idx="2">
+          <a:solidFill>
             <a:schemeClr val="accent1">
-              <a:shade val="50000"/>
+              <a:lumMod val="60000"/>
+              <a:lumOff val="40000"/>
             </a:schemeClr>
-          </a:lnRef>
-          <a:fillRef idx="1">
-            <a:schemeClr val="accent1"/>
-          </a:fillRef>
-          <a:effectRef idx="0">
-            <a:schemeClr val="accent1"/>
-          </a:effectRef>
-          <a:fontRef idx="minor">
-            <a:schemeClr val="lt1"/>
-          </a:fontRef>
-        </p:style>
-        <p:txBody>
-          <a:bodyPr rtlCol="0" anchor="ctr"/>
-          <a:lstStyle/>
-          <a:p>
-            <a:pPr algn="ctr"/>
-            <a:endParaRPr lang="en-US">
-              <a:solidFill>
-                <a:schemeClr val="tx1"/>
-              </a:solidFill>
-            </a:endParaRPr>
+          </a:solidFill>
+          <a:ln>
+            <a:solidFill>
+              <a:schemeClr val="accent5"/>
+            </a:solidFill>
+          </a:ln>
+        </p:spPr>
+        <p:txBody>
+          <a:bodyPr wrap="none" rtlCol="0">
+            <a:spAutoFit/>
+          </a:bodyPr>
+          <a:lstStyle/>
+          <a:p>
+            <a:r>
+              <a:rPr lang="zh-CN" altLang="en-US" dirty="0" smtClean="0"/>
+              <a:t>将图片绘制到</a:t>
+            </a:r>
+            <a:r>
+              <a:rPr lang="en-US" altLang="zh-CN" dirty="0" smtClean="0"/>
+              <a:t>Canvas</a:t>
+            </a:r>
+            <a:r>
+              <a:rPr lang="zh-CN" altLang="en-US" dirty="0" smtClean="0"/>
+              <a:t>上</a:t>
+            </a:r>
+            <a:endParaRPr lang="en-US" dirty="0"/>
+          </a:p>
+        </p:txBody>
+      </p:sp>
+      <p:sp>
+        <p:nvSpPr>
+          <p:cNvPr id="7" name="TextBox 6"/>
+          <p:cNvSpPr txBox="1"/>
+          <p:nvPr/>
+        </p:nvSpPr>
+        <p:spPr>
+          <a:xfrm>
+            <a:off x="4753581" y="5044966"/>
+            <a:ext cx="2684838" cy="369332"/>
+          </a:xfrm>
+          <a:prstGeom prst="rect">
+            <a:avLst/>
+          </a:prstGeom>
+          <a:solidFill>
+            <a:schemeClr val="accent1">
+              <a:lumMod val="60000"/>
+              <a:lumOff val="40000"/>
+            </a:schemeClr>
+          </a:solidFill>
+          <a:ln>
+            <a:solidFill>
+              <a:schemeClr val="accent5"/>
+            </a:solidFill>
+          </a:ln>
+        </p:spPr>
+        <p:txBody>
+          <a:bodyPr wrap="none" rtlCol="0">
+            <a:spAutoFit/>
+          </a:bodyPr>
+          <a:lstStyle/>
+          <a:p>
+            <a:r>
+              <a:rPr lang="zh-CN" altLang="en-US" dirty="0" smtClean="0"/>
+              <a:t>通过</a:t>
+            </a:r>
+            <a:r>
+              <a:rPr lang="en-US" altLang="zh-CN" dirty="0" smtClean="0"/>
+              <a:t>Canvas</a:t>
+            </a:r>
+            <a:r>
+              <a:rPr lang="zh-CN" altLang="en-US" dirty="0" smtClean="0"/>
+              <a:t>获取图片数据</a:t>
+            </a:r>
+            <a:endParaRPr lang="en-US" dirty="0"/>
           </a:p>
         </p:txBody>
       </p:sp>
       <p:cxnSp>
         <p:nvCxnSpPr>
-          <p:cNvPr id="8" name="Straight Arrow Connector 7"/>
+          <p:cNvPr id="9" name="Straight Arrow Connector 8"/>
           <p:cNvCxnSpPr>
-            <a:stCxn id="6" idx="3"/>
-            <a:endCxn id="5" idx="1"/>
+            <a:stCxn id="5" idx="2"/>
+            <a:endCxn id="6" idx="0"/>
           </p:cNvCxnSpPr>
           <p:nvPr/>
         </p:nvCxnSpPr>
         <p:spPr>
           <a:xfrm>
-            <a:off x="1072889" y="2429417"/>
-            <a:ext cx="2954775" cy="1271013"/>
+            <a:off x="6096000" y="2812987"/>
+            <a:ext cx="1" cy="931323"/>
           </a:xfrm>
           <a:prstGeom prst="straightConnector1">
             <a:avLst/>
@@ -7903,20 +7949,26 @@
           </a:fontRef>
         </p:style>
       </p:cxnSp>
-      <p:sp>
-        <p:nvSpPr>
-          <p:cNvPr id="10" name="Left Brace 9"/>
-          <p:cNvSpPr/>
+      <p:cxnSp>
+        <p:nvCxnSpPr>
+          <p:cNvPr id="11" name="Straight Arrow Connector 10"/>
+          <p:cNvCxnSpPr>
+            <a:stCxn id="6" idx="2"/>
+            <a:endCxn id="7" idx="0"/>
+          </p:cNvCxnSpPr>
           <p:nvPr/>
-        </p:nvSpPr>
-        <p:spPr>
-          <a:xfrm rot="5400000">
-            <a:off x="4797436" y="1770204"/>
-            <a:ext cx="260456" cy="1800000"/>
-          </a:xfrm>
-          <a:prstGeom prst="leftBrace">
+        </p:nvCxnSpPr>
+        <p:spPr>
+          <a:xfrm flipH="1">
+            <a:off x="6096000" y="4113642"/>
+            <a:ext cx="1" cy="931324"/>
+          </a:xfrm>
+          <a:prstGeom prst="straightConnector1">
             <a:avLst/>
           </a:prstGeom>
+          <a:ln>
+            <a:tailEnd type="triangle"/>
+          </a:ln>
         </p:spPr>
         <p:style>
           <a:lnRef idx="1">
@@ -7932,325 +7984,11 @@
             <a:schemeClr val="tx1"/>
           </a:fontRef>
         </p:style>
-        <p:txBody>
-          <a:bodyPr rtlCol="0" anchor="ctr"/>
-          <a:lstStyle/>
-          <a:p>
-            <a:pPr algn="ctr"/>
-            <a:endParaRPr lang="en-US"/>
-          </a:p>
-        </p:txBody>
-      </p:sp>
-      <p:sp>
-        <p:nvSpPr>
-          <p:cNvPr id="11" name="TextBox 10"/>
-          <p:cNvSpPr txBox="1"/>
-          <p:nvPr/>
-        </p:nvSpPr>
-        <p:spPr>
-          <a:xfrm>
-            <a:off x="4586236" y="2128542"/>
-            <a:ext cx="635302" cy="369332"/>
-          </a:xfrm>
-          <a:prstGeom prst="rect">
-            <a:avLst/>
-          </a:prstGeom>
-          <a:noFill/>
-        </p:spPr>
-        <p:txBody>
-          <a:bodyPr wrap="none" rtlCol="0">
-            <a:spAutoFit/>
-          </a:bodyPr>
-          <a:lstStyle/>
-          <a:p>
-            <a:r>
-              <a:rPr lang="en-US" dirty="0" smtClean="0"/>
-              <a:t>20px</a:t>
-            </a:r>
-            <a:endParaRPr lang="en-US" dirty="0"/>
-          </a:p>
-        </p:txBody>
-      </p:sp>
-      <p:sp>
-        <p:nvSpPr>
-          <p:cNvPr id="12" name="Right Brace 11"/>
-          <p:cNvSpPr/>
-          <p:nvPr/>
-        </p:nvSpPr>
-        <p:spPr>
-          <a:xfrm>
-            <a:off x="6020897" y="2800430"/>
-            <a:ext cx="346842" cy="1800000"/>
-          </a:xfrm>
-          <a:prstGeom prst="rightBrace">
-            <a:avLst/>
-          </a:prstGeom>
-        </p:spPr>
-        <p:style>
-          <a:lnRef idx="1">
-            <a:schemeClr val="accent1"/>
-          </a:lnRef>
-          <a:fillRef idx="0">
-            <a:schemeClr val="accent1"/>
-          </a:fillRef>
-          <a:effectRef idx="0">
-            <a:schemeClr val="accent1"/>
-          </a:effectRef>
-          <a:fontRef idx="minor">
-            <a:schemeClr val="tx1"/>
-          </a:fontRef>
-        </p:style>
-        <p:txBody>
-          <a:bodyPr rtlCol="0" anchor="ctr"/>
-          <a:lstStyle/>
-          <a:p>
-            <a:pPr algn="ctr"/>
-            <a:endParaRPr lang="en-US"/>
-          </a:p>
-        </p:txBody>
-      </p:sp>
-      <p:sp>
-        <p:nvSpPr>
-          <p:cNvPr id="13" name="TextBox 12"/>
-          <p:cNvSpPr txBox="1"/>
-          <p:nvPr/>
-        </p:nvSpPr>
-        <p:spPr>
-          <a:xfrm>
-            <a:off x="6320438" y="3500144"/>
-            <a:ext cx="635302" cy="369332"/>
-          </a:xfrm>
-          <a:prstGeom prst="rect">
-            <a:avLst/>
-          </a:prstGeom>
-          <a:noFill/>
-        </p:spPr>
-        <p:txBody>
-          <a:bodyPr wrap="none" rtlCol="0">
-            <a:spAutoFit/>
-          </a:bodyPr>
-          <a:lstStyle/>
-          <a:p>
-            <a:r>
-              <a:rPr lang="en-US" dirty="0" smtClean="0"/>
-              <a:t>20px</a:t>
-            </a:r>
-            <a:endParaRPr lang="en-US" dirty="0"/>
-          </a:p>
-        </p:txBody>
-      </p:sp>
-      <p:sp>
-        <p:nvSpPr>
-          <p:cNvPr id="15" name="TextBox 14"/>
-          <p:cNvSpPr txBox="1"/>
-          <p:nvPr/>
-        </p:nvSpPr>
-        <p:spPr>
-          <a:xfrm>
-            <a:off x="7845186" y="365125"/>
-            <a:ext cx="3570208" cy="6186309"/>
-          </a:xfrm>
-          <a:prstGeom prst="rect">
-            <a:avLst/>
-          </a:prstGeom>
-          <a:noFill/>
-        </p:spPr>
-        <p:txBody>
-          <a:bodyPr wrap="none" rtlCol="0">
-            <a:spAutoFit/>
-          </a:bodyPr>
-          <a:lstStyle/>
-          <a:p>
-            <a:r>
-              <a:rPr lang="is-IS" dirty="0"/>
-              <a:t>[</a:t>
-            </a:r>
-            <a:r>
-              <a:rPr lang="is-IS" dirty="0" smtClean="0"/>
-              <a:t>255,255,255,255,255,255,255,255,</a:t>
-            </a:r>
-          </a:p>
-          <a:p>
-            <a:r>
-              <a:rPr lang="is-IS" dirty="0" smtClean="0"/>
-              <a:t>255,255,255,255,255,255,255,255,</a:t>
-            </a:r>
-          </a:p>
-          <a:p>
-            <a:r>
-              <a:rPr lang="is-IS" dirty="0" smtClean="0"/>
-              <a:t>255,255,255,255,255,255,255,255,</a:t>
-            </a:r>
-          </a:p>
-          <a:p>
-            <a:r>
-              <a:rPr lang="is-IS" dirty="0" smtClean="0"/>
-              <a:t>255,255,255,255,192,208,255,255,</a:t>
-            </a:r>
-          </a:p>
-          <a:p>
-            <a:r>
-              <a:rPr lang="is-IS" dirty="0" smtClean="0"/>
-              <a:t>255,255,255,255,255,255,255,255,</a:t>
-            </a:r>
-          </a:p>
-          <a:p>
-            <a:r>
-              <a:rPr lang="is-IS" dirty="0" smtClean="0"/>
-              <a:t>255,255,255,255,255,255,255,112,</a:t>
-            </a:r>
-          </a:p>
-          <a:p>
-            <a:r>
-              <a:rPr lang="is-IS" dirty="0" smtClean="0"/>
-              <a:t>0,0,16,80,160,255,255,255,255,255,</a:t>
-            </a:r>
-          </a:p>
-          <a:p>
-            <a:r>
-              <a:rPr lang="is-IS" dirty="0" smtClean="0"/>
-              <a:t>255,255,255,255,255,255,255,240,</a:t>
-            </a:r>
-          </a:p>
-          <a:p>
-            <a:r>
-              <a:rPr lang="is-IS" dirty="0" smtClean="0"/>
-              <a:t>96,0,0,0,0,0,0,80,255,255,255,255,</a:t>
-            </a:r>
-          </a:p>
-          <a:p>
-            <a:r>
-              <a:rPr lang="is-IS" dirty="0" smtClean="0"/>
-              <a:t>255,255,255,255,255,255,255,64,0,</a:t>
-            </a:r>
-          </a:p>
-          <a:p>
-            <a:r>
-              <a:rPr lang="is-IS" dirty="0" smtClean="0"/>
-              <a:t>48,176,255,208,144,32,0,128,255,</a:t>
-            </a:r>
-          </a:p>
-          <a:p>
-            <a:r>
-              <a:rPr lang="is-IS" dirty="0" smtClean="0"/>
-              <a:t>255,255,255,255,255,255,255,255,</a:t>
-            </a:r>
-          </a:p>
-          <a:p>
-            <a:r>
-              <a:rPr lang="is-IS" dirty="0" smtClean="0"/>
-              <a:t>160,0,80,255,255, 255,255,255,224,</a:t>
-            </a:r>
-          </a:p>
-          <a:p>
-            <a:r>
-              <a:rPr lang="is-IS" dirty="0" smtClean="0"/>
-              <a:t>0,0,255,255, 255,255,255,255,255,</a:t>
-            </a:r>
-          </a:p>
-          <a:p>
-            <a:r>
-              <a:rPr lang="is-IS" dirty="0" smtClean="0"/>
-              <a:t>255,240,16,0,224,255,255,255,255,</a:t>
-            </a:r>
-          </a:p>
-          <a:p>
-            <a:r>
-              <a:rPr lang="is-IS" dirty="0" smtClean="0"/>
-              <a:t>255,255,48,0,192,255,</a:t>
-            </a:r>
-          </a:p>
-          <a:p>
-            <a:r>
-              <a:rPr lang="is-IS" dirty="0" smtClean="0"/>
-              <a:t>...</a:t>
-            </a:r>
-          </a:p>
-          <a:p>
-            <a:r>
-              <a:rPr lang="is-IS" dirty="0" smtClean="0"/>
-              <a:t>...</a:t>
-            </a:r>
-          </a:p>
-          <a:p>
-            <a:r>
-              <a:rPr lang="is-IS" dirty="0" smtClean="0"/>
-              <a:t>...</a:t>
-            </a:r>
-          </a:p>
-          <a:p>
-            <a:r>
-              <a:rPr lang="is-IS" dirty="0" smtClean="0"/>
-              <a:t>255,255,255,255,255,255,255,255,</a:t>
-            </a:r>
-          </a:p>
-          <a:p>
-            <a:r>
-              <a:rPr lang="is-IS" dirty="0" smtClean="0"/>
-              <a:t>255,255,255,255,255,255,255,255,</a:t>
-            </a:r>
-          </a:p>
-          <a:p>
-            <a:r>
-              <a:rPr lang="is-IS" dirty="0" smtClean="0"/>
-              <a:t>255,255,255,255,255,255,255,255</a:t>
-            </a:r>
-            <a:r>
-              <a:rPr lang="is-IS" dirty="0"/>
-              <a:t>]</a:t>
-            </a:r>
-            <a:endParaRPr lang="en-US" dirty="0"/>
-          </a:p>
-        </p:txBody>
-      </p:sp>
-      <p:sp>
-        <p:nvSpPr>
-          <p:cNvPr id="17" name="Right Arrow 16"/>
-          <p:cNvSpPr/>
-          <p:nvPr/>
-        </p:nvSpPr>
-        <p:spPr>
-          <a:xfrm>
-            <a:off x="7033668" y="3589873"/>
-            <a:ext cx="675670" cy="279603"/>
-          </a:xfrm>
-          <a:prstGeom prst="rightArrow">
-            <a:avLst/>
-          </a:prstGeom>
-        </p:spPr>
-        <p:style>
-          <a:lnRef idx="2">
-            <a:schemeClr val="accent1">
-              <a:shade val="50000"/>
-            </a:schemeClr>
-          </a:lnRef>
-          <a:fillRef idx="1">
-            <a:schemeClr val="accent1"/>
-          </a:fillRef>
-          <a:effectRef idx="0">
-            <a:schemeClr val="accent1"/>
-          </a:effectRef>
-          <a:fontRef idx="minor">
-            <a:schemeClr val="lt1"/>
-          </a:fontRef>
-        </p:style>
-        <p:txBody>
-          <a:bodyPr rtlCol="0" anchor="ctr"/>
-          <a:lstStyle/>
-          <a:p>
-            <a:pPr algn="ctr"/>
-            <a:endParaRPr lang="en-US">
-              <a:solidFill>
-                <a:schemeClr val="tx1"/>
-              </a:solidFill>
-            </a:endParaRPr>
-          </a:p>
-        </p:txBody>
-      </p:sp>
+      </p:cxnSp>
     </p:spTree>
     <p:extLst>
       <p:ext uri="{BB962C8B-B14F-4D97-AF65-F5344CB8AC3E}">
-        <p14:creationId xmlns:p14="http://schemas.microsoft.com/office/powerpoint/2010/main" val="1381888787"/>
+        <p14:creationId xmlns:p14="http://schemas.microsoft.com/office/powerpoint/2010/main" val="1757677295"/>
       </p:ext>
     </p:extLst>
   </p:cSld>
@@ -8278,7 +8016,7 @@
                             </p:stCondLst>
                             <p:childTnLst>
                               <p:par>
-                                <p:cTn id="5" presetID="5" presetClass="entr" presetSubtype="10" fill="hold" grpId="0" nodeType="clickEffect">
+                                <p:cTn id="5" presetID="3" presetClass="entr" presetSubtype="10" fill="hold" grpId="0" nodeType="clickEffect">
                                   <p:stCondLst>
                                     <p:cond delay="0"/>
                                   </p:stCondLst>
@@ -8291,7 +8029,7 @@
                                           </p:stCondLst>
                                         </p:cTn>
                                         <p:tgtEl>
-                                          <p:spTgt spid="6"/>
+                                          <p:spTgt spid="5"/>
                                         </p:tgtEl>
                                         <p:attrNameLst>
                                           <p:attrName>style.visibility</p:attrName>
@@ -8301,11 +8039,11 @@
                                         <p:strVal val="visible"/>
                                       </p:to>
                                     </p:set>
-                                    <p:animEffect transition="in" filter="checkerboard(across)">
+                                    <p:animEffect transition="in" filter="blinds(horizontal)">
                                       <p:cBhvr>
                                         <p:cTn id="7" dur="500"/>
                                         <p:tgtEl>
-                                          <p:spTgt spid="6"/>
+                                          <p:spTgt spid="5"/>
                                         </p:tgtEl>
                                       </p:cBhvr>
                                     </p:animEffect>
@@ -8331,7 +8069,7 @@
                             </p:stCondLst>
                             <p:childTnLst>
                               <p:par>
-                                <p:cTn id="10" presetID="5" presetClass="entr" presetSubtype="10" fill="hold" nodeType="clickEffect">
+                                <p:cTn id="10" presetID="3" presetClass="entr" presetSubtype="10" fill="hold" nodeType="clickEffect">
                                   <p:stCondLst>
                                     <p:cond delay="0"/>
                                   </p:stCondLst>
@@ -8344,7 +8082,7 @@
                                           </p:stCondLst>
                                         </p:cTn>
                                         <p:tgtEl>
-                                          <p:spTgt spid="8"/>
+                                          <p:spTgt spid="9"/>
                                         </p:tgtEl>
                                         <p:attrNameLst>
                                           <p:attrName>style.visibility</p:attrName>
@@ -8354,11 +8092,11 @@
                                         <p:strVal val="visible"/>
                                       </p:to>
                                     </p:set>
-                                    <p:animEffect transition="in" filter="checkerboard(across)">
+                                    <p:animEffect transition="in" filter="blinds(horizontal)">
                                       <p:cBhvr>
                                         <p:cTn id="12" dur="500"/>
                                         <p:tgtEl>
-                                          <p:spTgt spid="8"/>
+                                          <p:spTgt spid="9"/>
                                         </p:tgtEl>
                                       </p:cBhvr>
                                     </p:animEffect>
@@ -8366,7 +8104,7 @@
                                 </p:cTn>
                               </p:par>
                               <p:par>
-                                <p:cTn id="13" presetID="5" presetClass="entr" presetSubtype="10" fill="hold" nodeType="withEffect">
+                                <p:cTn id="13" presetID="3" presetClass="entr" presetSubtype="10" fill="hold" grpId="0" nodeType="withEffect">
                                   <p:stCondLst>
                                     <p:cond delay="0"/>
                                   </p:stCondLst>
@@ -8379,7 +8117,7 @@
                                           </p:stCondLst>
                                         </p:cTn>
                                         <p:tgtEl>
-                                          <p:spTgt spid="5"/>
+                                          <p:spTgt spid="6"/>
                                         </p:tgtEl>
                                         <p:attrNameLst>
                                           <p:attrName>style.visibility</p:attrName>
@@ -8389,151 +8127,11 @@
                                         <p:strVal val="visible"/>
                                       </p:to>
                                     </p:set>
-                                    <p:animEffect transition="in" filter="checkerboard(across)">
+                                    <p:animEffect transition="in" filter="blinds(horizontal)">
                                       <p:cBhvr>
                                         <p:cTn id="15" dur="500"/>
                                         <p:tgtEl>
-                                          <p:spTgt spid="5"/>
-                                        </p:tgtEl>
-                                      </p:cBhvr>
-                                    </p:animEffect>
-                                  </p:childTnLst>
-                                </p:cTn>
-                              </p:par>
-                              <p:par>
-                                <p:cTn id="16" presetID="5" presetClass="entr" presetSubtype="10" fill="hold" grpId="0" nodeType="withEffect">
-                                  <p:stCondLst>
-                                    <p:cond delay="0"/>
-                                  </p:stCondLst>
-                                  <p:childTnLst>
-                                    <p:set>
-                                      <p:cBhvr>
-                                        <p:cTn id="17" dur="1" fill="hold">
-                                          <p:stCondLst>
-                                            <p:cond delay="0"/>
-                                          </p:stCondLst>
-                                        </p:cTn>
-                                        <p:tgtEl>
-                                          <p:spTgt spid="10"/>
-                                        </p:tgtEl>
-                                        <p:attrNameLst>
-                                          <p:attrName>style.visibility</p:attrName>
-                                        </p:attrNameLst>
-                                      </p:cBhvr>
-                                      <p:to>
-                                        <p:strVal val="visible"/>
-                                      </p:to>
-                                    </p:set>
-                                    <p:animEffect transition="in" filter="checkerboard(across)">
-                                      <p:cBhvr>
-                                        <p:cTn id="18" dur="500"/>
-                                        <p:tgtEl>
-                                          <p:spTgt spid="10"/>
-                                        </p:tgtEl>
-                                      </p:cBhvr>
-                                    </p:animEffect>
-                                  </p:childTnLst>
-                                </p:cTn>
-                              </p:par>
-                              <p:par>
-                                <p:cTn id="19" presetID="5" presetClass="entr" presetSubtype="10" fill="hold" grpId="0" nodeType="withEffect">
-                                  <p:stCondLst>
-                                    <p:cond delay="0"/>
-                                  </p:stCondLst>
-                                  <p:childTnLst>
-                                    <p:set>
-                                      <p:cBhvr>
-                                        <p:cTn id="20" dur="1" fill="hold">
-                                          <p:stCondLst>
-                                            <p:cond delay="0"/>
-                                          </p:stCondLst>
-                                        </p:cTn>
-                                        <p:tgtEl>
-                                          <p:spTgt spid="11"/>
-                                        </p:tgtEl>
-                                        <p:attrNameLst>
-                                          <p:attrName>style.visibility</p:attrName>
-                                        </p:attrNameLst>
-                                      </p:cBhvr>
-                                      <p:to>
-                                        <p:strVal val="visible"/>
-                                      </p:to>
-                                    </p:set>
-                                    <p:animEffect transition="in" filter="checkerboard(across)">
-                                      <p:cBhvr>
-                                        <p:cTn id="21" dur="500"/>
-                                        <p:tgtEl>
-                                          <p:spTgt spid="11"/>
-                                        </p:tgtEl>
-                                      </p:cBhvr>
-                                    </p:animEffect>
-                                  </p:childTnLst>
-                                </p:cTn>
-                              </p:par>
-                              <p:par>
-                                <p:cTn id="22" presetID="5" presetClass="entr" presetSubtype="10" fill="hold" grpId="0" nodeType="withEffect">
-                                  <p:stCondLst>
-                                    <p:cond delay="0"/>
-                                  </p:stCondLst>
-                                  <p:childTnLst>
-                                    <p:set>
-                                      <p:cBhvr>
-                                        <p:cTn id="23" dur="1" fill="hold">
-                                          <p:stCondLst>
-                                            <p:cond delay="0"/>
-                                          </p:stCondLst>
-                                        </p:cTn>
-                                        <p:tgtEl>
-                                          <p:spTgt spid="12"/>
-                                        </p:tgtEl>
-                                        <p:attrNameLst>
-                                          <p:attrName>style.visibility</p:attrName>
-                                        </p:attrNameLst>
-                                      </p:cBhvr>
-                                      <p:to>
-                                        <p:strVal val="visible"/>
-                                      </p:to>
-                                    </p:set>
-                                    <p:animEffect transition="in" filter="checkerboard(across)">
-                                      <p:cBhvr>
-                                        <p:cTn id="24" dur="500"/>
-                                        <p:tgtEl>
-                                          <p:spTgt spid="12"/>
-                                        </p:tgtEl>
-                                      </p:cBhvr>
-                                    </p:animEffect>
-                                  </p:childTnLst>
-                                </p:cTn>
-                              </p:par>
-                              <p:par>
-                                <p:cTn id="25" presetID="5" presetClass="entr" presetSubtype="10" fill="hold" grpId="0" nodeType="withEffect">
-                                  <p:stCondLst>
-                                    <p:cond delay="0"/>
-                                  </p:stCondLst>
-                                  <p:childTnLst>
-                                    <p:set>
-                                      <p:cBhvr>
-                                        <p:cTn id="26" dur="1" fill="hold">
-                                          <p:stCondLst>
-                                            <p:cond delay="0"/>
-                                          </p:stCondLst>
-                                        </p:cTn>
-                                        <p:tgtEl>
-                                          <p:spTgt spid="13"/>
-                                        </p:tgtEl>
-                                        <p:attrNameLst>
-                                          <p:attrName>style.visibility</p:attrName>
-                                        </p:attrNameLst>
-                                      </p:cBhvr>
-                                      <p:to>
-                                        <p:strVal val="visible"/>
-                                      </p:to>
-                                    </p:set>
-                                    <p:animEffect transition="in" filter="checkerboard(across)">
-                                      <p:cBhvr>
-                                        <p:cTn id="27" dur="500"/>
-                                        <p:tgtEl>
-                                          <p:spTgt spid="13"/>
+                                          <p:spTgt spid="6"/>
                                         </p:tgtEl>
                                       </p:cBhvr>
                                     </p:animEffect>
@@ -8547,32 +8145,32 @@
                     </p:cTn>
                   </p:par>
                   <p:par>
-                    <p:cTn id="28" fill="hold">
+                    <p:cTn id="16" fill="hold">
                       <p:stCondLst>
                         <p:cond delay="indefinite"/>
                       </p:stCondLst>
                       <p:childTnLst>
                         <p:par>
-                          <p:cTn id="29" fill="hold">
+                          <p:cTn id="17" fill="hold">
                             <p:stCondLst>
                               <p:cond delay="0"/>
                             </p:stCondLst>
                             <p:childTnLst>
                               <p:par>
-                                <p:cTn id="30" presetID="5" presetClass="entr" presetSubtype="10" fill="hold" grpId="0" nodeType="clickEffect">
+                                <p:cTn id="18" presetID="3" presetClass="entr" presetSubtype="10" fill="hold" nodeType="clickEffect">
                                   <p:stCondLst>
                                     <p:cond delay="0"/>
                                   </p:stCondLst>
                                   <p:childTnLst>
                                     <p:set>
                                       <p:cBhvr>
-                                        <p:cTn id="31" dur="1" fill="hold">
+                                        <p:cTn id="19" dur="1" fill="hold">
                                           <p:stCondLst>
                                             <p:cond delay="0"/>
                                           </p:stCondLst>
                                         </p:cTn>
                                         <p:tgtEl>
-                                          <p:spTgt spid="17"/>
+                                          <p:spTgt spid="11"/>
                                         </p:tgtEl>
                                         <p:attrNameLst>
                                           <p:attrName>style.visibility</p:attrName>
@@ -8582,11 +8180,11 @@
                                         <p:strVal val="visible"/>
                                       </p:to>
                                     </p:set>
-                                    <p:animEffect transition="in" filter="checkerboard(across)">
-                                      <p:cBhvr>
-                                        <p:cTn id="32" dur="500"/>
-                                        <p:tgtEl>
-                                          <p:spTgt spid="17"/>
+                                    <p:animEffect transition="in" filter="blinds(horizontal)">
+                                      <p:cBhvr>
+                                        <p:cTn id="20" dur="500"/>
+                                        <p:tgtEl>
+                                          <p:spTgt spid="11"/>
                                         </p:tgtEl>
                                       </p:cBhvr>
                                     </p:animEffect>
@@ -8594,20 +8192,20 @@
                                 </p:cTn>
                               </p:par>
                               <p:par>
-                                <p:cTn id="33" presetID="5" presetClass="entr" presetSubtype="10" fill="hold" grpId="0" nodeType="withEffect">
+                                <p:cTn id="21" presetID="3" presetClass="entr" presetSubtype="10" fill="hold" grpId="0" nodeType="withEffect">
                                   <p:stCondLst>
                                     <p:cond delay="0"/>
                                   </p:stCondLst>
                                   <p:childTnLst>
                                     <p:set>
                                       <p:cBhvr>
-                                        <p:cTn id="34" dur="1" fill="hold">
+                                        <p:cTn id="22" dur="1" fill="hold">
                                           <p:stCondLst>
                                             <p:cond delay="0"/>
                                           </p:stCondLst>
                                         </p:cTn>
                                         <p:tgtEl>
-                                          <p:spTgt spid="15"/>
+                                          <p:spTgt spid="7"/>
                                         </p:tgtEl>
                                         <p:attrNameLst>
                                           <p:attrName>style.visibility</p:attrName>
@@ -8617,11 +8215,11 @@
                                         <p:strVal val="visible"/>
                                       </p:to>
                                     </p:set>
-                                    <p:animEffect transition="in" filter="checkerboard(across)">
-                                      <p:cBhvr>
-                                        <p:cTn id="35" dur="500"/>
-                                        <p:tgtEl>
-                                          <p:spTgt spid="15"/>
+                                    <p:animEffect transition="in" filter="blinds(horizontal)">
+                                      <p:cBhvr>
+                                        <p:cTn id="23" dur="500"/>
+                                        <p:tgtEl>
+                                          <p:spTgt spid="7"/>
                                         </p:tgtEl>
                                       </p:cBhvr>
                                     </p:animEffect>
@@ -8656,13 +8254,9 @@
       </p:par>
     </p:tnLst>
     <p:bldLst>
+      <p:bldP spid="5" grpId="0" animBg="1"/>
       <p:bldP spid="6" grpId="0" animBg="1"/>
-      <p:bldP spid="10" grpId="0" animBg="1"/>
-      <p:bldP spid="11" grpId="0"/>
-      <p:bldP spid="12" grpId="0" animBg="1"/>
-      <p:bldP spid="13" grpId="0"/>
-      <p:bldP spid="15" grpId="0"/>
-      <p:bldP spid="17" grpId="0" animBg="1"/>
+      <p:bldP spid="7" grpId="0" animBg="1"/>
     </p:bldLst>
   </p:timing>
 </p:sld>
@@ -9223,6 +8817,1018 @@
 </file>
 
 <file path=ppt/slides/slide20.xml><?xml version="1.0" encoding="utf-8"?>
+<p:sld xmlns:a="http://schemas.openxmlformats.org/drawingml/2006/main" xmlns:r="http://schemas.openxmlformats.org/officeDocument/2006/relationships" xmlns:p="http://schemas.openxmlformats.org/presentationml/2006/main">
+  <p:cSld>
+    <p:spTree>
+      <p:nvGrpSpPr>
+        <p:cNvPr id="1" name=""/>
+        <p:cNvGrpSpPr/>
+        <p:nvPr/>
+      </p:nvGrpSpPr>
+      <p:grpSpPr>
+        <a:xfrm>
+          <a:off x="0" y="0"/>
+          <a:ext cx="0" cy="0"/>
+          <a:chOff x="0" y="0"/>
+          <a:chExt cx="0" cy="0"/>
+        </a:xfrm>
+      </p:grpSpPr>
+      <p:sp>
+        <p:nvSpPr>
+          <p:cNvPr id="2" name="Title 1"/>
+          <p:cNvSpPr>
+            <a:spLocks noGrp="1"/>
+          </p:cNvSpPr>
+          <p:nvPr>
+            <p:ph type="title"/>
+          </p:nvPr>
+        </p:nvSpPr>
+        <p:spPr>
+          <a:xfrm>
+            <a:off x="4272776" y="2528461"/>
+            <a:ext cx="3889917" cy="1325563"/>
+          </a:xfrm>
+        </p:spPr>
+        <p:txBody>
+          <a:bodyPr/>
+          <a:lstStyle/>
+          <a:p>
+            <a:r>
+              <a:rPr lang="zh-CN" altLang="en-US" dirty="0" smtClean="0"/>
+              <a:t>手写识别原理</a:t>
+            </a:r>
+            <a:endParaRPr lang="en-US" dirty="0"/>
+          </a:p>
+        </p:txBody>
+      </p:sp>
+    </p:spTree>
+    <p:extLst>
+      <p:ext uri="{BB962C8B-B14F-4D97-AF65-F5344CB8AC3E}">
+        <p14:creationId xmlns:p14="http://schemas.microsoft.com/office/powerpoint/2010/main" val="208917068"/>
+      </p:ext>
+    </p:extLst>
+  </p:cSld>
+  <p:clrMapOvr>
+    <a:masterClrMapping/>
+  </p:clrMapOvr>
+  <p:timing>
+    <p:tnLst>
+      <p:par>
+        <p:cTn id="1" dur="indefinite" restart="never" nodeType="tmRoot"/>
+      </p:par>
+    </p:tnLst>
+  </p:timing>
+</p:sld>
+</file>
+
+<file path=ppt/slides/slide21.xml><?xml version="1.0" encoding="utf-8"?>
+<p:sld xmlns:a="http://schemas.openxmlformats.org/drawingml/2006/main" xmlns:r="http://schemas.openxmlformats.org/officeDocument/2006/relationships" xmlns:p="http://schemas.openxmlformats.org/presentationml/2006/main">
+  <p:cSld>
+    <p:spTree>
+      <p:nvGrpSpPr>
+        <p:cNvPr id="1" name=""/>
+        <p:cNvGrpSpPr/>
+        <p:nvPr/>
+      </p:nvGrpSpPr>
+      <p:grpSpPr>
+        <a:xfrm>
+          <a:off x="0" y="0"/>
+          <a:ext cx="0" cy="0"/>
+          <a:chOff x="0" y="0"/>
+          <a:chExt cx="0" cy="0"/>
+        </a:xfrm>
+      </p:grpSpPr>
+      <p:pic>
+        <p:nvPicPr>
+          <p:cNvPr id="4" name="Picture 3"/>
+          <p:cNvPicPr>
+            <a:picLocks noChangeAspect="1"/>
+          </p:cNvPicPr>
+          <p:nvPr/>
+        </p:nvPicPr>
+        <p:blipFill>
+          <a:blip r:embed="rId2">
+            <a:extLst>
+              <a:ext uri="{28A0092B-C50C-407E-A947-70E740481C1C}">
+                <a14:useLocalDpi xmlns:a14="http://schemas.microsoft.com/office/drawing/2010/main" val="0"/>
+              </a:ext>
+            </a:extLst>
+          </a:blip>
+          <a:stretch>
+            <a:fillRect/>
+          </a:stretch>
+        </p:blipFill>
+        <p:spPr>
+          <a:xfrm>
+            <a:off x="838200" y="2318857"/>
+            <a:ext cx="2542032" cy="2542032"/>
+          </a:xfrm>
+          <a:prstGeom prst="rect">
+            <a:avLst/>
+          </a:prstGeom>
+        </p:spPr>
+      </p:pic>
+      <p:sp>
+        <p:nvSpPr>
+          <p:cNvPr id="2" name="Title 1"/>
+          <p:cNvSpPr>
+            <a:spLocks noGrp="1"/>
+          </p:cNvSpPr>
+          <p:nvPr>
+            <p:ph type="title"/>
+          </p:nvPr>
+        </p:nvSpPr>
+        <p:spPr/>
+        <p:txBody>
+          <a:bodyPr/>
+          <a:lstStyle/>
+          <a:p>
+            <a:r>
+              <a:rPr lang="zh-CN" altLang="en-US" dirty="0" smtClean="0"/>
+              <a:t>定义图片规格</a:t>
+            </a:r>
+            <a:endParaRPr lang="en-US" dirty="0"/>
+          </a:p>
+        </p:txBody>
+      </p:sp>
+      <p:pic>
+        <p:nvPicPr>
+          <p:cNvPr id="5" name="Picture 4"/>
+          <p:cNvPicPr>
+            <a:picLocks noChangeAspect="1"/>
+          </p:cNvPicPr>
+          <p:nvPr/>
+        </p:nvPicPr>
+        <p:blipFill>
+          <a:blip r:embed="rId3">
+            <a:extLst>
+              <a:ext uri="{28A0092B-C50C-407E-A947-70E740481C1C}">
+                <a14:useLocalDpi xmlns:a14="http://schemas.microsoft.com/office/drawing/2010/main" val="0"/>
+              </a:ext>
+            </a:extLst>
+          </a:blip>
+          <a:stretch>
+            <a:fillRect/>
+          </a:stretch>
+        </p:blipFill>
+        <p:spPr>
+          <a:xfrm>
+            <a:off x="4027664" y="2800430"/>
+            <a:ext cx="1800000" cy="1800000"/>
+          </a:xfrm>
+          <a:prstGeom prst="rect">
+            <a:avLst/>
+          </a:prstGeom>
+        </p:spPr>
+      </p:pic>
+      <p:sp>
+        <p:nvSpPr>
+          <p:cNvPr id="6" name="Rectangle 5"/>
+          <p:cNvSpPr/>
+          <p:nvPr/>
+        </p:nvSpPr>
+        <p:spPr>
+          <a:xfrm>
+            <a:off x="838200" y="2318857"/>
+            <a:ext cx="234689" cy="221119"/>
+          </a:xfrm>
+          <a:prstGeom prst="rect">
+            <a:avLst/>
+          </a:prstGeom>
+          <a:noFill/>
+          <a:ln w="38100"/>
+        </p:spPr>
+        <p:style>
+          <a:lnRef idx="2">
+            <a:schemeClr val="accent1">
+              <a:shade val="50000"/>
+            </a:schemeClr>
+          </a:lnRef>
+          <a:fillRef idx="1">
+            <a:schemeClr val="accent1"/>
+          </a:fillRef>
+          <a:effectRef idx="0">
+            <a:schemeClr val="accent1"/>
+          </a:effectRef>
+          <a:fontRef idx="minor">
+            <a:schemeClr val="lt1"/>
+          </a:fontRef>
+        </p:style>
+        <p:txBody>
+          <a:bodyPr rtlCol="0" anchor="ctr"/>
+          <a:lstStyle/>
+          <a:p>
+            <a:pPr algn="ctr"/>
+            <a:endParaRPr lang="en-US">
+              <a:solidFill>
+                <a:schemeClr val="tx1"/>
+              </a:solidFill>
+            </a:endParaRPr>
+          </a:p>
+        </p:txBody>
+      </p:sp>
+      <p:cxnSp>
+        <p:nvCxnSpPr>
+          <p:cNvPr id="8" name="Straight Arrow Connector 7"/>
+          <p:cNvCxnSpPr>
+            <a:stCxn id="6" idx="3"/>
+            <a:endCxn id="5" idx="1"/>
+          </p:cNvCxnSpPr>
+          <p:nvPr/>
+        </p:nvCxnSpPr>
+        <p:spPr>
+          <a:xfrm>
+            <a:off x="1072889" y="2429417"/>
+            <a:ext cx="2954775" cy="1271013"/>
+          </a:xfrm>
+          <a:prstGeom prst="straightConnector1">
+            <a:avLst/>
+          </a:prstGeom>
+          <a:ln>
+            <a:tailEnd type="triangle"/>
+          </a:ln>
+        </p:spPr>
+        <p:style>
+          <a:lnRef idx="1">
+            <a:schemeClr val="accent1"/>
+          </a:lnRef>
+          <a:fillRef idx="0">
+            <a:schemeClr val="accent1"/>
+          </a:fillRef>
+          <a:effectRef idx="0">
+            <a:schemeClr val="accent1"/>
+          </a:effectRef>
+          <a:fontRef idx="minor">
+            <a:schemeClr val="tx1"/>
+          </a:fontRef>
+        </p:style>
+      </p:cxnSp>
+      <p:sp>
+        <p:nvSpPr>
+          <p:cNvPr id="10" name="Left Brace 9"/>
+          <p:cNvSpPr/>
+          <p:nvPr/>
+        </p:nvSpPr>
+        <p:spPr>
+          <a:xfrm rot="5400000">
+            <a:off x="4797436" y="1770204"/>
+            <a:ext cx="260456" cy="1800000"/>
+          </a:xfrm>
+          <a:prstGeom prst="leftBrace">
+            <a:avLst/>
+          </a:prstGeom>
+        </p:spPr>
+        <p:style>
+          <a:lnRef idx="1">
+            <a:schemeClr val="accent1"/>
+          </a:lnRef>
+          <a:fillRef idx="0">
+            <a:schemeClr val="accent1"/>
+          </a:fillRef>
+          <a:effectRef idx="0">
+            <a:schemeClr val="accent1"/>
+          </a:effectRef>
+          <a:fontRef idx="minor">
+            <a:schemeClr val="tx1"/>
+          </a:fontRef>
+        </p:style>
+        <p:txBody>
+          <a:bodyPr rtlCol="0" anchor="ctr"/>
+          <a:lstStyle/>
+          <a:p>
+            <a:pPr algn="ctr"/>
+            <a:endParaRPr lang="en-US"/>
+          </a:p>
+        </p:txBody>
+      </p:sp>
+      <p:sp>
+        <p:nvSpPr>
+          <p:cNvPr id="11" name="TextBox 10"/>
+          <p:cNvSpPr txBox="1"/>
+          <p:nvPr/>
+        </p:nvSpPr>
+        <p:spPr>
+          <a:xfrm>
+            <a:off x="4586236" y="2128542"/>
+            <a:ext cx="635302" cy="369332"/>
+          </a:xfrm>
+          <a:prstGeom prst="rect">
+            <a:avLst/>
+          </a:prstGeom>
+          <a:noFill/>
+        </p:spPr>
+        <p:txBody>
+          <a:bodyPr wrap="none" rtlCol="0">
+            <a:spAutoFit/>
+          </a:bodyPr>
+          <a:lstStyle/>
+          <a:p>
+            <a:r>
+              <a:rPr lang="en-US" dirty="0" smtClean="0"/>
+              <a:t>20px</a:t>
+            </a:r>
+            <a:endParaRPr lang="en-US" dirty="0"/>
+          </a:p>
+        </p:txBody>
+      </p:sp>
+      <p:sp>
+        <p:nvSpPr>
+          <p:cNvPr id="12" name="Right Brace 11"/>
+          <p:cNvSpPr/>
+          <p:nvPr/>
+        </p:nvSpPr>
+        <p:spPr>
+          <a:xfrm>
+            <a:off x="6020897" y="2800430"/>
+            <a:ext cx="346842" cy="1800000"/>
+          </a:xfrm>
+          <a:prstGeom prst="rightBrace">
+            <a:avLst/>
+          </a:prstGeom>
+        </p:spPr>
+        <p:style>
+          <a:lnRef idx="1">
+            <a:schemeClr val="accent1"/>
+          </a:lnRef>
+          <a:fillRef idx="0">
+            <a:schemeClr val="accent1"/>
+          </a:fillRef>
+          <a:effectRef idx="0">
+            <a:schemeClr val="accent1"/>
+          </a:effectRef>
+          <a:fontRef idx="minor">
+            <a:schemeClr val="tx1"/>
+          </a:fontRef>
+        </p:style>
+        <p:txBody>
+          <a:bodyPr rtlCol="0" anchor="ctr"/>
+          <a:lstStyle/>
+          <a:p>
+            <a:pPr algn="ctr"/>
+            <a:endParaRPr lang="en-US"/>
+          </a:p>
+        </p:txBody>
+      </p:sp>
+      <p:sp>
+        <p:nvSpPr>
+          <p:cNvPr id="13" name="TextBox 12"/>
+          <p:cNvSpPr txBox="1"/>
+          <p:nvPr/>
+        </p:nvSpPr>
+        <p:spPr>
+          <a:xfrm>
+            <a:off x="6320438" y="3500144"/>
+            <a:ext cx="635302" cy="369332"/>
+          </a:xfrm>
+          <a:prstGeom prst="rect">
+            <a:avLst/>
+          </a:prstGeom>
+          <a:noFill/>
+        </p:spPr>
+        <p:txBody>
+          <a:bodyPr wrap="none" rtlCol="0">
+            <a:spAutoFit/>
+          </a:bodyPr>
+          <a:lstStyle/>
+          <a:p>
+            <a:r>
+              <a:rPr lang="en-US" dirty="0" smtClean="0"/>
+              <a:t>20px</a:t>
+            </a:r>
+            <a:endParaRPr lang="en-US" dirty="0"/>
+          </a:p>
+        </p:txBody>
+      </p:sp>
+      <p:sp>
+        <p:nvSpPr>
+          <p:cNvPr id="15" name="TextBox 14"/>
+          <p:cNvSpPr txBox="1"/>
+          <p:nvPr/>
+        </p:nvSpPr>
+        <p:spPr>
+          <a:xfrm>
+            <a:off x="7845186" y="365125"/>
+            <a:ext cx="3570208" cy="6186309"/>
+          </a:xfrm>
+          <a:prstGeom prst="rect">
+            <a:avLst/>
+          </a:prstGeom>
+          <a:noFill/>
+        </p:spPr>
+        <p:txBody>
+          <a:bodyPr wrap="none" rtlCol="0">
+            <a:spAutoFit/>
+          </a:bodyPr>
+          <a:lstStyle/>
+          <a:p>
+            <a:r>
+              <a:rPr lang="is-IS" dirty="0"/>
+              <a:t>[</a:t>
+            </a:r>
+            <a:r>
+              <a:rPr lang="is-IS" dirty="0" smtClean="0"/>
+              <a:t>255,255,255,255,255,255,255,255,</a:t>
+            </a:r>
+          </a:p>
+          <a:p>
+            <a:r>
+              <a:rPr lang="is-IS" dirty="0" smtClean="0"/>
+              <a:t>255,255,255,255,255,255,255,255,</a:t>
+            </a:r>
+          </a:p>
+          <a:p>
+            <a:r>
+              <a:rPr lang="is-IS" dirty="0" smtClean="0"/>
+              <a:t>255,255,255,255,255,255,255,255,</a:t>
+            </a:r>
+          </a:p>
+          <a:p>
+            <a:r>
+              <a:rPr lang="is-IS" dirty="0" smtClean="0"/>
+              <a:t>255,255,255,255,192,208,255,255,</a:t>
+            </a:r>
+          </a:p>
+          <a:p>
+            <a:r>
+              <a:rPr lang="is-IS" dirty="0" smtClean="0"/>
+              <a:t>255,255,255,255,255,255,255,255,</a:t>
+            </a:r>
+          </a:p>
+          <a:p>
+            <a:r>
+              <a:rPr lang="is-IS" dirty="0" smtClean="0"/>
+              <a:t>255,255,255,255,255,255,255,112,</a:t>
+            </a:r>
+          </a:p>
+          <a:p>
+            <a:r>
+              <a:rPr lang="is-IS" dirty="0" smtClean="0"/>
+              <a:t>0,0,16,80,160,255,255,255,255,255,</a:t>
+            </a:r>
+          </a:p>
+          <a:p>
+            <a:r>
+              <a:rPr lang="is-IS" dirty="0" smtClean="0"/>
+              <a:t>255,255,255,255,255,255,255,240,</a:t>
+            </a:r>
+          </a:p>
+          <a:p>
+            <a:r>
+              <a:rPr lang="is-IS" dirty="0" smtClean="0"/>
+              <a:t>96,0,0,0,0,0,0,80,255,255,255,255,</a:t>
+            </a:r>
+          </a:p>
+          <a:p>
+            <a:r>
+              <a:rPr lang="is-IS" dirty="0" smtClean="0"/>
+              <a:t>255,255,255,255,255,255,255,64,0,</a:t>
+            </a:r>
+          </a:p>
+          <a:p>
+            <a:r>
+              <a:rPr lang="is-IS" dirty="0" smtClean="0"/>
+              <a:t>48,176,255,208,144,32,0,128,255,</a:t>
+            </a:r>
+          </a:p>
+          <a:p>
+            <a:r>
+              <a:rPr lang="is-IS" dirty="0" smtClean="0"/>
+              <a:t>255,255,255,255,255,255,255,255,</a:t>
+            </a:r>
+          </a:p>
+          <a:p>
+            <a:r>
+              <a:rPr lang="is-IS" dirty="0" smtClean="0"/>
+              <a:t>160,0,80,255,255, 255,255,255,224,</a:t>
+            </a:r>
+          </a:p>
+          <a:p>
+            <a:r>
+              <a:rPr lang="is-IS" dirty="0" smtClean="0"/>
+              <a:t>0,0,255,255, 255,255,255,255,255,</a:t>
+            </a:r>
+          </a:p>
+          <a:p>
+            <a:r>
+              <a:rPr lang="is-IS" dirty="0" smtClean="0"/>
+              <a:t>255,240,16,0,224,255,255,255,255,</a:t>
+            </a:r>
+          </a:p>
+          <a:p>
+            <a:r>
+              <a:rPr lang="is-IS" dirty="0" smtClean="0"/>
+              <a:t>255,255,48,0,192,255,</a:t>
+            </a:r>
+          </a:p>
+          <a:p>
+            <a:r>
+              <a:rPr lang="is-IS" dirty="0" smtClean="0"/>
+              <a:t>...</a:t>
+            </a:r>
+          </a:p>
+          <a:p>
+            <a:r>
+              <a:rPr lang="is-IS" dirty="0" smtClean="0"/>
+              <a:t>...</a:t>
+            </a:r>
+          </a:p>
+          <a:p>
+            <a:r>
+              <a:rPr lang="is-IS" dirty="0" smtClean="0"/>
+              <a:t>...</a:t>
+            </a:r>
+          </a:p>
+          <a:p>
+            <a:r>
+              <a:rPr lang="is-IS" dirty="0" smtClean="0"/>
+              <a:t>255,255,255,255,255,255,255,255,</a:t>
+            </a:r>
+          </a:p>
+          <a:p>
+            <a:r>
+              <a:rPr lang="is-IS" dirty="0" smtClean="0"/>
+              <a:t>255,255,255,255,255,255,255,255,</a:t>
+            </a:r>
+          </a:p>
+          <a:p>
+            <a:r>
+              <a:rPr lang="is-IS" dirty="0" smtClean="0"/>
+              <a:t>255,255,255,255,255,255,255,255</a:t>
+            </a:r>
+            <a:r>
+              <a:rPr lang="is-IS" dirty="0"/>
+              <a:t>]</a:t>
+            </a:r>
+            <a:endParaRPr lang="en-US" dirty="0"/>
+          </a:p>
+        </p:txBody>
+      </p:sp>
+      <p:sp>
+        <p:nvSpPr>
+          <p:cNvPr id="17" name="Right Arrow 16"/>
+          <p:cNvSpPr/>
+          <p:nvPr/>
+        </p:nvSpPr>
+        <p:spPr>
+          <a:xfrm>
+            <a:off x="7033668" y="3589873"/>
+            <a:ext cx="675670" cy="279603"/>
+          </a:xfrm>
+          <a:prstGeom prst="rightArrow">
+            <a:avLst/>
+          </a:prstGeom>
+        </p:spPr>
+        <p:style>
+          <a:lnRef idx="2">
+            <a:schemeClr val="accent1">
+              <a:shade val="50000"/>
+            </a:schemeClr>
+          </a:lnRef>
+          <a:fillRef idx="1">
+            <a:schemeClr val="accent1"/>
+          </a:fillRef>
+          <a:effectRef idx="0">
+            <a:schemeClr val="accent1"/>
+          </a:effectRef>
+          <a:fontRef idx="minor">
+            <a:schemeClr val="lt1"/>
+          </a:fontRef>
+        </p:style>
+        <p:txBody>
+          <a:bodyPr rtlCol="0" anchor="ctr"/>
+          <a:lstStyle/>
+          <a:p>
+            <a:pPr algn="ctr"/>
+            <a:endParaRPr lang="en-US">
+              <a:solidFill>
+                <a:schemeClr val="tx1"/>
+              </a:solidFill>
+            </a:endParaRPr>
+          </a:p>
+        </p:txBody>
+      </p:sp>
+    </p:spTree>
+    <p:extLst>
+      <p:ext uri="{BB962C8B-B14F-4D97-AF65-F5344CB8AC3E}">
+        <p14:creationId xmlns:p14="http://schemas.microsoft.com/office/powerpoint/2010/main" val="1381888787"/>
+      </p:ext>
+    </p:extLst>
+  </p:cSld>
+  <p:clrMapOvr>
+    <a:masterClrMapping/>
+  </p:clrMapOvr>
+  <p:timing>
+    <p:tnLst>
+      <p:par>
+        <p:cTn id="1" dur="indefinite" restart="never" nodeType="tmRoot">
+          <p:childTnLst>
+            <p:seq concurrent="1" nextAc="seek">
+              <p:cTn id="2" dur="indefinite" nodeType="mainSeq">
+                <p:childTnLst>
+                  <p:par>
+                    <p:cTn id="3" fill="hold">
+                      <p:stCondLst>
+                        <p:cond delay="indefinite"/>
+                      </p:stCondLst>
+                      <p:childTnLst>
+                        <p:par>
+                          <p:cTn id="4" fill="hold">
+                            <p:stCondLst>
+                              <p:cond delay="0"/>
+                            </p:stCondLst>
+                            <p:childTnLst>
+                              <p:par>
+                                <p:cTn id="5" presetID="5" presetClass="entr" presetSubtype="10" fill="hold" grpId="0" nodeType="clickEffect">
+                                  <p:stCondLst>
+                                    <p:cond delay="0"/>
+                                  </p:stCondLst>
+                                  <p:childTnLst>
+                                    <p:set>
+                                      <p:cBhvr>
+                                        <p:cTn id="6" dur="1" fill="hold">
+                                          <p:stCondLst>
+                                            <p:cond delay="0"/>
+                                          </p:stCondLst>
+                                        </p:cTn>
+                                        <p:tgtEl>
+                                          <p:spTgt spid="6"/>
+                                        </p:tgtEl>
+                                        <p:attrNameLst>
+                                          <p:attrName>style.visibility</p:attrName>
+                                        </p:attrNameLst>
+                                      </p:cBhvr>
+                                      <p:to>
+                                        <p:strVal val="visible"/>
+                                      </p:to>
+                                    </p:set>
+                                    <p:animEffect transition="in" filter="checkerboard(across)">
+                                      <p:cBhvr>
+                                        <p:cTn id="7" dur="500"/>
+                                        <p:tgtEl>
+                                          <p:spTgt spid="6"/>
+                                        </p:tgtEl>
+                                      </p:cBhvr>
+                                    </p:animEffect>
+                                  </p:childTnLst>
+                                </p:cTn>
+                              </p:par>
+                            </p:childTnLst>
+                          </p:cTn>
+                        </p:par>
+                      </p:childTnLst>
+                    </p:cTn>
+                  </p:par>
+                  <p:par>
+                    <p:cTn id="8" fill="hold">
+                      <p:stCondLst>
+                        <p:cond delay="indefinite"/>
+                      </p:stCondLst>
+                      <p:childTnLst>
+                        <p:par>
+                          <p:cTn id="9" fill="hold">
+                            <p:stCondLst>
+                              <p:cond delay="0"/>
+                            </p:stCondLst>
+                            <p:childTnLst>
+                              <p:par>
+                                <p:cTn id="10" presetID="5" presetClass="entr" presetSubtype="10" fill="hold" nodeType="clickEffect">
+                                  <p:stCondLst>
+                                    <p:cond delay="0"/>
+                                  </p:stCondLst>
+                                  <p:childTnLst>
+                                    <p:set>
+                                      <p:cBhvr>
+                                        <p:cTn id="11" dur="1" fill="hold">
+                                          <p:stCondLst>
+                                            <p:cond delay="0"/>
+                                          </p:stCondLst>
+                                        </p:cTn>
+                                        <p:tgtEl>
+                                          <p:spTgt spid="8"/>
+                                        </p:tgtEl>
+                                        <p:attrNameLst>
+                                          <p:attrName>style.visibility</p:attrName>
+                                        </p:attrNameLst>
+                                      </p:cBhvr>
+                                      <p:to>
+                                        <p:strVal val="visible"/>
+                                      </p:to>
+                                    </p:set>
+                                    <p:animEffect transition="in" filter="checkerboard(across)">
+                                      <p:cBhvr>
+                                        <p:cTn id="12" dur="500"/>
+                                        <p:tgtEl>
+                                          <p:spTgt spid="8"/>
+                                        </p:tgtEl>
+                                      </p:cBhvr>
+                                    </p:animEffect>
+                                  </p:childTnLst>
+                                </p:cTn>
+                              </p:par>
+                              <p:par>
+                                <p:cTn id="13" presetID="5" presetClass="entr" presetSubtype="10" fill="hold" nodeType="withEffect">
+                                  <p:stCondLst>
+                                    <p:cond delay="0"/>
+                                  </p:stCondLst>
+                                  <p:childTnLst>
+                                    <p:set>
+                                      <p:cBhvr>
+                                        <p:cTn id="14" dur="1" fill="hold">
+                                          <p:stCondLst>
+                                            <p:cond delay="0"/>
+                                          </p:stCondLst>
+                                        </p:cTn>
+                                        <p:tgtEl>
+                                          <p:spTgt spid="5"/>
+                                        </p:tgtEl>
+                                        <p:attrNameLst>
+                                          <p:attrName>style.visibility</p:attrName>
+                                        </p:attrNameLst>
+                                      </p:cBhvr>
+                                      <p:to>
+                                        <p:strVal val="visible"/>
+                                      </p:to>
+                                    </p:set>
+                                    <p:animEffect transition="in" filter="checkerboard(across)">
+                                      <p:cBhvr>
+                                        <p:cTn id="15" dur="500"/>
+                                        <p:tgtEl>
+                                          <p:spTgt spid="5"/>
+                                        </p:tgtEl>
+                                      </p:cBhvr>
+                                    </p:animEffect>
+                                  </p:childTnLst>
+                                </p:cTn>
+                              </p:par>
+                              <p:par>
+                                <p:cTn id="16" presetID="5" presetClass="entr" presetSubtype="10" fill="hold" grpId="0" nodeType="withEffect">
+                                  <p:stCondLst>
+                                    <p:cond delay="0"/>
+                                  </p:stCondLst>
+                                  <p:childTnLst>
+                                    <p:set>
+                                      <p:cBhvr>
+                                        <p:cTn id="17" dur="1" fill="hold">
+                                          <p:stCondLst>
+                                            <p:cond delay="0"/>
+                                          </p:stCondLst>
+                                        </p:cTn>
+                                        <p:tgtEl>
+                                          <p:spTgt spid="10"/>
+                                        </p:tgtEl>
+                                        <p:attrNameLst>
+                                          <p:attrName>style.visibility</p:attrName>
+                                        </p:attrNameLst>
+                                      </p:cBhvr>
+                                      <p:to>
+                                        <p:strVal val="visible"/>
+                                      </p:to>
+                                    </p:set>
+                                    <p:animEffect transition="in" filter="checkerboard(across)">
+                                      <p:cBhvr>
+                                        <p:cTn id="18" dur="500"/>
+                                        <p:tgtEl>
+                                          <p:spTgt spid="10"/>
+                                        </p:tgtEl>
+                                      </p:cBhvr>
+                                    </p:animEffect>
+                                  </p:childTnLst>
+                                </p:cTn>
+                              </p:par>
+                              <p:par>
+                                <p:cTn id="19" presetID="5" presetClass="entr" presetSubtype="10" fill="hold" grpId="0" nodeType="withEffect">
+                                  <p:stCondLst>
+                                    <p:cond delay="0"/>
+                                  </p:stCondLst>
+                                  <p:childTnLst>
+                                    <p:set>
+                                      <p:cBhvr>
+                                        <p:cTn id="20" dur="1" fill="hold">
+                                          <p:stCondLst>
+                                            <p:cond delay="0"/>
+                                          </p:stCondLst>
+                                        </p:cTn>
+                                        <p:tgtEl>
+                                          <p:spTgt spid="11"/>
+                                        </p:tgtEl>
+                                        <p:attrNameLst>
+                                          <p:attrName>style.visibility</p:attrName>
+                                        </p:attrNameLst>
+                                      </p:cBhvr>
+                                      <p:to>
+                                        <p:strVal val="visible"/>
+                                      </p:to>
+                                    </p:set>
+                                    <p:animEffect transition="in" filter="checkerboard(across)">
+                                      <p:cBhvr>
+                                        <p:cTn id="21" dur="500"/>
+                                        <p:tgtEl>
+                                          <p:spTgt spid="11"/>
+                                        </p:tgtEl>
+                                      </p:cBhvr>
+                                    </p:animEffect>
+                                  </p:childTnLst>
+                                </p:cTn>
+                              </p:par>
+                              <p:par>
+                                <p:cTn id="22" presetID="5" presetClass="entr" presetSubtype="10" fill="hold" grpId="0" nodeType="withEffect">
+                                  <p:stCondLst>
+                                    <p:cond delay="0"/>
+                                  </p:stCondLst>
+                                  <p:childTnLst>
+                                    <p:set>
+                                      <p:cBhvr>
+                                        <p:cTn id="23" dur="1" fill="hold">
+                                          <p:stCondLst>
+                                            <p:cond delay="0"/>
+                                          </p:stCondLst>
+                                        </p:cTn>
+                                        <p:tgtEl>
+                                          <p:spTgt spid="12"/>
+                                        </p:tgtEl>
+                                        <p:attrNameLst>
+                                          <p:attrName>style.visibility</p:attrName>
+                                        </p:attrNameLst>
+                                      </p:cBhvr>
+                                      <p:to>
+                                        <p:strVal val="visible"/>
+                                      </p:to>
+                                    </p:set>
+                                    <p:animEffect transition="in" filter="checkerboard(across)">
+                                      <p:cBhvr>
+                                        <p:cTn id="24" dur="500"/>
+                                        <p:tgtEl>
+                                          <p:spTgt spid="12"/>
+                                        </p:tgtEl>
+                                      </p:cBhvr>
+                                    </p:animEffect>
+                                  </p:childTnLst>
+                                </p:cTn>
+                              </p:par>
+                              <p:par>
+                                <p:cTn id="25" presetID="5" presetClass="entr" presetSubtype="10" fill="hold" grpId="0" nodeType="withEffect">
+                                  <p:stCondLst>
+                                    <p:cond delay="0"/>
+                                  </p:stCondLst>
+                                  <p:childTnLst>
+                                    <p:set>
+                                      <p:cBhvr>
+                                        <p:cTn id="26" dur="1" fill="hold">
+                                          <p:stCondLst>
+                                            <p:cond delay="0"/>
+                                          </p:stCondLst>
+                                        </p:cTn>
+                                        <p:tgtEl>
+                                          <p:spTgt spid="13"/>
+                                        </p:tgtEl>
+                                        <p:attrNameLst>
+                                          <p:attrName>style.visibility</p:attrName>
+                                        </p:attrNameLst>
+                                      </p:cBhvr>
+                                      <p:to>
+                                        <p:strVal val="visible"/>
+                                      </p:to>
+                                    </p:set>
+                                    <p:animEffect transition="in" filter="checkerboard(across)">
+                                      <p:cBhvr>
+                                        <p:cTn id="27" dur="500"/>
+                                        <p:tgtEl>
+                                          <p:spTgt spid="13"/>
+                                        </p:tgtEl>
+                                      </p:cBhvr>
+                                    </p:animEffect>
+                                  </p:childTnLst>
+                                </p:cTn>
+                              </p:par>
+                            </p:childTnLst>
+                          </p:cTn>
+                        </p:par>
+                      </p:childTnLst>
+                    </p:cTn>
+                  </p:par>
+                  <p:par>
+                    <p:cTn id="28" fill="hold">
+                      <p:stCondLst>
+                        <p:cond delay="indefinite"/>
+                      </p:stCondLst>
+                      <p:childTnLst>
+                        <p:par>
+                          <p:cTn id="29" fill="hold">
+                            <p:stCondLst>
+                              <p:cond delay="0"/>
+                            </p:stCondLst>
+                            <p:childTnLst>
+                              <p:par>
+                                <p:cTn id="30" presetID="5" presetClass="entr" presetSubtype="10" fill="hold" grpId="0" nodeType="clickEffect">
+                                  <p:stCondLst>
+                                    <p:cond delay="0"/>
+                                  </p:stCondLst>
+                                  <p:childTnLst>
+                                    <p:set>
+                                      <p:cBhvr>
+                                        <p:cTn id="31" dur="1" fill="hold">
+                                          <p:stCondLst>
+                                            <p:cond delay="0"/>
+                                          </p:stCondLst>
+                                        </p:cTn>
+                                        <p:tgtEl>
+                                          <p:spTgt spid="17"/>
+                                        </p:tgtEl>
+                                        <p:attrNameLst>
+                                          <p:attrName>style.visibility</p:attrName>
+                                        </p:attrNameLst>
+                                      </p:cBhvr>
+                                      <p:to>
+                                        <p:strVal val="visible"/>
+                                      </p:to>
+                                    </p:set>
+                                    <p:animEffect transition="in" filter="checkerboard(across)">
+                                      <p:cBhvr>
+                                        <p:cTn id="32" dur="500"/>
+                                        <p:tgtEl>
+                                          <p:spTgt spid="17"/>
+                                        </p:tgtEl>
+                                      </p:cBhvr>
+                                    </p:animEffect>
+                                  </p:childTnLst>
+                                </p:cTn>
+                              </p:par>
+                              <p:par>
+                                <p:cTn id="33" presetID="5" presetClass="entr" presetSubtype="10" fill="hold" grpId="0" nodeType="withEffect">
+                                  <p:stCondLst>
+                                    <p:cond delay="0"/>
+                                  </p:stCondLst>
+                                  <p:childTnLst>
+                                    <p:set>
+                                      <p:cBhvr>
+                                        <p:cTn id="34" dur="1" fill="hold">
+                                          <p:stCondLst>
+                                            <p:cond delay="0"/>
+                                          </p:stCondLst>
+                                        </p:cTn>
+                                        <p:tgtEl>
+                                          <p:spTgt spid="15"/>
+                                        </p:tgtEl>
+                                        <p:attrNameLst>
+                                          <p:attrName>style.visibility</p:attrName>
+                                        </p:attrNameLst>
+                                      </p:cBhvr>
+                                      <p:to>
+                                        <p:strVal val="visible"/>
+                                      </p:to>
+                                    </p:set>
+                                    <p:animEffect transition="in" filter="checkerboard(across)">
+                                      <p:cBhvr>
+                                        <p:cTn id="35" dur="500"/>
+                                        <p:tgtEl>
+                                          <p:spTgt spid="15"/>
+                                        </p:tgtEl>
+                                      </p:cBhvr>
+                                    </p:animEffect>
+                                  </p:childTnLst>
+                                </p:cTn>
+                              </p:par>
+                            </p:childTnLst>
+                          </p:cTn>
+                        </p:par>
+                      </p:childTnLst>
+                    </p:cTn>
+                  </p:par>
+                </p:childTnLst>
+              </p:cTn>
+              <p:prevCondLst>
+                <p:cond evt="onPrev" delay="0">
+                  <p:tgtEl>
+                    <p:sldTgt/>
+                  </p:tgtEl>
+                </p:cond>
+              </p:prevCondLst>
+              <p:nextCondLst>
+                <p:cond evt="onNext" delay="0">
+                  <p:tgtEl>
+                    <p:sldTgt/>
+                  </p:tgtEl>
+                </p:cond>
+              </p:nextCondLst>
+            </p:seq>
+          </p:childTnLst>
+        </p:cTn>
+      </p:par>
+    </p:tnLst>
+    <p:bldLst>
+      <p:bldP spid="6" grpId="0" animBg="1"/>
+      <p:bldP spid="10" grpId="0" animBg="1"/>
+      <p:bldP spid="11" grpId="0"/>
+      <p:bldP spid="12" grpId="0" animBg="1"/>
+      <p:bldP spid="13" grpId="0"/>
+      <p:bldP spid="15" grpId="0"/>
+      <p:bldP spid="17" grpId="0" animBg="1"/>
+    </p:bldLst>
+  </p:timing>
+</p:sld>
+</file>
+
+<file path=ppt/slides/slide22.xml><?xml version="1.0" encoding="utf-8"?>
 <p:sld xmlns:a="http://schemas.openxmlformats.org/drawingml/2006/main" xmlns:r="http://schemas.openxmlformats.org/officeDocument/2006/relationships" xmlns:p="http://schemas.openxmlformats.org/presentationml/2006/main">
   <p:cSld>
     <p:spTree>
@@ -13443,7 +14049,7 @@
 </p:sld>
 </file>
 
-<file path=ppt/slides/slide21.xml><?xml version="1.0" encoding="utf-8"?>
+<file path=ppt/slides/slide23.xml><?xml version="1.0" encoding="utf-8"?>
 <p:sld xmlns:a="http://schemas.openxmlformats.org/drawingml/2006/main" xmlns:r="http://schemas.openxmlformats.org/officeDocument/2006/relationships" xmlns:p="http://schemas.openxmlformats.org/presentationml/2006/main">
   <p:cSld>
     <p:spTree>
@@ -16626,7 +17232,7 @@
 </p:sld>
 </file>
 
-<file path=ppt/slides/slide22.xml><?xml version="1.0" encoding="utf-8"?>
+<file path=ppt/slides/slide24.xml><?xml version="1.0" encoding="utf-8"?>
 <p:sld xmlns:a="http://schemas.openxmlformats.org/drawingml/2006/main" xmlns:r="http://schemas.openxmlformats.org/officeDocument/2006/relationships" xmlns:p="http://schemas.openxmlformats.org/presentationml/2006/main">
   <p:cSld>
     <p:spTree>
@@ -17311,7 +17917,7 @@
 </p:sld>
 </file>
 
-<file path=ppt/slides/slide23.xml><?xml version="1.0" encoding="utf-8"?>
+<file path=ppt/slides/slide25.xml><?xml version="1.0" encoding="utf-8"?>
 <p:sld xmlns:a="http://schemas.openxmlformats.org/drawingml/2006/main" xmlns:r="http://schemas.openxmlformats.org/officeDocument/2006/relationships" xmlns:p="http://schemas.openxmlformats.org/presentationml/2006/main">
   <p:cSld>
     <p:spTree>
@@ -17376,7 +17982,7 @@
 </p:sld>
 </file>
 
-<file path=ppt/slides/slide24.xml><?xml version="1.0" encoding="utf-8"?>
+<file path=ppt/slides/slide26.xml><?xml version="1.0" encoding="utf-8"?>
 <p:sld xmlns:a="http://schemas.openxmlformats.org/drawingml/2006/main" xmlns:r="http://schemas.openxmlformats.org/officeDocument/2006/relationships" xmlns:p="http://schemas.openxmlformats.org/presentationml/2006/main">
   <p:cSld>
     <p:spTree>
@@ -18805,7 +19411,7 @@
 </p:sld>
 </file>
 
-<file path=ppt/slides/slide25.xml><?xml version="1.0" encoding="utf-8"?>
+<file path=ppt/slides/slide27.xml><?xml version="1.0" encoding="utf-8"?>
 <p:sld xmlns:a="http://schemas.openxmlformats.org/drawingml/2006/main" xmlns:r="http://schemas.openxmlformats.org/officeDocument/2006/relationships" xmlns:p="http://schemas.openxmlformats.org/presentationml/2006/main">
   <p:cSld>
     <p:spTree>
@@ -18895,7 +19501,7 @@
 </p:sld>
 </file>
 
-<file path=ppt/slides/slide26.xml><?xml version="1.0" encoding="utf-8"?>
+<file path=ppt/slides/slide28.xml><?xml version="1.0" encoding="utf-8"?>
 <p:sld xmlns:a="http://schemas.openxmlformats.org/drawingml/2006/main" xmlns:r="http://schemas.openxmlformats.org/officeDocument/2006/relationships" xmlns:p="http://schemas.openxmlformats.org/presentationml/2006/main">
   <p:cSld>
     <p:spTree>
@@ -20250,7 +20856,7 @@
 </p:sld>
 </file>
 
-<file path=ppt/slides/slide27.xml><?xml version="1.0" encoding="utf-8"?>
+<file path=ppt/slides/slide29.xml><?xml version="1.0" encoding="utf-8"?>
 <p:sld xmlns:a="http://schemas.openxmlformats.org/drawingml/2006/main" xmlns:r="http://schemas.openxmlformats.org/officeDocument/2006/relationships" xmlns:p="http://schemas.openxmlformats.org/presentationml/2006/main">
   <p:cSld>
     <p:bg>
@@ -21454,7 +22060,102 @@
 </p:sld>
 </file>
 
-<file path=ppt/slides/slide28.xml><?xml version="1.0" encoding="utf-8"?>
+<file path=ppt/slides/slide3.xml><?xml version="1.0" encoding="utf-8"?>
+<p:sld xmlns:a="http://schemas.openxmlformats.org/drawingml/2006/main" xmlns:r="http://schemas.openxmlformats.org/officeDocument/2006/relationships" xmlns:p="http://schemas.openxmlformats.org/presentationml/2006/main">
+  <p:cSld>
+    <p:spTree>
+      <p:nvGrpSpPr>
+        <p:cNvPr id="1" name=""/>
+        <p:cNvGrpSpPr/>
+        <p:nvPr/>
+      </p:nvGrpSpPr>
+      <p:grpSpPr>
+        <a:xfrm>
+          <a:off x="0" y="0"/>
+          <a:ext cx="0" cy="0"/>
+          <a:chOff x="0" y="0"/>
+          <a:chExt cx="0" cy="0"/>
+        </a:xfrm>
+      </p:grpSpPr>
+      <p:sp>
+        <p:nvSpPr>
+          <p:cNvPr id="2" name="Title 1"/>
+          <p:cNvSpPr>
+            <a:spLocks noGrp="1"/>
+          </p:cNvSpPr>
+          <p:nvPr>
+            <p:ph type="title"/>
+          </p:nvPr>
+        </p:nvSpPr>
+        <p:spPr>
+          <a:xfrm>
+            <a:off x="3393528" y="1394619"/>
+            <a:ext cx="5404945" cy="1325563"/>
+          </a:xfrm>
+        </p:spPr>
+        <p:txBody>
+          <a:bodyPr/>
+          <a:lstStyle/>
+          <a:p>
+            <a:r>
+              <a:rPr lang="zh-CN" altLang="en-US" dirty="0" smtClean="0"/>
+              <a:t>识别照明灯范例讲解</a:t>
+            </a:r>
+            <a:endParaRPr lang="en-US" dirty="0"/>
+          </a:p>
+        </p:txBody>
+      </p:sp>
+      <p:sp>
+        <p:nvSpPr>
+          <p:cNvPr id="4" name="TextBox 3"/>
+          <p:cNvSpPr txBox="1"/>
+          <p:nvPr/>
+        </p:nvSpPr>
+        <p:spPr>
+          <a:xfrm>
+            <a:off x="4964921" y="3042746"/>
+            <a:ext cx="2262158" cy="369332"/>
+          </a:xfrm>
+          <a:prstGeom prst="rect">
+            <a:avLst/>
+          </a:prstGeom>
+          <a:noFill/>
+        </p:spPr>
+        <p:txBody>
+          <a:bodyPr wrap="none" rtlCol="0">
+            <a:spAutoFit/>
+          </a:bodyPr>
+          <a:lstStyle/>
+          <a:p>
+            <a:r>
+              <a:rPr lang="zh-CN" altLang="en-US" dirty="0" smtClean="0"/>
+              <a:t>决策树分类器的应用</a:t>
+            </a:r>
+            <a:endParaRPr lang="en-US" dirty="0"/>
+          </a:p>
+        </p:txBody>
+      </p:sp>
+    </p:spTree>
+    <p:extLst>
+      <p:ext uri="{BB962C8B-B14F-4D97-AF65-F5344CB8AC3E}">
+        <p14:creationId xmlns:p14="http://schemas.microsoft.com/office/powerpoint/2010/main" val="1876972993"/>
+      </p:ext>
+    </p:extLst>
+  </p:cSld>
+  <p:clrMapOvr>
+    <a:masterClrMapping/>
+  </p:clrMapOvr>
+  <p:timing>
+    <p:tnLst>
+      <p:par>
+        <p:cTn id="1" dur="indefinite" restart="never" nodeType="tmRoot"/>
+      </p:par>
+    </p:tnLst>
+  </p:timing>
+</p:sld>
+</file>
+
+<file path=ppt/slides/slide30.xml><?xml version="1.0" encoding="utf-8"?>
 <p:sld xmlns:a="http://schemas.openxmlformats.org/drawingml/2006/main" xmlns:r="http://schemas.openxmlformats.org/officeDocument/2006/relationships" xmlns:p="http://schemas.openxmlformats.org/presentationml/2006/main">
   <p:cSld>
     <p:spTree>
@@ -21656,101 +22357,6 @@
             </p:seq>
           </p:childTnLst>
         </p:cTn>
-      </p:par>
-    </p:tnLst>
-  </p:timing>
-</p:sld>
-</file>
-
-<file path=ppt/slides/slide3.xml><?xml version="1.0" encoding="utf-8"?>
-<p:sld xmlns:a="http://schemas.openxmlformats.org/drawingml/2006/main" xmlns:r="http://schemas.openxmlformats.org/officeDocument/2006/relationships" xmlns:p="http://schemas.openxmlformats.org/presentationml/2006/main">
-  <p:cSld>
-    <p:spTree>
-      <p:nvGrpSpPr>
-        <p:cNvPr id="1" name=""/>
-        <p:cNvGrpSpPr/>
-        <p:nvPr/>
-      </p:nvGrpSpPr>
-      <p:grpSpPr>
-        <a:xfrm>
-          <a:off x="0" y="0"/>
-          <a:ext cx="0" cy="0"/>
-          <a:chOff x="0" y="0"/>
-          <a:chExt cx="0" cy="0"/>
-        </a:xfrm>
-      </p:grpSpPr>
-      <p:sp>
-        <p:nvSpPr>
-          <p:cNvPr id="2" name="Title 1"/>
-          <p:cNvSpPr>
-            <a:spLocks noGrp="1"/>
-          </p:cNvSpPr>
-          <p:nvPr>
-            <p:ph type="title"/>
-          </p:nvPr>
-        </p:nvSpPr>
-        <p:spPr>
-          <a:xfrm>
-            <a:off x="3393528" y="1394619"/>
-            <a:ext cx="5404945" cy="1325563"/>
-          </a:xfrm>
-        </p:spPr>
-        <p:txBody>
-          <a:bodyPr/>
-          <a:lstStyle/>
-          <a:p>
-            <a:r>
-              <a:rPr lang="zh-CN" altLang="en-US" dirty="0" smtClean="0"/>
-              <a:t>识别照明灯范例讲解</a:t>
-            </a:r>
-            <a:endParaRPr lang="en-US" dirty="0"/>
-          </a:p>
-        </p:txBody>
-      </p:sp>
-      <p:sp>
-        <p:nvSpPr>
-          <p:cNvPr id="4" name="TextBox 3"/>
-          <p:cNvSpPr txBox="1"/>
-          <p:nvPr/>
-        </p:nvSpPr>
-        <p:spPr>
-          <a:xfrm>
-            <a:off x="4964921" y="3042746"/>
-            <a:ext cx="2262158" cy="369332"/>
-          </a:xfrm>
-          <a:prstGeom prst="rect">
-            <a:avLst/>
-          </a:prstGeom>
-          <a:noFill/>
-        </p:spPr>
-        <p:txBody>
-          <a:bodyPr wrap="none" rtlCol="0">
-            <a:spAutoFit/>
-          </a:bodyPr>
-          <a:lstStyle/>
-          <a:p>
-            <a:r>
-              <a:rPr lang="zh-CN" altLang="en-US" dirty="0" smtClean="0"/>
-              <a:t>决策树分类器的应用</a:t>
-            </a:r>
-            <a:endParaRPr lang="en-US" dirty="0"/>
-          </a:p>
-        </p:txBody>
-      </p:sp>
-    </p:spTree>
-    <p:extLst>
-      <p:ext uri="{BB962C8B-B14F-4D97-AF65-F5344CB8AC3E}">
-        <p14:creationId xmlns:p14="http://schemas.microsoft.com/office/powerpoint/2010/main" val="1876972993"/>
-      </p:ext>
-    </p:extLst>
-  </p:cSld>
-  <p:clrMapOvr>
-    <a:masterClrMapping/>
-  </p:clrMapOvr>
-  <p:timing>
-    <p:tnLst>
-      <p:par>
-        <p:cTn id="1" dur="indefinite" restart="never" nodeType="tmRoot"/>
       </p:par>
     </p:tnLst>
   </p:timing>

--- a/机器学习之手写识别.pptx
+++ b/机器学习之手写识别.pptx
@@ -29,12 +29,14 @@
     <p:sldId id="274" r:id="rId23"/>
     <p:sldId id="275" r:id="rId24"/>
     <p:sldId id="276" r:id="rId25"/>
-    <p:sldId id="278" r:id="rId26"/>
-    <p:sldId id="279" r:id="rId27"/>
-    <p:sldId id="280" r:id="rId28"/>
-    <p:sldId id="281" r:id="rId29"/>
-    <p:sldId id="282" r:id="rId30"/>
-    <p:sldId id="283" r:id="rId31"/>
+    <p:sldId id="286" r:id="rId26"/>
+    <p:sldId id="287" r:id="rId27"/>
+    <p:sldId id="278" r:id="rId28"/>
+    <p:sldId id="279" r:id="rId29"/>
+    <p:sldId id="280" r:id="rId30"/>
+    <p:sldId id="281" r:id="rId31"/>
+    <p:sldId id="282" r:id="rId32"/>
+    <p:sldId id="283" r:id="rId33"/>
   </p:sldIdLst>
   <p:sldSz cx="12192000" cy="6858000"/>
   <p:notesSz cx="6858000" cy="9144000"/>
@@ -180,6 +182,12 @@
             <p14:sldId id="276"/>
           </p14:sldIdLst>
         </p14:section>
+        <p14:section name="提取图片数据" id="{2B2012F7-637A-5744-91CB-8E7963BB0AAE}">
+          <p14:sldIdLst>
+            <p14:sldId id="286"/>
+            <p14:sldId id="287"/>
+          </p14:sldIdLst>
+        </p14:section>
         <p14:section name="选择合适的分类器" id="{1C4FD6CF-51E2-354C-93B1-4A55A4F4E6DE}">
           <p14:sldIdLst>
             <p14:sldId id="278"/>
@@ -330,7 +338,7 @@
           <a:p>
             <a:fld id="{1F6C1808-FC4B-3644-BDA2-BAA4F954847D}" type="datetimeFigureOut">
               <a:rPr lang="en-US" smtClean="0"/>
-              <a:t>3/21/18</a:t>
+              <a:t>3/22/18</a:t>
             </a:fld>
             <a:endParaRPr lang="en-US"/>
           </a:p>
@@ -500,7 +508,7 @@
           <a:p>
             <a:fld id="{1F6C1808-FC4B-3644-BDA2-BAA4F954847D}" type="datetimeFigureOut">
               <a:rPr lang="en-US" smtClean="0"/>
-              <a:t>3/21/18</a:t>
+              <a:t>3/22/18</a:t>
             </a:fld>
             <a:endParaRPr lang="en-US"/>
           </a:p>
@@ -680,7 +688,7 @@
           <a:p>
             <a:fld id="{1F6C1808-FC4B-3644-BDA2-BAA4F954847D}" type="datetimeFigureOut">
               <a:rPr lang="en-US" smtClean="0"/>
-              <a:t>3/21/18</a:t>
+              <a:t>3/22/18</a:t>
             </a:fld>
             <a:endParaRPr lang="en-US"/>
           </a:p>
@@ -850,7 +858,7 @@
           <a:p>
             <a:fld id="{1F6C1808-FC4B-3644-BDA2-BAA4F954847D}" type="datetimeFigureOut">
               <a:rPr lang="en-US" smtClean="0"/>
-              <a:t>3/21/18</a:t>
+              <a:t>3/22/18</a:t>
             </a:fld>
             <a:endParaRPr lang="en-US"/>
           </a:p>
@@ -1096,7 +1104,7 @@
           <a:p>
             <a:fld id="{1F6C1808-FC4B-3644-BDA2-BAA4F954847D}" type="datetimeFigureOut">
               <a:rPr lang="en-US" smtClean="0"/>
-              <a:t>3/21/18</a:t>
+              <a:t>3/22/18</a:t>
             </a:fld>
             <a:endParaRPr lang="en-US"/>
           </a:p>
@@ -1328,7 +1336,7 @@
           <a:p>
             <a:fld id="{1F6C1808-FC4B-3644-BDA2-BAA4F954847D}" type="datetimeFigureOut">
               <a:rPr lang="en-US" smtClean="0"/>
-              <a:t>3/21/18</a:t>
+              <a:t>3/22/18</a:t>
             </a:fld>
             <a:endParaRPr lang="en-US"/>
           </a:p>
@@ -1695,7 +1703,7 @@
           <a:p>
             <a:fld id="{1F6C1808-FC4B-3644-BDA2-BAA4F954847D}" type="datetimeFigureOut">
               <a:rPr lang="en-US" smtClean="0"/>
-              <a:t>3/21/18</a:t>
+              <a:t>3/22/18</a:t>
             </a:fld>
             <a:endParaRPr lang="en-US"/>
           </a:p>
@@ -1813,7 +1821,7 @@
           <a:p>
             <a:fld id="{1F6C1808-FC4B-3644-BDA2-BAA4F954847D}" type="datetimeFigureOut">
               <a:rPr lang="en-US" smtClean="0"/>
-              <a:t>3/21/18</a:t>
+              <a:t>3/22/18</a:t>
             </a:fld>
             <a:endParaRPr lang="en-US"/>
           </a:p>
@@ -1908,7 +1916,7 @@
           <a:p>
             <a:fld id="{1F6C1808-FC4B-3644-BDA2-BAA4F954847D}" type="datetimeFigureOut">
               <a:rPr lang="en-US" smtClean="0"/>
-              <a:t>3/21/18</a:t>
+              <a:t>3/22/18</a:t>
             </a:fld>
             <a:endParaRPr lang="en-US"/>
           </a:p>
@@ -2185,7 +2193,7 @@
           <a:p>
             <a:fld id="{1F6C1808-FC4B-3644-BDA2-BAA4F954847D}" type="datetimeFigureOut">
               <a:rPr lang="en-US" smtClean="0"/>
-              <a:t>3/21/18</a:t>
+              <a:t>3/22/18</a:t>
             </a:fld>
             <a:endParaRPr lang="en-US"/>
           </a:p>
@@ -2438,7 +2446,7 @@
           <a:p>
             <a:fld id="{1F6C1808-FC4B-3644-BDA2-BAA4F954847D}" type="datetimeFigureOut">
               <a:rPr lang="en-US" smtClean="0"/>
-              <a:t>3/21/18</a:t>
+              <a:t>3/22/18</a:t>
             </a:fld>
             <a:endParaRPr lang="en-US"/>
           </a:p>
@@ -2651,7 +2659,7 @@
           <a:p>
             <a:fld id="{1F6C1808-FC4B-3644-BDA2-BAA4F954847D}" type="datetimeFigureOut">
               <a:rPr lang="en-US" smtClean="0"/>
-              <a:t>3/21/18</a:t>
+              <a:t>3/22/18</a:t>
             </a:fld>
             <a:endParaRPr lang="en-US"/>
           </a:p>
@@ -5639,13 +5647,15 @@
       <p:sp>
         <p:nvSpPr>
           <p:cNvPr id="10" name="Rectangle 9"/>
-          <p:cNvSpPr/>
+          <p:cNvSpPr>
+            <a:spLocks noChangeAspect="1"/>
+          </p:cNvSpPr>
           <p:nvPr/>
         </p:nvSpPr>
         <p:spPr>
           <a:xfrm>
-            <a:off x="4067502" y="4618851"/>
-            <a:ext cx="108000" cy="108000"/>
+            <a:off x="4004438" y="4461191"/>
+            <a:ext cx="324000" cy="324000"/>
           </a:xfrm>
           <a:prstGeom prst="rect">
             <a:avLst/>
@@ -5713,8 +5723,8 @@
         </p:blipFill>
         <p:spPr>
           <a:xfrm>
-            <a:off x="9099316" y="2884630"/>
-            <a:ext cx="2781300" cy="1625600"/>
+            <a:off x="9115947" y="2884630"/>
+            <a:ext cx="2748038" cy="1625600"/>
           </a:xfrm>
           <a:prstGeom prst="rect">
             <a:avLst/>
@@ -5736,7 +5746,7 @@
             <a:avLst/>
           </a:prstGeom>
           <a:solidFill>
-            <a:srgbClr val="DEC778"/>
+            <a:srgbClr val="BAAE37"/>
           </a:solidFill>
         </p:spPr>
         <p:style>
@@ -5784,8 +5794,8 @@
         </p:nvCxnSpPr>
         <p:spPr>
           <a:xfrm flipV="1">
-            <a:off x="4175502" y="3722830"/>
-            <a:ext cx="3173433" cy="950021"/>
+            <a:off x="4328438" y="3722830"/>
+            <a:ext cx="3020497" cy="900361"/>
           </a:xfrm>
           <a:prstGeom prst="straightConnector1">
             <a:avLst/>
@@ -14840,7 +14850,7 @@
         </p:nvSpPr>
         <p:spPr>
           <a:xfrm>
-            <a:off x="2877572" y="2513650"/>
+            <a:off x="2652104" y="2513650"/>
             <a:ext cx="3373821" cy="3416320"/>
           </a:xfrm>
           <a:prstGeom prst="rect">
@@ -15810,7 +15820,7 @@
         </p:nvCxnSpPr>
         <p:spPr>
           <a:xfrm>
-            <a:off x="7704083" y="1858859"/>
+            <a:off x="7228095" y="1858859"/>
             <a:ext cx="0" cy="4863335"/>
           </a:xfrm>
           <a:prstGeom prst="line">
@@ -15840,7 +15850,7 @@
         </p:nvSpPr>
         <p:spPr>
           <a:xfrm>
-            <a:off x="9736794" y="2386909"/>
+            <a:off x="8496720" y="2386909"/>
             <a:ext cx="301686" cy="369332"/>
           </a:xfrm>
           <a:prstGeom prst="rect">
@@ -15870,7 +15880,7 @@
         </p:nvSpPr>
         <p:spPr>
           <a:xfrm>
-            <a:off x="9736794" y="2854973"/>
+            <a:off x="8496720" y="2854973"/>
             <a:ext cx="301686" cy="369332"/>
           </a:xfrm>
           <a:prstGeom prst="rect">
@@ -15900,7 +15910,7 @@
         </p:nvSpPr>
         <p:spPr>
           <a:xfrm>
-            <a:off x="9736794" y="3323037"/>
+            <a:off x="8496720" y="3323037"/>
             <a:ext cx="301686" cy="369332"/>
           </a:xfrm>
           <a:prstGeom prst="rect">
@@ -15930,7 +15940,7 @@
         </p:nvSpPr>
         <p:spPr>
           <a:xfrm>
-            <a:off x="9736794" y="3791101"/>
+            <a:off x="8496720" y="3791101"/>
             <a:ext cx="301686" cy="369332"/>
           </a:xfrm>
           <a:prstGeom prst="rect">
@@ -15960,7 +15970,7 @@
         </p:nvSpPr>
         <p:spPr>
           <a:xfrm>
-            <a:off x="9736794" y="4259165"/>
+            <a:off x="8496720" y="4259165"/>
             <a:ext cx="301686" cy="369332"/>
           </a:xfrm>
           <a:prstGeom prst="rect">
@@ -15990,7 +16000,7 @@
         </p:nvSpPr>
         <p:spPr>
           <a:xfrm>
-            <a:off x="9736794" y="4727229"/>
+            <a:off x="8496720" y="4727229"/>
             <a:ext cx="301686" cy="369332"/>
           </a:xfrm>
           <a:prstGeom prst="rect">
@@ -16020,7 +16030,7 @@
         </p:nvSpPr>
         <p:spPr>
           <a:xfrm>
-            <a:off x="9736794" y="5195293"/>
+            <a:off x="8496720" y="5195293"/>
             <a:ext cx="301686" cy="369332"/>
           </a:xfrm>
           <a:prstGeom prst="rect">
@@ -16050,7 +16060,7 @@
         </p:nvSpPr>
         <p:spPr>
           <a:xfrm>
-            <a:off x="9736794" y="5663357"/>
+            <a:off x="8496720" y="5663357"/>
             <a:ext cx="301686" cy="369332"/>
           </a:xfrm>
           <a:prstGeom prst="rect">
@@ -16080,7 +16090,7 @@
         </p:nvSpPr>
         <p:spPr>
           <a:xfrm>
-            <a:off x="9736794" y="6131423"/>
+            <a:off x="8496720" y="6131423"/>
             <a:ext cx="301686" cy="369332"/>
           </a:xfrm>
           <a:prstGeom prst="rect">
@@ -16110,7 +16120,7 @@
         </p:nvSpPr>
         <p:spPr>
           <a:xfrm>
-            <a:off x="10260689" y="2100046"/>
+            <a:off x="9020615" y="2100046"/>
             <a:ext cx="646386" cy="4328794"/>
           </a:xfrm>
           <a:prstGeom prst="rightBrace">
@@ -16148,8 +16158,8 @@
         </p:nvSpPr>
         <p:spPr>
           <a:xfrm>
-            <a:off x="11398689" y="2514050"/>
-            <a:ext cx="570990" cy="3416320"/>
+            <a:off x="9667001" y="2514050"/>
+            <a:ext cx="2332933" cy="3416320"/>
           </a:xfrm>
           <a:prstGeom prst="rect">
             <a:avLst/>
@@ -16157,7 +16167,7 @@
           <a:noFill/>
         </p:spPr>
         <p:txBody>
-          <a:bodyPr wrap="none" rtlCol="0">
+          <a:bodyPr wrap="square" rtlCol="0">
             <a:spAutoFit/>
           </a:bodyPr>
           <a:lstStyle/>
@@ -16174,8 +16184,13 @@
             </a:r>
             <a:r>
               <a:rPr lang="en-US" dirty="0" smtClean="0"/>
-              <a:t>   0,</a:t>
-            </a:r>
+              <a:t>   </a:t>
+            </a:r>
+            <a:r>
+              <a:rPr lang="en-US" dirty="0" smtClean="0"/>
+              <a:t>0,0,0,0,0,0,0,0,0,0,</a:t>
+            </a:r>
+            <a:endParaRPr lang="en-US" dirty="0" smtClean="0"/>
           </a:p>
           <a:p>
             <a:r>
@@ -16184,8 +16199,13 @@
             </a:r>
             <a:r>
               <a:rPr lang="en-US" dirty="0" smtClean="0"/>
-              <a:t>   1,</a:t>
-            </a:r>
+              <a:t>   </a:t>
+            </a:r>
+            <a:r>
+              <a:rPr lang="en-US" dirty="0" smtClean="0"/>
+              <a:t>1,1,1,1,1,1,1,1,1,1,</a:t>
+            </a:r>
+            <a:endParaRPr lang="en-US" dirty="0" smtClean="0"/>
           </a:p>
           <a:p>
             <a:r>
@@ -16194,8 +16214,13 @@
             </a:r>
             <a:r>
               <a:rPr lang="en-US" dirty="0" smtClean="0"/>
-              <a:t>   2,</a:t>
-            </a:r>
+              <a:t>   </a:t>
+            </a:r>
+            <a:r>
+              <a:rPr lang="en-US" dirty="0" smtClean="0"/>
+              <a:t>2,2,2,2,2,2,2,2,2,2,</a:t>
+            </a:r>
+            <a:endParaRPr lang="en-US" dirty="0" smtClean="0"/>
           </a:p>
           <a:p>
             <a:r>
@@ -16204,8 +16229,13 @@
             </a:r>
             <a:r>
               <a:rPr lang="en-US" dirty="0" smtClean="0"/>
-              <a:t>   3,</a:t>
-            </a:r>
+              <a:t>   </a:t>
+            </a:r>
+            <a:r>
+              <a:rPr lang="en-US" dirty="0" smtClean="0"/>
+              <a:t>3,3,3,3,3,3,3,3,3,3,</a:t>
+            </a:r>
+            <a:endParaRPr lang="en-US" dirty="0" smtClean="0"/>
           </a:p>
           <a:p>
             <a:r>
@@ -16214,8 +16244,13 @@
             </a:r>
             <a:r>
               <a:rPr lang="en-US" dirty="0" smtClean="0"/>
-              <a:t>   4,</a:t>
-            </a:r>
+              <a:t>   </a:t>
+            </a:r>
+            <a:r>
+              <a:rPr lang="en-US" dirty="0" smtClean="0"/>
+              <a:t>4,4,4,4,4,4,4,4,4,4,</a:t>
+            </a:r>
+            <a:endParaRPr lang="en-US" dirty="0" smtClean="0"/>
           </a:p>
           <a:p>
             <a:r>
@@ -16224,8 +16259,13 @@
             </a:r>
             <a:r>
               <a:rPr lang="en-US" dirty="0" smtClean="0"/>
-              <a:t>   5,</a:t>
-            </a:r>
+              <a:t>   </a:t>
+            </a:r>
+            <a:r>
+              <a:rPr lang="en-US" dirty="0" smtClean="0"/>
+              <a:t>5,5,5,5,5,5,5,5,5,5,</a:t>
+            </a:r>
+            <a:endParaRPr lang="en-US" dirty="0" smtClean="0"/>
           </a:p>
           <a:p>
             <a:r>
@@ -16234,8 +16274,13 @@
             </a:r>
             <a:r>
               <a:rPr lang="en-US" dirty="0" smtClean="0"/>
-              <a:t>   6,</a:t>
-            </a:r>
+              <a:t>   </a:t>
+            </a:r>
+            <a:r>
+              <a:rPr lang="en-US" dirty="0" smtClean="0"/>
+              <a:t>6,6,6,6,6,6,6,6,6,6,</a:t>
+            </a:r>
+            <a:endParaRPr lang="en-US" dirty="0" smtClean="0"/>
           </a:p>
           <a:p>
             <a:r>
@@ -16244,8 +16289,13 @@
             </a:r>
             <a:r>
               <a:rPr lang="en-US" dirty="0" smtClean="0"/>
-              <a:t>   7,</a:t>
-            </a:r>
+              <a:t>   </a:t>
+            </a:r>
+            <a:r>
+              <a:rPr lang="en-US" dirty="0" smtClean="0"/>
+              <a:t>7,7,7,7,7,7,7,7,7,7,</a:t>
+            </a:r>
+            <a:endParaRPr lang="en-US" dirty="0" smtClean="0"/>
           </a:p>
           <a:p>
             <a:r>
@@ -16254,8 +16304,13 @@
             </a:r>
             <a:r>
               <a:rPr lang="en-US" dirty="0" smtClean="0"/>
-              <a:t>   8,</a:t>
-            </a:r>
+              <a:t>   </a:t>
+            </a:r>
+            <a:r>
+              <a:rPr lang="en-US" dirty="0" smtClean="0"/>
+              <a:t>8,8,8,8,8,8,8,8,8,8,</a:t>
+            </a:r>
+            <a:endParaRPr lang="en-US" dirty="0" smtClean="0"/>
           </a:p>
           <a:p>
             <a:r>
@@ -16264,8 +16319,13 @@
             </a:r>
             <a:r>
               <a:rPr lang="en-US" dirty="0" smtClean="0"/>
-              <a:t>   9</a:t>
-            </a:r>
+              <a:t>   </a:t>
+            </a:r>
+            <a:r>
+              <a:rPr lang="en-US" dirty="0" smtClean="0"/>
+              <a:t>9,9,9,9,9,9,9,9,9,9</a:t>
+            </a:r>
+            <a:endParaRPr lang="en-US" dirty="0" smtClean="0"/>
           </a:p>
           <a:p>
             <a:r>
@@ -16360,7 +16420,7 @@
         </p:nvSpPr>
         <p:spPr>
           <a:xfrm>
-            <a:off x="5809957" y="3760374"/>
+            <a:off x="5333969" y="3760374"/>
             <a:ext cx="3346172" cy="369332"/>
           </a:xfrm>
           <a:prstGeom prst="rect">
@@ -16402,7 +16462,7 @@
         </p:nvSpPr>
         <p:spPr>
           <a:xfrm>
-            <a:off x="7061779" y="4388136"/>
+            <a:off x="6585791" y="4388136"/>
             <a:ext cx="1277007" cy="188710"/>
           </a:xfrm>
           <a:prstGeom prst="rightArrow">
@@ -16446,7 +16506,7 @@
         </p:nvSpPr>
         <p:spPr>
           <a:xfrm>
-            <a:off x="9736794" y="1918845"/>
+            <a:off x="8496720" y="1918845"/>
             <a:ext cx="301686" cy="369332"/>
           </a:xfrm>
           <a:prstGeom prst="rect">
@@ -17946,6 +18006,1103 @@
         </p:nvSpPr>
         <p:spPr>
           <a:xfrm>
+            <a:off x="4448504" y="2461939"/>
+            <a:ext cx="3891455" cy="1325563"/>
+          </a:xfrm>
+        </p:spPr>
+        <p:txBody>
+          <a:bodyPr/>
+          <a:lstStyle/>
+          <a:p>
+            <a:r>
+              <a:rPr lang="zh-CN" altLang="en-US" smtClean="0"/>
+              <a:t>提取图片数据</a:t>
+            </a:r>
+            <a:endParaRPr lang="en-US" dirty="0"/>
+          </a:p>
+        </p:txBody>
+      </p:sp>
+    </p:spTree>
+    <p:extLst>
+      <p:ext uri="{BB962C8B-B14F-4D97-AF65-F5344CB8AC3E}">
+        <p14:creationId xmlns:p14="http://schemas.microsoft.com/office/powerpoint/2010/main" val="1617052904"/>
+      </p:ext>
+    </p:extLst>
+  </p:cSld>
+  <p:clrMapOvr>
+    <a:masterClrMapping/>
+  </p:clrMapOvr>
+  <p:timing>
+    <p:tnLst>
+      <p:par>
+        <p:cTn id="1" dur="indefinite" restart="never" nodeType="tmRoot"/>
+      </p:par>
+    </p:tnLst>
+  </p:timing>
+</p:sld>
+</file>
+
+<file path=ppt/slides/slide26.xml><?xml version="1.0" encoding="utf-8"?>
+<p:sld xmlns:a="http://schemas.openxmlformats.org/drawingml/2006/main" xmlns:r="http://schemas.openxmlformats.org/officeDocument/2006/relationships" xmlns:p="http://schemas.openxmlformats.org/presentationml/2006/main">
+  <p:cSld>
+    <p:spTree>
+      <p:nvGrpSpPr>
+        <p:cNvPr id="1" name=""/>
+        <p:cNvGrpSpPr/>
+        <p:nvPr/>
+      </p:nvGrpSpPr>
+      <p:grpSpPr>
+        <a:xfrm>
+          <a:off x="0" y="0"/>
+          <a:ext cx="0" cy="0"/>
+          <a:chOff x="0" y="0"/>
+          <a:chExt cx="0" cy="0"/>
+        </a:xfrm>
+      </p:grpSpPr>
+      <p:sp>
+        <p:nvSpPr>
+          <p:cNvPr id="2" name="Title 1"/>
+          <p:cNvSpPr>
+            <a:spLocks noGrp="1"/>
+          </p:cNvSpPr>
+          <p:nvPr>
+            <p:ph type="title"/>
+          </p:nvPr>
+        </p:nvSpPr>
+        <p:spPr>
+          <a:xfrm>
+            <a:off x="191813" y="328544"/>
+            <a:ext cx="10515600" cy="1325563"/>
+          </a:xfrm>
+        </p:spPr>
+        <p:txBody>
+          <a:bodyPr/>
+          <a:lstStyle/>
+          <a:p>
+            <a:r>
+              <a:rPr lang="zh-CN" altLang="en-US" dirty="0" smtClean="0"/>
+              <a:t>提取数据流程</a:t>
+            </a:r>
+            <a:endParaRPr lang="en-US" dirty="0"/>
+          </a:p>
+        </p:txBody>
+      </p:sp>
+      <p:pic>
+        <p:nvPicPr>
+          <p:cNvPr id="5" name="Picture 4"/>
+          <p:cNvPicPr>
+            <a:picLocks noChangeAspect="1"/>
+          </p:cNvPicPr>
+          <p:nvPr/>
+        </p:nvPicPr>
+        <p:blipFill>
+          <a:blip r:embed="rId2">
+            <a:extLst>
+              <a:ext uri="{28A0092B-C50C-407E-A947-70E740481C1C}">
+                <a14:useLocalDpi xmlns:a14="http://schemas.microsoft.com/office/drawing/2010/main" val="0"/>
+              </a:ext>
+            </a:extLst>
+          </a:blip>
+          <a:stretch>
+            <a:fillRect/>
+          </a:stretch>
+        </p:blipFill>
+        <p:spPr>
+          <a:xfrm>
+            <a:off x="86282" y="2800430"/>
+            <a:ext cx="1800000" cy="1800000"/>
+          </a:xfrm>
+          <a:prstGeom prst="rect">
+            <a:avLst/>
+          </a:prstGeom>
+        </p:spPr>
+      </p:pic>
+      <p:sp>
+        <p:nvSpPr>
+          <p:cNvPr id="6" name="Left Brace 5"/>
+          <p:cNvSpPr/>
+          <p:nvPr/>
+        </p:nvSpPr>
+        <p:spPr>
+          <a:xfrm rot="5400000">
+            <a:off x="856054" y="1770204"/>
+            <a:ext cx="260456" cy="1800000"/>
+          </a:xfrm>
+          <a:prstGeom prst="leftBrace">
+            <a:avLst/>
+          </a:prstGeom>
+        </p:spPr>
+        <p:style>
+          <a:lnRef idx="1">
+            <a:schemeClr val="accent1"/>
+          </a:lnRef>
+          <a:fillRef idx="0">
+            <a:schemeClr val="accent1"/>
+          </a:fillRef>
+          <a:effectRef idx="0">
+            <a:schemeClr val="accent1"/>
+          </a:effectRef>
+          <a:fontRef idx="minor">
+            <a:schemeClr val="tx1"/>
+          </a:fontRef>
+        </p:style>
+        <p:txBody>
+          <a:bodyPr rtlCol="0" anchor="ctr"/>
+          <a:lstStyle/>
+          <a:p>
+            <a:pPr algn="ctr"/>
+            <a:endParaRPr lang="en-US"/>
+          </a:p>
+        </p:txBody>
+      </p:sp>
+      <p:sp>
+        <p:nvSpPr>
+          <p:cNvPr id="7" name="TextBox 6"/>
+          <p:cNvSpPr txBox="1"/>
+          <p:nvPr/>
+        </p:nvSpPr>
+        <p:spPr>
+          <a:xfrm>
+            <a:off x="644854" y="2128542"/>
+            <a:ext cx="635302" cy="369332"/>
+          </a:xfrm>
+          <a:prstGeom prst="rect">
+            <a:avLst/>
+          </a:prstGeom>
+          <a:noFill/>
+        </p:spPr>
+        <p:txBody>
+          <a:bodyPr wrap="none" rtlCol="0">
+            <a:spAutoFit/>
+          </a:bodyPr>
+          <a:lstStyle/>
+          <a:p>
+            <a:r>
+              <a:rPr lang="en-US" dirty="0" smtClean="0"/>
+              <a:t>20px</a:t>
+            </a:r>
+            <a:endParaRPr lang="en-US" dirty="0"/>
+          </a:p>
+        </p:txBody>
+      </p:sp>
+      <p:sp>
+        <p:nvSpPr>
+          <p:cNvPr id="8" name="Right Brace 7"/>
+          <p:cNvSpPr/>
+          <p:nvPr/>
+        </p:nvSpPr>
+        <p:spPr>
+          <a:xfrm>
+            <a:off x="2079515" y="2800430"/>
+            <a:ext cx="346842" cy="1800000"/>
+          </a:xfrm>
+          <a:prstGeom prst="rightBrace">
+            <a:avLst/>
+          </a:prstGeom>
+        </p:spPr>
+        <p:style>
+          <a:lnRef idx="1">
+            <a:schemeClr val="accent1"/>
+          </a:lnRef>
+          <a:fillRef idx="0">
+            <a:schemeClr val="accent1"/>
+          </a:fillRef>
+          <a:effectRef idx="0">
+            <a:schemeClr val="accent1"/>
+          </a:effectRef>
+          <a:fontRef idx="minor">
+            <a:schemeClr val="tx1"/>
+          </a:fontRef>
+        </p:style>
+        <p:txBody>
+          <a:bodyPr rtlCol="0" anchor="ctr"/>
+          <a:lstStyle/>
+          <a:p>
+            <a:pPr algn="ctr"/>
+            <a:endParaRPr lang="en-US"/>
+          </a:p>
+        </p:txBody>
+      </p:sp>
+      <p:sp>
+        <p:nvSpPr>
+          <p:cNvPr id="9" name="TextBox 8"/>
+          <p:cNvSpPr txBox="1"/>
+          <p:nvPr/>
+        </p:nvSpPr>
+        <p:spPr>
+          <a:xfrm>
+            <a:off x="2379056" y="3500144"/>
+            <a:ext cx="635302" cy="369332"/>
+          </a:xfrm>
+          <a:prstGeom prst="rect">
+            <a:avLst/>
+          </a:prstGeom>
+          <a:noFill/>
+        </p:spPr>
+        <p:txBody>
+          <a:bodyPr wrap="none" rtlCol="0">
+            <a:spAutoFit/>
+          </a:bodyPr>
+          <a:lstStyle/>
+          <a:p>
+            <a:r>
+              <a:rPr lang="en-US" dirty="0" smtClean="0"/>
+              <a:t>20px</a:t>
+            </a:r>
+            <a:endParaRPr lang="en-US" dirty="0"/>
+          </a:p>
+        </p:txBody>
+      </p:sp>
+      <p:sp>
+        <p:nvSpPr>
+          <p:cNvPr id="10" name="TextBox 9"/>
+          <p:cNvSpPr txBox="1"/>
+          <p:nvPr/>
+        </p:nvSpPr>
+        <p:spPr>
+          <a:xfrm>
+            <a:off x="3499032" y="1688563"/>
+            <a:ext cx="2454518" cy="4154984"/>
+          </a:xfrm>
+          <a:prstGeom prst="rect">
+            <a:avLst/>
+          </a:prstGeom>
+          <a:noFill/>
+        </p:spPr>
+        <p:txBody>
+          <a:bodyPr wrap="none" rtlCol="0">
+            <a:spAutoFit/>
+          </a:bodyPr>
+          <a:lstStyle/>
+          <a:p>
+            <a:r>
+              <a:rPr lang="is-IS" sz="1200" dirty="0"/>
+              <a:t>[</a:t>
+            </a:r>
+            <a:r>
+              <a:rPr lang="is-IS" sz="1200" dirty="0" smtClean="0"/>
+              <a:t>255,255,255,255,255,255,255,255,</a:t>
+            </a:r>
+          </a:p>
+          <a:p>
+            <a:r>
+              <a:rPr lang="is-IS" sz="1200" dirty="0" smtClean="0"/>
+              <a:t>255,255,255,255,255,255,255,255,</a:t>
+            </a:r>
+          </a:p>
+          <a:p>
+            <a:r>
+              <a:rPr lang="is-IS" sz="1200" dirty="0" smtClean="0"/>
+              <a:t>255,255,255,255,255,255,255,255,</a:t>
+            </a:r>
+          </a:p>
+          <a:p>
+            <a:r>
+              <a:rPr lang="is-IS" sz="1200" dirty="0" smtClean="0"/>
+              <a:t>255,255,255,255,192,208,255,255,</a:t>
+            </a:r>
+          </a:p>
+          <a:p>
+            <a:r>
+              <a:rPr lang="is-IS" sz="1200" dirty="0" smtClean="0"/>
+              <a:t>255,255,255,255,255,255,255,255,</a:t>
+            </a:r>
+          </a:p>
+          <a:p>
+            <a:r>
+              <a:rPr lang="is-IS" sz="1200" dirty="0" smtClean="0"/>
+              <a:t>255,255,255,255,255,255,255,112,</a:t>
+            </a:r>
+          </a:p>
+          <a:p>
+            <a:r>
+              <a:rPr lang="is-IS" sz="1200" dirty="0" smtClean="0"/>
+              <a:t>0,0,16,80,160,255,255,255,255,255,</a:t>
+            </a:r>
+          </a:p>
+          <a:p>
+            <a:r>
+              <a:rPr lang="is-IS" sz="1200" dirty="0" smtClean="0"/>
+              <a:t>255,255,255,255,255,255,255,240,</a:t>
+            </a:r>
+          </a:p>
+          <a:p>
+            <a:r>
+              <a:rPr lang="is-IS" sz="1200" dirty="0" smtClean="0"/>
+              <a:t>96,0,0,0,0,0,0,80,255,255,255,255,</a:t>
+            </a:r>
+          </a:p>
+          <a:p>
+            <a:r>
+              <a:rPr lang="is-IS" sz="1200" dirty="0" smtClean="0"/>
+              <a:t>255,255,255,255,255,255,255,64,0,</a:t>
+            </a:r>
+          </a:p>
+          <a:p>
+            <a:r>
+              <a:rPr lang="is-IS" sz="1200" dirty="0" smtClean="0"/>
+              <a:t>48,176,255,208,144,32,0,128,255,</a:t>
+            </a:r>
+          </a:p>
+          <a:p>
+            <a:r>
+              <a:rPr lang="is-IS" sz="1200" dirty="0" smtClean="0"/>
+              <a:t>255,255,255,255,255,255,255,255,</a:t>
+            </a:r>
+          </a:p>
+          <a:p>
+            <a:r>
+              <a:rPr lang="is-IS" sz="1200" dirty="0" smtClean="0"/>
+              <a:t>160,0,80,255,255, 255,255,255,224,</a:t>
+            </a:r>
+          </a:p>
+          <a:p>
+            <a:r>
+              <a:rPr lang="is-IS" sz="1200" dirty="0" smtClean="0"/>
+              <a:t>0,0,255,255, 255,255,255,255,255,</a:t>
+            </a:r>
+          </a:p>
+          <a:p>
+            <a:r>
+              <a:rPr lang="is-IS" sz="1200" dirty="0" smtClean="0"/>
+              <a:t>255,240,16,0,224,255,255,255,255,</a:t>
+            </a:r>
+          </a:p>
+          <a:p>
+            <a:r>
+              <a:rPr lang="is-IS" sz="1200" dirty="0" smtClean="0"/>
+              <a:t>255,255,48,0,192,255,</a:t>
+            </a:r>
+          </a:p>
+          <a:p>
+            <a:r>
+              <a:rPr lang="is-IS" sz="1200" dirty="0" smtClean="0"/>
+              <a:t>...</a:t>
+            </a:r>
+          </a:p>
+          <a:p>
+            <a:r>
+              <a:rPr lang="is-IS" sz="1200" dirty="0" smtClean="0"/>
+              <a:t>...</a:t>
+            </a:r>
+          </a:p>
+          <a:p>
+            <a:r>
+              <a:rPr lang="is-IS" sz="1200" dirty="0" smtClean="0"/>
+              <a:t>...</a:t>
+            </a:r>
+          </a:p>
+          <a:p>
+            <a:r>
+              <a:rPr lang="is-IS" sz="1200" dirty="0" smtClean="0"/>
+              <a:t>255,255,255,255,255,255,255,255,</a:t>
+            </a:r>
+          </a:p>
+          <a:p>
+            <a:r>
+              <a:rPr lang="is-IS" sz="1200" dirty="0" smtClean="0"/>
+              <a:t>255,255,255,255,255,255,255,255,</a:t>
+            </a:r>
+          </a:p>
+          <a:p>
+            <a:r>
+              <a:rPr lang="is-IS" sz="1200" dirty="0" smtClean="0"/>
+              <a:t>255,255,255,255,255,255,255,255</a:t>
+            </a:r>
+            <a:r>
+              <a:rPr lang="is-IS" sz="1200" dirty="0"/>
+              <a:t>]</a:t>
+            </a:r>
+            <a:endParaRPr lang="en-US" sz="1200" dirty="0"/>
+          </a:p>
+        </p:txBody>
+      </p:sp>
+      <p:sp>
+        <p:nvSpPr>
+          <p:cNvPr id="11" name="Right Arrow 10"/>
+          <p:cNvSpPr/>
+          <p:nvPr/>
+        </p:nvSpPr>
+        <p:spPr>
+          <a:xfrm>
+            <a:off x="2966158" y="3589872"/>
+            <a:ext cx="360000" cy="284400"/>
+          </a:xfrm>
+          <a:prstGeom prst="rightArrow">
+            <a:avLst/>
+          </a:prstGeom>
+        </p:spPr>
+        <p:style>
+          <a:lnRef idx="2">
+            <a:schemeClr val="accent1">
+              <a:shade val="50000"/>
+            </a:schemeClr>
+          </a:lnRef>
+          <a:fillRef idx="1">
+            <a:schemeClr val="accent1"/>
+          </a:fillRef>
+          <a:effectRef idx="0">
+            <a:schemeClr val="accent1"/>
+          </a:effectRef>
+          <a:fontRef idx="minor">
+            <a:schemeClr val="lt1"/>
+          </a:fontRef>
+        </p:style>
+        <p:txBody>
+          <a:bodyPr rtlCol="0" anchor="ctr"/>
+          <a:lstStyle/>
+          <a:p>
+            <a:pPr algn="ctr"/>
+            <a:endParaRPr lang="en-US">
+              <a:solidFill>
+                <a:schemeClr val="tx1"/>
+              </a:solidFill>
+            </a:endParaRPr>
+          </a:p>
+        </p:txBody>
+      </p:sp>
+      <p:sp>
+        <p:nvSpPr>
+          <p:cNvPr id="20" name="TextBox 19"/>
+          <p:cNvSpPr txBox="1"/>
+          <p:nvPr/>
+        </p:nvSpPr>
+        <p:spPr>
+          <a:xfrm>
+            <a:off x="6486718" y="1873229"/>
+            <a:ext cx="5729454" cy="3785652"/>
+          </a:xfrm>
+          <a:prstGeom prst="rect">
+            <a:avLst/>
+          </a:prstGeom>
+          <a:noFill/>
+        </p:spPr>
+        <p:txBody>
+          <a:bodyPr wrap="none" rtlCol="0">
+            <a:spAutoFit/>
+          </a:bodyPr>
+          <a:lstStyle/>
+          <a:p>
+            <a:r>
+              <a:rPr lang="is-IS" sz="1200" dirty="0" smtClean="0"/>
+              <a:t>[255,255,255,255,255,255,255,255,255,255,255,255,255,255,255,255,255,255,255,255,</a:t>
+            </a:r>
+          </a:p>
+          <a:p>
+            <a:r>
+              <a:rPr lang="is-IS" sz="1200" dirty="0" smtClean="0"/>
+              <a:t>255,255,255,255,255,255,255,255,192,208,255,255,255,255,255,255,255,255,255,255,</a:t>
+            </a:r>
+          </a:p>
+          <a:p>
+            <a:r>
+              <a:rPr lang="is-IS" sz="1200" dirty="0" smtClean="0"/>
+              <a:t>255,255,255,255,255,255,255,112,0    ,0.    ,16. ,80. ,160,255,255,255,255,255,255,255,</a:t>
+            </a:r>
+          </a:p>
+          <a:p>
+            <a:r>
+              <a:rPr lang="is-IS" sz="1200" dirty="0" smtClean="0"/>
+              <a:t>255,255,255,255,255,240,96  ,0.    ,0.   ,0.   ,0.    ,0.   ,0.    ,80  ,255,255,255,255,255,255,</a:t>
+            </a:r>
+          </a:p>
+          <a:p>
+            <a:r>
+              <a:rPr lang="is-IS" sz="1200" dirty="0" smtClean="0"/>
+              <a:t>255,255,255,255,255,64  ,0.    ,48. ,176,255,208,144,32   ,0.   ,128,255,255,255,255,255,</a:t>
+            </a:r>
+          </a:p>
+          <a:p>
+            <a:r>
+              <a:rPr lang="is-IS" sz="1200" dirty="0" smtClean="0"/>
+              <a:t>255,255,255,255,160,0    ,80.  ,255,255,255,255,255,224,0.    ,0.   ,255,255,255,255,255,</a:t>
+            </a:r>
+          </a:p>
+          <a:p>
+            <a:r>
+              <a:rPr lang="is-IS" sz="1200" dirty="0" smtClean="0"/>
+              <a:t>255,255,255,240,16  ,0.   ,224,255,255,255,255,255,255,48.   ,0.   ,192,255,255,255,255,</a:t>
+            </a:r>
+          </a:p>
+          <a:p>
+            <a:r>
+              <a:rPr lang="is-IS" sz="1200" dirty="0" smtClean="0"/>
+              <a:t>255,255,255,160,0.   ,96. ,255,255,255,255,255,255,255,64.   ,0.   ,192,255,255,255,255,</a:t>
+            </a:r>
+          </a:p>
+          <a:p>
+            <a:r>
+              <a:rPr lang="is-IS" sz="1200" dirty="0" smtClean="0"/>
+              <a:t>255,255,255,80  ,0.   ,160,255,255,255,255,255,255,255,64.   ,0.   ,192,255,255,255,255,</a:t>
+            </a:r>
+          </a:p>
+          <a:p>
+            <a:r>
+              <a:rPr lang="is-IS" sz="1200" dirty="0" smtClean="0"/>
+              <a:t>255,255,255,64  ,0.   ,192,255,255,255,255,255,255,255,16.   ,0.   ,240,255,255,255,255,</a:t>
+            </a:r>
+          </a:p>
+          <a:p>
+            <a:r>
+              <a:rPr lang="is-IS" sz="1200" dirty="0" smtClean="0"/>
+              <a:t>255,255,255,64  ,0.   ,192,255,255,255,255,255,255,208,0.     ,48. ,255,255,255,255,255,</a:t>
+            </a:r>
+          </a:p>
+          <a:p>
+            <a:r>
+              <a:rPr lang="is-IS" sz="1200" dirty="0" smtClean="0"/>
+              <a:t>255,255,255,96  ,0.   ,112,255,255,255,255,255,255,96. ,0.     ,144,255,255,255,255,255,</a:t>
+            </a:r>
+          </a:p>
+          <a:p>
+            <a:r>
+              <a:rPr lang="is-IS" sz="1200" dirty="0" smtClean="0"/>
+              <a:t>255,255,255,192,0.   ,16  ,208,255,255,255,255,144,0.   ,32.   ,240,255,255,255,255,255,</a:t>
+            </a:r>
+          </a:p>
+          <a:p>
+            <a:r>
+              <a:rPr lang="is-IS" sz="1200" dirty="0" smtClean="0"/>
+              <a:t>255,255,255,255,64.  ,0.  ,16. ,112,192,192,112,0     ,16. ,208  ,255,255,255,255,255,255,</a:t>
+            </a:r>
+          </a:p>
+          <a:p>
+            <a:r>
+              <a:rPr lang="is-IS" sz="1200" dirty="0" smtClean="0"/>
+              <a:t>255,255,255,255,240,80  ,0.   ,0.   ,0.     ,0.   ,0.   ,32.  ,208,255,255,255,255,255,255,255,</a:t>
+            </a:r>
+          </a:p>
+          <a:p>
+            <a:r>
+              <a:rPr lang="is-IS" sz="1200" dirty="0" smtClean="0"/>
+              <a:t>255,255,255,255,255,255,176,64 ,64    ,64. ,112,240,255,255,255,255,255,255,255,255,</a:t>
+            </a:r>
+          </a:p>
+          <a:p>
+            <a:r>
+              <a:rPr lang="is-IS" sz="1200" dirty="0" smtClean="0"/>
+              <a:t>255,255,255,255,255,255,255,255,255,255,255,255,255,255,255,255,255,255,255,255,</a:t>
+            </a:r>
+          </a:p>
+          <a:p>
+            <a:r>
+              <a:rPr lang="is-IS" sz="1200" dirty="0" smtClean="0"/>
+              <a:t>255,255,255,255,255,255,255,255,255,255,255,255,255,255,255,255,255,255,255,255,</a:t>
+            </a:r>
+          </a:p>
+          <a:p>
+            <a:r>
+              <a:rPr lang="is-IS" sz="1200" dirty="0" smtClean="0"/>
+              <a:t>255,255,255,255,255,255,255,255,255,255,255,255,255,255,255,255,255,255,255,255,</a:t>
+            </a:r>
+          </a:p>
+          <a:p>
+            <a:r>
+              <a:rPr lang="is-IS" sz="1200" dirty="0" smtClean="0"/>
+              <a:t>255,255,255,255,255,255,255,255,255,255,255,255,255,255,255,255,255,255,255,255]</a:t>
+            </a:r>
+            <a:endParaRPr lang="is-IS" sz="1200" dirty="0"/>
+          </a:p>
+        </p:txBody>
+      </p:sp>
+      <p:sp>
+        <p:nvSpPr>
+          <p:cNvPr id="22" name="Right Arrow 21"/>
+          <p:cNvSpPr/>
+          <p:nvPr/>
+        </p:nvSpPr>
+        <p:spPr>
+          <a:xfrm>
+            <a:off x="6126424" y="3585076"/>
+            <a:ext cx="360000" cy="284400"/>
+          </a:xfrm>
+          <a:prstGeom prst="rightArrow">
+            <a:avLst/>
+          </a:prstGeom>
+        </p:spPr>
+        <p:style>
+          <a:lnRef idx="2">
+            <a:schemeClr val="accent1">
+              <a:shade val="50000"/>
+            </a:schemeClr>
+          </a:lnRef>
+          <a:fillRef idx="1">
+            <a:schemeClr val="accent1"/>
+          </a:fillRef>
+          <a:effectRef idx="0">
+            <a:schemeClr val="accent1"/>
+          </a:effectRef>
+          <a:fontRef idx="minor">
+            <a:schemeClr val="lt1"/>
+          </a:fontRef>
+        </p:style>
+        <p:txBody>
+          <a:bodyPr rtlCol="0" anchor="ctr"/>
+          <a:lstStyle/>
+          <a:p>
+            <a:pPr algn="ctr"/>
+            <a:endParaRPr lang="en-US">
+              <a:solidFill>
+                <a:schemeClr val="tx1"/>
+              </a:solidFill>
+            </a:endParaRPr>
+          </a:p>
+        </p:txBody>
+      </p:sp>
+    </p:spTree>
+    <p:extLst>
+      <p:ext uri="{BB962C8B-B14F-4D97-AF65-F5344CB8AC3E}">
+        <p14:creationId xmlns:p14="http://schemas.microsoft.com/office/powerpoint/2010/main" val="949366488"/>
+      </p:ext>
+    </p:extLst>
+  </p:cSld>
+  <p:clrMapOvr>
+    <a:masterClrMapping/>
+  </p:clrMapOvr>
+  <p:timing>
+    <p:tnLst>
+      <p:par>
+        <p:cTn id="1" dur="indefinite" restart="never" nodeType="tmRoot">
+          <p:childTnLst>
+            <p:seq concurrent="1" nextAc="seek">
+              <p:cTn id="2" dur="indefinite" nodeType="mainSeq">
+                <p:childTnLst>
+                  <p:par>
+                    <p:cTn id="3" fill="hold">
+                      <p:stCondLst>
+                        <p:cond delay="indefinite"/>
+                        <p:cond evt="onBegin" delay="0">
+                          <p:tn val="2"/>
+                        </p:cond>
+                      </p:stCondLst>
+                      <p:childTnLst>
+                        <p:par>
+                          <p:cTn id="4" fill="hold">
+                            <p:stCondLst>
+                              <p:cond delay="0"/>
+                            </p:stCondLst>
+                            <p:childTnLst>
+                              <p:par>
+                                <p:cTn id="5" presetID="5" presetClass="entr" presetSubtype="10" fill="hold" nodeType="withEffect">
+                                  <p:stCondLst>
+                                    <p:cond delay="0"/>
+                                  </p:stCondLst>
+                                  <p:childTnLst>
+                                    <p:set>
+                                      <p:cBhvr>
+                                        <p:cTn id="6" dur="1" fill="hold">
+                                          <p:stCondLst>
+                                            <p:cond delay="0"/>
+                                          </p:stCondLst>
+                                        </p:cTn>
+                                        <p:tgtEl>
+                                          <p:spTgt spid="5"/>
+                                        </p:tgtEl>
+                                        <p:attrNameLst>
+                                          <p:attrName>style.visibility</p:attrName>
+                                        </p:attrNameLst>
+                                      </p:cBhvr>
+                                      <p:to>
+                                        <p:strVal val="visible"/>
+                                      </p:to>
+                                    </p:set>
+                                    <p:animEffect transition="in" filter="checkerboard(across)">
+                                      <p:cBhvr>
+                                        <p:cTn id="7" dur="500"/>
+                                        <p:tgtEl>
+                                          <p:spTgt spid="5"/>
+                                        </p:tgtEl>
+                                      </p:cBhvr>
+                                    </p:animEffect>
+                                  </p:childTnLst>
+                                </p:cTn>
+                              </p:par>
+                              <p:par>
+                                <p:cTn id="8" presetID="5" presetClass="entr" presetSubtype="10" fill="hold" grpId="0" nodeType="withEffect">
+                                  <p:stCondLst>
+                                    <p:cond delay="0"/>
+                                  </p:stCondLst>
+                                  <p:childTnLst>
+                                    <p:set>
+                                      <p:cBhvr>
+                                        <p:cTn id="9" dur="1" fill="hold">
+                                          <p:stCondLst>
+                                            <p:cond delay="0"/>
+                                          </p:stCondLst>
+                                        </p:cTn>
+                                        <p:tgtEl>
+                                          <p:spTgt spid="6"/>
+                                        </p:tgtEl>
+                                        <p:attrNameLst>
+                                          <p:attrName>style.visibility</p:attrName>
+                                        </p:attrNameLst>
+                                      </p:cBhvr>
+                                      <p:to>
+                                        <p:strVal val="visible"/>
+                                      </p:to>
+                                    </p:set>
+                                    <p:animEffect transition="in" filter="checkerboard(across)">
+                                      <p:cBhvr>
+                                        <p:cTn id="10" dur="500"/>
+                                        <p:tgtEl>
+                                          <p:spTgt spid="6"/>
+                                        </p:tgtEl>
+                                      </p:cBhvr>
+                                    </p:animEffect>
+                                  </p:childTnLst>
+                                </p:cTn>
+                              </p:par>
+                              <p:par>
+                                <p:cTn id="11" presetID="5" presetClass="entr" presetSubtype="10" fill="hold" grpId="0" nodeType="withEffect">
+                                  <p:stCondLst>
+                                    <p:cond delay="0"/>
+                                  </p:stCondLst>
+                                  <p:childTnLst>
+                                    <p:set>
+                                      <p:cBhvr>
+                                        <p:cTn id="12" dur="1" fill="hold">
+                                          <p:stCondLst>
+                                            <p:cond delay="0"/>
+                                          </p:stCondLst>
+                                        </p:cTn>
+                                        <p:tgtEl>
+                                          <p:spTgt spid="7"/>
+                                        </p:tgtEl>
+                                        <p:attrNameLst>
+                                          <p:attrName>style.visibility</p:attrName>
+                                        </p:attrNameLst>
+                                      </p:cBhvr>
+                                      <p:to>
+                                        <p:strVal val="visible"/>
+                                      </p:to>
+                                    </p:set>
+                                    <p:animEffect transition="in" filter="checkerboard(across)">
+                                      <p:cBhvr>
+                                        <p:cTn id="13" dur="500"/>
+                                        <p:tgtEl>
+                                          <p:spTgt spid="7"/>
+                                        </p:tgtEl>
+                                      </p:cBhvr>
+                                    </p:animEffect>
+                                  </p:childTnLst>
+                                </p:cTn>
+                              </p:par>
+                              <p:par>
+                                <p:cTn id="14" presetID="5" presetClass="entr" presetSubtype="10" fill="hold" grpId="0" nodeType="withEffect">
+                                  <p:stCondLst>
+                                    <p:cond delay="0"/>
+                                  </p:stCondLst>
+                                  <p:childTnLst>
+                                    <p:set>
+                                      <p:cBhvr>
+                                        <p:cTn id="15" dur="1" fill="hold">
+                                          <p:stCondLst>
+                                            <p:cond delay="0"/>
+                                          </p:stCondLst>
+                                        </p:cTn>
+                                        <p:tgtEl>
+                                          <p:spTgt spid="8"/>
+                                        </p:tgtEl>
+                                        <p:attrNameLst>
+                                          <p:attrName>style.visibility</p:attrName>
+                                        </p:attrNameLst>
+                                      </p:cBhvr>
+                                      <p:to>
+                                        <p:strVal val="visible"/>
+                                      </p:to>
+                                    </p:set>
+                                    <p:animEffect transition="in" filter="checkerboard(across)">
+                                      <p:cBhvr>
+                                        <p:cTn id="16" dur="500"/>
+                                        <p:tgtEl>
+                                          <p:spTgt spid="8"/>
+                                        </p:tgtEl>
+                                      </p:cBhvr>
+                                    </p:animEffect>
+                                  </p:childTnLst>
+                                </p:cTn>
+                              </p:par>
+                              <p:par>
+                                <p:cTn id="17" presetID="5" presetClass="entr" presetSubtype="10" fill="hold" grpId="0" nodeType="withEffect">
+                                  <p:stCondLst>
+                                    <p:cond delay="0"/>
+                                  </p:stCondLst>
+                                  <p:childTnLst>
+                                    <p:set>
+                                      <p:cBhvr>
+                                        <p:cTn id="18" dur="1" fill="hold">
+                                          <p:stCondLst>
+                                            <p:cond delay="0"/>
+                                          </p:stCondLst>
+                                        </p:cTn>
+                                        <p:tgtEl>
+                                          <p:spTgt spid="9"/>
+                                        </p:tgtEl>
+                                        <p:attrNameLst>
+                                          <p:attrName>style.visibility</p:attrName>
+                                        </p:attrNameLst>
+                                      </p:cBhvr>
+                                      <p:to>
+                                        <p:strVal val="visible"/>
+                                      </p:to>
+                                    </p:set>
+                                    <p:animEffect transition="in" filter="checkerboard(across)">
+                                      <p:cBhvr>
+                                        <p:cTn id="19" dur="500"/>
+                                        <p:tgtEl>
+                                          <p:spTgt spid="9"/>
+                                        </p:tgtEl>
+                                      </p:cBhvr>
+                                    </p:animEffect>
+                                  </p:childTnLst>
+                                </p:cTn>
+                              </p:par>
+                            </p:childTnLst>
+                          </p:cTn>
+                        </p:par>
+                      </p:childTnLst>
+                    </p:cTn>
+                  </p:par>
+                  <p:par>
+                    <p:cTn id="20" fill="hold">
+                      <p:stCondLst>
+                        <p:cond delay="indefinite"/>
+                      </p:stCondLst>
+                      <p:childTnLst>
+                        <p:par>
+                          <p:cTn id="21" fill="hold">
+                            <p:stCondLst>
+                              <p:cond delay="0"/>
+                            </p:stCondLst>
+                            <p:childTnLst>
+                              <p:par>
+                                <p:cTn id="22" presetID="5" presetClass="entr" presetSubtype="10" fill="hold" grpId="0" nodeType="clickEffect">
+                                  <p:stCondLst>
+                                    <p:cond delay="0"/>
+                                  </p:stCondLst>
+                                  <p:childTnLst>
+                                    <p:set>
+                                      <p:cBhvr>
+                                        <p:cTn id="23" dur="1" fill="hold">
+                                          <p:stCondLst>
+                                            <p:cond delay="0"/>
+                                          </p:stCondLst>
+                                        </p:cTn>
+                                        <p:tgtEl>
+                                          <p:spTgt spid="11"/>
+                                        </p:tgtEl>
+                                        <p:attrNameLst>
+                                          <p:attrName>style.visibility</p:attrName>
+                                        </p:attrNameLst>
+                                      </p:cBhvr>
+                                      <p:to>
+                                        <p:strVal val="visible"/>
+                                      </p:to>
+                                    </p:set>
+                                    <p:animEffect transition="in" filter="checkerboard(across)">
+                                      <p:cBhvr>
+                                        <p:cTn id="24" dur="500"/>
+                                        <p:tgtEl>
+                                          <p:spTgt spid="11"/>
+                                        </p:tgtEl>
+                                      </p:cBhvr>
+                                    </p:animEffect>
+                                  </p:childTnLst>
+                                </p:cTn>
+                              </p:par>
+                              <p:par>
+                                <p:cTn id="25" presetID="5" presetClass="entr" presetSubtype="10" fill="hold" grpId="0" nodeType="withEffect">
+                                  <p:stCondLst>
+                                    <p:cond delay="0"/>
+                                  </p:stCondLst>
+                                  <p:childTnLst>
+                                    <p:set>
+                                      <p:cBhvr>
+                                        <p:cTn id="26" dur="1" fill="hold">
+                                          <p:stCondLst>
+                                            <p:cond delay="0"/>
+                                          </p:stCondLst>
+                                        </p:cTn>
+                                        <p:tgtEl>
+                                          <p:spTgt spid="10"/>
+                                        </p:tgtEl>
+                                        <p:attrNameLst>
+                                          <p:attrName>style.visibility</p:attrName>
+                                        </p:attrNameLst>
+                                      </p:cBhvr>
+                                      <p:to>
+                                        <p:strVal val="visible"/>
+                                      </p:to>
+                                    </p:set>
+                                    <p:animEffect transition="in" filter="checkerboard(across)">
+                                      <p:cBhvr>
+                                        <p:cTn id="27" dur="500"/>
+                                        <p:tgtEl>
+                                          <p:spTgt spid="10"/>
+                                        </p:tgtEl>
+                                      </p:cBhvr>
+                                    </p:animEffect>
+                                  </p:childTnLst>
+                                </p:cTn>
+                              </p:par>
+                            </p:childTnLst>
+                          </p:cTn>
+                        </p:par>
+                      </p:childTnLst>
+                    </p:cTn>
+                  </p:par>
+                  <p:par>
+                    <p:cTn id="28" fill="hold">
+                      <p:stCondLst>
+                        <p:cond delay="indefinite"/>
+                      </p:stCondLst>
+                      <p:childTnLst>
+                        <p:par>
+                          <p:cTn id="29" fill="hold">
+                            <p:stCondLst>
+                              <p:cond delay="0"/>
+                            </p:stCondLst>
+                            <p:childTnLst>
+                              <p:par>
+                                <p:cTn id="30" presetID="5" presetClass="entr" presetSubtype="10" fill="hold" grpId="0" nodeType="clickEffect">
+                                  <p:stCondLst>
+                                    <p:cond delay="0"/>
+                                  </p:stCondLst>
+                                  <p:childTnLst>
+                                    <p:set>
+                                      <p:cBhvr>
+                                        <p:cTn id="31" dur="1" fill="hold">
+                                          <p:stCondLst>
+                                            <p:cond delay="0"/>
+                                          </p:stCondLst>
+                                        </p:cTn>
+                                        <p:tgtEl>
+                                          <p:spTgt spid="22"/>
+                                        </p:tgtEl>
+                                        <p:attrNameLst>
+                                          <p:attrName>style.visibility</p:attrName>
+                                        </p:attrNameLst>
+                                      </p:cBhvr>
+                                      <p:to>
+                                        <p:strVal val="visible"/>
+                                      </p:to>
+                                    </p:set>
+                                    <p:animEffect transition="in" filter="checkerboard(across)">
+                                      <p:cBhvr>
+                                        <p:cTn id="32" dur="500"/>
+                                        <p:tgtEl>
+                                          <p:spTgt spid="22"/>
+                                        </p:tgtEl>
+                                      </p:cBhvr>
+                                    </p:animEffect>
+                                  </p:childTnLst>
+                                </p:cTn>
+                              </p:par>
+                              <p:par>
+                                <p:cTn id="33" presetID="5" presetClass="entr" presetSubtype="10" fill="hold" grpId="0" nodeType="withEffect">
+                                  <p:stCondLst>
+                                    <p:cond delay="0"/>
+                                  </p:stCondLst>
+                                  <p:childTnLst>
+                                    <p:set>
+                                      <p:cBhvr>
+                                        <p:cTn id="34" dur="1" fill="hold">
+                                          <p:stCondLst>
+                                            <p:cond delay="0"/>
+                                          </p:stCondLst>
+                                        </p:cTn>
+                                        <p:tgtEl>
+                                          <p:spTgt spid="20"/>
+                                        </p:tgtEl>
+                                        <p:attrNameLst>
+                                          <p:attrName>style.visibility</p:attrName>
+                                        </p:attrNameLst>
+                                      </p:cBhvr>
+                                      <p:to>
+                                        <p:strVal val="visible"/>
+                                      </p:to>
+                                    </p:set>
+                                    <p:animEffect transition="in" filter="checkerboard(across)">
+                                      <p:cBhvr>
+                                        <p:cTn id="35" dur="500"/>
+                                        <p:tgtEl>
+                                          <p:spTgt spid="20"/>
+                                        </p:tgtEl>
+                                      </p:cBhvr>
+                                    </p:animEffect>
+                                  </p:childTnLst>
+                                </p:cTn>
+                              </p:par>
+                            </p:childTnLst>
+                          </p:cTn>
+                        </p:par>
+                      </p:childTnLst>
+                    </p:cTn>
+                  </p:par>
+                </p:childTnLst>
+              </p:cTn>
+              <p:prevCondLst>
+                <p:cond evt="onPrev" delay="0">
+                  <p:tgtEl>
+                    <p:sldTgt/>
+                  </p:tgtEl>
+                </p:cond>
+              </p:prevCondLst>
+              <p:nextCondLst>
+                <p:cond evt="onNext" delay="0">
+                  <p:tgtEl>
+                    <p:sldTgt/>
+                  </p:tgtEl>
+                </p:cond>
+              </p:nextCondLst>
+            </p:seq>
+          </p:childTnLst>
+        </p:cTn>
+      </p:par>
+    </p:tnLst>
+    <p:bldLst>
+      <p:bldP spid="6" grpId="0" animBg="1"/>
+      <p:bldP spid="7" grpId="0"/>
+      <p:bldP spid="8" grpId="0" animBg="1"/>
+      <p:bldP spid="9" grpId="0"/>
+      <p:bldP spid="10" grpId="0"/>
+      <p:bldP spid="11" grpId="0" animBg="1"/>
+      <p:bldP spid="20" grpId="0"/>
+      <p:bldP spid="22" grpId="0" animBg="1"/>
+    </p:bldLst>
+  </p:timing>
+</p:sld>
+</file>
+
+<file path=ppt/slides/slide27.xml><?xml version="1.0" encoding="utf-8"?>
+<p:sld xmlns:a="http://schemas.openxmlformats.org/drawingml/2006/main" xmlns:r="http://schemas.openxmlformats.org/officeDocument/2006/relationships" xmlns:p="http://schemas.openxmlformats.org/presentationml/2006/main">
+  <p:cSld>
+    <p:spTree>
+      <p:nvGrpSpPr>
+        <p:cNvPr id="1" name=""/>
+        <p:cNvGrpSpPr/>
+        <p:nvPr/>
+      </p:nvGrpSpPr>
+      <p:grpSpPr>
+        <a:xfrm>
+          <a:off x="0" y="0"/>
+          <a:ext cx="0" cy="0"/>
+          <a:chOff x="0" y="0"/>
+          <a:chExt cx="0" cy="0"/>
+        </a:xfrm>
+      </p:grpSpPr>
+      <p:sp>
+        <p:nvSpPr>
+          <p:cNvPr id="2" name="Title 1"/>
+          <p:cNvSpPr>
+            <a:spLocks noGrp="1"/>
+          </p:cNvSpPr>
+          <p:nvPr>
+            <p:ph type="title"/>
+          </p:nvPr>
+        </p:nvSpPr>
+        <p:spPr>
+          <a:xfrm>
             <a:off x="3806868" y="2256555"/>
             <a:ext cx="4961351" cy="1325563"/>
           </a:xfrm>
@@ -17982,7 +19139,7 @@
 </p:sld>
 </file>
 
-<file path=ppt/slides/slide26.xml><?xml version="1.0" encoding="utf-8"?>
+<file path=ppt/slides/slide28.xml><?xml version="1.0" encoding="utf-8"?>
 <p:sld xmlns:a="http://schemas.openxmlformats.org/drawingml/2006/main" xmlns:r="http://schemas.openxmlformats.org/officeDocument/2006/relationships" xmlns:p="http://schemas.openxmlformats.org/presentationml/2006/main">
   <p:cSld>
     <p:spTree>
@@ -19411,7 +20568,7 @@
 </p:sld>
 </file>
 
-<file path=ppt/slides/slide27.xml><?xml version="1.0" encoding="utf-8"?>
+<file path=ppt/slides/slide29.xml><?xml version="1.0" encoding="utf-8"?>
 <p:sld xmlns:a="http://schemas.openxmlformats.org/drawingml/2006/main" xmlns:r="http://schemas.openxmlformats.org/officeDocument/2006/relationships" xmlns:p="http://schemas.openxmlformats.org/presentationml/2006/main">
   <p:cSld>
     <p:spTree>
@@ -19501,7 +20658,102 @@
 </p:sld>
 </file>
 
-<file path=ppt/slides/slide28.xml><?xml version="1.0" encoding="utf-8"?>
+<file path=ppt/slides/slide3.xml><?xml version="1.0" encoding="utf-8"?>
+<p:sld xmlns:a="http://schemas.openxmlformats.org/drawingml/2006/main" xmlns:r="http://schemas.openxmlformats.org/officeDocument/2006/relationships" xmlns:p="http://schemas.openxmlformats.org/presentationml/2006/main">
+  <p:cSld>
+    <p:spTree>
+      <p:nvGrpSpPr>
+        <p:cNvPr id="1" name=""/>
+        <p:cNvGrpSpPr/>
+        <p:nvPr/>
+      </p:nvGrpSpPr>
+      <p:grpSpPr>
+        <a:xfrm>
+          <a:off x="0" y="0"/>
+          <a:ext cx="0" cy="0"/>
+          <a:chOff x="0" y="0"/>
+          <a:chExt cx="0" cy="0"/>
+        </a:xfrm>
+      </p:grpSpPr>
+      <p:sp>
+        <p:nvSpPr>
+          <p:cNvPr id="2" name="Title 1"/>
+          <p:cNvSpPr>
+            <a:spLocks noGrp="1"/>
+          </p:cNvSpPr>
+          <p:nvPr>
+            <p:ph type="title"/>
+          </p:nvPr>
+        </p:nvSpPr>
+        <p:spPr>
+          <a:xfrm>
+            <a:off x="3393528" y="1394619"/>
+            <a:ext cx="5404945" cy="1325563"/>
+          </a:xfrm>
+        </p:spPr>
+        <p:txBody>
+          <a:bodyPr/>
+          <a:lstStyle/>
+          <a:p>
+            <a:r>
+              <a:rPr lang="zh-CN" altLang="en-US" dirty="0" smtClean="0"/>
+              <a:t>识别照明灯范例讲解</a:t>
+            </a:r>
+            <a:endParaRPr lang="en-US" dirty="0"/>
+          </a:p>
+        </p:txBody>
+      </p:sp>
+      <p:sp>
+        <p:nvSpPr>
+          <p:cNvPr id="4" name="TextBox 3"/>
+          <p:cNvSpPr txBox="1"/>
+          <p:nvPr/>
+        </p:nvSpPr>
+        <p:spPr>
+          <a:xfrm>
+            <a:off x="4964921" y="3042746"/>
+            <a:ext cx="2262158" cy="369332"/>
+          </a:xfrm>
+          <a:prstGeom prst="rect">
+            <a:avLst/>
+          </a:prstGeom>
+          <a:noFill/>
+        </p:spPr>
+        <p:txBody>
+          <a:bodyPr wrap="none" rtlCol="0">
+            <a:spAutoFit/>
+          </a:bodyPr>
+          <a:lstStyle/>
+          <a:p>
+            <a:r>
+              <a:rPr lang="zh-CN" altLang="en-US" dirty="0" smtClean="0"/>
+              <a:t>决策树分类器的应用</a:t>
+            </a:r>
+            <a:endParaRPr lang="en-US" dirty="0"/>
+          </a:p>
+        </p:txBody>
+      </p:sp>
+    </p:spTree>
+    <p:extLst>
+      <p:ext uri="{BB962C8B-B14F-4D97-AF65-F5344CB8AC3E}">
+        <p14:creationId xmlns:p14="http://schemas.microsoft.com/office/powerpoint/2010/main" val="1876972993"/>
+      </p:ext>
+    </p:extLst>
+  </p:cSld>
+  <p:clrMapOvr>
+    <a:masterClrMapping/>
+  </p:clrMapOvr>
+  <p:timing>
+    <p:tnLst>
+      <p:par>
+        <p:cTn id="1" dur="indefinite" restart="never" nodeType="tmRoot"/>
+      </p:par>
+    </p:tnLst>
+  </p:timing>
+</p:sld>
+</file>
+
+<file path=ppt/slides/slide30.xml><?xml version="1.0" encoding="utf-8"?>
 <p:sld xmlns:a="http://schemas.openxmlformats.org/drawingml/2006/main" xmlns:r="http://schemas.openxmlformats.org/officeDocument/2006/relationships" xmlns:p="http://schemas.openxmlformats.org/presentationml/2006/main">
   <p:cSld>
     <p:spTree>
@@ -20856,7 +22108,7 @@
 </p:sld>
 </file>
 
-<file path=ppt/slides/slide29.xml><?xml version="1.0" encoding="utf-8"?>
+<file path=ppt/slides/slide31.xml><?xml version="1.0" encoding="utf-8"?>
 <p:sld xmlns:a="http://schemas.openxmlformats.org/drawingml/2006/main" xmlns:r="http://schemas.openxmlformats.org/officeDocument/2006/relationships" xmlns:p="http://schemas.openxmlformats.org/presentationml/2006/main">
   <p:cSld>
     <p:bg>
@@ -22060,102 +23312,7 @@
 </p:sld>
 </file>
 
-<file path=ppt/slides/slide3.xml><?xml version="1.0" encoding="utf-8"?>
-<p:sld xmlns:a="http://schemas.openxmlformats.org/drawingml/2006/main" xmlns:r="http://schemas.openxmlformats.org/officeDocument/2006/relationships" xmlns:p="http://schemas.openxmlformats.org/presentationml/2006/main">
-  <p:cSld>
-    <p:spTree>
-      <p:nvGrpSpPr>
-        <p:cNvPr id="1" name=""/>
-        <p:cNvGrpSpPr/>
-        <p:nvPr/>
-      </p:nvGrpSpPr>
-      <p:grpSpPr>
-        <a:xfrm>
-          <a:off x="0" y="0"/>
-          <a:ext cx="0" cy="0"/>
-          <a:chOff x="0" y="0"/>
-          <a:chExt cx="0" cy="0"/>
-        </a:xfrm>
-      </p:grpSpPr>
-      <p:sp>
-        <p:nvSpPr>
-          <p:cNvPr id="2" name="Title 1"/>
-          <p:cNvSpPr>
-            <a:spLocks noGrp="1"/>
-          </p:cNvSpPr>
-          <p:nvPr>
-            <p:ph type="title"/>
-          </p:nvPr>
-        </p:nvSpPr>
-        <p:spPr>
-          <a:xfrm>
-            <a:off x="3393528" y="1394619"/>
-            <a:ext cx="5404945" cy="1325563"/>
-          </a:xfrm>
-        </p:spPr>
-        <p:txBody>
-          <a:bodyPr/>
-          <a:lstStyle/>
-          <a:p>
-            <a:r>
-              <a:rPr lang="zh-CN" altLang="en-US" dirty="0" smtClean="0"/>
-              <a:t>识别照明灯范例讲解</a:t>
-            </a:r>
-            <a:endParaRPr lang="en-US" dirty="0"/>
-          </a:p>
-        </p:txBody>
-      </p:sp>
-      <p:sp>
-        <p:nvSpPr>
-          <p:cNvPr id="4" name="TextBox 3"/>
-          <p:cNvSpPr txBox="1"/>
-          <p:nvPr/>
-        </p:nvSpPr>
-        <p:spPr>
-          <a:xfrm>
-            <a:off x="4964921" y="3042746"/>
-            <a:ext cx="2262158" cy="369332"/>
-          </a:xfrm>
-          <a:prstGeom prst="rect">
-            <a:avLst/>
-          </a:prstGeom>
-          <a:noFill/>
-        </p:spPr>
-        <p:txBody>
-          <a:bodyPr wrap="none" rtlCol="0">
-            <a:spAutoFit/>
-          </a:bodyPr>
-          <a:lstStyle/>
-          <a:p>
-            <a:r>
-              <a:rPr lang="zh-CN" altLang="en-US" dirty="0" smtClean="0"/>
-              <a:t>决策树分类器的应用</a:t>
-            </a:r>
-            <a:endParaRPr lang="en-US" dirty="0"/>
-          </a:p>
-        </p:txBody>
-      </p:sp>
-    </p:spTree>
-    <p:extLst>
-      <p:ext uri="{BB962C8B-B14F-4D97-AF65-F5344CB8AC3E}">
-        <p14:creationId xmlns:p14="http://schemas.microsoft.com/office/powerpoint/2010/main" val="1876972993"/>
-      </p:ext>
-    </p:extLst>
-  </p:cSld>
-  <p:clrMapOvr>
-    <a:masterClrMapping/>
-  </p:clrMapOvr>
-  <p:timing>
-    <p:tnLst>
-      <p:par>
-        <p:cTn id="1" dur="indefinite" restart="never" nodeType="tmRoot"/>
-      </p:par>
-    </p:tnLst>
-  </p:timing>
-</p:sld>
-</file>
-
-<file path=ppt/slides/slide30.xml><?xml version="1.0" encoding="utf-8"?>
+<file path=ppt/slides/slide32.xml><?xml version="1.0" encoding="utf-8"?>
 <p:sld xmlns:a="http://schemas.openxmlformats.org/drawingml/2006/main" xmlns:r="http://schemas.openxmlformats.org/officeDocument/2006/relationships" xmlns:p="http://schemas.openxmlformats.org/presentationml/2006/main">
   <p:cSld>
     <p:spTree>

--- a/机器学习之手写识别.pptx
+++ b/机器学习之手写识别.pptx
@@ -36,7 +36,9 @@
     <p:sldId id="280" r:id="rId30"/>
     <p:sldId id="281" r:id="rId31"/>
     <p:sldId id="282" r:id="rId32"/>
-    <p:sldId id="283" r:id="rId33"/>
+    <p:sldId id="289" r:id="rId33"/>
+    <p:sldId id="288" r:id="rId34"/>
+    <p:sldId id="283" r:id="rId35"/>
   </p:sldIdLst>
   <p:sldSz cx="12192000" cy="6858000"/>
   <p:notesSz cx="6858000" cy="9144000"/>
@@ -195,6 +197,8 @@
             <p14:sldId id="280"/>
             <p14:sldId id="281"/>
             <p14:sldId id="282"/>
+            <p14:sldId id="289"/>
+            <p14:sldId id="288"/>
             <p14:sldId id="283"/>
           </p14:sldIdLst>
         </p14:section>
@@ -338,7 +342,7 @@
           <a:p>
             <a:fld id="{1F6C1808-FC4B-3644-BDA2-BAA4F954847D}" type="datetimeFigureOut">
               <a:rPr lang="en-US" smtClean="0"/>
-              <a:t>3/22/18</a:t>
+              <a:t>3/23/18</a:t>
             </a:fld>
             <a:endParaRPr lang="en-US"/>
           </a:p>
@@ -508,7 +512,7 @@
           <a:p>
             <a:fld id="{1F6C1808-FC4B-3644-BDA2-BAA4F954847D}" type="datetimeFigureOut">
               <a:rPr lang="en-US" smtClean="0"/>
-              <a:t>3/22/18</a:t>
+              <a:t>3/23/18</a:t>
             </a:fld>
             <a:endParaRPr lang="en-US"/>
           </a:p>
@@ -688,7 +692,7 @@
           <a:p>
             <a:fld id="{1F6C1808-FC4B-3644-BDA2-BAA4F954847D}" type="datetimeFigureOut">
               <a:rPr lang="en-US" smtClean="0"/>
-              <a:t>3/22/18</a:t>
+              <a:t>3/23/18</a:t>
             </a:fld>
             <a:endParaRPr lang="en-US"/>
           </a:p>
@@ -858,7 +862,7 @@
           <a:p>
             <a:fld id="{1F6C1808-FC4B-3644-BDA2-BAA4F954847D}" type="datetimeFigureOut">
               <a:rPr lang="en-US" smtClean="0"/>
-              <a:t>3/22/18</a:t>
+              <a:t>3/23/18</a:t>
             </a:fld>
             <a:endParaRPr lang="en-US"/>
           </a:p>
@@ -1104,7 +1108,7 @@
           <a:p>
             <a:fld id="{1F6C1808-FC4B-3644-BDA2-BAA4F954847D}" type="datetimeFigureOut">
               <a:rPr lang="en-US" smtClean="0"/>
-              <a:t>3/22/18</a:t>
+              <a:t>3/23/18</a:t>
             </a:fld>
             <a:endParaRPr lang="en-US"/>
           </a:p>
@@ -1336,7 +1340,7 @@
           <a:p>
             <a:fld id="{1F6C1808-FC4B-3644-BDA2-BAA4F954847D}" type="datetimeFigureOut">
               <a:rPr lang="en-US" smtClean="0"/>
-              <a:t>3/22/18</a:t>
+              <a:t>3/23/18</a:t>
             </a:fld>
             <a:endParaRPr lang="en-US"/>
           </a:p>
@@ -1703,7 +1707,7 @@
           <a:p>
             <a:fld id="{1F6C1808-FC4B-3644-BDA2-BAA4F954847D}" type="datetimeFigureOut">
               <a:rPr lang="en-US" smtClean="0"/>
-              <a:t>3/22/18</a:t>
+              <a:t>3/23/18</a:t>
             </a:fld>
             <a:endParaRPr lang="en-US"/>
           </a:p>
@@ -1821,7 +1825,7 @@
           <a:p>
             <a:fld id="{1F6C1808-FC4B-3644-BDA2-BAA4F954847D}" type="datetimeFigureOut">
               <a:rPr lang="en-US" smtClean="0"/>
-              <a:t>3/22/18</a:t>
+              <a:t>3/23/18</a:t>
             </a:fld>
             <a:endParaRPr lang="en-US"/>
           </a:p>
@@ -1916,7 +1920,7 @@
           <a:p>
             <a:fld id="{1F6C1808-FC4B-3644-BDA2-BAA4F954847D}" type="datetimeFigureOut">
               <a:rPr lang="en-US" smtClean="0"/>
-              <a:t>3/22/18</a:t>
+              <a:t>3/23/18</a:t>
             </a:fld>
             <a:endParaRPr lang="en-US"/>
           </a:p>
@@ -2193,7 +2197,7 @@
           <a:p>
             <a:fld id="{1F6C1808-FC4B-3644-BDA2-BAA4F954847D}" type="datetimeFigureOut">
               <a:rPr lang="en-US" smtClean="0"/>
-              <a:t>3/22/18</a:t>
+              <a:t>3/23/18</a:t>
             </a:fld>
             <a:endParaRPr lang="en-US"/>
           </a:p>
@@ -2446,7 +2450,7 @@
           <a:p>
             <a:fld id="{1F6C1808-FC4B-3644-BDA2-BAA4F954847D}" type="datetimeFigureOut">
               <a:rPr lang="en-US" smtClean="0"/>
-              <a:t>3/22/18</a:t>
+              <a:t>3/23/18</a:t>
             </a:fld>
             <a:endParaRPr lang="en-US"/>
           </a:p>
@@ -2659,7 +2663,7 @@
           <a:p>
             <a:fld id="{1F6C1808-FC4B-3644-BDA2-BAA4F954847D}" type="datetimeFigureOut">
               <a:rPr lang="en-US" smtClean="0"/>
-              <a:t>3/22/18</a:t>
+              <a:t>3/23/18</a:t>
             </a:fld>
             <a:endParaRPr lang="en-US"/>
           </a:p>
@@ -16184,13 +16188,8 @@
             </a:r>
             <a:r>
               <a:rPr lang="en-US" dirty="0" smtClean="0"/>
-              <a:t>   </a:t>
-            </a:r>
-            <a:r>
-              <a:rPr lang="en-US" dirty="0" smtClean="0"/>
-              <a:t>0,0,0,0,0,0,0,0,0,0,</a:t>
-            </a:r>
-            <a:endParaRPr lang="en-US" dirty="0" smtClean="0"/>
+              <a:t>   0,0,0,0,0,0,0,0,0,0,</a:t>
+            </a:r>
           </a:p>
           <a:p>
             <a:r>
@@ -16199,13 +16198,8 @@
             </a:r>
             <a:r>
               <a:rPr lang="en-US" dirty="0" smtClean="0"/>
-              <a:t>   </a:t>
-            </a:r>
-            <a:r>
-              <a:rPr lang="en-US" dirty="0" smtClean="0"/>
-              <a:t>1,1,1,1,1,1,1,1,1,1,</a:t>
-            </a:r>
-            <a:endParaRPr lang="en-US" dirty="0" smtClean="0"/>
+              <a:t>   1,1,1,1,1,1,1,1,1,1,</a:t>
+            </a:r>
           </a:p>
           <a:p>
             <a:r>
@@ -16214,13 +16208,8 @@
             </a:r>
             <a:r>
               <a:rPr lang="en-US" dirty="0" smtClean="0"/>
-              <a:t>   </a:t>
-            </a:r>
-            <a:r>
-              <a:rPr lang="en-US" dirty="0" smtClean="0"/>
-              <a:t>2,2,2,2,2,2,2,2,2,2,</a:t>
-            </a:r>
-            <a:endParaRPr lang="en-US" dirty="0" smtClean="0"/>
+              <a:t>   2,2,2,2,2,2,2,2,2,2,</a:t>
+            </a:r>
           </a:p>
           <a:p>
             <a:r>
@@ -16229,13 +16218,8 @@
             </a:r>
             <a:r>
               <a:rPr lang="en-US" dirty="0" smtClean="0"/>
-              <a:t>   </a:t>
-            </a:r>
-            <a:r>
-              <a:rPr lang="en-US" dirty="0" smtClean="0"/>
-              <a:t>3,3,3,3,3,3,3,3,3,3,</a:t>
-            </a:r>
-            <a:endParaRPr lang="en-US" dirty="0" smtClean="0"/>
+              <a:t>   3,3,3,3,3,3,3,3,3,3,</a:t>
+            </a:r>
           </a:p>
           <a:p>
             <a:r>
@@ -16244,13 +16228,8 @@
             </a:r>
             <a:r>
               <a:rPr lang="en-US" dirty="0" smtClean="0"/>
-              <a:t>   </a:t>
-            </a:r>
-            <a:r>
-              <a:rPr lang="en-US" dirty="0" smtClean="0"/>
-              <a:t>4,4,4,4,4,4,4,4,4,4,</a:t>
-            </a:r>
-            <a:endParaRPr lang="en-US" dirty="0" smtClean="0"/>
+              <a:t>   4,4,4,4,4,4,4,4,4,4,</a:t>
+            </a:r>
           </a:p>
           <a:p>
             <a:r>
@@ -16259,13 +16238,8 @@
             </a:r>
             <a:r>
               <a:rPr lang="en-US" dirty="0" smtClean="0"/>
-              <a:t>   </a:t>
-            </a:r>
-            <a:r>
-              <a:rPr lang="en-US" dirty="0" smtClean="0"/>
-              <a:t>5,5,5,5,5,5,5,5,5,5,</a:t>
-            </a:r>
-            <a:endParaRPr lang="en-US" dirty="0" smtClean="0"/>
+              <a:t>   5,5,5,5,5,5,5,5,5,5,</a:t>
+            </a:r>
           </a:p>
           <a:p>
             <a:r>
@@ -16274,13 +16248,8 @@
             </a:r>
             <a:r>
               <a:rPr lang="en-US" dirty="0" smtClean="0"/>
-              <a:t>   </a:t>
-            </a:r>
-            <a:r>
-              <a:rPr lang="en-US" dirty="0" smtClean="0"/>
-              <a:t>6,6,6,6,6,6,6,6,6,6,</a:t>
-            </a:r>
-            <a:endParaRPr lang="en-US" dirty="0" smtClean="0"/>
+              <a:t>   6,6,6,6,6,6,6,6,6,6,</a:t>
+            </a:r>
           </a:p>
           <a:p>
             <a:r>
@@ -16289,13 +16258,8 @@
             </a:r>
             <a:r>
               <a:rPr lang="en-US" dirty="0" smtClean="0"/>
-              <a:t>   </a:t>
-            </a:r>
-            <a:r>
-              <a:rPr lang="en-US" dirty="0" smtClean="0"/>
-              <a:t>7,7,7,7,7,7,7,7,7,7,</a:t>
-            </a:r>
-            <a:endParaRPr lang="en-US" dirty="0" smtClean="0"/>
+              <a:t>   7,7,7,7,7,7,7,7,7,7,</a:t>
+            </a:r>
           </a:p>
           <a:p>
             <a:r>
@@ -16304,13 +16268,8 @@
             </a:r>
             <a:r>
               <a:rPr lang="en-US" dirty="0" smtClean="0"/>
-              <a:t>   </a:t>
-            </a:r>
-            <a:r>
-              <a:rPr lang="en-US" dirty="0" smtClean="0"/>
-              <a:t>8,8,8,8,8,8,8,8,8,8,</a:t>
-            </a:r>
-            <a:endParaRPr lang="en-US" dirty="0" smtClean="0"/>
+              <a:t>   8,8,8,8,8,8,8,8,8,8,</a:t>
+            </a:r>
           </a:p>
           <a:p>
             <a:r>
@@ -16319,13 +16278,8 @@
             </a:r>
             <a:r>
               <a:rPr lang="en-US" dirty="0" smtClean="0"/>
-              <a:t>   </a:t>
-            </a:r>
-            <a:r>
-              <a:rPr lang="en-US" dirty="0" smtClean="0"/>
-              <a:t>9,9,9,9,9,9,9,9,9,9</a:t>
-            </a:r>
-            <a:endParaRPr lang="en-US" dirty="0" smtClean="0"/>
+              <a:t>   9,9,9,9,9,9,9,9,9,9</a:t>
+            </a:r>
           </a:p>
           <a:p>
             <a:r>
@@ -20780,7 +20734,12 @@
             <p:ph type="title"/>
           </p:nvPr>
         </p:nvSpPr>
-        <p:spPr/>
+        <p:spPr>
+          <a:xfrm>
+            <a:off x="18386" y="2517"/>
+            <a:ext cx="10515600" cy="1325563"/>
+          </a:xfrm>
+        </p:spPr>
         <p:txBody>
           <a:bodyPr/>
           <a:lstStyle/>
@@ -22164,7 +22123,7 @@
         </p:nvCxnSpPr>
         <p:spPr>
           <a:xfrm>
-            <a:off x="2916616" y="4776952"/>
+            <a:off x="2916616" y="5453356"/>
             <a:ext cx="6558455" cy="0"/>
           </a:xfrm>
           <a:prstGeom prst="straightConnector1">
@@ -22197,7 +22156,7 @@
         </p:nvCxnSpPr>
         <p:spPr>
           <a:xfrm flipV="1">
-            <a:off x="2916616" y="1387367"/>
+            <a:off x="2916616" y="2063771"/>
             <a:ext cx="0" cy="3389585"/>
           </a:xfrm>
           <a:prstGeom prst="straightConnector1">
@@ -22230,7 +22189,7 @@
         </p:nvSpPr>
         <p:spPr>
           <a:xfrm>
-            <a:off x="9191019" y="4324272"/>
+            <a:off x="9191019" y="5000676"/>
             <a:ext cx="284052" cy="369332"/>
           </a:xfrm>
           <a:prstGeom prst="rect">
@@ -22260,7 +22219,7 @@
         </p:nvSpPr>
         <p:spPr>
           <a:xfrm>
-            <a:off x="3153095" y="1418894"/>
+            <a:off x="3153095" y="2095298"/>
             <a:ext cx="288862" cy="369332"/>
           </a:xfrm>
           <a:prstGeom prst="rect">
@@ -22290,7 +22249,7 @@
         </p:nvSpPr>
         <p:spPr>
           <a:xfrm>
-            <a:off x="4319750" y="4162103"/>
+            <a:off x="4319750" y="4838507"/>
             <a:ext cx="141889" cy="141889"/>
           </a:xfrm>
           <a:prstGeom prst="ellipse">
@@ -22334,7 +22293,7 @@
         </p:nvSpPr>
         <p:spPr>
           <a:xfrm>
-            <a:off x="6111766" y="2233447"/>
+            <a:off x="6111766" y="2909851"/>
             <a:ext cx="141889" cy="141889"/>
           </a:xfrm>
           <a:prstGeom prst="ellipse">
@@ -22378,7 +22337,7 @@
         </p:nvSpPr>
         <p:spPr>
           <a:xfrm>
-            <a:off x="6213762" y="2135917"/>
+            <a:off x="6213762" y="2812321"/>
             <a:ext cx="821059" cy="369332"/>
           </a:xfrm>
           <a:prstGeom prst="rect">
@@ -22408,7 +22367,7 @@
         </p:nvSpPr>
         <p:spPr>
           <a:xfrm>
-            <a:off x="3774762" y="4303992"/>
+            <a:off x="3774762" y="4980396"/>
             <a:ext cx="821059" cy="369332"/>
           </a:xfrm>
           <a:prstGeom prst="rect">
@@ -22438,7 +22397,7 @@
         </p:nvCxnSpPr>
         <p:spPr>
           <a:xfrm>
-            <a:off x="3297526" y="4233047"/>
+            <a:off x="3297526" y="4909451"/>
             <a:ext cx="5278915" cy="0"/>
           </a:xfrm>
           <a:prstGeom prst="line">
@@ -22471,7 +22430,7 @@
         </p:nvCxnSpPr>
         <p:spPr>
           <a:xfrm>
-            <a:off x="6182710" y="1387367"/>
+            <a:off x="6182710" y="2063771"/>
             <a:ext cx="0" cy="3222889"/>
           </a:xfrm>
           <a:prstGeom prst="line">
@@ -22504,7 +22463,7 @@
         </p:nvCxnSpPr>
         <p:spPr>
           <a:xfrm flipV="1">
-            <a:off x="4083269" y="1907628"/>
+            <a:off x="4083269" y="2584032"/>
             <a:ext cx="2570400" cy="2601310"/>
           </a:xfrm>
           <a:prstGeom prst="line">
@@ -22537,8 +22496,8 @@
         </p:nvSpPr>
         <p:spPr>
           <a:xfrm>
-            <a:off x="5029197" y="4193621"/>
-            <a:ext cx="909864" cy="369332"/>
+            <a:off x="5029197" y="4870025"/>
+            <a:ext cx="1038105" cy="369332"/>
           </a:xfrm>
           <a:prstGeom prst="rect">
             <a:avLst/>
@@ -22553,7 +22512,11 @@
           <a:p>
             <a:r>
               <a:rPr lang="en-US" dirty="0" smtClean="0"/>
-              <a:t>a=x1-x2</a:t>
+              <a:t>d1</a:t>
+            </a:r>
+            <a:r>
+              <a:rPr lang="en-US" dirty="0" smtClean="0"/>
+              <a:t>=x1-x2</a:t>
             </a:r>
             <a:endParaRPr lang="en-US" dirty="0"/>
           </a:p>
@@ -22567,8 +22530,8 @@
         </p:nvSpPr>
         <p:spPr>
           <a:xfrm>
-            <a:off x="6243141" y="3279228"/>
-            <a:ext cx="932819" cy="369332"/>
+            <a:off x="6243141" y="3955632"/>
+            <a:ext cx="1049839" cy="369332"/>
           </a:xfrm>
           <a:prstGeom prst="rect">
             <a:avLst/>
@@ -22582,8 +22545,8 @@
           <a:lstStyle/>
           <a:p>
             <a:r>
-              <a:rPr lang="en-US" dirty="0"/>
-              <a:t>b</a:t>
+              <a:rPr lang="en-US" dirty="0" smtClean="0"/>
+              <a:t>d2</a:t>
             </a:r>
             <a:r>
               <a:rPr lang="en-US" dirty="0" smtClean="0"/>
@@ -22601,8 +22564,8 @@
         </p:nvSpPr>
         <p:spPr>
           <a:xfrm>
-            <a:off x="4644715" y="2998811"/>
-            <a:ext cx="359394" cy="369332"/>
+            <a:off x="3982560" y="3675215"/>
+            <a:ext cx="1043363" cy="369332"/>
           </a:xfrm>
           <a:prstGeom prst="rect">
             <a:avLst/>
@@ -22616,8 +22579,12 @@
           <a:lstStyle/>
           <a:p>
             <a:r>
-              <a:rPr lang="en-US" dirty="0" smtClean="0"/>
-              <a:t>c²</a:t>
+              <a:rPr lang="en-US" smtClean="0"/>
+              <a:t>distance</a:t>
+            </a:r>
+            <a:r>
+              <a:rPr lang="en-US" smtClean="0"/>
+              <a:t>²</a:t>
             </a:r>
             <a:endParaRPr lang="en-US" dirty="0"/>
           </a:p>
@@ -22625,14 +22592,14 @@
       </p:sp>
       <p:sp>
         <p:nvSpPr>
-          <p:cNvPr id="27" name="TextBox 26"/>
+          <p:cNvPr id="31" name="TextBox 30"/>
           <p:cNvSpPr txBox="1"/>
           <p:nvPr/>
         </p:nvSpPr>
         <p:spPr>
           <a:xfrm>
-            <a:off x="4067503" y="5108024"/>
-            <a:ext cx="3112840" cy="369332"/>
+            <a:off x="4870387" y="3689519"/>
+            <a:ext cx="1047082" cy="369332"/>
           </a:xfrm>
           <a:prstGeom prst="rect">
             <a:avLst/>
@@ -22646,16 +22613,16 @@
           <a:lstStyle/>
           <a:p>
             <a:r>
-              <a:rPr lang="zh-CN" altLang="en-US" dirty="0" smtClean="0"/>
-              <a:t>二维点距离 </a:t>
-            </a:r>
-            <a:r>
-              <a:rPr lang="en-US" altLang="zh-CN" dirty="0" smtClean="0"/>
-              <a:t>distance</a:t>
-            </a:r>
-            <a:r>
               <a:rPr lang="en-US" dirty="0" smtClean="0"/>
-              <a:t>²=d1²+d2²</a:t>
+              <a:t>=</a:t>
+            </a:r>
+            <a:r>
+              <a:rPr lang="en-US" dirty="0" smtClean="0"/>
+              <a:t>d1</a:t>
+            </a:r>
+            <a:r>
+              <a:rPr lang="en-US" dirty="0" smtClean="0"/>
+              <a:t>²+d2²</a:t>
             </a:r>
             <a:endParaRPr lang="en-US" dirty="0"/>
           </a:p>
@@ -22663,14 +22630,14 @@
       </p:sp>
       <p:sp>
         <p:nvSpPr>
-          <p:cNvPr id="28" name="TextBox 27"/>
+          <p:cNvPr id="21" name="TextBox 20"/>
           <p:cNvSpPr txBox="1"/>
           <p:nvPr/>
         </p:nvSpPr>
         <p:spPr>
           <a:xfrm>
-            <a:off x="4083269" y="5508896"/>
-            <a:ext cx="3544047" cy="369332"/>
+            <a:off x="4548521" y="6061103"/>
+            <a:ext cx="3112840" cy="369332"/>
           </a:xfrm>
           <a:prstGeom prst="rect">
             <a:avLst/>
@@ -22685,7 +22652,7 @@
           <a:p>
             <a:r>
               <a:rPr lang="zh-CN" altLang="en-US" dirty="0" smtClean="0"/>
-              <a:t>三维点距离 </a:t>
+              <a:t>二维点距离 </a:t>
             </a:r>
             <a:r>
               <a:rPr lang="en-US" altLang="zh-CN" dirty="0" smtClean="0"/>
@@ -22693,95 +22660,9 @@
             </a:r>
             <a:r>
               <a:rPr lang="en-US" dirty="0" smtClean="0"/>
-              <a:t>²=d1²+d2²+d3</a:t>
-            </a:r>
-            <a:r>
-              <a:rPr lang="en-US" dirty="0"/>
-              <a:t>²</a:t>
-            </a:r>
-          </a:p>
-        </p:txBody>
-      </p:sp>
-      <p:sp>
-        <p:nvSpPr>
-          <p:cNvPr id="30" name="TextBox 29"/>
-          <p:cNvSpPr txBox="1"/>
-          <p:nvPr/>
-        </p:nvSpPr>
-        <p:spPr>
-          <a:xfrm>
-            <a:off x="4078009" y="5960844"/>
-            <a:ext cx="4254178" cy="369332"/>
-          </a:xfrm>
-          <a:prstGeom prst="rect">
-            <a:avLst/>
-          </a:prstGeom>
-          <a:noFill/>
-        </p:spPr>
-        <p:txBody>
-          <a:bodyPr wrap="none" rtlCol="0">
-            <a:spAutoFit/>
-          </a:bodyPr>
-          <a:lstStyle/>
-          <a:p>
-            <a:r>
-              <a:rPr lang="zh-CN" altLang="en-US" dirty="0" smtClean="0"/>
-              <a:t>多维点距离 </a:t>
-            </a:r>
-            <a:r>
-              <a:rPr lang="en-US" altLang="zh-CN" dirty="0" smtClean="0"/>
-              <a:t>distance</a:t>
-            </a:r>
-            <a:r>
-              <a:rPr lang="en-US" dirty="0" smtClean="0"/>
-              <a:t>²=d1²+d2²+d3²+</a:t>
-            </a:r>
-            <a:r>
-              <a:rPr lang="mr-IN" dirty="0" smtClean="0"/>
-              <a:t>…</a:t>
-            </a:r>
-            <a:r>
-              <a:rPr lang="en-US" dirty="0" smtClean="0"/>
-              <a:t>+dn</a:t>
-            </a:r>
-            <a:r>
-              <a:rPr lang="en-US" dirty="0"/>
-              <a:t>²</a:t>
-            </a:r>
-          </a:p>
-        </p:txBody>
-      </p:sp>
-      <p:sp>
-        <p:nvSpPr>
-          <p:cNvPr id="31" name="TextBox 30"/>
-          <p:cNvSpPr txBox="1"/>
-          <p:nvPr/>
-        </p:nvSpPr>
-        <p:spPr>
-          <a:xfrm>
-            <a:off x="4886153" y="3013115"/>
-            <a:ext cx="801823" cy="369332"/>
-          </a:xfrm>
-          <a:prstGeom prst="rect">
-            <a:avLst/>
-          </a:prstGeom>
-          <a:noFill/>
-        </p:spPr>
-        <p:txBody>
-          <a:bodyPr wrap="none" rtlCol="0">
-            <a:spAutoFit/>
-          </a:bodyPr>
-          <a:lstStyle/>
-          <a:p>
-            <a:r>
-              <a:rPr lang="en-US"/>
-              <a:t>=</a:t>
-            </a:r>
-            <a:r>
-              <a:rPr lang="en-US" smtClean="0"/>
-              <a:t>a²+b²</a:t>
-            </a:r>
-            <a:endParaRPr lang="en-US"/>
+              <a:t>²=d1²+d2²</a:t>
+            </a:r>
+            <a:endParaRPr lang="en-US" dirty="0"/>
           </a:p>
         </p:txBody>
       </p:sp>
@@ -23145,7 +23026,7 @@
                                           </p:stCondLst>
                                         </p:cTn>
                                         <p:tgtEl>
-                                          <p:spTgt spid="27"/>
+                                          <p:spTgt spid="21"/>
                                         </p:tgtEl>
                                         <p:attrNameLst>
                                           <p:attrName>style.visibility</p:attrName>
@@ -23159,113 +23040,7 @@
                                       <p:cBhvr>
                                         <p:cTn id="35" dur="500"/>
                                         <p:tgtEl>
-                                          <p:spTgt spid="27"/>
-                                        </p:tgtEl>
-                                      </p:cBhvr>
-                                    </p:animEffect>
-                                  </p:childTnLst>
-                                </p:cTn>
-                              </p:par>
-                            </p:childTnLst>
-                          </p:cTn>
-                        </p:par>
-                      </p:childTnLst>
-                    </p:cTn>
-                  </p:par>
-                  <p:par>
-                    <p:cTn id="36" fill="hold">
-                      <p:stCondLst>
-                        <p:cond delay="indefinite"/>
-                      </p:stCondLst>
-                      <p:childTnLst>
-                        <p:par>
-                          <p:cTn id="37" fill="hold">
-                            <p:stCondLst>
-                              <p:cond delay="0"/>
-                            </p:stCondLst>
-                            <p:childTnLst>
-                              <p:par>
-                                <p:cTn id="38" presetID="5" presetClass="entr" presetSubtype="10" fill="hold" grpId="0" nodeType="clickEffect">
-                                  <p:stCondLst>
-                                    <p:cond delay="0"/>
-                                  </p:stCondLst>
-                                  <p:childTnLst>
-                                    <p:set>
-                                      <p:cBhvr>
-                                        <p:cTn id="39" dur="1" fill="hold">
-                                          <p:stCondLst>
-                                            <p:cond delay="0"/>
-                                          </p:stCondLst>
-                                        </p:cTn>
-                                        <p:tgtEl>
-                                          <p:spTgt spid="28"/>
-                                        </p:tgtEl>
-                                        <p:attrNameLst>
-                                          <p:attrName>style.visibility</p:attrName>
-                                        </p:attrNameLst>
-                                      </p:cBhvr>
-                                      <p:to>
-                                        <p:strVal val="visible"/>
-                                      </p:to>
-                                    </p:set>
-                                    <p:animEffect transition="in" filter="checkerboard(across)">
-                                      <p:cBhvr>
-                                        <p:cTn id="40" dur="500"/>
-                                        <p:tgtEl>
-                                          <p:spTgt spid="28"/>
-                                        </p:tgtEl>
-                                      </p:cBhvr>
-                                    </p:animEffect>
-                                  </p:childTnLst>
-                                </p:cTn>
-                              </p:par>
-                            </p:childTnLst>
-                          </p:cTn>
-                        </p:par>
-                      </p:childTnLst>
-                    </p:cTn>
-                  </p:par>
-                  <p:par>
-                    <p:cTn id="41" fill="hold">
-                      <p:stCondLst>
-                        <p:cond delay="indefinite"/>
-                      </p:stCondLst>
-                      <p:childTnLst>
-                        <p:par>
-                          <p:cTn id="42" fill="hold">
-                            <p:stCondLst>
-                              <p:cond delay="0"/>
-                            </p:stCondLst>
-                            <p:childTnLst>
-                              <p:par>
-                                <p:cTn id="43" presetID="5" presetClass="entr" presetSubtype="10" fill="hold" grpId="0" nodeType="clickEffect">
-                                  <p:stCondLst>
-                                    <p:cond delay="0"/>
-                                  </p:stCondLst>
-                                  <p:childTnLst>
-                                    <p:set>
-                                      <p:cBhvr>
-                                        <p:cTn id="44" dur="1" fill="hold">
-                                          <p:stCondLst>
-                                            <p:cond delay="0"/>
-                                          </p:stCondLst>
-                                        </p:cTn>
-                                        <p:tgtEl>
-                                          <p:spTgt spid="30"/>
-                                        </p:tgtEl>
-                                        <p:attrNameLst>
-                                          <p:attrName>style.visibility</p:attrName>
-                                        </p:attrNameLst>
-                                      </p:cBhvr>
-                                      <p:to>
-                                        <p:strVal val="visible"/>
-                                      </p:to>
-                                    </p:set>
-                                    <p:animEffect transition="in" filter="checkerboard(across)">
-                                      <p:cBhvr>
-                                        <p:cTn id="45" dur="500"/>
-                                        <p:tgtEl>
-                                          <p:spTgt spid="30"/>
+                                          <p:spTgt spid="21"/>
                                         </p:tgtEl>
                                       </p:cBhvr>
                                     </p:animEffect>
@@ -23303,10 +23078,8 @@
       <p:bldP spid="24" grpId="0"/>
       <p:bldP spid="25" grpId="0"/>
       <p:bldP spid="26" grpId="0"/>
-      <p:bldP spid="27" grpId="0"/>
-      <p:bldP spid="28" grpId="0"/>
-      <p:bldP spid="30" grpId="0"/>
       <p:bldP spid="31" grpId="0"/>
+      <p:bldP spid="21" grpId="0"/>
     </p:bldLst>
   </p:timing>
 </p:sld>
@@ -23339,6 +23112,2042 @@
             <p:ph type="title"/>
           </p:nvPr>
         </p:nvSpPr>
+        <p:spPr>
+          <a:xfrm>
+            <a:off x="838200" y="49805"/>
+            <a:ext cx="10515600" cy="1325563"/>
+          </a:xfrm>
+        </p:spPr>
+        <p:txBody>
+          <a:bodyPr/>
+          <a:lstStyle/>
+          <a:p>
+            <a:r>
+              <a:rPr lang="zh-CN" altLang="en-US" dirty="0" smtClean="0"/>
+              <a:t>三维坐标系中两点距离</a:t>
+            </a:r>
+            <a:endParaRPr lang="en-US" dirty="0"/>
+          </a:p>
+        </p:txBody>
+      </p:sp>
+      <p:cxnSp>
+        <p:nvCxnSpPr>
+          <p:cNvPr id="5" name="Straight Arrow Connector 4"/>
+          <p:cNvCxnSpPr/>
+          <p:nvPr/>
+        </p:nvCxnSpPr>
+        <p:spPr>
+          <a:xfrm>
+            <a:off x="4697260" y="3956923"/>
+            <a:ext cx="5298078" cy="0"/>
+          </a:xfrm>
+          <a:prstGeom prst="straightConnector1">
+            <a:avLst/>
+          </a:prstGeom>
+          <a:ln>
+            <a:tailEnd type="triangle"/>
+          </a:ln>
+        </p:spPr>
+        <p:style>
+          <a:lnRef idx="1">
+            <a:schemeClr val="accent1"/>
+          </a:lnRef>
+          <a:fillRef idx="0">
+            <a:schemeClr val="accent1"/>
+          </a:fillRef>
+          <a:effectRef idx="0">
+            <a:schemeClr val="accent1"/>
+          </a:effectRef>
+          <a:fontRef idx="minor">
+            <a:schemeClr val="tx1"/>
+          </a:fontRef>
+        </p:style>
+      </p:cxnSp>
+      <p:cxnSp>
+        <p:nvCxnSpPr>
+          <p:cNvPr id="7" name="Straight Arrow Connector 6"/>
+          <p:cNvCxnSpPr/>
+          <p:nvPr/>
+        </p:nvCxnSpPr>
+        <p:spPr>
+          <a:xfrm flipV="1">
+            <a:off x="4697260" y="1238775"/>
+            <a:ext cx="0" cy="2705622"/>
+          </a:xfrm>
+          <a:prstGeom prst="straightConnector1">
+            <a:avLst/>
+          </a:prstGeom>
+          <a:ln>
+            <a:tailEnd type="triangle"/>
+          </a:ln>
+        </p:spPr>
+        <p:style>
+          <a:lnRef idx="1">
+            <a:schemeClr val="accent1"/>
+          </a:lnRef>
+          <a:fillRef idx="0">
+            <a:schemeClr val="accent1"/>
+          </a:fillRef>
+          <a:effectRef idx="0">
+            <a:schemeClr val="accent1"/>
+          </a:effectRef>
+          <a:fontRef idx="minor">
+            <a:schemeClr val="tx1"/>
+          </a:fontRef>
+        </p:style>
+      </p:cxnSp>
+      <p:cxnSp>
+        <p:nvCxnSpPr>
+          <p:cNvPr id="9" name="Straight Arrow Connector 8"/>
+          <p:cNvCxnSpPr/>
+          <p:nvPr/>
+        </p:nvCxnSpPr>
+        <p:spPr>
+          <a:xfrm flipH="1">
+            <a:off x="2855934" y="3956923"/>
+            <a:ext cx="1841326" cy="1841326"/>
+          </a:xfrm>
+          <a:prstGeom prst="straightConnector1">
+            <a:avLst/>
+          </a:prstGeom>
+          <a:ln>
+            <a:tailEnd type="triangle"/>
+          </a:ln>
+        </p:spPr>
+        <p:style>
+          <a:lnRef idx="1">
+            <a:schemeClr val="accent1"/>
+          </a:lnRef>
+          <a:fillRef idx="0">
+            <a:schemeClr val="accent1"/>
+          </a:fillRef>
+          <a:effectRef idx="0">
+            <a:schemeClr val="accent1"/>
+          </a:effectRef>
+          <a:fontRef idx="minor">
+            <a:schemeClr val="tx1"/>
+          </a:fontRef>
+        </p:style>
+      </p:cxnSp>
+      <p:sp>
+        <p:nvSpPr>
+          <p:cNvPr id="10" name="TextBox 9"/>
+          <p:cNvSpPr txBox="1"/>
+          <p:nvPr/>
+        </p:nvSpPr>
+        <p:spPr>
+          <a:xfrm>
+            <a:off x="9705948" y="3944398"/>
+            <a:ext cx="284052" cy="369332"/>
+          </a:xfrm>
+          <a:prstGeom prst="rect">
+            <a:avLst/>
+          </a:prstGeom>
+          <a:noFill/>
+        </p:spPr>
+        <p:txBody>
+          <a:bodyPr wrap="none" rtlCol="0">
+            <a:spAutoFit/>
+          </a:bodyPr>
+          <a:lstStyle/>
+          <a:p>
+            <a:r>
+              <a:rPr lang="en-US" dirty="0" smtClean="0"/>
+              <a:t>x</a:t>
+            </a:r>
+            <a:endParaRPr lang="en-US" dirty="0"/>
+          </a:p>
+        </p:txBody>
+      </p:sp>
+      <p:sp>
+        <p:nvSpPr>
+          <p:cNvPr id="11" name="TextBox 10"/>
+          <p:cNvSpPr txBox="1"/>
+          <p:nvPr/>
+        </p:nvSpPr>
+        <p:spPr>
+          <a:xfrm>
+            <a:off x="4703307" y="1280893"/>
+            <a:ext cx="288862" cy="369332"/>
+          </a:xfrm>
+          <a:prstGeom prst="rect">
+            <a:avLst/>
+          </a:prstGeom>
+          <a:noFill/>
+        </p:spPr>
+        <p:txBody>
+          <a:bodyPr wrap="none" rtlCol="0">
+            <a:spAutoFit/>
+          </a:bodyPr>
+          <a:lstStyle/>
+          <a:p>
+            <a:r>
+              <a:rPr lang="en-US" smtClean="0"/>
+              <a:t>y</a:t>
+            </a:r>
+            <a:endParaRPr lang="en-US"/>
+          </a:p>
+        </p:txBody>
+      </p:sp>
+      <p:sp>
+        <p:nvSpPr>
+          <p:cNvPr id="12" name="TextBox 11"/>
+          <p:cNvSpPr txBox="1"/>
+          <p:nvPr/>
+        </p:nvSpPr>
+        <p:spPr>
+          <a:xfrm>
+            <a:off x="2693097" y="5334787"/>
+            <a:ext cx="276038" cy="369332"/>
+          </a:xfrm>
+          <a:prstGeom prst="rect">
+            <a:avLst/>
+          </a:prstGeom>
+          <a:noFill/>
+        </p:spPr>
+        <p:txBody>
+          <a:bodyPr wrap="none" rtlCol="0">
+            <a:spAutoFit/>
+          </a:bodyPr>
+          <a:lstStyle/>
+          <a:p>
+            <a:r>
+              <a:rPr lang="en-US" dirty="0" smtClean="0"/>
+              <a:t>z</a:t>
+            </a:r>
+            <a:endParaRPr lang="en-US" dirty="0"/>
+          </a:p>
+        </p:txBody>
+      </p:sp>
+      <p:sp>
+        <p:nvSpPr>
+          <p:cNvPr id="13" name="Oval 12"/>
+          <p:cNvSpPr>
+            <a:spLocks noChangeAspect="1"/>
+          </p:cNvSpPr>
+          <p:nvPr/>
+        </p:nvSpPr>
+        <p:spPr>
+          <a:xfrm>
+            <a:off x="5041518" y="3557358"/>
+            <a:ext cx="144000" cy="144000"/>
+          </a:xfrm>
+          <a:prstGeom prst="ellipse">
+            <a:avLst/>
+          </a:prstGeom>
+        </p:spPr>
+        <p:style>
+          <a:lnRef idx="2">
+            <a:schemeClr val="accent1">
+              <a:shade val="50000"/>
+            </a:schemeClr>
+          </a:lnRef>
+          <a:fillRef idx="1">
+            <a:schemeClr val="accent1"/>
+          </a:fillRef>
+          <a:effectRef idx="0">
+            <a:schemeClr val="accent1"/>
+          </a:effectRef>
+          <a:fontRef idx="minor">
+            <a:schemeClr val="lt1"/>
+          </a:fontRef>
+        </p:style>
+        <p:txBody>
+          <a:bodyPr rtlCol="0" anchor="ctr"/>
+          <a:lstStyle/>
+          <a:p>
+            <a:pPr algn="ctr"/>
+            <a:endParaRPr lang="en-US">
+              <a:solidFill>
+                <a:schemeClr val="tx1"/>
+              </a:solidFill>
+            </a:endParaRPr>
+          </a:p>
+        </p:txBody>
+      </p:sp>
+      <p:sp>
+        <p:nvSpPr>
+          <p:cNvPr id="15" name="Oval 14"/>
+          <p:cNvSpPr>
+            <a:spLocks noChangeAspect="1"/>
+          </p:cNvSpPr>
+          <p:nvPr/>
+        </p:nvSpPr>
+        <p:spPr>
+          <a:xfrm>
+            <a:off x="7213200" y="2526461"/>
+            <a:ext cx="144000" cy="144000"/>
+          </a:xfrm>
+          <a:prstGeom prst="ellipse">
+            <a:avLst/>
+          </a:prstGeom>
+        </p:spPr>
+        <p:style>
+          <a:lnRef idx="2">
+            <a:schemeClr val="accent1">
+              <a:shade val="50000"/>
+            </a:schemeClr>
+          </a:lnRef>
+          <a:fillRef idx="1">
+            <a:schemeClr val="accent1"/>
+          </a:fillRef>
+          <a:effectRef idx="0">
+            <a:schemeClr val="accent1"/>
+          </a:effectRef>
+          <a:fontRef idx="minor">
+            <a:schemeClr val="lt1"/>
+          </a:fontRef>
+        </p:style>
+        <p:txBody>
+          <a:bodyPr rtlCol="0" anchor="ctr"/>
+          <a:lstStyle/>
+          <a:p>
+            <a:pPr algn="ctr"/>
+            <a:endParaRPr lang="en-US">
+              <a:solidFill>
+                <a:schemeClr val="tx1"/>
+              </a:solidFill>
+            </a:endParaRPr>
+          </a:p>
+        </p:txBody>
+      </p:sp>
+      <p:cxnSp>
+        <p:nvCxnSpPr>
+          <p:cNvPr id="77" name="Straight Connector 76"/>
+          <p:cNvCxnSpPr/>
+          <p:nvPr/>
+        </p:nvCxnSpPr>
+        <p:spPr>
+          <a:xfrm>
+            <a:off x="5132440" y="3648874"/>
+            <a:ext cx="3251944" cy="0"/>
+          </a:xfrm>
+          <a:prstGeom prst="line">
+            <a:avLst/>
+          </a:prstGeom>
+          <a:ln w="63500">
+            <a:solidFill>
+              <a:srgbClr val="FF0000"/>
+            </a:solidFill>
+            <a:prstDash val="dash"/>
+          </a:ln>
+        </p:spPr>
+        <p:style>
+          <a:lnRef idx="1">
+            <a:schemeClr val="accent1"/>
+          </a:lnRef>
+          <a:fillRef idx="0">
+            <a:schemeClr val="accent1"/>
+          </a:fillRef>
+          <a:effectRef idx="0">
+            <a:schemeClr val="accent1"/>
+          </a:effectRef>
+          <a:fontRef idx="minor">
+            <a:schemeClr val="tx1"/>
+          </a:fontRef>
+        </p:style>
+      </p:cxnSp>
+      <p:cxnSp>
+        <p:nvCxnSpPr>
+          <p:cNvPr id="80" name="Straight Connector 79"/>
+          <p:cNvCxnSpPr/>
+          <p:nvPr/>
+        </p:nvCxnSpPr>
+        <p:spPr>
+          <a:xfrm flipH="1">
+            <a:off x="7267912" y="3667334"/>
+            <a:ext cx="1198179" cy="1205723"/>
+          </a:xfrm>
+          <a:prstGeom prst="line">
+            <a:avLst/>
+          </a:prstGeom>
+          <a:ln w="63500">
+            <a:solidFill>
+              <a:srgbClr val="00B050"/>
+            </a:solidFill>
+            <a:prstDash val="dash"/>
+          </a:ln>
+        </p:spPr>
+        <p:style>
+          <a:lnRef idx="1">
+            <a:schemeClr val="accent1"/>
+          </a:lnRef>
+          <a:fillRef idx="0">
+            <a:schemeClr val="accent1"/>
+          </a:fillRef>
+          <a:effectRef idx="0">
+            <a:schemeClr val="accent1"/>
+          </a:effectRef>
+          <a:fontRef idx="minor">
+            <a:schemeClr val="tx1"/>
+          </a:fontRef>
+        </p:style>
+      </p:cxnSp>
+      <p:cxnSp>
+        <p:nvCxnSpPr>
+          <p:cNvPr id="82" name="Straight Connector 81"/>
+          <p:cNvCxnSpPr/>
+          <p:nvPr/>
+        </p:nvCxnSpPr>
+        <p:spPr>
+          <a:xfrm>
+            <a:off x="5138220" y="3645124"/>
+            <a:ext cx="2140150" cy="1196401"/>
+          </a:xfrm>
+          <a:prstGeom prst="line">
+            <a:avLst/>
+          </a:prstGeom>
+          <a:ln>
+            <a:prstDash val="dash"/>
+          </a:ln>
+        </p:spPr>
+        <p:style>
+          <a:lnRef idx="1">
+            <a:schemeClr val="accent1"/>
+          </a:lnRef>
+          <a:fillRef idx="0">
+            <a:schemeClr val="accent1"/>
+          </a:fillRef>
+          <a:effectRef idx="0">
+            <a:schemeClr val="accent1"/>
+          </a:effectRef>
+          <a:fontRef idx="minor">
+            <a:schemeClr val="tx1"/>
+          </a:fontRef>
+        </p:style>
+      </p:cxnSp>
+      <p:cxnSp>
+        <p:nvCxnSpPr>
+          <p:cNvPr id="85" name="Straight Connector 84"/>
+          <p:cNvCxnSpPr/>
+          <p:nvPr/>
+        </p:nvCxnSpPr>
+        <p:spPr>
+          <a:xfrm>
+            <a:off x="7316732" y="2542227"/>
+            <a:ext cx="0" cy="2315064"/>
+          </a:xfrm>
+          <a:prstGeom prst="line">
+            <a:avLst/>
+          </a:prstGeom>
+          <a:ln w="63500">
+            <a:solidFill>
+              <a:srgbClr val="FFC000"/>
+            </a:solidFill>
+            <a:prstDash val="dash"/>
+          </a:ln>
+        </p:spPr>
+        <p:style>
+          <a:lnRef idx="1">
+            <a:schemeClr val="accent1"/>
+          </a:lnRef>
+          <a:fillRef idx="0">
+            <a:schemeClr val="accent1"/>
+          </a:fillRef>
+          <a:effectRef idx="0">
+            <a:schemeClr val="accent1"/>
+          </a:effectRef>
+          <a:fontRef idx="minor">
+            <a:schemeClr val="tx1"/>
+          </a:fontRef>
+        </p:style>
+      </p:cxnSp>
+      <p:cxnSp>
+        <p:nvCxnSpPr>
+          <p:cNvPr id="87" name="Straight Connector 86"/>
+          <p:cNvCxnSpPr/>
+          <p:nvPr/>
+        </p:nvCxnSpPr>
+        <p:spPr>
+          <a:xfrm flipV="1">
+            <a:off x="5164430" y="2617841"/>
+            <a:ext cx="2069858" cy="1030897"/>
+          </a:xfrm>
+          <a:prstGeom prst="line">
+            <a:avLst/>
+          </a:prstGeom>
+          <a:ln w="63500">
+            <a:solidFill>
+              <a:srgbClr val="00B0F0"/>
+            </a:solidFill>
+            <a:prstDash val="dash"/>
+          </a:ln>
+        </p:spPr>
+        <p:style>
+          <a:lnRef idx="1">
+            <a:schemeClr val="accent1"/>
+          </a:lnRef>
+          <a:fillRef idx="0">
+            <a:schemeClr val="accent1"/>
+          </a:fillRef>
+          <a:effectRef idx="0">
+            <a:schemeClr val="accent1"/>
+          </a:effectRef>
+          <a:fontRef idx="minor">
+            <a:schemeClr val="tx1"/>
+          </a:fontRef>
+        </p:style>
+      </p:cxnSp>
+      <p:cxnSp>
+        <p:nvCxnSpPr>
+          <p:cNvPr id="89" name="Straight Connector 88"/>
+          <p:cNvCxnSpPr/>
+          <p:nvPr/>
+        </p:nvCxnSpPr>
+        <p:spPr>
+          <a:xfrm flipH="1">
+            <a:off x="7914299" y="3629358"/>
+            <a:ext cx="215093" cy="201663"/>
+          </a:xfrm>
+          <a:prstGeom prst="line">
+            <a:avLst/>
+          </a:prstGeom>
+        </p:spPr>
+        <p:style>
+          <a:lnRef idx="1">
+            <a:schemeClr val="accent1"/>
+          </a:lnRef>
+          <a:fillRef idx="0">
+            <a:schemeClr val="accent1"/>
+          </a:fillRef>
+          <a:effectRef idx="0">
+            <a:schemeClr val="accent1"/>
+          </a:effectRef>
+          <a:fontRef idx="minor">
+            <a:schemeClr val="tx1"/>
+          </a:fontRef>
+        </p:style>
+      </p:cxnSp>
+      <p:cxnSp>
+        <p:nvCxnSpPr>
+          <p:cNvPr id="91" name="Straight Connector 90"/>
+          <p:cNvCxnSpPr/>
+          <p:nvPr/>
+        </p:nvCxnSpPr>
+        <p:spPr>
+          <a:xfrm>
+            <a:off x="7918629" y="3834063"/>
+            <a:ext cx="360000" cy="0"/>
+          </a:xfrm>
+          <a:prstGeom prst="line">
+            <a:avLst/>
+          </a:prstGeom>
+        </p:spPr>
+        <p:style>
+          <a:lnRef idx="1">
+            <a:schemeClr val="accent1"/>
+          </a:lnRef>
+          <a:fillRef idx="0">
+            <a:schemeClr val="accent1"/>
+          </a:fillRef>
+          <a:effectRef idx="0">
+            <a:schemeClr val="accent1"/>
+          </a:effectRef>
+          <a:fontRef idx="minor">
+            <a:schemeClr val="tx1"/>
+          </a:fontRef>
+        </p:style>
+      </p:cxnSp>
+      <p:cxnSp>
+        <p:nvCxnSpPr>
+          <p:cNvPr id="93" name="Straight Connector 92"/>
+          <p:cNvCxnSpPr/>
+          <p:nvPr/>
+        </p:nvCxnSpPr>
+        <p:spPr>
+          <a:xfrm flipV="1">
+            <a:off x="7015656" y="4329496"/>
+            <a:ext cx="0" cy="337098"/>
+          </a:xfrm>
+          <a:prstGeom prst="line">
+            <a:avLst/>
+          </a:prstGeom>
+        </p:spPr>
+        <p:style>
+          <a:lnRef idx="1">
+            <a:schemeClr val="accent1"/>
+          </a:lnRef>
+          <a:fillRef idx="0">
+            <a:schemeClr val="accent1"/>
+          </a:fillRef>
+          <a:effectRef idx="0">
+            <a:schemeClr val="accent1"/>
+          </a:effectRef>
+          <a:fontRef idx="minor">
+            <a:schemeClr val="tx1"/>
+          </a:fontRef>
+        </p:style>
+      </p:cxnSp>
+      <p:cxnSp>
+        <p:nvCxnSpPr>
+          <p:cNvPr id="95" name="Straight Connector 94"/>
+          <p:cNvCxnSpPr/>
+          <p:nvPr/>
+        </p:nvCxnSpPr>
+        <p:spPr>
+          <a:xfrm>
+            <a:off x="7015655" y="4313730"/>
+            <a:ext cx="299555" cy="163677"/>
+          </a:xfrm>
+          <a:prstGeom prst="line">
+            <a:avLst/>
+          </a:prstGeom>
+        </p:spPr>
+        <p:style>
+          <a:lnRef idx="1">
+            <a:schemeClr val="accent1"/>
+          </a:lnRef>
+          <a:fillRef idx="0">
+            <a:schemeClr val="accent1"/>
+          </a:fillRef>
+          <a:effectRef idx="0">
+            <a:schemeClr val="accent1"/>
+          </a:effectRef>
+          <a:fontRef idx="minor">
+            <a:schemeClr val="tx1"/>
+          </a:fontRef>
+        </p:style>
+      </p:cxnSp>
+      <p:sp>
+        <p:nvSpPr>
+          <p:cNvPr id="96" name="TextBox 95"/>
+          <p:cNvSpPr txBox="1"/>
+          <p:nvPr/>
+        </p:nvSpPr>
+        <p:spPr>
+          <a:xfrm>
+            <a:off x="7346729" y="2254477"/>
+            <a:ext cx="1087157" cy="369332"/>
+          </a:xfrm>
+          <a:prstGeom prst="rect">
+            <a:avLst/>
+          </a:prstGeom>
+          <a:noFill/>
+        </p:spPr>
+        <p:txBody>
+          <a:bodyPr wrap="none" rtlCol="0">
+            <a:spAutoFit/>
+          </a:bodyPr>
+          <a:lstStyle/>
+          <a:p>
+            <a:r>
+              <a:rPr lang="en-US" smtClean="0"/>
+              <a:t>(x1,y1,z1)</a:t>
+            </a:r>
+            <a:endParaRPr lang="en-US"/>
+          </a:p>
+        </p:txBody>
+      </p:sp>
+      <p:sp>
+        <p:nvSpPr>
+          <p:cNvPr id="97" name="TextBox 96"/>
+          <p:cNvSpPr txBox="1"/>
+          <p:nvPr/>
+        </p:nvSpPr>
+        <p:spPr>
+          <a:xfrm>
+            <a:off x="4020205" y="3452643"/>
+            <a:ext cx="1087157" cy="369332"/>
+          </a:xfrm>
+          <a:prstGeom prst="rect">
+            <a:avLst/>
+          </a:prstGeom>
+          <a:noFill/>
+        </p:spPr>
+        <p:txBody>
+          <a:bodyPr wrap="none" rtlCol="0">
+            <a:spAutoFit/>
+          </a:bodyPr>
+          <a:lstStyle/>
+          <a:p>
+            <a:r>
+              <a:rPr lang="en-US" dirty="0" smtClean="0"/>
+              <a:t>(x2,y2,z2)</a:t>
+            </a:r>
+            <a:endParaRPr lang="en-US" dirty="0"/>
+          </a:p>
+        </p:txBody>
+      </p:sp>
+      <p:sp>
+        <p:nvSpPr>
+          <p:cNvPr id="98" name="TextBox 97"/>
+          <p:cNvSpPr txBox="1"/>
+          <p:nvPr/>
+        </p:nvSpPr>
+        <p:spPr>
+          <a:xfrm>
+            <a:off x="5943592" y="3594542"/>
+            <a:ext cx="1038105" cy="369332"/>
+          </a:xfrm>
+          <a:prstGeom prst="rect">
+            <a:avLst/>
+          </a:prstGeom>
+          <a:noFill/>
+        </p:spPr>
+        <p:txBody>
+          <a:bodyPr wrap="none" rtlCol="0">
+            <a:spAutoFit/>
+          </a:bodyPr>
+          <a:lstStyle/>
+          <a:p>
+            <a:r>
+              <a:rPr lang="en-US" dirty="0"/>
+              <a:t>d</a:t>
+            </a:r>
+            <a:r>
+              <a:rPr lang="en-US" dirty="0" smtClean="0"/>
+              <a:t>1=x1-x2</a:t>
+            </a:r>
+            <a:endParaRPr lang="en-US" dirty="0"/>
+          </a:p>
+        </p:txBody>
+      </p:sp>
+      <p:sp>
+        <p:nvSpPr>
+          <p:cNvPr id="99" name="TextBox 98"/>
+          <p:cNvSpPr txBox="1"/>
+          <p:nvPr/>
+        </p:nvSpPr>
+        <p:spPr>
+          <a:xfrm>
+            <a:off x="7756629" y="4099031"/>
+            <a:ext cx="1026243" cy="369332"/>
+          </a:xfrm>
+          <a:prstGeom prst="rect">
+            <a:avLst/>
+          </a:prstGeom>
+          <a:noFill/>
+        </p:spPr>
+        <p:txBody>
+          <a:bodyPr wrap="none" rtlCol="0">
+            <a:spAutoFit/>
+          </a:bodyPr>
+          <a:lstStyle/>
+          <a:p>
+            <a:r>
+              <a:rPr lang="en-US" dirty="0" smtClean="0"/>
+              <a:t>d2=z1-z2</a:t>
+            </a:r>
+            <a:endParaRPr lang="en-US" dirty="0"/>
+          </a:p>
+        </p:txBody>
+      </p:sp>
+      <p:sp>
+        <p:nvSpPr>
+          <p:cNvPr id="100" name="TextBox 99"/>
+          <p:cNvSpPr txBox="1"/>
+          <p:nvPr/>
+        </p:nvSpPr>
+        <p:spPr>
+          <a:xfrm>
+            <a:off x="7220606" y="2932378"/>
+            <a:ext cx="1049839" cy="369332"/>
+          </a:xfrm>
+          <a:prstGeom prst="rect">
+            <a:avLst/>
+          </a:prstGeom>
+          <a:noFill/>
+        </p:spPr>
+        <p:txBody>
+          <a:bodyPr wrap="none" rtlCol="0">
+            <a:spAutoFit/>
+          </a:bodyPr>
+          <a:lstStyle/>
+          <a:p>
+            <a:r>
+              <a:rPr lang="en-US" dirty="0" smtClean="0"/>
+              <a:t>d3=y1-y2</a:t>
+            </a:r>
+            <a:endParaRPr lang="en-US" dirty="0"/>
+          </a:p>
+        </p:txBody>
+      </p:sp>
+      <p:sp>
+        <p:nvSpPr>
+          <p:cNvPr id="101" name="TextBox 100"/>
+          <p:cNvSpPr txBox="1"/>
+          <p:nvPr/>
+        </p:nvSpPr>
+        <p:spPr>
+          <a:xfrm>
+            <a:off x="4167928" y="2726505"/>
+            <a:ext cx="2336986" cy="369332"/>
+          </a:xfrm>
+          <a:prstGeom prst="rect">
+            <a:avLst/>
+          </a:prstGeom>
+          <a:noFill/>
+        </p:spPr>
+        <p:txBody>
+          <a:bodyPr wrap="none" rtlCol="0">
+            <a:spAutoFit/>
+          </a:bodyPr>
+          <a:lstStyle/>
+          <a:p>
+            <a:r>
+              <a:rPr lang="en-US" dirty="0" smtClean="0"/>
+              <a:t>distance²=d1²+d2²+d3</a:t>
+            </a:r>
+            <a:r>
+              <a:rPr lang="en-US" dirty="0"/>
+              <a:t>²</a:t>
+            </a:r>
+          </a:p>
+        </p:txBody>
+      </p:sp>
+      <p:sp>
+        <p:nvSpPr>
+          <p:cNvPr id="102" name="TextBox 101"/>
+          <p:cNvSpPr txBox="1"/>
+          <p:nvPr/>
+        </p:nvSpPr>
+        <p:spPr>
+          <a:xfrm>
+            <a:off x="4436271" y="6160851"/>
+            <a:ext cx="3544047" cy="369332"/>
+          </a:xfrm>
+          <a:prstGeom prst="rect">
+            <a:avLst/>
+          </a:prstGeom>
+          <a:noFill/>
+        </p:spPr>
+        <p:txBody>
+          <a:bodyPr wrap="none" rtlCol="0">
+            <a:spAutoFit/>
+          </a:bodyPr>
+          <a:lstStyle/>
+          <a:p>
+            <a:r>
+              <a:rPr lang="zh-CN" altLang="en-US" dirty="0" smtClean="0"/>
+              <a:t>三维点距离 </a:t>
+            </a:r>
+            <a:r>
+              <a:rPr lang="en-US" altLang="zh-CN" dirty="0" smtClean="0"/>
+              <a:t>distance</a:t>
+            </a:r>
+            <a:r>
+              <a:rPr lang="en-US" dirty="0" smtClean="0"/>
+              <a:t>²=d1²+d2²+d3</a:t>
+            </a:r>
+            <a:r>
+              <a:rPr lang="en-US" dirty="0"/>
+              <a:t>²</a:t>
+            </a:r>
+          </a:p>
+        </p:txBody>
+      </p:sp>
+    </p:spTree>
+    <p:extLst>
+      <p:ext uri="{BB962C8B-B14F-4D97-AF65-F5344CB8AC3E}">
+        <p14:creationId xmlns:p14="http://schemas.microsoft.com/office/powerpoint/2010/main" val="386373302"/>
+      </p:ext>
+    </p:extLst>
+  </p:cSld>
+  <p:clrMapOvr>
+    <a:masterClrMapping/>
+  </p:clrMapOvr>
+  <p:timing>
+    <p:tnLst>
+      <p:par>
+        <p:cTn id="1" dur="indefinite" restart="never" nodeType="tmRoot">
+          <p:childTnLst>
+            <p:seq concurrent="1" nextAc="seek">
+              <p:cTn id="2" dur="indefinite" nodeType="mainSeq">
+                <p:childTnLst>
+                  <p:par>
+                    <p:cTn id="3" fill="hold">
+                      <p:stCondLst>
+                        <p:cond delay="indefinite"/>
+                      </p:stCondLst>
+                      <p:childTnLst>
+                        <p:par>
+                          <p:cTn id="4" fill="hold">
+                            <p:stCondLst>
+                              <p:cond delay="0"/>
+                            </p:stCondLst>
+                            <p:childTnLst>
+                              <p:par>
+                                <p:cTn id="5" presetID="5" presetClass="entr" presetSubtype="10" fill="hold" grpId="0" nodeType="clickEffect">
+                                  <p:stCondLst>
+                                    <p:cond delay="0"/>
+                                  </p:stCondLst>
+                                  <p:childTnLst>
+                                    <p:set>
+                                      <p:cBhvr>
+                                        <p:cTn id="6" dur="1" fill="hold">
+                                          <p:stCondLst>
+                                            <p:cond delay="0"/>
+                                          </p:stCondLst>
+                                        </p:cTn>
+                                        <p:tgtEl>
+                                          <p:spTgt spid="13"/>
+                                        </p:tgtEl>
+                                        <p:attrNameLst>
+                                          <p:attrName>style.visibility</p:attrName>
+                                        </p:attrNameLst>
+                                      </p:cBhvr>
+                                      <p:to>
+                                        <p:strVal val="visible"/>
+                                      </p:to>
+                                    </p:set>
+                                    <p:animEffect transition="in" filter="checkerboard(across)">
+                                      <p:cBhvr>
+                                        <p:cTn id="7" dur="500"/>
+                                        <p:tgtEl>
+                                          <p:spTgt spid="13"/>
+                                        </p:tgtEl>
+                                      </p:cBhvr>
+                                    </p:animEffect>
+                                  </p:childTnLst>
+                                </p:cTn>
+                              </p:par>
+                              <p:par>
+                                <p:cTn id="8" presetID="5" presetClass="entr" presetSubtype="10" fill="hold" grpId="0" nodeType="withEffect">
+                                  <p:stCondLst>
+                                    <p:cond delay="0"/>
+                                  </p:stCondLst>
+                                  <p:childTnLst>
+                                    <p:set>
+                                      <p:cBhvr>
+                                        <p:cTn id="9" dur="1" fill="hold">
+                                          <p:stCondLst>
+                                            <p:cond delay="0"/>
+                                          </p:stCondLst>
+                                        </p:cTn>
+                                        <p:tgtEl>
+                                          <p:spTgt spid="97"/>
+                                        </p:tgtEl>
+                                        <p:attrNameLst>
+                                          <p:attrName>style.visibility</p:attrName>
+                                        </p:attrNameLst>
+                                      </p:cBhvr>
+                                      <p:to>
+                                        <p:strVal val="visible"/>
+                                      </p:to>
+                                    </p:set>
+                                    <p:animEffect transition="in" filter="checkerboard(across)">
+                                      <p:cBhvr>
+                                        <p:cTn id="10" dur="500"/>
+                                        <p:tgtEl>
+                                          <p:spTgt spid="97"/>
+                                        </p:tgtEl>
+                                      </p:cBhvr>
+                                    </p:animEffect>
+                                  </p:childTnLst>
+                                </p:cTn>
+                              </p:par>
+                              <p:par>
+                                <p:cTn id="11" presetID="5" presetClass="entr" presetSubtype="10" fill="hold" grpId="0" nodeType="withEffect">
+                                  <p:stCondLst>
+                                    <p:cond delay="0"/>
+                                  </p:stCondLst>
+                                  <p:childTnLst>
+                                    <p:set>
+                                      <p:cBhvr>
+                                        <p:cTn id="12" dur="1" fill="hold">
+                                          <p:stCondLst>
+                                            <p:cond delay="0"/>
+                                          </p:stCondLst>
+                                        </p:cTn>
+                                        <p:tgtEl>
+                                          <p:spTgt spid="15"/>
+                                        </p:tgtEl>
+                                        <p:attrNameLst>
+                                          <p:attrName>style.visibility</p:attrName>
+                                        </p:attrNameLst>
+                                      </p:cBhvr>
+                                      <p:to>
+                                        <p:strVal val="visible"/>
+                                      </p:to>
+                                    </p:set>
+                                    <p:animEffect transition="in" filter="checkerboard(across)">
+                                      <p:cBhvr>
+                                        <p:cTn id="13" dur="500"/>
+                                        <p:tgtEl>
+                                          <p:spTgt spid="15"/>
+                                        </p:tgtEl>
+                                      </p:cBhvr>
+                                    </p:animEffect>
+                                  </p:childTnLst>
+                                </p:cTn>
+                              </p:par>
+                              <p:par>
+                                <p:cTn id="14" presetID="5" presetClass="entr" presetSubtype="10" fill="hold" grpId="0" nodeType="withEffect">
+                                  <p:stCondLst>
+                                    <p:cond delay="0"/>
+                                  </p:stCondLst>
+                                  <p:childTnLst>
+                                    <p:set>
+                                      <p:cBhvr>
+                                        <p:cTn id="15" dur="1" fill="hold">
+                                          <p:stCondLst>
+                                            <p:cond delay="0"/>
+                                          </p:stCondLst>
+                                        </p:cTn>
+                                        <p:tgtEl>
+                                          <p:spTgt spid="96"/>
+                                        </p:tgtEl>
+                                        <p:attrNameLst>
+                                          <p:attrName>style.visibility</p:attrName>
+                                        </p:attrNameLst>
+                                      </p:cBhvr>
+                                      <p:to>
+                                        <p:strVal val="visible"/>
+                                      </p:to>
+                                    </p:set>
+                                    <p:animEffect transition="in" filter="checkerboard(across)">
+                                      <p:cBhvr>
+                                        <p:cTn id="16" dur="500"/>
+                                        <p:tgtEl>
+                                          <p:spTgt spid="96"/>
+                                        </p:tgtEl>
+                                      </p:cBhvr>
+                                    </p:animEffect>
+                                  </p:childTnLst>
+                                </p:cTn>
+                              </p:par>
+                            </p:childTnLst>
+                          </p:cTn>
+                        </p:par>
+                      </p:childTnLst>
+                    </p:cTn>
+                  </p:par>
+                  <p:par>
+                    <p:cTn id="17" fill="hold">
+                      <p:stCondLst>
+                        <p:cond delay="indefinite"/>
+                      </p:stCondLst>
+                      <p:childTnLst>
+                        <p:par>
+                          <p:cTn id="18" fill="hold">
+                            <p:stCondLst>
+                              <p:cond delay="0"/>
+                            </p:stCondLst>
+                            <p:childTnLst>
+                              <p:par>
+                                <p:cTn id="19" presetID="5" presetClass="entr" presetSubtype="10" fill="hold" grpId="0" nodeType="clickEffect">
+                                  <p:stCondLst>
+                                    <p:cond delay="0"/>
+                                  </p:stCondLst>
+                                  <p:childTnLst>
+                                    <p:set>
+                                      <p:cBhvr>
+                                        <p:cTn id="20" dur="1" fill="hold">
+                                          <p:stCondLst>
+                                            <p:cond delay="0"/>
+                                          </p:stCondLst>
+                                        </p:cTn>
+                                        <p:tgtEl>
+                                          <p:spTgt spid="98"/>
+                                        </p:tgtEl>
+                                        <p:attrNameLst>
+                                          <p:attrName>style.visibility</p:attrName>
+                                        </p:attrNameLst>
+                                      </p:cBhvr>
+                                      <p:to>
+                                        <p:strVal val="visible"/>
+                                      </p:to>
+                                    </p:set>
+                                    <p:animEffect transition="in" filter="checkerboard(across)">
+                                      <p:cBhvr>
+                                        <p:cTn id="21" dur="500"/>
+                                        <p:tgtEl>
+                                          <p:spTgt spid="98"/>
+                                        </p:tgtEl>
+                                      </p:cBhvr>
+                                    </p:animEffect>
+                                  </p:childTnLst>
+                                </p:cTn>
+                              </p:par>
+                              <p:par>
+                                <p:cTn id="22" presetID="5" presetClass="entr" presetSubtype="10" fill="hold" nodeType="withEffect">
+                                  <p:stCondLst>
+                                    <p:cond delay="0"/>
+                                  </p:stCondLst>
+                                  <p:childTnLst>
+                                    <p:set>
+                                      <p:cBhvr>
+                                        <p:cTn id="23" dur="1" fill="hold">
+                                          <p:stCondLst>
+                                            <p:cond delay="0"/>
+                                          </p:stCondLst>
+                                        </p:cTn>
+                                        <p:tgtEl>
+                                          <p:spTgt spid="77"/>
+                                        </p:tgtEl>
+                                        <p:attrNameLst>
+                                          <p:attrName>style.visibility</p:attrName>
+                                        </p:attrNameLst>
+                                      </p:cBhvr>
+                                      <p:to>
+                                        <p:strVal val="visible"/>
+                                      </p:to>
+                                    </p:set>
+                                    <p:animEffect transition="in" filter="checkerboard(across)">
+                                      <p:cBhvr>
+                                        <p:cTn id="24" dur="500"/>
+                                        <p:tgtEl>
+                                          <p:spTgt spid="77"/>
+                                        </p:tgtEl>
+                                      </p:cBhvr>
+                                    </p:animEffect>
+                                  </p:childTnLst>
+                                </p:cTn>
+                              </p:par>
+                            </p:childTnLst>
+                          </p:cTn>
+                        </p:par>
+                      </p:childTnLst>
+                    </p:cTn>
+                  </p:par>
+                  <p:par>
+                    <p:cTn id="25" fill="hold">
+                      <p:stCondLst>
+                        <p:cond delay="indefinite"/>
+                      </p:stCondLst>
+                      <p:childTnLst>
+                        <p:par>
+                          <p:cTn id="26" fill="hold">
+                            <p:stCondLst>
+                              <p:cond delay="0"/>
+                            </p:stCondLst>
+                            <p:childTnLst>
+                              <p:par>
+                                <p:cTn id="27" presetID="5" presetClass="entr" presetSubtype="10" fill="hold" grpId="0" nodeType="clickEffect">
+                                  <p:stCondLst>
+                                    <p:cond delay="0"/>
+                                  </p:stCondLst>
+                                  <p:childTnLst>
+                                    <p:set>
+                                      <p:cBhvr>
+                                        <p:cTn id="28" dur="1" fill="hold">
+                                          <p:stCondLst>
+                                            <p:cond delay="0"/>
+                                          </p:stCondLst>
+                                        </p:cTn>
+                                        <p:tgtEl>
+                                          <p:spTgt spid="99"/>
+                                        </p:tgtEl>
+                                        <p:attrNameLst>
+                                          <p:attrName>style.visibility</p:attrName>
+                                        </p:attrNameLst>
+                                      </p:cBhvr>
+                                      <p:to>
+                                        <p:strVal val="visible"/>
+                                      </p:to>
+                                    </p:set>
+                                    <p:animEffect transition="in" filter="checkerboard(across)">
+                                      <p:cBhvr>
+                                        <p:cTn id="29" dur="500"/>
+                                        <p:tgtEl>
+                                          <p:spTgt spid="99"/>
+                                        </p:tgtEl>
+                                      </p:cBhvr>
+                                    </p:animEffect>
+                                  </p:childTnLst>
+                                </p:cTn>
+                              </p:par>
+                              <p:par>
+                                <p:cTn id="30" presetID="5" presetClass="entr" presetSubtype="10" fill="hold" nodeType="withEffect">
+                                  <p:stCondLst>
+                                    <p:cond delay="0"/>
+                                  </p:stCondLst>
+                                  <p:childTnLst>
+                                    <p:set>
+                                      <p:cBhvr>
+                                        <p:cTn id="31" dur="1" fill="hold">
+                                          <p:stCondLst>
+                                            <p:cond delay="0"/>
+                                          </p:stCondLst>
+                                        </p:cTn>
+                                        <p:tgtEl>
+                                          <p:spTgt spid="80"/>
+                                        </p:tgtEl>
+                                        <p:attrNameLst>
+                                          <p:attrName>style.visibility</p:attrName>
+                                        </p:attrNameLst>
+                                      </p:cBhvr>
+                                      <p:to>
+                                        <p:strVal val="visible"/>
+                                      </p:to>
+                                    </p:set>
+                                    <p:animEffect transition="in" filter="checkerboard(across)">
+                                      <p:cBhvr>
+                                        <p:cTn id="32" dur="500"/>
+                                        <p:tgtEl>
+                                          <p:spTgt spid="80"/>
+                                        </p:tgtEl>
+                                      </p:cBhvr>
+                                    </p:animEffect>
+                                  </p:childTnLst>
+                                </p:cTn>
+                              </p:par>
+                              <p:par>
+                                <p:cTn id="33" presetID="5" presetClass="entr" presetSubtype="10" fill="hold" nodeType="withEffect">
+                                  <p:stCondLst>
+                                    <p:cond delay="0"/>
+                                  </p:stCondLst>
+                                  <p:childTnLst>
+                                    <p:set>
+                                      <p:cBhvr>
+                                        <p:cTn id="34" dur="1" fill="hold">
+                                          <p:stCondLst>
+                                            <p:cond delay="0"/>
+                                          </p:stCondLst>
+                                        </p:cTn>
+                                        <p:tgtEl>
+                                          <p:spTgt spid="91"/>
+                                        </p:tgtEl>
+                                        <p:attrNameLst>
+                                          <p:attrName>style.visibility</p:attrName>
+                                        </p:attrNameLst>
+                                      </p:cBhvr>
+                                      <p:to>
+                                        <p:strVal val="visible"/>
+                                      </p:to>
+                                    </p:set>
+                                    <p:animEffect transition="in" filter="checkerboard(across)">
+                                      <p:cBhvr>
+                                        <p:cTn id="35" dur="500"/>
+                                        <p:tgtEl>
+                                          <p:spTgt spid="91"/>
+                                        </p:tgtEl>
+                                      </p:cBhvr>
+                                    </p:animEffect>
+                                  </p:childTnLst>
+                                </p:cTn>
+                              </p:par>
+                              <p:par>
+                                <p:cTn id="36" presetID="5" presetClass="entr" presetSubtype="10" fill="hold" nodeType="withEffect">
+                                  <p:stCondLst>
+                                    <p:cond delay="0"/>
+                                  </p:stCondLst>
+                                  <p:childTnLst>
+                                    <p:set>
+                                      <p:cBhvr>
+                                        <p:cTn id="37" dur="1" fill="hold">
+                                          <p:stCondLst>
+                                            <p:cond delay="0"/>
+                                          </p:stCondLst>
+                                        </p:cTn>
+                                        <p:tgtEl>
+                                          <p:spTgt spid="89"/>
+                                        </p:tgtEl>
+                                        <p:attrNameLst>
+                                          <p:attrName>style.visibility</p:attrName>
+                                        </p:attrNameLst>
+                                      </p:cBhvr>
+                                      <p:to>
+                                        <p:strVal val="visible"/>
+                                      </p:to>
+                                    </p:set>
+                                    <p:animEffect transition="in" filter="checkerboard(across)">
+                                      <p:cBhvr>
+                                        <p:cTn id="38" dur="500"/>
+                                        <p:tgtEl>
+                                          <p:spTgt spid="89"/>
+                                        </p:tgtEl>
+                                      </p:cBhvr>
+                                    </p:animEffect>
+                                  </p:childTnLst>
+                                </p:cTn>
+                              </p:par>
+                            </p:childTnLst>
+                          </p:cTn>
+                        </p:par>
+                      </p:childTnLst>
+                    </p:cTn>
+                  </p:par>
+                  <p:par>
+                    <p:cTn id="39" fill="hold">
+                      <p:stCondLst>
+                        <p:cond delay="indefinite"/>
+                      </p:stCondLst>
+                      <p:childTnLst>
+                        <p:par>
+                          <p:cTn id="40" fill="hold">
+                            <p:stCondLst>
+                              <p:cond delay="0"/>
+                            </p:stCondLst>
+                            <p:childTnLst>
+                              <p:par>
+                                <p:cTn id="41" presetID="5" presetClass="entr" presetSubtype="10" fill="hold" nodeType="clickEffect">
+                                  <p:stCondLst>
+                                    <p:cond delay="0"/>
+                                  </p:stCondLst>
+                                  <p:childTnLst>
+                                    <p:set>
+                                      <p:cBhvr>
+                                        <p:cTn id="42" dur="1" fill="hold">
+                                          <p:stCondLst>
+                                            <p:cond delay="0"/>
+                                          </p:stCondLst>
+                                        </p:cTn>
+                                        <p:tgtEl>
+                                          <p:spTgt spid="82"/>
+                                        </p:tgtEl>
+                                        <p:attrNameLst>
+                                          <p:attrName>style.visibility</p:attrName>
+                                        </p:attrNameLst>
+                                      </p:cBhvr>
+                                      <p:to>
+                                        <p:strVal val="visible"/>
+                                      </p:to>
+                                    </p:set>
+                                    <p:animEffect transition="in" filter="checkerboard(across)">
+                                      <p:cBhvr>
+                                        <p:cTn id="43" dur="500"/>
+                                        <p:tgtEl>
+                                          <p:spTgt spid="82"/>
+                                        </p:tgtEl>
+                                      </p:cBhvr>
+                                    </p:animEffect>
+                                  </p:childTnLst>
+                                </p:cTn>
+                              </p:par>
+                            </p:childTnLst>
+                          </p:cTn>
+                        </p:par>
+                      </p:childTnLst>
+                    </p:cTn>
+                  </p:par>
+                  <p:par>
+                    <p:cTn id="44" fill="hold">
+                      <p:stCondLst>
+                        <p:cond delay="indefinite"/>
+                      </p:stCondLst>
+                      <p:childTnLst>
+                        <p:par>
+                          <p:cTn id="45" fill="hold">
+                            <p:stCondLst>
+                              <p:cond delay="0"/>
+                            </p:stCondLst>
+                            <p:childTnLst>
+                              <p:par>
+                                <p:cTn id="46" presetID="5" presetClass="entr" presetSubtype="10" fill="hold" nodeType="clickEffect">
+                                  <p:stCondLst>
+                                    <p:cond delay="0"/>
+                                  </p:stCondLst>
+                                  <p:childTnLst>
+                                    <p:set>
+                                      <p:cBhvr>
+                                        <p:cTn id="47" dur="1" fill="hold">
+                                          <p:stCondLst>
+                                            <p:cond delay="0"/>
+                                          </p:stCondLst>
+                                        </p:cTn>
+                                        <p:tgtEl>
+                                          <p:spTgt spid="93"/>
+                                        </p:tgtEl>
+                                        <p:attrNameLst>
+                                          <p:attrName>style.visibility</p:attrName>
+                                        </p:attrNameLst>
+                                      </p:cBhvr>
+                                      <p:to>
+                                        <p:strVal val="visible"/>
+                                      </p:to>
+                                    </p:set>
+                                    <p:animEffect transition="in" filter="checkerboard(across)">
+                                      <p:cBhvr>
+                                        <p:cTn id="48" dur="500"/>
+                                        <p:tgtEl>
+                                          <p:spTgt spid="93"/>
+                                        </p:tgtEl>
+                                      </p:cBhvr>
+                                    </p:animEffect>
+                                  </p:childTnLst>
+                                </p:cTn>
+                              </p:par>
+                              <p:par>
+                                <p:cTn id="49" presetID="5" presetClass="entr" presetSubtype="10" fill="hold" nodeType="withEffect">
+                                  <p:stCondLst>
+                                    <p:cond delay="0"/>
+                                  </p:stCondLst>
+                                  <p:childTnLst>
+                                    <p:set>
+                                      <p:cBhvr>
+                                        <p:cTn id="50" dur="1" fill="hold">
+                                          <p:stCondLst>
+                                            <p:cond delay="0"/>
+                                          </p:stCondLst>
+                                        </p:cTn>
+                                        <p:tgtEl>
+                                          <p:spTgt spid="95"/>
+                                        </p:tgtEl>
+                                        <p:attrNameLst>
+                                          <p:attrName>style.visibility</p:attrName>
+                                        </p:attrNameLst>
+                                      </p:cBhvr>
+                                      <p:to>
+                                        <p:strVal val="visible"/>
+                                      </p:to>
+                                    </p:set>
+                                    <p:animEffect transition="in" filter="checkerboard(across)">
+                                      <p:cBhvr>
+                                        <p:cTn id="51" dur="500"/>
+                                        <p:tgtEl>
+                                          <p:spTgt spid="95"/>
+                                        </p:tgtEl>
+                                      </p:cBhvr>
+                                    </p:animEffect>
+                                  </p:childTnLst>
+                                </p:cTn>
+                              </p:par>
+                              <p:par>
+                                <p:cTn id="52" presetID="5" presetClass="entr" presetSubtype="10" fill="hold" nodeType="withEffect">
+                                  <p:stCondLst>
+                                    <p:cond delay="0"/>
+                                  </p:stCondLst>
+                                  <p:childTnLst>
+                                    <p:set>
+                                      <p:cBhvr>
+                                        <p:cTn id="53" dur="1" fill="hold">
+                                          <p:stCondLst>
+                                            <p:cond delay="0"/>
+                                          </p:stCondLst>
+                                        </p:cTn>
+                                        <p:tgtEl>
+                                          <p:spTgt spid="85"/>
+                                        </p:tgtEl>
+                                        <p:attrNameLst>
+                                          <p:attrName>style.visibility</p:attrName>
+                                        </p:attrNameLst>
+                                      </p:cBhvr>
+                                      <p:to>
+                                        <p:strVal val="visible"/>
+                                      </p:to>
+                                    </p:set>
+                                    <p:animEffect transition="in" filter="checkerboard(across)">
+                                      <p:cBhvr>
+                                        <p:cTn id="54" dur="500"/>
+                                        <p:tgtEl>
+                                          <p:spTgt spid="85"/>
+                                        </p:tgtEl>
+                                      </p:cBhvr>
+                                    </p:animEffect>
+                                  </p:childTnLst>
+                                </p:cTn>
+                              </p:par>
+                              <p:par>
+                                <p:cTn id="55" presetID="5" presetClass="entr" presetSubtype="10" fill="hold" grpId="0" nodeType="withEffect">
+                                  <p:stCondLst>
+                                    <p:cond delay="0"/>
+                                  </p:stCondLst>
+                                  <p:childTnLst>
+                                    <p:set>
+                                      <p:cBhvr>
+                                        <p:cTn id="56" dur="1" fill="hold">
+                                          <p:stCondLst>
+                                            <p:cond delay="0"/>
+                                          </p:stCondLst>
+                                        </p:cTn>
+                                        <p:tgtEl>
+                                          <p:spTgt spid="100"/>
+                                        </p:tgtEl>
+                                        <p:attrNameLst>
+                                          <p:attrName>style.visibility</p:attrName>
+                                        </p:attrNameLst>
+                                      </p:cBhvr>
+                                      <p:to>
+                                        <p:strVal val="visible"/>
+                                      </p:to>
+                                    </p:set>
+                                    <p:animEffect transition="in" filter="checkerboard(across)">
+                                      <p:cBhvr>
+                                        <p:cTn id="57" dur="500"/>
+                                        <p:tgtEl>
+                                          <p:spTgt spid="100"/>
+                                        </p:tgtEl>
+                                      </p:cBhvr>
+                                    </p:animEffect>
+                                  </p:childTnLst>
+                                </p:cTn>
+                              </p:par>
+                            </p:childTnLst>
+                          </p:cTn>
+                        </p:par>
+                      </p:childTnLst>
+                    </p:cTn>
+                  </p:par>
+                  <p:par>
+                    <p:cTn id="58" fill="hold">
+                      <p:stCondLst>
+                        <p:cond delay="indefinite"/>
+                      </p:stCondLst>
+                      <p:childTnLst>
+                        <p:par>
+                          <p:cTn id="59" fill="hold">
+                            <p:stCondLst>
+                              <p:cond delay="0"/>
+                            </p:stCondLst>
+                            <p:childTnLst>
+                              <p:par>
+                                <p:cTn id="60" presetID="5" presetClass="entr" presetSubtype="10" fill="hold" nodeType="clickEffect">
+                                  <p:stCondLst>
+                                    <p:cond delay="0"/>
+                                  </p:stCondLst>
+                                  <p:childTnLst>
+                                    <p:set>
+                                      <p:cBhvr>
+                                        <p:cTn id="61" dur="1" fill="hold">
+                                          <p:stCondLst>
+                                            <p:cond delay="0"/>
+                                          </p:stCondLst>
+                                        </p:cTn>
+                                        <p:tgtEl>
+                                          <p:spTgt spid="87"/>
+                                        </p:tgtEl>
+                                        <p:attrNameLst>
+                                          <p:attrName>style.visibility</p:attrName>
+                                        </p:attrNameLst>
+                                      </p:cBhvr>
+                                      <p:to>
+                                        <p:strVal val="visible"/>
+                                      </p:to>
+                                    </p:set>
+                                    <p:animEffect transition="in" filter="checkerboard(across)">
+                                      <p:cBhvr>
+                                        <p:cTn id="62" dur="500"/>
+                                        <p:tgtEl>
+                                          <p:spTgt spid="87"/>
+                                        </p:tgtEl>
+                                      </p:cBhvr>
+                                    </p:animEffect>
+                                  </p:childTnLst>
+                                </p:cTn>
+                              </p:par>
+                              <p:par>
+                                <p:cTn id="63" presetID="5" presetClass="entr" presetSubtype="10" fill="hold" grpId="0" nodeType="withEffect">
+                                  <p:stCondLst>
+                                    <p:cond delay="0"/>
+                                  </p:stCondLst>
+                                  <p:childTnLst>
+                                    <p:set>
+                                      <p:cBhvr>
+                                        <p:cTn id="64" dur="1" fill="hold">
+                                          <p:stCondLst>
+                                            <p:cond delay="0"/>
+                                          </p:stCondLst>
+                                        </p:cTn>
+                                        <p:tgtEl>
+                                          <p:spTgt spid="101"/>
+                                        </p:tgtEl>
+                                        <p:attrNameLst>
+                                          <p:attrName>style.visibility</p:attrName>
+                                        </p:attrNameLst>
+                                      </p:cBhvr>
+                                      <p:to>
+                                        <p:strVal val="visible"/>
+                                      </p:to>
+                                    </p:set>
+                                    <p:animEffect transition="in" filter="checkerboard(across)">
+                                      <p:cBhvr>
+                                        <p:cTn id="65" dur="500"/>
+                                        <p:tgtEl>
+                                          <p:spTgt spid="101"/>
+                                        </p:tgtEl>
+                                      </p:cBhvr>
+                                    </p:animEffect>
+                                  </p:childTnLst>
+                                </p:cTn>
+                              </p:par>
+                            </p:childTnLst>
+                          </p:cTn>
+                        </p:par>
+                      </p:childTnLst>
+                    </p:cTn>
+                  </p:par>
+                  <p:par>
+                    <p:cTn id="66" fill="hold">
+                      <p:stCondLst>
+                        <p:cond delay="indefinite"/>
+                      </p:stCondLst>
+                      <p:childTnLst>
+                        <p:par>
+                          <p:cTn id="67" fill="hold">
+                            <p:stCondLst>
+                              <p:cond delay="0"/>
+                            </p:stCondLst>
+                            <p:childTnLst>
+                              <p:par>
+                                <p:cTn id="68" presetID="5" presetClass="entr" presetSubtype="10" fill="hold" grpId="0" nodeType="clickEffect">
+                                  <p:stCondLst>
+                                    <p:cond delay="0"/>
+                                  </p:stCondLst>
+                                  <p:childTnLst>
+                                    <p:set>
+                                      <p:cBhvr>
+                                        <p:cTn id="69" dur="1" fill="hold">
+                                          <p:stCondLst>
+                                            <p:cond delay="0"/>
+                                          </p:stCondLst>
+                                        </p:cTn>
+                                        <p:tgtEl>
+                                          <p:spTgt spid="102"/>
+                                        </p:tgtEl>
+                                        <p:attrNameLst>
+                                          <p:attrName>style.visibility</p:attrName>
+                                        </p:attrNameLst>
+                                      </p:cBhvr>
+                                      <p:to>
+                                        <p:strVal val="visible"/>
+                                      </p:to>
+                                    </p:set>
+                                    <p:animEffect transition="in" filter="checkerboard(across)">
+                                      <p:cBhvr>
+                                        <p:cTn id="70" dur="500"/>
+                                        <p:tgtEl>
+                                          <p:spTgt spid="102"/>
+                                        </p:tgtEl>
+                                      </p:cBhvr>
+                                    </p:animEffect>
+                                  </p:childTnLst>
+                                </p:cTn>
+                              </p:par>
+                            </p:childTnLst>
+                          </p:cTn>
+                        </p:par>
+                      </p:childTnLst>
+                    </p:cTn>
+                  </p:par>
+                </p:childTnLst>
+              </p:cTn>
+              <p:prevCondLst>
+                <p:cond evt="onPrev" delay="0">
+                  <p:tgtEl>
+                    <p:sldTgt/>
+                  </p:tgtEl>
+                </p:cond>
+              </p:prevCondLst>
+              <p:nextCondLst>
+                <p:cond evt="onNext" delay="0">
+                  <p:tgtEl>
+                    <p:sldTgt/>
+                  </p:tgtEl>
+                </p:cond>
+              </p:nextCondLst>
+            </p:seq>
+          </p:childTnLst>
+        </p:cTn>
+      </p:par>
+    </p:tnLst>
+    <p:bldLst>
+      <p:bldP spid="13" grpId="0" animBg="1"/>
+      <p:bldP spid="15" grpId="0" animBg="1"/>
+      <p:bldP spid="96" grpId="0"/>
+      <p:bldP spid="97" grpId="0"/>
+      <p:bldP spid="98" grpId="0"/>
+      <p:bldP spid="99" grpId="0"/>
+      <p:bldP spid="100" grpId="0"/>
+      <p:bldP spid="101" grpId="0"/>
+      <p:bldP spid="102" grpId="0"/>
+    </p:bldLst>
+  </p:timing>
+</p:sld>
+</file>
+
+<file path=ppt/slides/slide33.xml><?xml version="1.0" encoding="utf-8"?>
+<p:sld xmlns:a="http://schemas.openxmlformats.org/drawingml/2006/main" xmlns:r="http://schemas.openxmlformats.org/officeDocument/2006/relationships" xmlns:p="http://schemas.openxmlformats.org/presentationml/2006/main">
+  <p:cSld>
+    <p:spTree>
+      <p:nvGrpSpPr>
+        <p:cNvPr id="1" name=""/>
+        <p:cNvGrpSpPr/>
+        <p:nvPr/>
+      </p:nvGrpSpPr>
+      <p:grpSpPr>
+        <a:xfrm>
+          <a:off x="0" y="0"/>
+          <a:ext cx="0" cy="0"/>
+          <a:chOff x="0" y="0"/>
+          <a:chExt cx="0" cy="0"/>
+        </a:xfrm>
+      </p:grpSpPr>
+      <p:sp>
+        <p:nvSpPr>
+          <p:cNvPr id="2" name="Title 1"/>
+          <p:cNvSpPr>
+            <a:spLocks noGrp="1"/>
+          </p:cNvSpPr>
+          <p:nvPr>
+            <p:ph type="title"/>
+          </p:nvPr>
+        </p:nvSpPr>
+        <p:spPr/>
+        <p:txBody>
+          <a:bodyPr/>
+          <a:lstStyle/>
+          <a:p>
+            <a:r>
+              <a:rPr lang="zh-CN" altLang="en-US" dirty="0" smtClean="0"/>
+              <a:t>距离公式</a:t>
+            </a:r>
+            <a:endParaRPr lang="en-US" dirty="0"/>
+          </a:p>
+        </p:txBody>
+      </p:sp>
+      <p:sp>
+        <p:nvSpPr>
+          <p:cNvPr id="4" name="TextBox 3"/>
+          <p:cNvSpPr txBox="1"/>
+          <p:nvPr/>
+        </p:nvSpPr>
+        <p:spPr>
+          <a:xfrm>
+            <a:off x="4153166" y="2121401"/>
+            <a:ext cx="3112840" cy="369332"/>
+          </a:xfrm>
+          <a:prstGeom prst="rect">
+            <a:avLst/>
+          </a:prstGeom>
+          <a:noFill/>
+        </p:spPr>
+        <p:txBody>
+          <a:bodyPr wrap="none" rtlCol="0">
+            <a:spAutoFit/>
+          </a:bodyPr>
+          <a:lstStyle/>
+          <a:p>
+            <a:r>
+              <a:rPr lang="zh-CN" altLang="en-US" dirty="0" smtClean="0"/>
+              <a:t>二维点距离 </a:t>
+            </a:r>
+            <a:r>
+              <a:rPr lang="en-US" altLang="zh-CN" dirty="0" smtClean="0"/>
+              <a:t>distance</a:t>
+            </a:r>
+            <a:r>
+              <a:rPr lang="en-US" dirty="0" smtClean="0"/>
+              <a:t>²=d1²+d2²</a:t>
+            </a:r>
+            <a:endParaRPr lang="en-US" dirty="0"/>
+          </a:p>
+        </p:txBody>
+      </p:sp>
+      <p:sp>
+        <p:nvSpPr>
+          <p:cNvPr id="5" name="TextBox 4"/>
+          <p:cNvSpPr txBox="1"/>
+          <p:nvPr/>
+        </p:nvSpPr>
+        <p:spPr>
+          <a:xfrm>
+            <a:off x="4158426" y="3158037"/>
+            <a:ext cx="3544047" cy="369332"/>
+          </a:xfrm>
+          <a:prstGeom prst="rect">
+            <a:avLst/>
+          </a:prstGeom>
+          <a:noFill/>
+        </p:spPr>
+        <p:txBody>
+          <a:bodyPr wrap="none" rtlCol="0">
+            <a:spAutoFit/>
+          </a:bodyPr>
+          <a:lstStyle/>
+          <a:p>
+            <a:r>
+              <a:rPr lang="zh-CN" altLang="en-US" dirty="0" smtClean="0"/>
+              <a:t>三维点距离 </a:t>
+            </a:r>
+            <a:r>
+              <a:rPr lang="en-US" altLang="zh-CN" dirty="0" smtClean="0"/>
+              <a:t>distance</a:t>
+            </a:r>
+            <a:r>
+              <a:rPr lang="en-US" dirty="0" smtClean="0"/>
+              <a:t>²=d1²+d2²+d3</a:t>
+            </a:r>
+            <a:r>
+              <a:rPr lang="en-US" dirty="0"/>
+              <a:t>²</a:t>
+            </a:r>
+          </a:p>
+        </p:txBody>
+      </p:sp>
+      <p:sp>
+        <p:nvSpPr>
+          <p:cNvPr id="6" name="TextBox 5"/>
+          <p:cNvSpPr txBox="1"/>
+          <p:nvPr/>
+        </p:nvSpPr>
+        <p:spPr>
+          <a:xfrm>
+            <a:off x="4153166" y="4194674"/>
+            <a:ext cx="4254178" cy="369332"/>
+          </a:xfrm>
+          <a:prstGeom prst="rect">
+            <a:avLst/>
+          </a:prstGeom>
+          <a:noFill/>
+        </p:spPr>
+        <p:txBody>
+          <a:bodyPr wrap="none" rtlCol="0">
+            <a:spAutoFit/>
+          </a:bodyPr>
+          <a:lstStyle/>
+          <a:p>
+            <a:r>
+              <a:rPr lang="zh-CN" altLang="en-US" dirty="0" smtClean="0"/>
+              <a:t>多维点距离 </a:t>
+            </a:r>
+            <a:r>
+              <a:rPr lang="en-US" altLang="zh-CN" dirty="0" smtClean="0"/>
+              <a:t>distance</a:t>
+            </a:r>
+            <a:r>
+              <a:rPr lang="en-US" dirty="0" smtClean="0"/>
+              <a:t>²=d1²+d2²+d3²+</a:t>
+            </a:r>
+            <a:r>
+              <a:rPr lang="mr-IN" dirty="0" smtClean="0"/>
+              <a:t>…</a:t>
+            </a:r>
+            <a:r>
+              <a:rPr lang="en-US" dirty="0" smtClean="0"/>
+              <a:t>+dn</a:t>
+            </a:r>
+            <a:r>
+              <a:rPr lang="en-US" dirty="0"/>
+              <a:t>²</a:t>
+            </a:r>
+          </a:p>
+        </p:txBody>
+      </p:sp>
+    </p:spTree>
+    <p:extLst>
+      <p:ext uri="{BB962C8B-B14F-4D97-AF65-F5344CB8AC3E}">
+        <p14:creationId xmlns:p14="http://schemas.microsoft.com/office/powerpoint/2010/main" val="622831609"/>
+      </p:ext>
+    </p:extLst>
+  </p:cSld>
+  <p:clrMapOvr>
+    <a:masterClrMapping/>
+  </p:clrMapOvr>
+  <p:timing>
+    <p:tnLst>
+      <p:par>
+        <p:cTn id="1" dur="indefinite" restart="never" nodeType="tmRoot">
+          <p:childTnLst>
+            <p:seq concurrent="1" nextAc="seek">
+              <p:cTn id="2" dur="indefinite" nodeType="mainSeq">
+                <p:childTnLst>
+                  <p:par>
+                    <p:cTn id="3" fill="hold">
+                      <p:stCondLst>
+                        <p:cond delay="indefinite"/>
+                      </p:stCondLst>
+                      <p:childTnLst>
+                        <p:par>
+                          <p:cTn id="4" fill="hold">
+                            <p:stCondLst>
+                              <p:cond delay="0"/>
+                            </p:stCondLst>
+                            <p:childTnLst>
+                              <p:par>
+                                <p:cTn id="5" presetID="5" presetClass="entr" presetSubtype="10" fill="hold" grpId="0" nodeType="clickEffect">
+                                  <p:stCondLst>
+                                    <p:cond delay="0"/>
+                                  </p:stCondLst>
+                                  <p:childTnLst>
+                                    <p:set>
+                                      <p:cBhvr>
+                                        <p:cTn id="6" dur="1" fill="hold">
+                                          <p:stCondLst>
+                                            <p:cond delay="0"/>
+                                          </p:stCondLst>
+                                        </p:cTn>
+                                        <p:tgtEl>
+                                          <p:spTgt spid="4"/>
+                                        </p:tgtEl>
+                                        <p:attrNameLst>
+                                          <p:attrName>style.visibility</p:attrName>
+                                        </p:attrNameLst>
+                                      </p:cBhvr>
+                                      <p:to>
+                                        <p:strVal val="visible"/>
+                                      </p:to>
+                                    </p:set>
+                                    <p:animEffect transition="in" filter="checkerboard(across)">
+                                      <p:cBhvr>
+                                        <p:cTn id="7" dur="500"/>
+                                        <p:tgtEl>
+                                          <p:spTgt spid="4"/>
+                                        </p:tgtEl>
+                                      </p:cBhvr>
+                                    </p:animEffect>
+                                  </p:childTnLst>
+                                </p:cTn>
+                              </p:par>
+                            </p:childTnLst>
+                          </p:cTn>
+                        </p:par>
+                      </p:childTnLst>
+                    </p:cTn>
+                  </p:par>
+                  <p:par>
+                    <p:cTn id="8" fill="hold">
+                      <p:stCondLst>
+                        <p:cond delay="indefinite"/>
+                      </p:stCondLst>
+                      <p:childTnLst>
+                        <p:par>
+                          <p:cTn id="9" fill="hold">
+                            <p:stCondLst>
+                              <p:cond delay="0"/>
+                            </p:stCondLst>
+                            <p:childTnLst>
+                              <p:par>
+                                <p:cTn id="10" presetID="5" presetClass="entr" presetSubtype="10" fill="hold" grpId="0" nodeType="clickEffect">
+                                  <p:stCondLst>
+                                    <p:cond delay="0"/>
+                                  </p:stCondLst>
+                                  <p:childTnLst>
+                                    <p:set>
+                                      <p:cBhvr>
+                                        <p:cTn id="11" dur="1" fill="hold">
+                                          <p:stCondLst>
+                                            <p:cond delay="0"/>
+                                          </p:stCondLst>
+                                        </p:cTn>
+                                        <p:tgtEl>
+                                          <p:spTgt spid="5"/>
+                                        </p:tgtEl>
+                                        <p:attrNameLst>
+                                          <p:attrName>style.visibility</p:attrName>
+                                        </p:attrNameLst>
+                                      </p:cBhvr>
+                                      <p:to>
+                                        <p:strVal val="visible"/>
+                                      </p:to>
+                                    </p:set>
+                                    <p:animEffect transition="in" filter="checkerboard(across)">
+                                      <p:cBhvr>
+                                        <p:cTn id="12" dur="500"/>
+                                        <p:tgtEl>
+                                          <p:spTgt spid="5"/>
+                                        </p:tgtEl>
+                                      </p:cBhvr>
+                                    </p:animEffect>
+                                  </p:childTnLst>
+                                </p:cTn>
+                              </p:par>
+                            </p:childTnLst>
+                          </p:cTn>
+                        </p:par>
+                      </p:childTnLst>
+                    </p:cTn>
+                  </p:par>
+                  <p:par>
+                    <p:cTn id="13" fill="hold">
+                      <p:stCondLst>
+                        <p:cond delay="indefinite"/>
+                      </p:stCondLst>
+                      <p:childTnLst>
+                        <p:par>
+                          <p:cTn id="14" fill="hold">
+                            <p:stCondLst>
+                              <p:cond delay="0"/>
+                            </p:stCondLst>
+                            <p:childTnLst>
+                              <p:par>
+                                <p:cTn id="15" presetID="5" presetClass="entr" presetSubtype="10" fill="hold" grpId="0" nodeType="clickEffect">
+                                  <p:stCondLst>
+                                    <p:cond delay="0"/>
+                                  </p:stCondLst>
+                                  <p:childTnLst>
+                                    <p:set>
+                                      <p:cBhvr>
+                                        <p:cTn id="16" dur="1" fill="hold">
+                                          <p:stCondLst>
+                                            <p:cond delay="0"/>
+                                          </p:stCondLst>
+                                        </p:cTn>
+                                        <p:tgtEl>
+                                          <p:spTgt spid="6"/>
+                                        </p:tgtEl>
+                                        <p:attrNameLst>
+                                          <p:attrName>style.visibility</p:attrName>
+                                        </p:attrNameLst>
+                                      </p:cBhvr>
+                                      <p:to>
+                                        <p:strVal val="visible"/>
+                                      </p:to>
+                                    </p:set>
+                                    <p:animEffect transition="in" filter="checkerboard(across)">
+                                      <p:cBhvr>
+                                        <p:cTn id="17" dur="500"/>
+                                        <p:tgtEl>
+                                          <p:spTgt spid="6"/>
+                                        </p:tgtEl>
+                                      </p:cBhvr>
+                                    </p:animEffect>
+                                  </p:childTnLst>
+                                </p:cTn>
+                              </p:par>
+                            </p:childTnLst>
+                          </p:cTn>
+                        </p:par>
+                      </p:childTnLst>
+                    </p:cTn>
+                  </p:par>
+                </p:childTnLst>
+              </p:cTn>
+              <p:prevCondLst>
+                <p:cond evt="onPrev" delay="0">
+                  <p:tgtEl>
+                    <p:sldTgt/>
+                  </p:tgtEl>
+                </p:cond>
+              </p:prevCondLst>
+              <p:nextCondLst>
+                <p:cond evt="onNext" delay="0">
+                  <p:tgtEl>
+                    <p:sldTgt/>
+                  </p:tgtEl>
+                </p:cond>
+              </p:nextCondLst>
+            </p:seq>
+          </p:childTnLst>
+        </p:cTn>
+      </p:par>
+    </p:tnLst>
+    <p:bldLst>
+      <p:bldP spid="4" grpId="0"/>
+      <p:bldP spid="5" grpId="0"/>
+      <p:bldP spid="6" grpId="0"/>
+    </p:bldLst>
+  </p:timing>
+</p:sld>
+</file>
+
+<file path=ppt/slides/slide34.xml><?xml version="1.0" encoding="utf-8"?>
+<p:sld xmlns:a="http://schemas.openxmlformats.org/drawingml/2006/main" xmlns:r="http://schemas.openxmlformats.org/officeDocument/2006/relationships" xmlns:p="http://schemas.openxmlformats.org/presentationml/2006/main">
+  <p:cSld>
+    <p:spTree>
+      <p:nvGrpSpPr>
+        <p:cNvPr id="1" name=""/>
+        <p:cNvGrpSpPr/>
+        <p:nvPr/>
+      </p:nvGrpSpPr>
+      <p:grpSpPr>
+        <a:xfrm>
+          <a:off x="0" y="0"/>
+          <a:ext cx="0" cy="0"/>
+          <a:chOff x="0" y="0"/>
+          <a:chExt cx="0" cy="0"/>
+        </a:xfrm>
+      </p:grpSpPr>
+      <p:sp>
+        <p:nvSpPr>
+          <p:cNvPr id="2" name="Title 1"/>
+          <p:cNvSpPr>
+            <a:spLocks noGrp="1"/>
+          </p:cNvSpPr>
+          <p:nvPr>
+            <p:ph type="title"/>
+          </p:nvPr>
+        </p:nvSpPr>
         <p:spPr/>
         <p:txBody>
           <a:bodyPr/>
@@ -23375,7 +25184,7 @@
           <a:lstStyle/>
           <a:p>
             <a:r>
-              <a:rPr lang="de-DE"/>
+              <a:rPr lang="de-DE" dirty="0"/>
               <a:t>[255 255 255 255 255 255 255 255 255 255 255 255 255 255 255 255 255 255 255 255 255 255 255 255 255 255 255 255 192 208 255 255 255 255 255 255 255 255 255 255 255 255 255 255 255 255 255 112   0   0  16  80 160 255 255 255 255 255 255 255 255 255 255 255 255 240  96   0   0   0   0   0   0  80 255 255 255 255 255 255 255 255 255 255 255  64   0  48 176 255 208 144  32   0 128 255 255 255 255 255 255 255 255 255 160   0  80 255 255 255 255 255 224   0   0 255 255 255 255 255 255 255 255 240  16   0 224 255 255 255 255 255 255  48   0 192 255 255 255 255 255 255 255 160   0  96 255 255 255 255 255 255 255  64   0 192 255 255 255 255 255 255 255  80   0 160 255 255 255 255 255 255 255  64   0 192 255 255 255 255 255 255 255  64   0 192 255 255 255 255 255 255 255  16   0 240 255 255 255 255 255 255 255  64   0 192 255 255 255 255 255 255 208   0  48 255 255 255 255 255 255 255 255  96   0 112 255 255 255 255 255 255  96   0 144 255 255 255 255 255 255 255 255 192   0  16 208 255 255 255 255 144   0  32 240 255 255 255 255 255 255 255 255 255  64   0  16 112 192 192 112   0  16 208 255 255 255 255 255 255 255 255 255 255 240  80   0   0   0   0   0  32 208 255 255 255 255 255 255 255 255 255 255 255 255 255 176  64  64  64 112 240 255 255 255 255 255 255 255 255 255 255 255 255 255 255 255 255 255 255 255 255 255 255 255 255 255 255 255 255 255 255 255 255 255 255 255 255 255 255 255 255 255 255 255 255 255 255 255 255 255 255 255 255 255 255 255 255 255 255 255 255 255 255 255 255 255 255 255 255 255 255 255 255 255 255 255 255 255 255 255 255 255 255 255 255 255 255 255 255]</a:t>
             </a:r>
             <a:endParaRPr lang="en-US" dirty="0"/>

--- a/机器学习之手写识别.pptx
+++ b/机器学习之手写识别.pptx
@@ -342,7 +342,7 @@
           <a:p>
             <a:fld id="{1F6C1808-FC4B-3644-BDA2-BAA4F954847D}" type="datetimeFigureOut">
               <a:rPr lang="en-US" smtClean="0"/>
-              <a:t>3/23/18</a:t>
+              <a:t>7/13/18</a:t>
             </a:fld>
             <a:endParaRPr lang="en-US"/>
           </a:p>
@@ -512,7 +512,7 @@
           <a:p>
             <a:fld id="{1F6C1808-FC4B-3644-BDA2-BAA4F954847D}" type="datetimeFigureOut">
               <a:rPr lang="en-US" smtClean="0"/>
-              <a:t>3/23/18</a:t>
+              <a:t>7/13/18</a:t>
             </a:fld>
             <a:endParaRPr lang="en-US"/>
           </a:p>
@@ -692,7 +692,7 @@
           <a:p>
             <a:fld id="{1F6C1808-FC4B-3644-BDA2-BAA4F954847D}" type="datetimeFigureOut">
               <a:rPr lang="en-US" smtClean="0"/>
-              <a:t>3/23/18</a:t>
+              <a:t>7/13/18</a:t>
             </a:fld>
             <a:endParaRPr lang="en-US"/>
           </a:p>
@@ -862,7 +862,7 @@
           <a:p>
             <a:fld id="{1F6C1808-FC4B-3644-BDA2-BAA4F954847D}" type="datetimeFigureOut">
               <a:rPr lang="en-US" smtClean="0"/>
-              <a:t>3/23/18</a:t>
+              <a:t>7/13/18</a:t>
             </a:fld>
             <a:endParaRPr lang="en-US"/>
           </a:p>
@@ -1108,7 +1108,7 @@
           <a:p>
             <a:fld id="{1F6C1808-FC4B-3644-BDA2-BAA4F954847D}" type="datetimeFigureOut">
               <a:rPr lang="en-US" smtClean="0"/>
-              <a:t>3/23/18</a:t>
+              <a:t>7/13/18</a:t>
             </a:fld>
             <a:endParaRPr lang="en-US"/>
           </a:p>
@@ -1340,7 +1340,7 @@
           <a:p>
             <a:fld id="{1F6C1808-FC4B-3644-BDA2-BAA4F954847D}" type="datetimeFigureOut">
               <a:rPr lang="en-US" smtClean="0"/>
-              <a:t>3/23/18</a:t>
+              <a:t>7/13/18</a:t>
             </a:fld>
             <a:endParaRPr lang="en-US"/>
           </a:p>
@@ -1707,7 +1707,7 @@
           <a:p>
             <a:fld id="{1F6C1808-FC4B-3644-BDA2-BAA4F954847D}" type="datetimeFigureOut">
               <a:rPr lang="en-US" smtClean="0"/>
-              <a:t>3/23/18</a:t>
+              <a:t>7/13/18</a:t>
             </a:fld>
             <a:endParaRPr lang="en-US"/>
           </a:p>
@@ -1825,7 +1825,7 @@
           <a:p>
             <a:fld id="{1F6C1808-FC4B-3644-BDA2-BAA4F954847D}" type="datetimeFigureOut">
               <a:rPr lang="en-US" smtClean="0"/>
-              <a:t>3/23/18</a:t>
+              <a:t>7/13/18</a:t>
             </a:fld>
             <a:endParaRPr lang="en-US"/>
           </a:p>
@@ -1920,7 +1920,7 @@
           <a:p>
             <a:fld id="{1F6C1808-FC4B-3644-BDA2-BAA4F954847D}" type="datetimeFigureOut">
               <a:rPr lang="en-US" smtClean="0"/>
-              <a:t>3/23/18</a:t>
+              <a:t>7/13/18</a:t>
             </a:fld>
             <a:endParaRPr lang="en-US"/>
           </a:p>
@@ -2197,7 +2197,7 @@
           <a:p>
             <a:fld id="{1F6C1808-FC4B-3644-BDA2-BAA4F954847D}" type="datetimeFigureOut">
               <a:rPr lang="en-US" smtClean="0"/>
-              <a:t>3/23/18</a:t>
+              <a:t>7/13/18</a:t>
             </a:fld>
             <a:endParaRPr lang="en-US"/>
           </a:p>
@@ -2450,7 +2450,7 @@
           <a:p>
             <a:fld id="{1F6C1808-FC4B-3644-BDA2-BAA4F954847D}" type="datetimeFigureOut">
               <a:rPr lang="en-US" smtClean="0"/>
-              <a:t>3/23/18</a:t>
+              <a:t>7/13/18</a:t>
             </a:fld>
             <a:endParaRPr lang="en-US"/>
           </a:p>
@@ -2663,7 +2663,7 @@
           <a:p>
             <a:fld id="{1F6C1808-FC4B-3644-BDA2-BAA4F954847D}" type="datetimeFigureOut">
               <a:rPr lang="en-US" smtClean="0"/>
-              <a:t>3/23/18</a:t>
+              <a:t>7/13/18</a:t>
             </a:fld>
             <a:endParaRPr lang="en-US"/>
           </a:p>
@@ -22512,11 +22512,7 @@
           <a:p>
             <a:r>
               <a:rPr lang="en-US" dirty="0" smtClean="0"/>
-              <a:t>d1</a:t>
-            </a:r>
-            <a:r>
-              <a:rPr lang="en-US" dirty="0" smtClean="0"/>
-              <a:t>=x1-x2</a:t>
+              <a:t>d1=x1-x2</a:t>
             </a:r>
             <a:endParaRPr lang="en-US" dirty="0"/>
           </a:p>
@@ -22546,11 +22542,7 @@
           <a:p>
             <a:r>
               <a:rPr lang="en-US" dirty="0" smtClean="0"/>
-              <a:t>d2</a:t>
-            </a:r>
-            <a:r>
-              <a:rPr lang="en-US" dirty="0" smtClean="0"/>
-              <a:t>=y1-y2</a:t>
+              <a:t>d2=y1-y2</a:t>
             </a:r>
             <a:endParaRPr lang="en-US" dirty="0"/>
           </a:p>
@@ -22580,11 +22572,7 @@
           <a:p>
             <a:r>
               <a:rPr lang="en-US" smtClean="0"/>
-              <a:t>distance</a:t>
-            </a:r>
-            <a:r>
-              <a:rPr lang="en-US" smtClean="0"/>
-              <a:t>²</a:t>
+              <a:t>distance²</a:t>
             </a:r>
             <a:endParaRPr lang="en-US" dirty="0"/>
           </a:p>
@@ -22614,15 +22602,7 @@
           <a:p>
             <a:r>
               <a:rPr lang="en-US" dirty="0" smtClean="0"/>
-              <a:t>=</a:t>
-            </a:r>
-            <a:r>
-              <a:rPr lang="en-US" dirty="0" smtClean="0"/>
-              <a:t>d1</a:t>
-            </a:r>
-            <a:r>
-              <a:rPr lang="en-US" dirty="0" smtClean="0"/>
-              <a:t>²+d2²</a:t>
+              <a:t>=d1²+d2²</a:t>
             </a:r>
             <a:endParaRPr lang="en-US" dirty="0"/>
           </a:p>
@@ -25747,7 +25727,7 @@
             <p:ph idx="1"/>
             <p:extLst>
               <p:ext uri="{D42A27DB-BD31-4B8C-83A1-F6EECF244321}">
-                <p14:modId xmlns:p14="http://schemas.microsoft.com/office/powerpoint/2010/main" val="364106071"/>
+                <p14:modId xmlns:p14="http://schemas.microsoft.com/office/powerpoint/2010/main" val="28843033"/>
               </p:ext>
             </p:extLst>
           </p:nvPr>
@@ -25789,15 +25769,11 @@
                     <a:p>
                       <a:r>
                         <a:rPr lang="zh-CN" altLang="en-US" dirty="0" smtClean="0"/>
-                        <a:t>功率（</a:t>
+                        <a:t>功率</a:t>
                       </a:r>
                       <a:r>
                         <a:rPr lang="en-US" altLang="zh-CN" dirty="0" smtClean="0"/>
-                        <a:t>W</a:t>
-                      </a:r>
-                      <a:r>
-                        <a:rPr lang="zh-CN" altLang="en-US" dirty="0" smtClean="0"/>
-                        <a:t>）</a:t>
+                        <a:t>/W</a:t>
                       </a:r>
                       <a:endParaRPr lang="en-US" dirty="0"/>
                     </a:p>
@@ -25811,15 +25787,11 @@
                     <a:p>
                       <a:r>
                         <a:rPr lang="zh-CN" altLang="en-US" dirty="0" smtClean="0"/>
-                        <a:t>光通量（</a:t>
+                        <a:t>光通量</a:t>
                       </a:r>
                       <a:r>
                         <a:rPr lang="en-US" altLang="zh-CN" dirty="0" smtClean="0"/>
-                        <a:t>LM</a:t>
-                      </a:r>
-                      <a:r>
-                        <a:rPr lang="zh-CN" altLang="en-US" dirty="0" smtClean="0"/>
-                        <a:t>）</a:t>
+                        <a:t>/LM</a:t>
                       </a:r>
                       <a:endParaRPr lang="en-US" dirty="0"/>
                     </a:p>
